--- a/靜態網頁.pptx
+++ b/靜態網頁.pptx
@@ -15,6 +15,11 @@
     <p:sldId id="263" r:id="rId9"/>
     <p:sldId id="264" r:id="rId10"/>
     <p:sldId id="265" r:id="rId11"/>
+    <p:sldId id="266" r:id="rId12"/>
+    <p:sldId id="267" r:id="rId13"/>
+    <p:sldId id="269" r:id="rId14"/>
+    <p:sldId id="268" r:id="rId15"/>
+    <p:sldId id="270" r:id="rId16"/>
   </p:sldIdLst>
   <p:sldSz cx="9144000" cy="6858000" type="screen4x3"/>
   <p:notesSz cx="6858000" cy="9144000"/>
@@ -297,7 +302,7 @@
           <a:p>
             <a:fld id="{5BBEAD13-0566-4C6C-97E7-55F17F24B09F}" type="datetimeFigureOut">
               <a:rPr lang="zh-TW" altLang="en-US" smtClean="0"/>
-              <a:t>2021/7/8</a:t>
+              <a:t>2021/7/12</a:t>
             </a:fld>
             <a:endParaRPr lang="zh-TW" altLang="en-US"/>
           </a:p>
@@ -462,7 +467,7 @@
           <a:p>
             <a:fld id="{5BBEAD13-0566-4C6C-97E7-55F17F24B09F}" type="datetimeFigureOut">
               <a:rPr lang="zh-TW" altLang="en-US" smtClean="0"/>
-              <a:t>2021/7/8</a:t>
+              <a:t>2021/7/12</a:t>
             </a:fld>
             <a:endParaRPr lang="zh-TW" altLang="en-US"/>
           </a:p>
@@ -637,7 +642,7 @@
           <a:p>
             <a:fld id="{5BBEAD13-0566-4C6C-97E7-55F17F24B09F}" type="datetimeFigureOut">
               <a:rPr lang="zh-TW" altLang="en-US" smtClean="0"/>
-              <a:t>2021/7/8</a:t>
+              <a:t>2021/7/12</a:t>
             </a:fld>
             <a:endParaRPr lang="zh-TW" altLang="en-US"/>
           </a:p>
@@ -802,7 +807,7 @@
           <a:p>
             <a:fld id="{5BBEAD13-0566-4C6C-97E7-55F17F24B09F}" type="datetimeFigureOut">
               <a:rPr lang="zh-TW" altLang="en-US" smtClean="0"/>
-              <a:t>2021/7/8</a:t>
+              <a:t>2021/7/12</a:t>
             </a:fld>
             <a:endParaRPr lang="zh-TW" altLang="en-US"/>
           </a:p>
@@ -1043,7 +1048,7 @@
           <a:p>
             <a:fld id="{5BBEAD13-0566-4C6C-97E7-55F17F24B09F}" type="datetimeFigureOut">
               <a:rPr lang="zh-TW" altLang="en-US" smtClean="0"/>
-              <a:t>2021/7/8</a:t>
+              <a:t>2021/7/12</a:t>
             </a:fld>
             <a:endParaRPr lang="zh-TW" altLang="en-US"/>
           </a:p>
@@ -1326,7 +1331,7 @@
           <a:p>
             <a:fld id="{5BBEAD13-0566-4C6C-97E7-55F17F24B09F}" type="datetimeFigureOut">
               <a:rPr lang="zh-TW" altLang="en-US" smtClean="0"/>
-              <a:t>2021/7/8</a:t>
+              <a:t>2021/7/12</a:t>
             </a:fld>
             <a:endParaRPr lang="zh-TW" altLang="en-US"/>
           </a:p>
@@ -1743,7 +1748,7 @@
           <a:p>
             <a:fld id="{5BBEAD13-0566-4C6C-97E7-55F17F24B09F}" type="datetimeFigureOut">
               <a:rPr lang="zh-TW" altLang="en-US" smtClean="0"/>
-              <a:t>2021/7/8</a:t>
+              <a:t>2021/7/12</a:t>
             </a:fld>
             <a:endParaRPr lang="zh-TW" altLang="en-US"/>
           </a:p>
@@ -1856,7 +1861,7 @@
           <a:p>
             <a:fld id="{5BBEAD13-0566-4C6C-97E7-55F17F24B09F}" type="datetimeFigureOut">
               <a:rPr lang="zh-TW" altLang="en-US" smtClean="0"/>
-              <a:t>2021/7/8</a:t>
+              <a:t>2021/7/12</a:t>
             </a:fld>
             <a:endParaRPr lang="zh-TW" altLang="en-US"/>
           </a:p>
@@ -1946,7 +1951,7 @@
           <a:p>
             <a:fld id="{5BBEAD13-0566-4C6C-97E7-55F17F24B09F}" type="datetimeFigureOut">
               <a:rPr lang="zh-TW" altLang="en-US" smtClean="0"/>
-              <a:t>2021/7/8</a:t>
+              <a:t>2021/7/12</a:t>
             </a:fld>
             <a:endParaRPr lang="zh-TW" altLang="en-US"/>
           </a:p>
@@ -2218,7 +2223,7 @@
           <a:p>
             <a:fld id="{5BBEAD13-0566-4C6C-97E7-55F17F24B09F}" type="datetimeFigureOut">
               <a:rPr lang="zh-TW" altLang="en-US" smtClean="0"/>
-              <a:t>2021/7/8</a:t>
+              <a:t>2021/7/12</a:t>
             </a:fld>
             <a:endParaRPr lang="zh-TW" altLang="en-US"/>
           </a:p>
@@ -2466,7 +2471,7 @@
           <a:p>
             <a:fld id="{5BBEAD13-0566-4C6C-97E7-55F17F24B09F}" type="datetimeFigureOut">
               <a:rPr lang="zh-TW" altLang="en-US" smtClean="0"/>
-              <a:t>2021/7/8</a:t>
+              <a:t>2021/7/12</a:t>
             </a:fld>
             <a:endParaRPr lang="zh-TW" altLang="en-US"/>
           </a:p>
@@ -2674,7 +2679,7 @@
           <a:p>
             <a:fld id="{5BBEAD13-0566-4C6C-97E7-55F17F24B09F}" type="datetimeFigureOut">
               <a:rPr lang="zh-TW" altLang="en-US" smtClean="0"/>
-              <a:t>2021/7/8</a:t>
+              <a:t>2021/7/12</a:t>
             </a:fld>
             <a:endParaRPr lang="zh-TW" altLang="en-US"/>
           </a:p>
@@ -3424,10 +3429,6 @@
               </a:rPr>
               <a:t>&lt;/body&gt;</a:t>
             </a:r>
-            <a:endParaRPr lang="en-US" altLang="zh-TW" dirty="0" smtClean="0">
-              <a:latin typeface="Times New Roman" pitchFamily="18" charset="0"/>
-              <a:cs typeface="Times New Roman" pitchFamily="18" charset="0"/>
-            </a:endParaRPr>
           </a:p>
           <a:p>
             <a:pPr defTabSz="0"/>
@@ -3591,14 +3592,7 @@
                 <a:latin typeface="Times New Roman" pitchFamily="18" charset="0"/>
                 <a:cs typeface="Times New Roman" pitchFamily="18" charset="0"/>
               </a:rPr>
-              <a:t>.&lt;</a:t>
-            </a:r>
-            <a:r>
-              <a:rPr lang="en-US" altLang="zh-TW" dirty="0" smtClean="0">
-                <a:latin typeface="Times New Roman" pitchFamily="18" charset="0"/>
-                <a:cs typeface="Times New Roman" pitchFamily="18" charset="0"/>
-              </a:rPr>
-              <a:t>div&gt;&lt;/div&gt;</a:t>
+              <a:t>.&lt;div&gt;&lt;/div&gt;</a:t>
             </a:r>
           </a:p>
           <a:p>
@@ -3739,6 +3733,3132 @@
     <p:extLst>
       <p:ext uri="{BB962C8B-B14F-4D97-AF65-F5344CB8AC3E}">
         <p14:creationId xmlns:p14="http://schemas.microsoft.com/office/powerpoint/2010/main" val="3288002405"/>
+      </p:ext>
+    </p:extLst>
+  </p:cSld>
+  <p:clrMapOvr>
+    <a:masterClrMapping/>
+  </p:clrMapOvr>
+  <p:timing>
+    <p:tnLst>
+      <p:par>
+        <p:cTn id="1" dur="indefinite" restart="never" nodeType="tmRoot"/>
+      </p:par>
+    </p:tnLst>
+  </p:timing>
+</p:sld>
+</file>
+
+<file path=ppt/slides/slide11.xml><?xml version="1.0" encoding="utf-8"?>
+<p:sld xmlns:a="http://schemas.openxmlformats.org/drawingml/2006/main" xmlns:r="http://schemas.openxmlformats.org/officeDocument/2006/relationships" xmlns:p="http://schemas.openxmlformats.org/presentationml/2006/main">
+  <p:cSld>
+    <p:spTree>
+      <p:nvGrpSpPr>
+        <p:cNvPr id="1" name=""/>
+        <p:cNvGrpSpPr/>
+        <p:nvPr/>
+      </p:nvGrpSpPr>
+      <p:grpSpPr>
+        <a:xfrm>
+          <a:off x="0" y="0"/>
+          <a:ext cx="0" cy="0"/>
+          <a:chOff x="0" y="0"/>
+          <a:chExt cx="0" cy="0"/>
+        </a:xfrm>
+      </p:grpSpPr>
+      <p:sp>
+        <p:nvSpPr>
+          <p:cNvPr id="4" name="文字方塊 3"/>
+          <p:cNvSpPr txBox="1"/>
+          <p:nvPr/>
+        </p:nvSpPr>
+        <p:spPr>
+          <a:xfrm>
+            <a:off x="0" y="0"/>
+            <a:ext cx="9144000" cy="836712"/>
+          </a:xfrm>
+          <a:prstGeom prst="rect">
+            <a:avLst/>
+          </a:prstGeom>
+          <a:noFill/>
+        </p:spPr>
+        <p:txBody>
+          <a:bodyPr wrap="square" rtlCol="0" anchor="ctr">
+            <a:noAutofit/>
+          </a:bodyPr>
+          <a:lstStyle/>
+          <a:p>
+            <a:pPr algn="ctr"/>
+            <a:r>
+              <a:rPr lang="zh-TW" altLang="en-US" sz="2400" dirty="0" smtClean="0">
+                <a:latin typeface="Times New Roman" pitchFamily="18" charset="0"/>
+                <a:cs typeface="Times New Roman" pitchFamily="18" charset="0"/>
+              </a:rPr>
+              <a:t>瀏覽器檢查網頁文件</a:t>
+            </a:r>
+            <a:endParaRPr lang="zh-TW" altLang="en-US" sz="2400" dirty="0">
+              <a:latin typeface="Times New Roman" pitchFamily="18" charset="0"/>
+              <a:cs typeface="Times New Roman" pitchFamily="18" charset="0"/>
+            </a:endParaRPr>
+          </a:p>
+        </p:txBody>
+      </p:sp>
+      <p:sp>
+        <p:nvSpPr>
+          <p:cNvPr id="5" name="文字方塊 4"/>
+          <p:cNvSpPr txBox="1"/>
+          <p:nvPr/>
+        </p:nvSpPr>
+        <p:spPr>
+          <a:xfrm>
+            <a:off x="8711952" y="6573902"/>
+            <a:ext cx="432048" cy="276999"/>
+          </a:xfrm>
+          <a:prstGeom prst="rect">
+            <a:avLst/>
+          </a:prstGeom>
+          <a:noFill/>
+        </p:spPr>
+        <p:txBody>
+          <a:bodyPr wrap="square" rtlCol="0" anchor="ctr">
+            <a:spAutoFit/>
+          </a:bodyPr>
+          <a:lstStyle/>
+          <a:p>
+            <a:pPr algn="ctr"/>
+            <a:r>
+              <a:rPr lang="en-US" altLang="zh-TW" sz="1200" dirty="0" smtClean="0">
+                <a:latin typeface="Times New Roman" pitchFamily="18" charset="0"/>
+                <a:cs typeface="Times New Roman" pitchFamily="18" charset="0"/>
+              </a:rPr>
+              <a:t>11</a:t>
+            </a:r>
+            <a:endParaRPr lang="zh-TW" altLang="en-US" sz="1200" dirty="0">
+              <a:latin typeface="Times New Roman" pitchFamily="18" charset="0"/>
+              <a:cs typeface="Times New Roman" pitchFamily="18" charset="0"/>
+            </a:endParaRPr>
+          </a:p>
+        </p:txBody>
+      </p:sp>
+      <p:sp>
+        <p:nvSpPr>
+          <p:cNvPr id="38" name="文字方塊 37"/>
+          <p:cNvSpPr txBox="1"/>
+          <p:nvPr/>
+        </p:nvSpPr>
+        <p:spPr>
+          <a:xfrm>
+            <a:off x="503548" y="1124744"/>
+            <a:ext cx="8136904" cy="5328592"/>
+          </a:xfrm>
+          <a:prstGeom prst="rect">
+            <a:avLst/>
+          </a:prstGeom>
+          <a:noFill/>
+        </p:spPr>
+        <p:txBody>
+          <a:bodyPr wrap="square" rtlCol="0" anchor="t">
+            <a:noAutofit/>
+          </a:bodyPr>
+          <a:lstStyle/>
+          <a:p>
+            <a:pPr defTabSz="0"/>
+            <a:r>
+              <a:rPr lang="zh-TW" altLang="en-US" dirty="0" smtClean="0">
+                <a:latin typeface="Times New Roman" pitchFamily="18" charset="0"/>
+                <a:cs typeface="Times New Roman" pitchFamily="18" charset="0"/>
+              </a:rPr>
+              <a:t>在瀏覽器按下 </a:t>
+            </a:r>
+            <a:r>
+              <a:rPr lang="en-US" altLang="zh-TW" dirty="0" smtClean="0">
+                <a:latin typeface="Times New Roman" pitchFamily="18" charset="0"/>
+                <a:cs typeface="Times New Roman" pitchFamily="18" charset="0"/>
+              </a:rPr>
+              <a:t>F12</a:t>
+            </a:r>
+            <a:r>
+              <a:rPr lang="zh-TW" altLang="en-US" dirty="0" smtClean="0">
+                <a:latin typeface="Times New Roman" pitchFamily="18" charset="0"/>
+                <a:cs typeface="Times New Roman" pitchFamily="18" charset="0"/>
+              </a:rPr>
+              <a:t>，開啟「開發者工具」</a:t>
+            </a:r>
+            <a:endParaRPr lang="en-US" altLang="zh-TW" dirty="0">
+              <a:latin typeface="Times New Roman" pitchFamily="18" charset="0"/>
+              <a:cs typeface="Times New Roman" pitchFamily="18" charset="0"/>
+            </a:endParaRPr>
+          </a:p>
+        </p:txBody>
+      </p:sp>
+      <p:pic>
+        <p:nvPicPr>
+          <p:cNvPr id="2" name="圖片 1"/>
+          <p:cNvPicPr>
+            <a:picLocks noChangeAspect="1"/>
+          </p:cNvPicPr>
+          <p:nvPr/>
+        </p:nvPicPr>
+        <p:blipFill>
+          <a:blip r:embed="rId2">
+            <a:extLst>
+              <a:ext uri="{28A0092B-C50C-407E-A947-70E740481C1C}">
+                <a14:useLocalDpi xmlns:a14="http://schemas.microsoft.com/office/drawing/2010/main" val="0"/>
+              </a:ext>
+            </a:extLst>
+          </a:blip>
+          <a:stretch>
+            <a:fillRect/>
+          </a:stretch>
+        </p:blipFill>
+        <p:spPr>
+          <a:xfrm>
+            <a:off x="0" y="1499859"/>
+            <a:ext cx="9144000" cy="4923214"/>
+          </a:xfrm>
+          <a:prstGeom prst="rect">
+            <a:avLst/>
+          </a:prstGeom>
+        </p:spPr>
+      </p:pic>
+    </p:spTree>
+    <p:extLst>
+      <p:ext uri="{BB962C8B-B14F-4D97-AF65-F5344CB8AC3E}">
+        <p14:creationId xmlns:p14="http://schemas.microsoft.com/office/powerpoint/2010/main" val="4029190908"/>
+      </p:ext>
+    </p:extLst>
+  </p:cSld>
+  <p:clrMapOvr>
+    <a:masterClrMapping/>
+  </p:clrMapOvr>
+  <p:timing>
+    <p:tnLst>
+      <p:par>
+        <p:cTn id="1" dur="indefinite" restart="never" nodeType="tmRoot"/>
+      </p:par>
+    </p:tnLst>
+  </p:timing>
+</p:sld>
+</file>
+
+<file path=ppt/slides/slide12.xml><?xml version="1.0" encoding="utf-8"?>
+<p:sld xmlns:a="http://schemas.openxmlformats.org/drawingml/2006/main" xmlns:r="http://schemas.openxmlformats.org/officeDocument/2006/relationships" xmlns:p="http://schemas.openxmlformats.org/presentationml/2006/main">
+  <p:cSld>
+    <p:spTree>
+      <p:nvGrpSpPr>
+        <p:cNvPr id="1" name=""/>
+        <p:cNvGrpSpPr/>
+        <p:nvPr/>
+      </p:nvGrpSpPr>
+      <p:grpSpPr>
+        <a:xfrm>
+          <a:off x="0" y="0"/>
+          <a:ext cx="0" cy="0"/>
+          <a:chOff x="0" y="0"/>
+          <a:chExt cx="0" cy="0"/>
+        </a:xfrm>
+      </p:grpSpPr>
+      <p:sp>
+        <p:nvSpPr>
+          <p:cNvPr id="4" name="文字方塊 3"/>
+          <p:cNvSpPr txBox="1"/>
+          <p:nvPr/>
+        </p:nvSpPr>
+        <p:spPr>
+          <a:xfrm>
+            <a:off x="0" y="0"/>
+            <a:ext cx="9144000" cy="836712"/>
+          </a:xfrm>
+          <a:prstGeom prst="rect">
+            <a:avLst/>
+          </a:prstGeom>
+          <a:noFill/>
+        </p:spPr>
+        <p:txBody>
+          <a:bodyPr wrap="square" rtlCol="0" anchor="ctr">
+            <a:noAutofit/>
+          </a:bodyPr>
+          <a:lstStyle/>
+          <a:p>
+            <a:pPr algn="ctr"/>
+            <a:r>
+              <a:rPr lang="en-US" altLang="zh-TW" sz="2400" dirty="0" smtClean="0">
+                <a:latin typeface="Times New Roman" pitchFamily="18" charset="0"/>
+                <a:cs typeface="Times New Roman" pitchFamily="18" charset="0"/>
+              </a:rPr>
+              <a:t>Element </a:t>
+            </a:r>
+            <a:r>
+              <a:rPr lang="zh-TW" altLang="en-US" sz="2400" dirty="0" smtClean="0">
+                <a:latin typeface="Times New Roman" pitchFamily="18" charset="0"/>
+                <a:cs typeface="Times New Roman" pitchFamily="18" charset="0"/>
+              </a:rPr>
+              <a:t>介紹</a:t>
+            </a:r>
+            <a:endParaRPr lang="zh-TW" altLang="en-US" sz="2400" dirty="0">
+              <a:latin typeface="Times New Roman" pitchFamily="18" charset="0"/>
+              <a:cs typeface="Times New Roman" pitchFamily="18" charset="0"/>
+            </a:endParaRPr>
+          </a:p>
+        </p:txBody>
+      </p:sp>
+      <p:sp>
+        <p:nvSpPr>
+          <p:cNvPr id="5" name="文字方塊 4"/>
+          <p:cNvSpPr txBox="1"/>
+          <p:nvPr/>
+        </p:nvSpPr>
+        <p:spPr>
+          <a:xfrm>
+            <a:off x="8711952" y="6573902"/>
+            <a:ext cx="432048" cy="276999"/>
+          </a:xfrm>
+          <a:prstGeom prst="rect">
+            <a:avLst/>
+          </a:prstGeom>
+          <a:noFill/>
+        </p:spPr>
+        <p:txBody>
+          <a:bodyPr wrap="square" rtlCol="0" anchor="ctr">
+            <a:spAutoFit/>
+          </a:bodyPr>
+          <a:lstStyle/>
+          <a:p>
+            <a:pPr algn="ctr"/>
+            <a:r>
+              <a:rPr lang="en-US" altLang="zh-TW" sz="1200" dirty="0" smtClean="0">
+                <a:latin typeface="Times New Roman" pitchFamily="18" charset="0"/>
+                <a:cs typeface="Times New Roman" pitchFamily="18" charset="0"/>
+              </a:rPr>
+              <a:t>12</a:t>
+            </a:r>
+            <a:endParaRPr lang="zh-TW" altLang="en-US" sz="1200" dirty="0">
+              <a:latin typeface="Times New Roman" pitchFamily="18" charset="0"/>
+              <a:cs typeface="Times New Roman" pitchFamily="18" charset="0"/>
+            </a:endParaRPr>
+          </a:p>
+        </p:txBody>
+      </p:sp>
+      <p:sp>
+        <p:nvSpPr>
+          <p:cNvPr id="38" name="文字方塊 37"/>
+          <p:cNvSpPr txBox="1"/>
+          <p:nvPr/>
+        </p:nvSpPr>
+        <p:spPr>
+          <a:xfrm>
+            <a:off x="503548" y="1124744"/>
+            <a:ext cx="8136904" cy="5328592"/>
+          </a:xfrm>
+          <a:prstGeom prst="rect">
+            <a:avLst/>
+          </a:prstGeom>
+          <a:noFill/>
+        </p:spPr>
+        <p:txBody>
+          <a:bodyPr wrap="square" rtlCol="0" anchor="t">
+            <a:noAutofit/>
+          </a:bodyPr>
+          <a:lstStyle/>
+          <a:p>
+            <a:pPr defTabSz="0"/>
+            <a:r>
+              <a:rPr lang="zh-TW" altLang="en-US" dirty="0" smtClean="0">
+                <a:latin typeface="Times New Roman" pitchFamily="18" charset="0"/>
+                <a:cs typeface="Times New Roman" pitchFamily="18" charset="0"/>
+              </a:rPr>
+              <a:t>標示註解</a:t>
+            </a:r>
+            <a:endParaRPr lang="en-US" altLang="zh-TW" dirty="0">
+              <a:latin typeface="Times New Roman" pitchFamily="18" charset="0"/>
+              <a:cs typeface="Times New Roman" pitchFamily="18" charset="0"/>
+            </a:endParaRPr>
+          </a:p>
+          <a:p>
+            <a:pPr defTabSz="0"/>
+            <a:r>
+              <a:rPr lang="zh-TW" altLang="en-US" dirty="0">
+                <a:latin typeface="Times New Roman" pitchFamily="18" charset="0"/>
+                <a:cs typeface="Times New Roman" pitchFamily="18" charset="0"/>
+              </a:rPr>
+              <a:t>　</a:t>
+            </a:r>
+            <a:r>
+              <a:rPr lang="en-US" altLang="zh-TW" dirty="0" smtClean="0">
+                <a:latin typeface="Times New Roman" pitchFamily="18" charset="0"/>
+                <a:cs typeface="Times New Roman" pitchFamily="18" charset="0"/>
+              </a:rPr>
+              <a:t>&lt;!-- </a:t>
+            </a:r>
+            <a:r>
+              <a:rPr lang="zh-TW" altLang="en-US" dirty="0">
+                <a:latin typeface="Times New Roman" pitchFamily="18" charset="0"/>
+                <a:cs typeface="Times New Roman" pitchFamily="18" charset="0"/>
+              </a:rPr>
+              <a:t>註解 </a:t>
+            </a:r>
+            <a:r>
+              <a:rPr lang="en-US" altLang="zh-TW" dirty="0" smtClean="0">
+                <a:latin typeface="Times New Roman" pitchFamily="18" charset="0"/>
+                <a:cs typeface="Times New Roman" pitchFamily="18" charset="0"/>
+              </a:rPr>
+              <a:t>--&gt;</a:t>
+            </a:r>
+          </a:p>
+          <a:p>
+            <a:pPr defTabSz="0"/>
+            <a:r>
+              <a:rPr lang="zh-TW" altLang="en-US" dirty="0" smtClean="0">
+                <a:latin typeface="Times New Roman" pitchFamily="18" charset="0"/>
+                <a:cs typeface="Times New Roman" pitchFamily="18" charset="0"/>
+              </a:rPr>
+              <a:t>表示區塊</a:t>
+            </a:r>
+            <a:endParaRPr lang="en-US" altLang="zh-TW" dirty="0" smtClean="0">
+              <a:latin typeface="Times New Roman" pitchFamily="18" charset="0"/>
+              <a:cs typeface="Times New Roman" pitchFamily="18" charset="0"/>
+            </a:endParaRPr>
+          </a:p>
+          <a:p>
+            <a:pPr defTabSz="0"/>
+            <a:r>
+              <a:rPr lang="zh-TW" altLang="en-US" dirty="0" smtClean="0">
+                <a:latin typeface="Times New Roman" pitchFamily="18" charset="0"/>
+                <a:cs typeface="Times New Roman" pitchFamily="18" charset="0"/>
+              </a:rPr>
+              <a:t>　</a:t>
+            </a:r>
+            <a:r>
+              <a:rPr lang="en-US" altLang="zh-TW" dirty="0" smtClean="0">
+                <a:latin typeface="Times New Roman" pitchFamily="18" charset="0"/>
+                <a:cs typeface="Times New Roman" pitchFamily="18" charset="0"/>
+              </a:rPr>
+              <a:t>&lt;div&gt;</a:t>
+            </a:r>
+            <a:r>
+              <a:rPr lang="zh-TW" altLang="en-US" dirty="0" smtClean="0">
+                <a:latin typeface="Times New Roman" pitchFamily="18" charset="0"/>
+                <a:cs typeface="Times New Roman" pitchFamily="18" charset="0"/>
+              </a:rPr>
+              <a:t>區</a:t>
+            </a:r>
+            <a:r>
+              <a:rPr lang="zh-TW" altLang="en-US" dirty="0">
+                <a:latin typeface="Times New Roman" pitchFamily="18" charset="0"/>
+                <a:cs typeface="Times New Roman" pitchFamily="18" charset="0"/>
+              </a:rPr>
+              <a:t>塊</a:t>
+            </a:r>
+            <a:r>
+              <a:rPr lang="en-US" altLang="zh-TW" dirty="0" smtClean="0">
+                <a:latin typeface="Times New Roman" pitchFamily="18" charset="0"/>
+                <a:cs typeface="Times New Roman" pitchFamily="18" charset="0"/>
+              </a:rPr>
+              <a:t>&lt;/</a:t>
+            </a:r>
+            <a:r>
+              <a:rPr lang="en-US" altLang="zh-TW" dirty="0" smtClean="0">
+                <a:latin typeface="Times New Roman" pitchFamily="18" charset="0"/>
+                <a:cs typeface="Times New Roman" pitchFamily="18" charset="0"/>
+              </a:rPr>
+              <a:t>div&gt;</a:t>
+            </a:r>
+          </a:p>
+          <a:p>
+            <a:pPr defTabSz="0"/>
+            <a:r>
+              <a:rPr lang="zh-TW" altLang="en-US" dirty="0" smtClean="0">
+                <a:latin typeface="Times New Roman" pitchFamily="18" charset="0"/>
+                <a:cs typeface="Times New Roman" pitchFamily="18" charset="0"/>
+              </a:rPr>
+              <a:t>表示段落</a:t>
+            </a:r>
+            <a:endParaRPr lang="en-US" altLang="zh-TW" dirty="0" smtClean="0">
+              <a:latin typeface="Times New Roman" pitchFamily="18" charset="0"/>
+              <a:cs typeface="Times New Roman" pitchFamily="18" charset="0"/>
+            </a:endParaRPr>
+          </a:p>
+          <a:p>
+            <a:pPr defTabSz="0"/>
+            <a:r>
+              <a:rPr lang="zh-TW" altLang="en-US" dirty="0">
+                <a:latin typeface="Times New Roman" pitchFamily="18" charset="0"/>
+                <a:cs typeface="Times New Roman" pitchFamily="18" charset="0"/>
+              </a:rPr>
+              <a:t>　</a:t>
+            </a:r>
+            <a:r>
+              <a:rPr lang="en-US" altLang="zh-TW" dirty="0" smtClean="0">
+                <a:latin typeface="Times New Roman" pitchFamily="18" charset="0"/>
+                <a:cs typeface="Times New Roman" pitchFamily="18" charset="0"/>
+              </a:rPr>
+              <a:t>&lt;p&gt;</a:t>
+            </a:r>
+            <a:r>
+              <a:rPr lang="zh-TW" altLang="en-US" dirty="0" smtClean="0">
+                <a:latin typeface="Times New Roman" pitchFamily="18" charset="0"/>
+                <a:cs typeface="Times New Roman" pitchFamily="18" charset="0"/>
+              </a:rPr>
+              <a:t>段落</a:t>
+            </a:r>
+            <a:r>
+              <a:rPr lang="en-US" altLang="zh-TW" dirty="0" smtClean="0">
+                <a:latin typeface="Times New Roman" pitchFamily="18" charset="0"/>
+                <a:cs typeface="Times New Roman" pitchFamily="18" charset="0"/>
+              </a:rPr>
+              <a:t>&lt;/p&gt;</a:t>
+            </a:r>
+          </a:p>
+          <a:p>
+            <a:pPr defTabSz="0"/>
+            <a:r>
+              <a:rPr lang="zh-TW" altLang="en-US" dirty="0" smtClean="0">
+                <a:latin typeface="Times New Roman" pitchFamily="18" charset="0"/>
+                <a:cs typeface="Times New Roman" pitchFamily="18" charset="0"/>
+              </a:rPr>
+              <a:t>表示標題</a:t>
+            </a:r>
+            <a:endParaRPr lang="en-US" altLang="zh-TW" dirty="0" smtClean="0">
+              <a:latin typeface="Times New Roman" pitchFamily="18" charset="0"/>
+              <a:cs typeface="Times New Roman" pitchFamily="18" charset="0"/>
+            </a:endParaRPr>
+          </a:p>
+          <a:p>
+            <a:pPr defTabSz="0"/>
+            <a:r>
+              <a:rPr lang="zh-TW" altLang="en-US" dirty="0">
+                <a:latin typeface="Times New Roman" pitchFamily="18" charset="0"/>
+                <a:cs typeface="Times New Roman" pitchFamily="18" charset="0"/>
+              </a:rPr>
+              <a:t>　</a:t>
+            </a:r>
+            <a:r>
+              <a:rPr lang="en-US" altLang="zh-TW" dirty="0" smtClean="0">
+                <a:latin typeface="Times New Roman" pitchFamily="18" charset="0"/>
+                <a:cs typeface="Times New Roman" pitchFamily="18" charset="0"/>
+              </a:rPr>
+              <a:t>&lt;h1&gt;</a:t>
+            </a:r>
+            <a:r>
+              <a:rPr lang="zh-TW" altLang="en-US" dirty="0" smtClean="0">
+                <a:latin typeface="Times New Roman" pitchFamily="18" charset="0"/>
+                <a:cs typeface="Times New Roman" pitchFamily="18" charset="0"/>
+              </a:rPr>
+              <a:t>標題</a:t>
+            </a:r>
+            <a:r>
+              <a:rPr lang="en-US" altLang="zh-TW" dirty="0" smtClean="0">
+                <a:latin typeface="Times New Roman" pitchFamily="18" charset="0"/>
+                <a:cs typeface="Times New Roman" pitchFamily="18" charset="0"/>
+              </a:rPr>
+              <a:t>1&lt;/h1&gt;</a:t>
+            </a:r>
+          </a:p>
+          <a:p>
+            <a:pPr defTabSz="0"/>
+            <a:r>
+              <a:rPr lang="zh-TW" altLang="en-US" dirty="0">
+                <a:latin typeface="Times New Roman" pitchFamily="18" charset="0"/>
+                <a:cs typeface="Times New Roman" pitchFamily="18" charset="0"/>
+              </a:rPr>
+              <a:t>　</a:t>
+            </a:r>
+            <a:r>
+              <a:rPr lang="pt-BR" altLang="zh-TW" dirty="0" smtClean="0">
+                <a:latin typeface="Times New Roman" pitchFamily="18" charset="0"/>
+                <a:cs typeface="Times New Roman" pitchFamily="18" charset="0"/>
+              </a:rPr>
+              <a:t>&lt;</a:t>
+            </a:r>
+            <a:r>
+              <a:rPr lang="pt-BR" altLang="zh-TW" dirty="0">
+                <a:latin typeface="Times New Roman" pitchFamily="18" charset="0"/>
+                <a:cs typeface="Times New Roman" pitchFamily="18" charset="0"/>
+              </a:rPr>
+              <a:t>h2</a:t>
+            </a:r>
+            <a:r>
+              <a:rPr lang="pt-BR" altLang="zh-TW" dirty="0" smtClean="0">
+                <a:latin typeface="Times New Roman" pitchFamily="18" charset="0"/>
+                <a:cs typeface="Times New Roman" pitchFamily="18" charset="0"/>
+              </a:rPr>
+              <a:t>&gt;</a:t>
+            </a:r>
+            <a:r>
+              <a:rPr lang="zh-TW" altLang="en-US" dirty="0" smtClean="0">
+                <a:latin typeface="Times New Roman" pitchFamily="18" charset="0"/>
+                <a:cs typeface="Times New Roman" pitchFamily="18" charset="0"/>
+              </a:rPr>
+              <a:t>標題</a:t>
+            </a:r>
+            <a:r>
+              <a:rPr lang="en-US" altLang="zh-TW" dirty="0" smtClean="0">
+                <a:latin typeface="Times New Roman" pitchFamily="18" charset="0"/>
+                <a:cs typeface="Times New Roman" pitchFamily="18" charset="0"/>
+              </a:rPr>
+              <a:t>2</a:t>
+            </a:r>
+            <a:r>
+              <a:rPr lang="pt-BR" altLang="zh-TW" dirty="0" smtClean="0">
+                <a:latin typeface="Times New Roman" pitchFamily="18" charset="0"/>
+                <a:cs typeface="Times New Roman" pitchFamily="18" charset="0"/>
+              </a:rPr>
+              <a:t>&lt;/</a:t>
+            </a:r>
+            <a:r>
+              <a:rPr lang="pt-BR" altLang="zh-TW" dirty="0">
+                <a:latin typeface="Times New Roman" pitchFamily="18" charset="0"/>
+                <a:cs typeface="Times New Roman" pitchFamily="18" charset="0"/>
+              </a:rPr>
+              <a:t>h2&gt;</a:t>
+            </a:r>
+          </a:p>
+          <a:p>
+            <a:pPr defTabSz="0"/>
+            <a:r>
+              <a:rPr lang="zh-TW" altLang="en-US" dirty="0">
+                <a:latin typeface="Times New Roman" pitchFamily="18" charset="0"/>
+                <a:cs typeface="Times New Roman" pitchFamily="18" charset="0"/>
+              </a:rPr>
+              <a:t>　</a:t>
+            </a:r>
+            <a:r>
+              <a:rPr lang="pt-BR" altLang="zh-TW" dirty="0" smtClean="0">
+                <a:latin typeface="Times New Roman" pitchFamily="18" charset="0"/>
+                <a:cs typeface="Times New Roman" pitchFamily="18" charset="0"/>
+              </a:rPr>
+              <a:t>&lt;</a:t>
+            </a:r>
+            <a:r>
+              <a:rPr lang="pt-BR" altLang="zh-TW" dirty="0">
+                <a:latin typeface="Times New Roman" pitchFamily="18" charset="0"/>
+                <a:cs typeface="Times New Roman" pitchFamily="18" charset="0"/>
+              </a:rPr>
+              <a:t>h3</a:t>
+            </a:r>
+            <a:r>
+              <a:rPr lang="pt-BR" altLang="zh-TW" dirty="0" smtClean="0">
+                <a:latin typeface="Times New Roman" pitchFamily="18" charset="0"/>
+                <a:cs typeface="Times New Roman" pitchFamily="18" charset="0"/>
+              </a:rPr>
+              <a:t>&gt;</a:t>
+            </a:r>
+            <a:r>
+              <a:rPr lang="zh-TW" altLang="en-US" dirty="0" smtClean="0">
+                <a:latin typeface="Times New Roman" pitchFamily="18" charset="0"/>
+                <a:cs typeface="Times New Roman" pitchFamily="18" charset="0"/>
+              </a:rPr>
+              <a:t>標題</a:t>
+            </a:r>
+            <a:r>
+              <a:rPr lang="en-US" altLang="zh-TW" dirty="0" smtClean="0">
+                <a:latin typeface="Times New Roman" pitchFamily="18" charset="0"/>
+                <a:cs typeface="Times New Roman" pitchFamily="18" charset="0"/>
+              </a:rPr>
+              <a:t>3</a:t>
+            </a:r>
+            <a:r>
+              <a:rPr lang="pt-BR" altLang="zh-TW" dirty="0" smtClean="0">
+                <a:latin typeface="Times New Roman" pitchFamily="18" charset="0"/>
+                <a:cs typeface="Times New Roman" pitchFamily="18" charset="0"/>
+              </a:rPr>
+              <a:t>&lt;/</a:t>
+            </a:r>
+            <a:r>
+              <a:rPr lang="pt-BR" altLang="zh-TW" dirty="0">
+                <a:latin typeface="Times New Roman" pitchFamily="18" charset="0"/>
+                <a:cs typeface="Times New Roman" pitchFamily="18" charset="0"/>
+              </a:rPr>
+              <a:t>h3&gt;</a:t>
+            </a:r>
+          </a:p>
+          <a:p>
+            <a:pPr defTabSz="0"/>
+            <a:r>
+              <a:rPr lang="zh-TW" altLang="en-US" dirty="0">
+                <a:latin typeface="Times New Roman" pitchFamily="18" charset="0"/>
+                <a:cs typeface="Times New Roman" pitchFamily="18" charset="0"/>
+              </a:rPr>
+              <a:t>　</a:t>
+            </a:r>
+            <a:r>
+              <a:rPr lang="pt-BR" altLang="zh-TW" dirty="0" smtClean="0">
+                <a:latin typeface="Times New Roman" pitchFamily="18" charset="0"/>
+                <a:cs typeface="Times New Roman" pitchFamily="18" charset="0"/>
+              </a:rPr>
+              <a:t>&lt;</a:t>
+            </a:r>
+            <a:r>
+              <a:rPr lang="pt-BR" altLang="zh-TW" dirty="0">
+                <a:latin typeface="Times New Roman" pitchFamily="18" charset="0"/>
+                <a:cs typeface="Times New Roman" pitchFamily="18" charset="0"/>
+              </a:rPr>
+              <a:t>h4</a:t>
+            </a:r>
+            <a:r>
+              <a:rPr lang="pt-BR" altLang="zh-TW" dirty="0" smtClean="0">
+                <a:latin typeface="Times New Roman" pitchFamily="18" charset="0"/>
+                <a:cs typeface="Times New Roman" pitchFamily="18" charset="0"/>
+              </a:rPr>
+              <a:t>&gt;</a:t>
+            </a:r>
+            <a:r>
+              <a:rPr lang="zh-TW" altLang="en-US" dirty="0" smtClean="0">
+                <a:latin typeface="Times New Roman" pitchFamily="18" charset="0"/>
+                <a:cs typeface="Times New Roman" pitchFamily="18" charset="0"/>
+              </a:rPr>
+              <a:t>標題</a:t>
+            </a:r>
+            <a:r>
+              <a:rPr lang="en-US" altLang="zh-TW" dirty="0" smtClean="0">
+                <a:latin typeface="Times New Roman" pitchFamily="18" charset="0"/>
+                <a:cs typeface="Times New Roman" pitchFamily="18" charset="0"/>
+              </a:rPr>
+              <a:t>4</a:t>
+            </a:r>
+            <a:r>
+              <a:rPr lang="pt-BR" altLang="zh-TW" dirty="0" smtClean="0">
+                <a:latin typeface="Times New Roman" pitchFamily="18" charset="0"/>
+                <a:cs typeface="Times New Roman" pitchFamily="18" charset="0"/>
+              </a:rPr>
+              <a:t>&lt;/</a:t>
+            </a:r>
+            <a:r>
+              <a:rPr lang="pt-BR" altLang="zh-TW" dirty="0">
+                <a:latin typeface="Times New Roman" pitchFamily="18" charset="0"/>
+                <a:cs typeface="Times New Roman" pitchFamily="18" charset="0"/>
+              </a:rPr>
+              <a:t>h4&gt;</a:t>
+            </a:r>
+          </a:p>
+          <a:p>
+            <a:pPr defTabSz="0"/>
+            <a:r>
+              <a:rPr lang="zh-TW" altLang="en-US" dirty="0">
+                <a:latin typeface="Times New Roman" pitchFamily="18" charset="0"/>
+                <a:cs typeface="Times New Roman" pitchFamily="18" charset="0"/>
+              </a:rPr>
+              <a:t>　</a:t>
+            </a:r>
+            <a:r>
+              <a:rPr lang="pt-BR" altLang="zh-TW" dirty="0" smtClean="0">
+                <a:latin typeface="Times New Roman" pitchFamily="18" charset="0"/>
+                <a:cs typeface="Times New Roman" pitchFamily="18" charset="0"/>
+              </a:rPr>
+              <a:t>&lt;</a:t>
+            </a:r>
+            <a:r>
+              <a:rPr lang="pt-BR" altLang="zh-TW" dirty="0">
+                <a:latin typeface="Times New Roman" pitchFamily="18" charset="0"/>
+                <a:cs typeface="Times New Roman" pitchFamily="18" charset="0"/>
+              </a:rPr>
+              <a:t>h5</a:t>
+            </a:r>
+            <a:r>
+              <a:rPr lang="pt-BR" altLang="zh-TW" dirty="0" smtClean="0">
+                <a:latin typeface="Times New Roman" pitchFamily="18" charset="0"/>
+                <a:cs typeface="Times New Roman" pitchFamily="18" charset="0"/>
+              </a:rPr>
+              <a:t>&gt;</a:t>
+            </a:r>
+            <a:r>
+              <a:rPr lang="zh-TW" altLang="en-US" dirty="0" smtClean="0">
+                <a:latin typeface="Times New Roman" pitchFamily="18" charset="0"/>
+                <a:cs typeface="Times New Roman" pitchFamily="18" charset="0"/>
+              </a:rPr>
+              <a:t>標題</a:t>
+            </a:r>
+            <a:r>
+              <a:rPr lang="en-US" altLang="zh-TW" dirty="0" smtClean="0">
+                <a:latin typeface="Times New Roman" pitchFamily="18" charset="0"/>
+                <a:cs typeface="Times New Roman" pitchFamily="18" charset="0"/>
+              </a:rPr>
+              <a:t>5</a:t>
+            </a:r>
+            <a:r>
+              <a:rPr lang="pt-BR" altLang="zh-TW" dirty="0" smtClean="0">
+                <a:latin typeface="Times New Roman" pitchFamily="18" charset="0"/>
+                <a:cs typeface="Times New Roman" pitchFamily="18" charset="0"/>
+              </a:rPr>
+              <a:t>&lt;/</a:t>
+            </a:r>
+            <a:r>
+              <a:rPr lang="pt-BR" altLang="zh-TW" dirty="0">
+                <a:latin typeface="Times New Roman" pitchFamily="18" charset="0"/>
+                <a:cs typeface="Times New Roman" pitchFamily="18" charset="0"/>
+              </a:rPr>
+              <a:t>h5&gt;</a:t>
+            </a:r>
+          </a:p>
+          <a:p>
+            <a:pPr defTabSz="0"/>
+            <a:r>
+              <a:rPr lang="zh-TW" altLang="en-US" dirty="0">
+                <a:latin typeface="Times New Roman" pitchFamily="18" charset="0"/>
+                <a:cs typeface="Times New Roman" pitchFamily="18" charset="0"/>
+              </a:rPr>
+              <a:t>　</a:t>
+            </a:r>
+            <a:r>
+              <a:rPr lang="pt-BR" altLang="zh-TW" dirty="0" smtClean="0">
+                <a:latin typeface="Times New Roman" pitchFamily="18" charset="0"/>
+                <a:cs typeface="Times New Roman" pitchFamily="18" charset="0"/>
+              </a:rPr>
+              <a:t>&lt;</a:t>
+            </a:r>
+            <a:r>
+              <a:rPr lang="pt-BR" altLang="zh-TW" dirty="0">
+                <a:latin typeface="Times New Roman" pitchFamily="18" charset="0"/>
+                <a:cs typeface="Times New Roman" pitchFamily="18" charset="0"/>
+              </a:rPr>
+              <a:t>h6</a:t>
+            </a:r>
+            <a:r>
+              <a:rPr lang="pt-BR" altLang="zh-TW" dirty="0" smtClean="0">
+                <a:latin typeface="Times New Roman" pitchFamily="18" charset="0"/>
+                <a:cs typeface="Times New Roman" pitchFamily="18" charset="0"/>
+              </a:rPr>
+              <a:t>&gt;</a:t>
+            </a:r>
+            <a:r>
+              <a:rPr lang="zh-TW" altLang="en-US" dirty="0" smtClean="0">
+                <a:latin typeface="Times New Roman" pitchFamily="18" charset="0"/>
+                <a:cs typeface="Times New Roman" pitchFamily="18" charset="0"/>
+              </a:rPr>
+              <a:t>標題</a:t>
+            </a:r>
+            <a:r>
+              <a:rPr lang="en-US" altLang="zh-TW" dirty="0" smtClean="0">
+                <a:latin typeface="Times New Roman" pitchFamily="18" charset="0"/>
+                <a:cs typeface="Times New Roman" pitchFamily="18" charset="0"/>
+              </a:rPr>
+              <a:t>6</a:t>
+            </a:r>
+            <a:r>
+              <a:rPr lang="pt-BR" altLang="zh-TW" dirty="0" smtClean="0">
+                <a:latin typeface="Times New Roman" pitchFamily="18" charset="0"/>
+                <a:cs typeface="Times New Roman" pitchFamily="18" charset="0"/>
+              </a:rPr>
+              <a:t>&lt;/</a:t>
+            </a:r>
+            <a:r>
+              <a:rPr lang="pt-BR" altLang="zh-TW" dirty="0">
+                <a:latin typeface="Times New Roman" pitchFamily="18" charset="0"/>
+                <a:cs typeface="Times New Roman" pitchFamily="18" charset="0"/>
+              </a:rPr>
+              <a:t>h6</a:t>
+            </a:r>
+            <a:r>
+              <a:rPr lang="pt-BR" altLang="zh-TW" dirty="0" smtClean="0">
+                <a:latin typeface="Times New Roman" pitchFamily="18" charset="0"/>
+                <a:cs typeface="Times New Roman" pitchFamily="18" charset="0"/>
+              </a:rPr>
+              <a:t>&gt;</a:t>
+            </a:r>
+            <a:endParaRPr lang="en-US" altLang="zh-TW" dirty="0">
+              <a:latin typeface="Times New Roman" pitchFamily="18" charset="0"/>
+              <a:cs typeface="Times New Roman" pitchFamily="18" charset="0"/>
+            </a:endParaRPr>
+          </a:p>
+          <a:p>
+            <a:pPr defTabSz="0"/>
+            <a:r>
+              <a:rPr lang="zh-TW" altLang="en-US" dirty="0" smtClean="0">
+                <a:latin typeface="Times New Roman" pitchFamily="18" charset="0"/>
+                <a:cs typeface="Times New Roman" pitchFamily="18" charset="0"/>
+              </a:rPr>
+              <a:t>表示</a:t>
+            </a:r>
+            <a:r>
+              <a:rPr lang="zh-TW" altLang="en-US" dirty="0">
+                <a:latin typeface="Times New Roman" pitchFamily="18" charset="0"/>
+                <a:cs typeface="Times New Roman" pitchFamily="18" charset="0"/>
+              </a:rPr>
+              <a:t>一串文字</a:t>
+            </a:r>
+            <a:endParaRPr lang="en-US" altLang="zh-TW" dirty="0">
+              <a:latin typeface="Times New Roman" pitchFamily="18" charset="0"/>
+              <a:cs typeface="Times New Roman" pitchFamily="18" charset="0"/>
+            </a:endParaRPr>
+          </a:p>
+          <a:p>
+            <a:pPr defTabSz="0"/>
+            <a:r>
+              <a:rPr lang="zh-TW" altLang="en-US" dirty="0">
+                <a:latin typeface="Times New Roman" pitchFamily="18" charset="0"/>
+                <a:cs typeface="Times New Roman" pitchFamily="18" charset="0"/>
+              </a:rPr>
+              <a:t>　</a:t>
+            </a:r>
+            <a:r>
+              <a:rPr lang="en-US" altLang="zh-TW" dirty="0">
+                <a:latin typeface="Times New Roman" pitchFamily="18" charset="0"/>
+                <a:cs typeface="Times New Roman" pitchFamily="18" charset="0"/>
+              </a:rPr>
+              <a:t>&lt;span&gt;</a:t>
+            </a:r>
+            <a:r>
+              <a:rPr lang="zh-TW" altLang="en-US" dirty="0">
+                <a:latin typeface="Times New Roman" pitchFamily="18" charset="0"/>
+                <a:cs typeface="Times New Roman" pitchFamily="18" charset="0"/>
+              </a:rPr>
+              <a:t>文字</a:t>
+            </a:r>
+            <a:r>
+              <a:rPr lang="en-US" altLang="zh-TW" dirty="0">
+                <a:latin typeface="Times New Roman" pitchFamily="18" charset="0"/>
+                <a:cs typeface="Times New Roman" pitchFamily="18" charset="0"/>
+              </a:rPr>
+              <a:t>&lt;/span</a:t>
+            </a:r>
+            <a:r>
+              <a:rPr lang="en-US" altLang="zh-TW" dirty="0" smtClean="0">
+                <a:latin typeface="Times New Roman" pitchFamily="18" charset="0"/>
+                <a:cs typeface="Times New Roman" pitchFamily="18" charset="0"/>
+              </a:rPr>
+              <a:t>&gt;</a:t>
+            </a:r>
+          </a:p>
+          <a:p>
+            <a:pPr defTabSz="0"/>
+            <a:r>
+              <a:rPr lang="zh-TW" altLang="en-US" dirty="0" smtClean="0">
+                <a:latin typeface="Times New Roman" pitchFamily="18" charset="0"/>
+                <a:cs typeface="Times New Roman" pitchFamily="18" charset="0"/>
+              </a:rPr>
+              <a:t>文字換行</a:t>
+            </a:r>
+            <a:endParaRPr lang="en-US" altLang="zh-TW" dirty="0" smtClean="0">
+              <a:latin typeface="Times New Roman" pitchFamily="18" charset="0"/>
+              <a:cs typeface="Times New Roman" pitchFamily="18" charset="0"/>
+            </a:endParaRPr>
+          </a:p>
+          <a:p>
+            <a:pPr defTabSz="0"/>
+            <a:r>
+              <a:rPr lang="zh-TW" altLang="en-US" dirty="0">
+                <a:latin typeface="Times New Roman" pitchFamily="18" charset="0"/>
+                <a:cs typeface="Times New Roman" pitchFamily="18" charset="0"/>
+              </a:rPr>
+              <a:t>　</a:t>
+            </a:r>
+            <a:r>
+              <a:rPr lang="en-US" altLang="zh-TW" dirty="0" smtClean="0">
+                <a:latin typeface="Times New Roman" pitchFamily="18" charset="0"/>
+                <a:cs typeface="Times New Roman" pitchFamily="18" charset="0"/>
+              </a:rPr>
+              <a:t>&lt;</a:t>
+            </a:r>
+            <a:r>
+              <a:rPr lang="en-US" altLang="zh-TW" dirty="0" err="1" smtClean="0">
+                <a:latin typeface="Times New Roman" pitchFamily="18" charset="0"/>
+                <a:cs typeface="Times New Roman" pitchFamily="18" charset="0"/>
+              </a:rPr>
+              <a:t>br</a:t>
+            </a:r>
+            <a:r>
+              <a:rPr lang="en-US" altLang="zh-TW" dirty="0" smtClean="0">
+                <a:latin typeface="Times New Roman" pitchFamily="18" charset="0"/>
+                <a:cs typeface="Times New Roman" pitchFamily="18" charset="0"/>
+              </a:rPr>
+              <a:t>&gt;</a:t>
+            </a:r>
+            <a:endParaRPr lang="en-US" altLang="zh-TW" dirty="0">
+              <a:latin typeface="Times New Roman" pitchFamily="18" charset="0"/>
+              <a:cs typeface="Times New Roman" pitchFamily="18" charset="0"/>
+            </a:endParaRPr>
+          </a:p>
+        </p:txBody>
+      </p:sp>
+      <p:sp>
+        <p:nvSpPr>
+          <p:cNvPr id="6" name="矩形 5"/>
+          <p:cNvSpPr/>
+          <p:nvPr/>
+        </p:nvSpPr>
+        <p:spPr>
+          <a:xfrm>
+            <a:off x="503548" y="4725144"/>
+            <a:ext cx="2268252" cy="1080120"/>
+          </a:xfrm>
+          <a:prstGeom prst="rect">
+            <a:avLst/>
+          </a:prstGeom>
+          <a:noFill/>
+          <a:ln w="19050">
+            <a:solidFill>
+              <a:srgbClr val="FF0000"/>
+            </a:solidFill>
+          </a:ln>
+        </p:spPr>
+        <p:style>
+          <a:lnRef idx="2">
+            <a:schemeClr val="accent1">
+              <a:shade val="50000"/>
+            </a:schemeClr>
+          </a:lnRef>
+          <a:fillRef idx="1">
+            <a:schemeClr val="accent1"/>
+          </a:fillRef>
+          <a:effectRef idx="0">
+            <a:schemeClr val="accent1"/>
+          </a:effectRef>
+          <a:fontRef idx="minor">
+            <a:schemeClr val="lt1"/>
+          </a:fontRef>
+        </p:style>
+        <p:txBody>
+          <a:bodyPr rtlCol="0" anchor="ctr"/>
+          <a:lstStyle/>
+          <a:p>
+            <a:pPr algn="ctr"/>
+            <a:endParaRPr lang="zh-TW" altLang="en-US"/>
+          </a:p>
+        </p:txBody>
+      </p:sp>
+      <p:sp>
+        <p:nvSpPr>
+          <p:cNvPr id="7" name="文字方塊 6"/>
+          <p:cNvSpPr txBox="1"/>
+          <p:nvPr/>
+        </p:nvSpPr>
+        <p:spPr>
+          <a:xfrm>
+            <a:off x="5004048" y="2930462"/>
+            <a:ext cx="3096344" cy="646331"/>
+          </a:xfrm>
+          <a:prstGeom prst="rect">
+            <a:avLst/>
+          </a:prstGeom>
+          <a:noFill/>
+        </p:spPr>
+        <p:txBody>
+          <a:bodyPr wrap="square" rtlCol="0" anchor="ctr">
+            <a:spAutoFit/>
+          </a:bodyPr>
+          <a:lstStyle/>
+          <a:p>
+            <a:pPr algn="ctr"/>
+            <a:r>
+              <a:rPr lang="zh-TW" altLang="en-US" dirty="0">
+                <a:latin typeface="Times New Roman" pitchFamily="18" charset="0"/>
+                <a:cs typeface="Times New Roman" pitchFamily="18" charset="0"/>
+              </a:rPr>
+              <a:t>習慣</a:t>
+            </a:r>
+            <a:r>
+              <a:rPr lang="zh-TW" altLang="en-US" dirty="0" smtClean="0">
+                <a:latin typeface="Times New Roman" pitchFamily="18" charset="0"/>
+                <a:cs typeface="Times New Roman" pitchFamily="18" charset="0"/>
+              </a:rPr>
+              <a:t>上，會把這兩種標籤放在 </a:t>
+            </a:r>
+            <a:r>
+              <a:rPr lang="en-US" altLang="zh-TW" dirty="0" smtClean="0">
+                <a:latin typeface="Times New Roman" pitchFamily="18" charset="0"/>
+                <a:cs typeface="Times New Roman" pitchFamily="18" charset="0"/>
+              </a:rPr>
+              <a:t>div, p, h1, ……</a:t>
+            </a:r>
+            <a:r>
+              <a:rPr lang="zh-TW" altLang="en-US" dirty="0" smtClean="0">
+                <a:latin typeface="Times New Roman" pitchFamily="18" charset="0"/>
+                <a:cs typeface="Times New Roman" pitchFamily="18" charset="0"/>
+              </a:rPr>
+              <a:t> 標籤裡面</a:t>
+            </a:r>
+            <a:endParaRPr lang="zh-TW" altLang="en-US" dirty="0">
+              <a:latin typeface="Times New Roman" pitchFamily="18" charset="0"/>
+              <a:cs typeface="Times New Roman" pitchFamily="18" charset="0"/>
+            </a:endParaRPr>
+          </a:p>
+        </p:txBody>
+      </p:sp>
+      <p:cxnSp>
+        <p:nvCxnSpPr>
+          <p:cNvPr id="8" name="直線單箭頭接點 7"/>
+          <p:cNvCxnSpPr/>
+          <p:nvPr/>
+        </p:nvCxnSpPr>
+        <p:spPr>
+          <a:xfrm flipH="1">
+            <a:off x="2771800" y="3356992"/>
+            <a:ext cx="2232248" cy="1368152"/>
+          </a:xfrm>
+          <a:prstGeom prst="straightConnector1">
+            <a:avLst/>
+          </a:prstGeom>
+          <a:ln w="19050">
+            <a:solidFill>
+              <a:srgbClr val="FF0000"/>
+            </a:solidFill>
+            <a:headEnd type="arrow"/>
+            <a:tailEnd type="arrow"/>
+          </a:ln>
+        </p:spPr>
+        <p:style>
+          <a:lnRef idx="1">
+            <a:schemeClr val="accent1"/>
+          </a:lnRef>
+          <a:fillRef idx="0">
+            <a:schemeClr val="accent1"/>
+          </a:fillRef>
+          <a:effectRef idx="0">
+            <a:schemeClr val="accent1"/>
+          </a:effectRef>
+          <a:fontRef idx="minor">
+            <a:schemeClr val="tx1"/>
+          </a:fontRef>
+        </p:style>
+      </p:cxnSp>
+    </p:spTree>
+    <p:extLst>
+      <p:ext uri="{BB962C8B-B14F-4D97-AF65-F5344CB8AC3E}">
+        <p14:creationId xmlns:p14="http://schemas.microsoft.com/office/powerpoint/2010/main" val="2700685471"/>
+      </p:ext>
+    </p:extLst>
+  </p:cSld>
+  <p:clrMapOvr>
+    <a:masterClrMapping/>
+  </p:clrMapOvr>
+  <p:timing>
+    <p:tnLst>
+      <p:par>
+        <p:cTn id="1" dur="indefinite" restart="never" nodeType="tmRoot"/>
+      </p:par>
+    </p:tnLst>
+  </p:timing>
+</p:sld>
+</file>
+
+<file path=ppt/slides/slide13.xml><?xml version="1.0" encoding="utf-8"?>
+<p:sld xmlns:a="http://schemas.openxmlformats.org/drawingml/2006/main" xmlns:r="http://schemas.openxmlformats.org/officeDocument/2006/relationships" xmlns:p="http://schemas.openxmlformats.org/presentationml/2006/main">
+  <p:cSld>
+    <p:spTree>
+      <p:nvGrpSpPr>
+        <p:cNvPr id="1" name=""/>
+        <p:cNvGrpSpPr/>
+        <p:nvPr/>
+      </p:nvGrpSpPr>
+      <p:grpSpPr>
+        <a:xfrm>
+          <a:off x="0" y="0"/>
+          <a:ext cx="0" cy="0"/>
+          <a:chOff x="0" y="0"/>
+          <a:chExt cx="0" cy="0"/>
+        </a:xfrm>
+      </p:grpSpPr>
+      <p:sp>
+        <p:nvSpPr>
+          <p:cNvPr id="4" name="文字方塊 3"/>
+          <p:cNvSpPr txBox="1"/>
+          <p:nvPr/>
+        </p:nvSpPr>
+        <p:spPr>
+          <a:xfrm>
+            <a:off x="0" y="0"/>
+            <a:ext cx="9144000" cy="836712"/>
+          </a:xfrm>
+          <a:prstGeom prst="rect">
+            <a:avLst/>
+          </a:prstGeom>
+          <a:noFill/>
+        </p:spPr>
+        <p:txBody>
+          <a:bodyPr wrap="square" rtlCol="0" anchor="ctr">
+            <a:noAutofit/>
+          </a:bodyPr>
+          <a:lstStyle/>
+          <a:p>
+            <a:pPr algn="ctr"/>
+            <a:r>
+              <a:rPr lang="en-US" altLang="zh-TW" sz="2400" dirty="0" smtClean="0">
+                <a:latin typeface="Times New Roman" pitchFamily="18" charset="0"/>
+                <a:cs typeface="Times New Roman" pitchFamily="18" charset="0"/>
+              </a:rPr>
+              <a:t>Element </a:t>
+            </a:r>
+            <a:r>
+              <a:rPr lang="zh-TW" altLang="en-US" sz="2400" dirty="0" smtClean="0">
+                <a:latin typeface="Times New Roman" pitchFamily="18" charset="0"/>
+                <a:cs typeface="Times New Roman" pitchFamily="18" charset="0"/>
+              </a:rPr>
+              <a:t>介紹：</a:t>
+            </a:r>
+            <a:r>
+              <a:rPr lang="en-US" altLang="zh-TW" sz="2400" dirty="0" smtClean="0">
+                <a:latin typeface="Times New Roman" pitchFamily="18" charset="0"/>
+                <a:cs typeface="Times New Roman" pitchFamily="18" charset="0"/>
+              </a:rPr>
+              <a:t>List</a:t>
+            </a:r>
+            <a:endParaRPr lang="zh-TW" altLang="en-US" sz="2400" dirty="0">
+              <a:latin typeface="Times New Roman" pitchFamily="18" charset="0"/>
+              <a:cs typeface="Times New Roman" pitchFamily="18" charset="0"/>
+            </a:endParaRPr>
+          </a:p>
+        </p:txBody>
+      </p:sp>
+      <p:sp>
+        <p:nvSpPr>
+          <p:cNvPr id="5" name="文字方塊 4"/>
+          <p:cNvSpPr txBox="1"/>
+          <p:nvPr/>
+        </p:nvSpPr>
+        <p:spPr>
+          <a:xfrm>
+            <a:off x="8711952" y="6573902"/>
+            <a:ext cx="432048" cy="276999"/>
+          </a:xfrm>
+          <a:prstGeom prst="rect">
+            <a:avLst/>
+          </a:prstGeom>
+          <a:noFill/>
+        </p:spPr>
+        <p:txBody>
+          <a:bodyPr wrap="square" rtlCol="0" anchor="ctr">
+            <a:spAutoFit/>
+          </a:bodyPr>
+          <a:lstStyle/>
+          <a:p>
+            <a:pPr algn="ctr"/>
+            <a:r>
+              <a:rPr lang="en-US" altLang="zh-TW" sz="1200" dirty="0" smtClean="0">
+                <a:latin typeface="Times New Roman" pitchFamily="18" charset="0"/>
+                <a:cs typeface="Times New Roman" pitchFamily="18" charset="0"/>
+              </a:rPr>
+              <a:t>13</a:t>
+            </a:r>
+            <a:endParaRPr lang="zh-TW" altLang="en-US" sz="1200" dirty="0">
+              <a:latin typeface="Times New Roman" pitchFamily="18" charset="0"/>
+              <a:cs typeface="Times New Roman" pitchFamily="18" charset="0"/>
+            </a:endParaRPr>
+          </a:p>
+        </p:txBody>
+      </p:sp>
+      <p:sp>
+        <p:nvSpPr>
+          <p:cNvPr id="38" name="文字方塊 37"/>
+          <p:cNvSpPr txBox="1"/>
+          <p:nvPr/>
+        </p:nvSpPr>
+        <p:spPr>
+          <a:xfrm>
+            <a:off x="503548" y="1124744"/>
+            <a:ext cx="8136904" cy="5328592"/>
+          </a:xfrm>
+          <a:prstGeom prst="rect">
+            <a:avLst/>
+          </a:prstGeom>
+          <a:noFill/>
+        </p:spPr>
+        <p:txBody>
+          <a:bodyPr wrap="square" rtlCol="0" anchor="t">
+            <a:noAutofit/>
+          </a:bodyPr>
+          <a:lstStyle/>
+          <a:p>
+            <a:pPr defTabSz="0"/>
+            <a:r>
+              <a:rPr lang="zh-TW" altLang="en-US" dirty="0">
+                <a:latin typeface="Times New Roman" pitchFamily="18" charset="0"/>
+                <a:cs typeface="Times New Roman" pitchFamily="18" charset="0"/>
+              </a:rPr>
+              <a:t>無</a:t>
+            </a:r>
+            <a:r>
+              <a:rPr lang="zh-TW" altLang="en-US" dirty="0" smtClean="0">
+                <a:latin typeface="Times New Roman" pitchFamily="18" charset="0"/>
+                <a:cs typeface="Times New Roman" pitchFamily="18" charset="0"/>
+              </a:rPr>
+              <a:t>序 </a:t>
+            </a:r>
+            <a:r>
+              <a:rPr lang="en-US" altLang="zh-TW" dirty="0" smtClean="0">
+                <a:latin typeface="Times New Roman" pitchFamily="18" charset="0"/>
+                <a:cs typeface="Times New Roman" pitchFamily="18" charset="0"/>
+              </a:rPr>
+              <a:t>List</a:t>
+            </a:r>
+            <a:endParaRPr lang="en-US" altLang="zh-TW" dirty="0">
+              <a:latin typeface="Times New Roman" pitchFamily="18" charset="0"/>
+              <a:cs typeface="Times New Roman" pitchFamily="18" charset="0"/>
+            </a:endParaRPr>
+          </a:p>
+          <a:p>
+            <a:pPr defTabSz="0"/>
+            <a:r>
+              <a:rPr lang="en-US" altLang="zh-TW" dirty="0">
+                <a:latin typeface="Times New Roman" pitchFamily="18" charset="0"/>
+                <a:cs typeface="Times New Roman" pitchFamily="18" charset="0"/>
+              </a:rPr>
+              <a:t>    &lt;</a:t>
+            </a:r>
+            <a:r>
+              <a:rPr lang="en-US" altLang="zh-TW" dirty="0" err="1">
+                <a:latin typeface="Times New Roman" pitchFamily="18" charset="0"/>
+                <a:cs typeface="Times New Roman" pitchFamily="18" charset="0"/>
+              </a:rPr>
+              <a:t>ul</a:t>
+            </a:r>
+            <a:r>
+              <a:rPr lang="en-US" altLang="zh-TW" dirty="0">
+                <a:latin typeface="Times New Roman" pitchFamily="18" charset="0"/>
+                <a:cs typeface="Times New Roman" pitchFamily="18" charset="0"/>
+              </a:rPr>
+              <a:t>&gt;</a:t>
+            </a:r>
+          </a:p>
+          <a:p>
+            <a:pPr defTabSz="0"/>
+            <a:r>
+              <a:rPr lang="en-US" altLang="zh-TW" dirty="0">
+                <a:latin typeface="Times New Roman" pitchFamily="18" charset="0"/>
+                <a:cs typeface="Times New Roman" pitchFamily="18" charset="0"/>
+              </a:rPr>
+              <a:t>        &lt;li&gt;</a:t>
+            </a:r>
+            <a:r>
+              <a:rPr lang="zh-TW" altLang="en-US" dirty="0">
+                <a:latin typeface="Times New Roman" pitchFamily="18" charset="0"/>
+                <a:cs typeface="Times New Roman" pitchFamily="18" charset="0"/>
+              </a:rPr>
+              <a:t>無</a:t>
+            </a:r>
+            <a:r>
+              <a:rPr lang="en-US" altLang="zh-TW" dirty="0">
+                <a:latin typeface="Times New Roman" pitchFamily="18" charset="0"/>
+                <a:cs typeface="Times New Roman" pitchFamily="18" charset="0"/>
+              </a:rPr>
+              <a:t>&lt;/li&gt;</a:t>
+            </a:r>
+          </a:p>
+          <a:p>
+            <a:pPr defTabSz="0"/>
+            <a:r>
+              <a:rPr lang="en-US" altLang="zh-TW" dirty="0">
+                <a:latin typeface="Times New Roman" pitchFamily="18" charset="0"/>
+                <a:cs typeface="Times New Roman" pitchFamily="18" charset="0"/>
+              </a:rPr>
+              <a:t>        &lt;li&gt;</a:t>
+            </a:r>
+            <a:r>
+              <a:rPr lang="zh-TW" altLang="en-US" dirty="0">
+                <a:latin typeface="Times New Roman" pitchFamily="18" charset="0"/>
+                <a:cs typeface="Times New Roman" pitchFamily="18" charset="0"/>
+              </a:rPr>
+              <a:t>序</a:t>
+            </a:r>
+            <a:r>
+              <a:rPr lang="en-US" altLang="zh-TW" dirty="0">
+                <a:latin typeface="Times New Roman" pitchFamily="18" charset="0"/>
+                <a:cs typeface="Times New Roman" pitchFamily="18" charset="0"/>
+              </a:rPr>
+              <a:t>&lt;/li&gt;</a:t>
+            </a:r>
+          </a:p>
+          <a:p>
+            <a:pPr defTabSz="0"/>
+            <a:r>
+              <a:rPr lang="en-US" altLang="zh-TW" dirty="0">
+                <a:latin typeface="Times New Roman" pitchFamily="18" charset="0"/>
+                <a:cs typeface="Times New Roman" pitchFamily="18" charset="0"/>
+              </a:rPr>
+              <a:t>        &lt;li&gt;List&lt;/li&gt;</a:t>
+            </a:r>
+          </a:p>
+          <a:p>
+            <a:pPr defTabSz="0"/>
+            <a:r>
+              <a:rPr lang="en-US" altLang="zh-TW" dirty="0">
+                <a:latin typeface="Times New Roman" pitchFamily="18" charset="0"/>
+                <a:cs typeface="Times New Roman" pitchFamily="18" charset="0"/>
+              </a:rPr>
+              <a:t>    &lt;/</a:t>
+            </a:r>
+            <a:r>
+              <a:rPr lang="en-US" altLang="zh-TW" dirty="0" err="1">
+                <a:latin typeface="Times New Roman" pitchFamily="18" charset="0"/>
+                <a:cs typeface="Times New Roman" pitchFamily="18" charset="0"/>
+              </a:rPr>
+              <a:t>ul</a:t>
+            </a:r>
+            <a:r>
+              <a:rPr lang="en-US" altLang="zh-TW" dirty="0" smtClean="0">
+                <a:latin typeface="Times New Roman" pitchFamily="18" charset="0"/>
+                <a:cs typeface="Times New Roman" pitchFamily="18" charset="0"/>
+              </a:rPr>
+              <a:t>&gt;</a:t>
+            </a:r>
+          </a:p>
+          <a:p>
+            <a:pPr defTabSz="0"/>
+            <a:endParaRPr lang="en-US" altLang="zh-TW" dirty="0">
+              <a:latin typeface="Times New Roman" pitchFamily="18" charset="0"/>
+              <a:cs typeface="Times New Roman" pitchFamily="18" charset="0"/>
+            </a:endParaRPr>
+          </a:p>
+          <a:p>
+            <a:pPr defTabSz="0"/>
+            <a:r>
+              <a:rPr lang="zh-TW" altLang="en-US" dirty="0">
+                <a:latin typeface="Times New Roman" pitchFamily="18" charset="0"/>
+                <a:cs typeface="Times New Roman" pitchFamily="18" charset="0"/>
+              </a:rPr>
+              <a:t>有</a:t>
+            </a:r>
+            <a:r>
+              <a:rPr lang="zh-TW" altLang="en-US" dirty="0" smtClean="0">
+                <a:latin typeface="Times New Roman" pitchFamily="18" charset="0"/>
+                <a:cs typeface="Times New Roman" pitchFamily="18" charset="0"/>
+              </a:rPr>
+              <a:t>序 </a:t>
+            </a:r>
+            <a:r>
+              <a:rPr lang="en-US" altLang="zh-TW" dirty="0" smtClean="0">
+                <a:latin typeface="Times New Roman" pitchFamily="18" charset="0"/>
+                <a:cs typeface="Times New Roman" pitchFamily="18" charset="0"/>
+              </a:rPr>
+              <a:t>List</a:t>
+            </a:r>
+            <a:endParaRPr lang="en-US" altLang="zh-TW" dirty="0">
+              <a:latin typeface="Times New Roman" pitchFamily="18" charset="0"/>
+              <a:cs typeface="Times New Roman" pitchFamily="18" charset="0"/>
+            </a:endParaRPr>
+          </a:p>
+          <a:p>
+            <a:pPr defTabSz="0"/>
+            <a:r>
+              <a:rPr lang="en-US" altLang="zh-TW" dirty="0">
+                <a:latin typeface="Times New Roman" pitchFamily="18" charset="0"/>
+                <a:cs typeface="Times New Roman" pitchFamily="18" charset="0"/>
+              </a:rPr>
+              <a:t>    &lt;</a:t>
+            </a:r>
+            <a:r>
+              <a:rPr lang="en-US" altLang="zh-TW" dirty="0" err="1">
+                <a:latin typeface="Times New Roman" pitchFamily="18" charset="0"/>
+                <a:cs typeface="Times New Roman" pitchFamily="18" charset="0"/>
+              </a:rPr>
+              <a:t>ol</a:t>
+            </a:r>
+            <a:r>
+              <a:rPr lang="en-US" altLang="zh-TW" dirty="0">
+                <a:latin typeface="Times New Roman" pitchFamily="18" charset="0"/>
+                <a:cs typeface="Times New Roman" pitchFamily="18" charset="0"/>
+              </a:rPr>
+              <a:t>&gt;</a:t>
+            </a:r>
+          </a:p>
+          <a:p>
+            <a:pPr defTabSz="0"/>
+            <a:r>
+              <a:rPr lang="en-US" altLang="zh-TW" dirty="0">
+                <a:latin typeface="Times New Roman" pitchFamily="18" charset="0"/>
+                <a:cs typeface="Times New Roman" pitchFamily="18" charset="0"/>
+              </a:rPr>
+              <a:t>        &lt;li&gt;</a:t>
+            </a:r>
+            <a:r>
+              <a:rPr lang="zh-TW" altLang="en-US" dirty="0">
+                <a:latin typeface="Times New Roman" pitchFamily="18" charset="0"/>
+                <a:cs typeface="Times New Roman" pitchFamily="18" charset="0"/>
+              </a:rPr>
+              <a:t>有</a:t>
+            </a:r>
+            <a:r>
+              <a:rPr lang="en-US" altLang="zh-TW" dirty="0">
+                <a:latin typeface="Times New Roman" pitchFamily="18" charset="0"/>
+                <a:cs typeface="Times New Roman" pitchFamily="18" charset="0"/>
+              </a:rPr>
+              <a:t>&lt;/li&gt;</a:t>
+            </a:r>
+          </a:p>
+          <a:p>
+            <a:pPr defTabSz="0"/>
+            <a:r>
+              <a:rPr lang="en-US" altLang="zh-TW" dirty="0">
+                <a:latin typeface="Times New Roman" pitchFamily="18" charset="0"/>
+                <a:cs typeface="Times New Roman" pitchFamily="18" charset="0"/>
+              </a:rPr>
+              <a:t>        &lt;li&gt;</a:t>
+            </a:r>
+            <a:r>
+              <a:rPr lang="zh-TW" altLang="en-US" dirty="0">
+                <a:latin typeface="Times New Roman" pitchFamily="18" charset="0"/>
+                <a:cs typeface="Times New Roman" pitchFamily="18" charset="0"/>
+              </a:rPr>
+              <a:t>序</a:t>
+            </a:r>
+            <a:r>
+              <a:rPr lang="en-US" altLang="zh-TW" dirty="0">
+                <a:latin typeface="Times New Roman" pitchFamily="18" charset="0"/>
+                <a:cs typeface="Times New Roman" pitchFamily="18" charset="0"/>
+              </a:rPr>
+              <a:t>&lt;/li&gt;</a:t>
+            </a:r>
+          </a:p>
+          <a:p>
+            <a:pPr defTabSz="0"/>
+            <a:r>
+              <a:rPr lang="en-US" altLang="zh-TW" dirty="0">
+                <a:latin typeface="Times New Roman" pitchFamily="18" charset="0"/>
+                <a:cs typeface="Times New Roman" pitchFamily="18" charset="0"/>
+              </a:rPr>
+              <a:t>        &lt;li&gt;List&lt;/li&gt;</a:t>
+            </a:r>
+          </a:p>
+          <a:p>
+            <a:pPr defTabSz="0"/>
+            <a:r>
+              <a:rPr lang="en-US" altLang="zh-TW" dirty="0">
+                <a:latin typeface="Times New Roman" pitchFamily="18" charset="0"/>
+                <a:cs typeface="Times New Roman" pitchFamily="18" charset="0"/>
+              </a:rPr>
+              <a:t>    &lt;/</a:t>
+            </a:r>
+            <a:r>
+              <a:rPr lang="en-US" altLang="zh-TW" dirty="0" err="1">
+                <a:latin typeface="Times New Roman" pitchFamily="18" charset="0"/>
+                <a:cs typeface="Times New Roman" pitchFamily="18" charset="0"/>
+              </a:rPr>
+              <a:t>ol</a:t>
+            </a:r>
+            <a:r>
+              <a:rPr lang="en-US" altLang="zh-TW" dirty="0">
+                <a:latin typeface="Times New Roman" pitchFamily="18" charset="0"/>
+                <a:cs typeface="Times New Roman" pitchFamily="18" charset="0"/>
+              </a:rPr>
+              <a:t>&gt;</a:t>
+            </a:r>
+            <a:endParaRPr lang="en-US" altLang="zh-TW" dirty="0">
+              <a:latin typeface="Times New Roman" pitchFamily="18" charset="0"/>
+              <a:cs typeface="Times New Roman" pitchFamily="18" charset="0"/>
+            </a:endParaRPr>
+          </a:p>
+        </p:txBody>
+      </p:sp>
+      <p:sp>
+        <p:nvSpPr>
+          <p:cNvPr id="6" name="矩形 5"/>
+          <p:cNvSpPr/>
+          <p:nvPr/>
+        </p:nvSpPr>
+        <p:spPr>
+          <a:xfrm>
+            <a:off x="503548" y="1124744"/>
+            <a:ext cx="2268252" cy="1805718"/>
+          </a:xfrm>
+          <a:prstGeom prst="rect">
+            <a:avLst/>
+          </a:prstGeom>
+          <a:noFill/>
+          <a:ln w="19050">
+            <a:solidFill>
+              <a:srgbClr val="FF0000"/>
+            </a:solidFill>
+          </a:ln>
+        </p:spPr>
+        <p:style>
+          <a:lnRef idx="2">
+            <a:schemeClr val="accent1">
+              <a:shade val="50000"/>
+            </a:schemeClr>
+          </a:lnRef>
+          <a:fillRef idx="1">
+            <a:schemeClr val="accent1"/>
+          </a:fillRef>
+          <a:effectRef idx="0">
+            <a:schemeClr val="accent1"/>
+          </a:effectRef>
+          <a:fontRef idx="minor">
+            <a:schemeClr val="lt1"/>
+          </a:fontRef>
+        </p:style>
+        <p:txBody>
+          <a:bodyPr rtlCol="0" anchor="ctr"/>
+          <a:lstStyle/>
+          <a:p>
+            <a:pPr algn="ctr"/>
+            <a:endParaRPr lang="zh-TW" altLang="en-US"/>
+          </a:p>
+        </p:txBody>
+      </p:sp>
+      <p:sp>
+        <p:nvSpPr>
+          <p:cNvPr id="7" name="文字方塊 6"/>
+          <p:cNvSpPr txBox="1"/>
+          <p:nvPr/>
+        </p:nvSpPr>
+        <p:spPr>
+          <a:xfrm>
+            <a:off x="5004048" y="3172326"/>
+            <a:ext cx="1368152" cy="369332"/>
+          </a:xfrm>
+          <a:prstGeom prst="rect">
+            <a:avLst/>
+          </a:prstGeom>
+          <a:noFill/>
+        </p:spPr>
+        <p:txBody>
+          <a:bodyPr wrap="square" rtlCol="0" anchor="ctr">
+            <a:spAutoFit/>
+          </a:bodyPr>
+          <a:lstStyle/>
+          <a:p>
+            <a:pPr algn="ctr"/>
+            <a:r>
+              <a:rPr lang="zh-TW" altLang="en-US" dirty="0" smtClean="0">
+                <a:latin typeface="Times New Roman" pitchFamily="18" charset="0"/>
+                <a:cs typeface="Times New Roman" pitchFamily="18" charset="0"/>
+              </a:rPr>
+              <a:t>比較常用</a:t>
+            </a:r>
+            <a:endParaRPr lang="zh-TW" altLang="en-US" dirty="0">
+              <a:latin typeface="Times New Roman" pitchFamily="18" charset="0"/>
+              <a:cs typeface="Times New Roman" pitchFamily="18" charset="0"/>
+            </a:endParaRPr>
+          </a:p>
+        </p:txBody>
+      </p:sp>
+      <p:cxnSp>
+        <p:nvCxnSpPr>
+          <p:cNvPr id="8" name="直線單箭頭接點 7"/>
+          <p:cNvCxnSpPr/>
+          <p:nvPr/>
+        </p:nvCxnSpPr>
+        <p:spPr>
+          <a:xfrm flipH="1" flipV="1">
+            <a:off x="2771800" y="2930462"/>
+            <a:ext cx="2232248" cy="426530"/>
+          </a:xfrm>
+          <a:prstGeom prst="straightConnector1">
+            <a:avLst/>
+          </a:prstGeom>
+          <a:ln w="19050">
+            <a:solidFill>
+              <a:srgbClr val="FF0000"/>
+            </a:solidFill>
+            <a:headEnd type="arrow"/>
+            <a:tailEnd type="arrow"/>
+          </a:ln>
+        </p:spPr>
+        <p:style>
+          <a:lnRef idx="1">
+            <a:schemeClr val="accent1"/>
+          </a:lnRef>
+          <a:fillRef idx="0">
+            <a:schemeClr val="accent1"/>
+          </a:fillRef>
+          <a:effectRef idx="0">
+            <a:schemeClr val="accent1"/>
+          </a:effectRef>
+          <a:fontRef idx="minor">
+            <a:schemeClr val="tx1"/>
+          </a:fontRef>
+        </p:style>
+      </p:cxnSp>
+    </p:spTree>
+    <p:extLst>
+      <p:ext uri="{BB962C8B-B14F-4D97-AF65-F5344CB8AC3E}">
+        <p14:creationId xmlns:p14="http://schemas.microsoft.com/office/powerpoint/2010/main" val="3509117517"/>
+      </p:ext>
+    </p:extLst>
+  </p:cSld>
+  <p:clrMapOvr>
+    <a:masterClrMapping/>
+  </p:clrMapOvr>
+  <p:timing>
+    <p:tnLst>
+      <p:par>
+        <p:cTn id="1" dur="indefinite" restart="never" nodeType="tmRoot"/>
+      </p:par>
+    </p:tnLst>
+  </p:timing>
+</p:sld>
+</file>
+
+<file path=ppt/slides/slide14.xml><?xml version="1.0" encoding="utf-8"?>
+<p:sld xmlns:a="http://schemas.openxmlformats.org/drawingml/2006/main" xmlns:r="http://schemas.openxmlformats.org/officeDocument/2006/relationships" xmlns:p="http://schemas.openxmlformats.org/presentationml/2006/main">
+  <p:cSld>
+    <p:spTree>
+      <p:nvGrpSpPr>
+        <p:cNvPr id="1" name=""/>
+        <p:cNvGrpSpPr/>
+        <p:nvPr/>
+      </p:nvGrpSpPr>
+      <p:grpSpPr>
+        <a:xfrm>
+          <a:off x="0" y="0"/>
+          <a:ext cx="0" cy="0"/>
+          <a:chOff x="0" y="0"/>
+          <a:chExt cx="0" cy="0"/>
+        </a:xfrm>
+      </p:grpSpPr>
+      <p:sp>
+        <p:nvSpPr>
+          <p:cNvPr id="4" name="文字方塊 3"/>
+          <p:cNvSpPr txBox="1"/>
+          <p:nvPr/>
+        </p:nvSpPr>
+        <p:spPr>
+          <a:xfrm>
+            <a:off x="0" y="0"/>
+            <a:ext cx="9144000" cy="836712"/>
+          </a:xfrm>
+          <a:prstGeom prst="rect">
+            <a:avLst/>
+          </a:prstGeom>
+          <a:noFill/>
+        </p:spPr>
+        <p:txBody>
+          <a:bodyPr wrap="square" rtlCol="0" anchor="ctr">
+            <a:noAutofit/>
+          </a:bodyPr>
+          <a:lstStyle/>
+          <a:p>
+            <a:pPr algn="ctr"/>
+            <a:r>
+              <a:rPr lang="en-US" altLang="zh-TW" sz="2400" dirty="0" smtClean="0">
+                <a:latin typeface="Times New Roman" pitchFamily="18" charset="0"/>
+                <a:cs typeface="Times New Roman" pitchFamily="18" charset="0"/>
+              </a:rPr>
+              <a:t>Element </a:t>
+            </a:r>
+            <a:r>
+              <a:rPr lang="zh-TW" altLang="en-US" sz="2400" dirty="0" smtClean="0">
+                <a:latin typeface="Times New Roman" pitchFamily="18" charset="0"/>
+                <a:cs typeface="Times New Roman" pitchFamily="18" charset="0"/>
+              </a:rPr>
+              <a:t>介紹：</a:t>
+            </a:r>
+            <a:r>
+              <a:rPr lang="en-US" altLang="zh-TW" sz="2400" dirty="0" smtClean="0">
+                <a:latin typeface="Times New Roman" pitchFamily="18" charset="0"/>
+                <a:cs typeface="Times New Roman" pitchFamily="18" charset="0"/>
+              </a:rPr>
+              <a:t>Table</a:t>
+            </a:r>
+            <a:endParaRPr lang="zh-TW" altLang="en-US" sz="2400" dirty="0">
+              <a:latin typeface="Times New Roman" pitchFamily="18" charset="0"/>
+              <a:cs typeface="Times New Roman" pitchFamily="18" charset="0"/>
+            </a:endParaRPr>
+          </a:p>
+        </p:txBody>
+      </p:sp>
+      <p:sp>
+        <p:nvSpPr>
+          <p:cNvPr id="5" name="文字方塊 4"/>
+          <p:cNvSpPr txBox="1"/>
+          <p:nvPr/>
+        </p:nvSpPr>
+        <p:spPr>
+          <a:xfrm>
+            <a:off x="8711952" y="6573902"/>
+            <a:ext cx="432048" cy="276999"/>
+          </a:xfrm>
+          <a:prstGeom prst="rect">
+            <a:avLst/>
+          </a:prstGeom>
+          <a:noFill/>
+        </p:spPr>
+        <p:txBody>
+          <a:bodyPr wrap="square" rtlCol="0" anchor="ctr">
+            <a:spAutoFit/>
+          </a:bodyPr>
+          <a:lstStyle/>
+          <a:p>
+            <a:pPr algn="ctr"/>
+            <a:r>
+              <a:rPr lang="en-US" altLang="zh-TW" sz="1200" dirty="0" smtClean="0">
+                <a:latin typeface="Times New Roman" pitchFamily="18" charset="0"/>
+                <a:cs typeface="Times New Roman" pitchFamily="18" charset="0"/>
+              </a:rPr>
+              <a:t>14</a:t>
+            </a:r>
+            <a:endParaRPr lang="zh-TW" altLang="en-US" sz="1200" dirty="0">
+              <a:latin typeface="Times New Roman" pitchFamily="18" charset="0"/>
+              <a:cs typeface="Times New Roman" pitchFamily="18" charset="0"/>
+            </a:endParaRPr>
+          </a:p>
+        </p:txBody>
+      </p:sp>
+      <p:sp>
+        <p:nvSpPr>
+          <p:cNvPr id="38" name="文字方塊 37"/>
+          <p:cNvSpPr txBox="1"/>
+          <p:nvPr/>
+        </p:nvSpPr>
+        <p:spPr>
+          <a:xfrm>
+            <a:off x="503548" y="1124744"/>
+            <a:ext cx="8136904" cy="5328592"/>
+          </a:xfrm>
+          <a:prstGeom prst="rect">
+            <a:avLst/>
+          </a:prstGeom>
+          <a:noFill/>
+        </p:spPr>
+        <p:txBody>
+          <a:bodyPr wrap="square" rtlCol="0" anchor="t">
+            <a:noAutofit/>
+          </a:bodyPr>
+          <a:lstStyle/>
+          <a:p>
+            <a:pPr defTabSz="0"/>
+            <a:r>
+              <a:rPr lang="zh-TW" altLang="en-US" sz="1600" dirty="0" smtClean="0">
+                <a:latin typeface="Times New Roman" pitchFamily="18" charset="0"/>
+                <a:cs typeface="Times New Roman" pitchFamily="18" charset="0"/>
+              </a:rPr>
+              <a:t>標示 </a:t>
+            </a:r>
+            <a:r>
+              <a:rPr lang="en-US" altLang="zh-TW" sz="1600" dirty="0" smtClean="0">
+                <a:latin typeface="Times New Roman" pitchFamily="18" charset="0"/>
+                <a:cs typeface="Times New Roman" pitchFamily="18" charset="0"/>
+              </a:rPr>
+              <a:t>Table </a:t>
+            </a:r>
+            <a:r>
+              <a:rPr lang="zh-TW" altLang="en-US" sz="1600" dirty="0" smtClean="0">
+                <a:latin typeface="Times New Roman" pitchFamily="18" charset="0"/>
+                <a:cs typeface="Times New Roman" pitchFamily="18" charset="0"/>
+              </a:rPr>
+              <a:t>結構</a:t>
+            </a:r>
+            <a:endParaRPr lang="en-US" altLang="zh-TW" sz="1600" dirty="0" smtClean="0">
+              <a:latin typeface="Times New Roman" pitchFamily="18" charset="0"/>
+              <a:cs typeface="Times New Roman" pitchFamily="18" charset="0"/>
+            </a:endParaRPr>
+          </a:p>
+          <a:p>
+            <a:pPr defTabSz="0"/>
+            <a:r>
+              <a:rPr lang="zh-TW" altLang="en-US" sz="1600" dirty="0" smtClean="0">
+                <a:latin typeface="Times New Roman" pitchFamily="18" charset="0"/>
+                <a:cs typeface="Times New Roman" pitchFamily="18" charset="0"/>
+              </a:rPr>
+              <a:t>    </a:t>
+            </a:r>
+            <a:r>
+              <a:rPr lang="en-US" altLang="zh-TW" sz="1600" dirty="0" smtClean="0">
+                <a:latin typeface="Times New Roman" pitchFamily="18" charset="0"/>
+                <a:cs typeface="Times New Roman" pitchFamily="18" charset="0"/>
+              </a:rPr>
+              <a:t>&lt;</a:t>
+            </a:r>
+            <a:r>
+              <a:rPr lang="en-US" altLang="zh-TW" sz="1600" dirty="0">
+                <a:latin typeface="Times New Roman" pitchFamily="18" charset="0"/>
+                <a:cs typeface="Times New Roman" pitchFamily="18" charset="0"/>
+              </a:rPr>
+              <a:t>table</a:t>
+            </a:r>
+            <a:r>
+              <a:rPr lang="en-US" altLang="zh-TW" sz="1600" dirty="0" smtClean="0">
+                <a:latin typeface="Times New Roman" pitchFamily="18" charset="0"/>
+                <a:cs typeface="Times New Roman" pitchFamily="18" charset="0"/>
+              </a:rPr>
+              <a:t>&gt;</a:t>
+            </a:r>
+          </a:p>
+          <a:p>
+            <a:pPr defTabSz="0"/>
+            <a:r>
+              <a:rPr lang="zh-TW" altLang="en-US" sz="1600" dirty="0">
+                <a:latin typeface="Times New Roman" pitchFamily="18" charset="0"/>
+                <a:cs typeface="Times New Roman" pitchFamily="18" charset="0"/>
+              </a:rPr>
+              <a:t> </a:t>
+            </a:r>
+            <a:r>
+              <a:rPr lang="zh-TW" altLang="en-US" sz="1600" dirty="0" smtClean="0">
+                <a:latin typeface="Times New Roman" pitchFamily="18" charset="0"/>
+                <a:cs typeface="Times New Roman" pitchFamily="18" charset="0"/>
+              </a:rPr>
+              <a:t>       </a:t>
+            </a:r>
+            <a:r>
+              <a:rPr lang="en-US" altLang="zh-TW" sz="1600" dirty="0">
+                <a:solidFill>
+                  <a:schemeClr val="accent6">
+                    <a:lumMod val="75000"/>
+                  </a:schemeClr>
+                </a:solidFill>
+                <a:latin typeface="Times New Roman" pitchFamily="18" charset="0"/>
+                <a:cs typeface="Times New Roman" pitchFamily="18" charset="0"/>
+              </a:rPr>
+              <a:t>&lt;caption&gt;Table Title&lt;/caption&gt;</a:t>
+            </a:r>
+          </a:p>
+          <a:p>
+            <a:pPr defTabSz="0"/>
+            <a:r>
+              <a:rPr lang="en-US" altLang="zh-TW" sz="1600" dirty="0">
+                <a:latin typeface="Times New Roman" pitchFamily="18" charset="0"/>
+                <a:cs typeface="Times New Roman" pitchFamily="18" charset="0"/>
+              </a:rPr>
+              <a:t>        </a:t>
+            </a:r>
+            <a:r>
+              <a:rPr lang="en-US" altLang="zh-TW" sz="1600" dirty="0">
+                <a:solidFill>
+                  <a:srgbClr val="FF0000"/>
+                </a:solidFill>
+                <a:latin typeface="Times New Roman" pitchFamily="18" charset="0"/>
+                <a:cs typeface="Times New Roman" pitchFamily="18" charset="0"/>
+              </a:rPr>
+              <a:t>&lt;</a:t>
+            </a:r>
+            <a:r>
+              <a:rPr lang="en-US" altLang="zh-TW" sz="1600" dirty="0" err="1">
+                <a:solidFill>
+                  <a:srgbClr val="FF0000"/>
+                </a:solidFill>
+                <a:latin typeface="Times New Roman" pitchFamily="18" charset="0"/>
+                <a:cs typeface="Times New Roman" pitchFamily="18" charset="0"/>
+              </a:rPr>
+              <a:t>thead</a:t>
+            </a:r>
+            <a:r>
+              <a:rPr lang="en-US" altLang="zh-TW" sz="1600" dirty="0">
+                <a:solidFill>
+                  <a:srgbClr val="FF0000"/>
+                </a:solidFill>
+                <a:latin typeface="Times New Roman" pitchFamily="18" charset="0"/>
+                <a:cs typeface="Times New Roman" pitchFamily="18" charset="0"/>
+              </a:rPr>
+              <a:t>&gt;</a:t>
+            </a:r>
+          </a:p>
+          <a:p>
+            <a:pPr defTabSz="0"/>
+            <a:r>
+              <a:rPr lang="en-US" altLang="zh-TW" sz="1600" dirty="0">
+                <a:solidFill>
+                  <a:srgbClr val="FF0000"/>
+                </a:solidFill>
+                <a:latin typeface="Times New Roman" pitchFamily="18" charset="0"/>
+                <a:cs typeface="Times New Roman" pitchFamily="18" charset="0"/>
+              </a:rPr>
+              <a:t>            &lt;</a:t>
+            </a:r>
+            <a:r>
+              <a:rPr lang="en-US" altLang="zh-TW" sz="1600" dirty="0" err="1">
+                <a:solidFill>
+                  <a:srgbClr val="FF0000"/>
+                </a:solidFill>
+                <a:latin typeface="Times New Roman" pitchFamily="18" charset="0"/>
+                <a:cs typeface="Times New Roman" pitchFamily="18" charset="0"/>
+              </a:rPr>
+              <a:t>tr</a:t>
+            </a:r>
+            <a:r>
+              <a:rPr lang="en-US" altLang="zh-TW" sz="1600" dirty="0">
+                <a:solidFill>
+                  <a:srgbClr val="FF0000"/>
+                </a:solidFill>
+                <a:latin typeface="Times New Roman" pitchFamily="18" charset="0"/>
+                <a:cs typeface="Times New Roman" pitchFamily="18" charset="0"/>
+              </a:rPr>
+              <a:t>&gt;</a:t>
+            </a:r>
+          </a:p>
+          <a:p>
+            <a:pPr defTabSz="0"/>
+            <a:r>
+              <a:rPr lang="en-US" altLang="zh-TW" sz="1600" dirty="0">
+                <a:solidFill>
+                  <a:srgbClr val="FF0000"/>
+                </a:solidFill>
+                <a:latin typeface="Times New Roman" pitchFamily="18" charset="0"/>
+                <a:cs typeface="Times New Roman" pitchFamily="18" charset="0"/>
+              </a:rPr>
+              <a:t>                &lt;</a:t>
+            </a:r>
+            <a:r>
+              <a:rPr lang="en-US" altLang="zh-TW" sz="1600" dirty="0" err="1">
+                <a:solidFill>
+                  <a:srgbClr val="FF0000"/>
+                </a:solidFill>
+                <a:latin typeface="Times New Roman" pitchFamily="18" charset="0"/>
+                <a:cs typeface="Times New Roman" pitchFamily="18" charset="0"/>
+              </a:rPr>
+              <a:t>th</a:t>
+            </a:r>
+            <a:r>
+              <a:rPr lang="en-US" altLang="zh-TW" sz="1600" dirty="0">
+                <a:solidFill>
+                  <a:srgbClr val="FF0000"/>
+                </a:solidFill>
+                <a:latin typeface="Times New Roman" pitchFamily="18" charset="0"/>
+                <a:cs typeface="Times New Roman" pitchFamily="18" charset="0"/>
+              </a:rPr>
+              <a:t>&gt;th1&lt;/</a:t>
+            </a:r>
+            <a:r>
+              <a:rPr lang="en-US" altLang="zh-TW" sz="1600" dirty="0" err="1">
+                <a:solidFill>
+                  <a:srgbClr val="FF0000"/>
+                </a:solidFill>
+                <a:latin typeface="Times New Roman" pitchFamily="18" charset="0"/>
+                <a:cs typeface="Times New Roman" pitchFamily="18" charset="0"/>
+              </a:rPr>
+              <a:t>th</a:t>
+            </a:r>
+            <a:r>
+              <a:rPr lang="en-US" altLang="zh-TW" sz="1600" dirty="0" smtClean="0">
+                <a:solidFill>
+                  <a:srgbClr val="FF0000"/>
+                </a:solidFill>
+                <a:latin typeface="Times New Roman" pitchFamily="18" charset="0"/>
+                <a:cs typeface="Times New Roman" pitchFamily="18" charset="0"/>
+              </a:rPr>
+              <a:t>&gt;&lt;</a:t>
+            </a:r>
+            <a:r>
+              <a:rPr lang="en-US" altLang="zh-TW" sz="1600" dirty="0" err="1">
+                <a:solidFill>
+                  <a:srgbClr val="FF0000"/>
+                </a:solidFill>
+                <a:latin typeface="Times New Roman" pitchFamily="18" charset="0"/>
+                <a:cs typeface="Times New Roman" pitchFamily="18" charset="0"/>
+              </a:rPr>
+              <a:t>th</a:t>
+            </a:r>
+            <a:r>
+              <a:rPr lang="en-US" altLang="zh-TW" sz="1600" dirty="0">
+                <a:solidFill>
+                  <a:srgbClr val="FF0000"/>
+                </a:solidFill>
+                <a:latin typeface="Times New Roman" pitchFamily="18" charset="0"/>
+                <a:cs typeface="Times New Roman" pitchFamily="18" charset="0"/>
+              </a:rPr>
+              <a:t>&gt;th2&lt;/</a:t>
+            </a:r>
+            <a:r>
+              <a:rPr lang="en-US" altLang="zh-TW" sz="1600" dirty="0" err="1">
+                <a:solidFill>
+                  <a:srgbClr val="FF0000"/>
+                </a:solidFill>
+                <a:latin typeface="Times New Roman" pitchFamily="18" charset="0"/>
+                <a:cs typeface="Times New Roman" pitchFamily="18" charset="0"/>
+              </a:rPr>
+              <a:t>th</a:t>
+            </a:r>
+            <a:r>
+              <a:rPr lang="en-US" altLang="zh-TW" sz="1600" dirty="0" smtClean="0">
+                <a:solidFill>
+                  <a:srgbClr val="FF0000"/>
+                </a:solidFill>
+                <a:latin typeface="Times New Roman" pitchFamily="18" charset="0"/>
+                <a:cs typeface="Times New Roman" pitchFamily="18" charset="0"/>
+              </a:rPr>
+              <a:t>&gt;&lt;</a:t>
+            </a:r>
+            <a:r>
+              <a:rPr lang="en-US" altLang="zh-TW" sz="1600" dirty="0" err="1">
+                <a:solidFill>
+                  <a:srgbClr val="FF0000"/>
+                </a:solidFill>
+                <a:latin typeface="Times New Roman" pitchFamily="18" charset="0"/>
+                <a:cs typeface="Times New Roman" pitchFamily="18" charset="0"/>
+              </a:rPr>
+              <a:t>th</a:t>
+            </a:r>
+            <a:r>
+              <a:rPr lang="en-US" altLang="zh-TW" sz="1600" dirty="0">
+                <a:solidFill>
+                  <a:srgbClr val="FF0000"/>
+                </a:solidFill>
+                <a:latin typeface="Times New Roman" pitchFamily="18" charset="0"/>
+                <a:cs typeface="Times New Roman" pitchFamily="18" charset="0"/>
+              </a:rPr>
+              <a:t>&gt;th3&lt;/</a:t>
+            </a:r>
+            <a:r>
+              <a:rPr lang="en-US" altLang="zh-TW" sz="1600" dirty="0" err="1">
+                <a:solidFill>
+                  <a:srgbClr val="FF0000"/>
+                </a:solidFill>
+                <a:latin typeface="Times New Roman" pitchFamily="18" charset="0"/>
+                <a:cs typeface="Times New Roman" pitchFamily="18" charset="0"/>
+              </a:rPr>
+              <a:t>th</a:t>
+            </a:r>
+            <a:r>
+              <a:rPr lang="en-US" altLang="zh-TW" sz="1600" dirty="0">
+                <a:solidFill>
+                  <a:srgbClr val="FF0000"/>
+                </a:solidFill>
+                <a:latin typeface="Times New Roman" pitchFamily="18" charset="0"/>
+                <a:cs typeface="Times New Roman" pitchFamily="18" charset="0"/>
+              </a:rPr>
+              <a:t>&gt;</a:t>
+            </a:r>
+          </a:p>
+          <a:p>
+            <a:pPr defTabSz="0"/>
+            <a:r>
+              <a:rPr lang="en-US" altLang="zh-TW" sz="1600" dirty="0">
+                <a:solidFill>
+                  <a:srgbClr val="FF0000"/>
+                </a:solidFill>
+                <a:latin typeface="Times New Roman" pitchFamily="18" charset="0"/>
+                <a:cs typeface="Times New Roman" pitchFamily="18" charset="0"/>
+              </a:rPr>
+              <a:t>            &lt;/</a:t>
+            </a:r>
+            <a:r>
+              <a:rPr lang="en-US" altLang="zh-TW" sz="1600" dirty="0" err="1">
+                <a:solidFill>
+                  <a:srgbClr val="FF0000"/>
+                </a:solidFill>
+                <a:latin typeface="Times New Roman" pitchFamily="18" charset="0"/>
+                <a:cs typeface="Times New Roman" pitchFamily="18" charset="0"/>
+              </a:rPr>
+              <a:t>tr</a:t>
+            </a:r>
+            <a:r>
+              <a:rPr lang="en-US" altLang="zh-TW" sz="1600" dirty="0">
+                <a:solidFill>
+                  <a:srgbClr val="FF0000"/>
+                </a:solidFill>
+                <a:latin typeface="Times New Roman" pitchFamily="18" charset="0"/>
+                <a:cs typeface="Times New Roman" pitchFamily="18" charset="0"/>
+              </a:rPr>
+              <a:t>&gt;</a:t>
+            </a:r>
+          </a:p>
+          <a:p>
+            <a:pPr defTabSz="0"/>
+            <a:r>
+              <a:rPr lang="en-US" altLang="zh-TW" sz="1600" dirty="0">
+                <a:solidFill>
+                  <a:srgbClr val="FF0000"/>
+                </a:solidFill>
+                <a:latin typeface="Times New Roman" pitchFamily="18" charset="0"/>
+                <a:cs typeface="Times New Roman" pitchFamily="18" charset="0"/>
+              </a:rPr>
+              <a:t>        &lt;/</a:t>
+            </a:r>
+            <a:r>
+              <a:rPr lang="en-US" altLang="zh-TW" sz="1600" dirty="0" err="1">
+                <a:solidFill>
+                  <a:srgbClr val="FF0000"/>
+                </a:solidFill>
+                <a:latin typeface="Times New Roman" pitchFamily="18" charset="0"/>
+                <a:cs typeface="Times New Roman" pitchFamily="18" charset="0"/>
+              </a:rPr>
+              <a:t>thead</a:t>
+            </a:r>
+            <a:r>
+              <a:rPr lang="en-US" altLang="zh-TW" sz="1600" dirty="0">
+                <a:solidFill>
+                  <a:srgbClr val="FF0000"/>
+                </a:solidFill>
+                <a:latin typeface="Times New Roman" pitchFamily="18" charset="0"/>
+                <a:cs typeface="Times New Roman" pitchFamily="18" charset="0"/>
+              </a:rPr>
+              <a:t>&gt;</a:t>
+            </a:r>
+          </a:p>
+          <a:p>
+            <a:pPr defTabSz="0"/>
+            <a:r>
+              <a:rPr lang="en-US" altLang="zh-TW" sz="1600" dirty="0">
+                <a:latin typeface="Times New Roman" pitchFamily="18" charset="0"/>
+                <a:cs typeface="Times New Roman" pitchFamily="18" charset="0"/>
+              </a:rPr>
+              <a:t>        </a:t>
+            </a:r>
+            <a:r>
+              <a:rPr lang="en-US" altLang="zh-TW" sz="1600" dirty="0">
+                <a:solidFill>
+                  <a:srgbClr val="00B050"/>
+                </a:solidFill>
+                <a:latin typeface="Times New Roman" pitchFamily="18" charset="0"/>
+                <a:cs typeface="Times New Roman" pitchFamily="18" charset="0"/>
+              </a:rPr>
+              <a:t>&lt;</a:t>
+            </a:r>
+            <a:r>
+              <a:rPr lang="en-US" altLang="zh-TW" sz="1600" dirty="0" err="1">
+                <a:solidFill>
+                  <a:srgbClr val="00B050"/>
+                </a:solidFill>
+                <a:latin typeface="Times New Roman" pitchFamily="18" charset="0"/>
+                <a:cs typeface="Times New Roman" pitchFamily="18" charset="0"/>
+              </a:rPr>
+              <a:t>tbody</a:t>
+            </a:r>
+            <a:r>
+              <a:rPr lang="en-US" altLang="zh-TW" sz="1600" dirty="0">
+                <a:solidFill>
+                  <a:srgbClr val="00B050"/>
+                </a:solidFill>
+                <a:latin typeface="Times New Roman" pitchFamily="18" charset="0"/>
+                <a:cs typeface="Times New Roman" pitchFamily="18" charset="0"/>
+              </a:rPr>
+              <a:t>&gt;</a:t>
+            </a:r>
+          </a:p>
+          <a:p>
+            <a:pPr defTabSz="0"/>
+            <a:r>
+              <a:rPr lang="en-US" altLang="zh-TW" sz="1600" dirty="0">
+                <a:solidFill>
+                  <a:srgbClr val="00B050"/>
+                </a:solidFill>
+                <a:latin typeface="Times New Roman" pitchFamily="18" charset="0"/>
+                <a:cs typeface="Times New Roman" pitchFamily="18" charset="0"/>
+              </a:rPr>
+              <a:t>            &lt;</a:t>
+            </a:r>
+            <a:r>
+              <a:rPr lang="en-US" altLang="zh-TW" sz="1600" dirty="0" err="1">
+                <a:solidFill>
+                  <a:srgbClr val="00B050"/>
+                </a:solidFill>
+                <a:latin typeface="Times New Roman" pitchFamily="18" charset="0"/>
+                <a:cs typeface="Times New Roman" pitchFamily="18" charset="0"/>
+              </a:rPr>
+              <a:t>tr</a:t>
+            </a:r>
+            <a:r>
+              <a:rPr lang="en-US" altLang="zh-TW" sz="1600" dirty="0">
+                <a:solidFill>
+                  <a:srgbClr val="00B050"/>
+                </a:solidFill>
+                <a:latin typeface="Times New Roman" pitchFamily="18" charset="0"/>
+                <a:cs typeface="Times New Roman" pitchFamily="18" charset="0"/>
+              </a:rPr>
+              <a:t>&gt;</a:t>
+            </a:r>
+          </a:p>
+          <a:p>
+            <a:pPr defTabSz="0"/>
+            <a:r>
+              <a:rPr lang="en-US" altLang="zh-TW" sz="1600" dirty="0">
+                <a:solidFill>
+                  <a:srgbClr val="00B050"/>
+                </a:solidFill>
+                <a:latin typeface="Times New Roman" pitchFamily="18" charset="0"/>
+                <a:cs typeface="Times New Roman" pitchFamily="18" charset="0"/>
+              </a:rPr>
+              <a:t>                &lt;td&gt;td1&lt;/td</a:t>
+            </a:r>
+            <a:r>
+              <a:rPr lang="en-US" altLang="zh-TW" sz="1600" dirty="0" smtClean="0">
+                <a:solidFill>
+                  <a:srgbClr val="00B050"/>
+                </a:solidFill>
+                <a:latin typeface="Times New Roman" pitchFamily="18" charset="0"/>
+                <a:cs typeface="Times New Roman" pitchFamily="18" charset="0"/>
+              </a:rPr>
+              <a:t>&gt;&lt;</a:t>
+            </a:r>
+            <a:r>
+              <a:rPr lang="en-US" altLang="zh-TW" sz="1600" dirty="0">
+                <a:solidFill>
+                  <a:srgbClr val="00B050"/>
+                </a:solidFill>
+                <a:latin typeface="Times New Roman" pitchFamily="18" charset="0"/>
+                <a:cs typeface="Times New Roman" pitchFamily="18" charset="0"/>
+              </a:rPr>
+              <a:t>td&gt;td2&lt;/td</a:t>
+            </a:r>
+            <a:r>
+              <a:rPr lang="en-US" altLang="zh-TW" sz="1600" dirty="0" smtClean="0">
+                <a:solidFill>
+                  <a:srgbClr val="00B050"/>
+                </a:solidFill>
+                <a:latin typeface="Times New Roman" pitchFamily="18" charset="0"/>
+                <a:cs typeface="Times New Roman" pitchFamily="18" charset="0"/>
+              </a:rPr>
+              <a:t>&gt;&lt;</a:t>
+            </a:r>
+            <a:r>
+              <a:rPr lang="en-US" altLang="zh-TW" sz="1600" dirty="0">
+                <a:solidFill>
+                  <a:srgbClr val="00B050"/>
+                </a:solidFill>
+                <a:latin typeface="Times New Roman" pitchFamily="18" charset="0"/>
+                <a:cs typeface="Times New Roman" pitchFamily="18" charset="0"/>
+              </a:rPr>
+              <a:t>td&gt;td3&lt;/td&gt;</a:t>
+            </a:r>
+          </a:p>
+          <a:p>
+            <a:pPr defTabSz="0"/>
+            <a:r>
+              <a:rPr lang="en-US" altLang="zh-TW" sz="1600" dirty="0">
+                <a:solidFill>
+                  <a:srgbClr val="00B050"/>
+                </a:solidFill>
+                <a:latin typeface="Times New Roman" pitchFamily="18" charset="0"/>
+                <a:cs typeface="Times New Roman" pitchFamily="18" charset="0"/>
+              </a:rPr>
+              <a:t>            &lt;/</a:t>
+            </a:r>
+            <a:r>
+              <a:rPr lang="en-US" altLang="zh-TW" sz="1600" dirty="0" err="1">
+                <a:solidFill>
+                  <a:srgbClr val="00B050"/>
+                </a:solidFill>
+                <a:latin typeface="Times New Roman" pitchFamily="18" charset="0"/>
+                <a:cs typeface="Times New Roman" pitchFamily="18" charset="0"/>
+              </a:rPr>
+              <a:t>tr</a:t>
+            </a:r>
+            <a:r>
+              <a:rPr lang="en-US" altLang="zh-TW" sz="1600" dirty="0">
+                <a:solidFill>
+                  <a:srgbClr val="00B050"/>
+                </a:solidFill>
+                <a:latin typeface="Times New Roman" pitchFamily="18" charset="0"/>
+                <a:cs typeface="Times New Roman" pitchFamily="18" charset="0"/>
+              </a:rPr>
+              <a:t>&gt;</a:t>
+            </a:r>
+          </a:p>
+          <a:p>
+            <a:pPr defTabSz="0"/>
+            <a:r>
+              <a:rPr lang="en-US" altLang="zh-TW" sz="1600" dirty="0">
+                <a:solidFill>
+                  <a:srgbClr val="00B050"/>
+                </a:solidFill>
+                <a:latin typeface="Times New Roman" pitchFamily="18" charset="0"/>
+                <a:cs typeface="Times New Roman" pitchFamily="18" charset="0"/>
+              </a:rPr>
+              <a:t>            &lt;</a:t>
+            </a:r>
+            <a:r>
+              <a:rPr lang="en-US" altLang="zh-TW" sz="1600" dirty="0" err="1">
+                <a:solidFill>
+                  <a:srgbClr val="00B050"/>
+                </a:solidFill>
+                <a:latin typeface="Times New Roman" pitchFamily="18" charset="0"/>
+                <a:cs typeface="Times New Roman" pitchFamily="18" charset="0"/>
+              </a:rPr>
+              <a:t>tr</a:t>
+            </a:r>
+            <a:r>
+              <a:rPr lang="en-US" altLang="zh-TW" sz="1600" dirty="0" smtClean="0">
+                <a:solidFill>
+                  <a:srgbClr val="00B050"/>
+                </a:solidFill>
+                <a:latin typeface="Times New Roman" pitchFamily="18" charset="0"/>
+                <a:cs typeface="Times New Roman" pitchFamily="18" charset="0"/>
+              </a:rPr>
+              <a:t>&gt;</a:t>
+            </a:r>
+          </a:p>
+          <a:p>
+            <a:pPr defTabSz="0"/>
+            <a:r>
+              <a:rPr lang="en-US" altLang="zh-TW" sz="1600" dirty="0" smtClean="0">
+                <a:solidFill>
+                  <a:srgbClr val="00B050"/>
+                </a:solidFill>
+                <a:latin typeface="Times New Roman" pitchFamily="18" charset="0"/>
+                <a:cs typeface="Times New Roman" pitchFamily="18" charset="0"/>
+              </a:rPr>
+              <a:t>                &lt;td&gt;td4&lt;/td&gt;&lt;</a:t>
+            </a:r>
+            <a:r>
+              <a:rPr lang="en-US" altLang="zh-TW" sz="1600" dirty="0">
+                <a:solidFill>
+                  <a:srgbClr val="00B050"/>
+                </a:solidFill>
+                <a:latin typeface="Times New Roman" pitchFamily="18" charset="0"/>
+                <a:cs typeface="Times New Roman" pitchFamily="18" charset="0"/>
+              </a:rPr>
+              <a:t>td&gt;td5&lt;/td</a:t>
+            </a:r>
+            <a:r>
+              <a:rPr lang="en-US" altLang="zh-TW" sz="1600" dirty="0" smtClean="0">
+                <a:solidFill>
+                  <a:srgbClr val="00B050"/>
+                </a:solidFill>
+                <a:latin typeface="Times New Roman" pitchFamily="18" charset="0"/>
+                <a:cs typeface="Times New Roman" pitchFamily="18" charset="0"/>
+              </a:rPr>
+              <a:t>&gt;&lt;</a:t>
+            </a:r>
+            <a:r>
+              <a:rPr lang="en-US" altLang="zh-TW" sz="1600" dirty="0">
+                <a:solidFill>
+                  <a:srgbClr val="00B050"/>
+                </a:solidFill>
+                <a:latin typeface="Times New Roman" pitchFamily="18" charset="0"/>
+                <a:cs typeface="Times New Roman" pitchFamily="18" charset="0"/>
+              </a:rPr>
+              <a:t>td&gt;td6&lt;/td&gt;</a:t>
+            </a:r>
+          </a:p>
+          <a:p>
+            <a:pPr defTabSz="0"/>
+            <a:r>
+              <a:rPr lang="en-US" altLang="zh-TW" sz="1600" dirty="0">
+                <a:solidFill>
+                  <a:srgbClr val="00B050"/>
+                </a:solidFill>
+                <a:latin typeface="Times New Roman" pitchFamily="18" charset="0"/>
+                <a:cs typeface="Times New Roman" pitchFamily="18" charset="0"/>
+              </a:rPr>
+              <a:t>            &lt;/</a:t>
+            </a:r>
+            <a:r>
+              <a:rPr lang="en-US" altLang="zh-TW" sz="1600" dirty="0" err="1">
+                <a:solidFill>
+                  <a:srgbClr val="00B050"/>
+                </a:solidFill>
+                <a:latin typeface="Times New Roman" pitchFamily="18" charset="0"/>
+                <a:cs typeface="Times New Roman" pitchFamily="18" charset="0"/>
+              </a:rPr>
+              <a:t>tr</a:t>
+            </a:r>
+            <a:r>
+              <a:rPr lang="en-US" altLang="zh-TW" sz="1600" dirty="0" smtClean="0">
+                <a:solidFill>
+                  <a:srgbClr val="00B050"/>
+                </a:solidFill>
+                <a:latin typeface="Times New Roman" pitchFamily="18" charset="0"/>
+                <a:cs typeface="Times New Roman" pitchFamily="18" charset="0"/>
+              </a:rPr>
+              <a:t>&gt;</a:t>
+            </a:r>
+            <a:endParaRPr lang="en-US" altLang="zh-TW" sz="1600" dirty="0">
+              <a:solidFill>
+                <a:srgbClr val="00B050"/>
+              </a:solidFill>
+              <a:latin typeface="Times New Roman" pitchFamily="18" charset="0"/>
+              <a:cs typeface="Times New Roman" pitchFamily="18" charset="0"/>
+            </a:endParaRPr>
+          </a:p>
+          <a:p>
+            <a:pPr defTabSz="0"/>
+            <a:r>
+              <a:rPr lang="en-US" altLang="zh-TW" sz="1600" dirty="0">
+                <a:solidFill>
+                  <a:srgbClr val="00B050"/>
+                </a:solidFill>
+                <a:latin typeface="Times New Roman" pitchFamily="18" charset="0"/>
+                <a:cs typeface="Times New Roman" pitchFamily="18" charset="0"/>
+              </a:rPr>
+              <a:t>        &lt;/</a:t>
+            </a:r>
+            <a:r>
+              <a:rPr lang="en-US" altLang="zh-TW" sz="1600" dirty="0" err="1">
+                <a:solidFill>
+                  <a:srgbClr val="00B050"/>
+                </a:solidFill>
+                <a:latin typeface="Times New Roman" pitchFamily="18" charset="0"/>
+                <a:cs typeface="Times New Roman" pitchFamily="18" charset="0"/>
+              </a:rPr>
+              <a:t>tbody</a:t>
+            </a:r>
+            <a:r>
+              <a:rPr lang="en-US" altLang="zh-TW" sz="1600" dirty="0">
+                <a:solidFill>
+                  <a:srgbClr val="00B050"/>
+                </a:solidFill>
+                <a:latin typeface="Times New Roman" pitchFamily="18" charset="0"/>
+                <a:cs typeface="Times New Roman" pitchFamily="18" charset="0"/>
+              </a:rPr>
+              <a:t>&gt;</a:t>
+            </a:r>
+          </a:p>
+          <a:p>
+            <a:pPr defTabSz="0"/>
+            <a:r>
+              <a:rPr lang="en-US" altLang="zh-TW" sz="1600" dirty="0">
+                <a:latin typeface="Times New Roman" pitchFamily="18" charset="0"/>
+                <a:cs typeface="Times New Roman" pitchFamily="18" charset="0"/>
+              </a:rPr>
+              <a:t>        </a:t>
+            </a:r>
+            <a:r>
+              <a:rPr lang="en-US" altLang="zh-TW" sz="1600" dirty="0">
+                <a:solidFill>
+                  <a:srgbClr val="00B0F0"/>
+                </a:solidFill>
+                <a:latin typeface="Times New Roman" pitchFamily="18" charset="0"/>
+                <a:cs typeface="Times New Roman" pitchFamily="18" charset="0"/>
+              </a:rPr>
+              <a:t>&lt;</a:t>
+            </a:r>
+            <a:r>
+              <a:rPr lang="en-US" altLang="zh-TW" sz="1600" dirty="0" err="1">
+                <a:solidFill>
+                  <a:srgbClr val="00B0F0"/>
+                </a:solidFill>
+                <a:latin typeface="Times New Roman" pitchFamily="18" charset="0"/>
+                <a:cs typeface="Times New Roman" pitchFamily="18" charset="0"/>
+              </a:rPr>
+              <a:t>tfoot</a:t>
+            </a:r>
+            <a:r>
+              <a:rPr lang="en-US" altLang="zh-TW" sz="1600" dirty="0">
+                <a:solidFill>
+                  <a:srgbClr val="00B0F0"/>
+                </a:solidFill>
+                <a:latin typeface="Times New Roman" pitchFamily="18" charset="0"/>
+                <a:cs typeface="Times New Roman" pitchFamily="18" charset="0"/>
+              </a:rPr>
+              <a:t>&gt;</a:t>
+            </a:r>
+          </a:p>
+          <a:p>
+            <a:pPr defTabSz="0"/>
+            <a:r>
+              <a:rPr lang="en-US" altLang="zh-TW" sz="1600" dirty="0">
+                <a:solidFill>
+                  <a:srgbClr val="00B0F0"/>
+                </a:solidFill>
+                <a:latin typeface="Times New Roman" pitchFamily="18" charset="0"/>
+                <a:cs typeface="Times New Roman" pitchFamily="18" charset="0"/>
+              </a:rPr>
+              <a:t>            &lt;</a:t>
+            </a:r>
+            <a:r>
+              <a:rPr lang="en-US" altLang="zh-TW" sz="1600" dirty="0" err="1">
+                <a:solidFill>
+                  <a:srgbClr val="00B0F0"/>
+                </a:solidFill>
+                <a:latin typeface="Times New Roman" pitchFamily="18" charset="0"/>
+                <a:cs typeface="Times New Roman" pitchFamily="18" charset="0"/>
+              </a:rPr>
+              <a:t>tr</a:t>
+            </a:r>
+            <a:r>
+              <a:rPr lang="en-US" altLang="zh-TW" sz="1600" dirty="0">
+                <a:solidFill>
+                  <a:srgbClr val="00B0F0"/>
+                </a:solidFill>
+                <a:latin typeface="Times New Roman" pitchFamily="18" charset="0"/>
+                <a:cs typeface="Times New Roman" pitchFamily="18" charset="0"/>
+              </a:rPr>
+              <a:t>&gt;</a:t>
+            </a:r>
+          </a:p>
+          <a:p>
+            <a:pPr defTabSz="0"/>
+            <a:r>
+              <a:rPr lang="en-US" altLang="zh-TW" sz="1600" dirty="0">
+                <a:solidFill>
+                  <a:srgbClr val="00B0F0"/>
+                </a:solidFill>
+                <a:latin typeface="Times New Roman" pitchFamily="18" charset="0"/>
+                <a:cs typeface="Times New Roman" pitchFamily="18" charset="0"/>
+              </a:rPr>
+              <a:t>                &lt;td </a:t>
+            </a:r>
+            <a:r>
+              <a:rPr lang="en-US" altLang="zh-TW" sz="1600" dirty="0" err="1">
+                <a:solidFill>
+                  <a:srgbClr val="00B0F0"/>
+                </a:solidFill>
+                <a:latin typeface="Times New Roman" pitchFamily="18" charset="0"/>
+                <a:cs typeface="Times New Roman" pitchFamily="18" charset="0"/>
+              </a:rPr>
+              <a:t>colspan</a:t>
+            </a:r>
+            <a:r>
+              <a:rPr lang="en-US" altLang="zh-TW" sz="1600" dirty="0">
+                <a:solidFill>
+                  <a:srgbClr val="00B0F0"/>
+                </a:solidFill>
+                <a:latin typeface="Times New Roman" pitchFamily="18" charset="0"/>
+                <a:cs typeface="Times New Roman" pitchFamily="18" charset="0"/>
+              </a:rPr>
+              <a:t>="3"&gt;</a:t>
+            </a:r>
+            <a:r>
+              <a:rPr lang="en-US" altLang="zh-TW" sz="1600" dirty="0" err="1">
+                <a:solidFill>
+                  <a:srgbClr val="00B0F0"/>
+                </a:solidFill>
+                <a:latin typeface="Times New Roman" pitchFamily="18" charset="0"/>
+                <a:cs typeface="Times New Roman" pitchFamily="18" charset="0"/>
+              </a:rPr>
+              <a:t>tfoot</a:t>
+            </a:r>
+            <a:r>
+              <a:rPr lang="en-US" altLang="zh-TW" sz="1600" dirty="0">
+                <a:solidFill>
+                  <a:srgbClr val="00B0F0"/>
+                </a:solidFill>
+                <a:latin typeface="Times New Roman" pitchFamily="18" charset="0"/>
+                <a:cs typeface="Times New Roman" pitchFamily="18" charset="0"/>
+              </a:rPr>
+              <a:t> </a:t>
+            </a:r>
+            <a:r>
+              <a:rPr lang="zh-TW" altLang="en-US" sz="1600" dirty="0">
+                <a:solidFill>
+                  <a:srgbClr val="00B0F0"/>
+                </a:solidFill>
+                <a:latin typeface="Times New Roman" pitchFamily="18" charset="0"/>
+                <a:cs typeface="Times New Roman" pitchFamily="18" charset="0"/>
+              </a:rPr>
+              <a:t>的 </a:t>
+            </a:r>
+            <a:r>
+              <a:rPr lang="en-US" altLang="zh-TW" sz="1600" dirty="0">
+                <a:solidFill>
+                  <a:srgbClr val="00B0F0"/>
+                </a:solidFill>
+                <a:latin typeface="Times New Roman" pitchFamily="18" charset="0"/>
+                <a:cs typeface="Times New Roman" pitchFamily="18" charset="0"/>
+              </a:rPr>
+              <a:t>td&lt;/td&gt;</a:t>
+            </a:r>
+          </a:p>
+          <a:p>
+            <a:pPr defTabSz="0"/>
+            <a:r>
+              <a:rPr lang="en-US" altLang="zh-TW" sz="1600" dirty="0">
+                <a:solidFill>
+                  <a:srgbClr val="00B0F0"/>
+                </a:solidFill>
+                <a:latin typeface="Times New Roman" pitchFamily="18" charset="0"/>
+                <a:cs typeface="Times New Roman" pitchFamily="18" charset="0"/>
+              </a:rPr>
+              <a:t>            &lt;/</a:t>
+            </a:r>
+            <a:r>
+              <a:rPr lang="en-US" altLang="zh-TW" sz="1600" dirty="0" err="1">
+                <a:solidFill>
+                  <a:srgbClr val="00B0F0"/>
+                </a:solidFill>
+                <a:latin typeface="Times New Roman" pitchFamily="18" charset="0"/>
+                <a:cs typeface="Times New Roman" pitchFamily="18" charset="0"/>
+              </a:rPr>
+              <a:t>tr</a:t>
+            </a:r>
+            <a:r>
+              <a:rPr lang="en-US" altLang="zh-TW" sz="1600" dirty="0">
+                <a:solidFill>
+                  <a:srgbClr val="00B0F0"/>
+                </a:solidFill>
+                <a:latin typeface="Times New Roman" pitchFamily="18" charset="0"/>
+                <a:cs typeface="Times New Roman" pitchFamily="18" charset="0"/>
+              </a:rPr>
+              <a:t>&gt;</a:t>
+            </a:r>
+          </a:p>
+          <a:p>
+            <a:pPr defTabSz="0"/>
+            <a:r>
+              <a:rPr lang="en-US" altLang="zh-TW" sz="1600" dirty="0">
+                <a:solidFill>
+                  <a:srgbClr val="00B0F0"/>
+                </a:solidFill>
+                <a:latin typeface="Times New Roman" pitchFamily="18" charset="0"/>
+                <a:cs typeface="Times New Roman" pitchFamily="18" charset="0"/>
+              </a:rPr>
+              <a:t>        &lt;/</a:t>
+            </a:r>
+            <a:r>
+              <a:rPr lang="en-US" altLang="zh-TW" sz="1600" dirty="0" err="1">
+                <a:solidFill>
+                  <a:srgbClr val="00B0F0"/>
+                </a:solidFill>
+                <a:latin typeface="Times New Roman" pitchFamily="18" charset="0"/>
+                <a:cs typeface="Times New Roman" pitchFamily="18" charset="0"/>
+              </a:rPr>
+              <a:t>tfoot</a:t>
+            </a:r>
+            <a:r>
+              <a:rPr lang="en-US" altLang="zh-TW" sz="1600" dirty="0">
+                <a:solidFill>
+                  <a:srgbClr val="00B0F0"/>
+                </a:solidFill>
+                <a:latin typeface="Times New Roman" pitchFamily="18" charset="0"/>
+                <a:cs typeface="Times New Roman" pitchFamily="18" charset="0"/>
+              </a:rPr>
+              <a:t>&gt;</a:t>
+            </a:r>
+          </a:p>
+          <a:p>
+            <a:pPr defTabSz="0"/>
+            <a:r>
+              <a:rPr lang="en-US" altLang="zh-TW" sz="1600" dirty="0">
+                <a:latin typeface="Times New Roman" pitchFamily="18" charset="0"/>
+                <a:cs typeface="Times New Roman" pitchFamily="18" charset="0"/>
+              </a:rPr>
+              <a:t>    &lt;/table&gt;</a:t>
+            </a:r>
+            <a:endParaRPr lang="en-US" altLang="zh-TW" sz="1600" dirty="0">
+              <a:latin typeface="Times New Roman" pitchFamily="18" charset="0"/>
+              <a:cs typeface="Times New Roman" pitchFamily="18" charset="0"/>
+            </a:endParaRPr>
+          </a:p>
+        </p:txBody>
+      </p:sp>
+    </p:spTree>
+    <p:extLst>
+      <p:ext uri="{BB962C8B-B14F-4D97-AF65-F5344CB8AC3E}">
+        <p14:creationId xmlns:p14="http://schemas.microsoft.com/office/powerpoint/2010/main" val="131146467"/>
+      </p:ext>
+    </p:extLst>
+  </p:cSld>
+  <p:clrMapOvr>
+    <a:masterClrMapping/>
+  </p:clrMapOvr>
+  <p:timing>
+    <p:tnLst>
+      <p:par>
+        <p:cTn id="1" dur="indefinite" restart="never" nodeType="tmRoot"/>
+      </p:par>
+    </p:tnLst>
+  </p:timing>
+</p:sld>
+</file>
+
+<file path=ppt/slides/slide15.xml><?xml version="1.0" encoding="utf-8"?>
+<p:sld xmlns:a="http://schemas.openxmlformats.org/drawingml/2006/main" xmlns:r="http://schemas.openxmlformats.org/officeDocument/2006/relationships" xmlns:p="http://schemas.openxmlformats.org/presentationml/2006/main">
+  <p:cSld>
+    <p:spTree>
+      <p:nvGrpSpPr>
+        <p:cNvPr id="1" name=""/>
+        <p:cNvGrpSpPr/>
+        <p:nvPr/>
+      </p:nvGrpSpPr>
+      <p:grpSpPr>
+        <a:xfrm>
+          <a:off x="0" y="0"/>
+          <a:ext cx="0" cy="0"/>
+          <a:chOff x="0" y="0"/>
+          <a:chExt cx="0" cy="0"/>
+        </a:xfrm>
+      </p:grpSpPr>
+      <p:sp>
+        <p:nvSpPr>
+          <p:cNvPr id="4" name="文字方塊 3"/>
+          <p:cNvSpPr txBox="1"/>
+          <p:nvPr/>
+        </p:nvSpPr>
+        <p:spPr>
+          <a:xfrm>
+            <a:off x="0" y="0"/>
+            <a:ext cx="9144000" cy="836712"/>
+          </a:xfrm>
+          <a:prstGeom prst="rect">
+            <a:avLst/>
+          </a:prstGeom>
+          <a:noFill/>
+        </p:spPr>
+        <p:txBody>
+          <a:bodyPr wrap="square" rtlCol="0" anchor="ctr">
+            <a:noAutofit/>
+          </a:bodyPr>
+          <a:lstStyle/>
+          <a:p>
+            <a:pPr algn="ctr"/>
+            <a:r>
+              <a:rPr lang="en-US" altLang="zh-TW" sz="2400" dirty="0" smtClean="0">
+                <a:latin typeface="Times New Roman" pitchFamily="18" charset="0"/>
+                <a:cs typeface="Times New Roman" pitchFamily="18" charset="0"/>
+              </a:rPr>
+              <a:t>Element </a:t>
+            </a:r>
+            <a:r>
+              <a:rPr lang="zh-TW" altLang="en-US" sz="2400" dirty="0" smtClean="0">
+                <a:latin typeface="Times New Roman" pitchFamily="18" charset="0"/>
+                <a:cs typeface="Times New Roman" pitchFamily="18" charset="0"/>
+              </a:rPr>
+              <a:t>介紹：</a:t>
+            </a:r>
+            <a:r>
+              <a:rPr lang="en-US" altLang="zh-TW" sz="2400" dirty="0" err="1" smtClean="0">
+                <a:latin typeface="Times New Roman" pitchFamily="18" charset="0"/>
+                <a:cs typeface="Times New Roman" pitchFamily="18" charset="0"/>
+              </a:rPr>
+              <a:t>href</a:t>
+            </a:r>
+            <a:r>
+              <a:rPr lang="en-US" altLang="zh-TW" sz="2400" dirty="0" smtClean="0">
+                <a:latin typeface="Times New Roman" pitchFamily="18" charset="0"/>
+                <a:cs typeface="Times New Roman" pitchFamily="18" charset="0"/>
+              </a:rPr>
+              <a:t> </a:t>
+            </a:r>
+            <a:r>
+              <a:rPr lang="zh-TW" altLang="en-US" sz="2400" dirty="0" smtClean="0">
+                <a:latin typeface="Times New Roman" pitchFamily="18" charset="0"/>
+                <a:cs typeface="Times New Roman" pitchFamily="18" charset="0"/>
+              </a:rPr>
+              <a:t>和 </a:t>
+            </a:r>
+            <a:r>
+              <a:rPr lang="en-US" altLang="zh-TW" sz="2400" dirty="0" err="1" smtClean="0">
+                <a:latin typeface="Times New Roman" pitchFamily="18" charset="0"/>
+                <a:cs typeface="Times New Roman" pitchFamily="18" charset="0"/>
+              </a:rPr>
+              <a:t>src</a:t>
+            </a:r>
+            <a:endParaRPr lang="zh-TW" altLang="en-US" sz="2400" dirty="0">
+              <a:latin typeface="Times New Roman" pitchFamily="18" charset="0"/>
+              <a:cs typeface="Times New Roman" pitchFamily="18" charset="0"/>
+            </a:endParaRPr>
+          </a:p>
+        </p:txBody>
+      </p:sp>
+      <p:sp>
+        <p:nvSpPr>
+          <p:cNvPr id="5" name="文字方塊 4"/>
+          <p:cNvSpPr txBox="1"/>
+          <p:nvPr/>
+        </p:nvSpPr>
+        <p:spPr>
+          <a:xfrm>
+            <a:off x="8711952" y="6573902"/>
+            <a:ext cx="432048" cy="276999"/>
+          </a:xfrm>
+          <a:prstGeom prst="rect">
+            <a:avLst/>
+          </a:prstGeom>
+          <a:noFill/>
+        </p:spPr>
+        <p:txBody>
+          <a:bodyPr wrap="square" rtlCol="0" anchor="ctr">
+            <a:spAutoFit/>
+          </a:bodyPr>
+          <a:lstStyle/>
+          <a:p>
+            <a:pPr algn="ctr"/>
+            <a:r>
+              <a:rPr lang="en-US" altLang="zh-TW" sz="1200" dirty="0" smtClean="0">
+                <a:latin typeface="Times New Roman" pitchFamily="18" charset="0"/>
+                <a:cs typeface="Times New Roman" pitchFamily="18" charset="0"/>
+              </a:rPr>
+              <a:t>15</a:t>
+            </a:r>
+            <a:endParaRPr lang="zh-TW" altLang="en-US" sz="1200" dirty="0">
+              <a:latin typeface="Times New Roman" pitchFamily="18" charset="0"/>
+              <a:cs typeface="Times New Roman" pitchFamily="18" charset="0"/>
+            </a:endParaRPr>
+          </a:p>
+        </p:txBody>
+      </p:sp>
+      <p:sp>
+        <p:nvSpPr>
+          <p:cNvPr id="38" name="文字方塊 37"/>
+          <p:cNvSpPr txBox="1"/>
+          <p:nvPr/>
+        </p:nvSpPr>
+        <p:spPr>
+          <a:xfrm>
+            <a:off x="503548" y="1124744"/>
+            <a:ext cx="8136904" cy="5328592"/>
+          </a:xfrm>
+          <a:prstGeom prst="rect">
+            <a:avLst/>
+          </a:prstGeom>
+          <a:noFill/>
+        </p:spPr>
+        <p:txBody>
+          <a:bodyPr wrap="square" rtlCol="0" anchor="t">
+            <a:noAutofit/>
+          </a:bodyPr>
+          <a:lstStyle/>
+          <a:p>
+            <a:pPr defTabSz="0"/>
+            <a:r>
+              <a:rPr lang="zh-TW" altLang="en-US" dirty="0" smtClean="0">
+                <a:latin typeface="Times New Roman" pitchFamily="18" charset="0"/>
+                <a:cs typeface="Times New Roman" pitchFamily="18" charset="0"/>
+              </a:rPr>
+              <a:t>網頁超連結</a:t>
+            </a:r>
+            <a:endParaRPr lang="en-US" altLang="zh-TW" dirty="0">
+              <a:latin typeface="Times New Roman" pitchFamily="18" charset="0"/>
+              <a:cs typeface="Times New Roman" pitchFamily="18" charset="0"/>
+            </a:endParaRPr>
+          </a:p>
+          <a:p>
+            <a:pPr defTabSz="0"/>
+            <a:r>
+              <a:rPr lang="en-US" altLang="zh-TW" dirty="0">
+                <a:latin typeface="Times New Roman" pitchFamily="18" charset="0"/>
+                <a:cs typeface="Times New Roman" pitchFamily="18" charset="0"/>
+              </a:rPr>
+              <a:t>    &lt;a </a:t>
+            </a:r>
+            <a:r>
+              <a:rPr lang="en-US" altLang="zh-TW" dirty="0" err="1">
+                <a:solidFill>
+                  <a:srgbClr val="FF0000"/>
+                </a:solidFill>
+                <a:latin typeface="Times New Roman" pitchFamily="18" charset="0"/>
+                <a:cs typeface="Times New Roman" pitchFamily="18" charset="0"/>
+              </a:rPr>
+              <a:t>href</a:t>
+            </a:r>
+            <a:r>
+              <a:rPr lang="en-US" altLang="zh-TW" dirty="0">
+                <a:latin typeface="Times New Roman" pitchFamily="18" charset="0"/>
+                <a:cs typeface="Times New Roman" pitchFamily="18" charset="0"/>
+              </a:rPr>
+              <a:t>="https://www.google.com"&gt;Google&lt;/a</a:t>
+            </a:r>
+            <a:r>
+              <a:rPr lang="en-US" altLang="zh-TW" dirty="0" smtClean="0">
+                <a:latin typeface="Times New Roman" pitchFamily="18" charset="0"/>
+                <a:cs typeface="Times New Roman" pitchFamily="18" charset="0"/>
+              </a:rPr>
+              <a:t>&gt;</a:t>
+            </a:r>
+          </a:p>
+          <a:p>
+            <a:pPr defTabSz="0"/>
+            <a:endParaRPr lang="en-US" altLang="zh-TW" dirty="0" smtClean="0">
+              <a:latin typeface="Times New Roman" pitchFamily="18" charset="0"/>
+              <a:cs typeface="Times New Roman" pitchFamily="18" charset="0"/>
+            </a:endParaRPr>
+          </a:p>
+          <a:p>
+            <a:pPr defTabSz="0"/>
+            <a:r>
+              <a:rPr lang="zh-TW" altLang="en-US" dirty="0" smtClean="0">
+                <a:latin typeface="Times New Roman" pitchFamily="18" charset="0"/>
+                <a:cs typeface="Times New Roman" pitchFamily="18" charset="0"/>
+              </a:rPr>
+              <a:t>圖片</a:t>
+            </a:r>
+            <a:endParaRPr lang="en-US" altLang="zh-TW" dirty="0">
+              <a:latin typeface="Times New Roman" pitchFamily="18" charset="0"/>
+              <a:cs typeface="Times New Roman" pitchFamily="18" charset="0"/>
+            </a:endParaRPr>
+          </a:p>
+          <a:p>
+            <a:pPr defTabSz="0"/>
+            <a:r>
+              <a:rPr lang="en-US" altLang="zh-TW" dirty="0">
+                <a:latin typeface="Times New Roman" pitchFamily="18" charset="0"/>
+                <a:cs typeface="Times New Roman" pitchFamily="18" charset="0"/>
+              </a:rPr>
+              <a:t>    &lt;</a:t>
+            </a:r>
+            <a:r>
+              <a:rPr lang="en-US" altLang="zh-TW" dirty="0" err="1">
+                <a:latin typeface="Times New Roman" pitchFamily="18" charset="0"/>
+                <a:cs typeface="Times New Roman" pitchFamily="18" charset="0"/>
+              </a:rPr>
+              <a:t>img</a:t>
+            </a:r>
+            <a:r>
+              <a:rPr lang="en-US" altLang="zh-TW" dirty="0">
+                <a:latin typeface="Times New Roman" pitchFamily="18" charset="0"/>
+                <a:cs typeface="Times New Roman" pitchFamily="18" charset="0"/>
+              </a:rPr>
+              <a:t> </a:t>
+            </a:r>
+            <a:r>
+              <a:rPr lang="en-US" altLang="zh-TW" dirty="0" err="1">
+                <a:solidFill>
+                  <a:srgbClr val="FF0000"/>
+                </a:solidFill>
+                <a:latin typeface="Times New Roman" pitchFamily="18" charset="0"/>
+                <a:cs typeface="Times New Roman" pitchFamily="18" charset="0"/>
+              </a:rPr>
+              <a:t>src</a:t>
+            </a:r>
+            <a:r>
+              <a:rPr lang="en-US" altLang="zh-TW" dirty="0">
+                <a:latin typeface="Times New Roman" pitchFamily="18" charset="0"/>
+                <a:cs typeface="Times New Roman" pitchFamily="18" charset="0"/>
+              </a:rPr>
+              <a:t>="/man.png" alt="</a:t>
+            </a:r>
+            <a:r>
+              <a:rPr lang="zh-TW" altLang="en-US" dirty="0">
+                <a:latin typeface="Times New Roman" pitchFamily="18" charset="0"/>
+                <a:cs typeface="Times New Roman" pitchFamily="18" charset="0"/>
+              </a:rPr>
+              <a:t>替代文字</a:t>
+            </a:r>
+            <a:r>
+              <a:rPr lang="en-US" altLang="zh-TW" dirty="0" smtClean="0">
+                <a:latin typeface="Times New Roman" pitchFamily="18" charset="0"/>
+                <a:cs typeface="Times New Roman" pitchFamily="18" charset="0"/>
+              </a:rPr>
+              <a:t>"&gt;</a:t>
+            </a:r>
+          </a:p>
+          <a:p>
+            <a:pPr defTabSz="0"/>
+            <a:endParaRPr lang="en-US" altLang="zh-TW" dirty="0" smtClean="0">
+              <a:latin typeface="Times New Roman" pitchFamily="18" charset="0"/>
+              <a:cs typeface="Times New Roman" pitchFamily="18" charset="0"/>
+            </a:endParaRPr>
+          </a:p>
+          <a:p>
+            <a:pPr defTabSz="0"/>
+            <a:r>
+              <a:rPr lang="zh-TW" altLang="en-US" dirty="0" smtClean="0">
+                <a:latin typeface="Times New Roman" pitchFamily="18" charset="0"/>
+                <a:cs typeface="Times New Roman" pitchFamily="18" charset="0"/>
+              </a:rPr>
+              <a:t>聲音</a:t>
+            </a:r>
+            <a:endParaRPr lang="en-US" altLang="zh-TW" dirty="0" smtClean="0">
+              <a:latin typeface="Times New Roman" pitchFamily="18" charset="0"/>
+              <a:cs typeface="Times New Roman" pitchFamily="18" charset="0"/>
+            </a:endParaRPr>
+          </a:p>
+          <a:p>
+            <a:pPr defTabSz="0"/>
+            <a:r>
+              <a:rPr lang="en-US" altLang="zh-TW" dirty="0" smtClean="0">
+                <a:latin typeface="Times New Roman" pitchFamily="18" charset="0"/>
+                <a:cs typeface="Times New Roman" pitchFamily="18" charset="0"/>
+              </a:rPr>
+              <a:t>    &lt;audio </a:t>
+            </a:r>
+            <a:r>
+              <a:rPr lang="en-US" altLang="zh-TW" dirty="0" err="1" smtClean="0">
+                <a:solidFill>
+                  <a:srgbClr val="FF0000"/>
+                </a:solidFill>
+                <a:latin typeface="Times New Roman" pitchFamily="18" charset="0"/>
+                <a:cs typeface="Times New Roman" pitchFamily="18" charset="0"/>
+              </a:rPr>
+              <a:t>src</a:t>
+            </a:r>
+            <a:r>
+              <a:rPr lang="en-US" altLang="zh-TW" dirty="0" smtClean="0">
+                <a:latin typeface="Times New Roman" pitchFamily="18" charset="0"/>
+                <a:cs typeface="Times New Roman" pitchFamily="18" charset="0"/>
+              </a:rPr>
+              <a:t>="" </a:t>
+            </a:r>
+            <a:r>
+              <a:rPr lang="en-US" altLang="zh-TW" dirty="0" smtClean="0">
+                <a:solidFill>
+                  <a:srgbClr val="00B050"/>
+                </a:solidFill>
+                <a:latin typeface="Times New Roman" pitchFamily="18" charset="0"/>
+                <a:cs typeface="Times New Roman" pitchFamily="18" charset="0"/>
+              </a:rPr>
+              <a:t>controls</a:t>
+            </a:r>
+            <a:r>
+              <a:rPr lang="en-US" altLang="zh-TW" dirty="0" smtClean="0">
+                <a:latin typeface="Times New Roman" pitchFamily="18" charset="0"/>
+                <a:cs typeface="Times New Roman" pitchFamily="18" charset="0"/>
+              </a:rPr>
+              <a:t>&gt;&lt;/audio&gt;</a:t>
+            </a:r>
+            <a:endParaRPr lang="en-US" altLang="zh-TW" dirty="0">
+              <a:latin typeface="Times New Roman" pitchFamily="18" charset="0"/>
+              <a:cs typeface="Times New Roman" pitchFamily="18" charset="0"/>
+            </a:endParaRPr>
+          </a:p>
+          <a:p>
+            <a:pPr defTabSz="0"/>
+            <a:r>
+              <a:rPr lang="en-US" altLang="zh-TW" dirty="0">
+                <a:latin typeface="Times New Roman" pitchFamily="18" charset="0"/>
+                <a:cs typeface="Times New Roman" pitchFamily="18" charset="0"/>
+              </a:rPr>
+              <a:t>    &lt;audio </a:t>
+            </a:r>
+            <a:r>
+              <a:rPr lang="en-US" altLang="zh-TW" dirty="0" err="1">
+                <a:latin typeface="Times New Roman" pitchFamily="18" charset="0"/>
+                <a:cs typeface="Times New Roman" pitchFamily="18" charset="0"/>
+              </a:rPr>
+              <a:t>src</a:t>
+            </a:r>
+            <a:r>
+              <a:rPr lang="en-US" altLang="zh-TW" dirty="0">
+                <a:latin typeface="Times New Roman" pitchFamily="18" charset="0"/>
+                <a:cs typeface="Times New Roman" pitchFamily="18" charset="0"/>
+              </a:rPr>
+              <a:t>="" </a:t>
+            </a:r>
+            <a:r>
+              <a:rPr lang="en-US" altLang="zh-TW" dirty="0">
+                <a:solidFill>
+                  <a:srgbClr val="00B050"/>
+                </a:solidFill>
+                <a:latin typeface="Times New Roman" pitchFamily="18" charset="0"/>
+                <a:cs typeface="Times New Roman" pitchFamily="18" charset="0"/>
+              </a:rPr>
+              <a:t>controls="controls"</a:t>
+            </a:r>
+            <a:r>
+              <a:rPr lang="en-US" altLang="zh-TW" dirty="0">
+                <a:latin typeface="Times New Roman" pitchFamily="18" charset="0"/>
+                <a:cs typeface="Times New Roman" pitchFamily="18" charset="0"/>
+              </a:rPr>
+              <a:t>&gt;&lt;/audio&gt;</a:t>
+            </a:r>
+          </a:p>
+          <a:p>
+            <a:pPr defTabSz="0"/>
+            <a:endParaRPr lang="en-US" altLang="zh-TW" dirty="0" smtClean="0">
+              <a:latin typeface="Times New Roman" pitchFamily="18" charset="0"/>
+              <a:cs typeface="Times New Roman" pitchFamily="18" charset="0"/>
+            </a:endParaRPr>
+          </a:p>
+          <a:p>
+            <a:pPr defTabSz="0"/>
+            <a:r>
+              <a:rPr lang="zh-TW" altLang="en-US" dirty="0" smtClean="0">
+                <a:latin typeface="Times New Roman" pitchFamily="18" charset="0"/>
+                <a:cs typeface="Times New Roman" pitchFamily="18" charset="0"/>
+              </a:rPr>
+              <a:t>影片</a:t>
+            </a:r>
+            <a:endParaRPr lang="en-US" altLang="zh-TW" dirty="0">
+              <a:latin typeface="Times New Roman" pitchFamily="18" charset="0"/>
+              <a:cs typeface="Times New Roman" pitchFamily="18" charset="0"/>
+            </a:endParaRPr>
+          </a:p>
+          <a:p>
+            <a:pPr defTabSz="0"/>
+            <a:r>
+              <a:rPr lang="en-US" altLang="zh-TW" dirty="0">
+                <a:latin typeface="Times New Roman" pitchFamily="18" charset="0"/>
+                <a:cs typeface="Times New Roman" pitchFamily="18" charset="0"/>
+              </a:rPr>
+              <a:t>    &lt;video </a:t>
+            </a:r>
+            <a:r>
+              <a:rPr lang="en-US" altLang="zh-TW" dirty="0" err="1">
+                <a:solidFill>
+                  <a:srgbClr val="FF0000"/>
+                </a:solidFill>
+                <a:latin typeface="Times New Roman" pitchFamily="18" charset="0"/>
+                <a:cs typeface="Times New Roman" pitchFamily="18" charset="0"/>
+              </a:rPr>
+              <a:t>src</a:t>
+            </a:r>
+            <a:r>
+              <a:rPr lang="en-US" altLang="zh-TW" dirty="0">
+                <a:latin typeface="Times New Roman" pitchFamily="18" charset="0"/>
+                <a:cs typeface="Times New Roman" pitchFamily="18" charset="0"/>
+              </a:rPr>
+              <a:t>="" controls&gt;&lt;/video&gt;</a:t>
+            </a:r>
+            <a:endParaRPr lang="en-US" altLang="zh-TW" dirty="0">
+              <a:latin typeface="Times New Roman" pitchFamily="18" charset="0"/>
+              <a:cs typeface="Times New Roman" pitchFamily="18" charset="0"/>
+            </a:endParaRPr>
+          </a:p>
+        </p:txBody>
+      </p:sp>
+    </p:spTree>
+    <p:extLst>
+      <p:ext uri="{BB962C8B-B14F-4D97-AF65-F5344CB8AC3E}">
+        <p14:creationId xmlns:p14="http://schemas.microsoft.com/office/powerpoint/2010/main" val="1292918163"/>
       </p:ext>
     </p:extLst>
   </p:cSld>
@@ -4085,48 +7205,69 @@
           <a:p>
             <a:pPr algn="ctr"/>
             <a:r>
-              <a:rPr lang="zh-TW" altLang="en-US" dirty="0" smtClean="0">
-                <a:latin typeface="Times New Roman" pitchFamily="18" charset="0"/>
-                <a:cs typeface="Times New Roman" pitchFamily="18" charset="0"/>
-              </a:rPr>
-              <a:t>只簡單教觀念，叫</a:t>
-            </a:r>
-            <a:r>
-              <a:rPr lang="zh-TW" altLang="en-US" dirty="0">
-                <a:latin typeface="Times New Roman" pitchFamily="18" charset="0"/>
-                <a:cs typeface="Times New Roman" pitchFamily="18" charset="0"/>
-              </a:rPr>
-              <a:t>學生上網找資料來實作，其實很不負責任</a:t>
-            </a:r>
-            <a:r>
-              <a:rPr lang="en-US" altLang="zh-TW" dirty="0">
+              <a:rPr lang="zh-TW" altLang="en-US" sz="1200" dirty="0" smtClean="0">
+                <a:latin typeface="Times New Roman" pitchFamily="18" charset="0"/>
+                <a:cs typeface="Times New Roman" pitchFamily="18" charset="0"/>
+              </a:rPr>
+              <a:t>只簡單教觀念</a:t>
+            </a:r>
+            <a:r>
+              <a:rPr lang="zh-TW" altLang="en-US" sz="1200" dirty="0" smtClean="0">
+                <a:latin typeface="Times New Roman" pitchFamily="18" charset="0"/>
+                <a:cs typeface="Times New Roman" pitchFamily="18" charset="0"/>
+              </a:rPr>
+              <a:t>，</a:t>
+            </a:r>
+            <a:r>
+              <a:rPr lang="zh-TW" altLang="en-US" sz="1200" dirty="0">
+                <a:latin typeface="Times New Roman" pitchFamily="18" charset="0"/>
+                <a:cs typeface="Times New Roman" pitchFamily="18" charset="0"/>
+              </a:rPr>
+              <a:t>請</a:t>
+            </a:r>
+            <a:r>
+              <a:rPr lang="zh-TW" altLang="en-US" sz="1200" dirty="0" smtClean="0">
+                <a:latin typeface="Times New Roman" pitchFamily="18" charset="0"/>
+                <a:cs typeface="Times New Roman" pitchFamily="18" charset="0"/>
+              </a:rPr>
+              <a:t>學生</a:t>
+            </a:r>
+            <a:r>
+              <a:rPr lang="zh-TW" altLang="en-US" sz="1200" dirty="0">
+                <a:latin typeface="Times New Roman" pitchFamily="18" charset="0"/>
+                <a:cs typeface="Times New Roman" pitchFamily="18" charset="0"/>
+              </a:rPr>
+              <a:t>上網找資料來實作，其實很不負責任</a:t>
+            </a:r>
+            <a:r>
+              <a:rPr lang="en-US" altLang="zh-TW" sz="1200" dirty="0">
                 <a:latin typeface="Times New Roman" pitchFamily="18" charset="0"/>
                 <a:cs typeface="Times New Roman" pitchFamily="18" charset="0"/>
               </a:rPr>
               <a:t>(</a:t>
             </a:r>
             <a:r>
-              <a:rPr lang="zh-TW" altLang="en-US" dirty="0">
+              <a:rPr lang="zh-TW" altLang="en-US" sz="1200" dirty="0">
                 <a:latin typeface="Times New Roman" pitchFamily="18" charset="0"/>
                 <a:cs typeface="Times New Roman" pitchFamily="18" charset="0"/>
               </a:rPr>
               <a:t>超爛</a:t>
             </a:r>
             <a:r>
-              <a:rPr lang="en-US" altLang="zh-TW" dirty="0">
+              <a:rPr lang="en-US" altLang="zh-TW" sz="1200" dirty="0">
                 <a:latin typeface="Times New Roman" pitchFamily="18" charset="0"/>
                 <a:cs typeface="Times New Roman" pitchFamily="18" charset="0"/>
               </a:rPr>
               <a:t>)</a:t>
             </a:r>
             <a:r>
-              <a:rPr lang="zh-TW" altLang="en-US" dirty="0" smtClean="0">
+              <a:rPr lang="zh-TW" altLang="en-US" sz="1200" dirty="0" smtClean="0">
                 <a:latin typeface="Times New Roman" pitchFamily="18" charset="0"/>
                 <a:cs typeface="Times New Roman" pitchFamily="18" charset="0"/>
               </a:rPr>
               <a:t>。</a:t>
             </a:r>
-            <a:endParaRPr lang="en-US" altLang="zh-TW" dirty="0" smtClean="0">
+            <a:endParaRPr lang="en-US" altLang="zh-TW" sz="1200" dirty="0" smtClean="0">
               <a:latin typeface="Times New Roman" pitchFamily="18" charset="0"/>
               <a:cs typeface="Times New Roman" pitchFamily="18" charset="0"/>
             </a:endParaRPr>
@@ -4134,27 +7275,27 @@
           <a:p>
             <a:pPr algn="ctr"/>
             <a:r>
-              <a:rPr lang="zh-TW" altLang="en-US" dirty="0" smtClean="0">
+              <a:rPr lang="zh-TW" altLang="en-US" sz="1200" dirty="0" smtClean="0">
                 <a:latin typeface="Times New Roman" pitchFamily="18" charset="0"/>
                 <a:cs typeface="Times New Roman" pitchFamily="18" charset="0"/>
               </a:rPr>
               <a:t>隨便</a:t>
             </a:r>
             <a:r>
-              <a:rPr lang="zh-TW" altLang="en-US" dirty="0">
+              <a:rPr lang="zh-TW" altLang="en-US" sz="1200" dirty="0">
                 <a:latin typeface="Times New Roman" pitchFamily="18" charset="0"/>
                 <a:cs typeface="Times New Roman" pitchFamily="18" charset="0"/>
               </a:rPr>
               <a:t>一個關鍵字就幾百萬以上的資料，新手要如何判斷資料</a:t>
             </a:r>
             <a:r>
-              <a:rPr lang="zh-TW" altLang="en-US" dirty="0" smtClean="0">
+              <a:rPr lang="zh-TW" altLang="en-US" sz="1200" dirty="0" smtClean="0">
                 <a:latin typeface="Times New Roman" pitchFamily="18" charset="0"/>
                 <a:cs typeface="Times New Roman" pitchFamily="18" charset="0"/>
               </a:rPr>
               <a:t>真偽？</a:t>
             </a:r>
-            <a:endParaRPr lang="zh-TW" altLang="en-US" dirty="0">
+            <a:endParaRPr lang="zh-TW" altLang="en-US" sz="1200" dirty="0">
               <a:latin typeface="Times New Roman" pitchFamily="18" charset="0"/>
               <a:cs typeface="Times New Roman" pitchFamily="18" charset="0"/>
             </a:endParaRPr>
@@ -4162,69 +7303,69 @@
           <a:p>
             <a:pPr algn="ctr"/>
             <a:r>
-              <a:rPr lang="zh-TW" altLang="en-US" dirty="0" smtClean="0">
+              <a:rPr lang="zh-TW" altLang="en-US" sz="1200" dirty="0" smtClean="0">
                 <a:latin typeface="Times New Roman" pitchFamily="18" charset="0"/>
                 <a:cs typeface="Times New Roman" pitchFamily="18" charset="0"/>
               </a:rPr>
               <a:t>工程教學的重點</a:t>
             </a:r>
             <a:r>
-              <a:rPr lang="zh-TW" altLang="en-US" dirty="0">
+              <a:rPr lang="zh-TW" altLang="en-US" sz="1200" dirty="0">
                 <a:latin typeface="Times New Roman" pitchFamily="18" charset="0"/>
                 <a:cs typeface="Times New Roman" pitchFamily="18" charset="0"/>
               </a:rPr>
               <a:t>是實作，臨摹</a:t>
             </a:r>
             <a:r>
-              <a:rPr lang="en-US" altLang="zh-TW" dirty="0">
+              <a:rPr lang="en-US" altLang="zh-TW" sz="1200" dirty="0">
                 <a:latin typeface="Times New Roman" pitchFamily="18" charset="0"/>
                 <a:cs typeface="Times New Roman" pitchFamily="18" charset="0"/>
               </a:rPr>
               <a:t>(</a:t>
             </a:r>
             <a:r>
-              <a:rPr lang="zh-TW" altLang="en-US" dirty="0">
+              <a:rPr lang="zh-TW" altLang="en-US" sz="1200" dirty="0">
                 <a:latin typeface="Times New Roman" pitchFamily="18" charset="0"/>
                 <a:cs typeface="Times New Roman" pitchFamily="18" charset="0"/>
               </a:rPr>
               <a:t>抄</a:t>
             </a:r>
             <a:r>
-              <a:rPr lang="en-US" altLang="zh-TW" dirty="0">
+              <a:rPr lang="en-US" altLang="zh-TW" sz="1200" dirty="0">
                 <a:latin typeface="Times New Roman" pitchFamily="18" charset="0"/>
                 <a:cs typeface="Times New Roman" pitchFamily="18" charset="0"/>
               </a:rPr>
               <a:t>)</a:t>
             </a:r>
             <a:r>
-              <a:rPr lang="zh-TW" altLang="en-US" dirty="0">
+              <a:rPr lang="zh-TW" altLang="en-US" sz="1200" dirty="0">
                 <a:latin typeface="Times New Roman" pitchFamily="18" charset="0"/>
                 <a:cs typeface="Times New Roman" pitchFamily="18" charset="0"/>
               </a:rPr>
               <a:t>沒關係，重點是</a:t>
             </a:r>
             <a:r>
-              <a:rPr lang="zh-TW" altLang="en-US" dirty="0" smtClean="0">
+              <a:rPr lang="zh-TW" altLang="en-US" sz="1200" dirty="0" smtClean="0">
                 <a:latin typeface="Times New Roman" pitchFamily="18" charset="0"/>
                 <a:cs typeface="Times New Roman" pitchFamily="18" charset="0"/>
               </a:rPr>
               <a:t>知道</a:t>
             </a:r>
             <a:r>
-              <a:rPr lang="zh-TW" altLang="en-US" dirty="0">
-                <a:latin typeface="Times New Roman" pitchFamily="18" charset="0"/>
-                <a:cs typeface="Times New Roman" pitchFamily="18" charset="0"/>
-              </a:rPr>
-              <a:t>怎麼實作</a:t>
-            </a:r>
-            <a:r>
-              <a:rPr lang="zh-TW" altLang="en-US" dirty="0" smtClean="0">
-                <a:latin typeface="Times New Roman" pitchFamily="18" charset="0"/>
-                <a:cs typeface="Times New Roman" pitchFamily="18" charset="0"/>
-              </a:rPr>
-              <a:t>。</a:t>
-            </a:r>
-            <a:endParaRPr lang="zh-TW" altLang="en-US" dirty="0">
+              <a:rPr lang="zh-TW" altLang="en-US" sz="1200" dirty="0">
+                <a:latin typeface="Times New Roman" pitchFamily="18" charset="0"/>
+                <a:cs typeface="Times New Roman" pitchFamily="18" charset="0"/>
+              </a:rPr>
+              <a:t>怎麼實</a:t>
+            </a:r>
+            <a:r>
+              <a:rPr lang="zh-TW" altLang="en-US" sz="1200" dirty="0" smtClean="0">
+                <a:latin typeface="Times New Roman" pitchFamily="18" charset="0"/>
+                <a:cs typeface="Times New Roman" pitchFamily="18" charset="0"/>
+              </a:rPr>
+              <a:t>作。</a:t>
+            </a:r>
+            <a:endParaRPr lang="zh-TW" altLang="en-US" sz="1200" dirty="0">
               <a:latin typeface="Times New Roman" pitchFamily="18" charset="0"/>
               <a:cs typeface="Times New Roman" pitchFamily="18" charset="0"/>
             </a:endParaRPr>
@@ -4511,6 +7652,52 @@
           </a:prstGeom>
         </p:spPr>
       </p:pic>
+      <p:sp>
+        <p:nvSpPr>
+          <p:cNvPr id="7" name="矩形 6"/>
+          <p:cNvSpPr/>
+          <p:nvPr/>
+        </p:nvSpPr>
+        <p:spPr>
+          <a:xfrm>
+            <a:off x="1979712" y="3933056"/>
+            <a:ext cx="432048" cy="360040"/>
+          </a:xfrm>
+          <a:prstGeom prst="rect">
+            <a:avLst/>
+          </a:prstGeom>
+          <a:noFill/>
+          <a:ln w="19050">
+            <a:solidFill>
+              <a:srgbClr val="FF0000"/>
+            </a:solidFill>
+          </a:ln>
+        </p:spPr>
+        <p:style>
+          <a:lnRef idx="2">
+            <a:schemeClr val="accent1">
+              <a:shade val="50000"/>
+            </a:schemeClr>
+          </a:lnRef>
+          <a:fillRef idx="1">
+            <a:schemeClr val="accent1"/>
+          </a:fillRef>
+          <a:effectRef idx="0">
+            <a:schemeClr val="accent1"/>
+          </a:effectRef>
+          <a:fontRef idx="minor">
+            <a:schemeClr val="lt1"/>
+          </a:fontRef>
+        </p:style>
+        <p:txBody>
+          <a:bodyPr rtlCol="0" anchor="ctr"/>
+          <a:lstStyle/>
+          <a:p>
+            <a:pPr algn="ctr"/>
+            <a:endParaRPr lang="zh-TW" altLang="en-US"/>
+          </a:p>
+        </p:txBody>
+      </p:sp>
     </p:spTree>
     <p:extLst>
       <p:ext uri="{BB962C8B-B14F-4D97-AF65-F5344CB8AC3E}">
@@ -4701,7 +7888,14 @@
                 <a:latin typeface="Times New Roman" pitchFamily="18" charset="0"/>
                 <a:cs typeface="Times New Roman" pitchFamily="18" charset="0"/>
               </a:rPr>
-              <a:t>　當前最新為 </a:t>
+              <a:t>　</a:t>
+            </a:r>
+            <a:r>
+              <a:rPr lang="zh-TW" altLang="en-US" sz="2000" dirty="0">
+                <a:latin typeface="Times New Roman" pitchFamily="18" charset="0"/>
+                <a:cs typeface="Times New Roman" pitchFamily="18" charset="0"/>
+              </a:rPr>
+              <a:t>當前最泛用的版本為 </a:t>
             </a:r>
             <a:r>
               <a:rPr lang="en-US" altLang="zh-TW" sz="2000" dirty="0" smtClean="0">
@@ -4710,6 +7904,10 @@
               </a:rPr>
               <a:t>HTML5</a:t>
             </a:r>
+            <a:endParaRPr lang="en-US" altLang="zh-TW" sz="2000" dirty="0" smtClean="0">
+              <a:latin typeface="Times New Roman" pitchFamily="18" charset="0"/>
+              <a:cs typeface="Times New Roman" pitchFamily="18" charset="0"/>
+            </a:endParaRPr>
           </a:p>
           <a:p>
             <a:endParaRPr lang="en-US" altLang="zh-TW" sz="2000" dirty="0" smtClean="0">
@@ -5712,26 +8910,30 @@
               <a:t>&gt;, </a:t>
             </a:r>
             <a:r>
-              <a:rPr lang="en-US" altLang="zh-TW" sz="2000" dirty="0" smtClean="0">
-                <a:latin typeface="Times New Roman" pitchFamily="18" charset="0"/>
-                <a:cs typeface="Times New Roman" pitchFamily="18" charset="0"/>
-              </a:rPr>
-              <a:t>&lt;!– </a:t>
-            </a:r>
-            <a:r>
-              <a:rPr lang="zh-TW" altLang="en-US" sz="2000" dirty="0" smtClean="0">
-                <a:latin typeface="Times New Roman" pitchFamily="18" charset="0"/>
-                <a:cs typeface="Times New Roman" pitchFamily="18" charset="0"/>
-              </a:rPr>
-              <a:t>註解</a:t>
-            </a:r>
-            <a:r>
-              <a:rPr lang="en-US" altLang="zh-TW" sz="2000" dirty="0" smtClean="0">
-                <a:latin typeface="Times New Roman" pitchFamily="18" charset="0"/>
-                <a:cs typeface="Times New Roman" pitchFamily="18" charset="0"/>
-              </a:rPr>
-              <a:t> --&gt;</a:t>
-            </a:r>
+              <a:rPr lang="en-US" altLang="zh-TW" sz="2000" dirty="0">
+                <a:latin typeface="Times New Roman" pitchFamily="18" charset="0"/>
+                <a:cs typeface="Times New Roman" pitchFamily="18" charset="0"/>
+              </a:rPr>
+              <a:t>&lt;!-- </a:t>
+            </a:r>
+            <a:r>
+              <a:rPr lang="zh-TW" altLang="en-US" sz="2000" dirty="0">
+                <a:latin typeface="Times New Roman" pitchFamily="18" charset="0"/>
+                <a:cs typeface="Times New Roman" pitchFamily="18" charset="0"/>
+              </a:rPr>
+              <a:t>註解 </a:t>
+            </a:r>
+            <a:r>
+              <a:rPr lang="en-US" altLang="zh-TW" sz="2000" dirty="0">
+                <a:latin typeface="Times New Roman" pitchFamily="18" charset="0"/>
+                <a:cs typeface="Times New Roman" pitchFamily="18" charset="0"/>
+              </a:rPr>
+              <a:t>--&gt;</a:t>
+            </a:r>
+            <a:endParaRPr lang="en-US" altLang="zh-TW" sz="2000" dirty="0" smtClean="0">
+              <a:latin typeface="Times New Roman" pitchFamily="18" charset="0"/>
+              <a:cs typeface="Times New Roman" pitchFamily="18" charset="0"/>
+            </a:endParaRPr>
           </a:p>
           <a:p>
             <a:pPr defTabSz="0"/>
@@ -7606,7 +10808,7 @@
             <a:noFill/>
             <a:ln>
               <a:solidFill>
-                <a:schemeClr val="tx1"/>
+                <a:srgbClr val="FF0000"/>
               </a:solidFill>
             </a:ln>
           </p:spPr>
@@ -7656,6 +10858,9 @@
               <a:avLst/>
             </a:prstGeom>
             <a:noFill/>
+            <a:ln>
+              <a:noFill/>
+            </a:ln>
           </p:spPr>
           <p:txBody>
             <a:bodyPr wrap="square" rtlCol="0" anchor="ctr">
@@ -7666,12 +10871,18 @@
               <a:pPr algn="ctr"/>
               <a:r>
                 <a:rPr lang="en-US" altLang="zh-TW" dirty="0" smtClean="0">
+                  <a:solidFill>
+                    <a:srgbClr val="FF0000"/>
+                  </a:solidFill>
                   <a:latin typeface="Times New Roman" pitchFamily="18" charset="0"/>
                   <a:cs typeface="Times New Roman" pitchFamily="18" charset="0"/>
                 </a:rPr>
                 <a:t>&lt;html&gt;</a:t>
               </a:r>
               <a:endParaRPr lang="zh-TW" altLang="en-US" dirty="0">
+                <a:solidFill>
+                  <a:srgbClr val="FF0000"/>
+                </a:solidFill>
                 <a:latin typeface="Times New Roman" pitchFamily="18" charset="0"/>
                 <a:cs typeface="Times New Roman" pitchFamily="18" charset="0"/>
               </a:endParaRPr>

--- a/靜態網頁.pptx
+++ b/靜態網頁.pptx
@@ -20,6 +20,11 @@
     <p:sldId id="269" r:id="rId14"/>
     <p:sldId id="268" r:id="rId15"/>
     <p:sldId id="270" r:id="rId16"/>
+    <p:sldId id="271" r:id="rId17"/>
+    <p:sldId id="272" r:id="rId18"/>
+    <p:sldId id="273" r:id="rId19"/>
+    <p:sldId id="274" r:id="rId20"/>
+    <p:sldId id="275" r:id="rId21"/>
   </p:sldIdLst>
   <p:sldSz cx="9144000" cy="6858000" type="screen4x3"/>
   <p:notesSz cx="6858000" cy="9144000"/>
@@ -302,7 +307,7 @@
           <a:p>
             <a:fld id="{5BBEAD13-0566-4C6C-97E7-55F17F24B09F}" type="datetimeFigureOut">
               <a:rPr lang="zh-TW" altLang="en-US" smtClean="0"/>
-              <a:t>2021/7/12</a:t>
+              <a:t>2021/7/15</a:t>
             </a:fld>
             <a:endParaRPr lang="zh-TW" altLang="en-US"/>
           </a:p>
@@ -467,7 +472,7 @@
           <a:p>
             <a:fld id="{5BBEAD13-0566-4C6C-97E7-55F17F24B09F}" type="datetimeFigureOut">
               <a:rPr lang="zh-TW" altLang="en-US" smtClean="0"/>
-              <a:t>2021/7/12</a:t>
+              <a:t>2021/7/15</a:t>
             </a:fld>
             <a:endParaRPr lang="zh-TW" altLang="en-US"/>
           </a:p>
@@ -642,7 +647,7 @@
           <a:p>
             <a:fld id="{5BBEAD13-0566-4C6C-97E7-55F17F24B09F}" type="datetimeFigureOut">
               <a:rPr lang="zh-TW" altLang="en-US" smtClean="0"/>
-              <a:t>2021/7/12</a:t>
+              <a:t>2021/7/15</a:t>
             </a:fld>
             <a:endParaRPr lang="zh-TW" altLang="en-US"/>
           </a:p>
@@ -807,7 +812,7 @@
           <a:p>
             <a:fld id="{5BBEAD13-0566-4C6C-97E7-55F17F24B09F}" type="datetimeFigureOut">
               <a:rPr lang="zh-TW" altLang="en-US" smtClean="0"/>
-              <a:t>2021/7/12</a:t>
+              <a:t>2021/7/15</a:t>
             </a:fld>
             <a:endParaRPr lang="zh-TW" altLang="en-US"/>
           </a:p>
@@ -1048,7 +1053,7 @@
           <a:p>
             <a:fld id="{5BBEAD13-0566-4C6C-97E7-55F17F24B09F}" type="datetimeFigureOut">
               <a:rPr lang="zh-TW" altLang="en-US" smtClean="0"/>
-              <a:t>2021/7/12</a:t>
+              <a:t>2021/7/15</a:t>
             </a:fld>
             <a:endParaRPr lang="zh-TW" altLang="en-US"/>
           </a:p>
@@ -1331,7 +1336,7 @@
           <a:p>
             <a:fld id="{5BBEAD13-0566-4C6C-97E7-55F17F24B09F}" type="datetimeFigureOut">
               <a:rPr lang="zh-TW" altLang="en-US" smtClean="0"/>
-              <a:t>2021/7/12</a:t>
+              <a:t>2021/7/15</a:t>
             </a:fld>
             <a:endParaRPr lang="zh-TW" altLang="en-US"/>
           </a:p>
@@ -1748,7 +1753,7 @@
           <a:p>
             <a:fld id="{5BBEAD13-0566-4C6C-97E7-55F17F24B09F}" type="datetimeFigureOut">
               <a:rPr lang="zh-TW" altLang="en-US" smtClean="0"/>
-              <a:t>2021/7/12</a:t>
+              <a:t>2021/7/15</a:t>
             </a:fld>
             <a:endParaRPr lang="zh-TW" altLang="en-US"/>
           </a:p>
@@ -1861,7 +1866,7 @@
           <a:p>
             <a:fld id="{5BBEAD13-0566-4C6C-97E7-55F17F24B09F}" type="datetimeFigureOut">
               <a:rPr lang="zh-TW" altLang="en-US" smtClean="0"/>
-              <a:t>2021/7/12</a:t>
+              <a:t>2021/7/15</a:t>
             </a:fld>
             <a:endParaRPr lang="zh-TW" altLang="en-US"/>
           </a:p>
@@ -1951,7 +1956,7 @@
           <a:p>
             <a:fld id="{5BBEAD13-0566-4C6C-97E7-55F17F24B09F}" type="datetimeFigureOut">
               <a:rPr lang="zh-TW" altLang="en-US" smtClean="0"/>
-              <a:t>2021/7/12</a:t>
+              <a:t>2021/7/15</a:t>
             </a:fld>
             <a:endParaRPr lang="zh-TW" altLang="en-US"/>
           </a:p>
@@ -2223,7 +2228,7 @@
           <a:p>
             <a:fld id="{5BBEAD13-0566-4C6C-97E7-55F17F24B09F}" type="datetimeFigureOut">
               <a:rPr lang="zh-TW" altLang="en-US" smtClean="0"/>
-              <a:t>2021/7/12</a:t>
+              <a:t>2021/7/15</a:t>
             </a:fld>
             <a:endParaRPr lang="zh-TW" altLang="en-US"/>
           </a:p>
@@ -2471,7 +2476,7 @@
           <a:p>
             <a:fld id="{5BBEAD13-0566-4C6C-97E7-55F17F24B09F}" type="datetimeFigureOut">
               <a:rPr lang="zh-TW" altLang="en-US" smtClean="0"/>
-              <a:t>2021/7/12</a:t>
+              <a:t>2021/7/15</a:t>
             </a:fld>
             <a:endParaRPr lang="zh-TW" altLang="en-US"/>
           </a:p>
@@ -2679,7 +2684,7 @@
           <a:p>
             <a:fld id="{5BBEAD13-0566-4C6C-97E7-55F17F24B09F}" type="datetimeFigureOut">
               <a:rPr lang="zh-TW" altLang="en-US" smtClean="0"/>
-              <a:t>2021/7/12</a:t>
+              <a:t>2021/7/15</a:t>
             </a:fld>
             <a:endParaRPr lang="zh-TW" altLang="en-US"/>
           </a:p>
@@ -3077,7 +3082,14 @@
                 <a:latin typeface="Times New Roman" pitchFamily="18" charset="0"/>
                 <a:cs typeface="Times New Roman" pitchFamily="18" charset="0"/>
               </a:rPr>
-              <a:t>靜態網頁</a:t>
+              <a:t>靜態</a:t>
+            </a:r>
+            <a:r>
+              <a:rPr lang="zh-TW" altLang="en-US" sz="3200" dirty="0" smtClean="0">
+                <a:latin typeface="Times New Roman" pitchFamily="18" charset="0"/>
+                <a:cs typeface="Times New Roman" pitchFamily="18" charset="0"/>
+              </a:rPr>
+              <a:t>網頁</a:t>
             </a:r>
             <a:endParaRPr lang="zh-TW" altLang="en-US" sz="3200" dirty="0">
               <a:latin typeface="Times New Roman" pitchFamily="18" charset="0"/>
@@ -4067,7 +4079,7 @@
                 <a:latin typeface="Times New Roman" pitchFamily="18" charset="0"/>
                 <a:cs typeface="Times New Roman" pitchFamily="18" charset="0"/>
               </a:rPr>
-              <a:t>標示註解</a:t>
+              <a:t>註解</a:t>
             </a:r>
             <a:endParaRPr lang="en-US" altLang="zh-TW" dirty="0">
               <a:latin typeface="Times New Roman" pitchFamily="18" charset="0"/>
@@ -4112,7 +4124,14 @@
                 <a:latin typeface="Times New Roman" pitchFamily="18" charset="0"/>
                 <a:cs typeface="Times New Roman" pitchFamily="18" charset="0"/>
               </a:rPr>
-              <a:t>表示區塊</a:t>
+              <a:t>區</a:t>
+            </a:r>
+            <a:r>
+              <a:rPr lang="zh-TW" altLang="en-US" dirty="0" smtClean="0">
+                <a:latin typeface="Times New Roman" pitchFamily="18" charset="0"/>
+                <a:cs typeface="Times New Roman" pitchFamily="18" charset="0"/>
+              </a:rPr>
+              <a:t>塊</a:t>
             </a:r>
             <a:endParaRPr lang="en-US" altLang="zh-TW" dirty="0" smtClean="0">
               <a:latin typeface="Times New Roman" pitchFamily="18" charset="0"/>
@@ -4154,14 +4173,7 @@
                 <a:latin typeface="Times New Roman" pitchFamily="18" charset="0"/>
                 <a:cs typeface="Times New Roman" pitchFamily="18" charset="0"/>
               </a:rPr>
-              <a:t>&lt;/</a:t>
-            </a:r>
-            <a:r>
-              <a:rPr lang="en-US" altLang="zh-TW" dirty="0" smtClean="0">
-                <a:latin typeface="Times New Roman" pitchFamily="18" charset="0"/>
-                <a:cs typeface="Times New Roman" pitchFamily="18" charset="0"/>
-              </a:rPr>
-              <a:t>div&gt;</a:t>
+              <a:t>&lt;/div&gt;</a:t>
             </a:r>
           </a:p>
           <a:p>
@@ -4171,7 +4183,7 @@
                 <a:latin typeface="Times New Roman" pitchFamily="18" charset="0"/>
                 <a:cs typeface="Times New Roman" pitchFamily="18" charset="0"/>
               </a:rPr>
-              <a:t>表示段落</a:t>
+              <a:t>段落</a:t>
             </a:r>
             <a:endParaRPr lang="en-US" altLang="zh-TW" dirty="0" smtClean="0">
               <a:latin typeface="Times New Roman" pitchFamily="18" charset="0"/>
@@ -4216,7 +4228,7 @@
                 <a:latin typeface="Times New Roman" pitchFamily="18" charset="0"/>
                 <a:cs typeface="Times New Roman" pitchFamily="18" charset="0"/>
               </a:rPr>
-              <a:t>表示標題</a:t>
+              <a:t>標題</a:t>
             </a:r>
             <a:endParaRPr lang="en-US" altLang="zh-TW" dirty="0" smtClean="0">
               <a:latin typeface="Times New Roman" pitchFamily="18" charset="0"/>
@@ -4567,14 +4579,14 @@
                 <a:latin typeface="Times New Roman" pitchFamily="18" charset="0"/>
                 <a:cs typeface="Times New Roman" pitchFamily="18" charset="0"/>
               </a:rPr>
-              <a:t>表示</a:t>
+              <a:t>一</a:t>
             </a:r>
             <a:r>
               <a:rPr lang="zh-TW" altLang="en-US" dirty="0">
                 <a:latin typeface="Times New Roman" pitchFamily="18" charset="0"/>
                 <a:cs typeface="Times New Roman" pitchFamily="18" charset="0"/>
               </a:rPr>
-              <a:t>一串文字</a:t>
+              <a:t>串文字</a:t>
             </a:r>
             <a:endParaRPr lang="en-US" altLang="zh-TW" dirty="0">
               <a:latin typeface="Times New Roman" pitchFamily="18" charset="0"/>
@@ -4626,7 +4638,14 @@
                 <a:latin typeface="Times New Roman" pitchFamily="18" charset="0"/>
                 <a:cs typeface="Times New Roman" pitchFamily="18" charset="0"/>
               </a:rPr>
-              <a:t>文字換行</a:t>
+              <a:t>換</a:t>
+            </a:r>
+            <a:r>
+              <a:rPr lang="zh-TW" altLang="en-US" dirty="0" smtClean="0">
+                <a:latin typeface="Times New Roman" pitchFamily="18" charset="0"/>
+                <a:cs typeface="Times New Roman" pitchFamily="18" charset="0"/>
+              </a:rPr>
+              <a:t>行</a:t>
             </a:r>
             <a:endParaRPr lang="en-US" altLang="zh-TW" dirty="0" smtClean="0">
               <a:latin typeface="Times New Roman" pitchFamily="18" charset="0"/>
@@ -5231,10 +5250,6 @@
               </a:rPr>
               <a:t>&gt;</a:t>
             </a:r>
-            <a:endParaRPr lang="en-US" altLang="zh-TW" dirty="0">
-              <a:latin typeface="Times New Roman" pitchFamily="18" charset="0"/>
-              <a:cs typeface="Times New Roman" pitchFamily="18" charset="0"/>
-            </a:endParaRPr>
           </a:p>
         </p:txBody>
       </p:sp>
@@ -6393,13 +6408,39 @@
               </a:rPr>
               <a:t>    &lt;/table&gt;</a:t>
             </a:r>
-            <a:endParaRPr lang="en-US" altLang="zh-TW" sz="1600" dirty="0">
-              <a:latin typeface="Times New Roman" pitchFamily="18" charset="0"/>
-              <a:cs typeface="Times New Roman" pitchFamily="18" charset="0"/>
-            </a:endParaRPr>
           </a:p>
         </p:txBody>
       </p:sp>
+      <p:pic>
+        <p:nvPicPr>
+          <p:cNvPr id="2" name="圖片 1"/>
+          <p:cNvPicPr>
+            <a:picLocks noChangeAspect="1"/>
+          </p:cNvPicPr>
+          <p:nvPr/>
+        </p:nvPicPr>
+        <p:blipFill>
+          <a:blip r:embed="rId2">
+            <a:extLst>
+              <a:ext uri="{28A0092B-C50C-407E-A947-70E740481C1C}">
+                <a14:useLocalDpi xmlns:a14="http://schemas.microsoft.com/office/drawing/2010/main" val="0"/>
+              </a:ext>
+            </a:extLst>
+          </a:blip>
+          <a:stretch>
+            <a:fillRect/>
+          </a:stretch>
+        </p:blipFill>
+        <p:spPr>
+          <a:xfrm>
+            <a:off x="6228184" y="3140968"/>
+            <a:ext cx="819150" cy="1114425"/>
+          </a:xfrm>
+          <a:prstGeom prst="rect">
+            <a:avLst/>
+          </a:prstGeom>
+        </p:spPr>
+      </p:pic>
     </p:spTree>
     <p:extLst>
       <p:ext uri="{BB962C8B-B14F-4D97-AF65-F5344CB8AC3E}">
@@ -6798,11 +6839,147 @@
                 <a:latin typeface="Times New Roman" pitchFamily="18" charset="0"/>
                 <a:cs typeface="Times New Roman" pitchFamily="18" charset="0"/>
               </a:rPr>
-              <a:t>&gt;&lt;/audio&gt;</a:t>
-            </a:r>
-          </a:p>
-          <a:p>
-            <a:pPr defTabSz="0"/>
+              <a:t>&gt;&lt;/audio</a:t>
+            </a:r>
+            <a:r>
+              <a:rPr lang="en-US" altLang="zh-TW" dirty="0" smtClean="0">
+                <a:latin typeface="Times New Roman" pitchFamily="18" charset="0"/>
+                <a:cs typeface="Times New Roman" pitchFamily="18" charset="0"/>
+              </a:rPr>
+              <a:t>&gt;</a:t>
+            </a:r>
+            <a:endParaRPr lang="en-US" altLang="zh-TW" dirty="0">
+              <a:latin typeface="Times New Roman" pitchFamily="18" charset="0"/>
+              <a:cs typeface="Times New Roman" pitchFamily="18" charset="0"/>
+            </a:endParaRPr>
+          </a:p>
+          <a:p>
+            <a:pPr defTabSz="0"/>
+            <a:r>
+              <a:rPr lang="en-US" altLang="zh-TW" dirty="0">
+                <a:latin typeface="Times New Roman" pitchFamily="18" charset="0"/>
+                <a:cs typeface="Times New Roman" pitchFamily="18" charset="0"/>
+              </a:rPr>
+              <a:t>    &lt;audio controls&gt;</a:t>
+            </a:r>
+          </a:p>
+          <a:p>
+            <a:pPr defTabSz="0"/>
+            <a:r>
+              <a:rPr lang="en-US" altLang="zh-TW" dirty="0">
+                <a:latin typeface="Times New Roman" pitchFamily="18" charset="0"/>
+                <a:cs typeface="Times New Roman" pitchFamily="18" charset="0"/>
+              </a:rPr>
+              <a:t>        </a:t>
+            </a:r>
+            <a:r>
+              <a:rPr lang="en-US" altLang="zh-TW" dirty="0">
+                <a:solidFill>
+                  <a:srgbClr val="FF0000"/>
+                </a:solidFill>
+                <a:latin typeface="Times New Roman" pitchFamily="18" charset="0"/>
+                <a:cs typeface="Times New Roman" pitchFamily="18" charset="0"/>
+              </a:rPr>
+              <a:t>&lt;source</a:t>
+            </a:r>
+            <a:r>
+              <a:rPr lang="en-US" altLang="zh-TW" dirty="0">
+                <a:latin typeface="Times New Roman" pitchFamily="18" charset="0"/>
+                <a:cs typeface="Times New Roman" pitchFamily="18" charset="0"/>
+              </a:rPr>
+              <a:t> </a:t>
+            </a:r>
+            <a:r>
+              <a:rPr lang="en-US" altLang="zh-TW" dirty="0" err="1">
+                <a:solidFill>
+                  <a:srgbClr val="00B050"/>
+                </a:solidFill>
+                <a:latin typeface="Times New Roman" pitchFamily="18" charset="0"/>
+                <a:cs typeface="Times New Roman" pitchFamily="18" charset="0"/>
+              </a:rPr>
+              <a:t>src</a:t>
+            </a:r>
+            <a:r>
+              <a:rPr lang="en-US" altLang="zh-TW" dirty="0">
+                <a:solidFill>
+                  <a:srgbClr val="00B050"/>
+                </a:solidFill>
+                <a:latin typeface="Times New Roman" pitchFamily="18" charset="0"/>
+                <a:cs typeface="Times New Roman" pitchFamily="18" charset="0"/>
+              </a:rPr>
+              <a:t>="voice.ogg" type="audio/</a:t>
+            </a:r>
+            <a:r>
+              <a:rPr lang="en-US" altLang="zh-TW" dirty="0" err="1">
+                <a:solidFill>
+                  <a:srgbClr val="00B050"/>
+                </a:solidFill>
+                <a:latin typeface="Times New Roman" pitchFamily="18" charset="0"/>
+                <a:cs typeface="Times New Roman" pitchFamily="18" charset="0"/>
+              </a:rPr>
+              <a:t>ogg</a:t>
+            </a:r>
+            <a:r>
+              <a:rPr lang="en-US" altLang="zh-TW" dirty="0">
+                <a:solidFill>
+                  <a:srgbClr val="00B050"/>
+                </a:solidFill>
+                <a:latin typeface="Times New Roman" pitchFamily="18" charset="0"/>
+                <a:cs typeface="Times New Roman" pitchFamily="18" charset="0"/>
+              </a:rPr>
+              <a:t>"</a:t>
+            </a:r>
+            <a:r>
+              <a:rPr lang="en-US" altLang="zh-TW" dirty="0">
+                <a:solidFill>
+                  <a:srgbClr val="FF0000"/>
+                </a:solidFill>
+                <a:latin typeface="Times New Roman" pitchFamily="18" charset="0"/>
+                <a:cs typeface="Times New Roman" pitchFamily="18" charset="0"/>
+              </a:rPr>
+              <a:t>&gt;</a:t>
+            </a:r>
+          </a:p>
+          <a:p>
+            <a:pPr defTabSz="0"/>
+            <a:r>
+              <a:rPr lang="en-US" altLang="zh-TW" dirty="0">
+                <a:latin typeface="Times New Roman" pitchFamily="18" charset="0"/>
+                <a:cs typeface="Times New Roman" pitchFamily="18" charset="0"/>
+              </a:rPr>
+              <a:t>        &lt;source </a:t>
+            </a:r>
+            <a:r>
+              <a:rPr lang="en-US" altLang="zh-TW" dirty="0" err="1">
+                <a:latin typeface="Times New Roman" pitchFamily="18" charset="0"/>
+                <a:cs typeface="Times New Roman" pitchFamily="18" charset="0"/>
+              </a:rPr>
+              <a:t>src</a:t>
+            </a:r>
+            <a:r>
+              <a:rPr lang="en-US" altLang="zh-TW" dirty="0">
+                <a:latin typeface="Times New Roman" pitchFamily="18" charset="0"/>
+                <a:cs typeface="Times New Roman" pitchFamily="18" charset="0"/>
+              </a:rPr>
+              <a:t>="voice.mp3" type="audio/mpeg"&gt;</a:t>
+            </a:r>
+          </a:p>
+          <a:p>
+            <a:pPr defTabSz="0"/>
+            <a:r>
+              <a:rPr lang="en-US" altLang="zh-TW" dirty="0">
+                <a:latin typeface="Times New Roman" pitchFamily="18" charset="0"/>
+                <a:cs typeface="Times New Roman" pitchFamily="18" charset="0"/>
+              </a:rPr>
+              <a:t>    &lt;/audio</a:t>
+            </a:r>
+            <a:r>
+              <a:rPr lang="en-US" altLang="zh-TW" dirty="0" smtClean="0">
+                <a:latin typeface="Times New Roman" pitchFamily="18" charset="0"/>
+                <a:cs typeface="Times New Roman" pitchFamily="18" charset="0"/>
+              </a:rPr>
+              <a:t>&gt;</a:t>
+            </a:r>
             <a:endParaRPr lang="en-US" altLang="zh-TW" dirty="0" smtClean="0">
               <a:latin typeface="Times New Roman" pitchFamily="18" charset="0"/>
               <a:cs typeface="Times New Roman" pitchFamily="18" charset="0"/>
@@ -6846,7 +7023,133 @@
                 <a:latin typeface="Times New Roman" pitchFamily="18" charset="0"/>
                 <a:cs typeface="Times New Roman" pitchFamily="18" charset="0"/>
               </a:rPr>
-              <a:t>="" controls&gt;&lt;/video&gt;</a:t>
+              <a:t>="" controls&gt;&lt;/video</a:t>
+            </a:r>
+            <a:r>
+              <a:rPr lang="en-US" altLang="zh-TW" dirty="0" smtClean="0">
+                <a:latin typeface="Times New Roman" pitchFamily="18" charset="0"/>
+                <a:cs typeface="Times New Roman" pitchFamily="18" charset="0"/>
+              </a:rPr>
+              <a:t>&gt;</a:t>
+            </a:r>
+            <a:endParaRPr lang="en-US" altLang="zh-TW" dirty="0">
+              <a:latin typeface="Times New Roman" pitchFamily="18" charset="0"/>
+              <a:cs typeface="Times New Roman" pitchFamily="18" charset="0"/>
+            </a:endParaRPr>
+          </a:p>
+          <a:p>
+            <a:pPr defTabSz="0"/>
+            <a:r>
+              <a:rPr lang="en-US" altLang="zh-TW" dirty="0">
+                <a:latin typeface="Times New Roman" pitchFamily="18" charset="0"/>
+                <a:cs typeface="Times New Roman" pitchFamily="18" charset="0"/>
+              </a:rPr>
+              <a:t>    &lt;video controls&gt;</a:t>
+            </a:r>
+          </a:p>
+          <a:p>
+            <a:pPr defTabSz="0"/>
+            <a:r>
+              <a:rPr lang="en-US" altLang="zh-TW" dirty="0">
+                <a:latin typeface="Times New Roman" pitchFamily="18" charset="0"/>
+                <a:cs typeface="Times New Roman" pitchFamily="18" charset="0"/>
+              </a:rPr>
+              <a:t>        </a:t>
+            </a:r>
+            <a:r>
+              <a:rPr lang="en-US" altLang="zh-TW" dirty="0">
+                <a:solidFill>
+                  <a:srgbClr val="FF0000"/>
+                </a:solidFill>
+                <a:latin typeface="Times New Roman" pitchFamily="18" charset="0"/>
+                <a:cs typeface="Times New Roman" pitchFamily="18" charset="0"/>
+              </a:rPr>
+              <a:t>&lt;source</a:t>
+            </a:r>
+            <a:r>
+              <a:rPr lang="en-US" altLang="zh-TW" dirty="0">
+                <a:latin typeface="Times New Roman" pitchFamily="18" charset="0"/>
+                <a:cs typeface="Times New Roman" pitchFamily="18" charset="0"/>
+              </a:rPr>
+              <a:t> </a:t>
+            </a:r>
+            <a:r>
+              <a:rPr lang="en-US" altLang="zh-TW" dirty="0" err="1">
+                <a:solidFill>
+                  <a:srgbClr val="00B050"/>
+                </a:solidFill>
+                <a:latin typeface="Times New Roman" pitchFamily="18" charset="0"/>
+                <a:cs typeface="Times New Roman" pitchFamily="18" charset="0"/>
+              </a:rPr>
+              <a:t>src</a:t>
+            </a:r>
+            <a:r>
+              <a:rPr lang="en-US" altLang="zh-TW" dirty="0">
+                <a:solidFill>
+                  <a:srgbClr val="00B050"/>
+                </a:solidFill>
+                <a:latin typeface="Times New Roman" pitchFamily="18" charset="0"/>
+                <a:cs typeface="Times New Roman" pitchFamily="18" charset="0"/>
+              </a:rPr>
+              <a:t>="movie.mp4" type="video/mp4"</a:t>
+            </a:r>
+            <a:r>
+              <a:rPr lang="en-US" altLang="zh-TW" dirty="0">
+                <a:solidFill>
+                  <a:srgbClr val="FF0000"/>
+                </a:solidFill>
+                <a:latin typeface="Times New Roman" pitchFamily="18" charset="0"/>
+                <a:cs typeface="Times New Roman" pitchFamily="18" charset="0"/>
+              </a:rPr>
+              <a:t>&gt;</a:t>
+            </a:r>
+          </a:p>
+          <a:p>
+            <a:pPr defTabSz="0"/>
+            <a:r>
+              <a:rPr lang="en-US" altLang="zh-TW" dirty="0">
+                <a:latin typeface="Times New Roman" pitchFamily="18" charset="0"/>
+                <a:cs typeface="Times New Roman" pitchFamily="18" charset="0"/>
+              </a:rPr>
+              <a:t>        &lt;source </a:t>
+            </a:r>
+            <a:r>
+              <a:rPr lang="en-US" altLang="zh-TW" dirty="0" err="1">
+                <a:latin typeface="Times New Roman" pitchFamily="18" charset="0"/>
+                <a:cs typeface="Times New Roman" pitchFamily="18" charset="0"/>
+              </a:rPr>
+              <a:t>src</a:t>
+            </a:r>
+            <a:r>
+              <a:rPr lang="en-US" altLang="zh-TW" dirty="0">
+                <a:latin typeface="Times New Roman" pitchFamily="18" charset="0"/>
+                <a:cs typeface="Times New Roman" pitchFamily="18" charset="0"/>
+              </a:rPr>
+              <a:t>="movie.ogg" type="video/</a:t>
+            </a:r>
+            <a:r>
+              <a:rPr lang="en-US" altLang="zh-TW" dirty="0" err="1">
+                <a:latin typeface="Times New Roman" pitchFamily="18" charset="0"/>
+                <a:cs typeface="Times New Roman" pitchFamily="18" charset="0"/>
+              </a:rPr>
+              <a:t>ogg</a:t>
+            </a:r>
+            <a:r>
+              <a:rPr lang="en-US" altLang="zh-TW" dirty="0">
+                <a:latin typeface="Times New Roman" pitchFamily="18" charset="0"/>
+                <a:cs typeface="Times New Roman" pitchFamily="18" charset="0"/>
+              </a:rPr>
+              <a:t>"&gt;</a:t>
+            </a:r>
+          </a:p>
+          <a:p>
+            <a:pPr defTabSz="0"/>
+            <a:r>
+              <a:rPr lang="en-US" altLang="zh-TW" dirty="0">
+                <a:latin typeface="Times New Roman" pitchFamily="18" charset="0"/>
+                <a:cs typeface="Times New Roman" pitchFamily="18" charset="0"/>
+              </a:rPr>
+              <a:t>    &lt;/video&gt;</a:t>
             </a:r>
             <a:endParaRPr lang="en-US" altLang="zh-TW" dirty="0">
               <a:latin typeface="Times New Roman" pitchFamily="18" charset="0"/>
@@ -6859,6 +7162,2845 @@
     <p:extLst>
       <p:ext uri="{BB962C8B-B14F-4D97-AF65-F5344CB8AC3E}">
         <p14:creationId xmlns:p14="http://schemas.microsoft.com/office/powerpoint/2010/main" val="1292918163"/>
+      </p:ext>
+    </p:extLst>
+  </p:cSld>
+  <p:clrMapOvr>
+    <a:masterClrMapping/>
+  </p:clrMapOvr>
+  <p:timing>
+    <p:tnLst>
+      <p:par>
+        <p:cTn id="1" dur="indefinite" restart="never" nodeType="tmRoot"/>
+      </p:par>
+    </p:tnLst>
+  </p:timing>
+</p:sld>
+</file>
+
+<file path=ppt/slides/slide16.xml><?xml version="1.0" encoding="utf-8"?>
+<p:sld xmlns:a="http://schemas.openxmlformats.org/drawingml/2006/main" xmlns:r="http://schemas.openxmlformats.org/officeDocument/2006/relationships" xmlns:p="http://schemas.openxmlformats.org/presentationml/2006/main">
+  <p:cSld>
+    <p:spTree>
+      <p:nvGrpSpPr>
+        <p:cNvPr id="1" name=""/>
+        <p:cNvGrpSpPr/>
+        <p:nvPr/>
+      </p:nvGrpSpPr>
+      <p:grpSpPr>
+        <a:xfrm>
+          <a:off x="0" y="0"/>
+          <a:ext cx="0" cy="0"/>
+          <a:chOff x="0" y="0"/>
+          <a:chExt cx="0" cy="0"/>
+        </a:xfrm>
+      </p:grpSpPr>
+      <p:sp>
+        <p:nvSpPr>
+          <p:cNvPr id="4" name="文字方塊 3"/>
+          <p:cNvSpPr txBox="1"/>
+          <p:nvPr/>
+        </p:nvSpPr>
+        <p:spPr>
+          <a:xfrm>
+            <a:off x="0" y="0"/>
+            <a:ext cx="9144000" cy="836712"/>
+          </a:xfrm>
+          <a:prstGeom prst="rect">
+            <a:avLst/>
+          </a:prstGeom>
+          <a:noFill/>
+        </p:spPr>
+        <p:txBody>
+          <a:bodyPr wrap="square" rtlCol="0" anchor="ctr">
+            <a:noAutofit/>
+          </a:bodyPr>
+          <a:lstStyle/>
+          <a:p>
+            <a:pPr algn="ctr"/>
+            <a:r>
+              <a:rPr lang="en-US" altLang="zh-TW" sz="2400" dirty="0" smtClean="0">
+                <a:latin typeface="Times New Roman" pitchFamily="18" charset="0"/>
+                <a:cs typeface="Times New Roman" pitchFamily="18" charset="0"/>
+              </a:rPr>
+              <a:t>Element </a:t>
+            </a:r>
+            <a:r>
+              <a:rPr lang="zh-TW" altLang="en-US" sz="2400" dirty="0" smtClean="0">
+                <a:latin typeface="Times New Roman" pitchFamily="18" charset="0"/>
+                <a:cs typeface="Times New Roman" pitchFamily="18" charset="0"/>
+              </a:rPr>
+              <a:t>介紹</a:t>
+            </a:r>
+            <a:r>
+              <a:rPr lang="zh-TW" altLang="en-US" sz="2400" dirty="0" smtClean="0">
+                <a:latin typeface="Times New Roman" pitchFamily="18" charset="0"/>
+                <a:cs typeface="Times New Roman" pitchFamily="18" charset="0"/>
+              </a:rPr>
+              <a:t>：</a:t>
+            </a:r>
+            <a:r>
+              <a:rPr lang="en-US" altLang="zh-TW" sz="2400" dirty="0" smtClean="0">
+                <a:latin typeface="Times New Roman" pitchFamily="18" charset="0"/>
+                <a:cs typeface="Times New Roman" pitchFamily="18" charset="0"/>
+              </a:rPr>
+              <a:t>Form</a:t>
+            </a:r>
+            <a:endParaRPr lang="zh-TW" altLang="en-US" sz="2400" dirty="0">
+              <a:latin typeface="Times New Roman" pitchFamily="18" charset="0"/>
+              <a:cs typeface="Times New Roman" pitchFamily="18" charset="0"/>
+            </a:endParaRPr>
+          </a:p>
+        </p:txBody>
+      </p:sp>
+      <p:sp>
+        <p:nvSpPr>
+          <p:cNvPr id="5" name="文字方塊 4"/>
+          <p:cNvSpPr txBox="1"/>
+          <p:nvPr/>
+        </p:nvSpPr>
+        <p:spPr>
+          <a:xfrm>
+            <a:off x="8711952" y="6573902"/>
+            <a:ext cx="432048" cy="276999"/>
+          </a:xfrm>
+          <a:prstGeom prst="rect">
+            <a:avLst/>
+          </a:prstGeom>
+          <a:noFill/>
+        </p:spPr>
+        <p:txBody>
+          <a:bodyPr wrap="square" rtlCol="0" anchor="ctr">
+            <a:spAutoFit/>
+          </a:bodyPr>
+          <a:lstStyle/>
+          <a:p>
+            <a:pPr algn="ctr"/>
+            <a:r>
+              <a:rPr lang="en-US" altLang="zh-TW" sz="1200" smtClean="0">
+                <a:latin typeface="Times New Roman" pitchFamily="18" charset="0"/>
+                <a:cs typeface="Times New Roman" pitchFamily="18" charset="0"/>
+              </a:rPr>
+              <a:t>16</a:t>
+            </a:r>
+            <a:endParaRPr lang="zh-TW" altLang="en-US" sz="1200" dirty="0">
+              <a:latin typeface="Times New Roman" pitchFamily="18" charset="0"/>
+              <a:cs typeface="Times New Roman" pitchFamily="18" charset="0"/>
+            </a:endParaRPr>
+          </a:p>
+        </p:txBody>
+      </p:sp>
+      <p:sp>
+        <p:nvSpPr>
+          <p:cNvPr id="38" name="文字方塊 37"/>
+          <p:cNvSpPr txBox="1"/>
+          <p:nvPr/>
+        </p:nvSpPr>
+        <p:spPr>
+          <a:xfrm>
+            <a:off x="503548" y="1124744"/>
+            <a:ext cx="8136904" cy="5328592"/>
+          </a:xfrm>
+          <a:prstGeom prst="rect">
+            <a:avLst/>
+          </a:prstGeom>
+          <a:noFill/>
+        </p:spPr>
+        <p:txBody>
+          <a:bodyPr wrap="square" rtlCol="0" anchor="t">
+            <a:noAutofit/>
+          </a:bodyPr>
+          <a:lstStyle/>
+          <a:p>
+            <a:pPr defTabSz="0"/>
+            <a:r>
+              <a:rPr lang="zh-TW" altLang="en-US" dirty="0" smtClean="0">
+                <a:latin typeface="Times New Roman" pitchFamily="18" charset="0"/>
+                <a:cs typeface="Times New Roman" pitchFamily="18" charset="0"/>
+              </a:rPr>
+              <a:t>表單</a:t>
+            </a:r>
+            <a:endParaRPr lang="en-US" altLang="zh-TW" dirty="0">
+              <a:latin typeface="Times New Roman" pitchFamily="18" charset="0"/>
+              <a:cs typeface="Times New Roman" pitchFamily="18" charset="0"/>
+            </a:endParaRPr>
+          </a:p>
+          <a:p>
+            <a:pPr defTabSz="0"/>
+            <a:r>
+              <a:rPr lang="en-US" altLang="zh-TW" dirty="0">
+                <a:latin typeface="Times New Roman" pitchFamily="18" charset="0"/>
+                <a:cs typeface="Times New Roman" pitchFamily="18" charset="0"/>
+              </a:rPr>
+              <a:t>    &lt;form </a:t>
+            </a:r>
+            <a:r>
+              <a:rPr lang="en-US" altLang="zh-TW" dirty="0">
+                <a:solidFill>
+                  <a:srgbClr val="00B0F0"/>
+                </a:solidFill>
+                <a:latin typeface="Times New Roman" pitchFamily="18" charset="0"/>
+                <a:cs typeface="Times New Roman" pitchFamily="18" charset="0"/>
+              </a:rPr>
+              <a:t>action="" method=""</a:t>
+            </a:r>
+            <a:r>
+              <a:rPr lang="en-US" altLang="zh-TW" dirty="0">
+                <a:latin typeface="Times New Roman" pitchFamily="18" charset="0"/>
+                <a:cs typeface="Times New Roman" pitchFamily="18" charset="0"/>
+              </a:rPr>
+              <a:t>&gt;</a:t>
+            </a:r>
+          </a:p>
+          <a:p>
+            <a:pPr defTabSz="0"/>
+            <a:r>
+              <a:rPr lang="en-US" altLang="zh-TW" dirty="0">
+                <a:latin typeface="Times New Roman" pitchFamily="18" charset="0"/>
+                <a:cs typeface="Times New Roman" pitchFamily="18" charset="0"/>
+              </a:rPr>
+              <a:t>        &lt;p&gt;</a:t>
+            </a:r>
+          </a:p>
+          <a:p>
+            <a:pPr defTabSz="0"/>
+            <a:r>
+              <a:rPr lang="en-US" altLang="zh-TW" dirty="0">
+                <a:latin typeface="Times New Roman" pitchFamily="18" charset="0"/>
+                <a:cs typeface="Times New Roman" pitchFamily="18" charset="0"/>
+              </a:rPr>
+              <a:t>            &lt;span&gt;text&lt;/span&gt;</a:t>
+            </a:r>
+          </a:p>
+          <a:p>
+            <a:pPr defTabSz="0"/>
+            <a:r>
+              <a:rPr lang="en-US" altLang="zh-TW" dirty="0">
+                <a:latin typeface="Times New Roman" pitchFamily="18" charset="0"/>
+                <a:cs typeface="Times New Roman" pitchFamily="18" charset="0"/>
+              </a:rPr>
+              <a:t>        &lt;/p&gt;</a:t>
+            </a:r>
+          </a:p>
+          <a:p>
+            <a:pPr defTabSz="0"/>
+            <a:r>
+              <a:rPr lang="en-US" altLang="zh-TW" dirty="0">
+                <a:latin typeface="Times New Roman" pitchFamily="18" charset="0"/>
+                <a:cs typeface="Times New Roman" pitchFamily="18" charset="0"/>
+              </a:rPr>
+              <a:t>        &lt;p&gt;</a:t>
+            </a:r>
+          </a:p>
+          <a:p>
+            <a:pPr defTabSz="0"/>
+            <a:r>
+              <a:rPr lang="en-US" altLang="zh-TW" dirty="0">
+                <a:latin typeface="Times New Roman" pitchFamily="18" charset="0"/>
+                <a:cs typeface="Times New Roman" pitchFamily="18" charset="0"/>
+              </a:rPr>
+              <a:t>            &lt;input </a:t>
+            </a:r>
+            <a:r>
+              <a:rPr lang="en-US" altLang="zh-TW" dirty="0">
+                <a:solidFill>
+                  <a:srgbClr val="FF0000"/>
+                </a:solidFill>
+                <a:latin typeface="Times New Roman" pitchFamily="18" charset="0"/>
+                <a:cs typeface="Times New Roman" pitchFamily="18" charset="0"/>
+              </a:rPr>
+              <a:t>type="text"</a:t>
+            </a:r>
+            <a:r>
+              <a:rPr lang="en-US" altLang="zh-TW" dirty="0">
+                <a:latin typeface="Times New Roman" pitchFamily="18" charset="0"/>
+                <a:cs typeface="Times New Roman" pitchFamily="18" charset="0"/>
+              </a:rPr>
+              <a:t>&gt;&lt;</a:t>
+            </a:r>
+            <a:r>
+              <a:rPr lang="en-US" altLang="zh-TW" dirty="0" err="1">
+                <a:latin typeface="Times New Roman" pitchFamily="18" charset="0"/>
+                <a:cs typeface="Times New Roman" pitchFamily="18" charset="0"/>
+              </a:rPr>
+              <a:t>br</a:t>
+            </a:r>
+            <a:r>
+              <a:rPr lang="en-US" altLang="zh-TW" dirty="0">
+                <a:latin typeface="Times New Roman" pitchFamily="18" charset="0"/>
+                <a:cs typeface="Times New Roman" pitchFamily="18" charset="0"/>
+              </a:rPr>
+              <a:t>&gt;</a:t>
+            </a:r>
+          </a:p>
+          <a:p>
+            <a:pPr defTabSz="0"/>
+            <a:r>
+              <a:rPr lang="en-US" altLang="zh-TW" dirty="0">
+                <a:latin typeface="Times New Roman" pitchFamily="18" charset="0"/>
+                <a:cs typeface="Times New Roman" pitchFamily="18" charset="0"/>
+              </a:rPr>
+              <a:t>            &lt;input type="text" </a:t>
+            </a:r>
+            <a:r>
+              <a:rPr lang="en-US" altLang="zh-TW" dirty="0">
+                <a:solidFill>
+                  <a:srgbClr val="00B050"/>
+                </a:solidFill>
+                <a:latin typeface="Times New Roman" pitchFamily="18" charset="0"/>
+                <a:cs typeface="Times New Roman" pitchFamily="18" charset="0"/>
+              </a:rPr>
+              <a:t>placeholder="placeholder"</a:t>
+            </a:r>
+            <a:r>
+              <a:rPr lang="en-US" altLang="zh-TW" dirty="0">
+                <a:latin typeface="Times New Roman" pitchFamily="18" charset="0"/>
+                <a:cs typeface="Times New Roman" pitchFamily="18" charset="0"/>
+              </a:rPr>
+              <a:t>&gt;&lt;</a:t>
+            </a:r>
+            <a:r>
+              <a:rPr lang="en-US" altLang="zh-TW" dirty="0" err="1">
+                <a:latin typeface="Times New Roman" pitchFamily="18" charset="0"/>
+                <a:cs typeface="Times New Roman" pitchFamily="18" charset="0"/>
+              </a:rPr>
+              <a:t>br</a:t>
+            </a:r>
+            <a:r>
+              <a:rPr lang="en-US" altLang="zh-TW" dirty="0">
+                <a:latin typeface="Times New Roman" pitchFamily="18" charset="0"/>
+                <a:cs typeface="Times New Roman" pitchFamily="18" charset="0"/>
+              </a:rPr>
+              <a:t>&gt;</a:t>
+            </a:r>
+          </a:p>
+          <a:p>
+            <a:pPr defTabSz="0"/>
+            <a:r>
+              <a:rPr lang="en-US" altLang="zh-TW" dirty="0">
+                <a:latin typeface="Times New Roman" pitchFamily="18" charset="0"/>
+                <a:cs typeface="Times New Roman" pitchFamily="18" charset="0"/>
+              </a:rPr>
+              <a:t>            &lt;input type="text" </a:t>
+            </a:r>
+            <a:r>
+              <a:rPr lang="en-US" altLang="zh-TW" dirty="0">
+                <a:solidFill>
+                  <a:srgbClr val="00B050"/>
+                </a:solidFill>
+                <a:latin typeface="Times New Roman" pitchFamily="18" charset="0"/>
+                <a:cs typeface="Times New Roman" pitchFamily="18" charset="0"/>
+              </a:rPr>
+              <a:t>value="value"</a:t>
+            </a:r>
+            <a:r>
+              <a:rPr lang="en-US" altLang="zh-TW" dirty="0">
+                <a:latin typeface="Times New Roman" pitchFamily="18" charset="0"/>
+                <a:cs typeface="Times New Roman" pitchFamily="18" charset="0"/>
+              </a:rPr>
+              <a:t>&gt;&lt;</a:t>
+            </a:r>
+            <a:r>
+              <a:rPr lang="en-US" altLang="zh-TW" dirty="0" err="1">
+                <a:latin typeface="Times New Roman" pitchFamily="18" charset="0"/>
+                <a:cs typeface="Times New Roman" pitchFamily="18" charset="0"/>
+              </a:rPr>
+              <a:t>br</a:t>
+            </a:r>
+            <a:r>
+              <a:rPr lang="en-US" altLang="zh-TW" dirty="0">
+                <a:latin typeface="Times New Roman" pitchFamily="18" charset="0"/>
+                <a:cs typeface="Times New Roman" pitchFamily="18" charset="0"/>
+              </a:rPr>
+              <a:t>&gt;</a:t>
+            </a:r>
+          </a:p>
+          <a:p>
+            <a:pPr defTabSz="0"/>
+            <a:r>
+              <a:rPr lang="en-US" altLang="zh-TW" dirty="0">
+                <a:latin typeface="Times New Roman" pitchFamily="18" charset="0"/>
+                <a:cs typeface="Times New Roman" pitchFamily="18" charset="0"/>
+              </a:rPr>
+              <a:t>            &lt;input </a:t>
+            </a:r>
+            <a:r>
+              <a:rPr lang="en-US" altLang="zh-TW" dirty="0">
+                <a:solidFill>
+                  <a:srgbClr val="FF0000"/>
+                </a:solidFill>
+                <a:latin typeface="Times New Roman" pitchFamily="18" charset="0"/>
+                <a:cs typeface="Times New Roman" pitchFamily="18" charset="0"/>
+              </a:rPr>
+              <a:t>type="password"</a:t>
+            </a:r>
+            <a:r>
+              <a:rPr lang="en-US" altLang="zh-TW" dirty="0">
+                <a:latin typeface="Times New Roman" pitchFamily="18" charset="0"/>
+                <a:cs typeface="Times New Roman" pitchFamily="18" charset="0"/>
+              </a:rPr>
+              <a:t>&gt;&lt;</a:t>
+            </a:r>
+            <a:r>
+              <a:rPr lang="en-US" altLang="zh-TW" dirty="0" err="1">
+                <a:latin typeface="Times New Roman" pitchFamily="18" charset="0"/>
+                <a:cs typeface="Times New Roman" pitchFamily="18" charset="0"/>
+              </a:rPr>
+              <a:t>br</a:t>
+            </a:r>
+            <a:r>
+              <a:rPr lang="en-US" altLang="zh-TW" dirty="0">
+                <a:latin typeface="Times New Roman" pitchFamily="18" charset="0"/>
+                <a:cs typeface="Times New Roman" pitchFamily="18" charset="0"/>
+              </a:rPr>
+              <a:t>&gt;</a:t>
+            </a:r>
+          </a:p>
+          <a:p>
+            <a:pPr defTabSz="0"/>
+            <a:r>
+              <a:rPr lang="en-US" altLang="zh-TW" dirty="0">
+                <a:latin typeface="Times New Roman" pitchFamily="18" charset="0"/>
+                <a:cs typeface="Times New Roman" pitchFamily="18" charset="0"/>
+              </a:rPr>
+              <a:t>            &lt;input type="password" placeholder="</a:t>
+            </a:r>
+            <a:r>
+              <a:rPr lang="zh-TW" altLang="en-US" dirty="0">
+                <a:latin typeface="Times New Roman" pitchFamily="18" charset="0"/>
+                <a:cs typeface="Times New Roman" pitchFamily="18" charset="0"/>
+              </a:rPr>
+              <a:t>請輸入密碼</a:t>
+            </a:r>
+            <a:r>
+              <a:rPr lang="en-US" altLang="zh-TW" dirty="0">
+                <a:latin typeface="Times New Roman" pitchFamily="18" charset="0"/>
+                <a:cs typeface="Times New Roman" pitchFamily="18" charset="0"/>
+              </a:rPr>
+              <a:t>"&gt;</a:t>
+            </a:r>
+          </a:p>
+          <a:p>
+            <a:pPr defTabSz="0"/>
+            <a:r>
+              <a:rPr lang="en-US" altLang="zh-TW" dirty="0">
+                <a:latin typeface="Times New Roman" pitchFamily="18" charset="0"/>
+                <a:cs typeface="Times New Roman" pitchFamily="18" charset="0"/>
+              </a:rPr>
+              <a:t>        &lt;/p&gt;</a:t>
+            </a:r>
+          </a:p>
+          <a:p>
+            <a:pPr defTabSz="0"/>
+            <a:r>
+              <a:rPr lang="en-US" altLang="zh-TW" dirty="0">
+                <a:latin typeface="Times New Roman" pitchFamily="18" charset="0"/>
+                <a:cs typeface="Times New Roman" pitchFamily="18" charset="0"/>
+              </a:rPr>
+              <a:t>        &lt;p&gt;</a:t>
+            </a:r>
+          </a:p>
+          <a:p>
+            <a:pPr defTabSz="0"/>
+            <a:r>
+              <a:rPr lang="en-US" altLang="zh-TW" dirty="0">
+                <a:latin typeface="Times New Roman" pitchFamily="18" charset="0"/>
+                <a:cs typeface="Times New Roman" pitchFamily="18" charset="0"/>
+              </a:rPr>
+              <a:t>            &lt;input </a:t>
+            </a:r>
+            <a:r>
+              <a:rPr lang="en-US" altLang="zh-TW" dirty="0">
+                <a:solidFill>
+                  <a:srgbClr val="FF0000"/>
+                </a:solidFill>
+                <a:latin typeface="Times New Roman" pitchFamily="18" charset="0"/>
+                <a:cs typeface="Times New Roman" pitchFamily="18" charset="0"/>
+              </a:rPr>
+              <a:t>type="reset"</a:t>
+            </a:r>
+            <a:r>
+              <a:rPr lang="en-US" altLang="zh-TW" dirty="0">
+                <a:latin typeface="Times New Roman" pitchFamily="18" charset="0"/>
+                <a:cs typeface="Times New Roman" pitchFamily="18" charset="0"/>
+              </a:rPr>
+              <a:t> </a:t>
+            </a:r>
+            <a:r>
+              <a:rPr lang="en-US" altLang="zh-TW" dirty="0">
+                <a:solidFill>
+                  <a:srgbClr val="00B050"/>
+                </a:solidFill>
+                <a:latin typeface="Times New Roman" pitchFamily="18" charset="0"/>
+                <a:cs typeface="Times New Roman" pitchFamily="18" charset="0"/>
+              </a:rPr>
+              <a:t>value="</a:t>
+            </a:r>
+            <a:r>
+              <a:rPr lang="zh-TW" altLang="en-US" dirty="0">
+                <a:solidFill>
+                  <a:srgbClr val="00B050"/>
+                </a:solidFill>
+                <a:latin typeface="Times New Roman" pitchFamily="18" charset="0"/>
+                <a:cs typeface="Times New Roman" pitchFamily="18" charset="0"/>
+              </a:rPr>
+              <a:t>清除</a:t>
+            </a:r>
+            <a:r>
+              <a:rPr lang="en-US" altLang="zh-TW" dirty="0">
+                <a:solidFill>
+                  <a:srgbClr val="00B050"/>
+                </a:solidFill>
+                <a:latin typeface="Times New Roman" pitchFamily="18" charset="0"/>
+                <a:cs typeface="Times New Roman" pitchFamily="18" charset="0"/>
+              </a:rPr>
+              <a:t>"</a:t>
+            </a:r>
+            <a:r>
+              <a:rPr lang="en-US" altLang="zh-TW" dirty="0">
+                <a:latin typeface="Times New Roman" pitchFamily="18" charset="0"/>
+                <a:cs typeface="Times New Roman" pitchFamily="18" charset="0"/>
+              </a:rPr>
+              <a:t>&gt;</a:t>
+            </a:r>
+          </a:p>
+          <a:p>
+            <a:pPr defTabSz="0"/>
+            <a:r>
+              <a:rPr lang="en-US" altLang="zh-TW" dirty="0">
+                <a:latin typeface="Times New Roman" pitchFamily="18" charset="0"/>
+                <a:cs typeface="Times New Roman" pitchFamily="18" charset="0"/>
+              </a:rPr>
+              <a:t>            &lt;input </a:t>
+            </a:r>
+            <a:r>
+              <a:rPr lang="en-US" altLang="zh-TW" dirty="0">
+                <a:solidFill>
+                  <a:srgbClr val="FF0000"/>
+                </a:solidFill>
+                <a:latin typeface="Times New Roman" pitchFamily="18" charset="0"/>
+                <a:cs typeface="Times New Roman" pitchFamily="18" charset="0"/>
+              </a:rPr>
+              <a:t>type="submit"</a:t>
+            </a:r>
+            <a:r>
+              <a:rPr lang="en-US" altLang="zh-TW" dirty="0">
+                <a:latin typeface="Times New Roman" pitchFamily="18" charset="0"/>
+                <a:cs typeface="Times New Roman" pitchFamily="18" charset="0"/>
+              </a:rPr>
+              <a:t> </a:t>
+            </a:r>
+            <a:r>
+              <a:rPr lang="en-US" altLang="zh-TW" dirty="0">
+                <a:solidFill>
+                  <a:srgbClr val="00B050"/>
+                </a:solidFill>
+                <a:latin typeface="Times New Roman" pitchFamily="18" charset="0"/>
+                <a:cs typeface="Times New Roman" pitchFamily="18" charset="0"/>
+              </a:rPr>
+              <a:t>value="</a:t>
+            </a:r>
+            <a:r>
+              <a:rPr lang="zh-TW" altLang="en-US" dirty="0">
+                <a:solidFill>
+                  <a:srgbClr val="00B050"/>
+                </a:solidFill>
+                <a:latin typeface="Times New Roman" pitchFamily="18" charset="0"/>
+                <a:cs typeface="Times New Roman" pitchFamily="18" charset="0"/>
+              </a:rPr>
+              <a:t>送出</a:t>
+            </a:r>
+            <a:r>
+              <a:rPr lang="en-US" altLang="zh-TW" dirty="0">
+                <a:solidFill>
+                  <a:srgbClr val="00B050"/>
+                </a:solidFill>
+                <a:latin typeface="Times New Roman" pitchFamily="18" charset="0"/>
+                <a:cs typeface="Times New Roman" pitchFamily="18" charset="0"/>
+              </a:rPr>
+              <a:t>"</a:t>
+            </a:r>
+            <a:r>
+              <a:rPr lang="en-US" altLang="zh-TW" dirty="0">
+                <a:latin typeface="Times New Roman" pitchFamily="18" charset="0"/>
+                <a:cs typeface="Times New Roman" pitchFamily="18" charset="0"/>
+              </a:rPr>
+              <a:t>&gt;</a:t>
+            </a:r>
+          </a:p>
+          <a:p>
+            <a:pPr defTabSz="0"/>
+            <a:r>
+              <a:rPr lang="en-US" altLang="zh-TW" dirty="0">
+                <a:latin typeface="Times New Roman" pitchFamily="18" charset="0"/>
+                <a:cs typeface="Times New Roman" pitchFamily="18" charset="0"/>
+              </a:rPr>
+              <a:t>        &lt;/p&gt;</a:t>
+            </a:r>
+          </a:p>
+          <a:p>
+            <a:pPr defTabSz="0"/>
+            <a:r>
+              <a:rPr lang="en-US" altLang="zh-TW" dirty="0">
+                <a:latin typeface="Times New Roman" pitchFamily="18" charset="0"/>
+                <a:cs typeface="Times New Roman" pitchFamily="18" charset="0"/>
+              </a:rPr>
+              <a:t>    &lt;/form&gt;</a:t>
+            </a:r>
+            <a:endParaRPr lang="en-US" altLang="zh-TW" dirty="0" smtClean="0">
+              <a:latin typeface="Times New Roman" pitchFamily="18" charset="0"/>
+              <a:cs typeface="Times New Roman" pitchFamily="18" charset="0"/>
+            </a:endParaRPr>
+          </a:p>
+        </p:txBody>
+      </p:sp>
+    </p:spTree>
+    <p:extLst>
+      <p:ext uri="{BB962C8B-B14F-4D97-AF65-F5344CB8AC3E}">
+        <p14:creationId xmlns:p14="http://schemas.microsoft.com/office/powerpoint/2010/main" val="4033796209"/>
+      </p:ext>
+    </p:extLst>
+  </p:cSld>
+  <p:clrMapOvr>
+    <a:masterClrMapping/>
+  </p:clrMapOvr>
+  <p:timing>
+    <p:tnLst>
+      <p:par>
+        <p:cTn id="1" dur="indefinite" restart="never" nodeType="tmRoot"/>
+      </p:par>
+    </p:tnLst>
+  </p:timing>
+</p:sld>
+</file>
+
+<file path=ppt/slides/slide17.xml><?xml version="1.0" encoding="utf-8"?>
+<p:sld xmlns:a="http://schemas.openxmlformats.org/drawingml/2006/main" xmlns:r="http://schemas.openxmlformats.org/officeDocument/2006/relationships" xmlns:p="http://schemas.openxmlformats.org/presentationml/2006/main">
+  <p:cSld>
+    <p:spTree>
+      <p:nvGrpSpPr>
+        <p:cNvPr id="1" name=""/>
+        <p:cNvGrpSpPr/>
+        <p:nvPr/>
+      </p:nvGrpSpPr>
+      <p:grpSpPr>
+        <a:xfrm>
+          <a:off x="0" y="0"/>
+          <a:ext cx="0" cy="0"/>
+          <a:chOff x="0" y="0"/>
+          <a:chExt cx="0" cy="0"/>
+        </a:xfrm>
+      </p:grpSpPr>
+      <p:sp>
+        <p:nvSpPr>
+          <p:cNvPr id="4" name="文字方塊 3"/>
+          <p:cNvSpPr txBox="1"/>
+          <p:nvPr/>
+        </p:nvSpPr>
+        <p:spPr>
+          <a:xfrm>
+            <a:off x="0" y="0"/>
+            <a:ext cx="9144000" cy="836712"/>
+          </a:xfrm>
+          <a:prstGeom prst="rect">
+            <a:avLst/>
+          </a:prstGeom>
+          <a:noFill/>
+        </p:spPr>
+        <p:txBody>
+          <a:bodyPr wrap="square" rtlCol="0" anchor="ctr">
+            <a:noAutofit/>
+          </a:bodyPr>
+          <a:lstStyle/>
+          <a:p>
+            <a:pPr algn="ctr"/>
+            <a:r>
+              <a:rPr lang="en-US" altLang="zh-TW" sz="2400" dirty="0" smtClean="0">
+                <a:latin typeface="Times New Roman" pitchFamily="18" charset="0"/>
+                <a:cs typeface="Times New Roman" pitchFamily="18" charset="0"/>
+              </a:rPr>
+              <a:t>Element </a:t>
+            </a:r>
+            <a:r>
+              <a:rPr lang="zh-TW" altLang="en-US" sz="2400" dirty="0" smtClean="0">
+                <a:latin typeface="Times New Roman" pitchFamily="18" charset="0"/>
+                <a:cs typeface="Times New Roman" pitchFamily="18" charset="0"/>
+              </a:rPr>
+              <a:t>介紹</a:t>
+            </a:r>
+            <a:r>
+              <a:rPr lang="zh-TW" altLang="en-US" sz="2400" dirty="0" smtClean="0">
+                <a:latin typeface="Times New Roman" pitchFamily="18" charset="0"/>
+                <a:cs typeface="Times New Roman" pitchFamily="18" charset="0"/>
+              </a:rPr>
+              <a:t>：</a:t>
+            </a:r>
+            <a:r>
+              <a:rPr lang="en-US" altLang="zh-TW" sz="2400" dirty="0" smtClean="0">
+                <a:latin typeface="Times New Roman" pitchFamily="18" charset="0"/>
+                <a:cs typeface="Times New Roman" pitchFamily="18" charset="0"/>
+              </a:rPr>
+              <a:t>Form</a:t>
+            </a:r>
+            <a:endParaRPr lang="zh-TW" altLang="en-US" sz="2400" dirty="0">
+              <a:latin typeface="Times New Roman" pitchFamily="18" charset="0"/>
+              <a:cs typeface="Times New Roman" pitchFamily="18" charset="0"/>
+            </a:endParaRPr>
+          </a:p>
+        </p:txBody>
+      </p:sp>
+      <p:sp>
+        <p:nvSpPr>
+          <p:cNvPr id="5" name="文字方塊 4"/>
+          <p:cNvSpPr txBox="1"/>
+          <p:nvPr/>
+        </p:nvSpPr>
+        <p:spPr>
+          <a:xfrm>
+            <a:off x="8711952" y="6573902"/>
+            <a:ext cx="432048" cy="276999"/>
+          </a:xfrm>
+          <a:prstGeom prst="rect">
+            <a:avLst/>
+          </a:prstGeom>
+          <a:noFill/>
+        </p:spPr>
+        <p:txBody>
+          <a:bodyPr wrap="square" rtlCol="0" anchor="ctr">
+            <a:spAutoFit/>
+          </a:bodyPr>
+          <a:lstStyle/>
+          <a:p>
+            <a:pPr algn="ctr"/>
+            <a:r>
+              <a:rPr lang="en-US" altLang="zh-TW" sz="1200" dirty="0" smtClean="0">
+                <a:latin typeface="Times New Roman" pitchFamily="18" charset="0"/>
+                <a:cs typeface="Times New Roman" pitchFamily="18" charset="0"/>
+              </a:rPr>
+              <a:t>17</a:t>
+            </a:r>
+            <a:endParaRPr lang="zh-TW" altLang="en-US" sz="1200" dirty="0">
+              <a:latin typeface="Times New Roman" pitchFamily="18" charset="0"/>
+              <a:cs typeface="Times New Roman" pitchFamily="18" charset="0"/>
+            </a:endParaRPr>
+          </a:p>
+        </p:txBody>
+      </p:sp>
+      <p:sp>
+        <p:nvSpPr>
+          <p:cNvPr id="38" name="文字方塊 37"/>
+          <p:cNvSpPr txBox="1"/>
+          <p:nvPr/>
+        </p:nvSpPr>
+        <p:spPr>
+          <a:xfrm>
+            <a:off x="503548" y="1124744"/>
+            <a:ext cx="8136904" cy="5328592"/>
+          </a:xfrm>
+          <a:prstGeom prst="rect">
+            <a:avLst/>
+          </a:prstGeom>
+          <a:noFill/>
+        </p:spPr>
+        <p:txBody>
+          <a:bodyPr wrap="square" rtlCol="0" anchor="t">
+            <a:noAutofit/>
+          </a:bodyPr>
+          <a:lstStyle/>
+          <a:p>
+            <a:pPr defTabSz="0"/>
+            <a:r>
+              <a:rPr lang="en-US" altLang="zh-TW" dirty="0" smtClean="0">
+                <a:latin typeface="Times New Roman" pitchFamily="18" charset="0"/>
+                <a:cs typeface="Times New Roman" pitchFamily="18" charset="0"/>
+              </a:rPr>
+              <a:t>    </a:t>
+            </a:r>
+            <a:r>
+              <a:rPr lang="en-US" altLang="zh-TW" dirty="0">
+                <a:latin typeface="Times New Roman" pitchFamily="18" charset="0"/>
+                <a:cs typeface="Times New Roman" pitchFamily="18" charset="0"/>
+              </a:rPr>
+              <a:t>&lt;form action="" method=""&gt;</a:t>
+            </a:r>
+          </a:p>
+          <a:p>
+            <a:pPr defTabSz="0"/>
+            <a:r>
+              <a:rPr lang="en-US" altLang="zh-TW" dirty="0">
+                <a:latin typeface="Times New Roman" pitchFamily="18" charset="0"/>
+                <a:cs typeface="Times New Roman" pitchFamily="18" charset="0"/>
+              </a:rPr>
+              <a:t>        &lt;input </a:t>
+            </a:r>
+            <a:r>
+              <a:rPr lang="en-US" altLang="zh-TW" dirty="0">
+                <a:solidFill>
+                  <a:srgbClr val="FF0000"/>
+                </a:solidFill>
+                <a:latin typeface="Times New Roman" pitchFamily="18" charset="0"/>
+                <a:cs typeface="Times New Roman" pitchFamily="18" charset="0"/>
+              </a:rPr>
+              <a:t>type="radio"</a:t>
+            </a:r>
+            <a:r>
+              <a:rPr lang="en-US" altLang="zh-TW" dirty="0">
+                <a:latin typeface="Times New Roman" pitchFamily="18" charset="0"/>
+                <a:cs typeface="Times New Roman" pitchFamily="18" charset="0"/>
+              </a:rPr>
+              <a:t> </a:t>
+            </a:r>
+            <a:r>
+              <a:rPr lang="en-US" altLang="zh-TW" dirty="0">
+                <a:solidFill>
+                  <a:srgbClr val="00B050"/>
+                </a:solidFill>
+                <a:latin typeface="Times New Roman" pitchFamily="18" charset="0"/>
+                <a:cs typeface="Times New Roman" pitchFamily="18" charset="0"/>
+              </a:rPr>
+              <a:t>name="animal"</a:t>
+            </a:r>
+            <a:r>
+              <a:rPr lang="en-US" altLang="zh-TW" dirty="0">
+                <a:latin typeface="Times New Roman" pitchFamily="18" charset="0"/>
+                <a:cs typeface="Times New Roman" pitchFamily="18" charset="0"/>
+              </a:rPr>
+              <a:t> </a:t>
+            </a:r>
+            <a:r>
+              <a:rPr lang="en-US" altLang="zh-TW" dirty="0">
+                <a:solidFill>
+                  <a:srgbClr val="00B050"/>
+                </a:solidFill>
+                <a:latin typeface="Times New Roman" pitchFamily="18" charset="0"/>
+                <a:cs typeface="Times New Roman" pitchFamily="18" charset="0"/>
+              </a:rPr>
+              <a:t>value="dog"</a:t>
+            </a:r>
+            <a:r>
+              <a:rPr lang="en-US" altLang="zh-TW" dirty="0">
+                <a:latin typeface="Times New Roman" pitchFamily="18" charset="0"/>
+                <a:cs typeface="Times New Roman" pitchFamily="18" charset="0"/>
+              </a:rPr>
+              <a:t>&gt;</a:t>
+            </a:r>
+            <a:r>
+              <a:rPr lang="zh-TW" altLang="en-US" dirty="0">
+                <a:latin typeface="Times New Roman" pitchFamily="18" charset="0"/>
+                <a:cs typeface="Times New Roman" pitchFamily="18" charset="0"/>
+              </a:rPr>
+              <a:t>狗</a:t>
+            </a:r>
+            <a:r>
+              <a:rPr lang="en-US" altLang="zh-TW" dirty="0">
+                <a:latin typeface="Times New Roman" pitchFamily="18" charset="0"/>
+                <a:cs typeface="Times New Roman" pitchFamily="18" charset="0"/>
+              </a:rPr>
+              <a:t>&lt;</a:t>
+            </a:r>
+            <a:r>
+              <a:rPr lang="en-US" altLang="zh-TW" dirty="0" err="1">
+                <a:latin typeface="Times New Roman" pitchFamily="18" charset="0"/>
+                <a:cs typeface="Times New Roman" pitchFamily="18" charset="0"/>
+              </a:rPr>
+              <a:t>br</a:t>
+            </a:r>
+            <a:r>
+              <a:rPr lang="en-US" altLang="zh-TW" dirty="0">
+                <a:latin typeface="Times New Roman" pitchFamily="18" charset="0"/>
+                <a:cs typeface="Times New Roman" pitchFamily="18" charset="0"/>
+              </a:rPr>
+              <a:t>&gt;</a:t>
+            </a:r>
+          </a:p>
+          <a:p>
+            <a:pPr defTabSz="0"/>
+            <a:r>
+              <a:rPr lang="en-US" altLang="zh-TW" dirty="0">
+                <a:latin typeface="Times New Roman" pitchFamily="18" charset="0"/>
+                <a:cs typeface="Times New Roman" pitchFamily="18" charset="0"/>
+              </a:rPr>
+              <a:t>        &lt;input type="radio" name="animal" value="cat"&gt;</a:t>
+            </a:r>
+            <a:r>
+              <a:rPr lang="zh-TW" altLang="en-US" dirty="0">
+                <a:latin typeface="Times New Roman" pitchFamily="18" charset="0"/>
+                <a:cs typeface="Times New Roman" pitchFamily="18" charset="0"/>
+              </a:rPr>
+              <a:t>貓</a:t>
+            </a:r>
+            <a:r>
+              <a:rPr lang="en-US" altLang="zh-TW" dirty="0">
+                <a:latin typeface="Times New Roman" pitchFamily="18" charset="0"/>
+                <a:cs typeface="Times New Roman" pitchFamily="18" charset="0"/>
+              </a:rPr>
+              <a:t>&lt;</a:t>
+            </a:r>
+            <a:r>
+              <a:rPr lang="en-US" altLang="zh-TW" dirty="0" err="1">
+                <a:latin typeface="Times New Roman" pitchFamily="18" charset="0"/>
+                <a:cs typeface="Times New Roman" pitchFamily="18" charset="0"/>
+              </a:rPr>
+              <a:t>br</a:t>
+            </a:r>
+            <a:r>
+              <a:rPr lang="en-US" altLang="zh-TW" dirty="0">
+                <a:latin typeface="Times New Roman" pitchFamily="18" charset="0"/>
+                <a:cs typeface="Times New Roman" pitchFamily="18" charset="0"/>
+              </a:rPr>
+              <a:t>&gt;</a:t>
+            </a:r>
+          </a:p>
+          <a:p>
+            <a:pPr defTabSz="0"/>
+            <a:r>
+              <a:rPr lang="en-US" altLang="zh-TW" dirty="0" smtClean="0">
+                <a:latin typeface="Times New Roman" pitchFamily="18" charset="0"/>
+                <a:cs typeface="Times New Roman" pitchFamily="18" charset="0"/>
+              </a:rPr>
+              <a:t>        &lt;input </a:t>
+            </a:r>
+            <a:r>
+              <a:rPr lang="en-US" altLang="zh-TW" dirty="0" smtClean="0">
+                <a:solidFill>
+                  <a:srgbClr val="FF0000"/>
+                </a:solidFill>
+                <a:latin typeface="Times New Roman" pitchFamily="18" charset="0"/>
+                <a:cs typeface="Times New Roman" pitchFamily="18" charset="0"/>
+              </a:rPr>
+              <a:t>type="checkbox"</a:t>
+            </a:r>
+            <a:r>
+              <a:rPr lang="en-US" altLang="zh-TW" dirty="0" smtClean="0">
+                <a:latin typeface="Times New Roman" pitchFamily="18" charset="0"/>
+                <a:cs typeface="Times New Roman" pitchFamily="18" charset="0"/>
+              </a:rPr>
+              <a:t> </a:t>
+            </a:r>
+            <a:r>
+              <a:rPr lang="en-US" altLang="zh-TW" dirty="0">
+                <a:solidFill>
+                  <a:srgbClr val="00B050"/>
+                </a:solidFill>
+                <a:latin typeface="Times New Roman" pitchFamily="18" charset="0"/>
+                <a:cs typeface="Times New Roman" pitchFamily="18" charset="0"/>
+              </a:rPr>
+              <a:t>name="big-animal</a:t>
+            </a:r>
+            <a:r>
+              <a:rPr lang="en-US" altLang="zh-TW" dirty="0" smtClean="0">
+                <a:solidFill>
+                  <a:srgbClr val="00B050"/>
+                </a:solidFill>
+                <a:latin typeface="Times New Roman" pitchFamily="18" charset="0"/>
+                <a:cs typeface="Times New Roman" pitchFamily="18" charset="0"/>
+              </a:rPr>
+              <a:t>"</a:t>
+            </a:r>
+            <a:r>
+              <a:rPr lang="en-US" altLang="zh-TW" dirty="0" smtClean="0">
+                <a:latin typeface="Times New Roman" pitchFamily="18" charset="0"/>
+                <a:cs typeface="Times New Roman" pitchFamily="18" charset="0"/>
+              </a:rPr>
+              <a:t> </a:t>
+            </a:r>
+            <a:r>
+              <a:rPr lang="en-US" altLang="zh-TW" dirty="0" smtClean="0">
+                <a:solidFill>
+                  <a:srgbClr val="00B050"/>
+                </a:solidFill>
+                <a:latin typeface="Times New Roman" pitchFamily="18" charset="0"/>
+                <a:cs typeface="Times New Roman" pitchFamily="18" charset="0"/>
+              </a:rPr>
+              <a:t>value="lion"</a:t>
+            </a:r>
+            <a:r>
+              <a:rPr lang="en-US" altLang="zh-TW" dirty="0" smtClean="0">
+                <a:latin typeface="Times New Roman" pitchFamily="18" charset="0"/>
+                <a:cs typeface="Times New Roman" pitchFamily="18" charset="0"/>
+              </a:rPr>
+              <a:t>&gt;</a:t>
+            </a:r>
+            <a:r>
+              <a:rPr lang="zh-TW" altLang="en-US" dirty="0" smtClean="0">
+                <a:latin typeface="Times New Roman" pitchFamily="18" charset="0"/>
+                <a:cs typeface="Times New Roman" pitchFamily="18" charset="0"/>
+              </a:rPr>
+              <a:t>獅子</a:t>
+            </a:r>
+            <a:r>
+              <a:rPr lang="en-US" altLang="zh-TW" dirty="0" smtClean="0">
+                <a:latin typeface="Times New Roman" pitchFamily="18" charset="0"/>
+                <a:cs typeface="Times New Roman" pitchFamily="18" charset="0"/>
+              </a:rPr>
+              <a:t>&lt;</a:t>
+            </a:r>
+            <a:r>
+              <a:rPr lang="en-US" altLang="zh-TW" dirty="0" err="1" smtClean="0">
+                <a:latin typeface="Times New Roman" pitchFamily="18" charset="0"/>
+                <a:cs typeface="Times New Roman" pitchFamily="18" charset="0"/>
+              </a:rPr>
+              <a:t>br</a:t>
+            </a:r>
+            <a:r>
+              <a:rPr lang="en-US" altLang="zh-TW" dirty="0" smtClean="0">
+                <a:latin typeface="Times New Roman" pitchFamily="18" charset="0"/>
+                <a:cs typeface="Times New Roman" pitchFamily="18" charset="0"/>
+              </a:rPr>
+              <a:t>&gt;</a:t>
+            </a:r>
+          </a:p>
+          <a:p>
+            <a:pPr defTabSz="0"/>
+            <a:r>
+              <a:rPr lang="en-US" altLang="zh-TW" dirty="0" smtClean="0">
+                <a:latin typeface="Times New Roman" pitchFamily="18" charset="0"/>
+                <a:cs typeface="Times New Roman" pitchFamily="18" charset="0"/>
+              </a:rPr>
+              <a:t>        </a:t>
+            </a:r>
+            <a:r>
+              <a:rPr lang="en-US" altLang="zh-TW" dirty="0">
+                <a:latin typeface="Times New Roman" pitchFamily="18" charset="0"/>
+                <a:cs typeface="Times New Roman" pitchFamily="18" charset="0"/>
+              </a:rPr>
+              <a:t>&lt;input type="checkbox" name="big-animal" value="tiger"&gt;</a:t>
+            </a:r>
+            <a:r>
+              <a:rPr lang="zh-TW" altLang="en-US" dirty="0">
+                <a:latin typeface="Times New Roman" pitchFamily="18" charset="0"/>
+                <a:cs typeface="Times New Roman" pitchFamily="18" charset="0"/>
+              </a:rPr>
+              <a:t>老虎</a:t>
+            </a:r>
+            <a:r>
+              <a:rPr lang="en-US" altLang="zh-TW" dirty="0">
+                <a:latin typeface="Times New Roman" pitchFamily="18" charset="0"/>
+                <a:cs typeface="Times New Roman" pitchFamily="18" charset="0"/>
+              </a:rPr>
+              <a:t>&lt;</a:t>
+            </a:r>
+            <a:r>
+              <a:rPr lang="en-US" altLang="zh-TW" dirty="0" err="1">
+                <a:latin typeface="Times New Roman" pitchFamily="18" charset="0"/>
+                <a:cs typeface="Times New Roman" pitchFamily="18" charset="0"/>
+              </a:rPr>
+              <a:t>br</a:t>
+            </a:r>
+            <a:r>
+              <a:rPr lang="en-US" altLang="zh-TW" dirty="0">
+                <a:latin typeface="Times New Roman" pitchFamily="18" charset="0"/>
+                <a:cs typeface="Times New Roman" pitchFamily="18" charset="0"/>
+              </a:rPr>
+              <a:t>&gt;</a:t>
+            </a:r>
+          </a:p>
+          <a:p>
+            <a:pPr defTabSz="0"/>
+            <a:r>
+              <a:rPr lang="en-US" altLang="zh-TW" dirty="0">
+                <a:latin typeface="Times New Roman" pitchFamily="18" charset="0"/>
+                <a:cs typeface="Times New Roman" pitchFamily="18" charset="0"/>
+              </a:rPr>
+              <a:t>        &lt;input type="checkbox" name="big-animal" value="bear"&gt;</a:t>
+            </a:r>
+            <a:r>
+              <a:rPr lang="zh-TW" altLang="en-US" dirty="0">
+                <a:latin typeface="Times New Roman" pitchFamily="18" charset="0"/>
+                <a:cs typeface="Times New Roman" pitchFamily="18" charset="0"/>
+              </a:rPr>
+              <a:t>熊</a:t>
+            </a:r>
+          </a:p>
+          <a:p>
+            <a:pPr defTabSz="0"/>
+            <a:r>
+              <a:rPr lang="zh-TW" altLang="en-US" dirty="0">
+                <a:latin typeface="Times New Roman" pitchFamily="18" charset="0"/>
+                <a:cs typeface="Times New Roman" pitchFamily="18" charset="0"/>
+              </a:rPr>
+              <a:t>    </a:t>
+            </a:r>
+            <a:r>
+              <a:rPr lang="en-US" altLang="zh-TW" dirty="0">
+                <a:latin typeface="Times New Roman" pitchFamily="18" charset="0"/>
+                <a:cs typeface="Times New Roman" pitchFamily="18" charset="0"/>
+              </a:rPr>
+              <a:t>&lt;/form</a:t>
+            </a:r>
+            <a:r>
+              <a:rPr lang="en-US" altLang="zh-TW" dirty="0" smtClean="0">
+                <a:latin typeface="Times New Roman" pitchFamily="18" charset="0"/>
+                <a:cs typeface="Times New Roman" pitchFamily="18" charset="0"/>
+              </a:rPr>
+              <a:t>&gt;</a:t>
+            </a:r>
+            <a:endParaRPr lang="en-US" altLang="zh-TW" dirty="0" smtClean="0">
+              <a:latin typeface="Times New Roman" pitchFamily="18" charset="0"/>
+              <a:cs typeface="Times New Roman" pitchFamily="18" charset="0"/>
+            </a:endParaRPr>
+          </a:p>
+        </p:txBody>
+      </p:sp>
+    </p:spTree>
+    <p:extLst>
+      <p:ext uri="{BB962C8B-B14F-4D97-AF65-F5344CB8AC3E}">
+        <p14:creationId xmlns:p14="http://schemas.microsoft.com/office/powerpoint/2010/main" val="2724410726"/>
+      </p:ext>
+    </p:extLst>
+  </p:cSld>
+  <p:clrMapOvr>
+    <a:masterClrMapping/>
+  </p:clrMapOvr>
+  <p:timing>
+    <p:tnLst>
+      <p:par>
+        <p:cTn id="1" dur="indefinite" restart="never" nodeType="tmRoot"/>
+      </p:par>
+    </p:tnLst>
+  </p:timing>
+</p:sld>
+</file>
+
+<file path=ppt/slides/slide18.xml><?xml version="1.0" encoding="utf-8"?>
+<p:sld xmlns:a="http://schemas.openxmlformats.org/drawingml/2006/main" xmlns:r="http://schemas.openxmlformats.org/officeDocument/2006/relationships" xmlns:p="http://schemas.openxmlformats.org/presentationml/2006/main">
+  <p:cSld>
+    <p:spTree>
+      <p:nvGrpSpPr>
+        <p:cNvPr id="1" name=""/>
+        <p:cNvGrpSpPr/>
+        <p:nvPr/>
+      </p:nvGrpSpPr>
+      <p:grpSpPr>
+        <a:xfrm>
+          <a:off x="0" y="0"/>
+          <a:ext cx="0" cy="0"/>
+          <a:chOff x="0" y="0"/>
+          <a:chExt cx="0" cy="0"/>
+        </a:xfrm>
+      </p:grpSpPr>
+      <p:sp>
+        <p:nvSpPr>
+          <p:cNvPr id="4" name="文字方塊 3"/>
+          <p:cNvSpPr txBox="1"/>
+          <p:nvPr/>
+        </p:nvSpPr>
+        <p:spPr>
+          <a:xfrm>
+            <a:off x="0" y="0"/>
+            <a:ext cx="9144000" cy="836712"/>
+          </a:xfrm>
+          <a:prstGeom prst="rect">
+            <a:avLst/>
+          </a:prstGeom>
+          <a:noFill/>
+        </p:spPr>
+        <p:txBody>
+          <a:bodyPr wrap="square" rtlCol="0" anchor="ctr">
+            <a:noAutofit/>
+          </a:bodyPr>
+          <a:lstStyle/>
+          <a:p>
+            <a:pPr algn="ctr"/>
+            <a:r>
+              <a:rPr lang="en-US" altLang="zh-TW" sz="2400" dirty="0" smtClean="0">
+                <a:latin typeface="Times New Roman" pitchFamily="18" charset="0"/>
+                <a:cs typeface="Times New Roman" pitchFamily="18" charset="0"/>
+              </a:rPr>
+              <a:t>Element </a:t>
+            </a:r>
+            <a:r>
+              <a:rPr lang="zh-TW" altLang="en-US" sz="2400" dirty="0" smtClean="0">
+                <a:latin typeface="Times New Roman" pitchFamily="18" charset="0"/>
+                <a:cs typeface="Times New Roman" pitchFamily="18" charset="0"/>
+              </a:rPr>
+              <a:t>介紹</a:t>
+            </a:r>
+            <a:r>
+              <a:rPr lang="zh-TW" altLang="en-US" sz="2400" dirty="0" smtClean="0">
+                <a:latin typeface="Times New Roman" pitchFamily="18" charset="0"/>
+                <a:cs typeface="Times New Roman" pitchFamily="18" charset="0"/>
+              </a:rPr>
+              <a:t>：</a:t>
+            </a:r>
+            <a:r>
+              <a:rPr lang="en-US" altLang="zh-TW" sz="2400" dirty="0" smtClean="0">
+                <a:latin typeface="Times New Roman" pitchFamily="18" charset="0"/>
+                <a:cs typeface="Times New Roman" pitchFamily="18" charset="0"/>
+              </a:rPr>
+              <a:t>Form</a:t>
+            </a:r>
+            <a:endParaRPr lang="zh-TW" altLang="en-US" sz="2400" dirty="0">
+              <a:latin typeface="Times New Roman" pitchFamily="18" charset="0"/>
+              <a:cs typeface="Times New Roman" pitchFamily="18" charset="0"/>
+            </a:endParaRPr>
+          </a:p>
+        </p:txBody>
+      </p:sp>
+      <p:sp>
+        <p:nvSpPr>
+          <p:cNvPr id="5" name="文字方塊 4"/>
+          <p:cNvSpPr txBox="1"/>
+          <p:nvPr/>
+        </p:nvSpPr>
+        <p:spPr>
+          <a:xfrm>
+            <a:off x="8711952" y="6573902"/>
+            <a:ext cx="432048" cy="276999"/>
+          </a:xfrm>
+          <a:prstGeom prst="rect">
+            <a:avLst/>
+          </a:prstGeom>
+          <a:noFill/>
+        </p:spPr>
+        <p:txBody>
+          <a:bodyPr wrap="square" rtlCol="0" anchor="ctr">
+            <a:spAutoFit/>
+          </a:bodyPr>
+          <a:lstStyle/>
+          <a:p>
+            <a:pPr algn="ctr"/>
+            <a:r>
+              <a:rPr lang="en-US" altLang="zh-TW" sz="1200" dirty="0" smtClean="0">
+                <a:latin typeface="Times New Roman" pitchFamily="18" charset="0"/>
+                <a:cs typeface="Times New Roman" pitchFamily="18" charset="0"/>
+              </a:rPr>
+              <a:t>18</a:t>
+            </a:r>
+            <a:endParaRPr lang="zh-TW" altLang="en-US" sz="1200" dirty="0">
+              <a:latin typeface="Times New Roman" pitchFamily="18" charset="0"/>
+              <a:cs typeface="Times New Roman" pitchFamily="18" charset="0"/>
+            </a:endParaRPr>
+          </a:p>
+        </p:txBody>
+      </p:sp>
+      <p:sp>
+        <p:nvSpPr>
+          <p:cNvPr id="38" name="文字方塊 37"/>
+          <p:cNvSpPr txBox="1"/>
+          <p:nvPr/>
+        </p:nvSpPr>
+        <p:spPr>
+          <a:xfrm>
+            <a:off x="503548" y="1124744"/>
+            <a:ext cx="8136904" cy="5328592"/>
+          </a:xfrm>
+          <a:prstGeom prst="rect">
+            <a:avLst/>
+          </a:prstGeom>
+          <a:noFill/>
+        </p:spPr>
+        <p:txBody>
+          <a:bodyPr wrap="square" rtlCol="0" anchor="t">
+            <a:noAutofit/>
+          </a:bodyPr>
+          <a:lstStyle/>
+          <a:p>
+            <a:pPr defTabSz="0"/>
+            <a:r>
+              <a:rPr lang="en-US" altLang="zh-TW" dirty="0" smtClean="0">
+                <a:latin typeface="Times New Roman" pitchFamily="18" charset="0"/>
+                <a:cs typeface="Times New Roman" pitchFamily="18" charset="0"/>
+              </a:rPr>
+              <a:t>    </a:t>
+            </a:r>
+            <a:r>
+              <a:rPr lang="en-US" altLang="zh-TW" dirty="0">
+                <a:latin typeface="Times New Roman" pitchFamily="18" charset="0"/>
+                <a:cs typeface="Times New Roman" pitchFamily="18" charset="0"/>
+              </a:rPr>
+              <a:t>&lt;form action="" method=""&gt;</a:t>
+            </a:r>
+          </a:p>
+          <a:p>
+            <a:pPr defTabSz="0"/>
+            <a:r>
+              <a:rPr lang="en-US" altLang="zh-TW" dirty="0">
+                <a:latin typeface="Times New Roman" pitchFamily="18" charset="0"/>
+                <a:cs typeface="Times New Roman" pitchFamily="18" charset="0"/>
+              </a:rPr>
+              <a:t>        &lt;p&gt;</a:t>
+            </a:r>
+          </a:p>
+          <a:p>
+            <a:pPr defTabSz="0"/>
+            <a:r>
+              <a:rPr lang="en-US" altLang="zh-TW" dirty="0">
+                <a:latin typeface="Times New Roman" pitchFamily="18" charset="0"/>
+                <a:cs typeface="Times New Roman" pitchFamily="18" charset="0"/>
+              </a:rPr>
+              <a:t>            </a:t>
+            </a:r>
+            <a:r>
+              <a:rPr lang="en-US" altLang="zh-TW" dirty="0">
+                <a:solidFill>
+                  <a:srgbClr val="FF0000"/>
+                </a:solidFill>
+                <a:latin typeface="Times New Roman" pitchFamily="18" charset="0"/>
+                <a:cs typeface="Times New Roman" pitchFamily="18" charset="0"/>
+              </a:rPr>
+              <a:t>&lt;select</a:t>
+            </a:r>
+            <a:r>
+              <a:rPr lang="en-US" altLang="zh-TW" dirty="0">
+                <a:latin typeface="Times New Roman" pitchFamily="18" charset="0"/>
+                <a:cs typeface="Times New Roman" pitchFamily="18" charset="0"/>
+              </a:rPr>
+              <a:t> </a:t>
+            </a:r>
+            <a:r>
+              <a:rPr lang="en-US" altLang="zh-TW" dirty="0">
+                <a:solidFill>
+                  <a:srgbClr val="00B050"/>
+                </a:solidFill>
+                <a:latin typeface="Times New Roman" pitchFamily="18" charset="0"/>
+                <a:cs typeface="Times New Roman" pitchFamily="18" charset="0"/>
+              </a:rPr>
+              <a:t>name="character"</a:t>
+            </a:r>
+            <a:r>
+              <a:rPr lang="en-US" altLang="zh-TW" dirty="0">
+                <a:solidFill>
+                  <a:srgbClr val="FF0000"/>
+                </a:solidFill>
+                <a:latin typeface="Times New Roman" pitchFamily="18" charset="0"/>
+                <a:cs typeface="Times New Roman" pitchFamily="18" charset="0"/>
+              </a:rPr>
+              <a:t>&gt;</a:t>
+            </a:r>
+          </a:p>
+          <a:p>
+            <a:pPr defTabSz="0"/>
+            <a:r>
+              <a:rPr lang="en-US" altLang="zh-TW" dirty="0">
+                <a:latin typeface="Times New Roman" pitchFamily="18" charset="0"/>
+                <a:cs typeface="Times New Roman" pitchFamily="18" charset="0"/>
+              </a:rPr>
+              <a:t>                </a:t>
+            </a:r>
+            <a:r>
+              <a:rPr lang="en-US" altLang="zh-TW" dirty="0">
+                <a:solidFill>
+                  <a:srgbClr val="FF0000"/>
+                </a:solidFill>
+                <a:latin typeface="Times New Roman" pitchFamily="18" charset="0"/>
+                <a:cs typeface="Times New Roman" pitchFamily="18" charset="0"/>
+              </a:rPr>
+              <a:t>&lt;option</a:t>
+            </a:r>
+            <a:r>
+              <a:rPr lang="en-US" altLang="zh-TW" dirty="0">
+                <a:latin typeface="Times New Roman" pitchFamily="18" charset="0"/>
+                <a:cs typeface="Times New Roman" pitchFamily="18" charset="0"/>
+              </a:rPr>
+              <a:t> value="null" </a:t>
+            </a:r>
+            <a:r>
+              <a:rPr lang="en-US" altLang="zh-TW" dirty="0">
+                <a:solidFill>
+                  <a:srgbClr val="00B050"/>
+                </a:solidFill>
+                <a:latin typeface="Times New Roman" pitchFamily="18" charset="0"/>
+                <a:cs typeface="Times New Roman" pitchFamily="18" charset="0"/>
+              </a:rPr>
+              <a:t>selected</a:t>
+            </a:r>
+            <a:r>
+              <a:rPr lang="en-US" altLang="zh-TW" dirty="0">
+                <a:solidFill>
+                  <a:srgbClr val="FF0000"/>
+                </a:solidFill>
+                <a:latin typeface="Times New Roman" pitchFamily="18" charset="0"/>
+                <a:cs typeface="Times New Roman" pitchFamily="18" charset="0"/>
+              </a:rPr>
+              <a:t>&gt;</a:t>
+            </a:r>
+            <a:r>
+              <a:rPr lang="zh-TW" altLang="en-US" dirty="0">
+                <a:latin typeface="Times New Roman" pitchFamily="18" charset="0"/>
+                <a:cs typeface="Times New Roman" pitchFamily="18" charset="0"/>
+              </a:rPr>
+              <a:t>請選擇</a:t>
+            </a:r>
+            <a:r>
+              <a:rPr lang="en-US" altLang="zh-TW" dirty="0">
+                <a:solidFill>
+                  <a:srgbClr val="FF0000"/>
+                </a:solidFill>
+                <a:latin typeface="Times New Roman" pitchFamily="18" charset="0"/>
+                <a:cs typeface="Times New Roman" pitchFamily="18" charset="0"/>
+              </a:rPr>
+              <a:t>&lt;/option&gt;</a:t>
+            </a:r>
+          </a:p>
+          <a:p>
+            <a:pPr defTabSz="0"/>
+            <a:r>
+              <a:rPr lang="en-US" altLang="zh-TW" dirty="0">
+                <a:latin typeface="Times New Roman" pitchFamily="18" charset="0"/>
+                <a:cs typeface="Times New Roman" pitchFamily="18" charset="0"/>
+              </a:rPr>
+              <a:t>                &lt;option </a:t>
+            </a:r>
+            <a:r>
+              <a:rPr lang="en-US" altLang="zh-TW" dirty="0">
+                <a:solidFill>
+                  <a:srgbClr val="FF0000"/>
+                </a:solidFill>
+                <a:latin typeface="Times New Roman" pitchFamily="18" charset="0"/>
+                <a:cs typeface="Times New Roman" pitchFamily="18" charset="0"/>
+              </a:rPr>
+              <a:t>value="a"</a:t>
+            </a:r>
+            <a:r>
+              <a:rPr lang="en-US" altLang="zh-TW" dirty="0">
+                <a:latin typeface="Times New Roman" pitchFamily="18" charset="0"/>
+                <a:cs typeface="Times New Roman" pitchFamily="18" charset="0"/>
+              </a:rPr>
+              <a:t>&gt;A&lt;/option&gt;</a:t>
+            </a:r>
+          </a:p>
+          <a:p>
+            <a:pPr defTabSz="0"/>
+            <a:r>
+              <a:rPr lang="en-US" altLang="zh-TW" dirty="0">
+                <a:latin typeface="Times New Roman" pitchFamily="18" charset="0"/>
+                <a:cs typeface="Times New Roman" pitchFamily="18" charset="0"/>
+              </a:rPr>
+              <a:t>                &lt;option value="b"&gt;B&lt;/option&gt;</a:t>
+            </a:r>
+          </a:p>
+          <a:p>
+            <a:pPr defTabSz="0"/>
+            <a:r>
+              <a:rPr lang="en-US" altLang="zh-TW" dirty="0">
+                <a:latin typeface="Times New Roman" pitchFamily="18" charset="0"/>
+                <a:cs typeface="Times New Roman" pitchFamily="18" charset="0"/>
+              </a:rPr>
+              <a:t>                &lt;option value="c"&gt;C&lt;/option&gt;</a:t>
+            </a:r>
+          </a:p>
+          <a:p>
+            <a:pPr defTabSz="0"/>
+            <a:r>
+              <a:rPr lang="en-US" altLang="zh-TW" dirty="0">
+                <a:latin typeface="Times New Roman" pitchFamily="18" charset="0"/>
+                <a:cs typeface="Times New Roman" pitchFamily="18" charset="0"/>
+              </a:rPr>
+              <a:t>            </a:t>
+            </a:r>
+            <a:r>
+              <a:rPr lang="en-US" altLang="zh-TW" dirty="0">
+                <a:solidFill>
+                  <a:srgbClr val="FF0000"/>
+                </a:solidFill>
+                <a:latin typeface="Times New Roman" pitchFamily="18" charset="0"/>
+                <a:cs typeface="Times New Roman" pitchFamily="18" charset="0"/>
+              </a:rPr>
+              <a:t>&lt;/select&gt;</a:t>
+            </a:r>
+          </a:p>
+          <a:p>
+            <a:pPr defTabSz="0"/>
+            <a:r>
+              <a:rPr lang="en-US" altLang="zh-TW" dirty="0">
+                <a:latin typeface="Times New Roman" pitchFamily="18" charset="0"/>
+                <a:cs typeface="Times New Roman" pitchFamily="18" charset="0"/>
+              </a:rPr>
+              <a:t>        &lt;/p&gt;</a:t>
+            </a:r>
+          </a:p>
+          <a:p>
+            <a:pPr defTabSz="0"/>
+            <a:r>
+              <a:rPr lang="en-US" altLang="zh-TW" dirty="0">
+                <a:latin typeface="Times New Roman" pitchFamily="18" charset="0"/>
+                <a:cs typeface="Times New Roman" pitchFamily="18" charset="0"/>
+              </a:rPr>
+              <a:t>        &lt;p&gt;</a:t>
+            </a:r>
+          </a:p>
+          <a:p>
+            <a:pPr defTabSz="0"/>
+            <a:r>
+              <a:rPr lang="en-US" altLang="zh-TW" dirty="0">
+                <a:latin typeface="Times New Roman" pitchFamily="18" charset="0"/>
+                <a:cs typeface="Times New Roman" pitchFamily="18" charset="0"/>
+              </a:rPr>
+              <a:t>            </a:t>
+            </a:r>
+            <a:r>
+              <a:rPr lang="en-US" altLang="zh-TW" dirty="0">
+                <a:solidFill>
+                  <a:srgbClr val="FF0000"/>
+                </a:solidFill>
+                <a:latin typeface="Times New Roman" pitchFamily="18" charset="0"/>
+                <a:cs typeface="Times New Roman" pitchFamily="18" charset="0"/>
+              </a:rPr>
+              <a:t>&lt;</a:t>
+            </a:r>
+            <a:r>
+              <a:rPr lang="en-US" altLang="zh-TW" dirty="0" err="1">
+                <a:solidFill>
+                  <a:srgbClr val="FF0000"/>
+                </a:solidFill>
+                <a:latin typeface="Times New Roman" pitchFamily="18" charset="0"/>
+                <a:cs typeface="Times New Roman" pitchFamily="18" charset="0"/>
+              </a:rPr>
+              <a:t>textarea</a:t>
+            </a:r>
+            <a:r>
+              <a:rPr lang="en-US" altLang="zh-TW" dirty="0">
+                <a:latin typeface="Times New Roman" pitchFamily="18" charset="0"/>
+                <a:cs typeface="Times New Roman" pitchFamily="18" charset="0"/>
+              </a:rPr>
+              <a:t> name="text" </a:t>
+            </a:r>
+            <a:r>
+              <a:rPr lang="en-US" altLang="zh-TW" dirty="0">
+                <a:solidFill>
+                  <a:srgbClr val="00B050"/>
+                </a:solidFill>
+                <a:latin typeface="Times New Roman" pitchFamily="18" charset="0"/>
+                <a:cs typeface="Times New Roman" pitchFamily="18" charset="0"/>
+              </a:rPr>
+              <a:t>placeholder="</a:t>
+            </a:r>
+            <a:r>
+              <a:rPr lang="zh-TW" altLang="en-US" dirty="0">
+                <a:solidFill>
+                  <a:srgbClr val="00B050"/>
+                </a:solidFill>
+                <a:latin typeface="Times New Roman" pitchFamily="18" charset="0"/>
+                <a:cs typeface="Times New Roman" pitchFamily="18" charset="0"/>
+              </a:rPr>
+              <a:t>請輸入文字</a:t>
+            </a:r>
+            <a:r>
+              <a:rPr lang="en-US" altLang="zh-TW" dirty="0">
+                <a:solidFill>
+                  <a:srgbClr val="00B050"/>
+                </a:solidFill>
+                <a:latin typeface="Times New Roman" pitchFamily="18" charset="0"/>
+                <a:cs typeface="Times New Roman" pitchFamily="18" charset="0"/>
+              </a:rPr>
+              <a:t>"</a:t>
+            </a:r>
+            <a:r>
+              <a:rPr lang="en-US" altLang="zh-TW" dirty="0">
+                <a:solidFill>
+                  <a:srgbClr val="FF0000"/>
+                </a:solidFill>
+                <a:latin typeface="Times New Roman" pitchFamily="18" charset="0"/>
+                <a:cs typeface="Times New Roman" pitchFamily="18" charset="0"/>
+              </a:rPr>
+              <a:t>&gt;&lt;/</a:t>
+            </a:r>
+            <a:r>
+              <a:rPr lang="en-US" altLang="zh-TW" dirty="0" err="1">
+                <a:solidFill>
+                  <a:srgbClr val="FF0000"/>
+                </a:solidFill>
+                <a:latin typeface="Times New Roman" pitchFamily="18" charset="0"/>
+                <a:cs typeface="Times New Roman" pitchFamily="18" charset="0"/>
+              </a:rPr>
+              <a:t>textarea</a:t>
+            </a:r>
+            <a:r>
+              <a:rPr lang="en-US" altLang="zh-TW" dirty="0">
+                <a:solidFill>
+                  <a:srgbClr val="FF0000"/>
+                </a:solidFill>
+                <a:latin typeface="Times New Roman" pitchFamily="18" charset="0"/>
+                <a:cs typeface="Times New Roman" pitchFamily="18" charset="0"/>
+              </a:rPr>
+              <a:t>&gt;</a:t>
+            </a:r>
+          </a:p>
+          <a:p>
+            <a:pPr defTabSz="0"/>
+            <a:r>
+              <a:rPr lang="en-US" altLang="zh-TW" dirty="0">
+                <a:latin typeface="Times New Roman" pitchFamily="18" charset="0"/>
+                <a:cs typeface="Times New Roman" pitchFamily="18" charset="0"/>
+              </a:rPr>
+              <a:t>        &lt;/p&gt;</a:t>
+            </a:r>
+          </a:p>
+          <a:p>
+            <a:pPr defTabSz="0"/>
+            <a:r>
+              <a:rPr lang="en-US" altLang="zh-TW" dirty="0">
+                <a:latin typeface="Times New Roman" pitchFamily="18" charset="0"/>
+                <a:cs typeface="Times New Roman" pitchFamily="18" charset="0"/>
+              </a:rPr>
+              <a:t>        &lt;p&gt;</a:t>
+            </a:r>
+          </a:p>
+          <a:p>
+            <a:pPr defTabSz="0"/>
+            <a:r>
+              <a:rPr lang="en-US" altLang="zh-TW" dirty="0">
+                <a:latin typeface="Times New Roman" pitchFamily="18" charset="0"/>
+                <a:cs typeface="Times New Roman" pitchFamily="18" charset="0"/>
+              </a:rPr>
+              <a:t>            &lt;input </a:t>
+            </a:r>
+            <a:r>
+              <a:rPr lang="en-US" altLang="zh-TW" dirty="0">
+                <a:solidFill>
+                  <a:srgbClr val="FF0000"/>
+                </a:solidFill>
+                <a:latin typeface="Times New Roman" pitchFamily="18" charset="0"/>
+                <a:cs typeface="Times New Roman" pitchFamily="18" charset="0"/>
+              </a:rPr>
+              <a:t>type</a:t>
+            </a:r>
+            <a:r>
+              <a:rPr lang="en-US" altLang="zh-TW" dirty="0" smtClean="0">
+                <a:solidFill>
+                  <a:srgbClr val="FF0000"/>
+                </a:solidFill>
+                <a:latin typeface="Times New Roman" pitchFamily="18" charset="0"/>
+                <a:cs typeface="Times New Roman" pitchFamily="18" charset="0"/>
+              </a:rPr>
+              <a:t>=“button”</a:t>
+            </a:r>
+            <a:r>
+              <a:rPr lang="en-US" altLang="zh-TW" dirty="0" smtClean="0">
+                <a:latin typeface="Times New Roman" pitchFamily="18" charset="0"/>
+                <a:cs typeface="Times New Roman" pitchFamily="18" charset="0"/>
+              </a:rPr>
+              <a:t> </a:t>
+            </a:r>
+            <a:r>
+              <a:rPr lang="en-US" altLang="zh-TW" dirty="0">
+                <a:latin typeface="Times New Roman" pitchFamily="18" charset="0"/>
+                <a:cs typeface="Times New Roman" pitchFamily="18" charset="0"/>
+              </a:rPr>
+              <a:t>value</a:t>
+            </a:r>
+            <a:r>
+              <a:rPr lang="en-US" altLang="zh-TW" dirty="0" smtClean="0">
+                <a:latin typeface="Times New Roman" pitchFamily="18" charset="0"/>
+                <a:cs typeface="Times New Roman" pitchFamily="18" charset="0"/>
+              </a:rPr>
+              <a:t>=“input </a:t>
+            </a:r>
+            <a:r>
+              <a:rPr lang="zh-TW" altLang="en-US" dirty="0" smtClean="0">
+                <a:latin typeface="Times New Roman" pitchFamily="18" charset="0"/>
+                <a:cs typeface="Times New Roman" pitchFamily="18" charset="0"/>
+              </a:rPr>
+              <a:t>的 </a:t>
+            </a:r>
+            <a:r>
+              <a:rPr lang="en-US" altLang="zh-TW" dirty="0" smtClean="0">
+                <a:latin typeface="Times New Roman" pitchFamily="18" charset="0"/>
+                <a:cs typeface="Times New Roman" pitchFamily="18" charset="0"/>
+              </a:rPr>
+              <a:t>button</a:t>
+            </a:r>
+            <a:r>
+              <a:rPr lang="en-US" altLang="zh-TW" dirty="0">
+                <a:latin typeface="Times New Roman" pitchFamily="18" charset="0"/>
+                <a:cs typeface="Times New Roman" pitchFamily="18" charset="0"/>
+              </a:rPr>
+              <a:t>"&gt;&lt;</a:t>
+            </a:r>
+            <a:r>
+              <a:rPr lang="en-US" altLang="zh-TW" dirty="0" err="1">
+                <a:latin typeface="Times New Roman" pitchFamily="18" charset="0"/>
+                <a:cs typeface="Times New Roman" pitchFamily="18" charset="0"/>
+              </a:rPr>
+              <a:t>br</a:t>
+            </a:r>
+            <a:r>
+              <a:rPr lang="en-US" altLang="zh-TW" dirty="0">
+                <a:latin typeface="Times New Roman" pitchFamily="18" charset="0"/>
+                <a:cs typeface="Times New Roman" pitchFamily="18" charset="0"/>
+              </a:rPr>
+              <a:t>&gt;</a:t>
+            </a:r>
+          </a:p>
+          <a:p>
+            <a:pPr defTabSz="0"/>
+            <a:r>
+              <a:rPr lang="en-US" altLang="zh-TW" dirty="0">
+                <a:latin typeface="Times New Roman" pitchFamily="18" charset="0"/>
+                <a:cs typeface="Times New Roman" pitchFamily="18" charset="0"/>
+              </a:rPr>
+              <a:t>            </a:t>
+            </a:r>
+            <a:r>
+              <a:rPr lang="en-US" altLang="zh-TW" dirty="0">
+                <a:solidFill>
+                  <a:srgbClr val="FF0000"/>
+                </a:solidFill>
+                <a:latin typeface="Times New Roman" pitchFamily="18" charset="0"/>
+                <a:cs typeface="Times New Roman" pitchFamily="18" charset="0"/>
+              </a:rPr>
+              <a:t>&lt;button</a:t>
+            </a:r>
+            <a:r>
+              <a:rPr lang="en-US" altLang="zh-TW" dirty="0">
+                <a:latin typeface="Times New Roman" pitchFamily="18" charset="0"/>
+                <a:cs typeface="Times New Roman" pitchFamily="18" charset="0"/>
+              </a:rPr>
+              <a:t> </a:t>
+            </a:r>
+            <a:r>
+              <a:rPr lang="en-US" altLang="zh-TW" dirty="0">
+                <a:solidFill>
+                  <a:srgbClr val="00B050"/>
+                </a:solidFill>
+                <a:latin typeface="Times New Roman" pitchFamily="18" charset="0"/>
+                <a:cs typeface="Times New Roman" pitchFamily="18" charset="0"/>
+              </a:rPr>
+              <a:t>type</a:t>
+            </a:r>
+            <a:r>
+              <a:rPr lang="en-US" altLang="zh-TW" dirty="0" smtClean="0">
+                <a:solidFill>
+                  <a:srgbClr val="00B050"/>
+                </a:solidFill>
+                <a:latin typeface="Times New Roman" pitchFamily="18" charset="0"/>
+                <a:cs typeface="Times New Roman" pitchFamily="18" charset="0"/>
+              </a:rPr>
+              <a:t>=“button”</a:t>
+            </a:r>
+            <a:r>
+              <a:rPr lang="en-US" altLang="zh-TW" dirty="0" smtClean="0">
+                <a:solidFill>
+                  <a:srgbClr val="FF0000"/>
+                </a:solidFill>
+                <a:latin typeface="Times New Roman" pitchFamily="18" charset="0"/>
+                <a:cs typeface="Times New Roman" pitchFamily="18" charset="0"/>
+              </a:rPr>
+              <a:t>&gt;</a:t>
+            </a:r>
+            <a:r>
+              <a:rPr lang="en-US" altLang="zh-TW" dirty="0" smtClean="0">
+                <a:latin typeface="Times New Roman" pitchFamily="18" charset="0"/>
+                <a:cs typeface="Times New Roman" pitchFamily="18" charset="0"/>
+              </a:rPr>
+              <a:t>button </a:t>
+            </a:r>
+            <a:r>
+              <a:rPr lang="zh-TW" altLang="en-US" dirty="0" smtClean="0">
+                <a:latin typeface="Times New Roman" pitchFamily="18" charset="0"/>
+                <a:cs typeface="Times New Roman" pitchFamily="18" charset="0"/>
+              </a:rPr>
+              <a:t>的 </a:t>
+            </a:r>
+            <a:r>
+              <a:rPr lang="en-US" altLang="zh-TW" dirty="0" smtClean="0">
+                <a:latin typeface="Times New Roman" pitchFamily="18" charset="0"/>
+                <a:cs typeface="Times New Roman" pitchFamily="18" charset="0"/>
+              </a:rPr>
+              <a:t>button</a:t>
+            </a:r>
+            <a:r>
+              <a:rPr lang="en-US" altLang="zh-TW" dirty="0">
+                <a:solidFill>
+                  <a:srgbClr val="FF0000"/>
+                </a:solidFill>
+                <a:latin typeface="Times New Roman" pitchFamily="18" charset="0"/>
+                <a:cs typeface="Times New Roman" pitchFamily="18" charset="0"/>
+              </a:rPr>
+              <a:t>&lt;/button&gt;</a:t>
+            </a:r>
+            <a:r>
+              <a:rPr lang="en-US" altLang="zh-TW" dirty="0">
+                <a:latin typeface="Times New Roman" pitchFamily="18" charset="0"/>
+                <a:cs typeface="Times New Roman" pitchFamily="18" charset="0"/>
+              </a:rPr>
+              <a:t>&lt;</a:t>
+            </a:r>
+            <a:r>
+              <a:rPr lang="en-US" altLang="zh-TW" dirty="0" err="1">
+                <a:latin typeface="Times New Roman" pitchFamily="18" charset="0"/>
+                <a:cs typeface="Times New Roman" pitchFamily="18" charset="0"/>
+              </a:rPr>
+              <a:t>br</a:t>
+            </a:r>
+            <a:r>
+              <a:rPr lang="en-US" altLang="zh-TW" dirty="0">
+                <a:latin typeface="Times New Roman" pitchFamily="18" charset="0"/>
+                <a:cs typeface="Times New Roman" pitchFamily="18" charset="0"/>
+              </a:rPr>
+              <a:t>&gt;</a:t>
+            </a:r>
+          </a:p>
+          <a:p>
+            <a:pPr defTabSz="0"/>
+            <a:r>
+              <a:rPr lang="en-US" altLang="zh-TW" dirty="0">
+                <a:latin typeface="Times New Roman" pitchFamily="18" charset="0"/>
+                <a:cs typeface="Times New Roman" pitchFamily="18" charset="0"/>
+              </a:rPr>
+              <a:t>            &lt;button </a:t>
+            </a:r>
+            <a:r>
+              <a:rPr lang="en-US" altLang="zh-TW" dirty="0">
+                <a:solidFill>
+                  <a:srgbClr val="00B050"/>
+                </a:solidFill>
+                <a:latin typeface="Times New Roman" pitchFamily="18" charset="0"/>
+                <a:cs typeface="Times New Roman" pitchFamily="18" charset="0"/>
+              </a:rPr>
+              <a:t>type</a:t>
+            </a:r>
+            <a:r>
+              <a:rPr lang="en-US" altLang="zh-TW" dirty="0" smtClean="0">
+                <a:solidFill>
+                  <a:srgbClr val="00B050"/>
+                </a:solidFill>
+                <a:latin typeface="Times New Roman" pitchFamily="18" charset="0"/>
+                <a:cs typeface="Times New Roman" pitchFamily="18" charset="0"/>
+              </a:rPr>
+              <a:t>=“reset”</a:t>
+            </a:r>
+            <a:r>
+              <a:rPr lang="en-US" altLang="zh-TW" dirty="0" smtClean="0">
+                <a:latin typeface="Times New Roman" pitchFamily="18" charset="0"/>
+                <a:cs typeface="Times New Roman" pitchFamily="18" charset="0"/>
+              </a:rPr>
+              <a:t>&gt;button </a:t>
+            </a:r>
+            <a:r>
+              <a:rPr lang="zh-TW" altLang="en-US" dirty="0" smtClean="0">
+                <a:latin typeface="Times New Roman" pitchFamily="18" charset="0"/>
+                <a:cs typeface="Times New Roman" pitchFamily="18" charset="0"/>
+              </a:rPr>
+              <a:t>的 </a:t>
+            </a:r>
+            <a:r>
+              <a:rPr lang="en-US" altLang="zh-TW" dirty="0" smtClean="0">
+                <a:latin typeface="Times New Roman" pitchFamily="18" charset="0"/>
+                <a:cs typeface="Times New Roman" pitchFamily="18" charset="0"/>
+              </a:rPr>
+              <a:t>reset</a:t>
+            </a:r>
+            <a:r>
+              <a:rPr lang="en-US" altLang="zh-TW" dirty="0">
+                <a:latin typeface="Times New Roman" pitchFamily="18" charset="0"/>
+                <a:cs typeface="Times New Roman" pitchFamily="18" charset="0"/>
+              </a:rPr>
+              <a:t>&lt;/button&gt;&lt;</a:t>
+            </a:r>
+            <a:r>
+              <a:rPr lang="en-US" altLang="zh-TW" dirty="0" err="1">
+                <a:latin typeface="Times New Roman" pitchFamily="18" charset="0"/>
+                <a:cs typeface="Times New Roman" pitchFamily="18" charset="0"/>
+              </a:rPr>
+              <a:t>br</a:t>
+            </a:r>
+            <a:r>
+              <a:rPr lang="en-US" altLang="zh-TW" dirty="0">
+                <a:latin typeface="Times New Roman" pitchFamily="18" charset="0"/>
+                <a:cs typeface="Times New Roman" pitchFamily="18" charset="0"/>
+              </a:rPr>
+              <a:t>&gt;</a:t>
+            </a:r>
+          </a:p>
+          <a:p>
+            <a:pPr defTabSz="0"/>
+            <a:r>
+              <a:rPr lang="en-US" altLang="zh-TW" dirty="0">
+                <a:latin typeface="Times New Roman" pitchFamily="18" charset="0"/>
+                <a:cs typeface="Times New Roman" pitchFamily="18" charset="0"/>
+              </a:rPr>
+              <a:t>            &lt;button </a:t>
+            </a:r>
+            <a:r>
+              <a:rPr lang="en-US" altLang="zh-TW" dirty="0">
+                <a:solidFill>
+                  <a:srgbClr val="00B050"/>
+                </a:solidFill>
+                <a:latin typeface="Times New Roman" pitchFamily="18" charset="0"/>
+                <a:cs typeface="Times New Roman" pitchFamily="18" charset="0"/>
+              </a:rPr>
+              <a:t>type</a:t>
+            </a:r>
+            <a:r>
+              <a:rPr lang="en-US" altLang="zh-TW" dirty="0" smtClean="0">
+                <a:solidFill>
+                  <a:srgbClr val="00B050"/>
+                </a:solidFill>
+                <a:latin typeface="Times New Roman" pitchFamily="18" charset="0"/>
+                <a:cs typeface="Times New Roman" pitchFamily="18" charset="0"/>
+              </a:rPr>
+              <a:t>=“submit”</a:t>
+            </a:r>
+            <a:r>
+              <a:rPr lang="en-US" altLang="zh-TW" dirty="0" smtClean="0">
+                <a:latin typeface="Times New Roman" pitchFamily="18" charset="0"/>
+                <a:cs typeface="Times New Roman" pitchFamily="18" charset="0"/>
+              </a:rPr>
+              <a:t>&gt;button </a:t>
+            </a:r>
+            <a:r>
+              <a:rPr lang="zh-TW" altLang="en-US" dirty="0" smtClean="0">
+                <a:latin typeface="Times New Roman" pitchFamily="18" charset="0"/>
+                <a:cs typeface="Times New Roman" pitchFamily="18" charset="0"/>
+              </a:rPr>
+              <a:t>的 </a:t>
+            </a:r>
+            <a:r>
+              <a:rPr lang="en-US" altLang="zh-TW" dirty="0" smtClean="0">
+                <a:latin typeface="Times New Roman" pitchFamily="18" charset="0"/>
+                <a:cs typeface="Times New Roman" pitchFamily="18" charset="0"/>
+              </a:rPr>
+              <a:t>submit</a:t>
+            </a:r>
+            <a:r>
+              <a:rPr lang="en-US" altLang="zh-TW" dirty="0">
+                <a:latin typeface="Times New Roman" pitchFamily="18" charset="0"/>
+                <a:cs typeface="Times New Roman" pitchFamily="18" charset="0"/>
+              </a:rPr>
+              <a:t>&lt;/button&gt;</a:t>
+            </a:r>
+          </a:p>
+          <a:p>
+            <a:pPr defTabSz="0"/>
+            <a:r>
+              <a:rPr lang="en-US" altLang="zh-TW" dirty="0">
+                <a:latin typeface="Times New Roman" pitchFamily="18" charset="0"/>
+                <a:cs typeface="Times New Roman" pitchFamily="18" charset="0"/>
+              </a:rPr>
+              <a:t>        &lt;/p&gt;</a:t>
+            </a:r>
+          </a:p>
+          <a:p>
+            <a:pPr defTabSz="0"/>
+            <a:r>
+              <a:rPr lang="en-US" altLang="zh-TW" dirty="0">
+                <a:latin typeface="Times New Roman" pitchFamily="18" charset="0"/>
+                <a:cs typeface="Times New Roman" pitchFamily="18" charset="0"/>
+              </a:rPr>
+              <a:t>    &lt;/form&gt;</a:t>
+            </a:r>
+            <a:endParaRPr lang="en-US" altLang="zh-TW" dirty="0" smtClean="0">
+              <a:latin typeface="Times New Roman" pitchFamily="18" charset="0"/>
+              <a:cs typeface="Times New Roman" pitchFamily="18" charset="0"/>
+            </a:endParaRPr>
+          </a:p>
+        </p:txBody>
+      </p:sp>
+    </p:spTree>
+    <p:extLst>
+      <p:ext uri="{BB962C8B-B14F-4D97-AF65-F5344CB8AC3E}">
+        <p14:creationId xmlns:p14="http://schemas.microsoft.com/office/powerpoint/2010/main" val="601860852"/>
+      </p:ext>
+    </p:extLst>
+  </p:cSld>
+  <p:clrMapOvr>
+    <a:masterClrMapping/>
+  </p:clrMapOvr>
+  <p:timing>
+    <p:tnLst>
+      <p:par>
+        <p:cTn id="1" dur="indefinite" restart="never" nodeType="tmRoot"/>
+      </p:par>
+    </p:tnLst>
+  </p:timing>
+</p:sld>
+</file>
+
+<file path=ppt/slides/slide19.xml><?xml version="1.0" encoding="utf-8"?>
+<p:sld xmlns:a="http://schemas.openxmlformats.org/drawingml/2006/main" xmlns:r="http://schemas.openxmlformats.org/officeDocument/2006/relationships" xmlns:p="http://schemas.openxmlformats.org/presentationml/2006/main">
+  <p:cSld>
+    <p:spTree>
+      <p:nvGrpSpPr>
+        <p:cNvPr id="1" name=""/>
+        <p:cNvGrpSpPr/>
+        <p:nvPr/>
+      </p:nvGrpSpPr>
+      <p:grpSpPr>
+        <a:xfrm>
+          <a:off x="0" y="0"/>
+          <a:ext cx="0" cy="0"/>
+          <a:chOff x="0" y="0"/>
+          <a:chExt cx="0" cy="0"/>
+        </a:xfrm>
+      </p:grpSpPr>
+      <p:sp>
+        <p:nvSpPr>
+          <p:cNvPr id="4" name="文字方塊 3"/>
+          <p:cNvSpPr txBox="1"/>
+          <p:nvPr/>
+        </p:nvSpPr>
+        <p:spPr>
+          <a:xfrm>
+            <a:off x="0" y="0"/>
+            <a:ext cx="9144000" cy="836712"/>
+          </a:xfrm>
+          <a:prstGeom prst="rect">
+            <a:avLst/>
+          </a:prstGeom>
+          <a:noFill/>
+        </p:spPr>
+        <p:txBody>
+          <a:bodyPr wrap="square" rtlCol="0" anchor="ctr">
+            <a:noAutofit/>
+          </a:bodyPr>
+          <a:lstStyle/>
+          <a:p>
+            <a:pPr algn="ctr"/>
+            <a:r>
+              <a:rPr lang="en-US" altLang="zh-TW" sz="2400" dirty="0" smtClean="0">
+                <a:latin typeface="Times New Roman" pitchFamily="18" charset="0"/>
+                <a:cs typeface="Times New Roman" pitchFamily="18" charset="0"/>
+              </a:rPr>
+              <a:t>CSS</a:t>
+            </a:r>
+            <a:endParaRPr lang="zh-TW" altLang="en-US" sz="2400" dirty="0">
+              <a:latin typeface="Times New Roman" pitchFamily="18" charset="0"/>
+              <a:cs typeface="Times New Roman" pitchFamily="18" charset="0"/>
+            </a:endParaRPr>
+          </a:p>
+        </p:txBody>
+      </p:sp>
+      <p:sp>
+        <p:nvSpPr>
+          <p:cNvPr id="5" name="文字方塊 4"/>
+          <p:cNvSpPr txBox="1"/>
+          <p:nvPr/>
+        </p:nvSpPr>
+        <p:spPr>
+          <a:xfrm>
+            <a:off x="8711952" y="6573902"/>
+            <a:ext cx="432048" cy="276999"/>
+          </a:xfrm>
+          <a:prstGeom prst="rect">
+            <a:avLst/>
+          </a:prstGeom>
+          <a:noFill/>
+        </p:spPr>
+        <p:txBody>
+          <a:bodyPr wrap="square" rtlCol="0" anchor="ctr">
+            <a:spAutoFit/>
+          </a:bodyPr>
+          <a:lstStyle/>
+          <a:p>
+            <a:pPr algn="ctr"/>
+            <a:r>
+              <a:rPr lang="en-US" altLang="zh-TW" sz="1200" dirty="0" smtClean="0">
+                <a:latin typeface="Times New Roman" pitchFamily="18" charset="0"/>
+                <a:cs typeface="Times New Roman" pitchFamily="18" charset="0"/>
+              </a:rPr>
+              <a:t>19</a:t>
+            </a:r>
+            <a:endParaRPr lang="zh-TW" altLang="en-US" sz="1200" dirty="0">
+              <a:latin typeface="Times New Roman" pitchFamily="18" charset="0"/>
+              <a:cs typeface="Times New Roman" pitchFamily="18" charset="0"/>
+            </a:endParaRPr>
+          </a:p>
+        </p:txBody>
+      </p:sp>
+      <p:sp>
+        <p:nvSpPr>
+          <p:cNvPr id="38" name="文字方塊 37"/>
+          <p:cNvSpPr txBox="1"/>
+          <p:nvPr/>
+        </p:nvSpPr>
+        <p:spPr>
+          <a:xfrm>
+            <a:off x="503548" y="1124744"/>
+            <a:ext cx="8136904" cy="5328592"/>
+          </a:xfrm>
+          <a:prstGeom prst="rect">
+            <a:avLst/>
+          </a:prstGeom>
+          <a:noFill/>
+        </p:spPr>
+        <p:txBody>
+          <a:bodyPr wrap="square" rtlCol="0" anchor="t">
+            <a:noAutofit/>
+          </a:bodyPr>
+          <a:lstStyle/>
+          <a:p>
+            <a:pPr defTabSz="0"/>
+            <a:r>
+              <a:rPr lang="zh-TW" altLang="en-US" dirty="0" smtClean="0">
+                <a:latin typeface="Times New Roman" pitchFamily="18" charset="0"/>
+                <a:cs typeface="Times New Roman" pitchFamily="18" charset="0"/>
+              </a:rPr>
+              <a:t>功能</a:t>
+            </a:r>
+            <a:r>
+              <a:rPr lang="zh-TW" altLang="en-US" dirty="0" smtClean="0">
+                <a:latin typeface="Times New Roman" pitchFamily="18" charset="0"/>
+                <a:cs typeface="Times New Roman" pitchFamily="18" charset="0"/>
+              </a:rPr>
+              <a:t>：負責網頁視覺的設定</a:t>
+            </a:r>
+            <a:endParaRPr lang="en-US" altLang="zh-TW" dirty="0" smtClean="0">
+              <a:latin typeface="Times New Roman" pitchFamily="18" charset="0"/>
+              <a:cs typeface="Times New Roman" pitchFamily="18" charset="0"/>
+            </a:endParaRPr>
+          </a:p>
+          <a:p>
+            <a:pPr defTabSz="0"/>
+            <a:endParaRPr lang="en-US" altLang="zh-TW" dirty="0">
+              <a:latin typeface="Times New Roman" pitchFamily="18" charset="0"/>
+              <a:cs typeface="Times New Roman" pitchFamily="18" charset="0"/>
+            </a:endParaRPr>
+          </a:p>
+          <a:p>
+            <a:pPr defTabSz="0"/>
+            <a:r>
+              <a:rPr lang="en-US" altLang="zh-TW" dirty="0" smtClean="0">
+                <a:latin typeface="Times New Roman" pitchFamily="18" charset="0"/>
+                <a:cs typeface="Times New Roman" pitchFamily="18" charset="0"/>
+              </a:rPr>
+              <a:t>Syntax</a:t>
+            </a:r>
+            <a:r>
+              <a:rPr lang="zh-TW" altLang="en-US" dirty="0" smtClean="0">
+                <a:latin typeface="Times New Roman" pitchFamily="18" charset="0"/>
+                <a:cs typeface="Times New Roman" pitchFamily="18" charset="0"/>
+              </a:rPr>
+              <a:t>：</a:t>
+            </a:r>
+            <a:endParaRPr lang="en-US" altLang="zh-TW" dirty="0" smtClean="0">
+              <a:latin typeface="Times New Roman" pitchFamily="18" charset="0"/>
+              <a:cs typeface="Times New Roman" pitchFamily="18" charset="0"/>
+            </a:endParaRPr>
+          </a:p>
+          <a:p>
+            <a:pPr defTabSz="0"/>
+            <a:endParaRPr lang="en-US" altLang="zh-TW" dirty="0" smtClean="0">
+              <a:latin typeface="Times New Roman" pitchFamily="18" charset="0"/>
+              <a:cs typeface="Times New Roman" pitchFamily="18" charset="0"/>
+            </a:endParaRPr>
+          </a:p>
+          <a:p>
+            <a:pPr algn="ctr" defTabSz="0"/>
+            <a:r>
+              <a:rPr lang="en-US" altLang="zh-TW" sz="2800" dirty="0" smtClean="0">
+                <a:latin typeface="Times New Roman" pitchFamily="18" charset="0"/>
+                <a:cs typeface="Times New Roman" pitchFamily="18" charset="0"/>
+              </a:rPr>
+              <a:t>p </a:t>
+            </a:r>
+            <a:r>
+              <a:rPr lang="en-US" altLang="zh-TW" sz="2800" dirty="0">
+                <a:latin typeface="Times New Roman" pitchFamily="18" charset="0"/>
+                <a:cs typeface="Times New Roman" pitchFamily="18" charset="0"/>
+              </a:rPr>
+              <a:t>{ width: 100px; </a:t>
+            </a:r>
+            <a:r>
+              <a:rPr lang="en-US" altLang="zh-TW" sz="2800" dirty="0" smtClean="0">
+                <a:latin typeface="Times New Roman" pitchFamily="18" charset="0"/>
+                <a:cs typeface="Times New Roman" pitchFamily="18" charset="0"/>
+              </a:rPr>
+              <a:t>}</a:t>
+            </a:r>
+          </a:p>
+          <a:p>
+            <a:pPr defTabSz="0"/>
+            <a:endParaRPr lang="en-US" altLang="zh-TW" dirty="0" smtClean="0">
+              <a:latin typeface="Times New Roman" pitchFamily="18" charset="0"/>
+              <a:cs typeface="Times New Roman" pitchFamily="18" charset="0"/>
+            </a:endParaRPr>
+          </a:p>
+          <a:p>
+            <a:pPr defTabSz="0"/>
+            <a:endParaRPr lang="en-US" altLang="zh-TW" dirty="0">
+              <a:latin typeface="Times New Roman" pitchFamily="18" charset="0"/>
+              <a:cs typeface="Times New Roman" pitchFamily="18" charset="0"/>
+            </a:endParaRPr>
+          </a:p>
+          <a:p>
+            <a:pPr defTabSz="0"/>
+            <a:endParaRPr lang="en-US" altLang="zh-TW" dirty="0" smtClean="0">
+              <a:latin typeface="Times New Roman" pitchFamily="18" charset="0"/>
+              <a:cs typeface="Times New Roman" pitchFamily="18" charset="0"/>
+            </a:endParaRPr>
+          </a:p>
+          <a:p>
+            <a:pPr defTabSz="0"/>
+            <a:endParaRPr lang="en-US" altLang="zh-TW" dirty="0">
+              <a:latin typeface="Times New Roman" pitchFamily="18" charset="0"/>
+              <a:cs typeface="Times New Roman" pitchFamily="18" charset="0"/>
+            </a:endParaRPr>
+          </a:p>
+          <a:p>
+            <a:pPr defTabSz="0"/>
+            <a:endParaRPr lang="en-US" altLang="zh-TW" dirty="0" smtClean="0">
+              <a:latin typeface="Times New Roman" pitchFamily="18" charset="0"/>
+              <a:cs typeface="Times New Roman" pitchFamily="18" charset="0"/>
+            </a:endParaRPr>
+          </a:p>
+          <a:p>
+            <a:pPr defTabSz="0"/>
+            <a:r>
+              <a:rPr lang="en-US" altLang="zh-TW" dirty="0" smtClean="0">
+                <a:latin typeface="Times New Roman" pitchFamily="18" charset="0"/>
+                <a:cs typeface="Times New Roman" pitchFamily="18" charset="0"/>
+              </a:rPr>
+              <a:t>HTML</a:t>
+            </a:r>
+            <a:r>
+              <a:rPr lang="zh-TW" altLang="en-US" dirty="0" smtClean="0">
+                <a:latin typeface="Times New Roman" pitchFamily="18" charset="0"/>
+                <a:cs typeface="Times New Roman" pitchFamily="18" charset="0"/>
+              </a:rPr>
+              <a:t> </a:t>
+            </a:r>
+            <a:r>
+              <a:rPr lang="en-US" altLang="zh-TW" dirty="0" smtClean="0">
+                <a:latin typeface="Times New Roman" pitchFamily="18" charset="0"/>
+                <a:cs typeface="Times New Roman" pitchFamily="18" charset="0"/>
+              </a:rPr>
+              <a:t>Style Element</a:t>
+            </a:r>
+            <a:r>
+              <a:rPr lang="zh-TW" altLang="en-US" dirty="0" smtClean="0">
+                <a:latin typeface="Times New Roman" pitchFamily="18" charset="0"/>
+                <a:cs typeface="Times New Roman" pitchFamily="18" charset="0"/>
+              </a:rPr>
+              <a:t>：</a:t>
+            </a:r>
+            <a:endParaRPr lang="en-US" altLang="zh-TW" dirty="0">
+              <a:latin typeface="Times New Roman" pitchFamily="18" charset="0"/>
+              <a:cs typeface="Times New Roman" pitchFamily="18" charset="0"/>
+            </a:endParaRPr>
+          </a:p>
+          <a:p>
+            <a:pPr defTabSz="0"/>
+            <a:r>
+              <a:rPr lang="en-US" altLang="zh-TW" dirty="0">
+                <a:latin typeface="Times New Roman" pitchFamily="18" charset="0"/>
+                <a:cs typeface="Times New Roman" pitchFamily="18" charset="0"/>
+              </a:rPr>
+              <a:t>    </a:t>
+            </a:r>
+            <a:r>
+              <a:rPr lang="en-US" altLang="zh-TW" dirty="0">
+                <a:solidFill>
+                  <a:srgbClr val="FF0000"/>
+                </a:solidFill>
+                <a:latin typeface="Times New Roman" pitchFamily="18" charset="0"/>
+                <a:cs typeface="Times New Roman" pitchFamily="18" charset="0"/>
+              </a:rPr>
+              <a:t>&lt;style&gt;</a:t>
+            </a:r>
+          </a:p>
+          <a:p>
+            <a:pPr defTabSz="0"/>
+            <a:r>
+              <a:rPr lang="en-US" altLang="zh-TW" dirty="0">
+                <a:latin typeface="Times New Roman" pitchFamily="18" charset="0"/>
+                <a:cs typeface="Times New Roman" pitchFamily="18" charset="0"/>
+              </a:rPr>
+              <a:t>        </a:t>
+            </a:r>
+            <a:r>
+              <a:rPr lang="en-US" altLang="zh-TW" dirty="0" smtClean="0">
+                <a:latin typeface="Times New Roman" pitchFamily="18" charset="0"/>
+                <a:cs typeface="Times New Roman" pitchFamily="18" charset="0"/>
+              </a:rPr>
+              <a:t>p </a:t>
+            </a:r>
+            <a:r>
+              <a:rPr lang="en-US" altLang="zh-TW" dirty="0">
+                <a:latin typeface="Times New Roman" pitchFamily="18" charset="0"/>
+                <a:cs typeface="Times New Roman" pitchFamily="18" charset="0"/>
+              </a:rPr>
+              <a:t>{ width: 100px; }</a:t>
+            </a:r>
+          </a:p>
+          <a:p>
+            <a:pPr defTabSz="0"/>
+            <a:r>
+              <a:rPr lang="en-US" altLang="zh-TW" dirty="0">
+                <a:latin typeface="Times New Roman" pitchFamily="18" charset="0"/>
+                <a:cs typeface="Times New Roman" pitchFamily="18" charset="0"/>
+              </a:rPr>
+              <a:t>        </a:t>
+            </a:r>
+            <a:r>
+              <a:rPr lang="en-US" altLang="zh-TW" dirty="0" smtClean="0">
+                <a:latin typeface="Times New Roman" pitchFamily="18" charset="0"/>
+                <a:cs typeface="Times New Roman" pitchFamily="18" charset="0"/>
+              </a:rPr>
+              <a:t>div </a:t>
+            </a:r>
+            <a:r>
+              <a:rPr lang="en-US" altLang="zh-TW" dirty="0">
+                <a:latin typeface="Times New Roman" pitchFamily="18" charset="0"/>
+                <a:cs typeface="Times New Roman" pitchFamily="18" charset="0"/>
+              </a:rPr>
+              <a:t>{</a:t>
+            </a:r>
+          </a:p>
+          <a:p>
+            <a:pPr defTabSz="0"/>
+            <a:r>
+              <a:rPr lang="en-US" altLang="zh-TW" dirty="0">
+                <a:latin typeface="Times New Roman" pitchFamily="18" charset="0"/>
+                <a:cs typeface="Times New Roman" pitchFamily="18" charset="0"/>
+              </a:rPr>
+              <a:t>            width: 150px;</a:t>
+            </a:r>
+          </a:p>
+          <a:p>
+            <a:pPr defTabSz="0"/>
+            <a:r>
+              <a:rPr lang="en-US" altLang="zh-TW" dirty="0">
+                <a:latin typeface="Times New Roman" pitchFamily="18" charset="0"/>
+                <a:cs typeface="Times New Roman" pitchFamily="18" charset="0"/>
+              </a:rPr>
+              <a:t>            height: 150px;</a:t>
+            </a:r>
+          </a:p>
+          <a:p>
+            <a:pPr defTabSz="0"/>
+            <a:r>
+              <a:rPr lang="en-US" altLang="zh-TW" dirty="0">
+                <a:latin typeface="Times New Roman" pitchFamily="18" charset="0"/>
+                <a:cs typeface="Times New Roman" pitchFamily="18" charset="0"/>
+              </a:rPr>
+              <a:t>        }</a:t>
+            </a:r>
+          </a:p>
+          <a:p>
+            <a:pPr defTabSz="0"/>
+            <a:r>
+              <a:rPr lang="en-US" altLang="zh-TW" dirty="0">
+                <a:latin typeface="Times New Roman" pitchFamily="18" charset="0"/>
+                <a:cs typeface="Times New Roman" pitchFamily="18" charset="0"/>
+              </a:rPr>
+              <a:t>    </a:t>
+            </a:r>
+            <a:r>
+              <a:rPr lang="en-US" altLang="zh-TW" dirty="0">
+                <a:solidFill>
+                  <a:srgbClr val="FF0000"/>
+                </a:solidFill>
+                <a:latin typeface="Times New Roman" pitchFamily="18" charset="0"/>
+                <a:cs typeface="Times New Roman" pitchFamily="18" charset="0"/>
+              </a:rPr>
+              <a:t>&lt;/style&gt;</a:t>
+            </a:r>
+            <a:endParaRPr lang="en-US" altLang="zh-TW" dirty="0">
+              <a:solidFill>
+                <a:srgbClr val="FF0000"/>
+              </a:solidFill>
+              <a:latin typeface="Times New Roman" pitchFamily="18" charset="0"/>
+              <a:cs typeface="Times New Roman" pitchFamily="18" charset="0"/>
+            </a:endParaRPr>
+          </a:p>
+        </p:txBody>
+      </p:sp>
+      <p:sp>
+        <p:nvSpPr>
+          <p:cNvPr id="6" name="矩形 5"/>
+          <p:cNvSpPr/>
+          <p:nvPr/>
+        </p:nvSpPr>
+        <p:spPr>
+          <a:xfrm flipH="1">
+            <a:off x="3131839" y="2276873"/>
+            <a:ext cx="288033" cy="432048"/>
+          </a:xfrm>
+          <a:prstGeom prst="rect">
+            <a:avLst/>
+          </a:prstGeom>
+          <a:noFill/>
+          <a:ln w="19050">
+            <a:solidFill>
+              <a:srgbClr val="FF0000"/>
+            </a:solidFill>
+          </a:ln>
+        </p:spPr>
+        <p:style>
+          <a:lnRef idx="2">
+            <a:schemeClr val="accent1">
+              <a:shade val="50000"/>
+            </a:schemeClr>
+          </a:lnRef>
+          <a:fillRef idx="1">
+            <a:schemeClr val="accent1"/>
+          </a:fillRef>
+          <a:effectRef idx="0">
+            <a:schemeClr val="accent1"/>
+          </a:effectRef>
+          <a:fontRef idx="minor">
+            <a:schemeClr val="lt1"/>
+          </a:fontRef>
+        </p:style>
+        <p:txBody>
+          <a:bodyPr rtlCol="0" anchor="ctr"/>
+          <a:lstStyle/>
+          <a:p>
+            <a:pPr algn="ctr"/>
+            <a:endParaRPr lang="zh-TW" altLang="en-US"/>
+          </a:p>
+        </p:txBody>
+      </p:sp>
+      <p:sp>
+        <p:nvSpPr>
+          <p:cNvPr id="2" name="文字方塊 1"/>
+          <p:cNvSpPr txBox="1"/>
+          <p:nvPr/>
+        </p:nvSpPr>
+        <p:spPr>
+          <a:xfrm>
+            <a:off x="1835696" y="3429000"/>
+            <a:ext cx="1080120" cy="369332"/>
+          </a:xfrm>
+          <a:prstGeom prst="rect">
+            <a:avLst/>
+          </a:prstGeom>
+          <a:noFill/>
+        </p:spPr>
+        <p:txBody>
+          <a:bodyPr wrap="square" rtlCol="0">
+            <a:spAutoFit/>
+          </a:bodyPr>
+          <a:lstStyle/>
+          <a:p>
+            <a:pPr algn="ctr"/>
+            <a:r>
+              <a:rPr lang="en-US" altLang="zh-TW" dirty="0">
+                <a:solidFill>
+                  <a:srgbClr val="FF0000"/>
+                </a:solidFill>
+                <a:latin typeface="Times New Roman" pitchFamily="18" charset="0"/>
+                <a:cs typeface="Times New Roman" pitchFamily="18" charset="0"/>
+              </a:rPr>
+              <a:t>Selector</a:t>
+            </a:r>
+            <a:endParaRPr lang="zh-TW" altLang="en-US" dirty="0">
+              <a:solidFill>
+                <a:srgbClr val="FF0000"/>
+              </a:solidFill>
+              <a:latin typeface="Times New Roman" pitchFamily="18" charset="0"/>
+              <a:cs typeface="Times New Roman" pitchFamily="18" charset="0"/>
+            </a:endParaRPr>
+          </a:p>
+        </p:txBody>
+      </p:sp>
+      <p:cxnSp>
+        <p:nvCxnSpPr>
+          <p:cNvPr id="7" name="直線單箭頭接點 6"/>
+          <p:cNvCxnSpPr/>
+          <p:nvPr/>
+        </p:nvCxnSpPr>
+        <p:spPr>
+          <a:xfrm flipH="1">
+            <a:off x="2555776" y="2708921"/>
+            <a:ext cx="576064" cy="720079"/>
+          </a:xfrm>
+          <a:prstGeom prst="straightConnector1">
+            <a:avLst/>
+          </a:prstGeom>
+          <a:ln w="19050">
+            <a:solidFill>
+              <a:srgbClr val="FF0000"/>
+            </a:solidFill>
+            <a:tailEnd type="arrow"/>
+          </a:ln>
+        </p:spPr>
+        <p:style>
+          <a:lnRef idx="1">
+            <a:schemeClr val="accent1"/>
+          </a:lnRef>
+          <a:fillRef idx="0">
+            <a:schemeClr val="accent1"/>
+          </a:fillRef>
+          <a:effectRef idx="0">
+            <a:schemeClr val="accent1"/>
+          </a:effectRef>
+          <a:fontRef idx="minor">
+            <a:schemeClr val="tx1"/>
+          </a:fontRef>
+        </p:style>
+      </p:cxnSp>
+      <p:sp>
+        <p:nvSpPr>
+          <p:cNvPr id="9" name="矩形 8"/>
+          <p:cNvSpPr/>
+          <p:nvPr/>
+        </p:nvSpPr>
+        <p:spPr>
+          <a:xfrm flipH="1">
+            <a:off x="3491880" y="2276872"/>
+            <a:ext cx="2412269" cy="432049"/>
+          </a:xfrm>
+          <a:prstGeom prst="rect">
+            <a:avLst/>
+          </a:prstGeom>
+          <a:noFill/>
+          <a:ln w="19050">
+            <a:solidFill>
+              <a:srgbClr val="00B050"/>
+            </a:solidFill>
+          </a:ln>
+        </p:spPr>
+        <p:style>
+          <a:lnRef idx="2">
+            <a:schemeClr val="accent1">
+              <a:shade val="50000"/>
+            </a:schemeClr>
+          </a:lnRef>
+          <a:fillRef idx="1">
+            <a:schemeClr val="accent1"/>
+          </a:fillRef>
+          <a:effectRef idx="0">
+            <a:schemeClr val="accent1"/>
+          </a:effectRef>
+          <a:fontRef idx="minor">
+            <a:schemeClr val="lt1"/>
+          </a:fontRef>
+        </p:style>
+        <p:txBody>
+          <a:bodyPr rtlCol="0" anchor="ctr"/>
+          <a:lstStyle/>
+          <a:p>
+            <a:pPr algn="ctr"/>
+            <a:endParaRPr lang="zh-TW" altLang="en-US"/>
+          </a:p>
+        </p:txBody>
+      </p:sp>
+      <p:cxnSp>
+        <p:nvCxnSpPr>
+          <p:cNvPr id="10" name="直線單箭頭接點 9"/>
+          <p:cNvCxnSpPr/>
+          <p:nvPr/>
+        </p:nvCxnSpPr>
+        <p:spPr>
+          <a:xfrm>
+            <a:off x="3797914" y="2708920"/>
+            <a:ext cx="0" cy="720080"/>
+          </a:xfrm>
+          <a:prstGeom prst="straightConnector1">
+            <a:avLst/>
+          </a:prstGeom>
+          <a:ln w="19050">
+            <a:solidFill>
+              <a:srgbClr val="00B050"/>
+            </a:solidFill>
+            <a:tailEnd type="arrow"/>
+          </a:ln>
+        </p:spPr>
+        <p:style>
+          <a:lnRef idx="1">
+            <a:schemeClr val="accent1"/>
+          </a:lnRef>
+          <a:fillRef idx="0">
+            <a:schemeClr val="accent1"/>
+          </a:fillRef>
+          <a:effectRef idx="0">
+            <a:schemeClr val="accent1"/>
+          </a:effectRef>
+          <a:fontRef idx="minor">
+            <a:schemeClr val="tx1"/>
+          </a:fontRef>
+        </p:style>
+      </p:cxnSp>
+      <p:sp>
+        <p:nvSpPr>
+          <p:cNvPr id="12" name="文字方塊 11"/>
+          <p:cNvSpPr txBox="1"/>
+          <p:nvPr/>
+        </p:nvSpPr>
+        <p:spPr>
+          <a:xfrm>
+            <a:off x="3167844" y="3429000"/>
+            <a:ext cx="1260140" cy="369332"/>
+          </a:xfrm>
+          <a:prstGeom prst="rect">
+            <a:avLst/>
+          </a:prstGeom>
+          <a:noFill/>
+        </p:spPr>
+        <p:txBody>
+          <a:bodyPr wrap="square" rtlCol="0">
+            <a:spAutoFit/>
+          </a:bodyPr>
+          <a:lstStyle/>
+          <a:p>
+            <a:pPr algn="ctr"/>
+            <a:r>
+              <a:rPr lang="en-US" altLang="zh-TW" dirty="0">
+                <a:solidFill>
+                  <a:srgbClr val="00B050"/>
+                </a:solidFill>
+                <a:latin typeface="Times New Roman" pitchFamily="18" charset="0"/>
+                <a:cs typeface="Times New Roman" pitchFamily="18" charset="0"/>
+              </a:rPr>
+              <a:t>Declaration</a:t>
+            </a:r>
+            <a:endParaRPr lang="zh-TW" altLang="en-US" dirty="0">
+              <a:solidFill>
+                <a:srgbClr val="00B050"/>
+              </a:solidFill>
+              <a:latin typeface="Times New Roman" pitchFamily="18" charset="0"/>
+              <a:cs typeface="Times New Roman" pitchFamily="18" charset="0"/>
+            </a:endParaRPr>
+          </a:p>
+        </p:txBody>
+      </p:sp>
+      <p:sp>
+        <p:nvSpPr>
+          <p:cNvPr id="13" name="矩形 12"/>
+          <p:cNvSpPr/>
+          <p:nvPr/>
+        </p:nvSpPr>
+        <p:spPr>
+          <a:xfrm flipH="1">
+            <a:off x="3707904" y="2348880"/>
+            <a:ext cx="839454" cy="288032"/>
+          </a:xfrm>
+          <a:prstGeom prst="rect">
+            <a:avLst/>
+          </a:prstGeom>
+          <a:noFill/>
+          <a:ln w="19050">
+            <a:solidFill>
+              <a:srgbClr val="00B0F0"/>
+            </a:solidFill>
+          </a:ln>
+        </p:spPr>
+        <p:style>
+          <a:lnRef idx="2">
+            <a:schemeClr val="accent1">
+              <a:shade val="50000"/>
+            </a:schemeClr>
+          </a:lnRef>
+          <a:fillRef idx="1">
+            <a:schemeClr val="accent1"/>
+          </a:fillRef>
+          <a:effectRef idx="0">
+            <a:schemeClr val="accent1"/>
+          </a:effectRef>
+          <a:fontRef idx="minor">
+            <a:schemeClr val="lt1"/>
+          </a:fontRef>
+        </p:style>
+        <p:txBody>
+          <a:bodyPr rtlCol="0" anchor="ctr"/>
+          <a:lstStyle/>
+          <a:p>
+            <a:pPr algn="ctr"/>
+            <a:endParaRPr lang="zh-TW" altLang="en-US"/>
+          </a:p>
+        </p:txBody>
+      </p:sp>
+      <p:cxnSp>
+        <p:nvCxnSpPr>
+          <p:cNvPr id="14" name="直線單箭頭接點 13"/>
+          <p:cNvCxnSpPr/>
+          <p:nvPr/>
+        </p:nvCxnSpPr>
+        <p:spPr>
+          <a:xfrm>
+            <a:off x="4247962" y="2636912"/>
+            <a:ext cx="900102" cy="792088"/>
+          </a:xfrm>
+          <a:prstGeom prst="straightConnector1">
+            <a:avLst/>
+          </a:prstGeom>
+          <a:ln w="19050">
+            <a:solidFill>
+              <a:srgbClr val="00B0F0"/>
+            </a:solidFill>
+            <a:tailEnd type="arrow"/>
+          </a:ln>
+        </p:spPr>
+        <p:style>
+          <a:lnRef idx="1">
+            <a:schemeClr val="accent1"/>
+          </a:lnRef>
+          <a:fillRef idx="0">
+            <a:schemeClr val="accent1"/>
+          </a:fillRef>
+          <a:effectRef idx="0">
+            <a:schemeClr val="accent1"/>
+          </a:effectRef>
+          <a:fontRef idx="minor">
+            <a:schemeClr val="tx1"/>
+          </a:fontRef>
+        </p:style>
+      </p:cxnSp>
+      <p:sp>
+        <p:nvSpPr>
+          <p:cNvPr id="18" name="文字方塊 17"/>
+          <p:cNvSpPr txBox="1"/>
+          <p:nvPr/>
+        </p:nvSpPr>
+        <p:spPr>
+          <a:xfrm>
+            <a:off x="4547358" y="3429000"/>
+            <a:ext cx="1260140" cy="369332"/>
+          </a:xfrm>
+          <a:prstGeom prst="rect">
+            <a:avLst/>
+          </a:prstGeom>
+          <a:noFill/>
+        </p:spPr>
+        <p:txBody>
+          <a:bodyPr wrap="square" rtlCol="0">
+            <a:spAutoFit/>
+          </a:bodyPr>
+          <a:lstStyle/>
+          <a:p>
+            <a:pPr algn="ctr"/>
+            <a:r>
+              <a:rPr lang="en-US" altLang="zh-TW" dirty="0">
+                <a:solidFill>
+                  <a:srgbClr val="00B0F0"/>
+                </a:solidFill>
+                <a:latin typeface="Times New Roman" pitchFamily="18" charset="0"/>
+                <a:cs typeface="Times New Roman" pitchFamily="18" charset="0"/>
+              </a:rPr>
+              <a:t>Property</a:t>
+            </a:r>
+            <a:endParaRPr lang="zh-TW" altLang="en-US" dirty="0">
+              <a:solidFill>
+                <a:srgbClr val="00B0F0"/>
+              </a:solidFill>
+              <a:latin typeface="Times New Roman" pitchFamily="18" charset="0"/>
+              <a:cs typeface="Times New Roman" pitchFamily="18" charset="0"/>
+            </a:endParaRPr>
+          </a:p>
+        </p:txBody>
+      </p:sp>
+      <p:sp>
+        <p:nvSpPr>
+          <p:cNvPr id="19" name="矩形 18"/>
+          <p:cNvSpPr/>
+          <p:nvPr/>
+        </p:nvSpPr>
+        <p:spPr>
+          <a:xfrm flipH="1">
+            <a:off x="4698013" y="2348880"/>
+            <a:ext cx="936103" cy="288032"/>
+          </a:xfrm>
+          <a:prstGeom prst="rect">
+            <a:avLst/>
+          </a:prstGeom>
+          <a:noFill/>
+          <a:ln w="19050">
+            <a:solidFill>
+              <a:srgbClr val="7030A0"/>
+            </a:solidFill>
+          </a:ln>
+        </p:spPr>
+        <p:style>
+          <a:lnRef idx="2">
+            <a:schemeClr val="accent1">
+              <a:shade val="50000"/>
+            </a:schemeClr>
+          </a:lnRef>
+          <a:fillRef idx="1">
+            <a:schemeClr val="accent1"/>
+          </a:fillRef>
+          <a:effectRef idx="0">
+            <a:schemeClr val="accent1"/>
+          </a:effectRef>
+          <a:fontRef idx="minor">
+            <a:schemeClr val="lt1"/>
+          </a:fontRef>
+        </p:style>
+        <p:txBody>
+          <a:bodyPr rtlCol="0" anchor="ctr"/>
+          <a:lstStyle/>
+          <a:p>
+            <a:pPr algn="ctr"/>
+            <a:endParaRPr lang="zh-TW" altLang="en-US"/>
+          </a:p>
+        </p:txBody>
+      </p:sp>
+      <p:cxnSp>
+        <p:nvCxnSpPr>
+          <p:cNvPr id="20" name="直線單箭頭接點 19"/>
+          <p:cNvCxnSpPr/>
+          <p:nvPr/>
+        </p:nvCxnSpPr>
+        <p:spPr>
+          <a:xfrm>
+            <a:off x="5364088" y="2636912"/>
+            <a:ext cx="1170131" cy="792088"/>
+          </a:xfrm>
+          <a:prstGeom prst="straightConnector1">
+            <a:avLst/>
+          </a:prstGeom>
+          <a:ln w="19050">
+            <a:solidFill>
+              <a:srgbClr val="7030A0"/>
+            </a:solidFill>
+            <a:tailEnd type="arrow"/>
+          </a:ln>
+        </p:spPr>
+        <p:style>
+          <a:lnRef idx="1">
+            <a:schemeClr val="accent1"/>
+          </a:lnRef>
+          <a:fillRef idx="0">
+            <a:schemeClr val="accent1"/>
+          </a:fillRef>
+          <a:effectRef idx="0">
+            <a:schemeClr val="accent1"/>
+          </a:effectRef>
+          <a:fontRef idx="minor">
+            <a:schemeClr val="tx1"/>
+          </a:fontRef>
+        </p:style>
+      </p:cxnSp>
+      <p:sp>
+        <p:nvSpPr>
+          <p:cNvPr id="21" name="文字方塊 20"/>
+          <p:cNvSpPr txBox="1"/>
+          <p:nvPr/>
+        </p:nvSpPr>
+        <p:spPr>
+          <a:xfrm>
+            <a:off x="5904149" y="3429000"/>
+            <a:ext cx="1260140" cy="369332"/>
+          </a:xfrm>
+          <a:prstGeom prst="rect">
+            <a:avLst/>
+          </a:prstGeom>
+          <a:noFill/>
+        </p:spPr>
+        <p:txBody>
+          <a:bodyPr wrap="square" rtlCol="0">
+            <a:spAutoFit/>
+          </a:bodyPr>
+          <a:lstStyle/>
+          <a:p>
+            <a:pPr algn="ctr"/>
+            <a:r>
+              <a:rPr lang="en-US" altLang="zh-TW" dirty="0" smtClean="0">
+                <a:solidFill>
+                  <a:srgbClr val="7030A0"/>
+                </a:solidFill>
+                <a:latin typeface="Times New Roman" pitchFamily="18" charset="0"/>
+                <a:cs typeface="Times New Roman" pitchFamily="18" charset="0"/>
+              </a:rPr>
+              <a:t>Value</a:t>
+            </a:r>
+            <a:endParaRPr lang="zh-TW" altLang="en-US" dirty="0">
+              <a:solidFill>
+                <a:srgbClr val="7030A0"/>
+              </a:solidFill>
+              <a:latin typeface="Times New Roman" pitchFamily="18" charset="0"/>
+              <a:cs typeface="Times New Roman" pitchFamily="18" charset="0"/>
+            </a:endParaRPr>
+          </a:p>
+        </p:txBody>
+      </p:sp>
+    </p:spTree>
+    <p:extLst>
+      <p:ext uri="{BB962C8B-B14F-4D97-AF65-F5344CB8AC3E}">
+        <p14:creationId xmlns:p14="http://schemas.microsoft.com/office/powerpoint/2010/main" val="2580269425"/>
       </p:ext>
     </p:extLst>
   </p:cSld>
@@ -7209,14 +10351,7 @@
                 <a:latin typeface="Times New Roman" pitchFamily="18" charset="0"/>
                 <a:cs typeface="Times New Roman" pitchFamily="18" charset="0"/>
               </a:rPr>
-              <a:t>只簡單教觀念</a:t>
-            </a:r>
-            <a:r>
-              <a:rPr lang="zh-TW" altLang="en-US" sz="1200" dirty="0" smtClean="0">
-                <a:latin typeface="Times New Roman" pitchFamily="18" charset="0"/>
-                <a:cs typeface="Times New Roman" pitchFamily="18" charset="0"/>
-              </a:rPr>
-              <a:t>，</a:t>
+              <a:t>只簡單教觀念，</a:t>
             </a:r>
             <a:r>
               <a:rPr lang="zh-TW" altLang="en-US" sz="1200" dirty="0">
@@ -7314,35 +10449,21 @@
                 <a:latin typeface="Times New Roman" pitchFamily="18" charset="0"/>
                 <a:cs typeface="Times New Roman" pitchFamily="18" charset="0"/>
               </a:rPr>
-              <a:t>是實作，臨摹</a:t>
-            </a:r>
-            <a:r>
-              <a:rPr lang="en-US" altLang="zh-TW" sz="1200" dirty="0">
-                <a:latin typeface="Times New Roman" pitchFamily="18" charset="0"/>
-                <a:cs typeface="Times New Roman" pitchFamily="18" charset="0"/>
-              </a:rPr>
-              <a:t>(</a:t>
+              <a:t>是實作，</a:t>
+            </a:r>
+            <a:r>
+              <a:rPr lang="zh-TW" altLang="en-US" sz="1200" dirty="0" smtClean="0">
+                <a:latin typeface="Times New Roman" pitchFamily="18" charset="0"/>
+                <a:cs typeface="Times New Roman" pitchFamily="18" charset="0"/>
+              </a:rPr>
+              <a:t>臨摹沒關係</a:t>
             </a:r>
             <a:r>
               <a:rPr lang="zh-TW" altLang="en-US" sz="1200" dirty="0">
                 <a:latin typeface="Times New Roman" pitchFamily="18" charset="0"/>
                 <a:cs typeface="Times New Roman" pitchFamily="18" charset="0"/>
               </a:rPr>
-              <a:t>抄</a:t>
-            </a:r>
-            <a:r>
-              <a:rPr lang="en-US" altLang="zh-TW" sz="1200" dirty="0">
-                <a:latin typeface="Times New Roman" pitchFamily="18" charset="0"/>
-                <a:cs typeface="Times New Roman" pitchFamily="18" charset="0"/>
-              </a:rPr>
-              <a:t>)</a:t>
-            </a:r>
-            <a:r>
-              <a:rPr lang="zh-TW" altLang="en-US" sz="1200" dirty="0">
-                <a:latin typeface="Times New Roman" pitchFamily="18" charset="0"/>
-                <a:cs typeface="Times New Roman" pitchFamily="18" charset="0"/>
-              </a:rPr>
-              <a:t>沒關係，重點是</a:t>
+              <a:t>，重點是</a:t>
             </a:r>
             <a:r>
               <a:rPr lang="zh-TW" altLang="en-US" sz="1200" dirty="0" smtClean="0">
@@ -7376,6 +10497,423 @@
     <p:extLst>
       <p:ext uri="{BB962C8B-B14F-4D97-AF65-F5344CB8AC3E}">
         <p14:creationId xmlns:p14="http://schemas.microsoft.com/office/powerpoint/2010/main" val="3078051740"/>
+      </p:ext>
+    </p:extLst>
+  </p:cSld>
+  <p:clrMapOvr>
+    <a:masterClrMapping/>
+  </p:clrMapOvr>
+  <p:timing>
+    <p:tnLst>
+      <p:par>
+        <p:cTn id="1" dur="indefinite" restart="never" nodeType="tmRoot"/>
+      </p:par>
+    </p:tnLst>
+  </p:timing>
+</p:sld>
+</file>
+
+<file path=ppt/slides/slide20.xml><?xml version="1.0" encoding="utf-8"?>
+<p:sld xmlns:a="http://schemas.openxmlformats.org/drawingml/2006/main" xmlns:r="http://schemas.openxmlformats.org/officeDocument/2006/relationships" xmlns:p="http://schemas.openxmlformats.org/presentationml/2006/main">
+  <p:cSld>
+    <p:spTree>
+      <p:nvGrpSpPr>
+        <p:cNvPr id="1" name=""/>
+        <p:cNvGrpSpPr/>
+        <p:nvPr/>
+      </p:nvGrpSpPr>
+      <p:grpSpPr>
+        <a:xfrm>
+          <a:off x="0" y="0"/>
+          <a:ext cx="0" cy="0"/>
+          <a:chOff x="0" y="0"/>
+          <a:chExt cx="0" cy="0"/>
+        </a:xfrm>
+      </p:grpSpPr>
+      <p:sp>
+        <p:nvSpPr>
+          <p:cNvPr id="4" name="文字方塊 3"/>
+          <p:cNvSpPr txBox="1"/>
+          <p:nvPr/>
+        </p:nvSpPr>
+        <p:spPr>
+          <a:xfrm>
+            <a:off x="0" y="0"/>
+            <a:ext cx="9144000" cy="836712"/>
+          </a:xfrm>
+          <a:prstGeom prst="rect">
+            <a:avLst/>
+          </a:prstGeom>
+          <a:noFill/>
+        </p:spPr>
+        <p:txBody>
+          <a:bodyPr wrap="square" rtlCol="0" anchor="ctr">
+            <a:noAutofit/>
+          </a:bodyPr>
+          <a:lstStyle/>
+          <a:p>
+            <a:pPr algn="ctr"/>
+            <a:r>
+              <a:rPr lang="en-US" altLang="zh-TW" sz="2400" dirty="0" smtClean="0">
+                <a:latin typeface="Times New Roman" pitchFamily="18" charset="0"/>
+                <a:cs typeface="Times New Roman" pitchFamily="18" charset="0"/>
+              </a:rPr>
+              <a:t>CSS</a:t>
+            </a:r>
+            <a:endParaRPr lang="zh-TW" altLang="en-US" sz="2400" dirty="0">
+              <a:latin typeface="Times New Roman" pitchFamily="18" charset="0"/>
+              <a:cs typeface="Times New Roman" pitchFamily="18" charset="0"/>
+            </a:endParaRPr>
+          </a:p>
+        </p:txBody>
+      </p:sp>
+      <p:sp>
+        <p:nvSpPr>
+          <p:cNvPr id="5" name="文字方塊 4"/>
+          <p:cNvSpPr txBox="1"/>
+          <p:nvPr/>
+        </p:nvSpPr>
+        <p:spPr>
+          <a:xfrm>
+            <a:off x="8711952" y="6573902"/>
+            <a:ext cx="432048" cy="276999"/>
+          </a:xfrm>
+          <a:prstGeom prst="rect">
+            <a:avLst/>
+          </a:prstGeom>
+          <a:noFill/>
+        </p:spPr>
+        <p:txBody>
+          <a:bodyPr wrap="square" rtlCol="0" anchor="ctr">
+            <a:spAutoFit/>
+          </a:bodyPr>
+          <a:lstStyle/>
+          <a:p>
+            <a:pPr algn="ctr"/>
+            <a:r>
+              <a:rPr lang="en-US" altLang="zh-TW" sz="1200" dirty="0" smtClean="0">
+                <a:latin typeface="Times New Roman" pitchFamily="18" charset="0"/>
+                <a:cs typeface="Times New Roman" pitchFamily="18" charset="0"/>
+              </a:rPr>
+              <a:t>19</a:t>
+            </a:r>
+            <a:endParaRPr lang="zh-TW" altLang="en-US" sz="1200" dirty="0">
+              <a:latin typeface="Times New Roman" pitchFamily="18" charset="0"/>
+              <a:cs typeface="Times New Roman" pitchFamily="18" charset="0"/>
+            </a:endParaRPr>
+          </a:p>
+        </p:txBody>
+      </p:sp>
+      <p:sp>
+        <p:nvSpPr>
+          <p:cNvPr id="38" name="文字方塊 37"/>
+          <p:cNvSpPr txBox="1"/>
+          <p:nvPr/>
+        </p:nvSpPr>
+        <p:spPr>
+          <a:xfrm>
+            <a:off x="503548" y="1124744"/>
+            <a:ext cx="8136904" cy="5328592"/>
+          </a:xfrm>
+          <a:prstGeom prst="rect">
+            <a:avLst/>
+          </a:prstGeom>
+          <a:noFill/>
+        </p:spPr>
+        <p:txBody>
+          <a:bodyPr wrap="square" rtlCol="0" anchor="t">
+            <a:noAutofit/>
+          </a:bodyPr>
+          <a:lstStyle/>
+          <a:p>
+            <a:pPr defTabSz="0"/>
+            <a:r>
+              <a:rPr lang="en-US" altLang="zh-TW" dirty="0" smtClean="0">
+                <a:latin typeface="Times New Roman" pitchFamily="18" charset="0"/>
+                <a:cs typeface="Times New Roman" pitchFamily="18" charset="0"/>
+              </a:rPr>
+              <a:t>HTML</a:t>
+            </a:r>
+            <a:r>
+              <a:rPr lang="zh-TW" altLang="en-US" dirty="0" smtClean="0">
+                <a:latin typeface="Times New Roman" pitchFamily="18" charset="0"/>
+                <a:cs typeface="Times New Roman" pitchFamily="18" charset="0"/>
+              </a:rPr>
+              <a:t> </a:t>
+            </a:r>
+            <a:r>
+              <a:rPr lang="en-US" altLang="zh-TW" dirty="0" smtClean="0">
+                <a:latin typeface="Times New Roman" pitchFamily="18" charset="0"/>
+                <a:cs typeface="Times New Roman" pitchFamily="18" charset="0"/>
+              </a:rPr>
+              <a:t>Link Element</a:t>
+            </a:r>
+            <a:r>
+              <a:rPr lang="zh-TW" altLang="en-US" dirty="0" smtClean="0">
+                <a:latin typeface="Times New Roman" pitchFamily="18" charset="0"/>
+                <a:cs typeface="Times New Roman" pitchFamily="18" charset="0"/>
+              </a:rPr>
+              <a:t>：</a:t>
+            </a:r>
+            <a:endParaRPr lang="en-US" altLang="zh-TW" dirty="0" smtClean="0">
+              <a:latin typeface="Times New Roman" pitchFamily="18" charset="0"/>
+              <a:cs typeface="Times New Roman" pitchFamily="18" charset="0"/>
+            </a:endParaRPr>
+          </a:p>
+          <a:p>
+            <a:pPr defTabSz="0"/>
+            <a:r>
+              <a:rPr lang="en-US" altLang="zh-TW" dirty="0">
+                <a:latin typeface="Times New Roman" pitchFamily="18" charset="0"/>
+                <a:cs typeface="Times New Roman" pitchFamily="18" charset="0"/>
+              </a:rPr>
+              <a:t>&lt;head&gt;</a:t>
+            </a:r>
+          </a:p>
+          <a:p>
+            <a:pPr defTabSz="0"/>
+            <a:r>
+              <a:rPr lang="en-US" altLang="zh-TW" dirty="0">
+                <a:latin typeface="Times New Roman" pitchFamily="18" charset="0"/>
+                <a:cs typeface="Times New Roman" pitchFamily="18" charset="0"/>
+              </a:rPr>
+              <a:t>    &lt;meta charset="UTF-8"&gt;</a:t>
+            </a:r>
+          </a:p>
+          <a:p>
+            <a:pPr defTabSz="0"/>
+            <a:r>
+              <a:rPr lang="en-US" altLang="zh-TW" dirty="0">
+                <a:latin typeface="Times New Roman" pitchFamily="18" charset="0"/>
+                <a:cs typeface="Times New Roman" pitchFamily="18" charset="0"/>
+              </a:rPr>
+              <a:t>    &lt;meta http-</a:t>
+            </a:r>
+            <a:r>
+              <a:rPr lang="en-US" altLang="zh-TW" dirty="0" err="1">
+                <a:latin typeface="Times New Roman" pitchFamily="18" charset="0"/>
+                <a:cs typeface="Times New Roman" pitchFamily="18" charset="0"/>
+              </a:rPr>
+              <a:t>equiv</a:t>
+            </a:r>
+            <a:r>
+              <a:rPr lang="en-US" altLang="zh-TW" dirty="0">
+                <a:latin typeface="Times New Roman" pitchFamily="18" charset="0"/>
+                <a:cs typeface="Times New Roman" pitchFamily="18" charset="0"/>
+              </a:rPr>
+              <a:t>="X-UA-Compatible" content="IE=edge"&gt;</a:t>
+            </a:r>
+          </a:p>
+          <a:p>
+            <a:pPr defTabSz="0"/>
+            <a:r>
+              <a:rPr lang="en-US" altLang="zh-TW" dirty="0">
+                <a:latin typeface="Times New Roman" pitchFamily="18" charset="0"/>
+                <a:cs typeface="Times New Roman" pitchFamily="18" charset="0"/>
+              </a:rPr>
+              <a:t>    &lt;meta name="viewport" content="width=device-width, initial-scale=1.0"&gt;</a:t>
+            </a:r>
+          </a:p>
+          <a:p>
+            <a:pPr defTabSz="0"/>
+            <a:r>
+              <a:rPr lang="en-US" altLang="zh-TW" dirty="0">
+                <a:latin typeface="Times New Roman" pitchFamily="18" charset="0"/>
+                <a:cs typeface="Times New Roman" pitchFamily="18" charset="0"/>
+              </a:rPr>
+              <a:t>    &lt;title&gt;CSS&lt;/title&gt;</a:t>
+            </a:r>
+          </a:p>
+          <a:p>
+            <a:pPr defTabSz="0"/>
+            <a:r>
+              <a:rPr lang="en-US" altLang="zh-TW" dirty="0">
+                <a:latin typeface="Times New Roman" pitchFamily="18" charset="0"/>
+                <a:cs typeface="Times New Roman" pitchFamily="18" charset="0"/>
+              </a:rPr>
+              <a:t>    </a:t>
+            </a:r>
+            <a:r>
+              <a:rPr lang="en-US" altLang="zh-TW" dirty="0">
+                <a:solidFill>
+                  <a:srgbClr val="FF0000"/>
+                </a:solidFill>
+                <a:latin typeface="Times New Roman" pitchFamily="18" charset="0"/>
+                <a:cs typeface="Times New Roman" pitchFamily="18" charset="0"/>
+              </a:rPr>
+              <a:t>&lt;link </a:t>
+            </a:r>
+            <a:r>
+              <a:rPr lang="en-US" altLang="zh-TW" dirty="0" err="1">
+                <a:solidFill>
+                  <a:srgbClr val="00B050"/>
+                </a:solidFill>
+                <a:latin typeface="Times New Roman" pitchFamily="18" charset="0"/>
+                <a:cs typeface="Times New Roman" pitchFamily="18" charset="0"/>
+              </a:rPr>
+              <a:t>rel</a:t>
+            </a:r>
+            <a:r>
+              <a:rPr lang="en-US" altLang="zh-TW" dirty="0">
+                <a:solidFill>
+                  <a:srgbClr val="00B050"/>
+                </a:solidFill>
+                <a:latin typeface="Times New Roman" pitchFamily="18" charset="0"/>
+                <a:cs typeface="Times New Roman" pitchFamily="18" charset="0"/>
+              </a:rPr>
+              <a:t>="</a:t>
+            </a:r>
+            <a:r>
+              <a:rPr lang="en-US" altLang="zh-TW" dirty="0" err="1">
+                <a:solidFill>
+                  <a:srgbClr val="00B050"/>
+                </a:solidFill>
+                <a:latin typeface="Times New Roman" pitchFamily="18" charset="0"/>
+                <a:cs typeface="Times New Roman" pitchFamily="18" charset="0"/>
+              </a:rPr>
+              <a:t>stylesheet</a:t>
+            </a:r>
+            <a:r>
+              <a:rPr lang="en-US" altLang="zh-TW" dirty="0">
+                <a:solidFill>
+                  <a:srgbClr val="00B050"/>
+                </a:solidFill>
+                <a:latin typeface="Times New Roman" pitchFamily="18" charset="0"/>
+                <a:cs typeface="Times New Roman" pitchFamily="18" charset="0"/>
+              </a:rPr>
+              <a:t>"</a:t>
+            </a:r>
+            <a:r>
+              <a:rPr lang="en-US" altLang="zh-TW" dirty="0">
+                <a:solidFill>
+                  <a:srgbClr val="FF0000"/>
+                </a:solidFill>
+                <a:latin typeface="Times New Roman" pitchFamily="18" charset="0"/>
+                <a:cs typeface="Times New Roman" pitchFamily="18" charset="0"/>
+              </a:rPr>
+              <a:t> </a:t>
+            </a:r>
+            <a:r>
+              <a:rPr lang="en-US" altLang="zh-TW" dirty="0" err="1">
+                <a:solidFill>
+                  <a:srgbClr val="00B0F0"/>
+                </a:solidFill>
+                <a:latin typeface="Times New Roman" pitchFamily="18" charset="0"/>
+                <a:cs typeface="Times New Roman" pitchFamily="18" charset="0"/>
+              </a:rPr>
+              <a:t>href</a:t>
+            </a:r>
+            <a:r>
+              <a:rPr lang="en-US" altLang="zh-TW" dirty="0">
+                <a:solidFill>
+                  <a:srgbClr val="00B0F0"/>
+                </a:solidFill>
+                <a:latin typeface="Times New Roman" pitchFamily="18" charset="0"/>
+                <a:cs typeface="Times New Roman" pitchFamily="18" charset="0"/>
+              </a:rPr>
+              <a:t>="style.css"</a:t>
+            </a:r>
+            <a:r>
+              <a:rPr lang="en-US" altLang="zh-TW" dirty="0">
+                <a:solidFill>
+                  <a:srgbClr val="FF0000"/>
+                </a:solidFill>
+                <a:latin typeface="Times New Roman" pitchFamily="18" charset="0"/>
+                <a:cs typeface="Times New Roman" pitchFamily="18" charset="0"/>
+              </a:rPr>
+              <a:t>&gt;</a:t>
+            </a:r>
+          </a:p>
+          <a:p>
+            <a:pPr defTabSz="0"/>
+            <a:r>
+              <a:rPr lang="en-US" altLang="zh-TW" dirty="0">
+                <a:latin typeface="Times New Roman" pitchFamily="18" charset="0"/>
+                <a:cs typeface="Times New Roman" pitchFamily="18" charset="0"/>
+              </a:rPr>
+              <a:t>    &lt;style&gt;</a:t>
+            </a:r>
+          </a:p>
+          <a:p>
+            <a:pPr defTabSz="0"/>
+            <a:r>
+              <a:rPr lang="en-US" altLang="zh-TW" dirty="0">
+                <a:latin typeface="Times New Roman" pitchFamily="18" charset="0"/>
+                <a:cs typeface="Times New Roman" pitchFamily="18" charset="0"/>
+              </a:rPr>
+              <a:t>        p { width: 100px; }</a:t>
+            </a:r>
+          </a:p>
+          <a:p>
+            <a:pPr defTabSz="0"/>
+            <a:r>
+              <a:rPr lang="en-US" altLang="zh-TW" dirty="0">
+                <a:latin typeface="Times New Roman" pitchFamily="18" charset="0"/>
+                <a:cs typeface="Times New Roman" pitchFamily="18" charset="0"/>
+              </a:rPr>
+              <a:t>        div {</a:t>
+            </a:r>
+          </a:p>
+          <a:p>
+            <a:pPr defTabSz="0"/>
+            <a:r>
+              <a:rPr lang="en-US" altLang="zh-TW" dirty="0">
+                <a:latin typeface="Times New Roman" pitchFamily="18" charset="0"/>
+                <a:cs typeface="Times New Roman" pitchFamily="18" charset="0"/>
+              </a:rPr>
+              <a:t>            width: 150px;</a:t>
+            </a:r>
+          </a:p>
+          <a:p>
+            <a:pPr defTabSz="0"/>
+            <a:r>
+              <a:rPr lang="en-US" altLang="zh-TW" dirty="0">
+                <a:latin typeface="Times New Roman" pitchFamily="18" charset="0"/>
+                <a:cs typeface="Times New Roman" pitchFamily="18" charset="0"/>
+              </a:rPr>
+              <a:t>            height: 150px;</a:t>
+            </a:r>
+          </a:p>
+          <a:p>
+            <a:pPr defTabSz="0"/>
+            <a:r>
+              <a:rPr lang="en-US" altLang="zh-TW" dirty="0">
+                <a:latin typeface="Times New Roman" pitchFamily="18" charset="0"/>
+                <a:cs typeface="Times New Roman" pitchFamily="18" charset="0"/>
+              </a:rPr>
+              <a:t>        }</a:t>
+            </a:r>
+          </a:p>
+          <a:p>
+            <a:pPr defTabSz="0"/>
+            <a:r>
+              <a:rPr lang="en-US" altLang="zh-TW" dirty="0">
+                <a:latin typeface="Times New Roman" pitchFamily="18" charset="0"/>
+                <a:cs typeface="Times New Roman" pitchFamily="18" charset="0"/>
+              </a:rPr>
+              <a:t>    &lt;/style&gt;</a:t>
+            </a:r>
+          </a:p>
+          <a:p>
+            <a:pPr defTabSz="0"/>
+            <a:r>
+              <a:rPr lang="en-US" altLang="zh-TW" dirty="0">
+                <a:latin typeface="Times New Roman" pitchFamily="18" charset="0"/>
+                <a:cs typeface="Times New Roman" pitchFamily="18" charset="0"/>
+              </a:rPr>
+              <a:t>&lt;/head&gt;</a:t>
+            </a:r>
+            <a:endParaRPr lang="en-US" altLang="zh-TW" dirty="0">
+              <a:latin typeface="Times New Roman" pitchFamily="18" charset="0"/>
+              <a:cs typeface="Times New Roman" pitchFamily="18" charset="0"/>
+            </a:endParaRPr>
+          </a:p>
+        </p:txBody>
+      </p:sp>
+    </p:spTree>
+    <p:extLst>
+      <p:ext uri="{BB962C8B-B14F-4D97-AF65-F5344CB8AC3E}">
+        <p14:creationId xmlns:p14="http://schemas.microsoft.com/office/powerpoint/2010/main" val="868878240"/>
       </p:ext>
     </p:extLst>
   </p:cSld>
@@ -7904,10 +11442,6 @@
               </a:rPr>
               <a:t>HTML5</a:t>
             </a:r>
-            <a:endParaRPr lang="en-US" altLang="zh-TW" sz="2000" dirty="0" smtClean="0">
-              <a:latin typeface="Times New Roman" pitchFamily="18" charset="0"/>
-              <a:cs typeface="Times New Roman" pitchFamily="18" charset="0"/>
-            </a:endParaRPr>
           </a:p>
           <a:p>
             <a:endParaRPr lang="en-US" altLang="zh-TW" sz="2000" dirty="0" smtClean="0">
@@ -8907,14 +12441,7 @@
                 <a:latin typeface="Times New Roman" pitchFamily="18" charset="0"/>
                 <a:cs typeface="Times New Roman" pitchFamily="18" charset="0"/>
               </a:rPr>
-              <a:t>&gt;, </a:t>
-            </a:r>
-            <a:r>
-              <a:rPr lang="en-US" altLang="zh-TW" sz="2000" dirty="0">
-                <a:latin typeface="Times New Roman" pitchFamily="18" charset="0"/>
-                <a:cs typeface="Times New Roman" pitchFamily="18" charset="0"/>
-              </a:rPr>
-              <a:t>&lt;!-- </a:t>
+              <a:t>&gt;, &lt;!-- </a:t>
             </a:r>
             <a:r>
               <a:rPr lang="zh-TW" altLang="en-US" sz="2000" dirty="0">

--- a/靜態網頁.pptx
+++ b/靜態網頁.pptx
@@ -25,6 +25,7 @@
     <p:sldId id="273" r:id="rId19"/>
     <p:sldId id="274" r:id="rId20"/>
     <p:sldId id="275" r:id="rId21"/>
+    <p:sldId id="276" r:id="rId22"/>
   </p:sldIdLst>
   <p:sldSz cx="9144000" cy="6858000" type="screen4x3"/>
   <p:notesSz cx="6858000" cy="9144000"/>
@@ -123,6 +124,22 @@
       </a:defRPr>
     </a:lvl9pPr>
   </p:defaultTextStyle>
+  <p:extLst>
+    <p:ext uri="{EFAFB233-063F-42B5-8137-9DF3F51BA10A}">
+      <p15:sldGuideLst xmlns:p15="http://schemas.microsoft.com/office/powerpoint/2012/main">
+        <p15:guide id="1" orient="horz" pos="2160">
+          <p15:clr>
+            <a:srgbClr val="A4A3A4"/>
+          </p15:clr>
+        </p15:guide>
+        <p15:guide id="2" pos="2880">
+          <p15:clr>
+            <a:srgbClr val="A4A3A4"/>
+          </p15:clr>
+        </p15:guide>
+      </p15:sldGuideLst>
+    </p:ext>
+  </p:extLst>
 </p:presentation>
 </file>
 
@@ -164,10 +181,9 @@
           <a:lstStyle/>
           <a:p>
             <a:r>
-              <a:rPr lang="zh-TW" altLang="en-US" smtClean="0"/>
+              <a:rPr lang="zh-TW" altLang="en-US"/>
               <a:t>按一下以編輯母片標題樣式</a:t>
             </a:r>
-            <a:endParaRPr lang="zh-TW" altLang="en-US"/>
           </a:p>
         </p:txBody>
       </p:sp>
@@ -283,10 +299,9 @@
           </a:lstStyle>
           <a:p>
             <a:r>
-              <a:rPr lang="zh-TW" altLang="en-US" smtClean="0"/>
+              <a:rPr lang="zh-TW" altLang="en-US"/>
               <a:t>按一下以編輯母片副標題樣式</a:t>
             </a:r>
-            <a:endParaRPr lang="zh-TW" altLang="en-US"/>
           </a:p>
         </p:txBody>
       </p:sp>
@@ -396,10 +411,9 @@
           <a:lstStyle/>
           <a:p>
             <a:r>
-              <a:rPr lang="zh-TW" altLang="en-US" smtClean="0"/>
+              <a:rPr lang="zh-TW" altLang="en-US"/>
               <a:t>按一下以編輯母片標題樣式</a:t>
             </a:r>
-            <a:endParaRPr lang="zh-TW" altLang="en-US"/>
           </a:p>
         </p:txBody>
       </p:sp>
@@ -420,38 +434,37 @@
           <a:p>
             <a:pPr lvl="0"/>
             <a:r>
-              <a:rPr lang="zh-TW" altLang="en-US" smtClean="0"/>
+              <a:rPr lang="zh-TW" altLang="en-US"/>
               <a:t>按一下以編輯母片文字樣式</a:t>
             </a:r>
           </a:p>
           <a:p>
             <a:pPr lvl="1"/>
             <a:r>
-              <a:rPr lang="zh-TW" altLang="en-US" smtClean="0"/>
+              <a:rPr lang="zh-TW" altLang="en-US"/>
               <a:t>第二層</a:t>
             </a:r>
           </a:p>
           <a:p>
             <a:pPr lvl="2"/>
             <a:r>
-              <a:rPr lang="zh-TW" altLang="en-US" smtClean="0"/>
+              <a:rPr lang="zh-TW" altLang="en-US"/>
               <a:t>第三層</a:t>
             </a:r>
           </a:p>
           <a:p>
             <a:pPr lvl="3"/>
             <a:r>
-              <a:rPr lang="zh-TW" altLang="en-US" smtClean="0"/>
+              <a:rPr lang="zh-TW" altLang="en-US"/>
               <a:t>第四層</a:t>
             </a:r>
           </a:p>
           <a:p>
             <a:pPr lvl="4"/>
             <a:r>
-              <a:rPr lang="zh-TW" altLang="en-US" smtClean="0"/>
+              <a:rPr lang="zh-TW" altLang="en-US"/>
               <a:t>第五層</a:t>
             </a:r>
-            <a:endParaRPr lang="zh-TW" altLang="en-US"/>
           </a:p>
         </p:txBody>
       </p:sp>
@@ -566,10 +579,9 @@
           <a:lstStyle/>
           <a:p>
             <a:r>
-              <a:rPr lang="zh-TW" altLang="en-US" smtClean="0"/>
+              <a:rPr lang="zh-TW" altLang="en-US"/>
               <a:t>按一下以編輯母片標題樣式</a:t>
             </a:r>
-            <a:endParaRPr lang="zh-TW" altLang="en-US"/>
           </a:p>
         </p:txBody>
       </p:sp>
@@ -595,38 +607,37 @@
           <a:p>
             <a:pPr lvl="0"/>
             <a:r>
-              <a:rPr lang="zh-TW" altLang="en-US" smtClean="0"/>
+              <a:rPr lang="zh-TW" altLang="en-US"/>
               <a:t>按一下以編輯母片文字樣式</a:t>
             </a:r>
           </a:p>
           <a:p>
             <a:pPr lvl="1"/>
             <a:r>
-              <a:rPr lang="zh-TW" altLang="en-US" smtClean="0"/>
+              <a:rPr lang="zh-TW" altLang="en-US"/>
               <a:t>第二層</a:t>
             </a:r>
           </a:p>
           <a:p>
             <a:pPr lvl="2"/>
             <a:r>
-              <a:rPr lang="zh-TW" altLang="en-US" smtClean="0"/>
+              <a:rPr lang="zh-TW" altLang="en-US"/>
               <a:t>第三層</a:t>
             </a:r>
           </a:p>
           <a:p>
             <a:pPr lvl="3"/>
             <a:r>
-              <a:rPr lang="zh-TW" altLang="en-US" smtClean="0"/>
+              <a:rPr lang="zh-TW" altLang="en-US"/>
               <a:t>第四層</a:t>
             </a:r>
           </a:p>
           <a:p>
             <a:pPr lvl="4"/>
             <a:r>
-              <a:rPr lang="zh-TW" altLang="en-US" smtClean="0"/>
+              <a:rPr lang="zh-TW" altLang="en-US"/>
               <a:t>第五層</a:t>
             </a:r>
-            <a:endParaRPr lang="zh-TW" altLang="en-US"/>
           </a:p>
         </p:txBody>
       </p:sp>
@@ -736,10 +747,9 @@
           <a:lstStyle/>
           <a:p>
             <a:r>
-              <a:rPr lang="zh-TW" altLang="en-US" smtClean="0"/>
+              <a:rPr lang="zh-TW" altLang="en-US"/>
               <a:t>按一下以編輯母片標題樣式</a:t>
             </a:r>
-            <a:endParaRPr lang="zh-TW" altLang="en-US"/>
           </a:p>
         </p:txBody>
       </p:sp>
@@ -760,38 +770,37 @@
           <a:p>
             <a:pPr lvl="0"/>
             <a:r>
-              <a:rPr lang="zh-TW" altLang="en-US" smtClean="0"/>
+              <a:rPr lang="zh-TW" altLang="en-US"/>
               <a:t>按一下以編輯母片文字樣式</a:t>
             </a:r>
           </a:p>
           <a:p>
             <a:pPr lvl="1"/>
             <a:r>
-              <a:rPr lang="zh-TW" altLang="en-US" smtClean="0"/>
+              <a:rPr lang="zh-TW" altLang="en-US"/>
               <a:t>第二層</a:t>
             </a:r>
           </a:p>
           <a:p>
             <a:pPr lvl="2"/>
             <a:r>
-              <a:rPr lang="zh-TW" altLang="en-US" smtClean="0"/>
+              <a:rPr lang="zh-TW" altLang="en-US"/>
               <a:t>第三層</a:t>
             </a:r>
           </a:p>
           <a:p>
             <a:pPr lvl="3"/>
             <a:r>
-              <a:rPr lang="zh-TW" altLang="en-US" smtClean="0"/>
+              <a:rPr lang="zh-TW" altLang="en-US"/>
               <a:t>第四層</a:t>
             </a:r>
           </a:p>
           <a:p>
             <a:pPr lvl="4"/>
             <a:r>
-              <a:rPr lang="zh-TW" altLang="en-US" smtClean="0"/>
+              <a:rPr lang="zh-TW" altLang="en-US"/>
               <a:t>第五層</a:t>
             </a:r>
-            <a:endParaRPr lang="zh-TW" altLang="en-US"/>
           </a:p>
         </p:txBody>
       </p:sp>
@@ -910,10 +919,9 @@
           </a:lstStyle>
           <a:p>
             <a:r>
-              <a:rPr lang="zh-TW" altLang="en-US" smtClean="0"/>
+              <a:rPr lang="zh-TW" altLang="en-US"/>
               <a:t>按一下以編輯母片標題樣式</a:t>
             </a:r>
-            <a:endParaRPr lang="zh-TW" altLang="en-US"/>
           </a:p>
         </p:txBody>
       </p:sp>
@@ -1030,7 +1038,7 @@
           <a:p>
             <a:pPr lvl="0"/>
             <a:r>
-              <a:rPr lang="zh-TW" altLang="en-US" smtClean="0"/>
+              <a:rPr lang="zh-TW" altLang="en-US"/>
               <a:t>按一下以編輯母片文字樣式</a:t>
             </a:r>
           </a:p>
@@ -1142,10 +1150,9 @@
           <a:lstStyle/>
           <a:p>
             <a:r>
-              <a:rPr lang="zh-TW" altLang="en-US" smtClean="0"/>
+              <a:rPr lang="zh-TW" altLang="en-US"/>
               <a:t>按一下以編輯母片標題樣式</a:t>
             </a:r>
-            <a:endParaRPr lang="zh-TW" altLang="en-US"/>
           </a:p>
         </p:txBody>
       </p:sp>
@@ -1199,38 +1206,37 @@
           <a:p>
             <a:pPr lvl="0"/>
             <a:r>
-              <a:rPr lang="zh-TW" altLang="en-US" smtClean="0"/>
+              <a:rPr lang="zh-TW" altLang="en-US"/>
               <a:t>按一下以編輯母片文字樣式</a:t>
             </a:r>
           </a:p>
           <a:p>
             <a:pPr lvl="1"/>
             <a:r>
-              <a:rPr lang="zh-TW" altLang="en-US" smtClean="0"/>
+              <a:rPr lang="zh-TW" altLang="en-US"/>
               <a:t>第二層</a:t>
             </a:r>
           </a:p>
           <a:p>
             <a:pPr lvl="2"/>
             <a:r>
-              <a:rPr lang="zh-TW" altLang="en-US" smtClean="0"/>
+              <a:rPr lang="zh-TW" altLang="en-US"/>
               <a:t>第三層</a:t>
             </a:r>
           </a:p>
           <a:p>
             <a:pPr lvl="3"/>
             <a:r>
-              <a:rPr lang="zh-TW" altLang="en-US" smtClean="0"/>
+              <a:rPr lang="zh-TW" altLang="en-US"/>
               <a:t>第四層</a:t>
             </a:r>
           </a:p>
           <a:p>
             <a:pPr lvl="4"/>
             <a:r>
-              <a:rPr lang="zh-TW" altLang="en-US" smtClean="0"/>
+              <a:rPr lang="zh-TW" altLang="en-US"/>
               <a:t>第五層</a:t>
             </a:r>
-            <a:endParaRPr lang="zh-TW" altLang="en-US"/>
           </a:p>
         </p:txBody>
       </p:sp>
@@ -1284,38 +1290,37 @@
           <a:p>
             <a:pPr lvl="0"/>
             <a:r>
-              <a:rPr lang="zh-TW" altLang="en-US" smtClean="0"/>
+              <a:rPr lang="zh-TW" altLang="en-US"/>
               <a:t>按一下以編輯母片文字樣式</a:t>
             </a:r>
           </a:p>
           <a:p>
             <a:pPr lvl="1"/>
             <a:r>
-              <a:rPr lang="zh-TW" altLang="en-US" smtClean="0"/>
+              <a:rPr lang="zh-TW" altLang="en-US"/>
               <a:t>第二層</a:t>
             </a:r>
           </a:p>
           <a:p>
             <a:pPr lvl="2"/>
             <a:r>
-              <a:rPr lang="zh-TW" altLang="en-US" smtClean="0"/>
+              <a:rPr lang="zh-TW" altLang="en-US"/>
               <a:t>第三層</a:t>
             </a:r>
           </a:p>
           <a:p>
             <a:pPr lvl="3"/>
             <a:r>
-              <a:rPr lang="zh-TW" altLang="en-US" smtClean="0"/>
+              <a:rPr lang="zh-TW" altLang="en-US"/>
               <a:t>第四層</a:t>
             </a:r>
           </a:p>
           <a:p>
             <a:pPr lvl="4"/>
             <a:r>
-              <a:rPr lang="zh-TW" altLang="en-US" smtClean="0"/>
+              <a:rPr lang="zh-TW" altLang="en-US"/>
               <a:t>第五層</a:t>
             </a:r>
-            <a:endParaRPr lang="zh-TW" altLang="en-US"/>
           </a:p>
         </p:txBody>
       </p:sp>
@@ -1429,10 +1434,9 @@
           </a:lstStyle>
           <a:p>
             <a:r>
-              <a:rPr lang="zh-TW" altLang="en-US" smtClean="0"/>
+              <a:rPr lang="zh-TW" altLang="en-US"/>
               <a:t>按一下以編輯母片標題樣式</a:t>
             </a:r>
-            <a:endParaRPr lang="zh-TW" altLang="en-US"/>
           </a:p>
         </p:txBody>
       </p:sp>
@@ -1495,7 +1499,7 @@
           <a:p>
             <a:pPr lvl="0"/>
             <a:r>
-              <a:rPr lang="zh-TW" altLang="en-US" smtClean="0"/>
+              <a:rPr lang="zh-TW" altLang="en-US"/>
               <a:t>按一下以編輯母片文字樣式</a:t>
             </a:r>
           </a:p>
@@ -1551,38 +1555,37 @@
           <a:p>
             <a:pPr lvl="0"/>
             <a:r>
-              <a:rPr lang="zh-TW" altLang="en-US" smtClean="0"/>
+              <a:rPr lang="zh-TW" altLang="en-US"/>
               <a:t>按一下以編輯母片文字樣式</a:t>
             </a:r>
           </a:p>
           <a:p>
             <a:pPr lvl="1"/>
             <a:r>
-              <a:rPr lang="zh-TW" altLang="en-US" smtClean="0"/>
+              <a:rPr lang="zh-TW" altLang="en-US"/>
               <a:t>第二層</a:t>
             </a:r>
           </a:p>
           <a:p>
             <a:pPr lvl="2"/>
             <a:r>
-              <a:rPr lang="zh-TW" altLang="en-US" smtClean="0"/>
+              <a:rPr lang="zh-TW" altLang="en-US"/>
               <a:t>第三層</a:t>
             </a:r>
           </a:p>
           <a:p>
             <a:pPr lvl="3"/>
             <a:r>
-              <a:rPr lang="zh-TW" altLang="en-US" smtClean="0"/>
+              <a:rPr lang="zh-TW" altLang="en-US"/>
               <a:t>第四層</a:t>
             </a:r>
           </a:p>
           <a:p>
             <a:pPr lvl="4"/>
             <a:r>
-              <a:rPr lang="zh-TW" altLang="en-US" smtClean="0"/>
+              <a:rPr lang="zh-TW" altLang="en-US"/>
               <a:t>第五層</a:t>
             </a:r>
-            <a:endParaRPr lang="zh-TW" altLang="en-US"/>
           </a:p>
         </p:txBody>
       </p:sp>
@@ -1645,7 +1648,7 @@
           <a:p>
             <a:pPr lvl="0"/>
             <a:r>
-              <a:rPr lang="zh-TW" altLang="en-US" smtClean="0"/>
+              <a:rPr lang="zh-TW" altLang="en-US"/>
               <a:t>按一下以編輯母片文字樣式</a:t>
             </a:r>
           </a:p>
@@ -1701,38 +1704,37 @@
           <a:p>
             <a:pPr lvl="0"/>
             <a:r>
-              <a:rPr lang="zh-TW" altLang="en-US" smtClean="0"/>
+              <a:rPr lang="zh-TW" altLang="en-US"/>
               <a:t>按一下以編輯母片文字樣式</a:t>
             </a:r>
           </a:p>
           <a:p>
             <a:pPr lvl="1"/>
             <a:r>
-              <a:rPr lang="zh-TW" altLang="en-US" smtClean="0"/>
+              <a:rPr lang="zh-TW" altLang="en-US"/>
               <a:t>第二層</a:t>
             </a:r>
           </a:p>
           <a:p>
             <a:pPr lvl="2"/>
             <a:r>
-              <a:rPr lang="zh-TW" altLang="en-US" smtClean="0"/>
+              <a:rPr lang="zh-TW" altLang="en-US"/>
               <a:t>第三層</a:t>
             </a:r>
           </a:p>
           <a:p>
             <a:pPr lvl="3"/>
             <a:r>
-              <a:rPr lang="zh-TW" altLang="en-US" smtClean="0"/>
+              <a:rPr lang="zh-TW" altLang="en-US"/>
               <a:t>第四層</a:t>
             </a:r>
           </a:p>
           <a:p>
             <a:pPr lvl="4"/>
             <a:r>
-              <a:rPr lang="zh-TW" altLang="en-US" smtClean="0"/>
+              <a:rPr lang="zh-TW" altLang="en-US"/>
               <a:t>第五層</a:t>
             </a:r>
-            <a:endParaRPr lang="zh-TW" altLang="en-US"/>
           </a:p>
         </p:txBody>
       </p:sp>
@@ -1842,10 +1844,9 @@
           <a:lstStyle/>
           <a:p>
             <a:r>
-              <a:rPr lang="zh-TW" altLang="en-US" smtClean="0"/>
+              <a:rPr lang="zh-TW" altLang="en-US"/>
               <a:t>按一下以編輯母片標題樣式</a:t>
             </a:r>
-            <a:endParaRPr lang="zh-TW" altLang="en-US"/>
           </a:p>
         </p:txBody>
       </p:sp>
@@ -2054,10 +2055,9 @@
           </a:lstStyle>
           <a:p>
             <a:r>
-              <a:rPr lang="zh-TW" altLang="en-US" smtClean="0"/>
+              <a:rPr lang="zh-TW" altLang="en-US"/>
               <a:t>按一下以編輯母片標題樣式</a:t>
             </a:r>
-            <a:endParaRPr lang="zh-TW" altLang="en-US"/>
           </a:p>
         </p:txBody>
       </p:sp>
@@ -2111,38 +2111,37 @@
           <a:p>
             <a:pPr lvl="0"/>
             <a:r>
-              <a:rPr lang="zh-TW" altLang="en-US" smtClean="0"/>
+              <a:rPr lang="zh-TW" altLang="en-US"/>
               <a:t>按一下以編輯母片文字樣式</a:t>
             </a:r>
           </a:p>
           <a:p>
             <a:pPr lvl="1"/>
             <a:r>
-              <a:rPr lang="zh-TW" altLang="en-US" smtClean="0"/>
+              <a:rPr lang="zh-TW" altLang="en-US"/>
               <a:t>第二層</a:t>
             </a:r>
           </a:p>
           <a:p>
             <a:pPr lvl="2"/>
             <a:r>
-              <a:rPr lang="zh-TW" altLang="en-US" smtClean="0"/>
+              <a:rPr lang="zh-TW" altLang="en-US"/>
               <a:t>第三層</a:t>
             </a:r>
           </a:p>
           <a:p>
             <a:pPr lvl="3"/>
             <a:r>
-              <a:rPr lang="zh-TW" altLang="en-US" smtClean="0"/>
+              <a:rPr lang="zh-TW" altLang="en-US"/>
               <a:t>第四層</a:t>
             </a:r>
           </a:p>
           <a:p>
             <a:pPr lvl="4"/>
             <a:r>
-              <a:rPr lang="zh-TW" altLang="en-US" smtClean="0"/>
+              <a:rPr lang="zh-TW" altLang="en-US"/>
               <a:t>第五層</a:t>
             </a:r>
-            <a:endParaRPr lang="zh-TW" altLang="en-US"/>
           </a:p>
         </p:txBody>
       </p:sp>
@@ -2205,7 +2204,7 @@
           <a:p>
             <a:pPr lvl="0"/>
             <a:r>
-              <a:rPr lang="zh-TW" altLang="en-US" smtClean="0"/>
+              <a:rPr lang="zh-TW" altLang="en-US"/>
               <a:t>按一下以編輯母片文字樣式</a:t>
             </a:r>
           </a:p>
@@ -2326,10 +2325,9 @@
           </a:lstStyle>
           <a:p>
             <a:r>
-              <a:rPr lang="zh-TW" altLang="en-US" smtClean="0"/>
+              <a:rPr lang="zh-TW" altLang="en-US"/>
               <a:t>按一下以編輯母片標題樣式</a:t>
             </a:r>
-            <a:endParaRPr lang="zh-TW" altLang="en-US"/>
           </a:p>
         </p:txBody>
       </p:sp>
@@ -2453,7 +2451,7 @@
           <a:p>
             <a:pPr lvl="0"/>
             <a:r>
-              <a:rPr lang="zh-TW" altLang="en-US" smtClean="0"/>
+              <a:rPr lang="zh-TW" altLang="en-US"/>
               <a:t>按一下以編輯母片文字樣式</a:t>
             </a:r>
           </a:p>
@@ -2580,10 +2578,9 @@
           <a:lstStyle/>
           <a:p>
             <a:r>
-              <a:rPr lang="zh-TW" altLang="en-US" smtClean="0"/>
+              <a:rPr lang="zh-TW" altLang="en-US"/>
               <a:t>按一下以編輯母片標題樣式</a:t>
             </a:r>
-            <a:endParaRPr lang="zh-TW" altLang="en-US"/>
           </a:p>
         </p:txBody>
       </p:sp>
@@ -2614,38 +2611,37 @@
           <a:p>
             <a:pPr lvl="0"/>
             <a:r>
-              <a:rPr lang="zh-TW" altLang="en-US" smtClean="0"/>
+              <a:rPr lang="zh-TW" altLang="en-US"/>
               <a:t>按一下以編輯母片文字樣式</a:t>
             </a:r>
           </a:p>
           <a:p>
             <a:pPr lvl="1"/>
             <a:r>
-              <a:rPr lang="zh-TW" altLang="en-US" smtClean="0"/>
+              <a:rPr lang="zh-TW" altLang="en-US"/>
               <a:t>第二層</a:t>
             </a:r>
           </a:p>
           <a:p>
             <a:pPr lvl="2"/>
             <a:r>
-              <a:rPr lang="zh-TW" altLang="en-US" smtClean="0"/>
+              <a:rPr lang="zh-TW" altLang="en-US"/>
               <a:t>第三層</a:t>
             </a:r>
           </a:p>
           <a:p>
             <a:pPr lvl="3"/>
             <a:r>
-              <a:rPr lang="zh-TW" altLang="en-US" smtClean="0"/>
+              <a:rPr lang="zh-TW" altLang="en-US"/>
               <a:t>第四層</a:t>
             </a:r>
           </a:p>
           <a:p>
             <a:pPr lvl="4"/>
             <a:r>
-              <a:rPr lang="zh-TW" altLang="en-US" smtClean="0"/>
+              <a:rPr lang="zh-TW" altLang="en-US"/>
               <a:t>第五層</a:t>
             </a:r>
-            <a:endParaRPr lang="zh-TW" altLang="en-US"/>
           </a:p>
         </p:txBody>
       </p:sp>
@@ -3078,23 +3074,12 @@
           <a:p>
             <a:pPr algn="ctr"/>
             <a:r>
-              <a:rPr lang="zh-TW" altLang="en-US" sz="3200" dirty="0" smtClean="0">
-                <a:latin typeface="Times New Roman" pitchFamily="18" charset="0"/>
-                <a:cs typeface="Times New Roman" pitchFamily="18" charset="0"/>
-              </a:rPr>
-              <a:t>靜態</a:t>
-            </a:r>
-            <a:r>
-              <a:rPr lang="zh-TW" altLang="en-US" sz="3200" dirty="0" smtClean="0">
-                <a:latin typeface="Times New Roman" pitchFamily="18" charset="0"/>
-                <a:cs typeface="Times New Roman" pitchFamily="18" charset="0"/>
-              </a:rPr>
-              <a:t>網頁</a:t>
-            </a:r>
-            <a:endParaRPr lang="zh-TW" altLang="en-US" sz="3200" dirty="0">
-              <a:latin typeface="Times New Roman" pitchFamily="18" charset="0"/>
-              <a:cs typeface="Times New Roman" pitchFamily="18" charset="0"/>
-            </a:endParaRPr>
+              <a:rPr lang="zh-TW" altLang="en-US" sz="3200" dirty="0">
+                <a:latin typeface="Times New Roman" pitchFamily="18" charset="0"/>
+                <a:cs typeface="Times New Roman" pitchFamily="18" charset="0"/>
+              </a:rPr>
+              <a:t>靜態網頁</a:t>
+            </a:r>
           </a:p>
         </p:txBody>
       </p:sp>
@@ -3122,7 +3107,7 @@
           <a:p>
             <a:pPr algn="ctr"/>
             <a:r>
-              <a:rPr lang="en-US" altLang="zh-TW" sz="1200" dirty="0" smtClean="0">
+              <a:rPr lang="en-US" altLang="zh-TW" sz="1200" dirty="0">
                 <a:latin typeface="Times New Roman" pitchFamily="18" charset="0"/>
                 <a:cs typeface="Times New Roman" pitchFamily="18" charset="0"/>
               </a:rPr>
@@ -3145,13 +3130,6 @@
   <p:clrMapOvr>
     <a:masterClrMapping/>
   </p:clrMapOvr>
-  <p:timing>
-    <p:tnLst>
-      <p:par>
-        <p:cTn id="1" dur="indefinite" restart="never" nodeType="tmRoot"/>
-      </p:par>
-    </p:tnLst>
-  </p:timing>
 </p:sld>
 </file>
 
@@ -3196,30 +3174,26 @@
           <a:p>
             <a:pPr algn="ctr"/>
             <a:r>
-              <a:rPr lang="zh-TW" altLang="en-US" sz="2400" dirty="0" smtClean="0">
+              <a:rPr lang="zh-TW" altLang="en-US" sz="2400" dirty="0">
                 <a:latin typeface="Times New Roman" pitchFamily="18" charset="0"/>
                 <a:cs typeface="Times New Roman" pitchFamily="18" charset="0"/>
               </a:rPr>
               <a:t>撰寫 </a:t>
             </a:r>
             <a:r>
-              <a:rPr lang="en-US" altLang="zh-TW" sz="2400" dirty="0" smtClean="0">
+              <a:rPr lang="en-US" altLang="zh-TW" sz="2400" dirty="0">
                 <a:latin typeface="Times New Roman" pitchFamily="18" charset="0"/>
                 <a:cs typeface="Times New Roman" pitchFamily="18" charset="0"/>
               </a:rPr>
               <a:t>&lt;body&gt;&lt;/body&gt;</a:t>
             </a:r>
             <a:r>
-              <a:rPr lang="zh-TW" altLang="en-US" sz="2400" dirty="0" smtClean="0">
+              <a:rPr lang="zh-TW" altLang="en-US" sz="2400" dirty="0">
                 <a:latin typeface="Times New Roman" pitchFamily="18" charset="0"/>
                 <a:cs typeface="Times New Roman" pitchFamily="18" charset="0"/>
               </a:rPr>
               <a:t> 內容</a:t>
             </a:r>
-            <a:endParaRPr lang="zh-TW" altLang="en-US" sz="2400" dirty="0">
-              <a:latin typeface="Times New Roman" pitchFamily="18" charset="0"/>
-              <a:cs typeface="Times New Roman" pitchFamily="18" charset="0"/>
-            </a:endParaRPr>
           </a:p>
         </p:txBody>
       </p:sp>
@@ -3247,7 +3221,7 @@
           <a:p>
             <a:pPr algn="ctr"/>
             <a:r>
-              <a:rPr lang="en-US" altLang="zh-TW" sz="1200" dirty="0" smtClean="0">
+              <a:rPr lang="en-US" altLang="zh-TW" sz="1200" dirty="0">
                 <a:latin typeface="Times New Roman" pitchFamily="18" charset="0"/>
                 <a:cs typeface="Times New Roman" pitchFamily="18" charset="0"/>
               </a:rPr>
@@ -3284,7 +3258,7 @@
           <a:p>
             <a:pPr defTabSz="0"/>
             <a:r>
-              <a:rPr lang="en-US" altLang="zh-TW" dirty="0" smtClean="0">
+              <a:rPr lang="en-US" altLang="zh-TW" dirty="0">
                 <a:latin typeface="Times New Roman" pitchFamily="18" charset="0"/>
                 <a:cs typeface="Times New Roman" pitchFamily="18" charset="0"/>
               </a:rPr>
@@ -3294,25 +3268,18 @@
           <a:p>
             <a:pPr defTabSz="0"/>
             <a:r>
-              <a:rPr lang="zh-TW" altLang="en-US" dirty="0" smtClean="0">
+              <a:rPr lang="zh-TW" altLang="en-US" dirty="0">
                 <a:latin typeface="Times New Roman" pitchFamily="18" charset="0"/>
                 <a:cs typeface="Times New Roman" pitchFamily="18" charset="0"/>
               </a:rPr>
               <a:t>    </a:t>
             </a:r>
             <a:r>
-              <a:rPr lang="en-US" altLang="zh-TW" dirty="0" smtClean="0">
-                <a:latin typeface="Times New Roman" pitchFamily="18" charset="0"/>
-                <a:cs typeface="Times New Roman" pitchFamily="18" charset="0"/>
-              </a:rPr>
-              <a:t>&lt;</a:t>
-            </a:r>
-            <a:r>
-              <a:rPr lang="en-US" altLang="zh-TW" dirty="0">
-                <a:latin typeface="Times New Roman" pitchFamily="18" charset="0"/>
-                <a:cs typeface="Times New Roman" pitchFamily="18" charset="0"/>
-              </a:rPr>
-              <a:t>div&gt;</a:t>
+              <a:rPr lang="en-US" altLang="zh-TW" dirty="0">
+                <a:latin typeface="Times New Roman" pitchFamily="18" charset="0"/>
+                <a:cs typeface="Times New Roman" pitchFamily="18" charset="0"/>
+              </a:rPr>
+              <a:t>&lt;div&gt;</a:t>
             </a:r>
           </a:p>
           <a:p>
@@ -3422,20 +3389,13 @@
                 <a:latin typeface="Times New Roman" pitchFamily="18" charset="0"/>
                 <a:cs typeface="Times New Roman" pitchFamily="18" charset="0"/>
               </a:rPr>
-              <a:t>    &lt;/div</a:t>
-            </a:r>
-            <a:r>
-              <a:rPr lang="en-US" altLang="zh-TW" dirty="0" smtClean="0">
-                <a:latin typeface="Times New Roman" pitchFamily="18" charset="0"/>
-                <a:cs typeface="Times New Roman" pitchFamily="18" charset="0"/>
-              </a:rPr>
-              <a:t>&gt;</a:t>
-            </a:r>
-          </a:p>
-          <a:p>
-            <a:pPr defTabSz="0"/>
-            <a:r>
-              <a:rPr lang="en-US" altLang="zh-TW" dirty="0" smtClean="0">
+              <a:t>    &lt;/div&gt;</a:t>
+            </a:r>
+          </a:p>
+          <a:p>
+            <a:pPr defTabSz="0"/>
+            <a:r>
+              <a:rPr lang="en-US" altLang="zh-TW" dirty="0">
                 <a:latin typeface="Times New Roman" pitchFamily="18" charset="0"/>
                 <a:cs typeface="Times New Roman" pitchFamily="18" charset="0"/>
               </a:rPr>
@@ -3452,7 +3412,7 @@
           <a:p>
             <a:pPr defTabSz="0"/>
             <a:r>
-              <a:rPr lang="en-US" altLang="zh-TW" dirty="0" smtClean="0">
+              <a:rPr lang="en-US" altLang="zh-TW" dirty="0">
                 <a:solidFill>
                   <a:srgbClr val="FF0000"/>
                 </a:solidFill>
@@ -3462,12 +3422,70 @@
               <a:t>Inline level</a:t>
             </a:r>
             <a:r>
-              <a:rPr lang="en-US" altLang="zh-TW" dirty="0" smtClean="0">
+              <a:rPr lang="en-US" altLang="zh-TW" dirty="0">
                 <a:latin typeface="Times New Roman" pitchFamily="18" charset="0"/>
                 <a:cs typeface="Times New Roman" pitchFamily="18" charset="0"/>
               </a:rPr>
               <a:t>:</a:t>
             </a:r>
+          </a:p>
+          <a:p>
+            <a:pPr defTabSz="0"/>
+            <a:r>
+              <a:rPr lang="zh-TW" altLang="en-US" dirty="0">
+                <a:latin typeface="Times New Roman" pitchFamily="18" charset="0"/>
+                <a:cs typeface="Times New Roman" pitchFamily="18" charset="0"/>
+              </a:rPr>
+              <a:t>　類似文字的 </a:t>
+            </a:r>
+            <a:r>
+              <a:rPr lang="en-US" altLang="zh-TW" dirty="0">
+                <a:latin typeface="Times New Roman" pitchFamily="18" charset="0"/>
+                <a:cs typeface="Times New Roman" pitchFamily="18" charset="0"/>
+              </a:rPr>
+              <a:t>element</a:t>
+            </a:r>
+          </a:p>
+          <a:p>
+            <a:pPr defTabSz="0"/>
+            <a:r>
+              <a:rPr lang="zh-TW" altLang="en-US" dirty="0">
+                <a:latin typeface="Times New Roman" pitchFamily="18" charset="0"/>
+                <a:cs typeface="Times New Roman" pitchFamily="18" charset="0"/>
+              </a:rPr>
+              <a:t>　</a:t>
+            </a:r>
+            <a:r>
+              <a:rPr lang="en-US" altLang="zh-TW" dirty="0" err="1">
+                <a:latin typeface="Times New Roman" pitchFamily="18" charset="0"/>
+                <a:cs typeface="Times New Roman" pitchFamily="18" charset="0"/>
+              </a:rPr>
+              <a:t>eg</a:t>
+            </a:r>
+            <a:r>
+              <a:rPr lang="en-US" altLang="zh-TW" dirty="0">
+                <a:latin typeface="Times New Roman" pitchFamily="18" charset="0"/>
+                <a:cs typeface="Times New Roman" pitchFamily="18" charset="0"/>
+              </a:rPr>
+              <a:t>.&lt;span&gt;&lt;/span&gt;, &lt;</a:t>
+            </a:r>
+            <a:r>
+              <a:rPr lang="en-US" altLang="zh-TW" dirty="0" err="1">
+                <a:latin typeface="Times New Roman" pitchFamily="18" charset="0"/>
+                <a:cs typeface="Times New Roman" pitchFamily="18" charset="0"/>
+              </a:rPr>
+              <a:t>br</a:t>
+            </a:r>
+            <a:r>
+              <a:rPr lang="en-US" altLang="zh-TW" dirty="0">
+                <a:latin typeface="Times New Roman" pitchFamily="18" charset="0"/>
+                <a:cs typeface="Times New Roman" pitchFamily="18" charset="0"/>
+              </a:rPr>
+              <a:t>&gt;</a:t>
+            </a:r>
+          </a:p>
+          <a:p>
+            <a:pPr defTabSz="0"/>
             <a:endParaRPr lang="en-US" altLang="zh-TW" dirty="0">
               <a:latin typeface="Times New Roman" pitchFamily="18" charset="0"/>
               <a:cs typeface="Times New Roman" pitchFamily="18" charset="0"/>
@@ -3476,14 +3494,34 @@
           <a:p>
             <a:pPr defTabSz="0"/>
             <a:r>
-              <a:rPr lang="zh-TW" altLang="en-US" dirty="0" smtClean="0">
-                <a:latin typeface="Times New Roman" pitchFamily="18" charset="0"/>
-                <a:cs typeface="Times New Roman" pitchFamily="18" charset="0"/>
-              </a:rPr>
-              <a:t>　類似文字的 </a:t>
-            </a:r>
-            <a:r>
-              <a:rPr lang="en-US" altLang="zh-TW" dirty="0" smtClean="0">
+              <a:rPr lang="en-US" altLang="zh-TW" dirty="0">
+                <a:solidFill>
+                  <a:srgbClr val="FF0000"/>
+                </a:solidFill>
+                <a:latin typeface="Times New Roman" pitchFamily="18" charset="0"/>
+                <a:cs typeface="Times New Roman" pitchFamily="18" charset="0"/>
+              </a:rPr>
+              <a:t>Block level</a:t>
+            </a:r>
+            <a:r>
+              <a:rPr lang="en-US" altLang="zh-TW" dirty="0">
+                <a:latin typeface="Times New Roman" pitchFamily="18" charset="0"/>
+                <a:cs typeface="Times New Roman" pitchFamily="18" charset="0"/>
+              </a:rPr>
+              <a:t>:</a:t>
+            </a:r>
+          </a:p>
+          <a:p>
+            <a:pPr defTabSz="0"/>
+            <a:r>
+              <a:rPr lang="zh-TW" altLang="en-US" dirty="0">
+                <a:latin typeface="Times New Roman" pitchFamily="18" charset="0"/>
+                <a:cs typeface="Times New Roman" pitchFamily="18" charset="0"/>
+              </a:rPr>
+              <a:t>　標記一個區塊的 </a:t>
+            </a:r>
+            <a:r>
+              <a:rPr lang="en-US" altLang="zh-TW" dirty="0">
                 <a:latin typeface="Times New Roman" pitchFamily="18" charset="0"/>
                 <a:cs typeface="Times New Roman" pitchFamily="18" charset="0"/>
               </a:rPr>
@@ -3493,39 +3531,25 @@
           <a:p>
             <a:pPr defTabSz="0"/>
             <a:r>
-              <a:rPr lang="zh-TW" altLang="en-US" dirty="0" smtClean="0">
+              <a:rPr lang="zh-TW" altLang="en-US" dirty="0">
                 <a:latin typeface="Times New Roman" pitchFamily="18" charset="0"/>
                 <a:cs typeface="Times New Roman" pitchFamily="18" charset="0"/>
               </a:rPr>
               <a:t>　</a:t>
             </a:r>
             <a:r>
-              <a:rPr lang="en-US" altLang="zh-TW" dirty="0" err="1" smtClean="0">
+              <a:rPr lang="en-US" altLang="zh-TW" dirty="0" err="1">
                 <a:latin typeface="Times New Roman" pitchFamily="18" charset="0"/>
                 <a:cs typeface="Times New Roman" pitchFamily="18" charset="0"/>
               </a:rPr>
               <a:t>eg</a:t>
             </a:r>
             <a:r>
-              <a:rPr lang="en-US" altLang="zh-TW" dirty="0" smtClean="0">
-                <a:latin typeface="Times New Roman" pitchFamily="18" charset="0"/>
-                <a:cs typeface="Times New Roman" pitchFamily="18" charset="0"/>
-              </a:rPr>
-              <a:t>.&lt;span&gt;&lt;/span&gt;, &lt;</a:t>
-            </a:r>
-            <a:r>
-              <a:rPr lang="en-US" altLang="zh-TW" dirty="0" err="1" smtClean="0">
-                <a:latin typeface="Times New Roman" pitchFamily="18" charset="0"/>
-                <a:cs typeface="Times New Roman" pitchFamily="18" charset="0"/>
-              </a:rPr>
-              <a:t>br</a:t>
-            </a:r>
-            <a:r>
-              <a:rPr lang="en-US" altLang="zh-TW" dirty="0" smtClean="0">
-                <a:latin typeface="Times New Roman" pitchFamily="18" charset="0"/>
-                <a:cs typeface="Times New Roman" pitchFamily="18" charset="0"/>
-              </a:rPr>
-              <a:t>&gt;</a:t>
+              <a:rPr lang="en-US" altLang="zh-TW" dirty="0">
+                <a:latin typeface="Times New Roman" pitchFamily="18" charset="0"/>
+                <a:cs typeface="Times New Roman" pitchFamily="18" charset="0"/>
+              </a:rPr>
+              <a:t>.&lt;div&gt;&lt;/div&gt;</a:t>
             </a:r>
           </a:p>
           <a:p>
@@ -3538,127 +3562,41 @@
           <a:p>
             <a:pPr defTabSz="0"/>
             <a:r>
-              <a:rPr lang="en-US" altLang="zh-TW" dirty="0" smtClean="0">
-                <a:solidFill>
-                  <a:srgbClr val="FF0000"/>
-                </a:solidFill>
-                <a:latin typeface="Times New Roman" pitchFamily="18" charset="0"/>
-                <a:cs typeface="Times New Roman" pitchFamily="18" charset="0"/>
-              </a:rPr>
-              <a:t>Block level</a:t>
-            </a:r>
-            <a:r>
-              <a:rPr lang="en-US" altLang="zh-TW" dirty="0" smtClean="0">
-                <a:latin typeface="Times New Roman" pitchFamily="18" charset="0"/>
-                <a:cs typeface="Times New Roman" pitchFamily="18" charset="0"/>
-              </a:rPr>
-              <a:t>:</a:t>
-            </a:r>
-          </a:p>
-          <a:p>
-            <a:pPr defTabSz="0"/>
-            <a:r>
               <a:rPr lang="zh-TW" altLang="en-US" dirty="0">
                 <a:latin typeface="Times New Roman" pitchFamily="18" charset="0"/>
                 <a:cs typeface="Times New Roman" pitchFamily="18" charset="0"/>
               </a:rPr>
-              <a:t>　</a:t>
-            </a:r>
-            <a:r>
-              <a:rPr lang="zh-TW" altLang="en-US" dirty="0" smtClean="0">
-                <a:latin typeface="Times New Roman" pitchFamily="18" charset="0"/>
-                <a:cs typeface="Times New Roman" pitchFamily="18" charset="0"/>
-              </a:rPr>
-              <a:t>標記一個區塊的 </a:t>
-            </a:r>
-            <a:r>
-              <a:rPr lang="en-US" altLang="zh-TW" dirty="0" smtClean="0">
-                <a:latin typeface="Times New Roman" pitchFamily="18" charset="0"/>
-                <a:cs typeface="Times New Roman" pitchFamily="18" charset="0"/>
-              </a:rPr>
-              <a:t>element</a:t>
+              <a:t>之後會詳細解釋 </a:t>
+            </a:r>
+            <a:r>
+              <a:rPr lang="en-US" altLang="zh-TW" dirty="0">
+                <a:latin typeface="Times New Roman" pitchFamily="18" charset="0"/>
+                <a:cs typeface="Times New Roman" pitchFamily="18" charset="0"/>
+              </a:rPr>
+              <a:t>inline </a:t>
+            </a:r>
+            <a:r>
+              <a:rPr lang="zh-TW" altLang="en-US" dirty="0">
+                <a:latin typeface="Times New Roman" pitchFamily="18" charset="0"/>
+                <a:cs typeface="Times New Roman" pitchFamily="18" charset="0"/>
+              </a:rPr>
+              <a:t>和 </a:t>
+            </a:r>
+            <a:r>
+              <a:rPr lang="en-US" altLang="zh-TW" dirty="0">
+                <a:latin typeface="Times New Roman" pitchFamily="18" charset="0"/>
+                <a:cs typeface="Times New Roman" pitchFamily="18" charset="0"/>
+              </a:rPr>
+              <a:t>block</a:t>
+            </a:r>
+            <a:r>
+              <a:rPr lang="zh-TW" altLang="en-US" dirty="0">
+                <a:latin typeface="Times New Roman" pitchFamily="18" charset="0"/>
+                <a:cs typeface="Times New Roman" pitchFamily="18" charset="0"/>
+              </a:rPr>
+              <a:t>，這裡先簡單理解</a:t>
             </a:r>
             <a:endParaRPr lang="en-US" altLang="zh-TW" dirty="0">
-              <a:latin typeface="Times New Roman" pitchFamily="18" charset="0"/>
-              <a:cs typeface="Times New Roman" pitchFamily="18" charset="0"/>
-            </a:endParaRPr>
-          </a:p>
-          <a:p>
-            <a:pPr defTabSz="0"/>
-            <a:r>
-              <a:rPr lang="zh-TW" altLang="en-US" dirty="0" smtClean="0">
-                <a:latin typeface="Times New Roman" pitchFamily="18" charset="0"/>
-                <a:cs typeface="Times New Roman" pitchFamily="18" charset="0"/>
-              </a:rPr>
-              <a:t>　</a:t>
-            </a:r>
-            <a:r>
-              <a:rPr lang="en-US" altLang="zh-TW" dirty="0" err="1" smtClean="0">
-                <a:latin typeface="Times New Roman" pitchFamily="18" charset="0"/>
-                <a:cs typeface="Times New Roman" pitchFamily="18" charset="0"/>
-              </a:rPr>
-              <a:t>eg</a:t>
-            </a:r>
-            <a:r>
-              <a:rPr lang="en-US" altLang="zh-TW" dirty="0" smtClean="0">
-                <a:latin typeface="Times New Roman" pitchFamily="18" charset="0"/>
-                <a:cs typeface="Times New Roman" pitchFamily="18" charset="0"/>
-              </a:rPr>
-              <a:t>.&lt;div&gt;&lt;/div&gt;</a:t>
-            </a:r>
-          </a:p>
-          <a:p>
-            <a:pPr defTabSz="0"/>
-            <a:endParaRPr lang="en-US" altLang="zh-TW" dirty="0">
-              <a:latin typeface="Times New Roman" pitchFamily="18" charset="0"/>
-              <a:cs typeface="Times New Roman" pitchFamily="18" charset="0"/>
-            </a:endParaRPr>
-          </a:p>
-          <a:p>
-            <a:pPr defTabSz="0"/>
-            <a:r>
-              <a:rPr lang="zh-TW" altLang="en-US" dirty="0">
-                <a:latin typeface="Times New Roman" pitchFamily="18" charset="0"/>
-                <a:cs typeface="Times New Roman" pitchFamily="18" charset="0"/>
-              </a:rPr>
-              <a:t>之後</a:t>
-            </a:r>
-            <a:r>
-              <a:rPr lang="zh-TW" altLang="en-US" dirty="0" smtClean="0">
-                <a:latin typeface="Times New Roman" pitchFamily="18" charset="0"/>
-                <a:cs typeface="Times New Roman" pitchFamily="18" charset="0"/>
-              </a:rPr>
-              <a:t>會詳細解釋 </a:t>
-            </a:r>
-            <a:r>
-              <a:rPr lang="en-US" altLang="zh-TW" dirty="0" smtClean="0">
-                <a:latin typeface="Times New Roman" pitchFamily="18" charset="0"/>
-                <a:cs typeface="Times New Roman" pitchFamily="18" charset="0"/>
-              </a:rPr>
-              <a:t>inline </a:t>
-            </a:r>
-            <a:r>
-              <a:rPr lang="zh-TW" altLang="en-US" dirty="0" smtClean="0">
-                <a:latin typeface="Times New Roman" pitchFamily="18" charset="0"/>
-                <a:cs typeface="Times New Roman" pitchFamily="18" charset="0"/>
-              </a:rPr>
-              <a:t>和 </a:t>
-            </a:r>
-            <a:r>
-              <a:rPr lang="en-US" altLang="zh-TW" dirty="0" smtClean="0">
-                <a:latin typeface="Times New Roman" pitchFamily="18" charset="0"/>
-                <a:cs typeface="Times New Roman" pitchFamily="18" charset="0"/>
-              </a:rPr>
-              <a:t>block</a:t>
-            </a:r>
-            <a:r>
-              <a:rPr lang="zh-TW" altLang="en-US" dirty="0" smtClean="0">
-                <a:latin typeface="Times New Roman" pitchFamily="18" charset="0"/>
-                <a:cs typeface="Times New Roman" pitchFamily="18" charset="0"/>
-              </a:rPr>
-              <a:t>，這裡先簡單理解</a:t>
-            </a:r>
-            <a:endParaRPr lang="en-US" altLang="zh-TW" dirty="0" smtClean="0">
               <a:latin typeface="Times New Roman" pitchFamily="18" charset="0"/>
               <a:cs typeface="Times New Roman" pitchFamily="18" charset="0"/>
             </a:endParaRPr>
@@ -3751,13 +3689,6 @@
   <p:clrMapOvr>
     <a:masterClrMapping/>
   </p:clrMapOvr>
-  <p:timing>
-    <p:tnLst>
-      <p:par>
-        <p:cTn id="1" dur="indefinite" restart="never" nodeType="tmRoot"/>
-      </p:par>
-    </p:tnLst>
-  </p:timing>
 </p:sld>
 </file>
 
@@ -3802,16 +3733,12 @@
           <a:p>
             <a:pPr algn="ctr"/>
             <a:r>
-              <a:rPr lang="zh-TW" altLang="en-US" sz="2400" dirty="0" smtClean="0">
+              <a:rPr lang="zh-TW" altLang="en-US" sz="2400" dirty="0">
                 <a:latin typeface="Times New Roman" pitchFamily="18" charset="0"/>
                 <a:cs typeface="Times New Roman" pitchFamily="18" charset="0"/>
               </a:rPr>
               <a:t>瀏覽器檢查網頁文件</a:t>
             </a:r>
-            <a:endParaRPr lang="zh-TW" altLang="en-US" sz="2400" dirty="0">
-              <a:latin typeface="Times New Roman" pitchFamily="18" charset="0"/>
-              <a:cs typeface="Times New Roman" pitchFamily="18" charset="0"/>
-            </a:endParaRPr>
           </a:p>
         </p:txBody>
       </p:sp>
@@ -3839,7 +3766,7 @@
           <a:p>
             <a:pPr algn="ctr"/>
             <a:r>
-              <a:rPr lang="en-US" altLang="zh-TW" sz="1200" dirty="0" smtClean="0">
+              <a:rPr lang="en-US" altLang="zh-TW" sz="1200" dirty="0">
                 <a:latin typeface="Times New Roman" pitchFamily="18" charset="0"/>
                 <a:cs typeface="Times New Roman" pitchFamily="18" charset="0"/>
               </a:rPr>
@@ -3876,21 +3803,21 @@
           <a:p>
             <a:pPr defTabSz="0"/>
             <a:r>
-              <a:rPr lang="zh-TW" altLang="en-US" dirty="0" smtClean="0">
+              <a:rPr lang="zh-TW" altLang="en-US" dirty="0">
                 <a:latin typeface="Times New Roman" pitchFamily="18" charset="0"/>
                 <a:cs typeface="Times New Roman" pitchFamily="18" charset="0"/>
               </a:rPr>
               <a:t>在瀏覽器按下 </a:t>
             </a:r>
             <a:r>
-              <a:rPr lang="en-US" altLang="zh-TW" dirty="0" smtClean="0">
+              <a:rPr lang="en-US" altLang="zh-TW" dirty="0">
                 <a:latin typeface="Times New Roman" pitchFamily="18" charset="0"/>
                 <a:cs typeface="Times New Roman" pitchFamily="18" charset="0"/>
               </a:rPr>
               <a:t>F12</a:t>
             </a:r>
             <a:r>
-              <a:rPr lang="zh-TW" altLang="en-US" dirty="0" smtClean="0">
+              <a:rPr lang="zh-TW" altLang="en-US" dirty="0">
                 <a:latin typeface="Times New Roman" pitchFamily="18" charset="0"/>
                 <a:cs typeface="Times New Roman" pitchFamily="18" charset="0"/>
               </a:rPr>
@@ -3943,13 +3870,6 @@
   <p:clrMapOvr>
     <a:masterClrMapping/>
   </p:clrMapOvr>
-  <p:timing>
-    <p:tnLst>
-      <p:par>
-        <p:cTn id="1" dur="indefinite" restart="never" nodeType="tmRoot"/>
-      </p:par>
-    </p:tnLst>
-  </p:timing>
 </p:sld>
 </file>
 
@@ -3994,23 +3914,19 @@
           <a:p>
             <a:pPr algn="ctr"/>
             <a:r>
-              <a:rPr lang="en-US" altLang="zh-TW" sz="2400" dirty="0" smtClean="0">
+              <a:rPr lang="en-US" altLang="zh-TW" sz="2400" dirty="0">
                 <a:latin typeface="Times New Roman" pitchFamily="18" charset="0"/>
                 <a:cs typeface="Times New Roman" pitchFamily="18" charset="0"/>
               </a:rPr>
               <a:t>Element </a:t>
             </a:r>
             <a:r>
-              <a:rPr lang="zh-TW" altLang="en-US" sz="2400" dirty="0" smtClean="0">
+              <a:rPr lang="zh-TW" altLang="en-US" sz="2400" dirty="0">
                 <a:latin typeface="Times New Roman" pitchFamily="18" charset="0"/>
                 <a:cs typeface="Times New Roman" pitchFamily="18" charset="0"/>
               </a:rPr>
               <a:t>介紹</a:t>
             </a:r>
-            <a:endParaRPr lang="zh-TW" altLang="en-US" sz="2400" dirty="0">
-              <a:latin typeface="Times New Roman" pitchFamily="18" charset="0"/>
-              <a:cs typeface="Times New Roman" pitchFamily="18" charset="0"/>
-            </a:endParaRPr>
           </a:p>
         </p:txBody>
       </p:sp>
@@ -4038,7 +3954,7 @@
           <a:p>
             <a:pPr algn="ctr"/>
             <a:r>
-              <a:rPr lang="en-US" altLang="zh-TW" sz="1200" dirty="0" smtClean="0">
+              <a:rPr lang="en-US" altLang="zh-TW" sz="1200" dirty="0">
                 <a:latin typeface="Times New Roman" pitchFamily="18" charset="0"/>
                 <a:cs typeface="Times New Roman" pitchFamily="18" charset="0"/>
               </a:rPr>
@@ -4075,7 +3991,7 @@
           <a:p>
             <a:pPr defTabSz="0"/>
             <a:r>
-              <a:rPr lang="zh-TW" altLang="en-US" dirty="0" smtClean="0">
+              <a:rPr lang="zh-TW" altLang="en-US" dirty="0">
                 <a:latin typeface="Times New Roman" pitchFamily="18" charset="0"/>
                 <a:cs typeface="Times New Roman" pitchFamily="18" charset="0"/>
               </a:rPr>
@@ -4096,7 +4012,7 @@
               <a:t>　</a:t>
             </a:r>
             <a:r>
-              <a:rPr lang="en-US" altLang="zh-TW" dirty="0" smtClean="0">
+              <a:rPr lang="en-US" altLang="zh-TW" dirty="0">
                 <a:latin typeface="Times New Roman" pitchFamily="18" charset="0"/>
                 <a:cs typeface="Times New Roman" pitchFamily="18" charset="0"/>
               </a:rPr>
@@ -4110,7 +4026,7 @@
               <a:t>註解 </a:t>
             </a:r>
             <a:r>
-              <a:rPr lang="en-US" altLang="zh-TW" dirty="0" smtClean="0">
+              <a:rPr lang="en-US" altLang="zh-TW" dirty="0">
                 <a:latin typeface="Times New Roman" pitchFamily="18" charset="0"/>
                 <a:cs typeface="Times New Roman" pitchFamily="18" charset="0"/>
               </a:rPr>
@@ -4120,452 +4036,11 @@
           <a:p>
             <a:pPr defTabSz="0"/>
             <a:r>
-              <a:rPr lang="zh-TW" altLang="en-US" dirty="0" smtClean="0">
-                <a:latin typeface="Times New Roman" pitchFamily="18" charset="0"/>
-                <a:cs typeface="Times New Roman" pitchFamily="18" charset="0"/>
-              </a:rPr>
-              <a:t>區</a:t>
-            </a:r>
-            <a:r>
-              <a:rPr lang="zh-TW" altLang="en-US" dirty="0" smtClean="0">
-                <a:latin typeface="Times New Roman" pitchFamily="18" charset="0"/>
-                <a:cs typeface="Times New Roman" pitchFamily="18" charset="0"/>
-              </a:rPr>
-              <a:t>塊</a:t>
-            </a:r>
-            <a:endParaRPr lang="en-US" altLang="zh-TW" dirty="0" smtClean="0">
-              <a:latin typeface="Times New Roman" pitchFamily="18" charset="0"/>
-              <a:cs typeface="Times New Roman" pitchFamily="18" charset="0"/>
-            </a:endParaRPr>
-          </a:p>
-          <a:p>
-            <a:pPr defTabSz="0"/>
-            <a:r>
-              <a:rPr lang="zh-TW" altLang="en-US" dirty="0" smtClean="0">
-                <a:latin typeface="Times New Roman" pitchFamily="18" charset="0"/>
-                <a:cs typeface="Times New Roman" pitchFamily="18" charset="0"/>
-              </a:rPr>
-              <a:t>　</a:t>
-            </a:r>
-            <a:r>
-              <a:rPr lang="en-US" altLang="zh-TW" dirty="0" smtClean="0">
-                <a:latin typeface="Times New Roman" pitchFamily="18" charset="0"/>
-                <a:cs typeface="Times New Roman" pitchFamily="18" charset="0"/>
-              </a:rPr>
-              <a:t>&lt;div&gt;</a:t>
-            </a:r>
-            <a:r>
-              <a:rPr lang="zh-TW" altLang="en-US" dirty="0" smtClean="0">
-                <a:latin typeface="Times New Roman" pitchFamily="18" charset="0"/>
-                <a:cs typeface="Times New Roman" pitchFamily="18" charset="0"/>
-              </a:rPr>
-              <a:t>區</a:t>
-            </a:r>
-            <a:r>
               <a:rPr lang="zh-TW" altLang="en-US" dirty="0">
                 <a:latin typeface="Times New Roman" pitchFamily="18" charset="0"/>
                 <a:cs typeface="Times New Roman" pitchFamily="18" charset="0"/>
               </a:rPr>
-              <a:t>塊</a:t>
-            </a:r>
-            <a:r>
-              <a:rPr lang="en-US" altLang="zh-TW" dirty="0" smtClean="0">
-                <a:latin typeface="Times New Roman" pitchFamily="18" charset="0"/>
-                <a:cs typeface="Times New Roman" pitchFamily="18" charset="0"/>
-              </a:rPr>
-              <a:t>&lt;/div&gt;</a:t>
-            </a:r>
-          </a:p>
-          <a:p>
-            <a:pPr defTabSz="0"/>
-            <a:r>
-              <a:rPr lang="zh-TW" altLang="en-US" dirty="0" smtClean="0">
-                <a:latin typeface="Times New Roman" pitchFamily="18" charset="0"/>
-                <a:cs typeface="Times New Roman" pitchFamily="18" charset="0"/>
-              </a:rPr>
-              <a:t>段落</a:t>
-            </a:r>
-            <a:endParaRPr lang="en-US" altLang="zh-TW" dirty="0" smtClean="0">
-              <a:latin typeface="Times New Roman" pitchFamily="18" charset="0"/>
-              <a:cs typeface="Times New Roman" pitchFamily="18" charset="0"/>
-            </a:endParaRPr>
-          </a:p>
-          <a:p>
-            <a:pPr defTabSz="0"/>
-            <a:r>
-              <a:rPr lang="zh-TW" altLang="en-US" dirty="0">
-                <a:latin typeface="Times New Roman" pitchFamily="18" charset="0"/>
-                <a:cs typeface="Times New Roman" pitchFamily="18" charset="0"/>
-              </a:rPr>
-              <a:t>　</a:t>
-            </a:r>
-            <a:r>
-              <a:rPr lang="en-US" altLang="zh-TW" dirty="0" smtClean="0">
-                <a:latin typeface="Times New Roman" pitchFamily="18" charset="0"/>
-                <a:cs typeface="Times New Roman" pitchFamily="18" charset="0"/>
-              </a:rPr>
-              <a:t>&lt;p&gt;</a:t>
-            </a:r>
-            <a:r>
-              <a:rPr lang="zh-TW" altLang="en-US" dirty="0" smtClean="0">
-                <a:latin typeface="Times New Roman" pitchFamily="18" charset="0"/>
-                <a:cs typeface="Times New Roman" pitchFamily="18" charset="0"/>
-              </a:rPr>
-              <a:t>段落</a:t>
-            </a:r>
-            <a:r>
-              <a:rPr lang="en-US" altLang="zh-TW" dirty="0" smtClean="0">
-                <a:latin typeface="Times New Roman" pitchFamily="18" charset="0"/>
-                <a:cs typeface="Times New Roman" pitchFamily="18" charset="0"/>
-              </a:rPr>
-              <a:t>&lt;/p&gt;</a:t>
-            </a:r>
-          </a:p>
-          <a:p>
-            <a:pPr defTabSz="0"/>
-            <a:r>
-              <a:rPr lang="zh-TW" altLang="en-US" dirty="0" smtClean="0">
-                <a:latin typeface="Times New Roman" pitchFamily="18" charset="0"/>
-                <a:cs typeface="Times New Roman" pitchFamily="18" charset="0"/>
-              </a:rPr>
-              <a:t>標題</a:t>
-            </a:r>
-            <a:endParaRPr lang="en-US" altLang="zh-TW" dirty="0" smtClean="0">
-              <a:latin typeface="Times New Roman" pitchFamily="18" charset="0"/>
-              <a:cs typeface="Times New Roman" pitchFamily="18" charset="0"/>
-            </a:endParaRPr>
-          </a:p>
-          <a:p>
-            <a:pPr defTabSz="0"/>
-            <a:r>
-              <a:rPr lang="zh-TW" altLang="en-US" dirty="0">
-                <a:latin typeface="Times New Roman" pitchFamily="18" charset="0"/>
-                <a:cs typeface="Times New Roman" pitchFamily="18" charset="0"/>
-              </a:rPr>
-              <a:t>　</a:t>
-            </a:r>
-            <a:r>
-              <a:rPr lang="en-US" altLang="zh-TW" dirty="0" smtClean="0">
-                <a:latin typeface="Times New Roman" pitchFamily="18" charset="0"/>
-                <a:cs typeface="Times New Roman" pitchFamily="18" charset="0"/>
-              </a:rPr>
-              <a:t>&lt;h1&gt;</a:t>
-            </a:r>
-            <a:r>
-              <a:rPr lang="zh-TW" altLang="en-US" dirty="0" smtClean="0">
-                <a:latin typeface="Times New Roman" pitchFamily="18" charset="0"/>
-                <a:cs typeface="Times New Roman" pitchFamily="18" charset="0"/>
-              </a:rPr>
-              <a:t>標題</a:t>
-            </a:r>
-            <a:r>
-              <a:rPr lang="en-US" altLang="zh-TW" dirty="0" smtClean="0">
-                <a:latin typeface="Times New Roman" pitchFamily="18" charset="0"/>
-                <a:cs typeface="Times New Roman" pitchFamily="18" charset="0"/>
-              </a:rPr>
-              <a:t>1&lt;/h1&gt;</a:t>
-            </a:r>
-          </a:p>
-          <a:p>
-            <a:pPr defTabSz="0"/>
-            <a:r>
-              <a:rPr lang="zh-TW" altLang="en-US" dirty="0">
-                <a:latin typeface="Times New Roman" pitchFamily="18" charset="0"/>
-                <a:cs typeface="Times New Roman" pitchFamily="18" charset="0"/>
-              </a:rPr>
-              <a:t>　</a:t>
-            </a:r>
-            <a:r>
-              <a:rPr lang="pt-BR" altLang="zh-TW" dirty="0" smtClean="0">
-                <a:latin typeface="Times New Roman" pitchFamily="18" charset="0"/>
-                <a:cs typeface="Times New Roman" pitchFamily="18" charset="0"/>
-              </a:rPr>
-              <a:t>&lt;</a:t>
-            </a:r>
-            <a:r>
-              <a:rPr lang="pt-BR" altLang="zh-TW" dirty="0">
-                <a:latin typeface="Times New Roman" pitchFamily="18" charset="0"/>
-                <a:cs typeface="Times New Roman" pitchFamily="18" charset="0"/>
-              </a:rPr>
-              <a:t>h2</a:t>
-            </a:r>
-            <a:r>
-              <a:rPr lang="pt-BR" altLang="zh-TW" dirty="0" smtClean="0">
-                <a:latin typeface="Times New Roman" pitchFamily="18" charset="0"/>
-                <a:cs typeface="Times New Roman" pitchFamily="18" charset="0"/>
-              </a:rPr>
-              <a:t>&gt;</a:t>
-            </a:r>
-            <a:r>
-              <a:rPr lang="zh-TW" altLang="en-US" dirty="0" smtClean="0">
-                <a:latin typeface="Times New Roman" pitchFamily="18" charset="0"/>
-                <a:cs typeface="Times New Roman" pitchFamily="18" charset="0"/>
-              </a:rPr>
-              <a:t>標題</a:t>
-            </a:r>
-            <a:r>
-              <a:rPr lang="en-US" altLang="zh-TW" dirty="0" smtClean="0">
-                <a:latin typeface="Times New Roman" pitchFamily="18" charset="0"/>
-                <a:cs typeface="Times New Roman" pitchFamily="18" charset="0"/>
-              </a:rPr>
-              <a:t>2</a:t>
-            </a:r>
-            <a:r>
-              <a:rPr lang="pt-BR" altLang="zh-TW" dirty="0" smtClean="0">
-                <a:latin typeface="Times New Roman" pitchFamily="18" charset="0"/>
-                <a:cs typeface="Times New Roman" pitchFamily="18" charset="0"/>
-              </a:rPr>
-              <a:t>&lt;/</a:t>
-            </a:r>
-            <a:r>
-              <a:rPr lang="pt-BR" altLang="zh-TW" dirty="0">
-                <a:latin typeface="Times New Roman" pitchFamily="18" charset="0"/>
-                <a:cs typeface="Times New Roman" pitchFamily="18" charset="0"/>
-              </a:rPr>
-              <a:t>h2&gt;</a:t>
-            </a:r>
-          </a:p>
-          <a:p>
-            <a:pPr defTabSz="0"/>
-            <a:r>
-              <a:rPr lang="zh-TW" altLang="en-US" dirty="0">
-                <a:latin typeface="Times New Roman" pitchFamily="18" charset="0"/>
-                <a:cs typeface="Times New Roman" pitchFamily="18" charset="0"/>
-              </a:rPr>
-              <a:t>　</a:t>
-            </a:r>
-            <a:r>
-              <a:rPr lang="pt-BR" altLang="zh-TW" dirty="0" smtClean="0">
-                <a:latin typeface="Times New Roman" pitchFamily="18" charset="0"/>
-                <a:cs typeface="Times New Roman" pitchFamily="18" charset="0"/>
-              </a:rPr>
-              <a:t>&lt;</a:t>
-            </a:r>
-            <a:r>
-              <a:rPr lang="pt-BR" altLang="zh-TW" dirty="0">
-                <a:latin typeface="Times New Roman" pitchFamily="18" charset="0"/>
-                <a:cs typeface="Times New Roman" pitchFamily="18" charset="0"/>
-              </a:rPr>
-              <a:t>h3</a:t>
-            </a:r>
-            <a:r>
-              <a:rPr lang="pt-BR" altLang="zh-TW" dirty="0" smtClean="0">
-                <a:latin typeface="Times New Roman" pitchFamily="18" charset="0"/>
-                <a:cs typeface="Times New Roman" pitchFamily="18" charset="0"/>
-              </a:rPr>
-              <a:t>&gt;</a:t>
-            </a:r>
-            <a:r>
-              <a:rPr lang="zh-TW" altLang="en-US" dirty="0" smtClean="0">
-                <a:latin typeface="Times New Roman" pitchFamily="18" charset="0"/>
-                <a:cs typeface="Times New Roman" pitchFamily="18" charset="0"/>
-              </a:rPr>
-              <a:t>標題</a:t>
-            </a:r>
-            <a:r>
-              <a:rPr lang="en-US" altLang="zh-TW" dirty="0" smtClean="0">
-                <a:latin typeface="Times New Roman" pitchFamily="18" charset="0"/>
-                <a:cs typeface="Times New Roman" pitchFamily="18" charset="0"/>
-              </a:rPr>
-              <a:t>3</a:t>
-            </a:r>
-            <a:r>
-              <a:rPr lang="pt-BR" altLang="zh-TW" dirty="0" smtClean="0">
-                <a:latin typeface="Times New Roman" pitchFamily="18" charset="0"/>
-                <a:cs typeface="Times New Roman" pitchFamily="18" charset="0"/>
-              </a:rPr>
-              <a:t>&lt;/</a:t>
-            </a:r>
-            <a:r>
-              <a:rPr lang="pt-BR" altLang="zh-TW" dirty="0">
-                <a:latin typeface="Times New Roman" pitchFamily="18" charset="0"/>
-                <a:cs typeface="Times New Roman" pitchFamily="18" charset="0"/>
-              </a:rPr>
-              <a:t>h3&gt;</a:t>
-            </a:r>
-          </a:p>
-          <a:p>
-            <a:pPr defTabSz="0"/>
-            <a:r>
-              <a:rPr lang="zh-TW" altLang="en-US" dirty="0">
-                <a:latin typeface="Times New Roman" pitchFamily="18" charset="0"/>
-                <a:cs typeface="Times New Roman" pitchFamily="18" charset="0"/>
-              </a:rPr>
-              <a:t>　</a:t>
-            </a:r>
-            <a:r>
-              <a:rPr lang="pt-BR" altLang="zh-TW" dirty="0" smtClean="0">
-                <a:latin typeface="Times New Roman" pitchFamily="18" charset="0"/>
-                <a:cs typeface="Times New Roman" pitchFamily="18" charset="0"/>
-              </a:rPr>
-              <a:t>&lt;</a:t>
-            </a:r>
-            <a:r>
-              <a:rPr lang="pt-BR" altLang="zh-TW" dirty="0">
-                <a:latin typeface="Times New Roman" pitchFamily="18" charset="0"/>
-                <a:cs typeface="Times New Roman" pitchFamily="18" charset="0"/>
-              </a:rPr>
-              <a:t>h4</a:t>
-            </a:r>
-            <a:r>
-              <a:rPr lang="pt-BR" altLang="zh-TW" dirty="0" smtClean="0">
-                <a:latin typeface="Times New Roman" pitchFamily="18" charset="0"/>
-                <a:cs typeface="Times New Roman" pitchFamily="18" charset="0"/>
-              </a:rPr>
-              <a:t>&gt;</a:t>
-            </a:r>
-            <a:r>
-              <a:rPr lang="zh-TW" altLang="en-US" dirty="0" smtClean="0">
-                <a:latin typeface="Times New Roman" pitchFamily="18" charset="0"/>
-                <a:cs typeface="Times New Roman" pitchFamily="18" charset="0"/>
-              </a:rPr>
-              <a:t>標題</a:t>
-            </a:r>
-            <a:r>
-              <a:rPr lang="en-US" altLang="zh-TW" dirty="0" smtClean="0">
-                <a:latin typeface="Times New Roman" pitchFamily="18" charset="0"/>
-                <a:cs typeface="Times New Roman" pitchFamily="18" charset="0"/>
-              </a:rPr>
-              <a:t>4</a:t>
-            </a:r>
-            <a:r>
-              <a:rPr lang="pt-BR" altLang="zh-TW" dirty="0" smtClean="0">
-                <a:latin typeface="Times New Roman" pitchFamily="18" charset="0"/>
-                <a:cs typeface="Times New Roman" pitchFamily="18" charset="0"/>
-              </a:rPr>
-              <a:t>&lt;/</a:t>
-            </a:r>
-            <a:r>
-              <a:rPr lang="pt-BR" altLang="zh-TW" dirty="0">
-                <a:latin typeface="Times New Roman" pitchFamily="18" charset="0"/>
-                <a:cs typeface="Times New Roman" pitchFamily="18" charset="0"/>
-              </a:rPr>
-              <a:t>h4&gt;</a:t>
-            </a:r>
-          </a:p>
-          <a:p>
-            <a:pPr defTabSz="0"/>
-            <a:r>
-              <a:rPr lang="zh-TW" altLang="en-US" dirty="0">
-                <a:latin typeface="Times New Roman" pitchFamily="18" charset="0"/>
-                <a:cs typeface="Times New Roman" pitchFamily="18" charset="0"/>
-              </a:rPr>
-              <a:t>　</a:t>
-            </a:r>
-            <a:r>
-              <a:rPr lang="pt-BR" altLang="zh-TW" dirty="0" smtClean="0">
-                <a:latin typeface="Times New Roman" pitchFamily="18" charset="0"/>
-                <a:cs typeface="Times New Roman" pitchFamily="18" charset="0"/>
-              </a:rPr>
-              <a:t>&lt;</a:t>
-            </a:r>
-            <a:r>
-              <a:rPr lang="pt-BR" altLang="zh-TW" dirty="0">
-                <a:latin typeface="Times New Roman" pitchFamily="18" charset="0"/>
-                <a:cs typeface="Times New Roman" pitchFamily="18" charset="0"/>
-              </a:rPr>
-              <a:t>h5</a:t>
-            </a:r>
-            <a:r>
-              <a:rPr lang="pt-BR" altLang="zh-TW" dirty="0" smtClean="0">
-                <a:latin typeface="Times New Roman" pitchFamily="18" charset="0"/>
-                <a:cs typeface="Times New Roman" pitchFamily="18" charset="0"/>
-              </a:rPr>
-              <a:t>&gt;</a:t>
-            </a:r>
-            <a:r>
-              <a:rPr lang="zh-TW" altLang="en-US" dirty="0" smtClean="0">
-                <a:latin typeface="Times New Roman" pitchFamily="18" charset="0"/>
-                <a:cs typeface="Times New Roman" pitchFamily="18" charset="0"/>
-              </a:rPr>
-              <a:t>標題</a:t>
-            </a:r>
-            <a:r>
-              <a:rPr lang="en-US" altLang="zh-TW" dirty="0" smtClean="0">
-                <a:latin typeface="Times New Roman" pitchFamily="18" charset="0"/>
-                <a:cs typeface="Times New Roman" pitchFamily="18" charset="0"/>
-              </a:rPr>
-              <a:t>5</a:t>
-            </a:r>
-            <a:r>
-              <a:rPr lang="pt-BR" altLang="zh-TW" dirty="0" smtClean="0">
-                <a:latin typeface="Times New Roman" pitchFamily="18" charset="0"/>
-                <a:cs typeface="Times New Roman" pitchFamily="18" charset="0"/>
-              </a:rPr>
-              <a:t>&lt;/</a:t>
-            </a:r>
-            <a:r>
-              <a:rPr lang="pt-BR" altLang="zh-TW" dirty="0">
-                <a:latin typeface="Times New Roman" pitchFamily="18" charset="0"/>
-                <a:cs typeface="Times New Roman" pitchFamily="18" charset="0"/>
-              </a:rPr>
-              <a:t>h5&gt;</a:t>
-            </a:r>
-          </a:p>
-          <a:p>
-            <a:pPr defTabSz="0"/>
-            <a:r>
-              <a:rPr lang="zh-TW" altLang="en-US" dirty="0">
-                <a:latin typeface="Times New Roman" pitchFamily="18" charset="0"/>
-                <a:cs typeface="Times New Roman" pitchFamily="18" charset="0"/>
-              </a:rPr>
-              <a:t>　</a:t>
-            </a:r>
-            <a:r>
-              <a:rPr lang="pt-BR" altLang="zh-TW" dirty="0" smtClean="0">
-                <a:latin typeface="Times New Roman" pitchFamily="18" charset="0"/>
-                <a:cs typeface="Times New Roman" pitchFamily="18" charset="0"/>
-              </a:rPr>
-              <a:t>&lt;</a:t>
-            </a:r>
-            <a:r>
-              <a:rPr lang="pt-BR" altLang="zh-TW" dirty="0">
-                <a:latin typeface="Times New Roman" pitchFamily="18" charset="0"/>
-                <a:cs typeface="Times New Roman" pitchFamily="18" charset="0"/>
-              </a:rPr>
-              <a:t>h6</a:t>
-            </a:r>
-            <a:r>
-              <a:rPr lang="pt-BR" altLang="zh-TW" dirty="0" smtClean="0">
-                <a:latin typeface="Times New Roman" pitchFamily="18" charset="0"/>
-                <a:cs typeface="Times New Roman" pitchFamily="18" charset="0"/>
-              </a:rPr>
-              <a:t>&gt;</a:t>
-            </a:r>
-            <a:r>
-              <a:rPr lang="zh-TW" altLang="en-US" dirty="0" smtClean="0">
-                <a:latin typeface="Times New Roman" pitchFamily="18" charset="0"/>
-                <a:cs typeface="Times New Roman" pitchFamily="18" charset="0"/>
-              </a:rPr>
-              <a:t>標題</a:t>
-            </a:r>
-            <a:r>
-              <a:rPr lang="en-US" altLang="zh-TW" dirty="0" smtClean="0">
-                <a:latin typeface="Times New Roman" pitchFamily="18" charset="0"/>
-                <a:cs typeface="Times New Roman" pitchFamily="18" charset="0"/>
-              </a:rPr>
-              <a:t>6</a:t>
-            </a:r>
-            <a:r>
-              <a:rPr lang="pt-BR" altLang="zh-TW" dirty="0" smtClean="0">
-                <a:latin typeface="Times New Roman" pitchFamily="18" charset="0"/>
-                <a:cs typeface="Times New Roman" pitchFamily="18" charset="0"/>
-              </a:rPr>
-              <a:t>&lt;/</a:t>
-            </a:r>
-            <a:r>
-              <a:rPr lang="pt-BR" altLang="zh-TW" dirty="0">
-                <a:latin typeface="Times New Roman" pitchFamily="18" charset="0"/>
-                <a:cs typeface="Times New Roman" pitchFamily="18" charset="0"/>
-              </a:rPr>
-              <a:t>h6</a:t>
-            </a:r>
-            <a:r>
-              <a:rPr lang="pt-BR" altLang="zh-TW" dirty="0" smtClean="0">
-                <a:latin typeface="Times New Roman" pitchFamily="18" charset="0"/>
-                <a:cs typeface="Times New Roman" pitchFamily="18" charset="0"/>
-              </a:rPr>
-              <a:t>&gt;</a:t>
+              <a:t>區塊</a:t>
             </a:r>
             <a:endParaRPr lang="en-US" altLang="zh-TW" dirty="0">
               <a:latin typeface="Times New Roman" pitchFamily="18" charset="0"/>
@@ -4575,18 +4050,42 @@
           <a:p>
             <a:pPr defTabSz="0"/>
             <a:r>
-              <a:rPr lang="zh-TW" altLang="en-US" dirty="0" smtClean="0">
-                <a:latin typeface="Times New Roman" pitchFamily="18" charset="0"/>
-                <a:cs typeface="Times New Roman" pitchFamily="18" charset="0"/>
-              </a:rPr>
-              <a:t>一</a:t>
-            </a:r>
-            <a:r>
               <a:rPr lang="zh-TW" altLang="en-US" dirty="0">
                 <a:latin typeface="Times New Roman" pitchFamily="18" charset="0"/>
                 <a:cs typeface="Times New Roman" pitchFamily="18" charset="0"/>
               </a:rPr>
-              <a:t>串文字</a:t>
+              <a:t>　</a:t>
+            </a:r>
+            <a:r>
+              <a:rPr lang="en-US" altLang="zh-TW" dirty="0">
+                <a:latin typeface="Times New Roman" pitchFamily="18" charset="0"/>
+                <a:cs typeface="Times New Roman" pitchFamily="18" charset="0"/>
+              </a:rPr>
+              <a:t>&lt;div&gt;</a:t>
+            </a:r>
+            <a:r>
+              <a:rPr lang="zh-TW" altLang="en-US" dirty="0">
+                <a:latin typeface="Times New Roman" pitchFamily="18" charset="0"/>
+                <a:cs typeface="Times New Roman" pitchFamily="18" charset="0"/>
+              </a:rPr>
+              <a:t>區塊</a:t>
+            </a:r>
+            <a:r>
+              <a:rPr lang="en-US" altLang="zh-TW" dirty="0">
+                <a:latin typeface="Times New Roman" pitchFamily="18" charset="0"/>
+                <a:cs typeface="Times New Roman" pitchFamily="18" charset="0"/>
+              </a:rPr>
+              <a:t>&lt;/div&gt;</a:t>
+            </a:r>
+          </a:p>
+          <a:p>
+            <a:pPr defTabSz="0"/>
+            <a:r>
+              <a:rPr lang="zh-TW" altLang="en-US" dirty="0">
+                <a:latin typeface="Times New Roman" pitchFamily="18" charset="0"/>
+                <a:cs typeface="Times New Roman" pitchFamily="18" charset="0"/>
+              </a:rPr>
+              <a:t>段落</a:t>
             </a:r>
             <a:endParaRPr lang="en-US" altLang="zh-TW" dirty="0">
               <a:latin typeface="Times New Roman" pitchFamily="18" charset="0"/>
@@ -4607,50 +4106,22 @@
                 <a:latin typeface="Times New Roman" pitchFamily="18" charset="0"/>
                 <a:cs typeface="Times New Roman" pitchFamily="18" charset="0"/>
               </a:rPr>
-              <a:t>&lt;span&gt;</a:t>
+              <a:t>&lt;p&gt;</a:t>
             </a:r>
             <a:r>
               <a:rPr lang="zh-TW" altLang="en-US" dirty="0">
                 <a:latin typeface="Times New Roman" pitchFamily="18" charset="0"/>
                 <a:cs typeface="Times New Roman" pitchFamily="18" charset="0"/>
               </a:rPr>
-              <a:t>文字</a:t>
-            </a:r>
-            <a:r>
-              <a:rPr lang="en-US" altLang="zh-TW" dirty="0">
-                <a:latin typeface="Times New Roman" pitchFamily="18" charset="0"/>
-                <a:cs typeface="Times New Roman" pitchFamily="18" charset="0"/>
-              </a:rPr>
-              <a:t>&lt;/span</a:t>
-            </a:r>
-            <a:r>
-              <a:rPr lang="en-US" altLang="zh-TW" dirty="0" smtClean="0">
-                <a:latin typeface="Times New Roman" pitchFamily="18" charset="0"/>
-                <a:cs typeface="Times New Roman" pitchFamily="18" charset="0"/>
-              </a:rPr>
-              <a:t>&gt;</a:t>
-            </a:r>
-          </a:p>
-          <a:p>
-            <a:pPr defTabSz="0"/>
-            <a:r>
-              <a:rPr lang="zh-TW" altLang="en-US" dirty="0" smtClean="0">
-                <a:latin typeface="Times New Roman" pitchFamily="18" charset="0"/>
-                <a:cs typeface="Times New Roman" pitchFamily="18" charset="0"/>
-              </a:rPr>
-              <a:t>換</a:t>
-            </a:r>
-            <a:r>
-              <a:rPr lang="zh-TW" altLang="en-US" dirty="0" smtClean="0">
-                <a:latin typeface="Times New Roman" pitchFamily="18" charset="0"/>
-                <a:cs typeface="Times New Roman" pitchFamily="18" charset="0"/>
-              </a:rPr>
-              <a:t>行</a:t>
-            </a:r>
-            <a:endParaRPr lang="en-US" altLang="zh-TW" dirty="0" smtClean="0">
-              <a:latin typeface="Times New Roman" pitchFamily="18" charset="0"/>
-              <a:cs typeface="Times New Roman" pitchFamily="18" charset="0"/>
-            </a:endParaRPr>
+              <a:t>段落</a:t>
+            </a:r>
+            <a:r>
+              <a:rPr lang="en-US" altLang="zh-TW" dirty="0">
+                <a:latin typeface="Times New Roman" pitchFamily="18" charset="0"/>
+                <a:cs typeface="Times New Roman" pitchFamily="18" charset="0"/>
+              </a:rPr>
+              <a:t>&lt;/p&gt;</a:t>
+            </a:r>
           </a:p>
           <a:p>
             <a:pPr defTabSz="0"/>
@@ -4659,33 +4130,327 @@
                 <a:latin typeface="Times New Roman" pitchFamily="18" charset="0"/>
                 <a:cs typeface="Times New Roman" pitchFamily="18" charset="0"/>
               </a:rPr>
-              <a:t>　</a:t>
-            </a:r>
-            <a:r>
-              <a:rPr lang="en-US" altLang="zh-TW" dirty="0" smtClean="0">
-                <a:latin typeface="Times New Roman" pitchFamily="18" charset="0"/>
-                <a:cs typeface="Times New Roman" pitchFamily="18" charset="0"/>
-              </a:rPr>
-              <a:t>&lt;</a:t>
-            </a:r>
-            <a:r>
-              <a:rPr lang="en-US" altLang="zh-TW" dirty="0" err="1" smtClean="0">
-                <a:latin typeface="Times New Roman" pitchFamily="18" charset="0"/>
-                <a:cs typeface="Times New Roman" pitchFamily="18" charset="0"/>
-              </a:rPr>
-              <a:t>br</a:t>
-            </a:r>
-            <a:r>
-              <a:rPr lang="en-US" altLang="zh-TW" dirty="0" smtClean="0">
-                <a:latin typeface="Times New Roman" pitchFamily="18" charset="0"/>
-                <a:cs typeface="Times New Roman" pitchFamily="18" charset="0"/>
-              </a:rPr>
-              <a:t>&gt;</a:t>
+              <a:t>標題</a:t>
             </a:r>
             <a:endParaRPr lang="en-US" altLang="zh-TW" dirty="0">
               <a:latin typeface="Times New Roman" pitchFamily="18" charset="0"/>
               <a:cs typeface="Times New Roman" pitchFamily="18" charset="0"/>
             </a:endParaRPr>
+          </a:p>
+          <a:p>
+            <a:pPr defTabSz="0"/>
+            <a:r>
+              <a:rPr lang="zh-TW" altLang="en-US" dirty="0">
+                <a:latin typeface="Times New Roman" pitchFamily="18" charset="0"/>
+                <a:cs typeface="Times New Roman" pitchFamily="18" charset="0"/>
+              </a:rPr>
+              <a:t>　</a:t>
+            </a:r>
+            <a:r>
+              <a:rPr lang="en-US" altLang="zh-TW" dirty="0">
+                <a:latin typeface="Times New Roman" pitchFamily="18" charset="0"/>
+                <a:cs typeface="Times New Roman" pitchFamily="18" charset="0"/>
+              </a:rPr>
+              <a:t>&lt;h1&gt;</a:t>
+            </a:r>
+            <a:r>
+              <a:rPr lang="zh-TW" altLang="en-US" dirty="0">
+                <a:latin typeface="Times New Roman" pitchFamily="18" charset="0"/>
+                <a:cs typeface="Times New Roman" pitchFamily="18" charset="0"/>
+              </a:rPr>
+              <a:t>標題</a:t>
+            </a:r>
+            <a:r>
+              <a:rPr lang="en-US" altLang="zh-TW" dirty="0">
+                <a:latin typeface="Times New Roman" pitchFamily="18" charset="0"/>
+                <a:cs typeface="Times New Roman" pitchFamily="18" charset="0"/>
+              </a:rPr>
+              <a:t>1&lt;/h1&gt;</a:t>
+            </a:r>
+          </a:p>
+          <a:p>
+            <a:pPr defTabSz="0"/>
+            <a:r>
+              <a:rPr lang="zh-TW" altLang="en-US" dirty="0">
+                <a:latin typeface="Times New Roman" pitchFamily="18" charset="0"/>
+                <a:cs typeface="Times New Roman" pitchFamily="18" charset="0"/>
+              </a:rPr>
+              <a:t>　</a:t>
+            </a:r>
+            <a:r>
+              <a:rPr lang="pt-BR" altLang="zh-TW" dirty="0">
+                <a:latin typeface="Times New Roman" pitchFamily="18" charset="0"/>
+                <a:cs typeface="Times New Roman" pitchFamily="18" charset="0"/>
+              </a:rPr>
+              <a:t>&lt;h2&gt;</a:t>
+            </a:r>
+            <a:r>
+              <a:rPr lang="zh-TW" altLang="en-US" dirty="0">
+                <a:latin typeface="Times New Roman" pitchFamily="18" charset="0"/>
+                <a:cs typeface="Times New Roman" pitchFamily="18" charset="0"/>
+              </a:rPr>
+              <a:t>標題</a:t>
+            </a:r>
+            <a:r>
+              <a:rPr lang="en-US" altLang="zh-TW" dirty="0">
+                <a:latin typeface="Times New Roman" pitchFamily="18" charset="0"/>
+                <a:cs typeface="Times New Roman" pitchFamily="18" charset="0"/>
+              </a:rPr>
+              <a:t>2</a:t>
+            </a:r>
+            <a:r>
+              <a:rPr lang="pt-BR" altLang="zh-TW" dirty="0">
+                <a:latin typeface="Times New Roman" pitchFamily="18" charset="0"/>
+                <a:cs typeface="Times New Roman" pitchFamily="18" charset="0"/>
+              </a:rPr>
+              <a:t>&lt;/h2&gt;</a:t>
+            </a:r>
+          </a:p>
+          <a:p>
+            <a:pPr defTabSz="0"/>
+            <a:r>
+              <a:rPr lang="zh-TW" altLang="en-US" dirty="0">
+                <a:latin typeface="Times New Roman" pitchFamily="18" charset="0"/>
+                <a:cs typeface="Times New Roman" pitchFamily="18" charset="0"/>
+              </a:rPr>
+              <a:t>　</a:t>
+            </a:r>
+            <a:r>
+              <a:rPr lang="pt-BR" altLang="zh-TW" dirty="0">
+                <a:latin typeface="Times New Roman" pitchFamily="18" charset="0"/>
+                <a:cs typeface="Times New Roman" pitchFamily="18" charset="0"/>
+              </a:rPr>
+              <a:t>&lt;h3&gt;</a:t>
+            </a:r>
+            <a:r>
+              <a:rPr lang="zh-TW" altLang="en-US" dirty="0">
+                <a:latin typeface="Times New Roman" pitchFamily="18" charset="0"/>
+                <a:cs typeface="Times New Roman" pitchFamily="18" charset="0"/>
+              </a:rPr>
+              <a:t>標題</a:t>
+            </a:r>
+            <a:r>
+              <a:rPr lang="en-US" altLang="zh-TW" dirty="0">
+                <a:latin typeface="Times New Roman" pitchFamily="18" charset="0"/>
+                <a:cs typeface="Times New Roman" pitchFamily="18" charset="0"/>
+              </a:rPr>
+              <a:t>3</a:t>
+            </a:r>
+            <a:r>
+              <a:rPr lang="pt-BR" altLang="zh-TW" dirty="0">
+                <a:latin typeface="Times New Roman" pitchFamily="18" charset="0"/>
+                <a:cs typeface="Times New Roman" pitchFamily="18" charset="0"/>
+              </a:rPr>
+              <a:t>&lt;/h3&gt;</a:t>
+            </a:r>
+          </a:p>
+          <a:p>
+            <a:pPr defTabSz="0"/>
+            <a:r>
+              <a:rPr lang="zh-TW" altLang="en-US" dirty="0">
+                <a:latin typeface="Times New Roman" pitchFamily="18" charset="0"/>
+                <a:cs typeface="Times New Roman" pitchFamily="18" charset="0"/>
+              </a:rPr>
+              <a:t>　</a:t>
+            </a:r>
+            <a:r>
+              <a:rPr lang="pt-BR" altLang="zh-TW" dirty="0">
+                <a:latin typeface="Times New Roman" pitchFamily="18" charset="0"/>
+                <a:cs typeface="Times New Roman" pitchFamily="18" charset="0"/>
+              </a:rPr>
+              <a:t>&lt;h4&gt;</a:t>
+            </a:r>
+            <a:r>
+              <a:rPr lang="zh-TW" altLang="en-US" dirty="0">
+                <a:latin typeface="Times New Roman" pitchFamily="18" charset="0"/>
+                <a:cs typeface="Times New Roman" pitchFamily="18" charset="0"/>
+              </a:rPr>
+              <a:t>標題</a:t>
+            </a:r>
+            <a:r>
+              <a:rPr lang="en-US" altLang="zh-TW" dirty="0">
+                <a:latin typeface="Times New Roman" pitchFamily="18" charset="0"/>
+                <a:cs typeface="Times New Roman" pitchFamily="18" charset="0"/>
+              </a:rPr>
+              <a:t>4</a:t>
+            </a:r>
+            <a:r>
+              <a:rPr lang="pt-BR" altLang="zh-TW" dirty="0">
+                <a:latin typeface="Times New Roman" pitchFamily="18" charset="0"/>
+                <a:cs typeface="Times New Roman" pitchFamily="18" charset="0"/>
+              </a:rPr>
+              <a:t>&lt;/h4&gt;</a:t>
+            </a:r>
+          </a:p>
+          <a:p>
+            <a:pPr defTabSz="0"/>
+            <a:r>
+              <a:rPr lang="zh-TW" altLang="en-US" dirty="0">
+                <a:latin typeface="Times New Roman" pitchFamily="18" charset="0"/>
+                <a:cs typeface="Times New Roman" pitchFamily="18" charset="0"/>
+              </a:rPr>
+              <a:t>　</a:t>
+            </a:r>
+            <a:r>
+              <a:rPr lang="pt-BR" altLang="zh-TW" dirty="0">
+                <a:latin typeface="Times New Roman" pitchFamily="18" charset="0"/>
+                <a:cs typeface="Times New Roman" pitchFamily="18" charset="0"/>
+              </a:rPr>
+              <a:t>&lt;h5&gt;</a:t>
+            </a:r>
+            <a:r>
+              <a:rPr lang="zh-TW" altLang="en-US" dirty="0">
+                <a:latin typeface="Times New Roman" pitchFamily="18" charset="0"/>
+                <a:cs typeface="Times New Roman" pitchFamily="18" charset="0"/>
+              </a:rPr>
+              <a:t>標題</a:t>
+            </a:r>
+            <a:r>
+              <a:rPr lang="en-US" altLang="zh-TW" dirty="0">
+                <a:latin typeface="Times New Roman" pitchFamily="18" charset="0"/>
+                <a:cs typeface="Times New Roman" pitchFamily="18" charset="0"/>
+              </a:rPr>
+              <a:t>5</a:t>
+            </a:r>
+            <a:r>
+              <a:rPr lang="pt-BR" altLang="zh-TW" dirty="0">
+                <a:latin typeface="Times New Roman" pitchFamily="18" charset="0"/>
+                <a:cs typeface="Times New Roman" pitchFamily="18" charset="0"/>
+              </a:rPr>
+              <a:t>&lt;/h5&gt;</a:t>
+            </a:r>
+          </a:p>
+          <a:p>
+            <a:pPr defTabSz="0"/>
+            <a:r>
+              <a:rPr lang="zh-TW" altLang="en-US" dirty="0">
+                <a:latin typeface="Times New Roman" pitchFamily="18" charset="0"/>
+                <a:cs typeface="Times New Roman" pitchFamily="18" charset="0"/>
+              </a:rPr>
+              <a:t>　</a:t>
+            </a:r>
+            <a:r>
+              <a:rPr lang="pt-BR" altLang="zh-TW" dirty="0">
+                <a:latin typeface="Times New Roman" pitchFamily="18" charset="0"/>
+                <a:cs typeface="Times New Roman" pitchFamily="18" charset="0"/>
+              </a:rPr>
+              <a:t>&lt;h6&gt;</a:t>
+            </a:r>
+            <a:r>
+              <a:rPr lang="zh-TW" altLang="en-US" dirty="0">
+                <a:latin typeface="Times New Roman" pitchFamily="18" charset="0"/>
+                <a:cs typeface="Times New Roman" pitchFamily="18" charset="0"/>
+              </a:rPr>
+              <a:t>標題</a:t>
+            </a:r>
+            <a:r>
+              <a:rPr lang="en-US" altLang="zh-TW" dirty="0">
+                <a:latin typeface="Times New Roman" pitchFamily="18" charset="0"/>
+                <a:cs typeface="Times New Roman" pitchFamily="18" charset="0"/>
+              </a:rPr>
+              <a:t>6</a:t>
+            </a:r>
+            <a:r>
+              <a:rPr lang="pt-BR" altLang="zh-TW" dirty="0">
+                <a:latin typeface="Times New Roman" pitchFamily="18" charset="0"/>
+                <a:cs typeface="Times New Roman" pitchFamily="18" charset="0"/>
+              </a:rPr>
+              <a:t>&lt;/h6&gt;</a:t>
+            </a:r>
+            <a:endParaRPr lang="en-US" altLang="zh-TW" dirty="0">
+              <a:latin typeface="Times New Roman" pitchFamily="18" charset="0"/>
+              <a:cs typeface="Times New Roman" pitchFamily="18" charset="0"/>
+            </a:endParaRPr>
+          </a:p>
+          <a:p>
+            <a:pPr defTabSz="0"/>
+            <a:r>
+              <a:rPr lang="zh-TW" altLang="en-US" dirty="0">
+                <a:latin typeface="Times New Roman" pitchFamily="18" charset="0"/>
+                <a:cs typeface="Times New Roman" pitchFamily="18" charset="0"/>
+              </a:rPr>
+              <a:t>一串文字</a:t>
+            </a:r>
+            <a:endParaRPr lang="en-US" altLang="zh-TW" dirty="0">
+              <a:latin typeface="Times New Roman" pitchFamily="18" charset="0"/>
+              <a:cs typeface="Times New Roman" pitchFamily="18" charset="0"/>
+            </a:endParaRPr>
+          </a:p>
+          <a:p>
+            <a:pPr defTabSz="0"/>
+            <a:r>
+              <a:rPr lang="zh-TW" altLang="en-US" dirty="0">
+                <a:latin typeface="Times New Roman" pitchFamily="18" charset="0"/>
+                <a:cs typeface="Times New Roman" pitchFamily="18" charset="0"/>
+              </a:rPr>
+              <a:t>　</a:t>
+            </a:r>
+            <a:r>
+              <a:rPr lang="en-US" altLang="zh-TW" dirty="0">
+                <a:latin typeface="Times New Roman" pitchFamily="18" charset="0"/>
+                <a:cs typeface="Times New Roman" pitchFamily="18" charset="0"/>
+              </a:rPr>
+              <a:t>&lt;span&gt;</a:t>
+            </a:r>
+            <a:r>
+              <a:rPr lang="zh-TW" altLang="en-US" dirty="0">
+                <a:latin typeface="Times New Roman" pitchFamily="18" charset="0"/>
+                <a:cs typeface="Times New Roman" pitchFamily="18" charset="0"/>
+              </a:rPr>
+              <a:t>文字</a:t>
+            </a:r>
+            <a:r>
+              <a:rPr lang="en-US" altLang="zh-TW" dirty="0">
+                <a:latin typeface="Times New Roman" pitchFamily="18" charset="0"/>
+                <a:cs typeface="Times New Roman" pitchFamily="18" charset="0"/>
+              </a:rPr>
+              <a:t>&lt;/span&gt;</a:t>
+            </a:r>
+          </a:p>
+          <a:p>
+            <a:pPr defTabSz="0"/>
+            <a:r>
+              <a:rPr lang="zh-TW" altLang="en-US" dirty="0">
+                <a:latin typeface="Times New Roman" pitchFamily="18" charset="0"/>
+                <a:cs typeface="Times New Roman" pitchFamily="18" charset="0"/>
+              </a:rPr>
+              <a:t>換行</a:t>
+            </a:r>
+            <a:endParaRPr lang="en-US" altLang="zh-TW" dirty="0">
+              <a:latin typeface="Times New Roman" pitchFamily="18" charset="0"/>
+              <a:cs typeface="Times New Roman" pitchFamily="18" charset="0"/>
+            </a:endParaRPr>
+          </a:p>
+          <a:p>
+            <a:pPr defTabSz="0"/>
+            <a:r>
+              <a:rPr lang="zh-TW" altLang="en-US" dirty="0">
+                <a:latin typeface="Times New Roman" pitchFamily="18" charset="0"/>
+                <a:cs typeface="Times New Roman" pitchFamily="18" charset="0"/>
+              </a:rPr>
+              <a:t>　</a:t>
+            </a:r>
+            <a:r>
+              <a:rPr lang="en-US" altLang="zh-TW" dirty="0">
+                <a:latin typeface="Times New Roman" pitchFamily="18" charset="0"/>
+                <a:cs typeface="Times New Roman" pitchFamily="18" charset="0"/>
+              </a:rPr>
+              <a:t>&lt;</a:t>
+            </a:r>
+            <a:r>
+              <a:rPr lang="en-US" altLang="zh-TW" dirty="0" err="1">
+                <a:latin typeface="Times New Roman" pitchFamily="18" charset="0"/>
+                <a:cs typeface="Times New Roman" pitchFamily="18" charset="0"/>
+              </a:rPr>
+              <a:t>br</a:t>
+            </a:r>
+            <a:r>
+              <a:rPr lang="en-US" altLang="zh-TW" dirty="0">
+                <a:latin typeface="Times New Roman" pitchFamily="18" charset="0"/>
+                <a:cs typeface="Times New Roman" pitchFamily="18" charset="0"/>
+              </a:rPr>
+              <a:t>&gt;</a:t>
+            </a:r>
           </a:p>
         </p:txBody>
       </p:sp>
@@ -4763,33 +4528,22 @@
                 <a:latin typeface="Times New Roman" pitchFamily="18" charset="0"/>
                 <a:cs typeface="Times New Roman" pitchFamily="18" charset="0"/>
               </a:rPr>
-              <a:t>習慣</a:t>
-            </a:r>
-            <a:r>
-              <a:rPr lang="zh-TW" altLang="en-US" dirty="0" smtClean="0">
-                <a:latin typeface="Times New Roman" pitchFamily="18" charset="0"/>
-                <a:cs typeface="Times New Roman" pitchFamily="18" charset="0"/>
-              </a:rPr>
-              <a:t>上，會把這兩種標籤放在 </a:t>
-            </a:r>
-            <a:r>
-              <a:rPr lang="en-US" altLang="zh-TW" dirty="0" smtClean="0">
+              <a:t>習慣上，會把這兩種標籤放在 </a:t>
+            </a:r>
+            <a:r>
+              <a:rPr lang="en-US" altLang="zh-TW" dirty="0">
                 <a:latin typeface="Times New Roman" pitchFamily="18" charset="0"/>
                 <a:cs typeface="Times New Roman" pitchFamily="18" charset="0"/>
               </a:rPr>
               <a:t>div, p, h1, ……</a:t>
             </a:r>
             <a:r>
-              <a:rPr lang="zh-TW" altLang="en-US" dirty="0" smtClean="0">
+              <a:rPr lang="zh-TW" altLang="en-US" dirty="0">
                 <a:latin typeface="Times New Roman" pitchFamily="18" charset="0"/>
                 <a:cs typeface="Times New Roman" pitchFamily="18" charset="0"/>
               </a:rPr>
               <a:t> 標籤裡面</a:t>
             </a:r>
-            <a:endParaRPr lang="zh-TW" altLang="en-US" dirty="0">
-              <a:latin typeface="Times New Roman" pitchFamily="18" charset="0"/>
-              <a:cs typeface="Times New Roman" pitchFamily="18" charset="0"/>
-            </a:endParaRPr>
           </a:p>
         </p:txBody>
       </p:sp>
@@ -4840,13 +4594,6 @@
   <p:clrMapOvr>
     <a:masterClrMapping/>
   </p:clrMapOvr>
-  <p:timing>
-    <p:tnLst>
-      <p:par>
-        <p:cTn id="1" dur="indefinite" restart="never" nodeType="tmRoot"/>
-      </p:par>
-    </p:tnLst>
-  </p:timing>
 </p:sld>
 </file>
 
@@ -4891,21 +4638,21 @@
           <a:p>
             <a:pPr algn="ctr"/>
             <a:r>
-              <a:rPr lang="en-US" altLang="zh-TW" sz="2400" dirty="0" smtClean="0">
+              <a:rPr lang="en-US" altLang="zh-TW" sz="2400" dirty="0">
                 <a:latin typeface="Times New Roman" pitchFamily="18" charset="0"/>
                 <a:cs typeface="Times New Roman" pitchFamily="18" charset="0"/>
               </a:rPr>
               <a:t>Element </a:t>
             </a:r>
             <a:r>
-              <a:rPr lang="zh-TW" altLang="en-US" sz="2400" dirty="0" smtClean="0">
+              <a:rPr lang="zh-TW" altLang="en-US" sz="2400" dirty="0">
                 <a:latin typeface="Times New Roman" pitchFamily="18" charset="0"/>
                 <a:cs typeface="Times New Roman" pitchFamily="18" charset="0"/>
               </a:rPr>
               <a:t>介紹：</a:t>
             </a:r>
             <a:r>
-              <a:rPr lang="en-US" altLang="zh-TW" sz="2400" dirty="0" smtClean="0">
+              <a:rPr lang="en-US" altLang="zh-TW" sz="2400" dirty="0">
                 <a:latin typeface="Times New Roman" pitchFamily="18" charset="0"/>
                 <a:cs typeface="Times New Roman" pitchFamily="18" charset="0"/>
               </a:rPr>
@@ -4942,7 +4689,7 @@
           <a:p>
             <a:pPr algn="ctr"/>
             <a:r>
-              <a:rPr lang="en-US" altLang="zh-TW" sz="1200" dirty="0" smtClean="0">
+              <a:rPr lang="en-US" altLang="zh-TW" sz="1200" dirty="0">
                 <a:latin typeface="Times New Roman" pitchFamily="18" charset="0"/>
                 <a:cs typeface="Times New Roman" pitchFamily="18" charset="0"/>
               </a:rPr>
@@ -4983,22 +4730,124 @@
                 <a:latin typeface="Times New Roman" pitchFamily="18" charset="0"/>
                 <a:cs typeface="Times New Roman" pitchFamily="18" charset="0"/>
               </a:rPr>
+              <a:t>無序 </a:t>
+            </a:r>
+            <a:r>
+              <a:rPr lang="en-US" altLang="zh-TW" dirty="0">
+                <a:latin typeface="Times New Roman" pitchFamily="18" charset="0"/>
+                <a:cs typeface="Times New Roman" pitchFamily="18" charset="0"/>
+              </a:rPr>
+              <a:t>List</a:t>
+            </a:r>
+          </a:p>
+          <a:p>
+            <a:pPr defTabSz="0"/>
+            <a:r>
+              <a:rPr lang="en-US" altLang="zh-TW" dirty="0">
+                <a:latin typeface="Times New Roman" pitchFamily="18" charset="0"/>
+                <a:cs typeface="Times New Roman" pitchFamily="18" charset="0"/>
+              </a:rPr>
+              <a:t>    &lt;</a:t>
+            </a:r>
+            <a:r>
+              <a:rPr lang="en-US" altLang="zh-TW" dirty="0" err="1">
+                <a:latin typeface="Times New Roman" pitchFamily="18" charset="0"/>
+                <a:cs typeface="Times New Roman" pitchFamily="18" charset="0"/>
+              </a:rPr>
+              <a:t>ul</a:t>
+            </a:r>
+            <a:r>
+              <a:rPr lang="en-US" altLang="zh-TW" dirty="0">
+                <a:latin typeface="Times New Roman" pitchFamily="18" charset="0"/>
+                <a:cs typeface="Times New Roman" pitchFamily="18" charset="0"/>
+              </a:rPr>
+              <a:t>&gt;</a:t>
+            </a:r>
+          </a:p>
+          <a:p>
+            <a:pPr defTabSz="0"/>
+            <a:r>
+              <a:rPr lang="en-US" altLang="zh-TW" dirty="0">
+                <a:latin typeface="Times New Roman" pitchFamily="18" charset="0"/>
+                <a:cs typeface="Times New Roman" pitchFamily="18" charset="0"/>
+              </a:rPr>
+              <a:t>        &lt;li&gt;</a:t>
+            </a:r>
+            <a:r>
+              <a:rPr lang="zh-TW" altLang="en-US" dirty="0">
+                <a:latin typeface="Times New Roman" pitchFamily="18" charset="0"/>
+                <a:cs typeface="Times New Roman" pitchFamily="18" charset="0"/>
+              </a:rPr>
               <a:t>無</a:t>
             </a:r>
             <a:r>
-              <a:rPr lang="zh-TW" altLang="en-US" dirty="0" smtClean="0">
-                <a:latin typeface="Times New Roman" pitchFamily="18" charset="0"/>
-                <a:cs typeface="Times New Roman" pitchFamily="18" charset="0"/>
-              </a:rPr>
-              <a:t>序 </a:t>
-            </a:r>
-            <a:r>
-              <a:rPr lang="en-US" altLang="zh-TW" dirty="0" smtClean="0">
-                <a:latin typeface="Times New Roman" pitchFamily="18" charset="0"/>
-                <a:cs typeface="Times New Roman" pitchFamily="18" charset="0"/>
-              </a:rPr>
-              <a:t>List</a:t>
-            </a:r>
+              <a:rPr lang="en-US" altLang="zh-TW" dirty="0">
+                <a:latin typeface="Times New Roman" pitchFamily="18" charset="0"/>
+                <a:cs typeface="Times New Roman" pitchFamily="18" charset="0"/>
+              </a:rPr>
+              <a:t>&lt;/li&gt;</a:t>
+            </a:r>
+          </a:p>
+          <a:p>
+            <a:pPr defTabSz="0"/>
+            <a:r>
+              <a:rPr lang="en-US" altLang="zh-TW" dirty="0">
+                <a:latin typeface="Times New Roman" pitchFamily="18" charset="0"/>
+                <a:cs typeface="Times New Roman" pitchFamily="18" charset="0"/>
+              </a:rPr>
+              <a:t>        &lt;li&gt;</a:t>
+            </a:r>
+            <a:r>
+              <a:rPr lang="zh-TW" altLang="en-US" dirty="0">
+                <a:latin typeface="Times New Roman" pitchFamily="18" charset="0"/>
+                <a:cs typeface="Times New Roman" pitchFamily="18" charset="0"/>
+              </a:rPr>
+              <a:t>序</a:t>
+            </a:r>
+            <a:r>
+              <a:rPr lang="en-US" altLang="zh-TW" dirty="0">
+                <a:latin typeface="Times New Roman" pitchFamily="18" charset="0"/>
+                <a:cs typeface="Times New Roman" pitchFamily="18" charset="0"/>
+              </a:rPr>
+              <a:t>&lt;/li&gt;</a:t>
+            </a:r>
+          </a:p>
+          <a:p>
+            <a:pPr defTabSz="0"/>
+            <a:r>
+              <a:rPr lang="en-US" altLang="zh-TW" dirty="0">
+                <a:latin typeface="Times New Roman" pitchFamily="18" charset="0"/>
+                <a:cs typeface="Times New Roman" pitchFamily="18" charset="0"/>
+              </a:rPr>
+              <a:t>        &lt;li&gt;List&lt;/li&gt;</a:t>
+            </a:r>
+          </a:p>
+          <a:p>
+            <a:pPr defTabSz="0"/>
+            <a:r>
+              <a:rPr lang="en-US" altLang="zh-TW" dirty="0">
+                <a:latin typeface="Times New Roman" pitchFamily="18" charset="0"/>
+                <a:cs typeface="Times New Roman" pitchFamily="18" charset="0"/>
+              </a:rPr>
+              <a:t>    &lt;/</a:t>
+            </a:r>
+            <a:r>
+              <a:rPr lang="en-US" altLang="zh-TW" dirty="0" err="1">
+                <a:latin typeface="Times New Roman" pitchFamily="18" charset="0"/>
+                <a:cs typeface="Times New Roman" pitchFamily="18" charset="0"/>
+              </a:rPr>
+              <a:t>ul</a:t>
+            </a:r>
+            <a:r>
+              <a:rPr lang="en-US" altLang="zh-TW" dirty="0">
+                <a:latin typeface="Times New Roman" pitchFamily="18" charset="0"/>
+                <a:cs typeface="Times New Roman" pitchFamily="18" charset="0"/>
+              </a:rPr>
+              <a:t>&gt;</a:t>
+            </a:r>
+          </a:p>
+          <a:p>
+            <a:pPr defTabSz="0"/>
             <a:endParaRPr lang="en-US" altLang="zh-TW" dirty="0">
               <a:latin typeface="Times New Roman" pitchFamily="18" charset="0"/>
               <a:cs typeface="Times New Roman" pitchFamily="18" charset="0"/>
@@ -5007,143 +4856,19 @@
           <a:p>
             <a:pPr defTabSz="0"/>
             <a:r>
-              <a:rPr lang="en-US" altLang="zh-TW" dirty="0">
-                <a:latin typeface="Times New Roman" pitchFamily="18" charset="0"/>
-                <a:cs typeface="Times New Roman" pitchFamily="18" charset="0"/>
-              </a:rPr>
-              <a:t>    &lt;</a:t>
-            </a:r>
-            <a:r>
-              <a:rPr lang="en-US" altLang="zh-TW" dirty="0" err="1">
-                <a:latin typeface="Times New Roman" pitchFamily="18" charset="0"/>
-                <a:cs typeface="Times New Roman" pitchFamily="18" charset="0"/>
-              </a:rPr>
-              <a:t>ul</a:t>
-            </a:r>
-            <a:r>
-              <a:rPr lang="en-US" altLang="zh-TW" dirty="0">
-                <a:latin typeface="Times New Roman" pitchFamily="18" charset="0"/>
-                <a:cs typeface="Times New Roman" pitchFamily="18" charset="0"/>
-              </a:rPr>
-              <a:t>&gt;</a:t>
-            </a:r>
-          </a:p>
-          <a:p>
-            <a:pPr defTabSz="0"/>
-            <a:r>
-              <a:rPr lang="en-US" altLang="zh-TW" dirty="0">
-                <a:latin typeface="Times New Roman" pitchFamily="18" charset="0"/>
-                <a:cs typeface="Times New Roman" pitchFamily="18" charset="0"/>
-              </a:rPr>
-              <a:t>        &lt;li&gt;</a:t>
-            </a:r>
-            <a:r>
               <a:rPr lang="zh-TW" altLang="en-US" dirty="0">
                 <a:latin typeface="Times New Roman" pitchFamily="18" charset="0"/>
                 <a:cs typeface="Times New Roman" pitchFamily="18" charset="0"/>
               </a:rPr>
-              <a:t>無</a:t>
-            </a:r>
-            <a:r>
-              <a:rPr lang="en-US" altLang="zh-TW" dirty="0">
-                <a:latin typeface="Times New Roman" pitchFamily="18" charset="0"/>
-                <a:cs typeface="Times New Roman" pitchFamily="18" charset="0"/>
-              </a:rPr>
-              <a:t>&lt;/li&gt;</a:t>
-            </a:r>
-          </a:p>
-          <a:p>
-            <a:pPr defTabSz="0"/>
-            <a:r>
-              <a:rPr lang="en-US" altLang="zh-TW" dirty="0">
-                <a:latin typeface="Times New Roman" pitchFamily="18" charset="0"/>
-                <a:cs typeface="Times New Roman" pitchFamily="18" charset="0"/>
-              </a:rPr>
-              <a:t>        &lt;li&gt;</a:t>
-            </a:r>
-            <a:r>
-              <a:rPr lang="zh-TW" altLang="en-US" dirty="0">
-                <a:latin typeface="Times New Roman" pitchFamily="18" charset="0"/>
-                <a:cs typeface="Times New Roman" pitchFamily="18" charset="0"/>
-              </a:rPr>
-              <a:t>序</a:t>
-            </a:r>
-            <a:r>
-              <a:rPr lang="en-US" altLang="zh-TW" dirty="0">
-                <a:latin typeface="Times New Roman" pitchFamily="18" charset="0"/>
-                <a:cs typeface="Times New Roman" pitchFamily="18" charset="0"/>
-              </a:rPr>
-              <a:t>&lt;/li&gt;</a:t>
-            </a:r>
-          </a:p>
-          <a:p>
-            <a:pPr defTabSz="0"/>
-            <a:r>
-              <a:rPr lang="en-US" altLang="zh-TW" dirty="0">
-                <a:latin typeface="Times New Roman" pitchFamily="18" charset="0"/>
-                <a:cs typeface="Times New Roman" pitchFamily="18" charset="0"/>
-              </a:rPr>
-              <a:t>        &lt;li&gt;List&lt;/li&gt;</a:t>
-            </a:r>
-          </a:p>
-          <a:p>
-            <a:pPr defTabSz="0"/>
-            <a:r>
-              <a:rPr lang="en-US" altLang="zh-TW" dirty="0">
-                <a:latin typeface="Times New Roman" pitchFamily="18" charset="0"/>
-                <a:cs typeface="Times New Roman" pitchFamily="18" charset="0"/>
-              </a:rPr>
-              <a:t>    &lt;/</a:t>
-            </a:r>
-            <a:r>
-              <a:rPr lang="en-US" altLang="zh-TW" dirty="0" err="1">
-                <a:latin typeface="Times New Roman" pitchFamily="18" charset="0"/>
-                <a:cs typeface="Times New Roman" pitchFamily="18" charset="0"/>
-              </a:rPr>
-              <a:t>ul</a:t>
-            </a:r>
-            <a:r>
-              <a:rPr lang="en-US" altLang="zh-TW" dirty="0" smtClean="0">
-                <a:latin typeface="Times New Roman" pitchFamily="18" charset="0"/>
-                <a:cs typeface="Times New Roman" pitchFamily="18" charset="0"/>
-              </a:rPr>
-              <a:t>&gt;</a:t>
-            </a:r>
-          </a:p>
-          <a:p>
-            <a:pPr defTabSz="0"/>
-            <a:endParaRPr lang="en-US" altLang="zh-TW" dirty="0">
-              <a:latin typeface="Times New Roman" pitchFamily="18" charset="0"/>
-              <a:cs typeface="Times New Roman" pitchFamily="18" charset="0"/>
-            </a:endParaRPr>
-          </a:p>
-          <a:p>
-            <a:pPr defTabSz="0"/>
-            <a:r>
-              <a:rPr lang="zh-TW" altLang="en-US" dirty="0">
-                <a:latin typeface="Times New Roman" pitchFamily="18" charset="0"/>
-                <a:cs typeface="Times New Roman" pitchFamily="18" charset="0"/>
-              </a:rPr>
-              <a:t>有</a:t>
-            </a:r>
-            <a:r>
-              <a:rPr lang="zh-TW" altLang="en-US" dirty="0" smtClean="0">
-                <a:latin typeface="Times New Roman" pitchFamily="18" charset="0"/>
-                <a:cs typeface="Times New Roman" pitchFamily="18" charset="0"/>
-              </a:rPr>
-              <a:t>序 </a:t>
-            </a:r>
-            <a:r>
-              <a:rPr lang="en-US" altLang="zh-TW" dirty="0" smtClean="0">
+              <a:t>有序 </a:t>
+            </a:r>
+            <a:r>
+              <a:rPr lang="en-US" altLang="zh-TW" dirty="0">
                 <a:latin typeface="Times New Roman" pitchFamily="18" charset="0"/>
                 <a:cs typeface="Times New Roman" pitchFamily="18" charset="0"/>
               </a:rPr>
               <a:t>List</a:t>
             </a:r>
-            <a:endParaRPr lang="en-US" altLang="zh-TW" dirty="0">
-              <a:latin typeface="Times New Roman" pitchFamily="18" charset="0"/>
-              <a:cs typeface="Times New Roman" pitchFamily="18" charset="0"/>
-            </a:endParaRPr>
           </a:p>
           <a:p>
             <a:pPr defTabSz="0"/>
@@ -5323,16 +5048,12 @@
           <a:p>
             <a:pPr algn="ctr"/>
             <a:r>
-              <a:rPr lang="zh-TW" altLang="en-US" dirty="0" smtClean="0">
+              <a:rPr lang="zh-TW" altLang="en-US" dirty="0">
                 <a:latin typeface="Times New Roman" pitchFamily="18" charset="0"/>
                 <a:cs typeface="Times New Roman" pitchFamily="18" charset="0"/>
               </a:rPr>
               <a:t>比較常用</a:t>
             </a:r>
-            <a:endParaRPr lang="zh-TW" altLang="en-US" dirty="0">
-              <a:latin typeface="Times New Roman" pitchFamily="18" charset="0"/>
-              <a:cs typeface="Times New Roman" pitchFamily="18" charset="0"/>
-            </a:endParaRPr>
           </a:p>
         </p:txBody>
       </p:sp>
@@ -5383,13 +5104,6 @@
   <p:clrMapOvr>
     <a:masterClrMapping/>
   </p:clrMapOvr>
-  <p:timing>
-    <p:tnLst>
-      <p:par>
-        <p:cTn id="1" dur="indefinite" restart="never" nodeType="tmRoot"/>
-      </p:par>
-    </p:tnLst>
-  </p:timing>
 </p:sld>
 </file>
 
@@ -5434,21 +5148,21 @@
           <a:p>
             <a:pPr algn="ctr"/>
             <a:r>
-              <a:rPr lang="en-US" altLang="zh-TW" sz="2400" dirty="0" smtClean="0">
+              <a:rPr lang="en-US" altLang="zh-TW" sz="2400" dirty="0">
                 <a:latin typeface="Times New Roman" pitchFamily="18" charset="0"/>
                 <a:cs typeface="Times New Roman" pitchFamily="18" charset="0"/>
               </a:rPr>
               <a:t>Element </a:t>
             </a:r>
             <a:r>
-              <a:rPr lang="zh-TW" altLang="en-US" sz="2400" dirty="0" smtClean="0">
+              <a:rPr lang="zh-TW" altLang="en-US" sz="2400" dirty="0">
                 <a:latin typeface="Times New Roman" pitchFamily="18" charset="0"/>
                 <a:cs typeface="Times New Roman" pitchFamily="18" charset="0"/>
               </a:rPr>
               <a:t>介紹：</a:t>
             </a:r>
             <a:r>
-              <a:rPr lang="en-US" altLang="zh-TW" sz="2400" dirty="0" smtClean="0">
+              <a:rPr lang="en-US" altLang="zh-TW" sz="2400" dirty="0">
                 <a:latin typeface="Times New Roman" pitchFamily="18" charset="0"/>
                 <a:cs typeface="Times New Roman" pitchFamily="18" charset="0"/>
               </a:rPr>
@@ -5485,7 +5199,7 @@
           <a:p>
             <a:pPr algn="ctr"/>
             <a:r>
-              <a:rPr lang="en-US" altLang="zh-TW" sz="1200" dirty="0" smtClean="0">
+              <a:rPr lang="en-US" altLang="zh-TW" sz="1200" dirty="0">
                 <a:latin typeface="Times New Roman" pitchFamily="18" charset="0"/>
                 <a:cs typeface="Times New Roman" pitchFamily="18" charset="0"/>
               </a:rPr>
@@ -5522,27 +5236,27 @@
           <a:p>
             <a:pPr defTabSz="0"/>
             <a:r>
-              <a:rPr lang="zh-TW" altLang="en-US" sz="1600" dirty="0" smtClean="0">
+              <a:rPr lang="zh-TW" altLang="en-US" sz="1600" dirty="0">
                 <a:latin typeface="Times New Roman" pitchFamily="18" charset="0"/>
                 <a:cs typeface="Times New Roman" pitchFamily="18" charset="0"/>
               </a:rPr>
               <a:t>標示 </a:t>
             </a:r>
             <a:r>
-              <a:rPr lang="en-US" altLang="zh-TW" sz="1600" dirty="0" smtClean="0">
+              <a:rPr lang="en-US" altLang="zh-TW" sz="1600" dirty="0">
                 <a:latin typeface="Times New Roman" pitchFamily="18" charset="0"/>
                 <a:cs typeface="Times New Roman" pitchFamily="18" charset="0"/>
               </a:rPr>
               <a:t>Table </a:t>
             </a:r>
             <a:r>
-              <a:rPr lang="zh-TW" altLang="en-US" sz="1600" dirty="0" smtClean="0">
+              <a:rPr lang="zh-TW" altLang="en-US" sz="1600" dirty="0">
                 <a:latin typeface="Times New Roman" pitchFamily="18" charset="0"/>
                 <a:cs typeface="Times New Roman" pitchFamily="18" charset="0"/>
               </a:rPr>
               <a:t>結構</a:t>
             </a:r>
-            <a:endParaRPr lang="en-US" altLang="zh-TW" sz="1600" dirty="0" smtClean="0">
+            <a:endParaRPr lang="en-US" altLang="zh-TW" sz="1600" dirty="0">
               <a:latin typeface="Times New Roman" pitchFamily="18" charset="0"/>
               <a:cs typeface="Times New Roman" pitchFamily="18" charset="0"/>
             </a:endParaRPr>
@@ -5550,32 +5264,18 @@
           <a:p>
             <a:pPr defTabSz="0"/>
             <a:r>
-              <a:rPr lang="zh-TW" altLang="en-US" sz="1600" dirty="0" smtClean="0">
+              <a:rPr lang="zh-TW" altLang="en-US" sz="1600" dirty="0">
                 <a:latin typeface="Times New Roman" pitchFamily="18" charset="0"/>
                 <a:cs typeface="Times New Roman" pitchFamily="18" charset="0"/>
               </a:rPr>
               <a:t>    </a:t>
             </a:r>
             <a:r>
-              <a:rPr lang="en-US" altLang="zh-TW" sz="1600" dirty="0" smtClean="0">
-                <a:latin typeface="Times New Roman" pitchFamily="18" charset="0"/>
-                <a:cs typeface="Times New Roman" pitchFamily="18" charset="0"/>
-              </a:rPr>
-              <a:t>&lt;</a:t>
-            </a:r>
-            <a:r>
               <a:rPr lang="en-US" altLang="zh-TW" sz="1600" dirty="0">
                 <a:latin typeface="Times New Roman" pitchFamily="18" charset="0"/>
                 <a:cs typeface="Times New Roman" pitchFamily="18" charset="0"/>
               </a:rPr>
-              <a:t>table</a:t>
-            </a:r>
-            <a:r>
-              <a:rPr lang="en-US" altLang="zh-TW" sz="1600" dirty="0" smtClean="0">
-                <a:latin typeface="Times New Roman" pitchFamily="18" charset="0"/>
-                <a:cs typeface="Times New Roman" pitchFamily="18" charset="0"/>
-              </a:rPr>
-              <a:t>&gt;</a:t>
+              <a:t>&lt;table&gt;</a:t>
             </a:r>
           </a:p>
           <a:p>
@@ -5585,14 +5285,7 @@
                 <a:latin typeface="Times New Roman" pitchFamily="18" charset="0"/>
                 <a:cs typeface="Times New Roman" pitchFamily="18" charset="0"/>
               </a:rPr>
-              <a:t> </a:t>
-            </a:r>
-            <a:r>
-              <a:rPr lang="zh-TW" altLang="en-US" sz="1600" dirty="0" smtClean="0">
-                <a:latin typeface="Times New Roman" pitchFamily="18" charset="0"/>
-                <a:cs typeface="Times New Roman" pitchFamily="18" charset="0"/>
-              </a:rPr>
-              <a:t>       </a:t>
+              <a:t>        </a:t>
             </a:r>
             <a:r>
               <a:rPr lang="en-US" altLang="zh-TW" sz="1600" dirty="0">
@@ -5723,7 +5416,7 @@
               <a:t>th</a:t>
             </a:r>
             <a:r>
-              <a:rPr lang="en-US" altLang="zh-TW" sz="1600" dirty="0" smtClean="0">
+              <a:rPr lang="en-US" altLang="zh-TW" sz="1600" dirty="0">
                 <a:solidFill>
                   <a:srgbClr val="FF0000"/>
                 </a:solidFill>
@@ -5763,7 +5456,7 @@
               <a:t>th</a:t>
             </a:r>
             <a:r>
-              <a:rPr lang="en-US" altLang="zh-TW" sz="1600" dirty="0" smtClean="0">
+              <a:rPr lang="en-US" altLang="zh-TW" sz="1600" dirty="0">
                 <a:solidFill>
                   <a:srgbClr val="FF0000"/>
                 </a:solidFill>
@@ -5962,17 +5655,30 @@
                 <a:latin typeface="Times New Roman" pitchFamily="18" charset="0"/>
                 <a:cs typeface="Times New Roman" pitchFamily="18" charset="0"/>
               </a:rPr>
-              <a:t>                &lt;td&gt;td1&lt;/td</a:t>
-            </a:r>
-            <a:r>
-              <a:rPr lang="en-US" altLang="zh-TW" sz="1600" dirty="0" smtClean="0">
+              <a:t>                &lt;td&gt;td1&lt;/td&gt;&lt;td&gt;td2&lt;/td&gt;&lt;td&gt;td3&lt;/td&gt;</a:t>
+            </a:r>
+          </a:p>
+          <a:p>
+            <a:pPr defTabSz="0"/>
+            <a:r>
+              <a:rPr lang="en-US" altLang="zh-TW" sz="1600" dirty="0">
                 <a:solidFill>
                   <a:srgbClr val="00B050"/>
                 </a:solidFill>
                 <a:latin typeface="Times New Roman" pitchFamily="18" charset="0"/>
                 <a:cs typeface="Times New Roman" pitchFamily="18" charset="0"/>
               </a:rPr>
-              <a:t>&gt;&lt;</a:t>
+              <a:t>            &lt;/</a:t>
+            </a:r>
+            <a:r>
+              <a:rPr lang="en-US" altLang="zh-TW" sz="1600" dirty="0" err="1">
+                <a:solidFill>
+                  <a:srgbClr val="00B050"/>
+                </a:solidFill>
+                <a:latin typeface="Times New Roman" pitchFamily="18" charset="0"/>
+                <a:cs typeface="Times New Roman" pitchFamily="18" charset="0"/>
+              </a:rPr>
+              <a:t>tr</a:t>
             </a:r>
             <a:r>
               <a:rPr lang="en-US" altLang="zh-TW" sz="1600" dirty="0">
@@ -5982,17 +5688,30 @@
                 <a:latin typeface="Times New Roman" pitchFamily="18" charset="0"/>
                 <a:cs typeface="Times New Roman" pitchFamily="18" charset="0"/>
               </a:rPr>
-              <a:t>td&gt;td2&lt;/td</a:t>
-            </a:r>
-            <a:r>
-              <a:rPr lang="en-US" altLang="zh-TW" sz="1600" dirty="0" smtClean="0">
+              <a:t>&gt;</a:t>
+            </a:r>
+          </a:p>
+          <a:p>
+            <a:pPr defTabSz="0"/>
+            <a:r>
+              <a:rPr lang="en-US" altLang="zh-TW" sz="1600" dirty="0">
                 <a:solidFill>
                   <a:srgbClr val="00B050"/>
                 </a:solidFill>
                 <a:latin typeface="Times New Roman" pitchFamily="18" charset="0"/>
                 <a:cs typeface="Times New Roman" pitchFamily="18" charset="0"/>
               </a:rPr>
-              <a:t>&gt;&lt;</a:t>
+              <a:t>            &lt;</a:t>
+            </a:r>
+            <a:r>
+              <a:rPr lang="en-US" altLang="zh-TW" sz="1600" dirty="0" err="1">
+                <a:solidFill>
+                  <a:srgbClr val="00B050"/>
+                </a:solidFill>
+                <a:latin typeface="Times New Roman" pitchFamily="18" charset="0"/>
+                <a:cs typeface="Times New Roman" pitchFamily="18" charset="0"/>
+              </a:rPr>
+              <a:t>tr</a:t>
             </a:r>
             <a:r>
               <a:rPr lang="en-US" altLang="zh-TW" sz="1600" dirty="0">
@@ -6002,7 +5721,7 @@
                 <a:latin typeface="Times New Roman" pitchFamily="18" charset="0"/>
                 <a:cs typeface="Times New Roman" pitchFamily="18" charset="0"/>
               </a:rPr>
-              <a:t>td&gt;td3&lt;/td&gt;</a:t>
+              <a:t>&gt;</a:t>
             </a:r>
           </a:p>
           <a:p>
@@ -6015,6 +5734,19 @@
                 <a:latin typeface="Times New Roman" pitchFamily="18" charset="0"/>
                 <a:cs typeface="Times New Roman" pitchFamily="18" charset="0"/>
               </a:rPr>
+              <a:t>                &lt;td&gt;td4&lt;/td&gt;&lt;td&gt;td5&lt;/td&gt;&lt;td&gt;td6&lt;/td&gt;</a:t>
+            </a:r>
+          </a:p>
+          <a:p>
+            <a:pPr defTabSz="0"/>
+            <a:r>
+              <a:rPr lang="en-US" altLang="zh-TW" sz="1600" dirty="0">
+                <a:solidFill>
+                  <a:srgbClr val="00B050"/>
+                </a:solidFill>
+                <a:latin typeface="Times New Roman" pitchFamily="18" charset="0"/>
+                <a:cs typeface="Times New Roman" pitchFamily="18" charset="0"/>
+              </a:rPr>
               <a:t>            &lt;/</a:t>
             </a:r>
             <a:r>
@@ -6037,122 +5769,6 @@
               </a:rPr>
               <a:t>&gt;</a:t>
             </a:r>
-          </a:p>
-          <a:p>
-            <a:pPr defTabSz="0"/>
-            <a:r>
-              <a:rPr lang="en-US" altLang="zh-TW" sz="1600" dirty="0">
-                <a:solidFill>
-                  <a:srgbClr val="00B050"/>
-                </a:solidFill>
-                <a:latin typeface="Times New Roman" pitchFamily="18" charset="0"/>
-                <a:cs typeface="Times New Roman" pitchFamily="18" charset="0"/>
-              </a:rPr>
-              <a:t>            &lt;</a:t>
-            </a:r>
-            <a:r>
-              <a:rPr lang="en-US" altLang="zh-TW" sz="1600" dirty="0" err="1">
-                <a:solidFill>
-                  <a:srgbClr val="00B050"/>
-                </a:solidFill>
-                <a:latin typeface="Times New Roman" pitchFamily="18" charset="0"/>
-                <a:cs typeface="Times New Roman" pitchFamily="18" charset="0"/>
-              </a:rPr>
-              <a:t>tr</a:t>
-            </a:r>
-            <a:r>
-              <a:rPr lang="en-US" altLang="zh-TW" sz="1600" dirty="0" smtClean="0">
-                <a:solidFill>
-                  <a:srgbClr val="00B050"/>
-                </a:solidFill>
-                <a:latin typeface="Times New Roman" pitchFamily="18" charset="0"/>
-                <a:cs typeface="Times New Roman" pitchFamily="18" charset="0"/>
-              </a:rPr>
-              <a:t>&gt;</a:t>
-            </a:r>
-          </a:p>
-          <a:p>
-            <a:pPr defTabSz="0"/>
-            <a:r>
-              <a:rPr lang="en-US" altLang="zh-TW" sz="1600" dirty="0" smtClean="0">
-                <a:solidFill>
-                  <a:srgbClr val="00B050"/>
-                </a:solidFill>
-                <a:latin typeface="Times New Roman" pitchFamily="18" charset="0"/>
-                <a:cs typeface="Times New Roman" pitchFamily="18" charset="0"/>
-              </a:rPr>
-              <a:t>                &lt;td&gt;td4&lt;/td&gt;&lt;</a:t>
-            </a:r>
-            <a:r>
-              <a:rPr lang="en-US" altLang="zh-TW" sz="1600" dirty="0">
-                <a:solidFill>
-                  <a:srgbClr val="00B050"/>
-                </a:solidFill>
-                <a:latin typeface="Times New Roman" pitchFamily="18" charset="0"/>
-                <a:cs typeface="Times New Roman" pitchFamily="18" charset="0"/>
-              </a:rPr>
-              <a:t>td&gt;td5&lt;/td</a:t>
-            </a:r>
-            <a:r>
-              <a:rPr lang="en-US" altLang="zh-TW" sz="1600" dirty="0" smtClean="0">
-                <a:solidFill>
-                  <a:srgbClr val="00B050"/>
-                </a:solidFill>
-                <a:latin typeface="Times New Roman" pitchFamily="18" charset="0"/>
-                <a:cs typeface="Times New Roman" pitchFamily="18" charset="0"/>
-              </a:rPr>
-              <a:t>&gt;&lt;</a:t>
-            </a:r>
-            <a:r>
-              <a:rPr lang="en-US" altLang="zh-TW" sz="1600" dirty="0">
-                <a:solidFill>
-                  <a:srgbClr val="00B050"/>
-                </a:solidFill>
-                <a:latin typeface="Times New Roman" pitchFamily="18" charset="0"/>
-                <a:cs typeface="Times New Roman" pitchFamily="18" charset="0"/>
-              </a:rPr>
-              <a:t>td&gt;td6&lt;/td&gt;</a:t>
-            </a:r>
-          </a:p>
-          <a:p>
-            <a:pPr defTabSz="0"/>
-            <a:r>
-              <a:rPr lang="en-US" altLang="zh-TW" sz="1600" dirty="0">
-                <a:solidFill>
-                  <a:srgbClr val="00B050"/>
-                </a:solidFill>
-                <a:latin typeface="Times New Roman" pitchFamily="18" charset="0"/>
-                <a:cs typeface="Times New Roman" pitchFamily="18" charset="0"/>
-              </a:rPr>
-              <a:t>            &lt;/</a:t>
-            </a:r>
-            <a:r>
-              <a:rPr lang="en-US" altLang="zh-TW" sz="1600" dirty="0" err="1">
-                <a:solidFill>
-                  <a:srgbClr val="00B050"/>
-                </a:solidFill>
-                <a:latin typeface="Times New Roman" pitchFamily="18" charset="0"/>
-                <a:cs typeface="Times New Roman" pitchFamily="18" charset="0"/>
-              </a:rPr>
-              <a:t>tr</a:t>
-            </a:r>
-            <a:r>
-              <a:rPr lang="en-US" altLang="zh-TW" sz="1600" dirty="0" smtClean="0">
-                <a:solidFill>
-                  <a:srgbClr val="00B050"/>
-                </a:solidFill>
-                <a:latin typeface="Times New Roman" pitchFamily="18" charset="0"/>
-                <a:cs typeface="Times New Roman" pitchFamily="18" charset="0"/>
-              </a:rPr>
-              <a:t>&gt;</a:t>
-            </a:r>
-            <a:endParaRPr lang="en-US" altLang="zh-TW" sz="1600" dirty="0">
-              <a:solidFill>
-                <a:srgbClr val="00B050"/>
-              </a:solidFill>
-              <a:latin typeface="Times New Roman" pitchFamily="18" charset="0"/>
-              <a:cs typeface="Times New Roman" pitchFamily="18" charset="0"/>
-            </a:endParaRPr>
           </a:p>
           <a:p>
             <a:pPr defTabSz="0"/>
@@ -6451,13 +6067,6 @@
   <p:clrMapOvr>
     <a:masterClrMapping/>
   </p:clrMapOvr>
-  <p:timing>
-    <p:tnLst>
-      <p:par>
-        <p:cTn id="1" dur="indefinite" restart="never" nodeType="tmRoot"/>
-      </p:par>
-    </p:tnLst>
-  </p:timing>
 </p:sld>
 </file>
 
@@ -6502,42 +6111,42 @@
           <a:p>
             <a:pPr algn="ctr"/>
             <a:r>
-              <a:rPr lang="en-US" altLang="zh-TW" sz="2400" dirty="0" smtClean="0">
+              <a:rPr lang="en-US" altLang="zh-TW" sz="2400" dirty="0">
                 <a:latin typeface="Times New Roman" pitchFamily="18" charset="0"/>
                 <a:cs typeface="Times New Roman" pitchFamily="18" charset="0"/>
               </a:rPr>
               <a:t>Element </a:t>
             </a:r>
             <a:r>
-              <a:rPr lang="zh-TW" altLang="en-US" sz="2400" dirty="0" smtClean="0">
+              <a:rPr lang="zh-TW" altLang="en-US" sz="2400" dirty="0">
                 <a:latin typeface="Times New Roman" pitchFamily="18" charset="0"/>
                 <a:cs typeface="Times New Roman" pitchFamily="18" charset="0"/>
               </a:rPr>
               <a:t>介紹：</a:t>
             </a:r>
             <a:r>
-              <a:rPr lang="en-US" altLang="zh-TW" sz="2400" dirty="0" err="1" smtClean="0">
+              <a:rPr lang="en-US" altLang="zh-TW" sz="2400" dirty="0" err="1">
                 <a:latin typeface="Times New Roman" pitchFamily="18" charset="0"/>
                 <a:cs typeface="Times New Roman" pitchFamily="18" charset="0"/>
               </a:rPr>
               <a:t>href</a:t>
             </a:r>
             <a:r>
-              <a:rPr lang="en-US" altLang="zh-TW" sz="2400" dirty="0" smtClean="0">
+              <a:rPr lang="en-US" altLang="zh-TW" sz="2400" dirty="0">
                 <a:latin typeface="Times New Roman" pitchFamily="18" charset="0"/>
                 <a:cs typeface="Times New Roman" pitchFamily="18" charset="0"/>
               </a:rPr>
               <a:t> </a:t>
             </a:r>
             <a:r>
-              <a:rPr lang="zh-TW" altLang="en-US" sz="2400" dirty="0" smtClean="0">
+              <a:rPr lang="zh-TW" altLang="en-US" sz="2400" dirty="0">
                 <a:latin typeface="Times New Roman" pitchFamily="18" charset="0"/>
                 <a:cs typeface="Times New Roman" pitchFamily="18" charset="0"/>
               </a:rPr>
               <a:t>和 </a:t>
             </a:r>
             <a:r>
-              <a:rPr lang="en-US" altLang="zh-TW" sz="2400" dirty="0" err="1" smtClean="0">
+              <a:rPr lang="en-US" altLang="zh-TW" sz="2400" dirty="0" err="1">
                 <a:latin typeface="Times New Roman" pitchFamily="18" charset="0"/>
                 <a:cs typeface="Times New Roman" pitchFamily="18" charset="0"/>
               </a:rPr>
@@ -6574,7 +6183,7 @@
           <a:p>
             <a:pPr algn="ctr"/>
             <a:r>
-              <a:rPr lang="en-US" altLang="zh-TW" sz="1200" dirty="0" smtClean="0">
+              <a:rPr lang="en-US" altLang="zh-TW" sz="1200" dirty="0">
                 <a:latin typeface="Times New Roman" pitchFamily="18" charset="0"/>
                 <a:cs typeface="Times New Roman" pitchFamily="18" charset="0"/>
               </a:rPr>
@@ -6611,7 +6220,7 @@
           <a:p>
             <a:pPr defTabSz="0"/>
             <a:r>
-              <a:rPr lang="zh-TW" altLang="en-US" dirty="0" smtClean="0">
+              <a:rPr lang="zh-TW" altLang="en-US" dirty="0">
                 <a:latin typeface="Times New Roman" pitchFamily="18" charset="0"/>
                 <a:cs typeface="Times New Roman" pitchFamily="18" charset="0"/>
               </a:rPr>
@@ -6646,32 +6255,11 @@
                 <a:latin typeface="Times New Roman" pitchFamily="18" charset="0"/>
                 <a:cs typeface="Times New Roman" pitchFamily="18" charset="0"/>
               </a:rPr>
-              <a:t>="https://www.google.com"&gt;Google&lt;/a</a:t>
-            </a:r>
-            <a:r>
-              <a:rPr lang="en-US" altLang="zh-TW" dirty="0" smtClean="0">
-                <a:latin typeface="Times New Roman" pitchFamily="18" charset="0"/>
-                <a:cs typeface="Times New Roman" pitchFamily="18" charset="0"/>
-              </a:rPr>
-              <a:t>&gt;</a:t>
-            </a:r>
-          </a:p>
-          <a:p>
-            <a:pPr defTabSz="0"/>
-            <a:endParaRPr lang="en-US" altLang="zh-TW" dirty="0" smtClean="0">
-              <a:latin typeface="Times New Roman" pitchFamily="18" charset="0"/>
-              <a:cs typeface="Times New Roman" pitchFamily="18" charset="0"/>
-            </a:endParaRPr>
-          </a:p>
-          <a:p>
-            <a:pPr defTabSz="0"/>
-            <a:r>
-              <a:rPr lang="zh-TW" altLang="en-US" dirty="0" smtClean="0">
-                <a:latin typeface="Times New Roman" pitchFamily="18" charset="0"/>
-                <a:cs typeface="Times New Roman" pitchFamily="18" charset="0"/>
-              </a:rPr>
-              <a:t>圖片</a:t>
-            </a:r>
+              <a:t>="https://www.google.com"&gt;Google&lt;/a&gt;</a:t>
+            </a:r>
+          </a:p>
+          <a:p>
+            <a:pPr defTabSz="0"/>
             <a:endParaRPr lang="en-US" altLang="zh-TW" dirty="0">
               <a:latin typeface="Times New Roman" pitchFamily="18" charset="0"/>
               <a:cs typeface="Times New Roman" pitchFamily="18" charset="0"/>
@@ -6680,121 +6268,11 @@
           <a:p>
             <a:pPr defTabSz="0"/>
             <a:r>
-              <a:rPr lang="en-US" altLang="zh-TW" dirty="0">
-                <a:latin typeface="Times New Roman" pitchFamily="18" charset="0"/>
-                <a:cs typeface="Times New Roman" pitchFamily="18" charset="0"/>
-              </a:rPr>
-              <a:t>    &lt;</a:t>
-            </a:r>
-            <a:r>
-              <a:rPr lang="en-US" altLang="zh-TW" dirty="0" err="1">
-                <a:latin typeface="Times New Roman" pitchFamily="18" charset="0"/>
-                <a:cs typeface="Times New Roman" pitchFamily="18" charset="0"/>
-              </a:rPr>
-              <a:t>img</a:t>
-            </a:r>
-            <a:r>
-              <a:rPr lang="en-US" altLang="zh-TW" dirty="0">
-                <a:latin typeface="Times New Roman" pitchFamily="18" charset="0"/>
-                <a:cs typeface="Times New Roman" pitchFamily="18" charset="0"/>
-              </a:rPr>
-              <a:t> </a:t>
-            </a:r>
-            <a:r>
-              <a:rPr lang="en-US" altLang="zh-TW" dirty="0" err="1">
-                <a:solidFill>
-                  <a:srgbClr val="FF0000"/>
-                </a:solidFill>
-                <a:latin typeface="Times New Roman" pitchFamily="18" charset="0"/>
-                <a:cs typeface="Times New Roman" pitchFamily="18" charset="0"/>
-              </a:rPr>
-              <a:t>src</a:t>
-            </a:r>
-            <a:r>
-              <a:rPr lang="en-US" altLang="zh-TW" dirty="0">
-                <a:latin typeface="Times New Roman" pitchFamily="18" charset="0"/>
-                <a:cs typeface="Times New Roman" pitchFamily="18" charset="0"/>
-              </a:rPr>
-              <a:t>="/man.png" alt="</a:t>
-            </a:r>
-            <a:r>
               <a:rPr lang="zh-TW" altLang="en-US" dirty="0">
                 <a:latin typeface="Times New Roman" pitchFamily="18" charset="0"/>
                 <a:cs typeface="Times New Roman" pitchFamily="18" charset="0"/>
               </a:rPr>
-              <a:t>替代文字</a:t>
-            </a:r>
-            <a:r>
-              <a:rPr lang="en-US" altLang="zh-TW" dirty="0" smtClean="0">
-                <a:latin typeface="Times New Roman" pitchFamily="18" charset="0"/>
-                <a:cs typeface="Times New Roman" pitchFamily="18" charset="0"/>
-              </a:rPr>
-              <a:t>"&gt;</a:t>
-            </a:r>
-          </a:p>
-          <a:p>
-            <a:pPr defTabSz="0"/>
-            <a:endParaRPr lang="en-US" altLang="zh-TW" dirty="0" smtClean="0">
-              <a:latin typeface="Times New Roman" pitchFamily="18" charset="0"/>
-              <a:cs typeface="Times New Roman" pitchFamily="18" charset="0"/>
-            </a:endParaRPr>
-          </a:p>
-          <a:p>
-            <a:pPr defTabSz="0"/>
-            <a:r>
-              <a:rPr lang="zh-TW" altLang="en-US" dirty="0" smtClean="0">
-                <a:latin typeface="Times New Roman" pitchFamily="18" charset="0"/>
-                <a:cs typeface="Times New Roman" pitchFamily="18" charset="0"/>
-              </a:rPr>
-              <a:t>聲音</a:t>
-            </a:r>
-            <a:endParaRPr lang="en-US" altLang="zh-TW" dirty="0" smtClean="0">
-              <a:latin typeface="Times New Roman" pitchFamily="18" charset="0"/>
-              <a:cs typeface="Times New Roman" pitchFamily="18" charset="0"/>
-            </a:endParaRPr>
-          </a:p>
-          <a:p>
-            <a:pPr defTabSz="0"/>
-            <a:r>
-              <a:rPr lang="en-US" altLang="zh-TW" dirty="0" smtClean="0">
-                <a:latin typeface="Times New Roman" pitchFamily="18" charset="0"/>
-                <a:cs typeface="Times New Roman" pitchFamily="18" charset="0"/>
-              </a:rPr>
-              <a:t>    &lt;audio </a:t>
-            </a:r>
-            <a:r>
-              <a:rPr lang="en-US" altLang="zh-TW" dirty="0" err="1" smtClean="0">
-                <a:solidFill>
-                  <a:srgbClr val="FF0000"/>
-                </a:solidFill>
-                <a:latin typeface="Times New Roman" pitchFamily="18" charset="0"/>
-                <a:cs typeface="Times New Roman" pitchFamily="18" charset="0"/>
-              </a:rPr>
-              <a:t>src</a:t>
-            </a:r>
-            <a:r>
-              <a:rPr lang="en-US" altLang="zh-TW" dirty="0" smtClean="0">
-                <a:latin typeface="Times New Roman" pitchFamily="18" charset="0"/>
-                <a:cs typeface="Times New Roman" pitchFamily="18" charset="0"/>
-              </a:rPr>
-              <a:t>="" </a:t>
-            </a:r>
-            <a:r>
-              <a:rPr lang="en-US" altLang="zh-TW" dirty="0" smtClean="0">
-                <a:solidFill>
-                  <a:srgbClr val="00B050"/>
-                </a:solidFill>
-                <a:latin typeface="Times New Roman" pitchFamily="18" charset="0"/>
-                <a:cs typeface="Times New Roman" pitchFamily="18" charset="0"/>
-              </a:rPr>
-              <a:t>controls</a:t>
-            </a:r>
-            <a:r>
-              <a:rPr lang="en-US" altLang="zh-TW" dirty="0" smtClean="0">
-                <a:latin typeface="Times New Roman" pitchFamily="18" charset="0"/>
-                <a:cs typeface="Times New Roman" pitchFamily="18" charset="0"/>
-              </a:rPr>
-              <a:t>&gt;&lt;/audio&gt;</a:t>
+              <a:t>圖片</a:t>
             </a:r>
             <a:endParaRPr lang="en-US" altLang="zh-TW" dirty="0">
               <a:latin typeface="Times New Roman" pitchFamily="18" charset="0"/>
@@ -6808,13 +6286,30 @@
                 <a:latin typeface="Times New Roman" pitchFamily="18" charset="0"/>
                 <a:cs typeface="Times New Roman" pitchFamily="18" charset="0"/>
               </a:rPr>
-              <a:t>    &lt;audio </a:t>
+              <a:t>    &lt;</a:t>
             </a:r>
             <a:r>
               <a:rPr lang="en-US" altLang="zh-TW" dirty="0" err="1">
                 <a:latin typeface="Times New Roman" pitchFamily="18" charset="0"/>
                 <a:cs typeface="Times New Roman" pitchFamily="18" charset="0"/>
               </a:rPr>
+              <a:t>img</a:t>
+            </a:r>
+            <a:r>
+              <a:rPr lang="en-US" altLang="zh-TW" dirty="0">
+                <a:latin typeface="Times New Roman" pitchFamily="18" charset="0"/>
+                <a:cs typeface="Times New Roman" pitchFamily="18" charset="0"/>
+              </a:rPr>
+              <a:t> </a:t>
+            </a:r>
+            <a:r>
+              <a:rPr lang="en-US" altLang="zh-TW" dirty="0" err="1">
+                <a:solidFill>
+                  <a:srgbClr val="FF0000"/>
+                </a:solidFill>
+                <a:latin typeface="Times New Roman" pitchFamily="18" charset="0"/>
+                <a:cs typeface="Times New Roman" pitchFamily="18" charset="0"/>
+              </a:rPr>
               <a:t>src</a:t>
             </a:r>
             <a:r>
@@ -6822,32 +6317,25 @@
                 <a:latin typeface="Times New Roman" pitchFamily="18" charset="0"/>
                 <a:cs typeface="Times New Roman" pitchFamily="18" charset="0"/>
               </a:rPr>
-              <a:t>="" </a:t>
-            </a:r>
-            <a:r>
-              <a:rPr lang="en-US" altLang="zh-TW" dirty="0">
-                <a:solidFill>
-                  <a:srgbClr val="00B050"/>
-                </a:solidFill>
-                <a:latin typeface="Times New Roman" pitchFamily="18" charset="0"/>
-                <a:cs typeface="Times New Roman" pitchFamily="18" charset="0"/>
-              </a:rPr>
-              <a:t>controls="controls"</a:t>
-            </a:r>
-            <a:r>
-              <a:rPr lang="en-US" altLang="zh-TW" dirty="0">
-                <a:latin typeface="Times New Roman" pitchFamily="18" charset="0"/>
-                <a:cs typeface="Times New Roman" pitchFamily="18" charset="0"/>
-              </a:rPr>
-              <a:t>&gt;&lt;/audio</a:t>
-            </a:r>
-            <a:r>
-              <a:rPr lang="en-US" altLang="zh-TW" dirty="0" smtClean="0">
-                <a:latin typeface="Times New Roman" pitchFamily="18" charset="0"/>
-                <a:cs typeface="Times New Roman" pitchFamily="18" charset="0"/>
-              </a:rPr>
-              <a:t>&gt;</a:t>
-            </a:r>
+              <a:t>="/man.png" alt="</a:t>
+            </a:r>
+            <a:r>
+              <a:rPr lang="zh-TW" altLang="en-US" dirty="0">
+                <a:latin typeface="Times New Roman" pitchFamily="18" charset="0"/>
+                <a:cs typeface="Times New Roman" pitchFamily="18" charset="0"/>
+              </a:rPr>
+              <a:t>替代文字</a:t>
+            </a:r>
+            <a:r>
+              <a:rPr lang="en-US" altLang="zh-TW" dirty="0">
+                <a:latin typeface="Times New Roman" pitchFamily="18" charset="0"/>
+                <a:cs typeface="Times New Roman" pitchFamily="18" charset="0"/>
+              </a:rPr>
+              <a:t>"&gt;</a:t>
+            </a:r>
+          </a:p>
+          <a:p>
+            <a:pPr defTabSz="0"/>
             <a:endParaRPr lang="en-US" altLang="zh-TW" dirty="0">
               <a:latin typeface="Times New Roman" pitchFamily="18" charset="0"/>
               <a:cs typeface="Times New Roman" pitchFamily="18" charset="0"/>
@@ -6856,143 +6344,11 @@
           <a:p>
             <a:pPr defTabSz="0"/>
             <a:r>
-              <a:rPr lang="en-US" altLang="zh-TW" dirty="0">
-                <a:latin typeface="Times New Roman" pitchFamily="18" charset="0"/>
-                <a:cs typeface="Times New Roman" pitchFamily="18" charset="0"/>
-              </a:rPr>
-              <a:t>    &lt;audio controls&gt;</a:t>
-            </a:r>
-          </a:p>
-          <a:p>
-            <a:pPr defTabSz="0"/>
-            <a:r>
-              <a:rPr lang="en-US" altLang="zh-TW" dirty="0">
-                <a:latin typeface="Times New Roman" pitchFamily="18" charset="0"/>
-                <a:cs typeface="Times New Roman" pitchFamily="18" charset="0"/>
-              </a:rPr>
-              <a:t>        </a:t>
-            </a:r>
-            <a:r>
-              <a:rPr lang="en-US" altLang="zh-TW" dirty="0">
-                <a:solidFill>
-                  <a:srgbClr val="FF0000"/>
-                </a:solidFill>
-                <a:latin typeface="Times New Roman" pitchFamily="18" charset="0"/>
-                <a:cs typeface="Times New Roman" pitchFamily="18" charset="0"/>
-              </a:rPr>
-              <a:t>&lt;source</a:t>
-            </a:r>
-            <a:r>
-              <a:rPr lang="en-US" altLang="zh-TW" dirty="0">
-                <a:latin typeface="Times New Roman" pitchFamily="18" charset="0"/>
-                <a:cs typeface="Times New Roman" pitchFamily="18" charset="0"/>
-              </a:rPr>
-              <a:t> </a:t>
-            </a:r>
-            <a:r>
-              <a:rPr lang="en-US" altLang="zh-TW" dirty="0" err="1">
-                <a:solidFill>
-                  <a:srgbClr val="00B050"/>
-                </a:solidFill>
-                <a:latin typeface="Times New Roman" pitchFamily="18" charset="0"/>
-                <a:cs typeface="Times New Roman" pitchFamily="18" charset="0"/>
-              </a:rPr>
-              <a:t>src</a:t>
-            </a:r>
-            <a:r>
-              <a:rPr lang="en-US" altLang="zh-TW" dirty="0">
-                <a:solidFill>
-                  <a:srgbClr val="00B050"/>
-                </a:solidFill>
-                <a:latin typeface="Times New Roman" pitchFamily="18" charset="0"/>
-                <a:cs typeface="Times New Roman" pitchFamily="18" charset="0"/>
-              </a:rPr>
-              <a:t>="voice.ogg" type="audio/</a:t>
-            </a:r>
-            <a:r>
-              <a:rPr lang="en-US" altLang="zh-TW" dirty="0" err="1">
-                <a:solidFill>
-                  <a:srgbClr val="00B050"/>
-                </a:solidFill>
-                <a:latin typeface="Times New Roman" pitchFamily="18" charset="0"/>
-                <a:cs typeface="Times New Roman" pitchFamily="18" charset="0"/>
-              </a:rPr>
-              <a:t>ogg</a:t>
-            </a:r>
-            <a:r>
-              <a:rPr lang="en-US" altLang="zh-TW" dirty="0">
-                <a:solidFill>
-                  <a:srgbClr val="00B050"/>
-                </a:solidFill>
-                <a:latin typeface="Times New Roman" pitchFamily="18" charset="0"/>
-                <a:cs typeface="Times New Roman" pitchFamily="18" charset="0"/>
-              </a:rPr>
-              <a:t>"</a:t>
-            </a:r>
-            <a:r>
-              <a:rPr lang="en-US" altLang="zh-TW" dirty="0">
-                <a:solidFill>
-                  <a:srgbClr val="FF0000"/>
-                </a:solidFill>
-                <a:latin typeface="Times New Roman" pitchFamily="18" charset="0"/>
-                <a:cs typeface="Times New Roman" pitchFamily="18" charset="0"/>
-              </a:rPr>
-              <a:t>&gt;</a:t>
-            </a:r>
-          </a:p>
-          <a:p>
-            <a:pPr defTabSz="0"/>
-            <a:r>
-              <a:rPr lang="en-US" altLang="zh-TW" dirty="0">
-                <a:latin typeface="Times New Roman" pitchFamily="18" charset="0"/>
-                <a:cs typeface="Times New Roman" pitchFamily="18" charset="0"/>
-              </a:rPr>
-              <a:t>        &lt;source </a:t>
-            </a:r>
-            <a:r>
-              <a:rPr lang="en-US" altLang="zh-TW" dirty="0" err="1">
-                <a:latin typeface="Times New Roman" pitchFamily="18" charset="0"/>
-                <a:cs typeface="Times New Roman" pitchFamily="18" charset="0"/>
-              </a:rPr>
-              <a:t>src</a:t>
-            </a:r>
-            <a:r>
-              <a:rPr lang="en-US" altLang="zh-TW" dirty="0">
-                <a:latin typeface="Times New Roman" pitchFamily="18" charset="0"/>
-                <a:cs typeface="Times New Roman" pitchFamily="18" charset="0"/>
-              </a:rPr>
-              <a:t>="voice.mp3" type="audio/mpeg"&gt;</a:t>
-            </a:r>
-          </a:p>
-          <a:p>
-            <a:pPr defTabSz="0"/>
-            <a:r>
-              <a:rPr lang="en-US" altLang="zh-TW" dirty="0">
-                <a:latin typeface="Times New Roman" pitchFamily="18" charset="0"/>
-                <a:cs typeface="Times New Roman" pitchFamily="18" charset="0"/>
-              </a:rPr>
-              <a:t>    &lt;/audio</a:t>
-            </a:r>
-            <a:r>
-              <a:rPr lang="en-US" altLang="zh-TW" dirty="0" smtClean="0">
-                <a:latin typeface="Times New Roman" pitchFamily="18" charset="0"/>
-                <a:cs typeface="Times New Roman" pitchFamily="18" charset="0"/>
-              </a:rPr>
-              <a:t>&gt;</a:t>
-            </a:r>
-            <a:endParaRPr lang="en-US" altLang="zh-TW" dirty="0" smtClean="0">
-              <a:latin typeface="Times New Roman" pitchFamily="18" charset="0"/>
-              <a:cs typeface="Times New Roman" pitchFamily="18" charset="0"/>
-            </a:endParaRPr>
-          </a:p>
-          <a:p>
-            <a:pPr defTabSz="0"/>
-            <a:r>
-              <a:rPr lang="zh-TW" altLang="en-US" dirty="0" smtClean="0">
-                <a:latin typeface="Times New Roman" pitchFamily="18" charset="0"/>
-                <a:cs typeface="Times New Roman" pitchFamily="18" charset="0"/>
-              </a:rPr>
-              <a:t>影片</a:t>
+              <a:rPr lang="zh-TW" altLang="en-US" dirty="0">
+                <a:latin typeface="Times New Roman" pitchFamily="18" charset="0"/>
+                <a:cs typeface="Times New Roman" pitchFamily="18" charset="0"/>
+              </a:rPr>
+              <a:t>聲音</a:t>
             </a:r>
             <a:endParaRPr lang="en-US" altLang="zh-TW" dirty="0">
               <a:latin typeface="Times New Roman" pitchFamily="18" charset="0"/>
@@ -7006,7 +6362,7 @@
                 <a:latin typeface="Times New Roman" pitchFamily="18" charset="0"/>
                 <a:cs typeface="Times New Roman" pitchFamily="18" charset="0"/>
               </a:rPr>
-              <a:t>    &lt;video </a:t>
+              <a:t>    &lt;audio </a:t>
             </a:r>
             <a:r>
               <a:rPr lang="en-US" altLang="zh-TW" dirty="0" err="1">
@@ -7023,14 +6379,196 @@
                 <a:latin typeface="Times New Roman" pitchFamily="18" charset="0"/>
                 <a:cs typeface="Times New Roman" pitchFamily="18" charset="0"/>
               </a:rPr>
-              <a:t>="" controls&gt;&lt;/video</a:t>
-            </a:r>
-            <a:r>
-              <a:rPr lang="en-US" altLang="zh-TW" dirty="0" smtClean="0">
+              <a:t>="" </a:t>
+            </a:r>
+            <a:r>
+              <a:rPr lang="en-US" altLang="zh-TW" dirty="0">
+                <a:solidFill>
+                  <a:srgbClr val="00B050"/>
+                </a:solidFill>
+                <a:latin typeface="Times New Roman" pitchFamily="18" charset="0"/>
+                <a:cs typeface="Times New Roman" pitchFamily="18" charset="0"/>
+              </a:rPr>
+              <a:t>controls</a:t>
+            </a:r>
+            <a:r>
+              <a:rPr lang="en-US" altLang="zh-TW" dirty="0">
+                <a:latin typeface="Times New Roman" pitchFamily="18" charset="0"/>
+                <a:cs typeface="Times New Roman" pitchFamily="18" charset="0"/>
+              </a:rPr>
+              <a:t>&gt;&lt;/audio&gt;</a:t>
+            </a:r>
+          </a:p>
+          <a:p>
+            <a:pPr defTabSz="0"/>
+            <a:r>
+              <a:rPr lang="en-US" altLang="zh-TW" dirty="0">
+                <a:latin typeface="Times New Roman" pitchFamily="18" charset="0"/>
+                <a:cs typeface="Times New Roman" pitchFamily="18" charset="0"/>
+              </a:rPr>
+              <a:t>    &lt;audio </a:t>
+            </a:r>
+            <a:r>
+              <a:rPr lang="en-US" altLang="zh-TW" dirty="0" err="1">
+                <a:latin typeface="Times New Roman" pitchFamily="18" charset="0"/>
+                <a:cs typeface="Times New Roman" pitchFamily="18" charset="0"/>
+              </a:rPr>
+              <a:t>src</a:t>
+            </a:r>
+            <a:r>
+              <a:rPr lang="en-US" altLang="zh-TW" dirty="0">
+                <a:latin typeface="Times New Roman" pitchFamily="18" charset="0"/>
+                <a:cs typeface="Times New Roman" pitchFamily="18" charset="0"/>
+              </a:rPr>
+              <a:t>="" </a:t>
+            </a:r>
+            <a:r>
+              <a:rPr lang="en-US" altLang="zh-TW" dirty="0">
+                <a:solidFill>
+                  <a:srgbClr val="00B050"/>
+                </a:solidFill>
+                <a:latin typeface="Times New Roman" pitchFamily="18" charset="0"/>
+                <a:cs typeface="Times New Roman" pitchFamily="18" charset="0"/>
+              </a:rPr>
+              <a:t>controls="controls"</a:t>
+            </a:r>
+            <a:r>
+              <a:rPr lang="en-US" altLang="zh-TW" dirty="0">
+                <a:latin typeface="Times New Roman" pitchFamily="18" charset="0"/>
+                <a:cs typeface="Times New Roman" pitchFamily="18" charset="0"/>
+              </a:rPr>
+              <a:t>&gt;&lt;/audio&gt;</a:t>
+            </a:r>
+          </a:p>
+          <a:p>
+            <a:pPr defTabSz="0"/>
+            <a:r>
+              <a:rPr lang="en-US" altLang="zh-TW" dirty="0">
+                <a:latin typeface="Times New Roman" pitchFamily="18" charset="0"/>
+                <a:cs typeface="Times New Roman" pitchFamily="18" charset="0"/>
+              </a:rPr>
+              <a:t>    &lt;audio controls&gt;</a:t>
+            </a:r>
+          </a:p>
+          <a:p>
+            <a:pPr defTabSz="0"/>
+            <a:r>
+              <a:rPr lang="en-US" altLang="zh-TW" dirty="0">
+                <a:latin typeface="Times New Roman" pitchFamily="18" charset="0"/>
+                <a:cs typeface="Times New Roman" pitchFamily="18" charset="0"/>
+              </a:rPr>
+              <a:t>        </a:t>
+            </a:r>
+            <a:r>
+              <a:rPr lang="en-US" altLang="zh-TW" dirty="0">
+                <a:solidFill>
+                  <a:srgbClr val="FF0000"/>
+                </a:solidFill>
+                <a:latin typeface="Times New Roman" pitchFamily="18" charset="0"/>
+                <a:cs typeface="Times New Roman" pitchFamily="18" charset="0"/>
+              </a:rPr>
+              <a:t>&lt;source</a:t>
+            </a:r>
+            <a:r>
+              <a:rPr lang="en-US" altLang="zh-TW" dirty="0">
+                <a:latin typeface="Times New Roman" pitchFamily="18" charset="0"/>
+                <a:cs typeface="Times New Roman" pitchFamily="18" charset="0"/>
+              </a:rPr>
+              <a:t> </a:t>
+            </a:r>
+            <a:r>
+              <a:rPr lang="en-US" altLang="zh-TW" dirty="0" err="1">
+                <a:solidFill>
+                  <a:srgbClr val="00B050"/>
+                </a:solidFill>
+                <a:latin typeface="Times New Roman" pitchFamily="18" charset="0"/>
+                <a:cs typeface="Times New Roman" pitchFamily="18" charset="0"/>
+              </a:rPr>
+              <a:t>src</a:t>
+            </a:r>
+            <a:r>
+              <a:rPr lang="en-US" altLang="zh-TW" dirty="0">
+                <a:solidFill>
+                  <a:srgbClr val="00B050"/>
+                </a:solidFill>
+                <a:latin typeface="Times New Roman" pitchFamily="18" charset="0"/>
+                <a:cs typeface="Times New Roman" pitchFamily="18" charset="0"/>
+              </a:rPr>
+              <a:t>="voice.ogg" type="audio/</a:t>
+            </a:r>
+            <a:r>
+              <a:rPr lang="en-US" altLang="zh-TW" dirty="0" err="1">
+                <a:solidFill>
+                  <a:srgbClr val="00B050"/>
+                </a:solidFill>
+                <a:latin typeface="Times New Roman" pitchFamily="18" charset="0"/>
+                <a:cs typeface="Times New Roman" pitchFamily="18" charset="0"/>
+              </a:rPr>
+              <a:t>ogg</a:t>
+            </a:r>
+            <a:r>
+              <a:rPr lang="en-US" altLang="zh-TW" dirty="0">
+                <a:solidFill>
+                  <a:srgbClr val="00B050"/>
+                </a:solidFill>
+                <a:latin typeface="Times New Roman" pitchFamily="18" charset="0"/>
+                <a:cs typeface="Times New Roman" pitchFamily="18" charset="0"/>
+              </a:rPr>
+              <a:t>"</a:t>
+            </a:r>
+            <a:r>
+              <a:rPr lang="en-US" altLang="zh-TW" dirty="0">
+                <a:solidFill>
+                  <a:srgbClr val="FF0000"/>
+                </a:solidFill>
                 <a:latin typeface="Times New Roman" pitchFamily="18" charset="0"/>
                 <a:cs typeface="Times New Roman" pitchFamily="18" charset="0"/>
               </a:rPr>
               <a:t>&gt;</a:t>
+            </a:r>
+          </a:p>
+          <a:p>
+            <a:pPr defTabSz="0"/>
+            <a:r>
+              <a:rPr lang="en-US" altLang="zh-TW" dirty="0">
+                <a:latin typeface="Times New Roman" pitchFamily="18" charset="0"/>
+                <a:cs typeface="Times New Roman" pitchFamily="18" charset="0"/>
+              </a:rPr>
+              <a:t>        &lt;source </a:t>
+            </a:r>
+            <a:r>
+              <a:rPr lang="en-US" altLang="zh-TW" dirty="0" err="1">
+                <a:latin typeface="Times New Roman" pitchFamily="18" charset="0"/>
+                <a:cs typeface="Times New Roman" pitchFamily="18" charset="0"/>
+              </a:rPr>
+              <a:t>src</a:t>
+            </a:r>
+            <a:r>
+              <a:rPr lang="en-US" altLang="zh-TW" dirty="0">
+                <a:latin typeface="Times New Roman" pitchFamily="18" charset="0"/>
+                <a:cs typeface="Times New Roman" pitchFamily="18" charset="0"/>
+              </a:rPr>
+              <a:t>="voice.mp3" type="audio/mpeg"&gt;</a:t>
+            </a:r>
+          </a:p>
+          <a:p>
+            <a:pPr defTabSz="0"/>
+            <a:r>
+              <a:rPr lang="en-US" altLang="zh-TW" dirty="0">
+                <a:latin typeface="Times New Roman" pitchFamily="18" charset="0"/>
+                <a:cs typeface="Times New Roman" pitchFamily="18" charset="0"/>
+              </a:rPr>
+              <a:t>    &lt;/audio&gt;</a:t>
+            </a:r>
+          </a:p>
+          <a:p>
+            <a:pPr defTabSz="0"/>
+            <a:r>
+              <a:rPr lang="zh-TW" altLang="en-US" dirty="0">
+                <a:latin typeface="Times New Roman" pitchFamily="18" charset="0"/>
+                <a:cs typeface="Times New Roman" pitchFamily="18" charset="0"/>
+              </a:rPr>
+              <a:t>影片</a:t>
             </a:r>
             <a:endParaRPr lang="en-US" altLang="zh-TW" dirty="0">
               <a:latin typeface="Times New Roman" pitchFamily="18" charset="0"/>
@@ -7044,6 +6582,33 @@
                 <a:latin typeface="Times New Roman" pitchFamily="18" charset="0"/>
                 <a:cs typeface="Times New Roman" pitchFamily="18" charset="0"/>
               </a:rPr>
+              <a:t>    &lt;video </a:t>
+            </a:r>
+            <a:r>
+              <a:rPr lang="en-US" altLang="zh-TW" dirty="0" err="1">
+                <a:solidFill>
+                  <a:srgbClr val="FF0000"/>
+                </a:solidFill>
+                <a:latin typeface="Times New Roman" pitchFamily="18" charset="0"/>
+                <a:cs typeface="Times New Roman" pitchFamily="18" charset="0"/>
+              </a:rPr>
+              <a:t>src</a:t>
+            </a:r>
+            <a:r>
+              <a:rPr lang="en-US" altLang="zh-TW" dirty="0">
+                <a:latin typeface="Times New Roman" pitchFamily="18" charset="0"/>
+                <a:cs typeface="Times New Roman" pitchFamily="18" charset="0"/>
+              </a:rPr>
+              <a:t>="" controls&gt;&lt;/video&gt;</a:t>
+            </a:r>
+          </a:p>
+          <a:p>
+            <a:pPr defTabSz="0"/>
+            <a:r>
+              <a:rPr lang="en-US" altLang="zh-TW" dirty="0">
+                <a:latin typeface="Times New Roman" pitchFamily="18" charset="0"/>
+                <a:cs typeface="Times New Roman" pitchFamily="18" charset="0"/>
+              </a:rPr>
               <a:t>    &lt;video controls&gt;</a:t>
             </a:r>
           </a:p>
@@ -7151,10 +6716,6 @@
               </a:rPr>
               <a:t>    &lt;/video&gt;</a:t>
             </a:r>
-            <a:endParaRPr lang="en-US" altLang="zh-TW" dirty="0">
-              <a:latin typeface="Times New Roman" pitchFamily="18" charset="0"/>
-              <a:cs typeface="Times New Roman" pitchFamily="18" charset="0"/>
-            </a:endParaRPr>
           </a:p>
         </p:txBody>
       </p:sp>
@@ -7168,13 +6729,6 @@
   <p:clrMapOvr>
     <a:masterClrMapping/>
   </p:clrMapOvr>
-  <p:timing>
-    <p:tnLst>
-      <p:par>
-        <p:cTn id="1" dur="indefinite" restart="never" nodeType="tmRoot"/>
-      </p:par>
-    </p:tnLst>
-  </p:timing>
 </p:sld>
 </file>
 
@@ -7219,28 +6773,21 @@
           <a:p>
             <a:pPr algn="ctr"/>
             <a:r>
-              <a:rPr lang="en-US" altLang="zh-TW" sz="2400" dirty="0" smtClean="0">
+              <a:rPr lang="en-US" altLang="zh-TW" sz="2400" dirty="0">
                 <a:latin typeface="Times New Roman" pitchFamily="18" charset="0"/>
                 <a:cs typeface="Times New Roman" pitchFamily="18" charset="0"/>
               </a:rPr>
               <a:t>Element </a:t>
             </a:r>
             <a:r>
-              <a:rPr lang="zh-TW" altLang="en-US" sz="2400" dirty="0" smtClean="0">
-                <a:latin typeface="Times New Roman" pitchFamily="18" charset="0"/>
-                <a:cs typeface="Times New Roman" pitchFamily="18" charset="0"/>
-              </a:rPr>
-              <a:t>介紹</a:t>
-            </a:r>
-            <a:r>
-              <a:rPr lang="zh-TW" altLang="en-US" sz="2400" dirty="0" smtClean="0">
-                <a:latin typeface="Times New Roman" pitchFamily="18" charset="0"/>
-                <a:cs typeface="Times New Roman" pitchFamily="18" charset="0"/>
-              </a:rPr>
-              <a:t>：</a:t>
-            </a:r>
-            <a:r>
-              <a:rPr lang="en-US" altLang="zh-TW" sz="2400" dirty="0" smtClean="0">
+              <a:rPr lang="zh-TW" altLang="en-US" sz="2400" dirty="0">
+                <a:latin typeface="Times New Roman" pitchFamily="18" charset="0"/>
+                <a:cs typeface="Times New Roman" pitchFamily="18" charset="0"/>
+              </a:rPr>
+              <a:t>介紹：</a:t>
+            </a:r>
+            <a:r>
+              <a:rPr lang="en-US" altLang="zh-TW" sz="2400" dirty="0">
                 <a:latin typeface="Times New Roman" pitchFamily="18" charset="0"/>
                 <a:cs typeface="Times New Roman" pitchFamily="18" charset="0"/>
               </a:rPr>
@@ -7277,7 +6824,7 @@
           <a:p>
             <a:pPr algn="ctr"/>
             <a:r>
-              <a:rPr lang="en-US" altLang="zh-TW" sz="1200" smtClean="0">
+              <a:rPr lang="en-US" altLang="zh-TW" sz="1200">
                 <a:latin typeface="Times New Roman" pitchFamily="18" charset="0"/>
                 <a:cs typeface="Times New Roman" pitchFamily="18" charset="0"/>
               </a:rPr>
@@ -7314,7 +6861,7 @@
           <a:p>
             <a:pPr defTabSz="0"/>
             <a:r>
-              <a:rPr lang="zh-TW" altLang="en-US" dirty="0" smtClean="0">
+              <a:rPr lang="zh-TW" altLang="en-US" dirty="0">
                 <a:latin typeface="Times New Roman" pitchFamily="18" charset="0"/>
                 <a:cs typeface="Times New Roman" pitchFamily="18" charset="0"/>
               </a:rPr>
@@ -7747,10 +7294,6 @@
               </a:rPr>
               <a:t>    &lt;/form&gt;</a:t>
             </a:r>
-            <a:endParaRPr lang="en-US" altLang="zh-TW" dirty="0" smtClean="0">
-              <a:latin typeface="Times New Roman" pitchFamily="18" charset="0"/>
-              <a:cs typeface="Times New Roman" pitchFamily="18" charset="0"/>
-            </a:endParaRPr>
           </a:p>
         </p:txBody>
       </p:sp>
@@ -7764,13 +7307,6 @@
   <p:clrMapOvr>
     <a:masterClrMapping/>
   </p:clrMapOvr>
-  <p:timing>
-    <p:tnLst>
-      <p:par>
-        <p:cTn id="1" dur="indefinite" restart="never" nodeType="tmRoot"/>
-      </p:par>
-    </p:tnLst>
-  </p:timing>
 </p:sld>
 </file>
 
@@ -7815,28 +7351,21 @@
           <a:p>
             <a:pPr algn="ctr"/>
             <a:r>
-              <a:rPr lang="en-US" altLang="zh-TW" sz="2400" dirty="0" smtClean="0">
+              <a:rPr lang="en-US" altLang="zh-TW" sz="2400" dirty="0">
                 <a:latin typeface="Times New Roman" pitchFamily="18" charset="0"/>
                 <a:cs typeface="Times New Roman" pitchFamily="18" charset="0"/>
               </a:rPr>
               <a:t>Element </a:t>
             </a:r>
             <a:r>
-              <a:rPr lang="zh-TW" altLang="en-US" sz="2400" dirty="0" smtClean="0">
-                <a:latin typeface="Times New Roman" pitchFamily="18" charset="0"/>
-                <a:cs typeface="Times New Roman" pitchFamily="18" charset="0"/>
-              </a:rPr>
-              <a:t>介紹</a:t>
-            </a:r>
-            <a:r>
-              <a:rPr lang="zh-TW" altLang="en-US" sz="2400" dirty="0" smtClean="0">
-                <a:latin typeface="Times New Roman" pitchFamily="18" charset="0"/>
-                <a:cs typeface="Times New Roman" pitchFamily="18" charset="0"/>
-              </a:rPr>
-              <a:t>：</a:t>
-            </a:r>
-            <a:r>
-              <a:rPr lang="en-US" altLang="zh-TW" sz="2400" dirty="0" smtClean="0">
+              <a:rPr lang="zh-TW" altLang="en-US" sz="2400" dirty="0">
+                <a:latin typeface="Times New Roman" pitchFamily="18" charset="0"/>
+                <a:cs typeface="Times New Roman" pitchFamily="18" charset="0"/>
+              </a:rPr>
+              <a:t>介紹：</a:t>
+            </a:r>
+            <a:r>
+              <a:rPr lang="en-US" altLang="zh-TW" sz="2400" dirty="0">
                 <a:latin typeface="Times New Roman" pitchFamily="18" charset="0"/>
                 <a:cs typeface="Times New Roman" pitchFamily="18" charset="0"/>
               </a:rPr>
@@ -7873,7 +7402,7 @@
           <a:p>
             <a:pPr algn="ctr"/>
             <a:r>
-              <a:rPr lang="en-US" altLang="zh-TW" sz="1200" dirty="0" smtClean="0">
+              <a:rPr lang="en-US" altLang="zh-TW" sz="1200" dirty="0">
                 <a:latin typeface="Times New Roman" pitchFamily="18" charset="0"/>
                 <a:cs typeface="Times New Roman" pitchFamily="18" charset="0"/>
               </a:rPr>
@@ -7910,7 +7439,288 @@
           <a:p>
             <a:pPr defTabSz="0"/>
             <a:r>
-              <a:rPr lang="en-US" altLang="zh-TW" dirty="0" smtClean="0">
+              <a:rPr lang="en-US" altLang="zh-TW" dirty="0">
+                <a:latin typeface="Times New Roman" pitchFamily="18" charset="0"/>
+                <a:cs typeface="Times New Roman" pitchFamily="18" charset="0"/>
+              </a:rPr>
+              <a:t>    &lt;form action="" method=""&gt;</a:t>
+            </a:r>
+          </a:p>
+          <a:p>
+            <a:pPr defTabSz="0"/>
+            <a:r>
+              <a:rPr lang="en-US" altLang="zh-TW" dirty="0">
+                <a:latin typeface="Times New Roman" pitchFamily="18" charset="0"/>
+                <a:cs typeface="Times New Roman" pitchFamily="18" charset="0"/>
+              </a:rPr>
+              <a:t>        &lt;input </a:t>
+            </a:r>
+            <a:r>
+              <a:rPr lang="en-US" altLang="zh-TW" dirty="0">
+                <a:solidFill>
+                  <a:srgbClr val="FF0000"/>
+                </a:solidFill>
+                <a:latin typeface="Times New Roman" pitchFamily="18" charset="0"/>
+                <a:cs typeface="Times New Roman" pitchFamily="18" charset="0"/>
+              </a:rPr>
+              <a:t>type="radio"</a:t>
+            </a:r>
+            <a:r>
+              <a:rPr lang="en-US" altLang="zh-TW" dirty="0">
+                <a:latin typeface="Times New Roman" pitchFamily="18" charset="0"/>
+                <a:cs typeface="Times New Roman" pitchFamily="18" charset="0"/>
+              </a:rPr>
+              <a:t> </a:t>
+            </a:r>
+            <a:r>
+              <a:rPr lang="en-US" altLang="zh-TW" dirty="0">
+                <a:solidFill>
+                  <a:srgbClr val="00B050"/>
+                </a:solidFill>
+                <a:latin typeface="Times New Roman" pitchFamily="18" charset="0"/>
+                <a:cs typeface="Times New Roman" pitchFamily="18" charset="0"/>
+              </a:rPr>
+              <a:t>name="animal"</a:t>
+            </a:r>
+            <a:r>
+              <a:rPr lang="en-US" altLang="zh-TW" dirty="0">
+                <a:latin typeface="Times New Roman" pitchFamily="18" charset="0"/>
+                <a:cs typeface="Times New Roman" pitchFamily="18" charset="0"/>
+              </a:rPr>
+              <a:t> </a:t>
+            </a:r>
+            <a:r>
+              <a:rPr lang="en-US" altLang="zh-TW" dirty="0">
+                <a:solidFill>
+                  <a:srgbClr val="00B050"/>
+                </a:solidFill>
+                <a:latin typeface="Times New Roman" pitchFamily="18" charset="0"/>
+                <a:cs typeface="Times New Roman" pitchFamily="18" charset="0"/>
+              </a:rPr>
+              <a:t>value="dog"</a:t>
+            </a:r>
+            <a:r>
+              <a:rPr lang="en-US" altLang="zh-TW" dirty="0">
+                <a:latin typeface="Times New Roman" pitchFamily="18" charset="0"/>
+                <a:cs typeface="Times New Roman" pitchFamily="18" charset="0"/>
+              </a:rPr>
+              <a:t>&gt;</a:t>
+            </a:r>
+            <a:r>
+              <a:rPr lang="zh-TW" altLang="en-US" dirty="0">
+                <a:latin typeface="Times New Roman" pitchFamily="18" charset="0"/>
+                <a:cs typeface="Times New Roman" pitchFamily="18" charset="0"/>
+              </a:rPr>
+              <a:t>狗</a:t>
+            </a:r>
+            <a:r>
+              <a:rPr lang="en-US" altLang="zh-TW" dirty="0">
+                <a:latin typeface="Times New Roman" pitchFamily="18" charset="0"/>
+                <a:cs typeface="Times New Roman" pitchFamily="18" charset="0"/>
+              </a:rPr>
+              <a:t>&lt;</a:t>
+            </a:r>
+            <a:r>
+              <a:rPr lang="en-US" altLang="zh-TW" dirty="0" err="1">
+                <a:latin typeface="Times New Roman" pitchFamily="18" charset="0"/>
+                <a:cs typeface="Times New Roman" pitchFamily="18" charset="0"/>
+              </a:rPr>
+              <a:t>br</a:t>
+            </a:r>
+            <a:r>
+              <a:rPr lang="en-US" altLang="zh-TW" dirty="0">
+                <a:latin typeface="Times New Roman" pitchFamily="18" charset="0"/>
+                <a:cs typeface="Times New Roman" pitchFamily="18" charset="0"/>
+              </a:rPr>
+              <a:t>&gt;</a:t>
+            </a:r>
+          </a:p>
+          <a:p>
+            <a:pPr defTabSz="0"/>
+            <a:r>
+              <a:rPr lang="en-US" altLang="zh-TW" dirty="0">
+                <a:latin typeface="Times New Roman" pitchFamily="18" charset="0"/>
+                <a:cs typeface="Times New Roman" pitchFamily="18" charset="0"/>
+              </a:rPr>
+              <a:t>        &lt;input type="radio" name="animal" value="cat"&gt;</a:t>
+            </a:r>
+            <a:r>
+              <a:rPr lang="zh-TW" altLang="en-US" dirty="0">
+                <a:latin typeface="Times New Roman" pitchFamily="18" charset="0"/>
+                <a:cs typeface="Times New Roman" pitchFamily="18" charset="0"/>
+              </a:rPr>
+              <a:t>貓</a:t>
+            </a:r>
+            <a:r>
+              <a:rPr lang="en-US" altLang="zh-TW" dirty="0">
+                <a:latin typeface="Times New Roman" pitchFamily="18" charset="0"/>
+                <a:cs typeface="Times New Roman" pitchFamily="18" charset="0"/>
+              </a:rPr>
+              <a:t>&lt;</a:t>
+            </a:r>
+            <a:r>
+              <a:rPr lang="en-US" altLang="zh-TW" dirty="0" err="1">
+                <a:latin typeface="Times New Roman" pitchFamily="18" charset="0"/>
+                <a:cs typeface="Times New Roman" pitchFamily="18" charset="0"/>
+              </a:rPr>
+              <a:t>br</a:t>
+            </a:r>
+            <a:r>
+              <a:rPr lang="en-US" altLang="zh-TW" dirty="0">
+                <a:latin typeface="Times New Roman" pitchFamily="18" charset="0"/>
+                <a:cs typeface="Times New Roman" pitchFamily="18" charset="0"/>
+              </a:rPr>
+              <a:t>&gt;</a:t>
+            </a:r>
+          </a:p>
+          <a:p>
+            <a:pPr defTabSz="0"/>
+            <a:r>
+              <a:rPr lang="en-US" altLang="zh-TW" dirty="0">
+                <a:latin typeface="Times New Roman" pitchFamily="18" charset="0"/>
+                <a:cs typeface="Times New Roman" pitchFamily="18" charset="0"/>
+              </a:rPr>
+              <a:t>        &lt;input </a:t>
+            </a:r>
+            <a:r>
+              <a:rPr lang="en-US" altLang="zh-TW" dirty="0">
+                <a:solidFill>
+                  <a:srgbClr val="FF0000"/>
+                </a:solidFill>
+                <a:latin typeface="Times New Roman" pitchFamily="18" charset="0"/>
+                <a:cs typeface="Times New Roman" pitchFamily="18" charset="0"/>
+              </a:rPr>
+              <a:t>type="checkbox"</a:t>
+            </a:r>
+            <a:r>
+              <a:rPr lang="en-US" altLang="zh-TW" dirty="0">
+                <a:latin typeface="Times New Roman" pitchFamily="18" charset="0"/>
+                <a:cs typeface="Times New Roman" pitchFamily="18" charset="0"/>
+              </a:rPr>
+              <a:t> </a:t>
+            </a:r>
+            <a:r>
+              <a:rPr lang="en-US" altLang="zh-TW" dirty="0">
+                <a:solidFill>
+                  <a:srgbClr val="00B050"/>
+                </a:solidFill>
+                <a:latin typeface="Times New Roman" pitchFamily="18" charset="0"/>
+                <a:cs typeface="Times New Roman" pitchFamily="18" charset="0"/>
+              </a:rPr>
+              <a:t>name="big-animal"</a:t>
+            </a:r>
+            <a:r>
+              <a:rPr lang="en-US" altLang="zh-TW" dirty="0">
+                <a:latin typeface="Times New Roman" pitchFamily="18" charset="0"/>
+                <a:cs typeface="Times New Roman" pitchFamily="18" charset="0"/>
+              </a:rPr>
+              <a:t> </a:t>
+            </a:r>
+            <a:r>
+              <a:rPr lang="en-US" altLang="zh-TW" dirty="0">
+                <a:solidFill>
+                  <a:srgbClr val="00B050"/>
+                </a:solidFill>
+                <a:latin typeface="Times New Roman" pitchFamily="18" charset="0"/>
+                <a:cs typeface="Times New Roman" pitchFamily="18" charset="0"/>
+              </a:rPr>
+              <a:t>value="lion"</a:t>
+            </a:r>
+            <a:r>
+              <a:rPr lang="en-US" altLang="zh-TW" dirty="0">
+                <a:latin typeface="Times New Roman" pitchFamily="18" charset="0"/>
+                <a:cs typeface="Times New Roman" pitchFamily="18" charset="0"/>
+              </a:rPr>
+              <a:t>&gt;</a:t>
+            </a:r>
+            <a:r>
+              <a:rPr lang="zh-TW" altLang="en-US" dirty="0">
+                <a:latin typeface="Times New Roman" pitchFamily="18" charset="0"/>
+                <a:cs typeface="Times New Roman" pitchFamily="18" charset="0"/>
+              </a:rPr>
+              <a:t>獅子</a:t>
+            </a:r>
+            <a:r>
+              <a:rPr lang="en-US" altLang="zh-TW" dirty="0">
+                <a:latin typeface="Times New Roman" pitchFamily="18" charset="0"/>
+                <a:cs typeface="Times New Roman" pitchFamily="18" charset="0"/>
+              </a:rPr>
+              <a:t>&lt;</a:t>
+            </a:r>
+            <a:r>
+              <a:rPr lang="en-US" altLang="zh-TW" dirty="0" err="1">
+                <a:latin typeface="Times New Roman" pitchFamily="18" charset="0"/>
+                <a:cs typeface="Times New Roman" pitchFamily="18" charset="0"/>
+              </a:rPr>
+              <a:t>br</a:t>
+            </a:r>
+            <a:r>
+              <a:rPr lang="en-US" altLang="zh-TW" dirty="0">
+                <a:latin typeface="Times New Roman" pitchFamily="18" charset="0"/>
+                <a:cs typeface="Times New Roman" pitchFamily="18" charset="0"/>
+              </a:rPr>
+              <a:t>&gt;</a:t>
+            </a:r>
+          </a:p>
+          <a:p>
+            <a:pPr defTabSz="0"/>
+            <a:r>
+              <a:rPr lang="en-US" altLang="zh-TW" dirty="0">
+                <a:latin typeface="Times New Roman" pitchFamily="18" charset="0"/>
+                <a:cs typeface="Times New Roman" pitchFamily="18" charset="0"/>
+              </a:rPr>
+              <a:t>        &lt;input type="checkbox" name="big-animal" value="tiger"&gt;</a:t>
+            </a:r>
+            <a:r>
+              <a:rPr lang="zh-TW" altLang="en-US" dirty="0">
+                <a:latin typeface="Times New Roman" pitchFamily="18" charset="0"/>
+                <a:cs typeface="Times New Roman" pitchFamily="18" charset="0"/>
+              </a:rPr>
+              <a:t>老虎</a:t>
+            </a:r>
+            <a:r>
+              <a:rPr lang="en-US" altLang="zh-TW" dirty="0">
+                <a:latin typeface="Times New Roman" pitchFamily="18" charset="0"/>
+                <a:cs typeface="Times New Roman" pitchFamily="18" charset="0"/>
+              </a:rPr>
+              <a:t>&lt;</a:t>
+            </a:r>
+            <a:r>
+              <a:rPr lang="en-US" altLang="zh-TW" dirty="0" err="1">
+                <a:latin typeface="Times New Roman" pitchFamily="18" charset="0"/>
+                <a:cs typeface="Times New Roman" pitchFamily="18" charset="0"/>
+              </a:rPr>
+              <a:t>br</a:t>
+            </a:r>
+            <a:r>
+              <a:rPr lang="en-US" altLang="zh-TW" dirty="0">
+                <a:latin typeface="Times New Roman" pitchFamily="18" charset="0"/>
+                <a:cs typeface="Times New Roman" pitchFamily="18" charset="0"/>
+              </a:rPr>
+              <a:t>&gt;</a:t>
+            </a:r>
+          </a:p>
+          <a:p>
+            <a:pPr defTabSz="0"/>
+            <a:r>
+              <a:rPr lang="en-US" altLang="zh-TW" dirty="0">
+                <a:latin typeface="Times New Roman" pitchFamily="18" charset="0"/>
+                <a:cs typeface="Times New Roman" pitchFamily="18" charset="0"/>
+              </a:rPr>
+              <a:t>        &lt;input type="checkbox" name="big-animal" value="bear"&gt;</a:t>
+            </a:r>
+            <a:r>
+              <a:rPr lang="zh-TW" altLang="en-US" dirty="0">
+                <a:latin typeface="Times New Roman" pitchFamily="18" charset="0"/>
+                <a:cs typeface="Times New Roman" pitchFamily="18" charset="0"/>
+              </a:rPr>
+              <a:t>熊</a:t>
+            </a:r>
+          </a:p>
+          <a:p>
+            <a:pPr defTabSz="0"/>
+            <a:r>
+              <a:rPr lang="zh-TW" altLang="en-US" dirty="0">
                 <a:latin typeface="Times New Roman" pitchFamily="18" charset="0"/>
                 <a:cs typeface="Times New Roman" pitchFamily="18" charset="0"/>
               </a:rPr>
@@ -7921,324 +7731,8 @@
                 <a:latin typeface="Times New Roman" pitchFamily="18" charset="0"/>
                 <a:cs typeface="Times New Roman" pitchFamily="18" charset="0"/>
               </a:rPr>
-              <a:t>&lt;form action="" method=""&gt;</a:t>
-            </a:r>
-          </a:p>
-          <a:p>
-            <a:pPr defTabSz="0"/>
-            <a:r>
-              <a:rPr lang="en-US" altLang="zh-TW" dirty="0">
-                <a:latin typeface="Times New Roman" pitchFamily="18" charset="0"/>
-                <a:cs typeface="Times New Roman" pitchFamily="18" charset="0"/>
-              </a:rPr>
-              <a:t>        &lt;input </a:t>
-            </a:r>
-            <a:r>
-              <a:rPr lang="en-US" altLang="zh-TW" dirty="0">
-                <a:solidFill>
-                  <a:srgbClr val="FF0000"/>
-                </a:solidFill>
-                <a:latin typeface="Times New Roman" pitchFamily="18" charset="0"/>
-                <a:cs typeface="Times New Roman" pitchFamily="18" charset="0"/>
-              </a:rPr>
-              <a:t>type="radio"</a:t>
-            </a:r>
-            <a:r>
-              <a:rPr lang="en-US" altLang="zh-TW" dirty="0">
-                <a:latin typeface="Times New Roman" pitchFamily="18" charset="0"/>
-                <a:cs typeface="Times New Roman" pitchFamily="18" charset="0"/>
-              </a:rPr>
-              <a:t> </a:t>
-            </a:r>
-            <a:r>
-              <a:rPr lang="en-US" altLang="zh-TW" dirty="0">
-                <a:solidFill>
-                  <a:srgbClr val="00B050"/>
-                </a:solidFill>
-                <a:latin typeface="Times New Roman" pitchFamily="18" charset="0"/>
-                <a:cs typeface="Times New Roman" pitchFamily="18" charset="0"/>
-              </a:rPr>
-              <a:t>name="animal"</a:t>
-            </a:r>
-            <a:r>
-              <a:rPr lang="en-US" altLang="zh-TW" dirty="0">
-                <a:latin typeface="Times New Roman" pitchFamily="18" charset="0"/>
-                <a:cs typeface="Times New Roman" pitchFamily="18" charset="0"/>
-              </a:rPr>
-              <a:t> </a:t>
-            </a:r>
-            <a:r>
-              <a:rPr lang="en-US" altLang="zh-TW" dirty="0">
-                <a:solidFill>
-                  <a:srgbClr val="00B050"/>
-                </a:solidFill>
-                <a:latin typeface="Times New Roman" pitchFamily="18" charset="0"/>
-                <a:cs typeface="Times New Roman" pitchFamily="18" charset="0"/>
-              </a:rPr>
-              <a:t>value="dog"</a:t>
-            </a:r>
-            <a:r>
-              <a:rPr lang="en-US" altLang="zh-TW" dirty="0">
-                <a:latin typeface="Times New Roman" pitchFamily="18" charset="0"/>
-                <a:cs typeface="Times New Roman" pitchFamily="18" charset="0"/>
-              </a:rPr>
-              <a:t>&gt;</a:t>
-            </a:r>
-            <a:r>
-              <a:rPr lang="zh-TW" altLang="en-US" dirty="0">
-                <a:latin typeface="Times New Roman" pitchFamily="18" charset="0"/>
-                <a:cs typeface="Times New Roman" pitchFamily="18" charset="0"/>
-              </a:rPr>
-              <a:t>狗</a:t>
-            </a:r>
-            <a:r>
-              <a:rPr lang="en-US" altLang="zh-TW" dirty="0">
-                <a:latin typeface="Times New Roman" pitchFamily="18" charset="0"/>
-                <a:cs typeface="Times New Roman" pitchFamily="18" charset="0"/>
-              </a:rPr>
-              <a:t>&lt;</a:t>
-            </a:r>
-            <a:r>
-              <a:rPr lang="en-US" altLang="zh-TW" dirty="0" err="1">
-                <a:latin typeface="Times New Roman" pitchFamily="18" charset="0"/>
-                <a:cs typeface="Times New Roman" pitchFamily="18" charset="0"/>
-              </a:rPr>
-              <a:t>br</a:t>
-            </a:r>
-            <a:r>
-              <a:rPr lang="en-US" altLang="zh-TW" dirty="0">
-                <a:latin typeface="Times New Roman" pitchFamily="18" charset="0"/>
-                <a:cs typeface="Times New Roman" pitchFamily="18" charset="0"/>
-              </a:rPr>
-              <a:t>&gt;</a:t>
-            </a:r>
-          </a:p>
-          <a:p>
-            <a:pPr defTabSz="0"/>
-            <a:r>
-              <a:rPr lang="en-US" altLang="zh-TW" dirty="0">
-                <a:latin typeface="Times New Roman" pitchFamily="18" charset="0"/>
-                <a:cs typeface="Times New Roman" pitchFamily="18" charset="0"/>
-              </a:rPr>
-              <a:t>        &lt;input type="radio" name="animal" value="cat"&gt;</a:t>
-            </a:r>
-            <a:r>
-              <a:rPr lang="zh-TW" altLang="en-US" dirty="0">
-                <a:latin typeface="Times New Roman" pitchFamily="18" charset="0"/>
-                <a:cs typeface="Times New Roman" pitchFamily="18" charset="0"/>
-              </a:rPr>
-              <a:t>貓</a:t>
-            </a:r>
-            <a:r>
-              <a:rPr lang="en-US" altLang="zh-TW" dirty="0">
-                <a:latin typeface="Times New Roman" pitchFamily="18" charset="0"/>
-                <a:cs typeface="Times New Roman" pitchFamily="18" charset="0"/>
-              </a:rPr>
-              <a:t>&lt;</a:t>
-            </a:r>
-            <a:r>
-              <a:rPr lang="en-US" altLang="zh-TW" dirty="0" err="1">
-                <a:latin typeface="Times New Roman" pitchFamily="18" charset="0"/>
-                <a:cs typeface="Times New Roman" pitchFamily="18" charset="0"/>
-              </a:rPr>
-              <a:t>br</a:t>
-            </a:r>
-            <a:r>
-              <a:rPr lang="en-US" altLang="zh-TW" dirty="0">
-                <a:latin typeface="Times New Roman" pitchFamily="18" charset="0"/>
-                <a:cs typeface="Times New Roman" pitchFamily="18" charset="0"/>
-              </a:rPr>
-              <a:t>&gt;</a:t>
-            </a:r>
-          </a:p>
-          <a:p>
-            <a:pPr defTabSz="0"/>
-            <a:r>
-              <a:rPr lang="en-US" altLang="zh-TW" dirty="0" smtClean="0">
-                <a:latin typeface="Times New Roman" pitchFamily="18" charset="0"/>
-                <a:cs typeface="Times New Roman" pitchFamily="18" charset="0"/>
-              </a:rPr>
-              <a:t>        &lt;input </a:t>
-            </a:r>
-            <a:r>
-              <a:rPr lang="en-US" altLang="zh-TW" dirty="0" smtClean="0">
-                <a:solidFill>
-                  <a:srgbClr val="FF0000"/>
-                </a:solidFill>
-                <a:latin typeface="Times New Roman" pitchFamily="18" charset="0"/>
-                <a:cs typeface="Times New Roman" pitchFamily="18" charset="0"/>
-              </a:rPr>
-              <a:t>type="checkbox"</a:t>
-            </a:r>
-            <a:r>
-              <a:rPr lang="en-US" altLang="zh-TW" dirty="0" smtClean="0">
-                <a:latin typeface="Times New Roman" pitchFamily="18" charset="0"/>
-                <a:cs typeface="Times New Roman" pitchFamily="18" charset="0"/>
-              </a:rPr>
-              <a:t> </a:t>
-            </a:r>
-            <a:r>
-              <a:rPr lang="en-US" altLang="zh-TW" dirty="0">
-                <a:solidFill>
-                  <a:srgbClr val="00B050"/>
-                </a:solidFill>
-                <a:latin typeface="Times New Roman" pitchFamily="18" charset="0"/>
-                <a:cs typeface="Times New Roman" pitchFamily="18" charset="0"/>
-              </a:rPr>
-              <a:t>name="big-animal</a:t>
-            </a:r>
-            <a:r>
-              <a:rPr lang="en-US" altLang="zh-TW" dirty="0" smtClean="0">
-                <a:solidFill>
-                  <a:srgbClr val="00B050"/>
-                </a:solidFill>
-                <a:latin typeface="Times New Roman" pitchFamily="18" charset="0"/>
-                <a:cs typeface="Times New Roman" pitchFamily="18" charset="0"/>
-              </a:rPr>
-              <a:t>"</a:t>
-            </a:r>
-            <a:r>
-              <a:rPr lang="en-US" altLang="zh-TW" dirty="0" smtClean="0">
-                <a:latin typeface="Times New Roman" pitchFamily="18" charset="0"/>
-                <a:cs typeface="Times New Roman" pitchFamily="18" charset="0"/>
-              </a:rPr>
-              <a:t> </a:t>
-            </a:r>
-            <a:r>
-              <a:rPr lang="en-US" altLang="zh-TW" dirty="0" smtClean="0">
-                <a:solidFill>
-                  <a:srgbClr val="00B050"/>
-                </a:solidFill>
-                <a:latin typeface="Times New Roman" pitchFamily="18" charset="0"/>
-                <a:cs typeface="Times New Roman" pitchFamily="18" charset="0"/>
-              </a:rPr>
-              <a:t>value="lion"</a:t>
-            </a:r>
-            <a:r>
-              <a:rPr lang="en-US" altLang="zh-TW" dirty="0" smtClean="0">
-                <a:latin typeface="Times New Roman" pitchFamily="18" charset="0"/>
-                <a:cs typeface="Times New Roman" pitchFamily="18" charset="0"/>
-              </a:rPr>
-              <a:t>&gt;</a:t>
-            </a:r>
-            <a:r>
-              <a:rPr lang="zh-TW" altLang="en-US" dirty="0" smtClean="0">
-                <a:latin typeface="Times New Roman" pitchFamily="18" charset="0"/>
-                <a:cs typeface="Times New Roman" pitchFamily="18" charset="0"/>
-              </a:rPr>
-              <a:t>獅子</a:t>
-            </a:r>
-            <a:r>
-              <a:rPr lang="en-US" altLang="zh-TW" dirty="0" smtClean="0">
-                <a:latin typeface="Times New Roman" pitchFamily="18" charset="0"/>
-                <a:cs typeface="Times New Roman" pitchFamily="18" charset="0"/>
-              </a:rPr>
-              <a:t>&lt;</a:t>
-            </a:r>
-            <a:r>
-              <a:rPr lang="en-US" altLang="zh-TW" dirty="0" err="1" smtClean="0">
-                <a:latin typeface="Times New Roman" pitchFamily="18" charset="0"/>
-                <a:cs typeface="Times New Roman" pitchFamily="18" charset="0"/>
-              </a:rPr>
-              <a:t>br</a:t>
-            </a:r>
-            <a:r>
-              <a:rPr lang="en-US" altLang="zh-TW" dirty="0" smtClean="0">
-                <a:latin typeface="Times New Roman" pitchFamily="18" charset="0"/>
-                <a:cs typeface="Times New Roman" pitchFamily="18" charset="0"/>
-              </a:rPr>
-              <a:t>&gt;</a:t>
-            </a:r>
-          </a:p>
-          <a:p>
-            <a:pPr defTabSz="0"/>
-            <a:r>
-              <a:rPr lang="en-US" altLang="zh-TW" dirty="0" smtClean="0">
-                <a:latin typeface="Times New Roman" pitchFamily="18" charset="0"/>
-                <a:cs typeface="Times New Roman" pitchFamily="18" charset="0"/>
-              </a:rPr>
-              <a:t>        </a:t>
-            </a:r>
-            <a:r>
-              <a:rPr lang="en-US" altLang="zh-TW" dirty="0">
-                <a:latin typeface="Times New Roman" pitchFamily="18" charset="0"/>
-                <a:cs typeface="Times New Roman" pitchFamily="18" charset="0"/>
-              </a:rPr>
-              <a:t>&lt;input type="checkbox" name="big-animal" value="tiger"&gt;</a:t>
-            </a:r>
-            <a:r>
-              <a:rPr lang="zh-TW" altLang="en-US" dirty="0">
-                <a:latin typeface="Times New Roman" pitchFamily="18" charset="0"/>
-                <a:cs typeface="Times New Roman" pitchFamily="18" charset="0"/>
-              </a:rPr>
-              <a:t>老虎</a:t>
-            </a:r>
-            <a:r>
-              <a:rPr lang="en-US" altLang="zh-TW" dirty="0">
-                <a:latin typeface="Times New Roman" pitchFamily="18" charset="0"/>
-                <a:cs typeface="Times New Roman" pitchFamily="18" charset="0"/>
-              </a:rPr>
-              <a:t>&lt;</a:t>
-            </a:r>
-            <a:r>
-              <a:rPr lang="en-US" altLang="zh-TW" dirty="0" err="1">
-                <a:latin typeface="Times New Roman" pitchFamily="18" charset="0"/>
-                <a:cs typeface="Times New Roman" pitchFamily="18" charset="0"/>
-              </a:rPr>
-              <a:t>br</a:t>
-            </a:r>
-            <a:r>
-              <a:rPr lang="en-US" altLang="zh-TW" dirty="0">
-                <a:latin typeface="Times New Roman" pitchFamily="18" charset="0"/>
-                <a:cs typeface="Times New Roman" pitchFamily="18" charset="0"/>
-              </a:rPr>
-              <a:t>&gt;</a:t>
-            </a:r>
-          </a:p>
-          <a:p>
-            <a:pPr defTabSz="0"/>
-            <a:r>
-              <a:rPr lang="en-US" altLang="zh-TW" dirty="0">
-                <a:latin typeface="Times New Roman" pitchFamily="18" charset="0"/>
-                <a:cs typeface="Times New Roman" pitchFamily="18" charset="0"/>
-              </a:rPr>
-              <a:t>        &lt;input type="checkbox" name="big-animal" value="bear"&gt;</a:t>
-            </a:r>
-            <a:r>
-              <a:rPr lang="zh-TW" altLang="en-US" dirty="0">
-                <a:latin typeface="Times New Roman" pitchFamily="18" charset="0"/>
-                <a:cs typeface="Times New Roman" pitchFamily="18" charset="0"/>
-              </a:rPr>
-              <a:t>熊</a:t>
-            </a:r>
-          </a:p>
-          <a:p>
-            <a:pPr defTabSz="0"/>
-            <a:r>
-              <a:rPr lang="zh-TW" altLang="en-US" dirty="0">
-                <a:latin typeface="Times New Roman" pitchFamily="18" charset="0"/>
-                <a:cs typeface="Times New Roman" pitchFamily="18" charset="0"/>
-              </a:rPr>
-              <a:t>    </a:t>
-            </a:r>
-            <a:r>
-              <a:rPr lang="en-US" altLang="zh-TW" dirty="0">
-                <a:latin typeface="Times New Roman" pitchFamily="18" charset="0"/>
-                <a:cs typeface="Times New Roman" pitchFamily="18" charset="0"/>
-              </a:rPr>
-              <a:t>&lt;/form</a:t>
-            </a:r>
-            <a:r>
-              <a:rPr lang="en-US" altLang="zh-TW" dirty="0" smtClean="0">
-                <a:latin typeface="Times New Roman" pitchFamily="18" charset="0"/>
-                <a:cs typeface="Times New Roman" pitchFamily="18" charset="0"/>
-              </a:rPr>
-              <a:t>&gt;</a:t>
-            </a:r>
-            <a:endParaRPr lang="en-US" altLang="zh-TW" dirty="0" smtClean="0">
-              <a:latin typeface="Times New Roman" pitchFamily="18" charset="0"/>
-              <a:cs typeface="Times New Roman" pitchFamily="18" charset="0"/>
-            </a:endParaRPr>
+              <a:t>&lt;/form&gt;</a:t>
+            </a:r>
           </a:p>
         </p:txBody>
       </p:sp>
@@ -8252,13 +7746,6 @@
   <p:clrMapOvr>
     <a:masterClrMapping/>
   </p:clrMapOvr>
-  <p:timing>
-    <p:tnLst>
-      <p:par>
-        <p:cTn id="1" dur="indefinite" restart="never" nodeType="tmRoot"/>
-      </p:par>
-    </p:tnLst>
-  </p:timing>
 </p:sld>
 </file>
 
@@ -8303,28 +7790,21 @@
           <a:p>
             <a:pPr algn="ctr"/>
             <a:r>
-              <a:rPr lang="en-US" altLang="zh-TW" sz="2400" dirty="0" smtClean="0">
+              <a:rPr lang="en-US" altLang="zh-TW" sz="2400" dirty="0">
                 <a:latin typeface="Times New Roman" pitchFamily="18" charset="0"/>
                 <a:cs typeface="Times New Roman" pitchFamily="18" charset="0"/>
               </a:rPr>
               <a:t>Element </a:t>
             </a:r>
             <a:r>
-              <a:rPr lang="zh-TW" altLang="en-US" sz="2400" dirty="0" smtClean="0">
-                <a:latin typeface="Times New Roman" pitchFamily="18" charset="0"/>
-                <a:cs typeface="Times New Roman" pitchFamily="18" charset="0"/>
-              </a:rPr>
-              <a:t>介紹</a:t>
-            </a:r>
-            <a:r>
-              <a:rPr lang="zh-TW" altLang="en-US" sz="2400" dirty="0" smtClean="0">
-                <a:latin typeface="Times New Roman" pitchFamily="18" charset="0"/>
-                <a:cs typeface="Times New Roman" pitchFamily="18" charset="0"/>
-              </a:rPr>
-              <a:t>：</a:t>
-            </a:r>
-            <a:r>
-              <a:rPr lang="en-US" altLang="zh-TW" sz="2400" dirty="0" smtClean="0">
+              <a:rPr lang="zh-TW" altLang="en-US" sz="2400" dirty="0">
+                <a:latin typeface="Times New Roman" pitchFamily="18" charset="0"/>
+                <a:cs typeface="Times New Roman" pitchFamily="18" charset="0"/>
+              </a:rPr>
+              <a:t>介紹：</a:t>
+            </a:r>
+            <a:r>
+              <a:rPr lang="en-US" altLang="zh-TW" sz="2400" dirty="0">
                 <a:latin typeface="Times New Roman" pitchFamily="18" charset="0"/>
                 <a:cs typeface="Times New Roman" pitchFamily="18" charset="0"/>
               </a:rPr>
@@ -8361,7 +7841,7 @@
           <a:p>
             <a:pPr algn="ctr"/>
             <a:r>
-              <a:rPr lang="en-US" altLang="zh-TW" sz="1200" dirty="0" smtClean="0">
+              <a:rPr lang="en-US" altLang="zh-TW" sz="1200" dirty="0">
                 <a:latin typeface="Times New Roman" pitchFamily="18" charset="0"/>
                 <a:cs typeface="Times New Roman" pitchFamily="18" charset="0"/>
               </a:rPr>
@@ -8398,18 +7878,11 @@
           <a:p>
             <a:pPr defTabSz="0"/>
             <a:r>
-              <a:rPr lang="en-US" altLang="zh-TW" dirty="0" smtClean="0">
-                <a:latin typeface="Times New Roman" pitchFamily="18" charset="0"/>
-                <a:cs typeface="Times New Roman" pitchFamily="18" charset="0"/>
-              </a:rPr>
-              <a:t>    </a:t>
-            </a:r>
-            <a:r>
-              <a:rPr lang="en-US" altLang="zh-TW" dirty="0">
-                <a:latin typeface="Times New Roman" pitchFamily="18" charset="0"/>
-                <a:cs typeface="Times New Roman" pitchFamily="18" charset="0"/>
-              </a:rPr>
-              <a:t>&lt;form action="" method=""&gt;</a:t>
+              <a:rPr lang="en-US" altLang="zh-TW" dirty="0">
+                <a:latin typeface="Times New Roman" pitchFamily="18" charset="0"/>
+                <a:cs typeface="Times New Roman" pitchFamily="18" charset="0"/>
+              </a:rPr>
+              <a:t>    &lt;form action="" method=""&gt;</a:t>
             </a:r>
           </a:p>
           <a:p>
@@ -8754,20 +8227,65 @@
                 <a:latin typeface="Times New Roman" pitchFamily="18" charset="0"/>
                 <a:cs typeface="Times New Roman" pitchFamily="18" charset="0"/>
               </a:rPr>
-              <a:t>type</a:t>
-            </a:r>
-            <a:r>
-              <a:rPr lang="en-US" altLang="zh-TW" dirty="0" smtClean="0">
+              <a:t>type=“button”</a:t>
+            </a:r>
+            <a:r>
+              <a:rPr lang="en-US" altLang="zh-TW" dirty="0">
+                <a:latin typeface="Times New Roman" pitchFamily="18" charset="0"/>
+                <a:cs typeface="Times New Roman" pitchFamily="18" charset="0"/>
+              </a:rPr>
+              <a:t> value=“input </a:t>
+            </a:r>
+            <a:r>
+              <a:rPr lang="zh-TW" altLang="en-US" dirty="0">
+                <a:latin typeface="Times New Roman" pitchFamily="18" charset="0"/>
+                <a:cs typeface="Times New Roman" pitchFamily="18" charset="0"/>
+              </a:rPr>
+              <a:t>的 </a:t>
+            </a:r>
+            <a:r>
+              <a:rPr lang="en-US" altLang="zh-TW" dirty="0">
+                <a:latin typeface="Times New Roman" pitchFamily="18" charset="0"/>
+                <a:cs typeface="Times New Roman" pitchFamily="18" charset="0"/>
+              </a:rPr>
+              <a:t>button"&gt;&lt;</a:t>
+            </a:r>
+            <a:r>
+              <a:rPr lang="en-US" altLang="zh-TW" dirty="0" err="1">
+                <a:latin typeface="Times New Roman" pitchFamily="18" charset="0"/>
+                <a:cs typeface="Times New Roman" pitchFamily="18" charset="0"/>
+              </a:rPr>
+              <a:t>br</a:t>
+            </a:r>
+            <a:r>
+              <a:rPr lang="en-US" altLang="zh-TW" dirty="0">
+                <a:latin typeface="Times New Roman" pitchFamily="18" charset="0"/>
+                <a:cs typeface="Times New Roman" pitchFamily="18" charset="0"/>
+              </a:rPr>
+              <a:t>&gt;</a:t>
+            </a:r>
+          </a:p>
+          <a:p>
+            <a:pPr defTabSz="0"/>
+            <a:r>
+              <a:rPr lang="en-US" altLang="zh-TW" dirty="0">
+                <a:latin typeface="Times New Roman" pitchFamily="18" charset="0"/>
+                <a:cs typeface="Times New Roman" pitchFamily="18" charset="0"/>
+              </a:rPr>
+              <a:t>            </a:t>
+            </a:r>
+            <a:r>
+              <a:rPr lang="en-US" altLang="zh-TW" dirty="0">
                 <a:solidFill>
                   <a:srgbClr val="FF0000"/>
                 </a:solidFill>
                 <a:latin typeface="Times New Roman" pitchFamily="18" charset="0"/>
                 <a:cs typeface="Times New Roman" pitchFamily="18" charset="0"/>
               </a:rPr>
-              <a:t>=“button”</a:t>
-            </a:r>
-            <a:r>
-              <a:rPr lang="en-US" altLang="zh-TW" dirty="0" smtClean="0">
+              <a:t>&lt;button</a:t>
+            </a:r>
+            <a:r>
+              <a:rPr lang="en-US" altLang="zh-TW" dirty="0">
                 <a:latin typeface="Times New Roman" pitchFamily="18" charset="0"/>
                 <a:cs typeface="Times New Roman" pitchFamily="18" charset="0"/>
               </a:rPr>
@@ -8775,27 +8293,40 @@
             </a:r>
             <a:r>
               <a:rPr lang="en-US" altLang="zh-TW" dirty="0">
-                <a:latin typeface="Times New Roman" pitchFamily="18" charset="0"/>
-                <a:cs typeface="Times New Roman" pitchFamily="18" charset="0"/>
-              </a:rPr>
-              <a:t>value</a:t>
-            </a:r>
-            <a:r>
-              <a:rPr lang="en-US" altLang="zh-TW" dirty="0" smtClean="0">
-                <a:latin typeface="Times New Roman" pitchFamily="18" charset="0"/>
-                <a:cs typeface="Times New Roman" pitchFamily="18" charset="0"/>
-              </a:rPr>
-              <a:t>=“input </a:t>
-            </a:r>
-            <a:r>
-              <a:rPr lang="zh-TW" altLang="en-US" dirty="0" smtClean="0">
+                <a:solidFill>
+                  <a:srgbClr val="00B050"/>
+                </a:solidFill>
+                <a:latin typeface="Times New Roman" pitchFamily="18" charset="0"/>
+                <a:cs typeface="Times New Roman" pitchFamily="18" charset="0"/>
+              </a:rPr>
+              <a:t>type=“button”</a:t>
+            </a:r>
+            <a:r>
+              <a:rPr lang="en-US" altLang="zh-TW" dirty="0">
+                <a:solidFill>
+                  <a:srgbClr val="FF0000"/>
+                </a:solidFill>
+                <a:latin typeface="Times New Roman" pitchFamily="18" charset="0"/>
+                <a:cs typeface="Times New Roman" pitchFamily="18" charset="0"/>
+              </a:rPr>
+              <a:t>&gt;</a:t>
+            </a:r>
+            <a:r>
+              <a:rPr lang="en-US" altLang="zh-TW" dirty="0">
+                <a:latin typeface="Times New Roman" pitchFamily="18" charset="0"/>
+                <a:cs typeface="Times New Roman" pitchFamily="18" charset="0"/>
+              </a:rPr>
+              <a:t>button </a:t>
+            </a:r>
+            <a:r>
+              <a:rPr lang="zh-TW" altLang="en-US" dirty="0">
                 <a:latin typeface="Times New Roman" pitchFamily="18" charset="0"/>
                 <a:cs typeface="Times New Roman" pitchFamily="18" charset="0"/>
               </a:rPr>
               <a:t>的 </a:t>
             </a:r>
             <a:r>
-              <a:rPr lang="en-US" altLang="zh-TW" dirty="0" smtClean="0">
+              <a:rPr lang="en-US" altLang="zh-TW" dirty="0">
                 <a:latin typeface="Times New Roman" pitchFamily="18" charset="0"/>
                 <a:cs typeface="Times New Roman" pitchFamily="18" charset="0"/>
               </a:rPr>
@@ -8803,10 +8334,20 @@
             </a:r>
             <a:r>
               <a:rPr lang="en-US" altLang="zh-TW" dirty="0">
-                <a:latin typeface="Times New Roman" pitchFamily="18" charset="0"/>
-                <a:cs typeface="Times New Roman" pitchFamily="18" charset="0"/>
-              </a:rPr>
-              <a:t>"&gt;&lt;</a:t>
+                <a:solidFill>
+                  <a:srgbClr val="FF0000"/>
+                </a:solidFill>
+                <a:latin typeface="Times New Roman" pitchFamily="18" charset="0"/>
+                <a:cs typeface="Times New Roman" pitchFamily="18" charset="0"/>
+              </a:rPr>
+              <a:t>&lt;/button&gt;</a:t>
+            </a:r>
+            <a:r>
+              <a:rPr lang="en-US" altLang="zh-TW" dirty="0">
+                <a:latin typeface="Times New Roman" pitchFamily="18" charset="0"/>
+                <a:cs typeface="Times New Roman" pitchFamily="18" charset="0"/>
+              </a:rPr>
+              <a:t>&lt;</a:t>
             </a:r>
             <a:r>
               <a:rPr lang="en-US" altLang="zh-TW" dirty="0" err="1">
@@ -8830,24 +8371,7 @@
                 <a:latin typeface="Times New Roman" pitchFamily="18" charset="0"/>
                 <a:cs typeface="Times New Roman" pitchFamily="18" charset="0"/>
               </a:rPr>
-              <a:t>            </a:t>
-            </a:r>
-            <a:r>
-              <a:rPr lang="en-US" altLang="zh-TW" dirty="0">
-                <a:solidFill>
-                  <a:srgbClr val="FF0000"/>
-                </a:solidFill>
-                <a:latin typeface="Times New Roman" pitchFamily="18" charset="0"/>
-                <a:cs typeface="Times New Roman" pitchFamily="18" charset="0"/>
-              </a:rPr>
-              <a:t>&lt;button</a:t>
-            </a:r>
-            <a:r>
-              <a:rPr lang="en-US" altLang="zh-TW" dirty="0">
-                <a:latin typeface="Times New Roman" pitchFamily="18" charset="0"/>
-                <a:cs typeface="Times New Roman" pitchFamily="18" charset="0"/>
-              </a:rPr>
-              <a:t> </a:t>
+              <a:t>            &lt;button </a:t>
             </a:r>
             <a:r>
               <a:rPr lang="en-US" altLang="zh-TW" dirty="0">
@@ -8857,209 +8381,83 @@
                 <a:latin typeface="Times New Roman" pitchFamily="18" charset="0"/>
                 <a:cs typeface="Times New Roman" pitchFamily="18" charset="0"/>
               </a:rPr>
-              <a:t>type</a:t>
-            </a:r>
-            <a:r>
-              <a:rPr lang="en-US" altLang="zh-TW" dirty="0" smtClean="0">
+              <a:t>type=“reset”</a:t>
+            </a:r>
+            <a:r>
+              <a:rPr lang="en-US" altLang="zh-TW" dirty="0">
+                <a:latin typeface="Times New Roman" pitchFamily="18" charset="0"/>
+                <a:cs typeface="Times New Roman" pitchFamily="18" charset="0"/>
+              </a:rPr>
+              <a:t>&gt;button </a:t>
+            </a:r>
+            <a:r>
+              <a:rPr lang="zh-TW" altLang="en-US" dirty="0">
+                <a:latin typeface="Times New Roman" pitchFamily="18" charset="0"/>
+                <a:cs typeface="Times New Roman" pitchFamily="18" charset="0"/>
+              </a:rPr>
+              <a:t>的 </a:t>
+            </a:r>
+            <a:r>
+              <a:rPr lang="en-US" altLang="zh-TW" dirty="0">
+                <a:latin typeface="Times New Roman" pitchFamily="18" charset="0"/>
+                <a:cs typeface="Times New Roman" pitchFamily="18" charset="0"/>
+              </a:rPr>
+              <a:t>reset&lt;/button&gt;&lt;</a:t>
+            </a:r>
+            <a:r>
+              <a:rPr lang="en-US" altLang="zh-TW" dirty="0" err="1">
+                <a:latin typeface="Times New Roman" pitchFamily="18" charset="0"/>
+                <a:cs typeface="Times New Roman" pitchFamily="18" charset="0"/>
+              </a:rPr>
+              <a:t>br</a:t>
+            </a:r>
+            <a:r>
+              <a:rPr lang="en-US" altLang="zh-TW" dirty="0">
+                <a:latin typeface="Times New Roman" pitchFamily="18" charset="0"/>
+                <a:cs typeface="Times New Roman" pitchFamily="18" charset="0"/>
+              </a:rPr>
+              <a:t>&gt;</a:t>
+            </a:r>
+          </a:p>
+          <a:p>
+            <a:pPr defTabSz="0"/>
+            <a:r>
+              <a:rPr lang="en-US" altLang="zh-TW" dirty="0">
+                <a:latin typeface="Times New Roman" pitchFamily="18" charset="0"/>
+                <a:cs typeface="Times New Roman" pitchFamily="18" charset="0"/>
+              </a:rPr>
+              <a:t>            &lt;button </a:t>
+            </a:r>
+            <a:r>
+              <a:rPr lang="en-US" altLang="zh-TW" dirty="0">
                 <a:solidFill>
                   <a:srgbClr val="00B050"/>
                 </a:solidFill>
                 <a:latin typeface="Times New Roman" pitchFamily="18" charset="0"/>
                 <a:cs typeface="Times New Roman" pitchFamily="18" charset="0"/>
               </a:rPr>
-              <a:t>=“button”</a:t>
-            </a:r>
-            <a:r>
-              <a:rPr lang="en-US" altLang="zh-TW" dirty="0" smtClean="0">
-                <a:solidFill>
-                  <a:srgbClr val="FF0000"/>
-                </a:solidFill>
-                <a:latin typeface="Times New Roman" pitchFamily="18" charset="0"/>
-                <a:cs typeface="Times New Roman" pitchFamily="18" charset="0"/>
-              </a:rPr>
-              <a:t>&gt;</a:t>
-            </a:r>
-            <a:r>
-              <a:rPr lang="en-US" altLang="zh-TW" dirty="0" smtClean="0">
-                <a:latin typeface="Times New Roman" pitchFamily="18" charset="0"/>
-                <a:cs typeface="Times New Roman" pitchFamily="18" charset="0"/>
-              </a:rPr>
-              <a:t>button </a:t>
-            </a:r>
-            <a:r>
-              <a:rPr lang="zh-TW" altLang="en-US" dirty="0" smtClean="0">
+              <a:t>type=“submit”</a:t>
+            </a:r>
+            <a:r>
+              <a:rPr lang="en-US" altLang="zh-TW" dirty="0">
+                <a:latin typeface="Times New Roman" pitchFamily="18" charset="0"/>
+                <a:cs typeface="Times New Roman" pitchFamily="18" charset="0"/>
+              </a:rPr>
+              <a:t>&gt;button </a:t>
+            </a:r>
+            <a:r>
+              <a:rPr lang="zh-TW" altLang="en-US" dirty="0">
                 <a:latin typeface="Times New Roman" pitchFamily="18" charset="0"/>
                 <a:cs typeface="Times New Roman" pitchFamily="18" charset="0"/>
               </a:rPr>
               <a:t>的 </a:t>
             </a:r>
             <a:r>
-              <a:rPr lang="en-US" altLang="zh-TW" dirty="0" smtClean="0">
-                <a:latin typeface="Times New Roman" pitchFamily="18" charset="0"/>
-                <a:cs typeface="Times New Roman" pitchFamily="18" charset="0"/>
-              </a:rPr>
-              <a:t>button</a:t>
-            </a:r>
-            <a:r>
-              <a:rPr lang="en-US" altLang="zh-TW" dirty="0">
-                <a:solidFill>
-                  <a:srgbClr val="FF0000"/>
-                </a:solidFill>
-                <a:latin typeface="Times New Roman" pitchFamily="18" charset="0"/>
-                <a:cs typeface="Times New Roman" pitchFamily="18" charset="0"/>
-              </a:rPr>
-              <a:t>&lt;/button&gt;</a:t>
-            </a:r>
-            <a:r>
-              <a:rPr lang="en-US" altLang="zh-TW" dirty="0">
-                <a:latin typeface="Times New Roman" pitchFamily="18" charset="0"/>
-                <a:cs typeface="Times New Roman" pitchFamily="18" charset="0"/>
-              </a:rPr>
-              <a:t>&lt;</a:t>
-            </a:r>
-            <a:r>
-              <a:rPr lang="en-US" altLang="zh-TW" dirty="0" err="1">
-                <a:latin typeface="Times New Roman" pitchFamily="18" charset="0"/>
-                <a:cs typeface="Times New Roman" pitchFamily="18" charset="0"/>
-              </a:rPr>
-              <a:t>br</a:t>
-            </a:r>
-            <a:r>
-              <a:rPr lang="en-US" altLang="zh-TW" dirty="0">
-                <a:latin typeface="Times New Roman" pitchFamily="18" charset="0"/>
-                <a:cs typeface="Times New Roman" pitchFamily="18" charset="0"/>
-              </a:rPr>
-              <a:t>&gt;</a:t>
-            </a:r>
-          </a:p>
-          <a:p>
-            <a:pPr defTabSz="0"/>
-            <a:r>
-              <a:rPr lang="en-US" altLang="zh-TW" dirty="0">
-                <a:latin typeface="Times New Roman" pitchFamily="18" charset="0"/>
-                <a:cs typeface="Times New Roman" pitchFamily="18" charset="0"/>
-              </a:rPr>
-              <a:t>            &lt;button </a:t>
-            </a:r>
-            <a:r>
-              <a:rPr lang="en-US" altLang="zh-TW" dirty="0">
-                <a:solidFill>
-                  <a:srgbClr val="00B050"/>
-                </a:solidFill>
-                <a:latin typeface="Times New Roman" pitchFamily="18" charset="0"/>
-                <a:cs typeface="Times New Roman" pitchFamily="18" charset="0"/>
-              </a:rPr>
-              <a:t>type</a:t>
-            </a:r>
-            <a:r>
-              <a:rPr lang="en-US" altLang="zh-TW" dirty="0" smtClean="0">
-                <a:solidFill>
-                  <a:srgbClr val="00B050"/>
-                </a:solidFill>
-                <a:latin typeface="Times New Roman" pitchFamily="18" charset="0"/>
-                <a:cs typeface="Times New Roman" pitchFamily="18" charset="0"/>
-              </a:rPr>
-              <a:t>=“reset”</a:t>
-            </a:r>
-            <a:r>
-              <a:rPr lang="en-US" altLang="zh-TW" dirty="0" smtClean="0">
-                <a:latin typeface="Times New Roman" pitchFamily="18" charset="0"/>
-                <a:cs typeface="Times New Roman" pitchFamily="18" charset="0"/>
-              </a:rPr>
-              <a:t>&gt;button </a:t>
-            </a:r>
-            <a:r>
-              <a:rPr lang="zh-TW" altLang="en-US" dirty="0" smtClean="0">
-                <a:latin typeface="Times New Roman" pitchFamily="18" charset="0"/>
-                <a:cs typeface="Times New Roman" pitchFamily="18" charset="0"/>
-              </a:rPr>
-              <a:t>的 </a:t>
-            </a:r>
-            <a:r>
-              <a:rPr lang="en-US" altLang="zh-TW" dirty="0" smtClean="0">
-                <a:latin typeface="Times New Roman" pitchFamily="18" charset="0"/>
-                <a:cs typeface="Times New Roman" pitchFamily="18" charset="0"/>
-              </a:rPr>
-              <a:t>reset</a:t>
-            </a:r>
-            <a:r>
-              <a:rPr lang="en-US" altLang="zh-TW" dirty="0">
-                <a:latin typeface="Times New Roman" pitchFamily="18" charset="0"/>
-                <a:cs typeface="Times New Roman" pitchFamily="18" charset="0"/>
-              </a:rPr>
-              <a:t>&lt;/button&gt;&lt;</a:t>
-            </a:r>
-            <a:r>
-              <a:rPr lang="en-US" altLang="zh-TW" dirty="0" err="1">
-                <a:latin typeface="Times New Roman" pitchFamily="18" charset="0"/>
-                <a:cs typeface="Times New Roman" pitchFamily="18" charset="0"/>
-              </a:rPr>
-              <a:t>br</a:t>
-            </a:r>
-            <a:r>
-              <a:rPr lang="en-US" altLang="zh-TW" dirty="0">
-                <a:latin typeface="Times New Roman" pitchFamily="18" charset="0"/>
-                <a:cs typeface="Times New Roman" pitchFamily="18" charset="0"/>
-              </a:rPr>
-              <a:t>&gt;</a:t>
-            </a:r>
-          </a:p>
-          <a:p>
-            <a:pPr defTabSz="0"/>
-            <a:r>
-              <a:rPr lang="en-US" altLang="zh-TW" dirty="0">
-                <a:latin typeface="Times New Roman" pitchFamily="18" charset="0"/>
-                <a:cs typeface="Times New Roman" pitchFamily="18" charset="0"/>
-              </a:rPr>
-              <a:t>            &lt;button </a:t>
-            </a:r>
-            <a:r>
-              <a:rPr lang="en-US" altLang="zh-TW" dirty="0">
-                <a:solidFill>
-                  <a:srgbClr val="00B050"/>
-                </a:solidFill>
-                <a:latin typeface="Times New Roman" pitchFamily="18" charset="0"/>
-                <a:cs typeface="Times New Roman" pitchFamily="18" charset="0"/>
-              </a:rPr>
-              <a:t>type</a:t>
-            </a:r>
-            <a:r>
-              <a:rPr lang="en-US" altLang="zh-TW" dirty="0" smtClean="0">
-                <a:solidFill>
-                  <a:srgbClr val="00B050"/>
-                </a:solidFill>
-                <a:latin typeface="Times New Roman" pitchFamily="18" charset="0"/>
-                <a:cs typeface="Times New Roman" pitchFamily="18" charset="0"/>
-              </a:rPr>
-              <a:t>=“submit”</a:t>
-            </a:r>
-            <a:r>
-              <a:rPr lang="en-US" altLang="zh-TW" dirty="0" smtClean="0">
-                <a:latin typeface="Times New Roman" pitchFamily="18" charset="0"/>
-                <a:cs typeface="Times New Roman" pitchFamily="18" charset="0"/>
-              </a:rPr>
-              <a:t>&gt;button </a:t>
-            </a:r>
-            <a:r>
-              <a:rPr lang="zh-TW" altLang="en-US" dirty="0" smtClean="0">
-                <a:latin typeface="Times New Roman" pitchFamily="18" charset="0"/>
-                <a:cs typeface="Times New Roman" pitchFamily="18" charset="0"/>
-              </a:rPr>
-              <a:t>的 </a:t>
-            </a:r>
-            <a:r>
-              <a:rPr lang="en-US" altLang="zh-TW" dirty="0" smtClean="0">
-                <a:latin typeface="Times New Roman" pitchFamily="18" charset="0"/>
-                <a:cs typeface="Times New Roman" pitchFamily="18" charset="0"/>
-              </a:rPr>
-              <a:t>submit</a:t>
-            </a:r>
-            <a:r>
-              <a:rPr lang="en-US" altLang="zh-TW" dirty="0">
-                <a:latin typeface="Times New Roman" pitchFamily="18" charset="0"/>
-                <a:cs typeface="Times New Roman" pitchFamily="18" charset="0"/>
-              </a:rPr>
-              <a:t>&lt;/button&gt;</a:t>
+              <a:rPr lang="en-US" altLang="zh-TW" dirty="0">
+                <a:latin typeface="Times New Roman" pitchFamily="18" charset="0"/>
+                <a:cs typeface="Times New Roman" pitchFamily="18" charset="0"/>
+              </a:rPr>
+              <a:t>submit&lt;/button&gt;</a:t>
             </a:r>
           </a:p>
           <a:p>
@@ -9081,10 +8479,6 @@
               </a:rPr>
               <a:t>    &lt;/form&gt;</a:t>
             </a:r>
-            <a:endParaRPr lang="en-US" altLang="zh-TW" dirty="0" smtClean="0">
-              <a:latin typeface="Times New Roman" pitchFamily="18" charset="0"/>
-              <a:cs typeface="Times New Roman" pitchFamily="18" charset="0"/>
-            </a:endParaRPr>
           </a:p>
         </p:txBody>
       </p:sp>
@@ -9098,13 +8492,6 @@
   <p:clrMapOvr>
     <a:masterClrMapping/>
   </p:clrMapOvr>
-  <p:timing>
-    <p:tnLst>
-      <p:par>
-        <p:cTn id="1" dur="indefinite" restart="never" nodeType="tmRoot"/>
-      </p:par>
-    </p:tnLst>
-  </p:timing>
 </p:sld>
 </file>
 
@@ -9149,7 +8536,7 @@
           <a:p>
             <a:pPr algn="ctr"/>
             <a:r>
-              <a:rPr lang="en-US" altLang="zh-TW" sz="2400" dirty="0" smtClean="0">
+              <a:rPr lang="en-US" altLang="zh-TW" sz="2400" dirty="0">
                 <a:latin typeface="Times New Roman" pitchFamily="18" charset="0"/>
                 <a:cs typeface="Times New Roman" pitchFamily="18" charset="0"/>
               </a:rPr>
@@ -9186,7 +8573,7 @@
           <a:p>
             <a:pPr algn="ctr"/>
             <a:r>
-              <a:rPr lang="en-US" altLang="zh-TW" sz="1200" dirty="0" smtClean="0">
+              <a:rPr lang="en-US" altLang="zh-TW" sz="1200" dirty="0">
                 <a:latin typeface="Times New Roman" pitchFamily="18" charset="0"/>
                 <a:cs typeface="Times New Roman" pitchFamily="18" charset="0"/>
               </a:rPr>
@@ -9223,26 +8610,12 @@
           <a:p>
             <a:pPr defTabSz="0"/>
             <a:r>
-              <a:rPr lang="zh-TW" altLang="en-US" dirty="0" smtClean="0">
-                <a:latin typeface="Times New Roman" pitchFamily="18" charset="0"/>
-                <a:cs typeface="Times New Roman" pitchFamily="18" charset="0"/>
-              </a:rPr>
-              <a:t>功能</a:t>
-            </a:r>
-            <a:r>
-              <a:rPr lang="zh-TW" altLang="en-US" dirty="0" smtClean="0">
-                <a:latin typeface="Times New Roman" pitchFamily="18" charset="0"/>
-                <a:cs typeface="Times New Roman" pitchFamily="18" charset="0"/>
-              </a:rPr>
-              <a:t>：負責網頁視覺的設定</a:t>
-            </a:r>
-            <a:endParaRPr lang="en-US" altLang="zh-TW" dirty="0" smtClean="0">
-              <a:latin typeface="Times New Roman" pitchFamily="18" charset="0"/>
-              <a:cs typeface="Times New Roman" pitchFamily="18" charset="0"/>
-            </a:endParaRPr>
-          </a:p>
-          <a:p>
-            <a:pPr defTabSz="0"/>
+              <a:rPr lang="zh-TW" altLang="en-US" dirty="0">
+                <a:latin typeface="Times New Roman" pitchFamily="18" charset="0"/>
+                <a:cs typeface="Times New Roman" pitchFamily="18" charset="0"/>
+              </a:rPr>
+              <a:t>功能：負責網頁視覺的設定</a:t>
+            </a:r>
             <a:endParaRPr lang="en-US" altLang="zh-TW" dirty="0">
               <a:latin typeface="Times New Roman" pitchFamily="18" charset="0"/>
               <a:cs typeface="Times New Roman" pitchFamily="18" charset="0"/>
@@ -9250,65 +8623,6 @@
           </a:p>
           <a:p>
             <a:pPr defTabSz="0"/>
-            <a:r>
-              <a:rPr lang="en-US" altLang="zh-TW" dirty="0" smtClean="0">
-                <a:latin typeface="Times New Roman" pitchFamily="18" charset="0"/>
-                <a:cs typeface="Times New Roman" pitchFamily="18" charset="0"/>
-              </a:rPr>
-              <a:t>Syntax</a:t>
-            </a:r>
-            <a:r>
-              <a:rPr lang="zh-TW" altLang="en-US" dirty="0" smtClean="0">
-                <a:latin typeface="Times New Roman" pitchFamily="18" charset="0"/>
-                <a:cs typeface="Times New Roman" pitchFamily="18" charset="0"/>
-              </a:rPr>
-              <a:t>：</a:t>
-            </a:r>
-            <a:endParaRPr lang="en-US" altLang="zh-TW" dirty="0" smtClean="0">
-              <a:latin typeface="Times New Roman" pitchFamily="18" charset="0"/>
-              <a:cs typeface="Times New Roman" pitchFamily="18" charset="0"/>
-            </a:endParaRPr>
-          </a:p>
-          <a:p>
-            <a:pPr defTabSz="0"/>
-            <a:endParaRPr lang="en-US" altLang="zh-TW" dirty="0" smtClean="0">
-              <a:latin typeface="Times New Roman" pitchFamily="18" charset="0"/>
-              <a:cs typeface="Times New Roman" pitchFamily="18" charset="0"/>
-            </a:endParaRPr>
-          </a:p>
-          <a:p>
-            <a:pPr algn="ctr" defTabSz="0"/>
-            <a:r>
-              <a:rPr lang="en-US" altLang="zh-TW" sz="2800" dirty="0" smtClean="0">
-                <a:latin typeface="Times New Roman" pitchFamily="18" charset="0"/>
-                <a:cs typeface="Times New Roman" pitchFamily="18" charset="0"/>
-              </a:rPr>
-              <a:t>p </a:t>
-            </a:r>
-            <a:r>
-              <a:rPr lang="en-US" altLang="zh-TW" sz="2800" dirty="0">
-                <a:latin typeface="Times New Roman" pitchFamily="18" charset="0"/>
-                <a:cs typeface="Times New Roman" pitchFamily="18" charset="0"/>
-              </a:rPr>
-              <a:t>{ width: 100px; </a:t>
-            </a:r>
-            <a:r>
-              <a:rPr lang="en-US" altLang="zh-TW" sz="2800" dirty="0" smtClean="0">
-                <a:latin typeface="Times New Roman" pitchFamily="18" charset="0"/>
-                <a:cs typeface="Times New Roman" pitchFamily="18" charset="0"/>
-              </a:rPr>
-              <a:t>}</a:t>
-            </a:r>
-          </a:p>
-          <a:p>
-            <a:pPr defTabSz="0"/>
-            <a:endParaRPr lang="en-US" altLang="zh-TW" dirty="0" smtClean="0">
-              <a:latin typeface="Times New Roman" pitchFamily="18" charset="0"/>
-              <a:cs typeface="Times New Roman" pitchFamily="18" charset="0"/>
-            </a:endParaRPr>
-          </a:p>
-          <a:p>
-            <a:pPr defTabSz="0"/>
             <a:endParaRPr lang="en-US" altLang="zh-TW" dirty="0">
               <a:latin typeface="Times New Roman" pitchFamily="18" charset="0"/>
               <a:cs typeface="Times New Roman" pitchFamily="18" charset="0"/>
@@ -9316,13 +8630,20 @@
           </a:p>
           <a:p>
             <a:pPr defTabSz="0"/>
-            <a:endParaRPr lang="en-US" altLang="zh-TW" dirty="0" smtClean="0">
-              <a:latin typeface="Times New Roman" pitchFamily="18" charset="0"/>
-              <a:cs typeface="Times New Roman" pitchFamily="18" charset="0"/>
-            </a:endParaRPr>
-          </a:p>
-          <a:p>
-            <a:pPr defTabSz="0"/>
+            <a:r>
+              <a:rPr lang="en-US" altLang="zh-TW" dirty="0">
+                <a:latin typeface="Times New Roman" pitchFamily="18" charset="0"/>
+                <a:cs typeface="Times New Roman" pitchFamily="18" charset="0"/>
+              </a:rPr>
+              <a:t>Syntax</a:t>
+            </a:r>
+            <a:r>
+              <a:rPr lang="zh-TW" altLang="en-US" dirty="0">
+                <a:latin typeface="Times New Roman" pitchFamily="18" charset="0"/>
+                <a:cs typeface="Times New Roman" pitchFamily="18" charset="0"/>
+              </a:rPr>
+              <a:t>：</a:t>
+            </a:r>
             <a:endParaRPr lang="en-US" altLang="zh-TW" dirty="0">
               <a:latin typeface="Times New Roman" pitchFamily="18" charset="0"/>
               <a:cs typeface="Times New Roman" pitchFamily="18" charset="0"/>
@@ -9330,170 +8651,180 @@
           </a:p>
           <a:p>
             <a:pPr defTabSz="0"/>
-            <a:endParaRPr lang="en-US" altLang="zh-TW" dirty="0" smtClean="0">
-              <a:latin typeface="Times New Roman" pitchFamily="18" charset="0"/>
-              <a:cs typeface="Times New Roman" pitchFamily="18" charset="0"/>
-            </a:endParaRPr>
-          </a:p>
-          <a:p>
-            <a:pPr defTabSz="0"/>
-            <a:r>
-              <a:rPr lang="en-US" altLang="zh-TW" dirty="0" smtClean="0">
-                <a:latin typeface="Times New Roman" pitchFamily="18" charset="0"/>
-                <a:cs typeface="Times New Roman" pitchFamily="18" charset="0"/>
-              </a:rPr>
-              <a:t>HTML</a:t>
-            </a:r>
-            <a:r>
-              <a:rPr lang="zh-TW" altLang="en-US" dirty="0" smtClean="0">
-                <a:latin typeface="Times New Roman" pitchFamily="18" charset="0"/>
-                <a:cs typeface="Times New Roman" pitchFamily="18" charset="0"/>
-              </a:rPr>
-              <a:t> </a:t>
-            </a:r>
-            <a:r>
-              <a:rPr lang="en-US" altLang="zh-TW" dirty="0" smtClean="0">
-                <a:latin typeface="Times New Roman" pitchFamily="18" charset="0"/>
-                <a:cs typeface="Times New Roman" pitchFamily="18" charset="0"/>
-              </a:rPr>
-              <a:t>Style Element</a:t>
-            </a:r>
-            <a:r>
-              <a:rPr lang="zh-TW" altLang="en-US" dirty="0" smtClean="0">
-                <a:latin typeface="Times New Roman" pitchFamily="18" charset="0"/>
-                <a:cs typeface="Times New Roman" pitchFamily="18" charset="0"/>
-              </a:rPr>
-              <a:t>：</a:t>
-            </a:r>
             <a:endParaRPr lang="en-US" altLang="zh-TW" dirty="0">
               <a:latin typeface="Times New Roman" pitchFamily="18" charset="0"/>
               <a:cs typeface="Times New Roman" pitchFamily="18" charset="0"/>
             </a:endParaRPr>
           </a:p>
           <a:p>
-            <a:pPr defTabSz="0"/>
-            <a:r>
-              <a:rPr lang="en-US" altLang="zh-TW" dirty="0">
-                <a:latin typeface="Times New Roman" pitchFamily="18" charset="0"/>
-                <a:cs typeface="Times New Roman" pitchFamily="18" charset="0"/>
-              </a:rPr>
-              <a:t>    </a:t>
-            </a:r>
-            <a:r>
-              <a:rPr lang="en-US" altLang="zh-TW" dirty="0">
-                <a:solidFill>
-                  <a:srgbClr val="FF0000"/>
-                </a:solidFill>
-                <a:latin typeface="Times New Roman" pitchFamily="18" charset="0"/>
-                <a:cs typeface="Times New Roman" pitchFamily="18" charset="0"/>
-              </a:rPr>
-              <a:t>&lt;style&gt;</a:t>
-            </a:r>
-          </a:p>
-          <a:p>
-            <a:pPr defTabSz="0"/>
-            <a:r>
-              <a:rPr lang="en-US" altLang="zh-TW" dirty="0">
-                <a:latin typeface="Times New Roman" pitchFamily="18" charset="0"/>
-                <a:cs typeface="Times New Roman" pitchFamily="18" charset="0"/>
-              </a:rPr>
-              <a:t>        </a:t>
-            </a:r>
-            <a:r>
-              <a:rPr lang="en-US" altLang="zh-TW" dirty="0" smtClean="0">
-                <a:latin typeface="Times New Roman" pitchFamily="18" charset="0"/>
-                <a:cs typeface="Times New Roman" pitchFamily="18" charset="0"/>
-              </a:rPr>
-              <a:t>p </a:t>
-            </a:r>
-            <a:r>
-              <a:rPr lang="en-US" altLang="zh-TW" dirty="0">
-                <a:latin typeface="Times New Roman" pitchFamily="18" charset="0"/>
-                <a:cs typeface="Times New Roman" pitchFamily="18" charset="0"/>
-              </a:rPr>
-              <a:t>{ width: 100px; }</a:t>
-            </a:r>
-          </a:p>
-          <a:p>
-            <a:pPr defTabSz="0"/>
-            <a:r>
-              <a:rPr lang="en-US" altLang="zh-TW" dirty="0">
-                <a:latin typeface="Times New Roman" pitchFamily="18" charset="0"/>
-                <a:cs typeface="Times New Roman" pitchFamily="18" charset="0"/>
-              </a:rPr>
-              <a:t>        </a:t>
-            </a:r>
-            <a:r>
-              <a:rPr lang="en-US" altLang="zh-TW" dirty="0" smtClean="0">
-                <a:latin typeface="Times New Roman" pitchFamily="18" charset="0"/>
-                <a:cs typeface="Times New Roman" pitchFamily="18" charset="0"/>
-              </a:rPr>
-              <a:t>div </a:t>
-            </a:r>
-            <a:r>
-              <a:rPr lang="en-US" altLang="zh-TW" dirty="0">
-                <a:latin typeface="Times New Roman" pitchFamily="18" charset="0"/>
-                <a:cs typeface="Times New Roman" pitchFamily="18" charset="0"/>
-              </a:rPr>
-              <a:t>{</a:t>
-            </a:r>
-          </a:p>
-          <a:p>
-            <a:pPr defTabSz="0"/>
-            <a:r>
-              <a:rPr lang="en-US" altLang="zh-TW" dirty="0">
-                <a:latin typeface="Times New Roman" pitchFamily="18" charset="0"/>
-                <a:cs typeface="Times New Roman" pitchFamily="18" charset="0"/>
-              </a:rPr>
-              <a:t>            width: 150px;</a:t>
-            </a:r>
-          </a:p>
-          <a:p>
-            <a:pPr defTabSz="0"/>
-            <a:r>
-              <a:rPr lang="en-US" altLang="zh-TW" dirty="0">
-                <a:latin typeface="Times New Roman" pitchFamily="18" charset="0"/>
-                <a:cs typeface="Times New Roman" pitchFamily="18" charset="0"/>
-              </a:rPr>
-              <a:t>            height: 150px;</a:t>
-            </a:r>
-          </a:p>
-          <a:p>
-            <a:pPr defTabSz="0"/>
-            <a:r>
-              <a:rPr lang="en-US" altLang="zh-TW" dirty="0">
-                <a:latin typeface="Times New Roman" pitchFamily="18" charset="0"/>
-                <a:cs typeface="Times New Roman" pitchFamily="18" charset="0"/>
-              </a:rPr>
-              <a:t>        }</a:t>
-            </a:r>
-          </a:p>
-          <a:p>
-            <a:pPr defTabSz="0"/>
-            <a:r>
-              <a:rPr lang="en-US" altLang="zh-TW" dirty="0">
-                <a:latin typeface="Times New Roman" pitchFamily="18" charset="0"/>
-                <a:cs typeface="Times New Roman" pitchFamily="18" charset="0"/>
-              </a:rPr>
-              <a:t>    </a:t>
-            </a:r>
-            <a:r>
-              <a:rPr lang="en-US" altLang="zh-TW" dirty="0">
-                <a:solidFill>
-                  <a:srgbClr val="FF0000"/>
-                </a:solidFill>
-                <a:latin typeface="Times New Roman" pitchFamily="18" charset="0"/>
-                <a:cs typeface="Times New Roman" pitchFamily="18" charset="0"/>
-              </a:rPr>
-              <a:t>&lt;/style&gt;</a:t>
-            </a:r>
+            <a:pPr algn="ctr" defTabSz="0"/>
+            <a:r>
+              <a:rPr lang="en-US" altLang="zh-TW" sz="2800" dirty="0">
+                <a:latin typeface="Times New Roman" pitchFamily="18" charset="0"/>
+                <a:cs typeface="Times New Roman" pitchFamily="18" charset="0"/>
+              </a:rPr>
+              <a:t>p { width: 100px; }</a:t>
+            </a:r>
+          </a:p>
+          <a:p>
+            <a:pPr defTabSz="0"/>
             <a:endParaRPr lang="en-US" altLang="zh-TW" dirty="0">
-              <a:solidFill>
-                <a:srgbClr val="FF0000"/>
-              </a:solidFill>
               <a:latin typeface="Times New Roman" pitchFamily="18" charset="0"/>
               <a:cs typeface="Times New Roman" pitchFamily="18" charset="0"/>
             </a:endParaRPr>
+          </a:p>
+          <a:p>
+            <a:pPr defTabSz="0"/>
+            <a:endParaRPr lang="en-US" altLang="zh-TW" dirty="0">
+              <a:latin typeface="Times New Roman" pitchFamily="18" charset="0"/>
+              <a:cs typeface="Times New Roman" pitchFamily="18" charset="0"/>
+            </a:endParaRPr>
+          </a:p>
+          <a:p>
+            <a:pPr defTabSz="0"/>
+            <a:endParaRPr lang="en-US" altLang="zh-TW" dirty="0">
+              <a:latin typeface="Times New Roman" pitchFamily="18" charset="0"/>
+              <a:cs typeface="Times New Roman" pitchFamily="18" charset="0"/>
+            </a:endParaRPr>
+          </a:p>
+          <a:p>
+            <a:pPr defTabSz="0"/>
+            <a:endParaRPr lang="en-US" altLang="zh-TW" dirty="0">
+              <a:latin typeface="Times New Roman" pitchFamily="18" charset="0"/>
+              <a:cs typeface="Times New Roman" pitchFamily="18" charset="0"/>
+            </a:endParaRPr>
+          </a:p>
+          <a:p>
+            <a:pPr defTabSz="0"/>
+            <a:endParaRPr lang="en-US" altLang="zh-TW" dirty="0">
+              <a:latin typeface="Times New Roman" pitchFamily="18" charset="0"/>
+              <a:cs typeface="Times New Roman" pitchFamily="18" charset="0"/>
+            </a:endParaRPr>
+          </a:p>
+          <a:p>
+            <a:pPr defTabSz="0"/>
+            <a:r>
+              <a:rPr lang="en-US" altLang="zh-TW" dirty="0">
+                <a:latin typeface="Times New Roman" pitchFamily="18" charset="0"/>
+                <a:cs typeface="Times New Roman" pitchFamily="18" charset="0"/>
+              </a:rPr>
+              <a:t>HTML</a:t>
+            </a:r>
+            <a:r>
+              <a:rPr lang="zh-TW" altLang="en-US" dirty="0">
+                <a:latin typeface="Times New Roman" pitchFamily="18" charset="0"/>
+                <a:cs typeface="Times New Roman" pitchFamily="18" charset="0"/>
+              </a:rPr>
+              <a:t> </a:t>
+            </a:r>
+            <a:r>
+              <a:rPr lang="en-US" altLang="zh-TW" dirty="0">
+                <a:latin typeface="Times New Roman" pitchFamily="18" charset="0"/>
+                <a:cs typeface="Times New Roman" pitchFamily="18" charset="0"/>
+              </a:rPr>
+              <a:t>Style Element</a:t>
+            </a:r>
+            <a:r>
+              <a:rPr lang="zh-TW" altLang="en-US" dirty="0">
+                <a:latin typeface="Times New Roman" pitchFamily="18" charset="0"/>
+                <a:cs typeface="Times New Roman" pitchFamily="18" charset="0"/>
+              </a:rPr>
+              <a:t>：</a:t>
+            </a:r>
+            <a:endParaRPr lang="en-US" altLang="zh-TW" dirty="0">
+              <a:latin typeface="Times New Roman" pitchFamily="18" charset="0"/>
+              <a:cs typeface="Times New Roman" pitchFamily="18" charset="0"/>
+            </a:endParaRPr>
+          </a:p>
+          <a:p>
+            <a:pPr defTabSz="0"/>
+            <a:r>
+              <a:rPr lang="en-US" altLang="zh-TW" dirty="0">
+                <a:latin typeface="Times New Roman" pitchFamily="18" charset="0"/>
+                <a:cs typeface="Times New Roman" pitchFamily="18" charset="0"/>
+              </a:rPr>
+              <a:t>    </a:t>
+            </a:r>
+            <a:r>
+              <a:rPr lang="en-US" altLang="zh-TW" dirty="0">
+                <a:solidFill>
+                  <a:srgbClr val="FF0000"/>
+                </a:solidFill>
+                <a:latin typeface="Times New Roman" pitchFamily="18" charset="0"/>
+                <a:cs typeface="Times New Roman" pitchFamily="18" charset="0"/>
+              </a:rPr>
+              <a:t>&lt;style&gt;</a:t>
+            </a:r>
+          </a:p>
+          <a:p>
+            <a:pPr defTabSz="0"/>
+            <a:r>
+              <a:rPr lang="en-US" altLang="zh-TW" dirty="0">
+                <a:latin typeface="Times New Roman" pitchFamily="18" charset="0"/>
+                <a:cs typeface="Times New Roman" pitchFamily="18" charset="0"/>
+              </a:rPr>
+              <a:t>        p { width: 100px; }</a:t>
+            </a:r>
+          </a:p>
+          <a:p>
+            <a:pPr defTabSz="0"/>
+            <a:r>
+              <a:rPr lang="en-US" altLang="zh-TW" dirty="0">
+                <a:latin typeface="Times New Roman" pitchFamily="18" charset="0"/>
+                <a:cs typeface="Times New Roman" pitchFamily="18" charset="0"/>
+              </a:rPr>
+              <a:t>        div {</a:t>
+            </a:r>
+          </a:p>
+          <a:p>
+            <a:pPr defTabSz="0"/>
+            <a:r>
+              <a:rPr lang="en-US" altLang="zh-TW" dirty="0">
+                <a:latin typeface="Times New Roman" pitchFamily="18" charset="0"/>
+                <a:cs typeface="Times New Roman" pitchFamily="18" charset="0"/>
+              </a:rPr>
+              <a:t>            width: 150px;</a:t>
+            </a:r>
+          </a:p>
+          <a:p>
+            <a:pPr defTabSz="0"/>
+            <a:r>
+              <a:rPr lang="en-US" altLang="zh-TW" dirty="0">
+                <a:latin typeface="Times New Roman" pitchFamily="18" charset="0"/>
+                <a:cs typeface="Times New Roman" pitchFamily="18" charset="0"/>
+              </a:rPr>
+              <a:t>            height: 150px;</a:t>
+            </a:r>
+          </a:p>
+          <a:p>
+            <a:pPr defTabSz="0"/>
+            <a:r>
+              <a:rPr lang="en-US" altLang="zh-TW" dirty="0">
+                <a:latin typeface="Times New Roman" pitchFamily="18" charset="0"/>
+                <a:cs typeface="Times New Roman" pitchFamily="18" charset="0"/>
+              </a:rPr>
+              <a:t>        }</a:t>
+            </a:r>
+          </a:p>
+          <a:p>
+            <a:pPr defTabSz="0"/>
+            <a:r>
+              <a:rPr lang="en-US" altLang="zh-TW" dirty="0">
+                <a:latin typeface="Times New Roman" pitchFamily="18" charset="0"/>
+                <a:cs typeface="Times New Roman" pitchFamily="18" charset="0"/>
+              </a:rPr>
+              <a:t>    </a:t>
+            </a:r>
+            <a:r>
+              <a:rPr lang="en-US" altLang="zh-TW" dirty="0">
+                <a:solidFill>
+                  <a:srgbClr val="FF0000"/>
+                </a:solidFill>
+                <a:latin typeface="Times New Roman" pitchFamily="18" charset="0"/>
+                <a:cs typeface="Times New Roman" pitchFamily="18" charset="0"/>
+              </a:rPr>
+              <a:t>&lt;/style&gt;</a:t>
+            </a:r>
           </a:p>
         </p:txBody>
       </p:sp>
@@ -9978,7 +9309,7 @@
           <a:p>
             <a:pPr algn="ctr"/>
             <a:r>
-              <a:rPr lang="en-US" altLang="zh-TW" dirty="0" smtClean="0">
+              <a:rPr lang="en-US" altLang="zh-TW" dirty="0">
                 <a:solidFill>
                   <a:srgbClr val="7030A0"/>
                 </a:solidFill>
@@ -10007,13 +9338,6 @@
   <p:clrMapOvr>
     <a:masterClrMapping/>
   </p:clrMapOvr>
-  <p:timing>
-    <p:tnLst>
-      <p:par>
-        <p:cTn id="1" dur="indefinite" restart="never" nodeType="tmRoot"/>
-      </p:par>
-    </p:tnLst>
-  </p:timing>
 </p:sld>
 </file>
 
@@ -10131,14 +9455,14 @@
               <a:buAutoNum type="arabicPeriod"/>
             </a:pPr>
             <a:r>
-              <a:rPr lang="zh-TW" altLang="en-US" sz="2000" dirty="0" smtClean="0">
+              <a:rPr lang="zh-TW" altLang="en-US" sz="2000" dirty="0">
                 <a:latin typeface="Times New Roman" pitchFamily="18" charset="0"/>
                 <a:cs typeface="Times New Roman" pitchFamily="18" charset="0"/>
               </a:rPr>
               <a:t>本次教學會提供實作的</a:t>
             </a:r>
             <a:r>
-              <a:rPr lang="zh-TW" altLang="en-US" sz="2000" b="1" dirty="0" smtClean="0">
+              <a:rPr lang="zh-TW" altLang="en-US" sz="2000" b="1" dirty="0">
                 <a:solidFill>
                   <a:srgbClr val="FF0000"/>
                 </a:solidFill>
@@ -10148,14 +9472,14 @@
               <a:t>範例</a:t>
             </a:r>
             <a:r>
-              <a:rPr lang="zh-TW" altLang="en-US" sz="2000" dirty="0" smtClean="0">
+              <a:rPr lang="zh-TW" altLang="en-US" sz="2000" dirty="0">
                 <a:latin typeface="Times New Roman" pitchFamily="18" charset="0"/>
                 <a:cs typeface="Times New Roman" pitchFamily="18" charset="0"/>
               </a:rPr>
               <a:t>與</a:t>
             </a:r>
             <a:r>
-              <a:rPr lang="zh-TW" altLang="en-US" sz="2000" b="1" dirty="0" smtClean="0">
+              <a:rPr lang="zh-TW" altLang="en-US" sz="2000" b="1" dirty="0">
                 <a:solidFill>
                   <a:srgbClr val="FF0000"/>
                 </a:solidFill>
@@ -10165,13 +9489,13 @@
               <a:t>參考的網頁</a:t>
             </a:r>
             <a:r>
-              <a:rPr lang="zh-TW" altLang="en-US" sz="2000" dirty="0" smtClean="0">
+              <a:rPr lang="zh-TW" altLang="en-US" sz="2000" dirty="0">
                 <a:latin typeface="Times New Roman" pitchFamily="18" charset="0"/>
                 <a:cs typeface="Times New Roman" pitchFamily="18" charset="0"/>
               </a:rPr>
               <a:t>，不用在網路大海撈針。</a:t>
             </a:r>
-            <a:endParaRPr lang="en-US" altLang="zh-TW" sz="2000" dirty="0" smtClean="0">
+            <a:endParaRPr lang="en-US" altLang="zh-TW" sz="2000" dirty="0">
               <a:latin typeface="Times New Roman" pitchFamily="18" charset="0"/>
               <a:cs typeface="Times New Roman" pitchFamily="18" charset="0"/>
             </a:endParaRPr>
@@ -10196,14 +9520,7 @@
                 <a:latin typeface="Times New Roman" pitchFamily="18" charset="0"/>
                 <a:cs typeface="Times New Roman" pitchFamily="18" charset="0"/>
               </a:rPr>
-              <a:t>現在的前</a:t>
-            </a:r>
-            <a:r>
-              <a:rPr lang="zh-TW" altLang="en-US" sz="2000" dirty="0" smtClean="0">
-                <a:latin typeface="Times New Roman" pitchFamily="18" charset="0"/>
-                <a:cs typeface="Times New Roman" pitchFamily="18" charset="0"/>
-              </a:rPr>
-              <a:t>端功能太多、太雜、太強大，會教基本而且重要的實作。</a:t>
+              <a:t>現在的前端功能太多、太雜、太強大，會教基本而且重要的實作。</a:t>
             </a:r>
             <a:endParaRPr lang="en-US" altLang="zh-TW" sz="2000" dirty="0">
               <a:latin typeface="Times New Roman" pitchFamily="18" charset="0"/>
@@ -10226,14 +9543,14 @@
               <a:buAutoNum type="arabicPeriod"/>
             </a:pPr>
             <a:r>
-              <a:rPr lang="zh-TW" altLang="en-US" sz="2000" dirty="0" smtClean="0">
+              <a:rPr lang="zh-TW" altLang="en-US" sz="2000" dirty="0">
                 <a:latin typeface="Times New Roman" pitchFamily="18" charset="0"/>
                 <a:cs typeface="Times New Roman" pitchFamily="18" charset="0"/>
               </a:rPr>
               <a:t>有兩個作業，</a:t>
             </a:r>
             <a:r>
-              <a:rPr lang="zh-TW" altLang="en-US" sz="2000" b="1" dirty="0" smtClean="0">
+              <a:rPr lang="zh-TW" altLang="en-US" sz="2000" b="1" dirty="0">
                 <a:solidFill>
                   <a:srgbClr val="FF0000"/>
                 </a:solidFill>
@@ -10243,14 +9560,14 @@
               <a:t>靜態網頁介面</a:t>
             </a:r>
             <a:r>
-              <a:rPr lang="zh-TW" altLang="en-US" sz="2000" dirty="0" smtClean="0">
+              <a:rPr lang="zh-TW" altLang="en-US" sz="2000" dirty="0">
                 <a:latin typeface="Times New Roman" pitchFamily="18" charset="0"/>
                 <a:cs typeface="Times New Roman" pitchFamily="18" charset="0"/>
               </a:rPr>
               <a:t>、</a:t>
             </a:r>
             <a:r>
-              <a:rPr lang="zh-TW" altLang="en-US" sz="2000" b="1" dirty="0" smtClean="0">
+              <a:rPr lang="zh-TW" altLang="en-US" sz="2000" b="1" dirty="0">
                 <a:solidFill>
                   <a:srgbClr val="FF0000"/>
                 </a:solidFill>
@@ -10260,13 +9577,13 @@
               <a:t>動態網頁操作</a:t>
             </a:r>
             <a:r>
-              <a:rPr lang="zh-TW" altLang="en-US" sz="2000" dirty="0" smtClean="0">
+              <a:rPr lang="zh-TW" altLang="en-US" sz="2000" dirty="0">
                 <a:latin typeface="Times New Roman" pitchFamily="18" charset="0"/>
                 <a:cs typeface="Times New Roman" pitchFamily="18" charset="0"/>
               </a:rPr>
               <a:t>。</a:t>
             </a:r>
-            <a:endParaRPr lang="en-US" altLang="zh-TW" sz="2000" dirty="0" smtClean="0">
+            <a:endParaRPr lang="en-US" altLang="zh-TW" sz="2000" dirty="0">
               <a:latin typeface="Times New Roman" pitchFamily="18" charset="0"/>
               <a:cs typeface="Times New Roman" pitchFamily="18" charset="0"/>
             </a:endParaRPr>
@@ -10315,122 +9632,31 @@
               <a:t>GUI</a:t>
             </a:r>
             <a:r>
-              <a:rPr lang="zh-TW" altLang="en-US" sz="2000" dirty="0" smtClean="0">
+              <a:rPr lang="zh-TW" altLang="en-US" sz="2000" dirty="0">
                 <a:latin typeface="Times New Roman" pitchFamily="18" charset="0"/>
                 <a:cs typeface="Times New Roman" pitchFamily="18" charset="0"/>
               </a:rPr>
               <a:t>。</a:t>
             </a:r>
-            <a:endParaRPr lang="en-US" altLang="zh-TW" sz="2000" dirty="0" smtClean="0">
-              <a:latin typeface="Times New Roman" pitchFamily="18" charset="0"/>
-              <a:cs typeface="Times New Roman" pitchFamily="18" charset="0"/>
-            </a:endParaRPr>
-          </a:p>
-          <a:p>
-            <a:endParaRPr lang="en-US" altLang="zh-TW" sz="2000" dirty="0" smtClean="0">
-              <a:latin typeface="Times New Roman" pitchFamily="18" charset="0"/>
-              <a:cs typeface="Times New Roman" pitchFamily="18" charset="0"/>
-            </a:endParaRPr>
-          </a:p>
-          <a:p>
             <a:endParaRPr lang="en-US" altLang="zh-TW" sz="2000" dirty="0">
               <a:latin typeface="Times New Roman" pitchFamily="18" charset="0"/>
               <a:cs typeface="Times New Roman" pitchFamily="18" charset="0"/>
             </a:endParaRPr>
           </a:p>
           <a:p>
-            <a:endParaRPr lang="en-US" altLang="zh-TW" sz="2000" dirty="0" smtClean="0">
+            <a:endParaRPr lang="en-US" altLang="zh-TW" sz="2000" dirty="0">
               <a:latin typeface="Times New Roman" pitchFamily="18" charset="0"/>
               <a:cs typeface="Times New Roman" pitchFamily="18" charset="0"/>
             </a:endParaRPr>
           </a:p>
           <a:p>
-            <a:pPr algn="ctr"/>
-            <a:r>
-              <a:rPr lang="zh-TW" altLang="en-US" sz="1200" dirty="0" smtClean="0">
-                <a:latin typeface="Times New Roman" pitchFamily="18" charset="0"/>
-                <a:cs typeface="Times New Roman" pitchFamily="18" charset="0"/>
-              </a:rPr>
-              <a:t>只簡單教觀念，</a:t>
-            </a:r>
-            <a:r>
-              <a:rPr lang="zh-TW" altLang="en-US" sz="1200" dirty="0">
-                <a:latin typeface="Times New Roman" pitchFamily="18" charset="0"/>
-                <a:cs typeface="Times New Roman" pitchFamily="18" charset="0"/>
-              </a:rPr>
-              <a:t>請</a:t>
-            </a:r>
-            <a:r>
-              <a:rPr lang="zh-TW" altLang="en-US" sz="1200" dirty="0" smtClean="0">
-                <a:latin typeface="Times New Roman" pitchFamily="18" charset="0"/>
-                <a:cs typeface="Times New Roman" pitchFamily="18" charset="0"/>
-              </a:rPr>
-              <a:t>學生</a:t>
-            </a:r>
-            <a:r>
-              <a:rPr lang="zh-TW" altLang="en-US" sz="1200" dirty="0">
-                <a:latin typeface="Times New Roman" pitchFamily="18" charset="0"/>
-                <a:cs typeface="Times New Roman" pitchFamily="18" charset="0"/>
-              </a:rPr>
-              <a:t>上網找資料來實作，其實很不負責任</a:t>
-            </a:r>
-            <a:r>
-              <a:rPr lang="en-US" altLang="zh-TW" sz="1200" dirty="0">
-                <a:latin typeface="Times New Roman" pitchFamily="18" charset="0"/>
-                <a:cs typeface="Times New Roman" pitchFamily="18" charset="0"/>
-              </a:rPr>
-              <a:t>(</a:t>
-            </a:r>
-            <a:r>
-              <a:rPr lang="zh-TW" altLang="en-US" sz="1200" dirty="0">
-                <a:latin typeface="Times New Roman" pitchFamily="18" charset="0"/>
-                <a:cs typeface="Times New Roman" pitchFamily="18" charset="0"/>
-              </a:rPr>
-              <a:t>超爛</a:t>
-            </a:r>
-            <a:r>
-              <a:rPr lang="en-US" altLang="zh-TW" sz="1200" dirty="0">
-                <a:latin typeface="Times New Roman" pitchFamily="18" charset="0"/>
-                <a:cs typeface="Times New Roman" pitchFamily="18" charset="0"/>
-              </a:rPr>
-              <a:t>)</a:t>
-            </a:r>
-            <a:r>
-              <a:rPr lang="zh-TW" altLang="en-US" sz="1200" dirty="0" smtClean="0">
-                <a:latin typeface="Times New Roman" pitchFamily="18" charset="0"/>
-                <a:cs typeface="Times New Roman" pitchFamily="18" charset="0"/>
-              </a:rPr>
-              <a:t>。</a:t>
-            </a:r>
-            <a:endParaRPr lang="en-US" altLang="zh-TW" sz="1200" dirty="0" smtClean="0">
+            <a:endParaRPr lang="en-US" altLang="zh-TW" sz="2000" dirty="0">
               <a:latin typeface="Times New Roman" pitchFamily="18" charset="0"/>
               <a:cs typeface="Times New Roman" pitchFamily="18" charset="0"/>
             </a:endParaRPr>
           </a:p>
           <a:p>
-            <a:pPr algn="ctr"/>
-            <a:r>
-              <a:rPr lang="zh-TW" altLang="en-US" sz="1200" dirty="0" smtClean="0">
-                <a:latin typeface="Times New Roman" pitchFamily="18" charset="0"/>
-                <a:cs typeface="Times New Roman" pitchFamily="18" charset="0"/>
-              </a:rPr>
-              <a:t>隨便</a:t>
-            </a:r>
-            <a:r>
-              <a:rPr lang="zh-TW" altLang="en-US" sz="1200" dirty="0">
-                <a:latin typeface="Times New Roman" pitchFamily="18" charset="0"/>
-                <a:cs typeface="Times New Roman" pitchFamily="18" charset="0"/>
-              </a:rPr>
-              <a:t>一個關鍵字就幾百萬以上的資料，新手要如何判斷資料</a:t>
-            </a:r>
-            <a:r>
-              <a:rPr lang="zh-TW" altLang="en-US" sz="1200" dirty="0" smtClean="0">
-                <a:latin typeface="Times New Roman" pitchFamily="18" charset="0"/>
-                <a:cs typeface="Times New Roman" pitchFamily="18" charset="0"/>
-              </a:rPr>
-              <a:t>真偽？</a:t>
-            </a:r>
-            <a:endParaRPr lang="zh-TW" altLang="en-US" sz="1200" dirty="0">
+            <a:endParaRPr lang="en-US" altLang="zh-TW" sz="2000" dirty="0">
               <a:latin typeface="Times New Roman" pitchFamily="18" charset="0"/>
               <a:cs typeface="Times New Roman" pitchFamily="18" charset="0"/>
             </a:endParaRPr>
@@ -10438,58 +9664,64 @@
           <a:p>
             <a:pPr algn="ctr"/>
             <a:r>
-              <a:rPr lang="zh-TW" altLang="en-US" sz="1200" dirty="0" smtClean="0">
-                <a:latin typeface="Times New Roman" pitchFamily="18" charset="0"/>
-                <a:cs typeface="Times New Roman" pitchFamily="18" charset="0"/>
-              </a:rPr>
-              <a:t>工程教學的重點</a:t>
-            </a:r>
-            <a:r>
               <a:rPr lang="zh-TW" altLang="en-US" sz="1200" dirty="0">
                 <a:latin typeface="Times New Roman" pitchFamily="18" charset="0"/>
                 <a:cs typeface="Times New Roman" pitchFamily="18" charset="0"/>
               </a:rPr>
-              <a:t>是實作，</a:t>
-            </a:r>
-            <a:r>
-              <a:rPr lang="zh-TW" altLang="en-US" sz="1200" dirty="0" smtClean="0">
-                <a:latin typeface="Times New Roman" pitchFamily="18" charset="0"/>
-                <a:cs typeface="Times New Roman" pitchFamily="18" charset="0"/>
-              </a:rPr>
-              <a:t>臨摹沒關係</a:t>
+              <a:t>只簡單教觀念，請學生上網找資料來實作，其實很不負責任</a:t>
+            </a:r>
+            <a:r>
+              <a:rPr lang="en-US" altLang="zh-TW" sz="1200" dirty="0">
+                <a:latin typeface="Times New Roman" pitchFamily="18" charset="0"/>
+                <a:cs typeface="Times New Roman" pitchFamily="18" charset="0"/>
+              </a:rPr>
+              <a:t>(</a:t>
             </a:r>
             <a:r>
               <a:rPr lang="zh-TW" altLang="en-US" sz="1200" dirty="0">
                 <a:latin typeface="Times New Roman" pitchFamily="18" charset="0"/>
                 <a:cs typeface="Times New Roman" pitchFamily="18" charset="0"/>
               </a:rPr>
-              <a:t>，重點是</a:t>
-            </a:r>
-            <a:r>
-              <a:rPr lang="zh-TW" altLang="en-US" sz="1200" dirty="0" smtClean="0">
-                <a:latin typeface="Times New Roman" pitchFamily="18" charset="0"/>
-                <a:cs typeface="Times New Roman" pitchFamily="18" charset="0"/>
-              </a:rPr>
-              <a:t>知道</a:t>
+              <a:t>超爛</a:t>
+            </a:r>
+            <a:r>
+              <a:rPr lang="en-US" altLang="zh-TW" sz="1200" dirty="0">
+                <a:latin typeface="Times New Roman" pitchFamily="18" charset="0"/>
+                <a:cs typeface="Times New Roman" pitchFamily="18" charset="0"/>
+              </a:rPr>
+              <a:t>)</a:t>
             </a:r>
             <a:r>
               <a:rPr lang="zh-TW" altLang="en-US" sz="1200" dirty="0">
                 <a:latin typeface="Times New Roman" pitchFamily="18" charset="0"/>
                 <a:cs typeface="Times New Roman" pitchFamily="18" charset="0"/>
               </a:rPr>
-              <a:t>怎麼實</a:t>
-            </a:r>
-            <a:r>
-              <a:rPr lang="zh-TW" altLang="en-US" sz="1200" dirty="0" smtClean="0">
-                <a:latin typeface="Times New Roman" pitchFamily="18" charset="0"/>
-                <a:cs typeface="Times New Roman" pitchFamily="18" charset="0"/>
-              </a:rPr>
-              <a:t>作。</a:t>
-            </a:r>
-            <a:endParaRPr lang="zh-TW" altLang="en-US" sz="1200" dirty="0">
+              <a:t>。</a:t>
+            </a:r>
+            <a:endParaRPr lang="en-US" altLang="zh-TW" sz="1200" dirty="0">
               <a:latin typeface="Times New Roman" pitchFamily="18" charset="0"/>
               <a:cs typeface="Times New Roman" pitchFamily="18" charset="0"/>
             </a:endParaRPr>
+          </a:p>
+          <a:p>
+            <a:pPr algn="ctr"/>
+            <a:r>
+              <a:rPr lang="zh-TW" altLang="en-US" sz="1200" dirty="0">
+                <a:latin typeface="Times New Roman" pitchFamily="18" charset="0"/>
+                <a:cs typeface="Times New Roman" pitchFamily="18" charset="0"/>
+              </a:rPr>
+              <a:t>隨便一個關鍵字就幾百萬以上的資料，新手要如何判斷資料真偽？</a:t>
+            </a:r>
+          </a:p>
+          <a:p>
+            <a:pPr algn="ctr"/>
+            <a:r>
+              <a:rPr lang="zh-TW" altLang="en-US" sz="1200" dirty="0">
+                <a:latin typeface="Times New Roman" pitchFamily="18" charset="0"/>
+                <a:cs typeface="Times New Roman" pitchFamily="18" charset="0"/>
+              </a:rPr>
+              <a:t>工程教學的重點是實作，臨摹沒關係，重點是知道怎麼實作。</a:t>
+            </a:r>
           </a:p>
         </p:txBody>
       </p:sp>
@@ -10503,13 +9735,6 @@
   <p:clrMapOvr>
     <a:masterClrMapping/>
   </p:clrMapOvr>
-  <p:timing>
-    <p:tnLst>
-      <p:par>
-        <p:cTn id="1" dur="indefinite" restart="never" nodeType="tmRoot"/>
-      </p:par>
-    </p:tnLst>
-  </p:timing>
 </p:sld>
 </file>
 
@@ -10554,11 +9779,25 @@
           <a:p>
             <a:pPr algn="ctr"/>
             <a:r>
-              <a:rPr lang="en-US" altLang="zh-TW" sz="2400" dirty="0" smtClean="0">
+              <a:rPr lang="en-US" altLang="zh-TW" sz="2400" dirty="0">
                 <a:latin typeface="Times New Roman" pitchFamily="18" charset="0"/>
                 <a:cs typeface="Times New Roman" pitchFamily="18" charset="0"/>
               </a:rPr>
               <a:t>CSS</a:t>
+            </a:r>
+            <a:r>
+              <a:rPr lang="zh-TW" altLang="en-US" sz="2400" dirty="0">
+                <a:latin typeface="Times New Roman" pitchFamily="18" charset="0"/>
+                <a:cs typeface="Times New Roman" pitchFamily="18" charset="0"/>
+              </a:rPr>
+              <a:t> </a:t>
+            </a:r>
+            <a:r>
+              <a:rPr lang="en-US" altLang="zh-TW" sz="2400" dirty="0">
+                <a:latin typeface="Times New Roman" pitchFamily="18" charset="0"/>
+                <a:cs typeface="Times New Roman" pitchFamily="18" charset="0"/>
+              </a:rPr>
+              <a:t>import</a:t>
             </a:r>
             <a:endParaRPr lang="zh-TW" altLang="en-US" sz="2400" dirty="0">
               <a:latin typeface="Times New Roman" pitchFamily="18" charset="0"/>
@@ -10591,7 +9830,7 @@
           <a:p>
             <a:pPr algn="ctr"/>
             <a:r>
-              <a:rPr lang="en-US" altLang="zh-TW" sz="1200" dirty="0" smtClean="0">
+              <a:rPr lang="en-US" altLang="zh-TW" sz="1200" dirty="0">
                 <a:latin typeface="Times New Roman" pitchFamily="18" charset="0"/>
                 <a:cs typeface="Times New Roman" pitchFamily="18" charset="0"/>
               </a:rPr>
@@ -10628,285 +9867,281 @@
           <a:p>
             <a:pPr defTabSz="0"/>
             <a:r>
-              <a:rPr lang="en-US" altLang="zh-TW" dirty="0" smtClean="0">
+              <a:rPr lang="en-US" altLang="zh-TW" dirty="0">
                 <a:latin typeface="Times New Roman" pitchFamily="18" charset="0"/>
                 <a:cs typeface="Times New Roman" pitchFamily="18" charset="0"/>
               </a:rPr>
               <a:t>HTML</a:t>
             </a:r>
             <a:r>
-              <a:rPr lang="zh-TW" altLang="en-US" dirty="0" smtClean="0">
+              <a:rPr lang="zh-TW" altLang="en-US" dirty="0">
                 <a:latin typeface="Times New Roman" pitchFamily="18" charset="0"/>
                 <a:cs typeface="Times New Roman" pitchFamily="18" charset="0"/>
               </a:rPr>
               <a:t> </a:t>
             </a:r>
             <a:r>
-              <a:rPr lang="en-US" altLang="zh-TW" dirty="0" smtClean="0">
+              <a:rPr lang="en-US" altLang="zh-TW" dirty="0">
                 <a:latin typeface="Times New Roman" pitchFamily="18" charset="0"/>
                 <a:cs typeface="Times New Roman" pitchFamily="18" charset="0"/>
               </a:rPr>
               <a:t>Link Element</a:t>
             </a:r>
             <a:r>
-              <a:rPr lang="zh-TW" altLang="en-US" dirty="0" smtClean="0">
+              <a:rPr lang="zh-TW" altLang="en-US" dirty="0">
                 <a:latin typeface="Times New Roman" pitchFamily="18" charset="0"/>
                 <a:cs typeface="Times New Roman" pitchFamily="18" charset="0"/>
               </a:rPr>
               <a:t>：</a:t>
-            </a:r>
-            <a:endParaRPr lang="en-US" altLang="zh-TW" dirty="0" smtClean="0">
-              <a:latin typeface="Times New Roman" pitchFamily="18" charset="0"/>
-              <a:cs typeface="Times New Roman" pitchFamily="18" charset="0"/>
-            </a:endParaRPr>
-          </a:p>
-          <a:p>
-            <a:pPr defTabSz="0"/>
-            <a:r>
-              <a:rPr lang="en-US" altLang="zh-TW" dirty="0">
-                <a:latin typeface="Times New Roman" pitchFamily="18" charset="0"/>
-                <a:cs typeface="Times New Roman" pitchFamily="18" charset="0"/>
-              </a:rPr>
-              <a:t>&lt;head&gt;</a:t>
-            </a:r>
-          </a:p>
-          <a:p>
-            <a:pPr defTabSz="0"/>
-            <a:r>
-              <a:rPr lang="en-US" altLang="zh-TW" dirty="0">
-                <a:latin typeface="Times New Roman" pitchFamily="18" charset="0"/>
-                <a:cs typeface="Times New Roman" pitchFamily="18" charset="0"/>
-              </a:rPr>
-              <a:t>    &lt;meta charset="UTF-8"&gt;</a:t>
-            </a:r>
-          </a:p>
-          <a:p>
-            <a:pPr defTabSz="0"/>
-            <a:r>
-              <a:rPr lang="en-US" altLang="zh-TW" dirty="0">
-                <a:latin typeface="Times New Roman" pitchFamily="18" charset="0"/>
-                <a:cs typeface="Times New Roman" pitchFamily="18" charset="0"/>
-              </a:rPr>
-              <a:t>    &lt;meta http-</a:t>
-            </a:r>
-            <a:r>
-              <a:rPr lang="en-US" altLang="zh-TW" dirty="0" err="1">
-                <a:latin typeface="Times New Roman" pitchFamily="18" charset="0"/>
-                <a:cs typeface="Times New Roman" pitchFamily="18" charset="0"/>
-              </a:rPr>
-              <a:t>equiv</a:t>
-            </a:r>
-            <a:r>
-              <a:rPr lang="en-US" altLang="zh-TW" dirty="0">
-                <a:latin typeface="Times New Roman" pitchFamily="18" charset="0"/>
-                <a:cs typeface="Times New Roman" pitchFamily="18" charset="0"/>
-              </a:rPr>
-              <a:t>="X-UA-Compatible" content="IE=edge"&gt;</a:t>
-            </a:r>
-          </a:p>
-          <a:p>
-            <a:pPr defTabSz="0"/>
-            <a:r>
-              <a:rPr lang="en-US" altLang="zh-TW" dirty="0">
-                <a:latin typeface="Times New Roman" pitchFamily="18" charset="0"/>
-                <a:cs typeface="Times New Roman" pitchFamily="18" charset="0"/>
-              </a:rPr>
-              <a:t>    &lt;meta name="viewport" content="width=device-width, initial-scale=1.0"&gt;</a:t>
-            </a:r>
-          </a:p>
-          <a:p>
-            <a:pPr defTabSz="0"/>
-            <a:r>
-              <a:rPr lang="en-US" altLang="zh-TW" dirty="0">
-                <a:latin typeface="Times New Roman" pitchFamily="18" charset="0"/>
-                <a:cs typeface="Times New Roman" pitchFamily="18" charset="0"/>
-              </a:rPr>
-              <a:t>    &lt;title&gt;CSS&lt;/title&gt;</a:t>
-            </a:r>
-          </a:p>
-          <a:p>
-            <a:pPr defTabSz="0"/>
-            <a:r>
-              <a:rPr lang="en-US" altLang="zh-TW" dirty="0">
-                <a:latin typeface="Times New Roman" pitchFamily="18" charset="0"/>
-                <a:cs typeface="Times New Roman" pitchFamily="18" charset="0"/>
-              </a:rPr>
-              <a:t>    </a:t>
-            </a:r>
-            <a:r>
-              <a:rPr lang="en-US" altLang="zh-TW" dirty="0">
-                <a:solidFill>
-                  <a:srgbClr val="FF0000"/>
-                </a:solidFill>
-                <a:latin typeface="Times New Roman" pitchFamily="18" charset="0"/>
-                <a:cs typeface="Times New Roman" pitchFamily="18" charset="0"/>
-              </a:rPr>
-              <a:t>&lt;link </a:t>
-            </a:r>
-            <a:r>
-              <a:rPr lang="en-US" altLang="zh-TW" dirty="0" err="1">
-                <a:solidFill>
-                  <a:srgbClr val="00B050"/>
-                </a:solidFill>
-                <a:latin typeface="Times New Roman" pitchFamily="18" charset="0"/>
-                <a:cs typeface="Times New Roman" pitchFamily="18" charset="0"/>
-              </a:rPr>
-              <a:t>rel</a:t>
-            </a:r>
-            <a:r>
-              <a:rPr lang="en-US" altLang="zh-TW" dirty="0">
-                <a:solidFill>
-                  <a:srgbClr val="00B050"/>
-                </a:solidFill>
-                <a:latin typeface="Times New Roman" pitchFamily="18" charset="0"/>
-                <a:cs typeface="Times New Roman" pitchFamily="18" charset="0"/>
-              </a:rPr>
-              <a:t>="</a:t>
-            </a:r>
-            <a:r>
-              <a:rPr lang="en-US" altLang="zh-TW" dirty="0" err="1">
-                <a:solidFill>
-                  <a:srgbClr val="00B050"/>
-                </a:solidFill>
-                <a:latin typeface="Times New Roman" pitchFamily="18" charset="0"/>
-                <a:cs typeface="Times New Roman" pitchFamily="18" charset="0"/>
-              </a:rPr>
-              <a:t>stylesheet</a:t>
-            </a:r>
-            <a:r>
-              <a:rPr lang="en-US" altLang="zh-TW" dirty="0">
-                <a:solidFill>
-                  <a:srgbClr val="00B050"/>
-                </a:solidFill>
-                <a:latin typeface="Times New Roman" pitchFamily="18" charset="0"/>
-                <a:cs typeface="Times New Roman" pitchFamily="18" charset="0"/>
-              </a:rPr>
-              <a:t>"</a:t>
-            </a:r>
-            <a:r>
-              <a:rPr lang="en-US" altLang="zh-TW" dirty="0">
-                <a:solidFill>
-                  <a:srgbClr val="FF0000"/>
-                </a:solidFill>
-                <a:latin typeface="Times New Roman" pitchFamily="18" charset="0"/>
-                <a:cs typeface="Times New Roman" pitchFamily="18" charset="0"/>
-              </a:rPr>
-              <a:t> </a:t>
-            </a:r>
-            <a:r>
-              <a:rPr lang="en-US" altLang="zh-TW" dirty="0" err="1">
-                <a:solidFill>
-                  <a:srgbClr val="00B0F0"/>
-                </a:solidFill>
-                <a:latin typeface="Times New Roman" pitchFamily="18" charset="0"/>
-                <a:cs typeface="Times New Roman" pitchFamily="18" charset="0"/>
-              </a:rPr>
-              <a:t>href</a:t>
-            </a:r>
-            <a:r>
-              <a:rPr lang="en-US" altLang="zh-TW" dirty="0">
-                <a:solidFill>
-                  <a:srgbClr val="00B0F0"/>
-                </a:solidFill>
-                <a:latin typeface="Times New Roman" pitchFamily="18" charset="0"/>
-                <a:cs typeface="Times New Roman" pitchFamily="18" charset="0"/>
-              </a:rPr>
-              <a:t>="style.css"</a:t>
-            </a:r>
-            <a:r>
-              <a:rPr lang="en-US" altLang="zh-TW" dirty="0">
-                <a:solidFill>
-                  <a:srgbClr val="FF0000"/>
-                </a:solidFill>
-                <a:latin typeface="Times New Roman" pitchFamily="18" charset="0"/>
-                <a:cs typeface="Times New Roman" pitchFamily="18" charset="0"/>
-              </a:rPr>
-              <a:t>&gt;</a:t>
-            </a:r>
-          </a:p>
-          <a:p>
-            <a:pPr defTabSz="0"/>
-            <a:r>
-              <a:rPr lang="en-US" altLang="zh-TW" dirty="0">
-                <a:latin typeface="Times New Roman" pitchFamily="18" charset="0"/>
-                <a:cs typeface="Times New Roman" pitchFamily="18" charset="0"/>
-              </a:rPr>
-              <a:t>    &lt;style&gt;</a:t>
-            </a:r>
-          </a:p>
-          <a:p>
-            <a:pPr defTabSz="0"/>
-            <a:r>
-              <a:rPr lang="en-US" altLang="zh-TW" dirty="0">
-                <a:latin typeface="Times New Roman" pitchFamily="18" charset="0"/>
-                <a:cs typeface="Times New Roman" pitchFamily="18" charset="0"/>
-              </a:rPr>
-              <a:t>        p { width: 100px; }</a:t>
-            </a:r>
-          </a:p>
-          <a:p>
-            <a:pPr defTabSz="0"/>
-            <a:r>
-              <a:rPr lang="en-US" altLang="zh-TW" dirty="0">
-                <a:latin typeface="Times New Roman" pitchFamily="18" charset="0"/>
-                <a:cs typeface="Times New Roman" pitchFamily="18" charset="0"/>
-              </a:rPr>
-              <a:t>        div {</a:t>
-            </a:r>
-          </a:p>
-          <a:p>
-            <a:pPr defTabSz="0"/>
-            <a:r>
-              <a:rPr lang="en-US" altLang="zh-TW" dirty="0">
-                <a:latin typeface="Times New Roman" pitchFamily="18" charset="0"/>
-                <a:cs typeface="Times New Roman" pitchFamily="18" charset="0"/>
-              </a:rPr>
-              <a:t>            width: 150px;</a:t>
-            </a:r>
-          </a:p>
-          <a:p>
-            <a:pPr defTabSz="0"/>
-            <a:r>
-              <a:rPr lang="en-US" altLang="zh-TW" dirty="0">
-                <a:latin typeface="Times New Roman" pitchFamily="18" charset="0"/>
-                <a:cs typeface="Times New Roman" pitchFamily="18" charset="0"/>
-              </a:rPr>
-              <a:t>            height: 150px;</a:t>
-            </a:r>
-          </a:p>
-          <a:p>
-            <a:pPr defTabSz="0"/>
-            <a:r>
-              <a:rPr lang="en-US" altLang="zh-TW" dirty="0">
-                <a:latin typeface="Times New Roman" pitchFamily="18" charset="0"/>
-                <a:cs typeface="Times New Roman" pitchFamily="18" charset="0"/>
-              </a:rPr>
-              <a:t>        }</a:t>
-            </a:r>
-          </a:p>
-          <a:p>
-            <a:pPr defTabSz="0"/>
-            <a:r>
-              <a:rPr lang="en-US" altLang="zh-TW" dirty="0">
-                <a:latin typeface="Times New Roman" pitchFamily="18" charset="0"/>
-                <a:cs typeface="Times New Roman" pitchFamily="18" charset="0"/>
-              </a:rPr>
-              <a:t>    &lt;/style&gt;</a:t>
-            </a:r>
-          </a:p>
-          <a:p>
-            <a:pPr defTabSz="0"/>
-            <a:r>
-              <a:rPr lang="en-US" altLang="zh-TW" dirty="0">
-                <a:latin typeface="Times New Roman" pitchFamily="18" charset="0"/>
-                <a:cs typeface="Times New Roman" pitchFamily="18" charset="0"/>
-              </a:rPr>
-              <a:t>&lt;/head&gt;</a:t>
             </a:r>
             <a:endParaRPr lang="en-US" altLang="zh-TW" dirty="0">
               <a:latin typeface="Times New Roman" pitchFamily="18" charset="0"/>
               <a:cs typeface="Times New Roman" pitchFamily="18" charset="0"/>
             </a:endParaRPr>
+          </a:p>
+          <a:p>
+            <a:pPr defTabSz="0"/>
+            <a:r>
+              <a:rPr lang="en-US" altLang="zh-TW" dirty="0">
+                <a:latin typeface="Times New Roman" pitchFamily="18" charset="0"/>
+                <a:cs typeface="Times New Roman" pitchFamily="18" charset="0"/>
+              </a:rPr>
+              <a:t>&lt;head&gt;</a:t>
+            </a:r>
+          </a:p>
+          <a:p>
+            <a:pPr defTabSz="0"/>
+            <a:r>
+              <a:rPr lang="en-US" altLang="zh-TW" dirty="0">
+                <a:latin typeface="Times New Roman" pitchFamily="18" charset="0"/>
+                <a:cs typeface="Times New Roman" pitchFamily="18" charset="0"/>
+              </a:rPr>
+              <a:t>    &lt;meta charset="UTF-8"&gt;</a:t>
+            </a:r>
+          </a:p>
+          <a:p>
+            <a:pPr defTabSz="0"/>
+            <a:r>
+              <a:rPr lang="en-US" altLang="zh-TW" dirty="0">
+                <a:latin typeface="Times New Roman" pitchFamily="18" charset="0"/>
+                <a:cs typeface="Times New Roman" pitchFamily="18" charset="0"/>
+              </a:rPr>
+              <a:t>    &lt;meta http-</a:t>
+            </a:r>
+            <a:r>
+              <a:rPr lang="en-US" altLang="zh-TW" dirty="0" err="1">
+                <a:latin typeface="Times New Roman" pitchFamily="18" charset="0"/>
+                <a:cs typeface="Times New Roman" pitchFamily="18" charset="0"/>
+              </a:rPr>
+              <a:t>equiv</a:t>
+            </a:r>
+            <a:r>
+              <a:rPr lang="en-US" altLang="zh-TW" dirty="0">
+                <a:latin typeface="Times New Roman" pitchFamily="18" charset="0"/>
+                <a:cs typeface="Times New Roman" pitchFamily="18" charset="0"/>
+              </a:rPr>
+              <a:t>="X-UA-Compatible" content="IE=edge"&gt;</a:t>
+            </a:r>
+          </a:p>
+          <a:p>
+            <a:pPr defTabSz="0"/>
+            <a:r>
+              <a:rPr lang="en-US" altLang="zh-TW" dirty="0">
+                <a:latin typeface="Times New Roman" pitchFamily="18" charset="0"/>
+                <a:cs typeface="Times New Roman" pitchFamily="18" charset="0"/>
+              </a:rPr>
+              <a:t>    &lt;meta name="viewport" content="width=device-width, initial-scale=1.0"&gt;</a:t>
+            </a:r>
+          </a:p>
+          <a:p>
+            <a:pPr defTabSz="0"/>
+            <a:r>
+              <a:rPr lang="en-US" altLang="zh-TW" dirty="0">
+                <a:latin typeface="Times New Roman" pitchFamily="18" charset="0"/>
+                <a:cs typeface="Times New Roman" pitchFamily="18" charset="0"/>
+              </a:rPr>
+              <a:t>    &lt;title&gt;CSS&lt;/title&gt;</a:t>
+            </a:r>
+          </a:p>
+          <a:p>
+            <a:pPr defTabSz="0"/>
+            <a:r>
+              <a:rPr lang="en-US" altLang="zh-TW" dirty="0">
+                <a:latin typeface="Times New Roman" pitchFamily="18" charset="0"/>
+                <a:cs typeface="Times New Roman" pitchFamily="18" charset="0"/>
+              </a:rPr>
+              <a:t>    </a:t>
+            </a:r>
+            <a:r>
+              <a:rPr lang="en-US" altLang="zh-TW" dirty="0">
+                <a:solidFill>
+                  <a:srgbClr val="FF0000"/>
+                </a:solidFill>
+                <a:latin typeface="Times New Roman" pitchFamily="18" charset="0"/>
+                <a:cs typeface="Times New Roman" pitchFamily="18" charset="0"/>
+              </a:rPr>
+              <a:t>&lt;link </a:t>
+            </a:r>
+            <a:r>
+              <a:rPr lang="en-US" altLang="zh-TW" dirty="0" err="1">
+                <a:solidFill>
+                  <a:srgbClr val="00B050"/>
+                </a:solidFill>
+                <a:latin typeface="Times New Roman" pitchFamily="18" charset="0"/>
+                <a:cs typeface="Times New Roman" pitchFamily="18" charset="0"/>
+              </a:rPr>
+              <a:t>rel</a:t>
+            </a:r>
+            <a:r>
+              <a:rPr lang="en-US" altLang="zh-TW" dirty="0">
+                <a:solidFill>
+                  <a:srgbClr val="00B050"/>
+                </a:solidFill>
+                <a:latin typeface="Times New Roman" pitchFamily="18" charset="0"/>
+                <a:cs typeface="Times New Roman" pitchFamily="18" charset="0"/>
+              </a:rPr>
+              <a:t>="</a:t>
+            </a:r>
+            <a:r>
+              <a:rPr lang="en-US" altLang="zh-TW" dirty="0" err="1">
+                <a:solidFill>
+                  <a:srgbClr val="00B050"/>
+                </a:solidFill>
+                <a:latin typeface="Times New Roman" pitchFamily="18" charset="0"/>
+                <a:cs typeface="Times New Roman" pitchFamily="18" charset="0"/>
+              </a:rPr>
+              <a:t>stylesheet</a:t>
+            </a:r>
+            <a:r>
+              <a:rPr lang="en-US" altLang="zh-TW" dirty="0">
+                <a:solidFill>
+                  <a:srgbClr val="00B050"/>
+                </a:solidFill>
+                <a:latin typeface="Times New Roman" pitchFamily="18" charset="0"/>
+                <a:cs typeface="Times New Roman" pitchFamily="18" charset="0"/>
+              </a:rPr>
+              <a:t>"</a:t>
+            </a:r>
+            <a:r>
+              <a:rPr lang="en-US" altLang="zh-TW" dirty="0">
+                <a:solidFill>
+                  <a:srgbClr val="FF0000"/>
+                </a:solidFill>
+                <a:latin typeface="Times New Roman" pitchFamily="18" charset="0"/>
+                <a:cs typeface="Times New Roman" pitchFamily="18" charset="0"/>
+              </a:rPr>
+              <a:t> </a:t>
+            </a:r>
+            <a:r>
+              <a:rPr lang="en-US" altLang="zh-TW" dirty="0" err="1">
+                <a:solidFill>
+                  <a:srgbClr val="00B0F0"/>
+                </a:solidFill>
+                <a:latin typeface="Times New Roman" pitchFamily="18" charset="0"/>
+                <a:cs typeface="Times New Roman" pitchFamily="18" charset="0"/>
+              </a:rPr>
+              <a:t>href</a:t>
+            </a:r>
+            <a:r>
+              <a:rPr lang="en-US" altLang="zh-TW" dirty="0">
+                <a:solidFill>
+                  <a:srgbClr val="00B0F0"/>
+                </a:solidFill>
+                <a:latin typeface="Times New Roman" pitchFamily="18" charset="0"/>
+                <a:cs typeface="Times New Roman" pitchFamily="18" charset="0"/>
+              </a:rPr>
+              <a:t>="style.css"</a:t>
+            </a:r>
+            <a:r>
+              <a:rPr lang="en-US" altLang="zh-TW" dirty="0">
+                <a:solidFill>
+                  <a:srgbClr val="FF0000"/>
+                </a:solidFill>
+                <a:latin typeface="Times New Roman" pitchFamily="18" charset="0"/>
+                <a:cs typeface="Times New Roman" pitchFamily="18" charset="0"/>
+              </a:rPr>
+              <a:t>&gt;</a:t>
+            </a:r>
+          </a:p>
+          <a:p>
+            <a:pPr defTabSz="0"/>
+            <a:r>
+              <a:rPr lang="en-US" altLang="zh-TW" dirty="0">
+                <a:latin typeface="Times New Roman" pitchFamily="18" charset="0"/>
+                <a:cs typeface="Times New Roman" pitchFamily="18" charset="0"/>
+              </a:rPr>
+              <a:t>    &lt;style&gt;</a:t>
+            </a:r>
+          </a:p>
+          <a:p>
+            <a:pPr defTabSz="0"/>
+            <a:r>
+              <a:rPr lang="en-US" altLang="zh-TW" dirty="0">
+                <a:latin typeface="Times New Roman" pitchFamily="18" charset="0"/>
+                <a:cs typeface="Times New Roman" pitchFamily="18" charset="0"/>
+              </a:rPr>
+              <a:t>        p { width: 100px; }</a:t>
+            </a:r>
+          </a:p>
+          <a:p>
+            <a:pPr defTabSz="0"/>
+            <a:r>
+              <a:rPr lang="en-US" altLang="zh-TW" dirty="0">
+                <a:latin typeface="Times New Roman" pitchFamily="18" charset="0"/>
+                <a:cs typeface="Times New Roman" pitchFamily="18" charset="0"/>
+              </a:rPr>
+              <a:t>        div {</a:t>
+            </a:r>
+          </a:p>
+          <a:p>
+            <a:pPr defTabSz="0"/>
+            <a:r>
+              <a:rPr lang="en-US" altLang="zh-TW" dirty="0">
+                <a:latin typeface="Times New Roman" pitchFamily="18" charset="0"/>
+                <a:cs typeface="Times New Roman" pitchFamily="18" charset="0"/>
+              </a:rPr>
+              <a:t>            width: 150px;</a:t>
+            </a:r>
+          </a:p>
+          <a:p>
+            <a:pPr defTabSz="0"/>
+            <a:r>
+              <a:rPr lang="en-US" altLang="zh-TW" dirty="0">
+                <a:latin typeface="Times New Roman" pitchFamily="18" charset="0"/>
+                <a:cs typeface="Times New Roman" pitchFamily="18" charset="0"/>
+              </a:rPr>
+              <a:t>            height: 150px;</a:t>
+            </a:r>
+          </a:p>
+          <a:p>
+            <a:pPr defTabSz="0"/>
+            <a:r>
+              <a:rPr lang="en-US" altLang="zh-TW" dirty="0">
+                <a:latin typeface="Times New Roman" pitchFamily="18" charset="0"/>
+                <a:cs typeface="Times New Roman" pitchFamily="18" charset="0"/>
+              </a:rPr>
+              <a:t>        }</a:t>
+            </a:r>
+          </a:p>
+          <a:p>
+            <a:pPr defTabSz="0"/>
+            <a:r>
+              <a:rPr lang="en-US" altLang="zh-TW" dirty="0">
+                <a:latin typeface="Times New Roman" pitchFamily="18" charset="0"/>
+                <a:cs typeface="Times New Roman" pitchFamily="18" charset="0"/>
+              </a:rPr>
+              <a:t>    &lt;/style&gt;</a:t>
+            </a:r>
+          </a:p>
+          <a:p>
+            <a:pPr defTabSz="0"/>
+            <a:r>
+              <a:rPr lang="en-US" altLang="zh-TW" dirty="0">
+                <a:latin typeface="Times New Roman" pitchFamily="18" charset="0"/>
+                <a:cs typeface="Times New Roman" pitchFamily="18" charset="0"/>
+              </a:rPr>
+              <a:t>&lt;/head&gt;</a:t>
+            </a:r>
           </a:p>
         </p:txBody>
       </p:sp>
@@ -10920,13 +10155,529 @@
   <p:clrMapOvr>
     <a:masterClrMapping/>
   </p:clrMapOvr>
-  <p:timing>
-    <p:tnLst>
-      <p:par>
-        <p:cTn id="1" dur="indefinite" restart="never" nodeType="tmRoot"/>
-      </p:par>
-    </p:tnLst>
-  </p:timing>
+</p:sld>
+</file>
+
+<file path=ppt/slides/slide21.xml><?xml version="1.0" encoding="utf-8"?>
+<p:sld xmlns:a="http://schemas.openxmlformats.org/drawingml/2006/main" xmlns:r="http://schemas.openxmlformats.org/officeDocument/2006/relationships" xmlns:p="http://schemas.openxmlformats.org/presentationml/2006/main">
+  <p:cSld>
+    <p:spTree>
+      <p:nvGrpSpPr>
+        <p:cNvPr id="1" name=""/>
+        <p:cNvGrpSpPr/>
+        <p:nvPr/>
+      </p:nvGrpSpPr>
+      <p:grpSpPr>
+        <a:xfrm>
+          <a:off x="0" y="0"/>
+          <a:ext cx="0" cy="0"/>
+          <a:chOff x="0" y="0"/>
+          <a:chExt cx="0" cy="0"/>
+        </a:xfrm>
+      </p:grpSpPr>
+      <p:sp>
+        <p:nvSpPr>
+          <p:cNvPr id="4" name="文字方塊 3"/>
+          <p:cNvSpPr txBox="1"/>
+          <p:nvPr/>
+        </p:nvSpPr>
+        <p:spPr>
+          <a:xfrm>
+            <a:off x="0" y="0"/>
+            <a:ext cx="9144000" cy="836712"/>
+          </a:xfrm>
+          <a:prstGeom prst="rect">
+            <a:avLst/>
+          </a:prstGeom>
+          <a:noFill/>
+        </p:spPr>
+        <p:txBody>
+          <a:bodyPr wrap="square" rtlCol="0" anchor="ctr">
+            <a:noAutofit/>
+          </a:bodyPr>
+          <a:lstStyle/>
+          <a:p>
+            <a:pPr algn="ctr"/>
+            <a:r>
+              <a:rPr lang="zh-TW" altLang="en-US" sz="2400" dirty="0">
+                <a:latin typeface="Times New Roman" pitchFamily="18" charset="0"/>
+                <a:cs typeface="Times New Roman" pitchFamily="18" charset="0"/>
+              </a:rPr>
+              <a:t>撰寫 </a:t>
+            </a:r>
+            <a:r>
+              <a:rPr lang="en-US" altLang="zh-TW" sz="2400" dirty="0">
+                <a:latin typeface="Times New Roman" pitchFamily="18" charset="0"/>
+                <a:cs typeface="Times New Roman" pitchFamily="18" charset="0"/>
+              </a:rPr>
+              <a:t>CSS</a:t>
+            </a:r>
+            <a:endParaRPr lang="zh-TW" altLang="en-US" sz="2400" dirty="0">
+              <a:latin typeface="Times New Roman" pitchFamily="18" charset="0"/>
+              <a:cs typeface="Times New Roman" pitchFamily="18" charset="0"/>
+            </a:endParaRPr>
+          </a:p>
+        </p:txBody>
+      </p:sp>
+      <p:sp>
+        <p:nvSpPr>
+          <p:cNvPr id="5" name="文字方塊 4"/>
+          <p:cNvSpPr txBox="1"/>
+          <p:nvPr/>
+        </p:nvSpPr>
+        <p:spPr>
+          <a:xfrm>
+            <a:off x="8711952" y="6573902"/>
+            <a:ext cx="432048" cy="276999"/>
+          </a:xfrm>
+          <a:prstGeom prst="rect">
+            <a:avLst/>
+          </a:prstGeom>
+          <a:noFill/>
+        </p:spPr>
+        <p:txBody>
+          <a:bodyPr wrap="square" rtlCol="0" anchor="ctr">
+            <a:spAutoFit/>
+          </a:bodyPr>
+          <a:lstStyle/>
+          <a:p>
+            <a:pPr algn="ctr"/>
+            <a:r>
+              <a:rPr lang="en-US" altLang="zh-TW" sz="1200" dirty="0">
+                <a:latin typeface="Times New Roman" pitchFamily="18" charset="0"/>
+                <a:cs typeface="Times New Roman" pitchFamily="18" charset="0"/>
+              </a:rPr>
+              <a:t>19</a:t>
+            </a:r>
+            <a:endParaRPr lang="zh-TW" altLang="en-US" sz="1200" dirty="0">
+              <a:latin typeface="Times New Roman" pitchFamily="18" charset="0"/>
+              <a:cs typeface="Times New Roman" pitchFamily="18" charset="0"/>
+            </a:endParaRPr>
+          </a:p>
+        </p:txBody>
+      </p:sp>
+      <p:sp>
+        <p:nvSpPr>
+          <p:cNvPr id="38" name="文字方塊 37"/>
+          <p:cNvSpPr txBox="1"/>
+          <p:nvPr/>
+        </p:nvSpPr>
+        <p:spPr>
+          <a:xfrm>
+            <a:off x="503548" y="1124744"/>
+            <a:ext cx="8136904" cy="5328592"/>
+          </a:xfrm>
+          <a:prstGeom prst="rect">
+            <a:avLst/>
+          </a:prstGeom>
+          <a:noFill/>
+        </p:spPr>
+        <p:txBody>
+          <a:bodyPr wrap="square" rtlCol="0" anchor="t">
+            <a:noAutofit/>
+          </a:bodyPr>
+          <a:lstStyle/>
+          <a:p>
+            <a:pPr defTabSz="0"/>
+            <a:r>
+              <a:rPr lang="zh-TW" altLang="en-US" dirty="0">
+                <a:latin typeface="Times New Roman" pitchFamily="18" charset="0"/>
+                <a:cs typeface="Times New Roman" pitchFamily="18" charset="0"/>
+              </a:rPr>
+              <a:t>幫 </a:t>
+            </a:r>
+            <a:r>
+              <a:rPr lang="en-US" altLang="zh-TW" dirty="0">
+                <a:latin typeface="Times New Roman" pitchFamily="18" charset="0"/>
+                <a:cs typeface="Times New Roman" pitchFamily="18" charset="0"/>
+              </a:rPr>
+              <a:t>HTML</a:t>
+            </a:r>
+            <a:r>
+              <a:rPr lang="zh-TW" altLang="en-US" dirty="0">
+                <a:latin typeface="Times New Roman" pitchFamily="18" charset="0"/>
+                <a:cs typeface="Times New Roman" pitchFamily="18" charset="0"/>
+              </a:rPr>
+              <a:t>命名</a:t>
+            </a:r>
+            <a:endParaRPr lang="en-US" altLang="zh-TW" dirty="0">
+              <a:latin typeface="Times New Roman" pitchFamily="18" charset="0"/>
+              <a:cs typeface="Times New Roman" pitchFamily="18" charset="0"/>
+            </a:endParaRPr>
+          </a:p>
+          <a:p>
+            <a:pPr defTabSz="0"/>
+            <a:r>
+              <a:rPr lang="en-US" altLang="zh-TW" dirty="0">
+                <a:latin typeface="Times New Roman" pitchFamily="18" charset="0"/>
+                <a:cs typeface="Times New Roman" pitchFamily="18" charset="0"/>
+              </a:rPr>
+              <a:t>   &lt;div </a:t>
+            </a:r>
+            <a:r>
+              <a:rPr lang="en-US" altLang="zh-TW" dirty="0">
+                <a:solidFill>
+                  <a:srgbClr val="FF0000"/>
+                </a:solidFill>
+                <a:latin typeface="Times New Roman" pitchFamily="18" charset="0"/>
+                <a:cs typeface="Times New Roman" pitchFamily="18" charset="0"/>
+              </a:rPr>
+              <a:t>id="first"</a:t>
+            </a:r>
+            <a:r>
+              <a:rPr lang="en-US" altLang="zh-TW" dirty="0">
+                <a:latin typeface="Times New Roman" pitchFamily="18" charset="0"/>
+                <a:cs typeface="Times New Roman" pitchFamily="18" charset="0"/>
+              </a:rPr>
+              <a:t>&gt;FIRST&lt;/div&gt; </a:t>
+            </a:r>
+          </a:p>
+          <a:p>
+            <a:pPr defTabSz="0"/>
+            <a:r>
+              <a:rPr lang="en-US" altLang="zh-TW" dirty="0">
+                <a:latin typeface="Times New Roman" pitchFamily="18" charset="0"/>
+                <a:cs typeface="Times New Roman" pitchFamily="18" charset="0"/>
+              </a:rPr>
+              <a:t>   &lt;div </a:t>
+            </a:r>
+            <a:r>
+              <a:rPr lang="en-US" altLang="zh-TW" dirty="0">
+                <a:solidFill>
+                  <a:srgbClr val="00B050"/>
+                </a:solidFill>
+                <a:latin typeface="Times New Roman" pitchFamily="18" charset="0"/>
+                <a:cs typeface="Times New Roman" pitchFamily="18" charset="0"/>
+              </a:rPr>
+              <a:t>class="second"</a:t>
+            </a:r>
+            <a:r>
+              <a:rPr lang="en-US" altLang="zh-TW" dirty="0">
+                <a:latin typeface="Times New Roman" pitchFamily="18" charset="0"/>
+                <a:cs typeface="Times New Roman" pitchFamily="18" charset="0"/>
+              </a:rPr>
+              <a:t>&gt;SECOND_1&lt;/div&gt;</a:t>
+            </a:r>
+          </a:p>
+          <a:p>
+            <a:pPr defTabSz="0"/>
+            <a:r>
+              <a:rPr lang="en-US" altLang="zh-TW" dirty="0">
+                <a:latin typeface="Times New Roman" pitchFamily="18" charset="0"/>
+                <a:cs typeface="Times New Roman" pitchFamily="18" charset="0"/>
+              </a:rPr>
+              <a:t>   &lt;div </a:t>
+            </a:r>
+            <a:r>
+              <a:rPr lang="en-US" altLang="zh-TW" dirty="0">
+                <a:solidFill>
+                  <a:srgbClr val="00B050"/>
+                </a:solidFill>
+                <a:latin typeface="Times New Roman" pitchFamily="18" charset="0"/>
+                <a:cs typeface="Times New Roman" pitchFamily="18" charset="0"/>
+              </a:rPr>
+              <a:t>class="second"</a:t>
+            </a:r>
+            <a:r>
+              <a:rPr lang="en-US" altLang="zh-TW" dirty="0">
+                <a:latin typeface="Times New Roman" pitchFamily="18" charset="0"/>
+                <a:cs typeface="Times New Roman" pitchFamily="18" charset="0"/>
+              </a:rPr>
+              <a:t>&gt;SECOND_2&lt;/div&gt;</a:t>
+            </a:r>
+          </a:p>
+          <a:p>
+            <a:pPr defTabSz="0"/>
+            <a:endParaRPr lang="en-US" altLang="zh-TW" dirty="0">
+              <a:latin typeface="Times New Roman" pitchFamily="18" charset="0"/>
+              <a:cs typeface="Times New Roman" pitchFamily="18" charset="0"/>
+            </a:endParaRPr>
+          </a:p>
+          <a:p>
+            <a:pPr defTabSz="0"/>
+            <a:r>
+              <a:rPr lang="zh-TW" altLang="en-US" dirty="0">
+                <a:latin typeface="Times New Roman" pitchFamily="18" charset="0"/>
+                <a:cs typeface="Times New Roman" pitchFamily="18" charset="0"/>
+              </a:rPr>
+              <a:t>一份 </a:t>
+            </a:r>
+            <a:r>
+              <a:rPr lang="en-US" altLang="zh-TW" dirty="0">
+                <a:latin typeface="Times New Roman" pitchFamily="18" charset="0"/>
+                <a:cs typeface="Times New Roman" pitchFamily="18" charset="0"/>
+              </a:rPr>
+              <a:t>HTML</a:t>
+            </a:r>
+            <a:r>
+              <a:rPr lang="zh-TW" altLang="en-US" dirty="0">
+                <a:latin typeface="Times New Roman" pitchFamily="18" charset="0"/>
+                <a:cs typeface="Times New Roman" pitchFamily="18" charset="0"/>
+              </a:rPr>
+              <a:t> 中</a:t>
+            </a:r>
+            <a:endParaRPr lang="en-US" altLang="zh-TW" dirty="0">
+              <a:latin typeface="Times New Roman" pitchFamily="18" charset="0"/>
+              <a:cs typeface="Times New Roman" pitchFamily="18" charset="0"/>
+            </a:endParaRPr>
+          </a:p>
+          <a:p>
+            <a:pPr defTabSz="0"/>
+            <a:r>
+              <a:rPr lang="en-US" altLang="zh-TW" dirty="0">
+                <a:solidFill>
+                  <a:srgbClr val="FF0000"/>
+                </a:solidFill>
+                <a:latin typeface="Times New Roman" pitchFamily="18" charset="0"/>
+                <a:cs typeface="Times New Roman" pitchFamily="18" charset="0"/>
+              </a:rPr>
+              <a:t>id</a:t>
+            </a:r>
+            <a:r>
+              <a:rPr lang="en-US" altLang="zh-TW" dirty="0">
+                <a:latin typeface="Times New Roman" pitchFamily="18" charset="0"/>
+                <a:cs typeface="Times New Roman" pitchFamily="18" charset="0"/>
+              </a:rPr>
+              <a:t> </a:t>
+            </a:r>
+            <a:r>
+              <a:rPr lang="zh-TW" altLang="en-US" dirty="0">
+                <a:latin typeface="Times New Roman" pitchFamily="18" charset="0"/>
+                <a:cs typeface="Times New Roman" pitchFamily="18" charset="0"/>
+              </a:rPr>
+              <a:t>唯一，不可以有兩個以上 </a:t>
+            </a:r>
+            <a:r>
+              <a:rPr lang="en-US" altLang="zh-TW" dirty="0">
+                <a:latin typeface="Times New Roman" pitchFamily="18" charset="0"/>
+                <a:cs typeface="Times New Roman" pitchFamily="18" charset="0"/>
+              </a:rPr>
+              <a:t>Element </a:t>
+            </a:r>
+            <a:r>
+              <a:rPr lang="zh-TW" altLang="en-US" dirty="0">
+                <a:latin typeface="Times New Roman" pitchFamily="18" charset="0"/>
+                <a:cs typeface="Times New Roman" pitchFamily="18" charset="0"/>
+              </a:rPr>
+              <a:t>命名相同 </a:t>
+            </a:r>
+            <a:r>
+              <a:rPr lang="en-US" altLang="zh-TW" dirty="0">
+                <a:latin typeface="Times New Roman" pitchFamily="18" charset="0"/>
+                <a:cs typeface="Times New Roman" pitchFamily="18" charset="0"/>
+              </a:rPr>
+              <a:t>id </a:t>
+            </a:r>
+          </a:p>
+          <a:p>
+            <a:pPr defTabSz="0"/>
+            <a:r>
+              <a:rPr lang="en-US" altLang="zh-TW" dirty="0">
+                <a:solidFill>
+                  <a:srgbClr val="00B050"/>
+                </a:solidFill>
+                <a:latin typeface="Times New Roman" pitchFamily="18" charset="0"/>
+                <a:cs typeface="Times New Roman" pitchFamily="18" charset="0"/>
+              </a:rPr>
+              <a:t>class</a:t>
+            </a:r>
+            <a:r>
+              <a:rPr lang="en-US" altLang="zh-TW" dirty="0">
+                <a:latin typeface="Times New Roman" pitchFamily="18" charset="0"/>
+                <a:cs typeface="Times New Roman" pitchFamily="18" charset="0"/>
+              </a:rPr>
+              <a:t> </a:t>
+            </a:r>
+            <a:r>
+              <a:rPr lang="zh-TW" altLang="en-US" dirty="0">
+                <a:latin typeface="Times New Roman" pitchFamily="18" charset="0"/>
+                <a:cs typeface="Times New Roman" pitchFamily="18" charset="0"/>
+              </a:rPr>
+              <a:t>不唯一，可以有多個 </a:t>
+            </a:r>
+            <a:r>
+              <a:rPr lang="en-US" altLang="zh-TW" dirty="0">
+                <a:latin typeface="Times New Roman" pitchFamily="18" charset="0"/>
+                <a:cs typeface="Times New Roman" pitchFamily="18" charset="0"/>
+              </a:rPr>
+              <a:t>Element </a:t>
+            </a:r>
+            <a:r>
+              <a:rPr lang="zh-TW" altLang="en-US" dirty="0">
+                <a:latin typeface="Times New Roman" pitchFamily="18" charset="0"/>
+                <a:cs typeface="Times New Roman" pitchFamily="18" charset="0"/>
+              </a:rPr>
+              <a:t>命名相同 </a:t>
+            </a:r>
+            <a:r>
+              <a:rPr lang="en-US" altLang="zh-TW" dirty="0">
+                <a:latin typeface="Times New Roman" pitchFamily="18" charset="0"/>
+                <a:cs typeface="Times New Roman" pitchFamily="18" charset="0"/>
+              </a:rPr>
+              <a:t>class</a:t>
+            </a:r>
+          </a:p>
+          <a:p>
+            <a:pPr defTabSz="0"/>
+            <a:endParaRPr lang="en-US" altLang="zh-TW" dirty="0">
+              <a:latin typeface="Times New Roman" pitchFamily="18" charset="0"/>
+              <a:cs typeface="Times New Roman" pitchFamily="18" charset="0"/>
+            </a:endParaRPr>
+          </a:p>
+          <a:p>
+            <a:pPr defTabSz="0"/>
+            <a:r>
+              <a:rPr lang="en-US" altLang="zh-TW" dirty="0">
+                <a:latin typeface="Times New Roman" pitchFamily="18" charset="0"/>
+                <a:cs typeface="Times New Roman" pitchFamily="18" charset="0"/>
+              </a:rPr>
+              <a:t>CSS </a:t>
+            </a:r>
+            <a:r>
+              <a:rPr lang="zh-TW" altLang="en-US" dirty="0">
+                <a:latin typeface="Times New Roman" pitchFamily="18" charset="0"/>
+                <a:cs typeface="Times New Roman" pitchFamily="18" charset="0"/>
+              </a:rPr>
+              <a:t>選取 </a:t>
+            </a:r>
+            <a:r>
+              <a:rPr lang="en-US" altLang="zh-TW" dirty="0">
+                <a:latin typeface="Times New Roman" pitchFamily="18" charset="0"/>
+                <a:cs typeface="Times New Roman" pitchFamily="18" charset="0"/>
+              </a:rPr>
+              <a:t>id, class </a:t>
+            </a:r>
+            <a:r>
+              <a:rPr lang="zh-TW" altLang="en-US" dirty="0">
+                <a:latin typeface="Times New Roman" pitchFamily="18" charset="0"/>
+                <a:cs typeface="Times New Roman" pitchFamily="18" charset="0"/>
+              </a:rPr>
+              <a:t>的寫法</a:t>
+            </a:r>
+            <a:endParaRPr lang="en-US" altLang="zh-TW" dirty="0">
+              <a:latin typeface="Times New Roman" pitchFamily="18" charset="0"/>
+              <a:cs typeface="Times New Roman" pitchFamily="18" charset="0"/>
+            </a:endParaRPr>
+          </a:p>
+          <a:p>
+            <a:pPr defTabSz="0"/>
+            <a:r>
+              <a:rPr lang="en-US" altLang="zh-TW" dirty="0">
+                <a:solidFill>
+                  <a:srgbClr val="FF0000"/>
+                </a:solidFill>
+                <a:latin typeface="Times New Roman" pitchFamily="18" charset="0"/>
+                <a:cs typeface="Times New Roman" pitchFamily="18" charset="0"/>
+              </a:rPr>
+              <a:t>#first</a:t>
+            </a:r>
+            <a:r>
+              <a:rPr lang="en-US" altLang="zh-TW" dirty="0">
+                <a:latin typeface="Times New Roman" pitchFamily="18" charset="0"/>
+                <a:cs typeface="Times New Roman" pitchFamily="18" charset="0"/>
+              </a:rPr>
+              <a:t> {</a:t>
+            </a:r>
+          </a:p>
+          <a:p>
+            <a:pPr defTabSz="0"/>
+            <a:r>
+              <a:rPr lang="en-US" altLang="zh-TW" dirty="0">
+                <a:latin typeface="Times New Roman" pitchFamily="18" charset="0"/>
+                <a:cs typeface="Times New Roman" pitchFamily="18" charset="0"/>
+              </a:rPr>
+              <a:t>    background: #faa;</a:t>
+            </a:r>
+          </a:p>
+          <a:p>
+            <a:pPr defTabSz="0"/>
+            <a:r>
+              <a:rPr lang="en-US" altLang="zh-TW" dirty="0">
+                <a:latin typeface="Times New Roman" pitchFamily="18" charset="0"/>
+                <a:cs typeface="Times New Roman" pitchFamily="18" charset="0"/>
+              </a:rPr>
+              <a:t>    color: blue;</a:t>
+            </a:r>
+          </a:p>
+          <a:p>
+            <a:pPr defTabSz="0"/>
+            <a:r>
+              <a:rPr lang="en-US" altLang="zh-TW" dirty="0">
+                <a:latin typeface="Times New Roman" pitchFamily="18" charset="0"/>
+                <a:cs typeface="Times New Roman" pitchFamily="18" charset="0"/>
+              </a:rPr>
+              <a:t>}</a:t>
+            </a:r>
+          </a:p>
+          <a:p>
+            <a:pPr defTabSz="0"/>
+            <a:r>
+              <a:rPr lang="en-US" altLang="zh-TW" dirty="0">
+                <a:solidFill>
+                  <a:srgbClr val="00B050"/>
+                </a:solidFill>
+                <a:latin typeface="Times New Roman" pitchFamily="18" charset="0"/>
+                <a:cs typeface="Times New Roman" pitchFamily="18" charset="0"/>
+              </a:rPr>
+              <a:t>.second</a:t>
+            </a:r>
+            <a:r>
+              <a:rPr lang="en-US" altLang="zh-TW" dirty="0">
+                <a:latin typeface="Times New Roman" pitchFamily="18" charset="0"/>
+                <a:cs typeface="Times New Roman" pitchFamily="18" charset="0"/>
+              </a:rPr>
+              <a:t> {</a:t>
+            </a:r>
+          </a:p>
+          <a:p>
+            <a:pPr defTabSz="0"/>
+            <a:r>
+              <a:rPr lang="en-US" altLang="zh-TW" dirty="0">
+                <a:latin typeface="Times New Roman" pitchFamily="18" charset="0"/>
+                <a:cs typeface="Times New Roman" pitchFamily="18" charset="0"/>
+              </a:rPr>
+              <a:t>    background-color: #ffaaaa;</a:t>
+            </a:r>
+          </a:p>
+          <a:p>
+            <a:pPr defTabSz="0"/>
+            <a:r>
+              <a:rPr lang="en-US" altLang="zh-TW" dirty="0">
+                <a:latin typeface="Times New Roman" pitchFamily="18" charset="0"/>
+                <a:cs typeface="Times New Roman" pitchFamily="18" charset="0"/>
+              </a:rPr>
+              <a:t>    font-size: 30px;</a:t>
+            </a:r>
+          </a:p>
+          <a:p>
+            <a:pPr defTabSz="0"/>
+            <a:r>
+              <a:rPr lang="en-US" altLang="zh-TW" dirty="0">
+                <a:latin typeface="Times New Roman" pitchFamily="18" charset="0"/>
+                <a:cs typeface="Times New Roman" pitchFamily="18" charset="0"/>
+              </a:rPr>
+              <a:t>}</a:t>
+            </a:r>
+          </a:p>
+          <a:p>
+            <a:pPr defTabSz="0"/>
+            <a:endParaRPr lang="en-US" altLang="zh-TW" dirty="0">
+              <a:latin typeface="Times New Roman" pitchFamily="18" charset="0"/>
+              <a:cs typeface="Times New Roman" pitchFamily="18" charset="0"/>
+            </a:endParaRPr>
+          </a:p>
+        </p:txBody>
+      </p:sp>
+    </p:spTree>
+    <p:extLst>
+      <p:ext uri="{BB962C8B-B14F-4D97-AF65-F5344CB8AC3E}">
+        <p14:creationId xmlns:p14="http://schemas.microsoft.com/office/powerpoint/2010/main" val="3173590394"/>
+      </p:ext>
+    </p:extLst>
+  </p:cSld>
+  <p:clrMapOvr>
+    <a:masterClrMapping/>
+  </p:clrMapOvr>
 </p:sld>
 </file>
 
@@ -11004,7 +10755,7 @@
           <a:p>
             <a:pPr algn="ctr"/>
             <a:r>
-              <a:rPr lang="en-US" altLang="zh-TW" sz="1200" dirty="0" smtClean="0">
+              <a:rPr lang="en-US" altLang="zh-TW" sz="1200" dirty="0">
                 <a:latin typeface="Times New Roman" pitchFamily="18" charset="0"/>
                 <a:cs typeface="Times New Roman" pitchFamily="18" charset="0"/>
               </a:rPr>
@@ -11040,27 +10791,27 @@
           <a:lstStyle/>
           <a:p>
             <a:r>
-              <a:rPr lang="zh-TW" altLang="en-US" sz="2000" dirty="0" smtClean="0">
+              <a:rPr lang="zh-TW" altLang="en-US" sz="2000" dirty="0">
                 <a:latin typeface="Times New Roman" pitchFamily="18" charset="0"/>
                 <a:cs typeface="Times New Roman" pitchFamily="18" charset="0"/>
               </a:rPr>
               <a:t>使用的 </a:t>
             </a:r>
             <a:r>
-              <a:rPr lang="en-US" altLang="zh-TW" sz="2000" dirty="0" smtClean="0">
+              <a:rPr lang="en-US" altLang="zh-TW" sz="2000" dirty="0">
                 <a:latin typeface="Times New Roman" pitchFamily="18" charset="0"/>
                 <a:cs typeface="Times New Roman" pitchFamily="18" charset="0"/>
               </a:rPr>
               <a:t>IDE</a:t>
             </a:r>
             <a:r>
-              <a:rPr lang="zh-TW" altLang="en-US" sz="2000" dirty="0" smtClean="0">
+              <a:rPr lang="zh-TW" altLang="en-US" sz="2000" dirty="0">
                 <a:latin typeface="Times New Roman" pitchFamily="18" charset="0"/>
                 <a:cs typeface="Times New Roman" pitchFamily="18" charset="0"/>
               </a:rPr>
               <a:t>：</a:t>
             </a:r>
-            <a:endParaRPr lang="en-US" altLang="zh-TW" sz="2000" dirty="0" smtClean="0">
+            <a:endParaRPr lang="en-US" altLang="zh-TW" sz="2000" dirty="0">
               <a:latin typeface="Times New Roman" pitchFamily="18" charset="0"/>
               <a:cs typeface="Times New Roman" pitchFamily="18" charset="0"/>
             </a:endParaRPr>
@@ -11071,28 +10822,14 @@
                 <a:latin typeface="Times New Roman" pitchFamily="18" charset="0"/>
                 <a:cs typeface="Times New Roman" pitchFamily="18" charset="0"/>
               </a:rPr>
-              <a:t>　</a:t>
-            </a:r>
-            <a:r>
-              <a:rPr lang="zh-TW" altLang="en-US" sz="2000" dirty="0" smtClean="0">
-                <a:latin typeface="Times New Roman" pitchFamily="18" charset="0"/>
-                <a:cs typeface="Times New Roman" pitchFamily="18" charset="0"/>
-              </a:rPr>
-              <a:t>　</a:t>
+              <a:t>　　</a:t>
             </a:r>
             <a:r>
               <a:rPr lang="en-US" altLang="zh-TW" sz="2000" dirty="0">
                 <a:latin typeface="Times New Roman" pitchFamily="18" charset="0"/>
                 <a:cs typeface="Times New Roman" pitchFamily="18" charset="0"/>
               </a:rPr>
-              <a:t>Visual Studio </a:t>
-            </a:r>
-            <a:r>
-              <a:rPr lang="en-US" altLang="zh-TW" sz="2000" dirty="0" smtClean="0">
-                <a:latin typeface="Times New Roman" pitchFamily="18" charset="0"/>
-                <a:cs typeface="Times New Roman" pitchFamily="18" charset="0"/>
-              </a:rPr>
-              <a:t>Code</a:t>
+              <a:t>Visual Studio Code</a:t>
             </a:r>
           </a:p>
           <a:p>
@@ -11101,51 +10838,44 @@
                 <a:latin typeface="Times New Roman" pitchFamily="18" charset="0"/>
                 <a:cs typeface="Times New Roman" pitchFamily="18" charset="0"/>
               </a:rPr>
-              <a:t>建議</a:t>
-            </a:r>
-            <a:r>
-              <a:rPr lang="zh-TW" altLang="en-US" sz="2000" dirty="0" smtClean="0">
-                <a:latin typeface="Times New Roman" pitchFamily="18" charset="0"/>
-                <a:cs typeface="Times New Roman" pitchFamily="18" charset="0"/>
-              </a:rPr>
-              <a:t>使用的 </a:t>
-            </a:r>
-            <a:r>
-              <a:rPr lang="en-US" altLang="zh-TW" sz="2000" dirty="0" err="1" smtClean="0">
+              <a:t>建議使用的 </a:t>
+            </a:r>
+            <a:r>
+              <a:rPr lang="en-US" altLang="zh-TW" sz="2000" dirty="0" err="1">
                 <a:latin typeface="Times New Roman" pitchFamily="18" charset="0"/>
                 <a:cs typeface="Times New Roman" pitchFamily="18" charset="0"/>
               </a:rPr>
               <a:t>VSCode</a:t>
             </a:r>
             <a:r>
-              <a:rPr lang="en-US" altLang="zh-TW" sz="2000" dirty="0" smtClean="0">
+              <a:rPr lang="en-US" altLang="zh-TW" sz="2000" dirty="0">
                 <a:latin typeface="Times New Roman" pitchFamily="18" charset="0"/>
                 <a:cs typeface="Times New Roman" pitchFamily="18" charset="0"/>
               </a:rPr>
               <a:t> </a:t>
             </a:r>
             <a:r>
-              <a:rPr lang="zh-TW" altLang="en-US" sz="2000" dirty="0" smtClean="0">
+              <a:rPr lang="zh-TW" altLang="en-US" sz="2000" dirty="0">
                 <a:latin typeface="Times New Roman" pitchFamily="18" charset="0"/>
                 <a:cs typeface="Times New Roman" pitchFamily="18" charset="0"/>
               </a:rPr>
               <a:t>套件：</a:t>
             </a:r>
-            <a:endParaRPr lang="en-US" altLang="zh-TW" sz="2000" dirty="0" smtClean="0">
+            <a:endParaRPr lang="en-US" altLang="zh-TW" sz="2000" dirty="0">
               <a:latin typeface="Times New Roman" pitchFamily="18" charset="0"/>
               <a:cs typeface="Times New Roman" pitchFamily="18" charset="0"/>
             </a:endParaRPr>
           </a:p>
           <a:p>
             <a:r>
-              <a:rPr lang="zh-TW" altLang="en-US" sz="2000" dirty="0" smtClean="0">
+              <a:rPr lang="zh-TW" altLang="en-US" sz="2000" dirty="0">
                 <a:latin typeface="Times New Roman" pitchFamily="18" charset="0"/>
                 <a:cs typeface="Times New Roman" pitchFamily="18" charset="0"/>
               </a:rPr>
               <a:t>　　</a:t>
             </a:r>
             <a:r>
-              <a:rPr lang="en-US" altLang="zh-TW" sz="2000" dirty="0" smtClean="0">
+              <a:rPr lang="en-US" altLang="zh-TW" sz="2000" dirty="0">
                 <a:latin typeface="Times New Roman" pitchFamily="18" charset="0"/>
                 <a:cs typeface="Times New Roman" pitchFamily="18" charset="0"/>
               </a:rPr>
@@ -11246,13 +10976,6 @@
   <p:clrMapOvr>
     <a:masterClrMapping/>
   </p:clrMapOvr>
-  <p:timing>
-    <p:tnLst>
-      <p:par>
-        <p:cTn id="1" dur="indefinite" restart="never" nodeType="tmRoot"/>
-      </p:par>
-    </p:tnLst>
-  </p:timing>
 </p:sld>
 </file>
 
@@ -11297,16 +11020,12 @@
           <a:p>
             <a:pPr algn="ctr"/>
             <a:r>
-              <a:rPr lang="zh-TW" altLang="en-US" sz="2400" dirty="0" smtClean="0">
+              <a:rPr lang="zh-TW" altLang="en-US" sz="2400" dirty="0">
                 <a:latin typeface="Times New Roman" pitchFamily="18" charset="0"/>
                 <a:cs typeface="Times New Roman" pitchFamily="18" charset="0"/>
               </a:rPr>
               <a:t>網頁文件介紹</a:t>
             </a:r>
-            <a:endParaRPr lang="zh-TW" altLang="en-US" sz="2400" dirty="0">
-              <a:latin typeface="Times New Roman" pitchFamily="18" charset="0"/>
-              <a:cs typeface="Times New Roman" pitchFamily="18" charset="0"/>
-            </a:endParaRPr>
           </a:p>
         </p:txBody>
       </p:sp>
@@ -11370,7 +11089,7 @@
           <a:lstStyle/>
           <a:p>
             <a:r>
-              <a:rPr lang="en-US" altLang="zh-TW" sz="2000" dirty="0" smtClean="0">
+              <a:rPr lang="en-US" altLang="zh-TW" sz="2000" dirty="0">
                 <a:solidFill>
                   <a:srgbClr val="FF0000"/>
                 </a:solidFill>
@@ -11380,14 +11099,14 @@
               <a:t>HTML</a:t>
             </a:r>
             <a:r>
-              <a:rPr lang="zh-TW" altLang="en-US" sz="2000" dirty="0" smtClean="0">
+              <a:rPr lang="zh-TW" altLang="en-US" sz="2000" dirty="0">
                 <a:latin typeface="Times New Roman" pitchFamily="18" charset="0"/>
                 <a:cs typeface="Times New Roman" pitchFamily="18" charset="0"/>
               </a:rPr>
               <a:t> </a:t>
             </a:r>
             <a:r>
-              <a:rPr lang="en-US" altLang="zh-TW" sz="2000" dirty="0" smtClean="0">
+              <a:rPr lang="en-US" altLang="zh-TW" sz="2000" dirty="0">
                 <a:latin typeface="Times New Roman" pitchFamily="18" charset="0"/>
                 <a:cs typeface="Times New Roman" pitchFamily="18" charset="0"/>
               </a:rPr>
@@ -11400,17 +11119,10 @@
                 <a:latin typeface="Times New Roman" pitchFamily="18" charset="0"/>
                 <a:cs typeface="Times New Roman" pitchFamily="18" charset="0"/>
               </a:rPr>
-              <a:t>　撰寫</a:t>
-            </a:r>
-            <a:r>
-              <a:rPr lang="zh-TW" altLang="en-US" sz="2000" dirty="0" smtClean="0">
-                <a:latin typeface="Times New Roman" pitchFamily="18" charset="0"/>
-                <a:cs typeface="Times New Roman" pitchFamily="18" charset="0"/>
-              </a:rPr>
-              <a:t>網頁文件結構，副檔名為 </a:t>
-            </a:r>
-            <a:r>
-              <a:rPr lang="en-US" altLang="zh-TW" sz="2000" dirty="0" smtClean="0">
+              <a:t>　撰寫網頁文件結構，副檔名為 </a:t>
+            </a:r>
+            <a:r>
+              <a:rPr lang="en-US" altLang="zh-TW" sz="2000" dirty="0">
                 <a:solidFill>
                   <a:srgbClr val="FF0000"/>
                 </a:solidFill>
@@ -11422,21 +11134,14 @@
           </a:p>
           <a:p>
             <a:r>
-              <a:rPr lang="zh-TW" altLang="en-US" sz="2000" dirty="0" smtClean="0">
-                <a:latin typeface="Times New Roman" pitchFamily="18" charset="0"/>
-                <a:cs typeface="Times New Roman" pitchFamily="18" charset="0"/>
-              </a:rPr>
-              <a:t>　</a:t>
-            </a:r>
-            <a:r>
               <a:rPr lang="zh-TW" altLang="en-US" sz="2000" dirty="0">
                 <a:latin typeface="Times New Roman" pitchFamily="18" charset="0"/>
                 <a:cs typeface="Times New Roman" pitchFamily="18" charset="0"/>
               </a:rPr>
-              <a:t>當前最泛用的版本為 </a:t>
-            </a:r>
-            <a:r>
-              <a:rPr lang="en-US" altLang="zh-TW" sz="2000" dirty="0" smtClean="0">
+              <a:t>　當前最泛用的版本為 </a:t>
+            </a:r>
+            <a:r>
+              <a:rPr lang="en-US" altLang="zh-TW" sz="2000" dirty="0">
                 <a:latin typeface="Times New Roman" pitchFamily="18" charset="0"/>
                 <a:cs typeface="Times New Roman" pitchFamily="18" charset="0"/>
               </a:rPr>
@@ -11444,7 +11149,7 @@
             </a:r>
           </a:p>
           <a:p>
-            <a:endParaRPr lang="en-US" altLang="zh-TW" sz="2000" dirty="0" smtClean="0">
+            <a:endParaRPr lang="en-US" altLang="zh-TW" sz="2000" dirty="0">
               <a:latin typeface="Times New Roman" pitchFamily="18" charset="0"/>
               <a:cs typeface="Times New Roman" pitchFamily="18" charset="0"/>
             </a:endParaRPr>
@@ -11465,40 +11170,19 @@
                 <a:latin typeface="Times New Roman" pitchFamily="18" charset="0"/>
                 <a:cs typeface="Times New Roman" pitchFamily="18" charset="0"/>
               </a:rPr>
-              <a:t> (Cascading Style Sheets</a:t>
-            </a:r>
-            <a:r>
-              <a:rPr lang="en-US" altLang="zh-TW" sz="2000" dirty="0" smtClean="0">
-                <a:latin typeface="Times New Roman" pitchFamily="18" charset="0"/>
-                <a:cs typeface="Times New Roman" pitchFamily="18" charset="0"/>
-              </a:rPr>
-              <a:t>)</a:t>
-            </a:r>
-          </a:p>
-          <a:p>
-            <a:r>
-              <a:rPr lang="zh-TW" altLang="en-US" sz="2000" dirty="0" smtClean="0">
-                <a:latin typeface="Times New Roman" pitchFamily="18" charset="0"/>
-                <a:cs typeface="Times New Roman" pitchFamily="18" charset="0"/>
-              </a:rPr>
-              <a:t>　</a:t>
-            </a:r>
+              <a:t> (Cascading Style Sheets)</a:t>
+            </a:r>
+          </a:p>
+          <a:p>
             <a:r>
               <a:rPr lang="zh-TW" altLang="en-US" sz="2000" dirty="0">
                 <a:latin typeface="Times New Roman" pitchFamily="18" charset="0"/>
                 <a:cs typeface="Times New Roman" pitchFamily="18" charset="0"/>
               </a:rPr>
-              <a:t>修飾網頁</a:t>
-            </a:r>
-            <a:r>
-              <a:rPr lang="zh-TW" altLang="en-US" sz="2000" dirty="0" smtClean="0">
-                <a:latin typeface="Times New Roman" pitchFamily="18" charset="0"/>
-                <a:cs typeface="Times New Roman" pitchFamily="18" charset="0"/>
-              </a:rPr>
-              <a:t>外觀，副檔名為 </a:t>
-            </a:r>
-            <a:r>
-              <a:rPr lang="en-US" altLang="zh-TW" sz="2000" dirty="0" smtClean="0">
+              <a:t>　修飾網頁外觀，副檔名為 </a:t>
+            </a:r>
+            <a:r>
+              <a:rPr lang="en-US" altLang="zh-TW" sz="2000" dirty="0">
                 <a:solidFill>
                   <a:srgbClr val="FF0000"/>
                 </a:solidFill>
@@ -11508,7 +11192,7 @@
               <a:t>.</a:t>
             </a:r>
             <a:r>
-              <a:rPr lang="en-US" altLang="zh-TW" sz="2000" dirty="0" err="1" smtClean="0">
+              <a:rPr lang="en-US" altLang="zh-TW" sz="2000" dirty="0" err="1">
                 <a:solidFill>
                   <a:srgbClr val="FF0000"/>
                 </a:solidFill>
@@ -11534,60 +11218,60 @@
               <a:t>　</a:t>
             </a:r>
             <a:r>
-              <a:rPr lang="en-US" altLang="zh-TW" sz="2000" dirty="0" smtClean="0">
+              <a:rPr lang="en-US" altLang="zh-TW" sz="2000" dirty="0">
                 <a:latin typeface="Times New Roman" pitchFamily="18" charset="0"/>
                 <a:cs typeface="Times New Roman" pitchFamily="18" charset="0"/>
               </a:rPr>
               <a:t>CSS3</a:t>
             </a:r>
             <a:r>
-              <a:rPr lang="zh-TW" altLang="en-US" sz="2000" dirty="0" smtClean="0">
+              <a:rPr lang="zh-TW" altLang="en-US" sz="2000" dirty="0">
                 <a:latin typeface="Times New Roman" pitchFamily="18" charset="0"/>
                 <a:cs typeface="Times New Roman" pitchFamily="18" charset="0"/>
               </a:rPr>
               <a:t> 是當前最泛用的版本</a:t>
             </a:r>
-            <a:endParaRPr lang="en-US" altLang="zh-TW" sz="2000" dirty="0" smtClean="0">
+            <a:endParaRPr lang="en-US" altLang="zh-TW" sz="2000" dirty="0">
               <a:latin typeface="Times New Roman" pitchFamily="18" charset="0"/>
               <a:cs typeface="Times New Roman" pitchFamily="18" charset="0"/>
             </a:endParaRPr>
           </a:p>
           <a:p>
             <a:r>
-              <a:rPr lang="zh-TW" altLang="en-US" sz="2000" dirty="0" smtClean="0">
+              <a:rPr lang="zh-TW" altLang="en-US" sz="2000" dirty="0">
                 <a:latin typeface="Times New Roman" pitchFamily="18" charset="0"/>
                 <a:cs typeface="Times New Roman" pitchFamily="18" charset="0"/>
               </a:rPr>
               <a:t>　當前最新為 </a:t>
             </a:r>
             <a:r>
-              <a:rPr lang="en-US" altLang="zh-TW" sz="2000" dirty="0" smtClean="0">
+              <a:rPr lang="en-US" altLang="zh-TW" sz="2000" dirty="0">
                 <a:latin typeface="Times New Roman" pitchFamily="18" charset="0"/>
                 <a:cs typeface="Times New Roman" pitchFamily="18" charset="0"/>
               </a:rPr>
               <a:t>CSS4</a:t>
             </a:r>
             <a:r>
-              <a:rPr lang="zh-TW" altLang="en-US" sz="2000" dirty="0" smtClean="0">
+              <a:rPr lang="zh-TW" altLang="en-US" sz="2000" dirty="0">
                 <a:latin typeface="Times New Roman" pitchFamily="18" charset="0"/>
                 <a:cs typeface="Times New Roman" pitchFamily="18" charset="0"/>
               </a:rPr>
               <a:t>，但只有部分被支援</a:t>
             </a:r>
-            <a:endParaRPr lang="en-US" altLang="zh-TW" sz="2000" dirty="0" smtClean="0">
+            <a:endParaRPr lang="en-US" altLang="zh-TW" sz="2000" dirty="0">
               <a:latin typeface="Times New Roman" pitchFamily="18" charset="0"/>
               <a:cs typeface="Times New Roman" pitchFamily="18" charset="0"/>
             </a:endParaRPr>
           </a:p>
           <a:p>
-            <a:endParaRPr lang="en-US" altLang="zh-TW" sz="2000" dirty="0" smtClean="0">
+            <a:endParaRPr lang="en-US" altLang="zh-TW" sz="2000" dirty="0">
               <a:latin typeface="Times New Roman" pitchFamily="18" charset="0"/>
               <a:cs typeface="Times New Roman" pitchFamily="18" charset="0"/>
             </a:endParaRPr>
           </a:p>
           <a:p>
             <a:r>
-              <a:rPr lang="en-US" altLang="zh-TW" sz="2000" dirty="0" smtClean="0">
+              <a:rPr lang="en-US" altLang="zh-TW" sz="2000" dirty="0">
                 <a:solidFill>
                   <a:srgbClr val="FF0000"/>
                 </a:solidFill>
@@ -11603,17 +11287,10 @@
                 <a:latin typeface="Times New Roman" pitchFamily="18" charset="0"/>
                 <a:cs typeface="Times New Roman" pitchFamily="18" charset="0"/>
               </a:rPr>
-              <a:t>　</a:t>
-            </a:r>
-            <a:r>
-              <a:rPr lang="zh-TW" altLang="en-US" sz="2000" dirty="0" smtClean="0">
-                <a:latin typeface="Times New Roman" pitchFamily="18" charset="0"/>
-                <a:cs typeface="Times New Roman" pitchFamily="18" charset="0"/>
-              </a:rPr>
-              <a:t>處理網頁事件的操作，提供使用者與網頁互動，副檔名為 </a:t>
-            </a:r>
-            <a:r>
-              <a:rPr lang="en-US" altLang="zh-TW" sz="2000" dirty="0" smtClean="0">
+              <a:t>　處理網頁事件的操作，提供使用者與網頁互動，副檔名為 </a:t>
+            </a:r>
+            <a:r>
+              <a:rPr lang="en-US" altLang="zh-TW" sz="2000" dirty="0">
                 <a:solidFill>
                   <a:srgbClr val="FF0000"/>
                 </a:solidFill>
@@ -11623,7 +11300,7 @@
               <a:t>.</a:t>
             </a:r>
             <a:r>
-              <a:rPr lang="en-US" altLang="zh-TW" sz="2000" dirty="0" err="1" smtClean="0">
+              <a:rPr lang="en-US" altLang="zh-TW" sz="2000" dirty="0" err="1">
                 <a:solidFill>
                   <a:srgbClr val="FF0000"/>
                 </a:solidFill>
@@ -11632,7 +11309,7 @@
               </a:rPr>
               <a:t>js</a:t>
             </a:r>
-            <a:endParaRPr lang="en-US" altLang="zh-TW" sz="2000" dirty="0" smtClean="0">
+            <a:endParaRPr lang="en-US" altLang="zh-TW" sz="2000" dirty="0">
               <a:solidFill>
                 <a:srgbClr val="FF0000"/>
               </a:solidFill>
@@ -11642,14 +11319,14 @@
           </a:p>
           <a:p>
             <a:r>
-              <a:rPr lang="zh-TW" altLang="en-US" sz="2000" dirty="0" smtClean="0">
+              <a:rPr lang="zh-TW" altLang="en-US" sz="2000" dirty="0">
                 <a:latin typeface="Times New Roman" pitchFamily="18" charset="0"/>
                 <a:cs typeface="Times New Roman" pitchFamily="18" charset="0"/>
               </a:rPr>
               <a:t>　為 </a:t>
             </a:r>
             <a:r>
-              <a:rPr lang="en-US" altLang="zh-TW" sz="2000" dirty="0" err="1" smtClean="0">
+              <a:rPr lang="en-US" altLang="zh-TW" sz="2000" dirty="0" err="1">
                 <a:solidFill>
                   <a:srgbClr val="FF0000"/>
                 </a:solidFill>
@@ -11659,33 +11336,33 @@
               <a:t>ECMAScript</a:t>
             </a:r>
             <a:r>
-              <a:rPr lang="en-US" altLang="zh-TW" sz="2000" dirty="0" smtClean="0">
+              <a:rPr lang="en-US" altLang="zh-TW" sz="2000" dirty="0">
                 <a:latin typeface="Times New Roman" pitchFamily="18" charset="0"/>
                 <a:cs typeface="Times New Roman" pitchFamily="18" charset="0"/>
               </a:rPr>
               <a:t> </a:t>
             </a:r>
             <a:r>
-              <a:rPr lang="zh-TW" altLang="en-US" sz="2000" dirty="0" smtClean="0">
+              <a:rPr lang="zh-TW" altLang="en-US" sz="2000" dirty="0">
                 <a:latin typeface="Times New Roman" pitchFamily="18" charset="0"/>
                 <a:cs typeface="Times New Roman" pitchFamily="18" charset="0"/>
               </a:rPr>
               <a:t>規範的實作</a:t>
             </a:r>
-            <a:endParaRPr lang="en-US" altLang="zh-TW" sz="2000" dirty="0" smtClean="0">
+            <a:endParaRPr lang="en-US" altLang="zh-TW" sz="2000" dirty="0">
               <a:latin typeface="Times New Roman" pitchFamily="18" charset="0"/>
               <a:cs typeface="Times New Roman" pitchFamily="18" charset="0"/>
             </a:endParaRPr>
           </a:p>
           <a:p>
             <a:r>
-              <a:rPr lang="zh-TW" altLang="en-US" sz="2000" dirty="0" smtClean="0">
+              <a:rPr lang="zh-TW" altLang="en-US" sz="2000" dirty="0">
                 <a:latin typeface="Times New Roman" pitchFamily="18" charset="0"/>
                 <a:cs typeface="Times New Roman" pitchFamily="18" charset="0"/>
               </a:rPr>
               <a:t>　網頁前端唯一的程式語言</a:t>
             </a:r>
-            <a:endParaRPr lang="en-US" altLang="zh-TW" sz="2000" dirty="0" smtClean="0">
+            <a:endParaRPr lang="en-US" altLang="zh-TW" sz="2000" dirty="0">
               <a:latin typeface="Times New Roman" pitchFamily="18" charset="0"/>
               <a:cs typeface="Times New Roman" pitchFamily="18" charset="0"/>
             </a:endParaRPr>
@@ -11696,61 +11373,50 @@
                 <a:latin typeface="Times New Roman" pitchFamily="18" charset="0"/>
                 <a:cs typeface="Times New Roman" pitchFamily="18" charset="0"/>
               </a:rPr>
-              <a:t>　</a:t>
-            </a:r>
-            <a:r>
-              <a:rPr lang="zh-TW" altLang="en-US" sz="2000" dirty="0" smtClean="0">
-                <a:latin typeface="Times New Roman" pitchFamily="18" charset="0"/>
-                <a:cs typeface="Times New Roman" pitchFamily="18" charset="0"/>
-              </a:rPr>
-              <a:t>語法自由</a:t>
-            </a:r>
-            <a:r>
-              <a:rPr lang="en-US" altLang="zh-TW" sz="2000" dirty="0" smtClean="0">
+              <a:t>　語法自由</a:t>
+            </a:r>
+            <a:r>
+              <a:rPr lang="en-US" altLang="zh-TW" sz="2000" dirty="0">
                 <a:latin typeface="Times New Roman" pitchFamily="18" charset="0"/>
                 <a:cs typeface="Times New Roman" pitchFamily="18" charset="0"/>
               </a:rPr>
               <a:t>(</a:t>
             </a:r>
             <a:r>
-              <a:rPr lang="zh-TW" altLang="en-US" sz="2000" dirty="0" smtClean="0">
+              <a:rPr lang="zh-TW" altLang="en-US" sz="2000" dirty="0">
                 <a:latin typeface="Times New Roman" pitchFamily="18" charset="0"/>
                 <a:cs typeface="Times New Roman" pitchFamily="18" charset="0"/>
               </a:rPr>
               <a:t>混亂</a:t>
             </a:r>
             <a:r>
-              <a:rPr lang="en-US" altLang="zh-TW" sz="2000" dirty="0" smtClean="0">
+              <a:rPr lang="en-US" altLang="zh-TW" sz="2000" dirty="0">
                 <a:latin typeface="Times New Roman" pitchFamily="18" charset="0"/>
                 <a:cs typeface="Times New Roman" pitchFamily="18" charset="0"/>
               </a:rPr>
               <a:t>)</a:t>
             </a:r>
             <a:r>
-              <a:rPr lang="zh-TW" altLang="en-US" sz="2000" dirty="0" smtClean="0">
+              <a:rPr lang="zh-TW" altLang="en-US" sz="2000" dirty="0">
                 <a:latin typeface="Times New Roman" pitchFamily="18" charset="0"/>
                 <a:cs typeface="Times New Roman" pitchFamily="18" charset="0"/>
               </a:rPr>
               <a:t>，有 </a:t>
             </a:r>
             <a:r>
-              <a:rPr lang="en-US" altLang="zh-TW" sz="2000" dirty="0" smtClean="0">
+              <a:rPr lang="en-US" altLang="zh-TW" sz="2000" dirty="0">
                 <a:latin typeface="Times New Roman" pitchFamily="18" charset="0"/>
                 <a:cs typeface="Times New Roman" pitchFamily="18" charset="0"/>
               </a:rPr>
               <a:t>error </a:t>
             </a:r>
             <a:r>
-              <a:rPr lang="zh-TW" altLang="en-US" sz="2000" dirty="0" smtClean="0">
+              <a:rPr lang="zh-TW" altLang="en-US" sz="2000" dirty="0">
                 <a:latin typeface="Times New Roman" pitchFamily="18" charset="0"/>
                 <a:cs typeface="Times New Roman" pitchFamily="18" charset="0"/>
               </a:rPr>
               <a:t>通常不會通知，需要額外處理</a:t>
             </a:r>
-            <a:endParaRPr lang="zh-TW" altLang="en-US" sz="2000" dirty="0">
-              <a:latin typeface="Times New Roman" pitchFamily="18" charset="0"/>
-              <a:cs typeface="Times New Roman" pitchFamily="18" charset="0"/>
-            </a:endParaRPr>
           </a:p>
         </p:txBody>
       </p:sp>
@@ -11764,13 +11430,6 @@
   <p:clrMapOvr>
     <a:masterClrMapping/>
   </p:clrMapOvr>
-  <p:timing>
-    <p:tnLst>
-      <p:par>
-        <p:cTn id="1" dur="indefinite" restart="never" nodeType="tmRoot"/>
-      </p:par>
-    </p:tnLst>
-  </p:timing>
 </p:sld>
 </file>
 
@@ -11815,16 +11474,12 @@
           <a:p>
             <a:pPr algn="ctr"/>
             <a:r>
-              <a:rPr lang="zh-TW" altLang="en-US" sz="2400" dirty="0" smtClean="0">
+              <a:rPr lang="zh-TW" altLang="en-US" sz="2400" dirty="0">
                 <a:latin typeface="Times New Roman" pitchFamily="18" charset="0"/>
                 <a:cs typeface="Times New Roman" pitchFamily="18" charset="0"/>
               </a:rPr>
               <a:t>撰寫網頁文件</a:t>
             </a:r>
-            <a:endParaRPr lang="zh-TW" altLang="en-US" sz="2400" dirty="0">
-              <a:latin typeface="Times New Roman" pitchFamily="18" charset="0"/>
-              <a:cs typeface="Times New Roman" pitchFamily="18" charset="0"/>
-            </a:endParaRPr>
           </a:p>
         </p:txBody>
       </p:sp>
@@ -11852,7 +11507,7 @@
           <a:p>
             <a:pPr algn="ctr"/>
             <a:r>
-              <a:rPr lang="en-US" altLang="zh-TW" sz="1200" dirty="0" smtClean="0">
+              <a:rPr lang="en-US" altLang="zh-TW" sz="1200" dirty="0">
                 <a:latin typeface="Times New Roman" pitchFamily="18" charset="0"/>
                 <a:cs typeface="Times New Roman" pitchFamily="18" charset="0"/>
               </a:rPr>
@@ -11896,31 +11551,24 @@
                 <a:latin typeface="Times New Roman" pitchFamily="18" charset="0"/>
                 <a:cs typeface="Times New Roman" pitchFamily="18" charset="0"/>
               </a:rPr>
-              <a:t>新增</a:t>
-            </a:r>
-            <a:r>
-              <a:rPr lang="zh-TW" altLang="en-US" sz="2000" dirty="0" smtClean="0">
-                <a:latin typeface="Times New Roman" pitchFamily="18" charset="0"/>
-                <a:cs typeface="Times New Roman" pitchFamily="18" charset="0"/>
-              </a:rPr>
-              <a:t>一個專案路徑</a:t>
-            </a:r>
-            <a:r>
-              <a:rPr lang="en-US" altLang="zh-TW" sz="2000" dirty="0" smtClean="0">
+              <a:t>新增一個專案路徑</a:t>
+            </a:r>
+            <a:r>
+              <a:rPr lang="en-US" altLang="zh-TW" sz="2000" dirty="0">
                 <a:latin typeface="Times New Roman" pitchFamily="18" charset="0"/>
                 <a:cs typeface="Times New Roman" pitchFamily="18" charset="0"/>
               </a:rPr>
               <a:t>(</a:t>
             </a:r>
             <a:r>
-              <a:rPr lang="zh-TW" altLang="en-US" sz="2000" dirty="0" smtClean="0">
+              <a:rPr lang="zh-TW" altLang="en-US" sz="2000" dirty="0">
                 <a:latin typeface="Times New Roman" pitchFamily="18" charset="0"/>
                 <a:cs typeface="Times New Roman" pitchFamily="18" charset="0"/>
               </a:rPr>
               <a:t>資料夾</a:t>
             </a:r>
             <a:r>
-              <a:rPr lang="en-US" altLang="zh-TW" sz="2000" dirty="0" smtClean="0">
+              <a:rPr lang="en-US" altLang="zh-TW" sz="2000" dirty="0">
                 <a:latin typeface="Times New Roman" pitchFamily="18" charset="0"/>
                 <a:cs typeface="Times New Roman" pitchFamily="18" charset="0"/>
               </a:rPr>
@@ -11933,14 +11581,14 @@
               <a:buAutoNum type="arabicPeriod"/>
             </a:pPr>
             <a:r>
-              <a:rPr lang="zh-TW" altLang="en-US" sz="2000" dirty="0" smtClean="0">
+              <a:rPr lang="zh-TW" altLang="en-US" sz="2000" dirty="0">
                 <a:latin typeface="Times New Roman" pitchFamily="18" charset="0"/>
                 <a:cs typeface="Times New Roman" pitchFamily="18" charset="0"/>
               </a:rPr>
               <a:t>新增 </a:t>
             </a:r>
             <a:r>
-              <a:rPr lang="en-US" altLang="zh-TW" sz="2000" dirty="0" smtClean="0">
+              <a:rPr lang="en-US" altLang="zh-TW" sz="2000" dirty="0">
                 <a:solidFill>
                   <a:srgbClr val="FF0000"/>
                 </a:solidFill>
@@ -11950,21 +11598,21 @@
               <a:t>index.html</a:t>
             </a:r>
             <a:r>
-              <a:rPr lang="zh-TW" altLang="en-US" sz="2000" dirty="0" smtClean="0">
+              <a:rPr lang="zh-TW" altLang="en-US" sz="2000" dirty="0">
                 <a:latin typeface="Times New Roman" pitchFamily="18" charset="0"/>
                 <a:cs typeface="Times New Roman" pitchFamily="18" charset="0"/>
               </a:rPr>
               <a:t>，</a:t>
             </a:r>
             <a:r>
-              <a:rPr lang="en-US" altLang="zh-TW" sz="2000" dirty="0" smtClean="0">
+              <a:rPr lang="en-US" altLang="zh-TW" sz="2000" dirty="0">
                 <a:latin typeface="Times New Roman" pitchFamily="18" charset="0"/>
                 <a:cs typeface="Times New Roman" pitchFamily="18" charset="0"/>
               </a:rPr>
               <a:t>index.html </a:t>
             </a:r>
             <a:r>
-              <a:rPr lang="zh-TW" altLang="en-US" sz="2000" dirty="0" smtClean="0">
+              <a:rPr lang="zh-TW" altLang="en-US" sz="2000" dirty="0">
                 <a:latin typeface="Times New Roman" pitchFamily="18" charset="0"/>
                 <a:cs typeface="Times New Roman" pitchFamily="18" charset="0"/>
               </a:rPr>
@@ -11981,44 +11629,40 @@
               <a:buAutoNum type="arabicPeriod"/>
             </a:pPr>
             <a:r>
-              <a:rPr lang="zh-TW" altLang="en-US" sz="2000" dirty="0" smtClean="0">
+              <a:rPr lang="zh-TW" altLang="en-US" sz="2000" dirty="0">
                 <a:latin typeface="Times New Roman" pitchFamily="18" charset="0"/>
                 <a:cs typeface="Times New Roman" pitchFamily="18" charset="0"/>
               </a:rPr>
               <a:t>用</a:t>
             </a:r>
             <a:r>
-              <a:rPr lang="en-US" altLang="zh-TW" sz="2000" dirty="0" err="1" smtClean="0">
+              <a:rPr lang="en-US" altLang="zh-TW" sz="2000" dirty="0" err="1">
                 <a:latin typeface="Times New Roman" pitchFamily="18" charset="0"/>
                 <a:cs typeface="Times New Roman" pitchFamily="18" charset="0"/>
               </a:rPr>
               <a:t>VSCode</a:t>
             </a:r>
             <a:r>
-              <a:rPr lang="en-US" altLang="zh-TW" sz="2000" dirty="0" smtClean="0">
+              <a:rPr lang="en-US" altLang="zh-TW" sz="2000" dirty="0">
                 <a:latin typeface="Times New Roman" pitchFamily="18" charset="0"/>
                 <a:cs typeface="Times New Roman" pitchFamily="18" charset="0"/>
               </a:rPr>
               <a:t> </a:t>
             </a:r>
             <a:r>
-              <a:rPr lang="zh-TW" altLang="en-US" sz="2000" dirty="0" smtClean="0">
+              <a:rPr lang="zh-TW" altLang="en-US" sz="2000" dirty="0">
                 <a:latin typeface="Times New Roman" pitchFamily="18" charset="0"/>
                 <a:cs typeface="Times New Roman" pitchFamily="18" charset="0"/>
               </a:rPr>
               <a:t>開啟專案資料夾，打開 </a:t>
             </a:r>
             <a:r>
-              <a:rPr lang="en-US" altLang="zh-TW" sz="2000" dirty="0" smtClean="0">
+              <a:rPr lang="en-US" altLang="zh-TW" sz="2000" dirty="0">
                 <a:latin typeface="Times New Roman" pitchFamily="18" charset="0"/>
                 <a:cs typeface="Times New Roman" pitchFamily="18" charset="0"/>
               </a:rPr>
               <a:t>index.html</a:t>
             </a:r>
-            <a:endParaRPr lang="en-US" altLang="zh-TW" sz="2000" dirty="0">
-              <a:latin typeface="Times New Roman" pitchFamily="18" charset="0"/>
-              <a:cs typeface="Times New Roman" pitchFamily="18" charset="0"/>
-            </a:endParaRPr>
           </a:p>
           <a:p>
             <a:pPr marL="271463" indent="-271463" defTabSz="0">
@@ -12026,28 +11670,28 @@
               <a:buAutoNum type="arabicPeriod"/>
             </a:pPr>
             <a:r>
-              <a:rPr lang="zh-TW" altLang="en-US" sz="2000" dirty="0" smtClean="0">
+              <a:rPr lang="zh-TW" altLang="en-US" sz="2000" dirty="0">
                 <a:latin typeface="Times New Roman" pitchFamily="18" charset="0"/>
                 <a:cs typeface="Times New Roman" pitchFamily="18" charset="0"/>
               </a:rPr>
               <a:t>在 </a:t>
             </a:r>
             <a:r>
-              <a:rPr lang="en-US" altLang="zh-TW" sz="2000" dirty="0" smtClean="0">
+              <a:rPr lang="en-US" altLang="zh-TW" sz="2000" dirty="0">
                 <a:latin typeface="Times New Roman" pitchFamily="18" charset="0"/>
                 <a:cs typeface="Times New Roman" pitchFamily="18" charset="0"/>
               </a:rPr>
               <a:t>index.html</a:t>
             </a:r>
             <a:r>
-              <a:rPr lang="zh-TW" altLang="en-US" sz="2000" dirty="0" smtClean="0">
+              <a:rPr lang="zh-TW" altLang="en-US" sz="2000" dirty="0">
                 <a:latin typeface="Times New Roman" pitchFamily="18" charset="0"/>
                 <a:cs typeface="Times New Roman" pitchFamily="18" charset="0"/>
               </a:rPr>
               <a:t> 輸入 </a:t>
             </a:r>
             <a:r>
-              <a:rPr lang="en-US" altLang="zh-TW" sz="2000" b="1" dirty="0" smtClean="0">
+              <a:rPr lang="en-US" altLang="zh-TW" sz="2000" b="1" dirty="0">
                 <a:solidFill>
                   <a:srgbClr val="FF0000"/>
                 </a:solidFill>
@@ -12061,31 +11705,24 @@
                 <a:latin typeface="Times New Roman" pitchFamily="18" charset="0"/>
                 <a:cs typeface="Times New Roman" pitchFamily="18" charset="0"/>
               </a:rPr>
-              <a:t> </a:t>
-            </a:r>
-            <a:r>
-              <a:rPr lang="zh-TW" altLang="en-US" sz="2000" dirty="0" smtClean="0">
-                <a:latin typeface="Times New Roman" pitchFamily="18" charset="0"/>
-                <a:cs typeface="Times New Roman" pitchFamily="18" charset="0"/>
-              </a:rPr>
-              <a:t>然後按下 </a:t>
-            </a:r>
-            <a:r>
-              <a:rPr lang="en-US" altLang="zh-TW" sz="2000" dirty="0" smtClean="0">
+              <a:t> 然後按下 </a:t>
+            </a:r>
+            <a:r>
+              <a:rPr lang="en-US" altLang="zh-TW" sz="2000" dirty="0">
                 <a:latin typeface="Times New Roman" pitchFamily="18" charset="0"/>
                 <a:cs typeface="Times New Roman" pitchFamily="18" charset="0"/>
               </a:rPr>
               <a:t>Enter </a:t>
             </a:r>
             <a:r>
-              <a:rPr lang="zh-TW" altLang="en-US" sz="2000" dirty="0" smtClean="0">
+              <a:rPr lang="zh-TW" altLang="en-US" sz="2000" dirty="0">
                 <a:latin typeface="Times New Roman" pitchFamily="18" charset="0"/>
                 <a:cs typeface="Times New Roman" pitchFamily="18" charset="0"/>
               </a:rPr>
               <a:t>或 </a:t>
             </a:r>
             <a:r>
-              <a:rPr lang="en-US" altLang="zh-TW" sz="2000" dirty="0" smtClean="0">
+              <a:rPr lang="en-US" altLang="zh-TW" sz="2000" dirty="0">
                 <a:latin typeface="Times New Roman" pitchFamily="18" charset="0"/>
                 <a:cs typeface="Times New Roman" pitchFamily="18" charset="0"/>
               </a:rPr>
@@ -12098,14 +11735,14 @@
               <a:buAutoNum type="arabicPeriod"/>
             </a:pPr>
             <a:r>
-              <a:rPr lang="zh-TW" altLang="en-US" sz="2000" dirty="0" smtClean="0">
+              <a:rPr lang="zh-TW" altLang="en-US" sz="2000" dirty="0">
                 <a:latin typeface="Times New Roman" pitchFamily="18" charset="0"/>
                 <a:cs typeface="Times New Roman" pitchFamily="18" charset="0"/>
               </a:rPr>
               <a:t>出現結構完整 </a:t>
             </a:r>
             <a:r>
-              <a:rPr lang="en-US" altLang="zh-TW" sz="2000" dirty="0" smtClean="0">
+              <a:rPr lang="en-US" altLang="zh-TW" sz="2000" dirty="0">
                 <a:latin typeface="Times New Roman" pitchFamily="18" charset="0"/>
                 <a:cs typeface="Times New Roman" pitchFamily="18" charset="0"/>
               </a:rPr>
@@ -12116,16 +11753,9 @@
                 <a:latin typeface="Times New Roman" pitchFamily="18" charset="0"/>
                 <a:cs typeface="Times New Roman" pitchFamily="18" charset="0"/>
               </a:rPr>
-              <a:t> </a:t>
-            </a:r>
-            <a:r>
-              <a:rPr lang="zh-TW" altLang="en-US" sz="2000" dirty="0" smtClean="0">
-                <a:latin typeface="Times New Roman" pitchFamily="18" charset="0"/>
-                <a:cs typeface="Times New Roman" pitchFamily="18" charset="0"/>
-              </a:rPr>
-              <a:t>文件，先保存檔案</a:t>
-            </a:r>
-            <a:endParaRPr lang="en-US" altLang="zh-TW" sz="2000" dirty="0" smtClean="0">
+              <a:t> 文件，先保存檔案</a:t>
+            </a:r>
+            <a:endParaRPr lang="en-US" altLang="zh-TW" sz="2000" dirty="0">
               <a:latin typeface="Times New Roman" pitchFamily="18" charset="0"/>
               <a:cs typeface="Times New Roman" pitchFamily="18" charset="0"/>
             </a:endParaRPr>
@@ -12172,13 +11802,6 @@
   <p:clrMapOvr>
     <a:masterClrMapping/>
   </p:clrMapOvr>
-  <p:timing>
-    <p:tnLst>
-      <p:par>
-        <p:cTn id="1" dur="indefinite" restart="never" nodeType="tmRoot"/>
-      </p:par>
-    </p:tnLst>
-  </p:timing>
 </p:sld>
 </file>
 
@@ -12223,7 +11846,7 @@
           <a:p>
             <a:pPr algn="ctr"/>
             <a:r>
-              <a:rPr lang="en-US" altLang="zh-TW" sz="2400" dirty="0" smtClean="0">
+              <a:rPr lang="en-US" altLang="zh-TW" sz="2400" dirty="0">
                 <a:latin typeface="Times New Roman" pitchFamily="18" charset="0"/>
                 <a:cs typeface="Times New Roman" pitchFamily="18" charset="0"/>
               </a:rPr>
@@ -12260,7 +11883,7 @@
           <a:p>
             <a:pPr algn="ctr"/>
             <a:r>
-              <a:rPr lang="en-US" altLang="zh-TW" sz="1200" dirty="0" smtClean="0">
+              <a:rPr lang="en-US" altLang="zh-TW" sz="1200" dirty="0">
                 <a:latin typeface="Times New Roman" pitchFamily="18" charset="0"/>
                 <a:cs typeface="Times New Roman" pitchFamily="18" charset="0"/>
               </a:rPr>
@@ -12297,7 +11920,7 @@
           <a:p>
             <a:pPr defTabSz="0"/>
             <a:r>
-              <a:rPr lang="en-US" altLang="zh-TW" sz="2000" dirty="0" smtClean="0">
+              <a:rPr lang="en-US" altLang="zh-TW" sz="2000" dirty="0">
                 <a:latin typeface="Times New Roman" pitchFamily="18" charset="0"/>
                 <a:cs typeface="Times New Roman" pitchFamily="18" charset="0"/>
               </a:rPr>
@@ -12307,14 +11930,14 @@
           <a:p>
             <a:pPr defTabSz="0"/>
             <a:r>
-              <a:rPr lang="zh-TW" altLang="en-US" sz="2000" dirty="0" smtClean="0">
+              <a:rPr lang="zh-TW" altLang="en-US" sz="2000" dirty="0">
                 <a:latin typeface="Times New Roman" pitchFamily="18" charset="0"/>
                 <a:cs typeface="Times New Roman" pitchFamily="18" charset="0"/>
               </a:rPr>
               <a:t>　</a:t>
             </a:r>
             <a:r>
-              <a:rPr lang="en-US" altLang="zh-TW" sz="2000" dirty="0" smtClean="0">
+              <a:rPr lang="en-US" altLang="zh-TW" sz="2000" dirty="0">
                 <a:solidFill>
                   <a:srgbClr val="FF0000"/>
                 </a:solidFill>
@@ -12324,14 +11947,14 @@
               <a:t>start tag</a:t>
             </a:r>
             <a:r>
-              <a:rPr lang="en-US" altLang="zh-TW" sz="2000" dirty="0" smtClean="0">
+              <a:rPr lang="en-US" altLang="zh-TW" sz="2000" dirty="0">
                 <a:latin typeface="Times New Roman" pitchFamily="18" charset="0"/>
                 <a:cs typeface="Times New Roman" pitchFamily="18" charset="0"/>
               </a:rPr>
               <a:t>(opening tag),  </a:t>
             </a:r>
             <a:r>
-              <a:rPr lang="en-US" altLang="zh-TW" sz="2000" dirty="0" smtClean="0">
+              <a:rPr lang="en-US" altLang="zh-TW" sz="2000" dirty="0">
                 <a:solidFill>
                   <a:srgbClr val="FF0000"/>
                 </a:solidFill>
@@ -12341,7 +11964,7 @@
               <a:t>end tag</a:t>
             </a:r>
             <a:r>
-              <a:rPr lang="en-US" altLang="zh-TW" sz="2000" dirty="0" smtClean="0">
+              <a:rPr lang="en-US" altLang="zh-TW" sz="2000" dirty="0">
                 <a:latin typeface="Times New Roman" pitchFamily="18" charset="0"/>
                 <a:cs typeface="Times New Roman" pitchFamily="18" charset="0"/>
               </a:rPr>
@@ -12351,14 +11974,14 @@
           <a:p>
             <a:pPr defTabSz="0"/>
             <a:r>
-              <a:rPr lang="zh-TW" altLang="en-US" sz="2000" dirty="0" smtClean="0">
+              <a:rPr lang="zh-TW" altLang="en-US" sz="2000" dirty="0">
                 <a:latin typeface="Times New Roman" pitchFamily="18" charset="0"/>
                 <a:cs typeface="Times New Roman" pitchFamily="18" charset="0"/>
               </a:rPr>
               <a:t>　</a:t>
             </a:r>
             <a:r>
-              <a:rPr lang="en-US" altLang="zh-TW" sz="2000" dirty="0" smtClean="0">
+              <a:rPr lang="en-US" altLang="zh-TW" sz="2000" dirty="0">
                 <a:latin typeface="Times New Roman" pitchFamily="18" charset="0"/>
                 <a:cs typeface="Times New Roman" pitchFamily="18" charset="0"/>
               </a:rPr>
@@ -12375,7 +11998,7 @@
           <a:p>
             <a:pPr defTabSz="0"/>
             <a:r>
-              <a:rPr lang="en-US" altLang="zh-TW" sz="2000" dirty="0" smtClean="0">
+              <a:rPr lang="en-US" altLang="zh-TW" sz="2000" dirty="0">
                 <a:latin typeface="Times New Roman" pitchFamily="18" charset="0"/>
                 <a:cs typeface="Times New Roman" pitchFamily="18" charset="0"/>
               </a:rPr>
@@ -12385,14 +12008,14 @@
           <a:p>
             <a:pPr defTabSz="0"/>
             <a:r>
-              <a:rPr lang="zh-TW" altLang="en-US" sz="2000" dirty="0" smtClean="0">
+              <a:rPr lang="zh-TW" altLang="en-US" sz="2000" dirty="0">
                 <a:latin typeface="Times New Roman" pitchFamily="18" charset="0"/>
                 <a:cs typeface="Times New Roman" pitchFamily="18" charset="0"/>
               </a:rPr>
               <a:t>　</a:t>
             </a:r>
             <a:r>
-              <a:rPr lang="en-US" altLang="zh-TW" sz="2000" dirty="0" smtClean="0">
+              <a:rPr lang="en-US" altLang="zh-TW" sz="2000" dirty="0">
                 <a:latin typeface="Times New Roman" pitchFamily="18" charset="0"/>
                 <a:cs typeface="Times New Roman" pitchFamily="18" charset="0"/>
               </a:rPr>
@@ -12409,28 +12032,28 @@
               <a:t>　</a:t>
             </a:r>
             <a:r>
-              <a:rPr lang="en-US" altLang="zh-TW" sz="2000" dirty="0" smtClean="0">
+              <a:rPr lang="en-US" altLang="zh-TW" sz="2000" dirty="0">
                 <a:latin typeface="Times New Roman" pitchFamily="18" charset="0"/>
                 <a:cs typeface="Times New Roman" pitchFamily="18" charset="0"/>
               </a:rPr>
               <a:t>e.g. &lt;</a:t>
             </a:r>
             <a:r>
-              <a:rPr lang="en-US" altLang="zh-TW" sz="2000" dirty="0" err="1" smtClean="0">
+              <a:rPr lang="en-US" altLang="zh-TW" sz="2000" dirty="0" err="1">
                 <a:latin typeface="Times New Roman" pitchFamily="18" charset="0"/>
                 <a:cs typeface="Times New Roman" pitchFamily="18" charset="0"/>
               </a:rPr>
               <a:t>br</a:t>
             </a:r>
             <a:r>
-              <a:rPr lang="en-US" altLang="zh-TW" sz="2000" dirty="0" smtClean="0">
+              <a:rPr lang="en-US" altLang="zh-TW" sz="2000" dirty="0">
                 <a:latin typeface="Times New Roman" pitchFamily="18" charset="0"/>
                 <a:cs typeface="Times New Roman" pitchFamily="18" charset="0"/>
               </a:rPr>
               <a:t>&gt;, &lt;meta&gt;, &lt;</a:t>
             </a:r>
             <a:r>
-              <a:rPr lang="en-US" altLang="zh-TW" sz="2000" dirty="0" err="1" smtClean="0">
+              <a:rPr lang="en-US" altLang="zh-TW" sz="2000" dirty="0" err="1">
                 <a:latin typeface="Times New Roman" pitchFamily="18" charset="0"/>
                 <a:cs typeface="Times New Roman" pitchFamily="18" charset="0"/>
               </a:rPr>
@@ -12457,10 +12080,6 @@
               </a:rPr>
               <a:t>--&gt;</a:t>
             </a:r>
-            <a:endParaRPr lang="en-US" altLang="zh-TW" sz="2000" dirty="0" smtClean="0">
-              <a:latin typeface="Times New Roman" pitchFamily="18" charset="0"/>
-              <a:cs typeface="Times New Roman" pitchFamily="18" charset="0"/>
-            </a:endParaRPr>
           </a:p>
           <a:p>
             <a:pPr defTabSz="0"/>
@@ -12472,7 +12091,7 @@
           <a:p>
             <a:pPr defTabSz="0"/>
             <a:r>
-              <a:rPr lang="en-US" altLang="zh-TW" sz="2000" dirty="0" smtClean="0">
+              <a:rPr lang="en-US" altLang="zh-TW" sz="2000" dirty="0">
                 <a:latin typeface="Times New Roman" pitchFamily="18" charset="0"/>
                 <a:cs typeface="Times New Roman" pitchFamily="18" charset="0"/>
               </a:rPr>
@@ -12489,7 +12108,7 @@
               <a:t>	</a:t>
             </a:r>
             <a:r>
-              <a:rPr lang="zh-TW" altLang="en-US" sz="2000" dirty="0" smtClean="0">
+              <a:rPr lang="zh-TW" altLang="en-US" sz="2000" dirty="0">
                 <a:latin typeface="Times New Roman" pitchFamily="18" charset="0"/>
                 <a:cs typeface="Times New Roman" pitchFamily="18" charset="0"/>
               </a:rPr>
@@ -12500,45 +12119,24 @@
                 <a:latin typeface="Times New Roman" pitchFamily="18" charset="0"/>
                 <a:cs typeface="Times New Roman" pitchFamily="18" charset="0"/>
               </a:rPr>
-              <a:t>name</a:t>
-            </a:r>
-            <a:r>
-              <a:rPr lang="en-US" altLang="zh-TW" sz="2000" dirty="0" smtClean="0">
-                <a:latin typeface="Times New Roman" pitchFamily="18" charset="0"/>
-                <a:cs typeface="Times New Roman" pitchFamily="18" charset="0"/>
-              </a:rPr>
-              <a:t>="value"</a:t>
-            </a:r>
-          </a:p>
-          <a:p>
-            <a:pPr defTabSz="0"/>
-            <a:r>
-              <a:rPr lang="zh-TW" altLang="en-US" sz="2000" dirty="0" smtClean="0">
+              <a:t>name="value"</a:t>
+            </a:r>
+          </a:p>
+          <a:p>
+            <a:pPr defTabSz="0"/>
+            <a:r>
+              <a:rPr lang="zh-TW" altLang="en-US" sz="2000" dirty="0">
                 <a:latin typeface="Times New Roman" pitchFamily="18" charset="0"/>
                 <a:cs typeface="Times New Roman" pitchFamily="18" charset="0"/>
               </a:rPr>
               <a:t>　</a:t>
             </a:r>
             <a:r>
-              <a:rPr lang="en-US" altLang="zh-TW" sz="2000" dirty="0" smtClean="0">
-                <a:latin typeface="Times New Roman" pitchFamily="18" charset="0"/>
-                <a:cs typeface="Times New Roman" pitchFamily="18" charset="0"/>
-              </a:rPr>
-              <a:t>e.g. &lt;meta charset</a:t>
-            </a:r>
-            <a:r>
               <a:rPr lang="en-US" altLang="zh-TW" sz="2000" dirty="0">
                 <a:latin typeface="Times New Roman" pitchFamily="18" charset="0"/>
                 <a:cs typeface="Times New Roman" pitchFamily="18" charset="0"/>
               </a:rPr>
-              <a:t>="UTF-8</a:t>
-            </a:r>
-            <a:r>
-              <a:rPr lang="en-US" altLang="zh-TW" sz="2000" dirty="0" smtClean="0">
-                <a:latin typeface="Times New Roman" pitchFamily="18" charset="0"/>
-                <a:cs typeface="Times New Roman" pitchFamily="18" charset="0"/>
-              </a:rPr>
-              <a:t>"&gt;</a:t>
+              <a:t>e.g. &lt;meta charset="UTF-8"&gt;</a:t>
             </a:r>
           </a:p>
         </p:txBody>
@@ -12613,7 +12211,7 @@
           <a:p>
             <a:pPr algn="ctr"/>
             <a:r>
-              <a:rPr lang="en-US" altLang="zh-TW" dirty="0" smtClean="0">
+              <a:rPr lang="en-US" altLang="zh-TW" dirty="0">
                 <a:solidFill>
                   <a:srgbClr val="FF0000"/>
                 </a:solidFill>
@@ -12642,13 +12240,6 @@
   <p:clrMapOvr>
     <a:masterClrMapping/>
   </p:clrMapOvr>
-  <p:timing>
-    <p:tnLst>
-      <p:par>
-        <p:cTn id="1" dur="indefinite" restart="never" nodeType="tmRoot"/>
-      </p:par>
-    </p:tnLst>
-  </p:timing>
 </p:sld>
 </file>
 
@@ -12697,26 +12288,15 @@
                 <a:latin typeface="Times New Roman" pitchFamily="18" charset="0"/>
                 <a:cs typeface="Times New Roman" pitchFamily="18" charset="0"/>
               </a:rPr>
-              <a:t>Live </a:t>
-            </a:r>
-            <a:r>
-              <a:rPr lang="en-US" altLang="zh-TW" sz="2400" dirty="0" smtClean="0">
-                <a:latin typeface="Times New Roman" pitchFamily="18" charset="0"/>
-                <a:cs typeface="Times New Roman" pitchFamily="18" charset="0"/>
-              </a:rPr>
-              <a:t>Server </a:t>
-            </a:r>
-            <a:r>
-              <a:rPr lang="zh-TW" altLang="en-US" sz="2400" dirty="0" smtClean="0">
+              <a:t>Live Server </a:t>
+            </a:r>
+            <a:r>
+              <a:rPr lang="zh-TW" altLang="en-US" sz="2400" dirty="0">
                 <a:latin typeface="Times New Roman" pitchFamily="18" charset="0"/>
                 <a:cs typeface="Times New Roman" pitchFamily="18" charset="0"/>
               </a:rPr>
               <a:t>使用</a:t>
             </a:r>
-            <a:endParaRPr lang="zh-TW" altLang="en-US" sz="2400" dirty="0">
-              <a:latin typeface="Times New Roman" pitchFamily="18" charset="0"/>
-              <a:cs typeface="Times New Roman" pitchFamily="18" charset="0"/>
-            </a:endParaRPr>
           </a:p>
         </p:txBody>
       </p:sp>
@@ -12784,20 +12364,20 @@
               <a:buAutoNum type="arabicPeriod"/>
             </a:pPr>
             <a:r>
-              <a:rPr lang="zh-TW" altLang="en-US" dirty="0" smtClean="0">
+              <a:rPr lang="zh-TW" altLang="en-US" dirty="0">
                 <a:latin typeface="Times New Roman" pitchFamily="18" charset="0"/>
                 <a:cs typeface="Times New Roman" pitchFamily="18" charset="0"/>
               </a:rPr>
               <a:t>關閉 </a:t>
             </a:r>
             <a:r>
-              <a:rPr lang="en-US" altLang="zh-TW" dirty="0" err="1" smtClean="0">
+              <a:rPr lang="en-US" altLang="zh-TW" dirty="0" err="1">
                 <a:latin typeface="Times New Roman" pitchFamily="18" charset="0"/>
                 <a:cs typeface="Times New Roman" pitchFamily="18" charset="0"/>
               </a:rPr>
               <a:t>VSCode</a:t>
             </a:r>
-            <a:endParaRPr lang="en-US" altLang="zh-TW" dirty="0" smtClean="0">
+            <a:endParaRPr lang="en-US" altLang="zh-TW" dirty="0">
               <a:latin typeface="Times New Roman" pitchFamily="18" charset="0"/>
               <a:cs typeface="Times New Roman" pitchFamily="18" charset="0"/>
             </a:endParaRPr>
@@ -12808,34 +12388,34 @@
               <a:buAutoNum type="arabicPeriod"/>
             </a:pPr>
             <a:r>
-              <a:rPr lang="zh-TW" altLang="en-US" dirty="0" smtClean="0">
+              <a:rPr lang="zh-TW" altLang="en-US" dirty="0">
                 <a:latin typeface="Times New Roman" pitchFamily="18" charset="0"/>
                 <a:cs typeface="Times New Roman" pitchFamily="18" charset="0"/>
               </a:rPr>
               <a:t>重新用 </a:t>
             </a:r>
             <a:r>
-              <a:rPr lang="en-US" altLang="zh-TW" dirty="0" err="1" smtClean="0">
+              <a:rPr lang="en-US" altLang="zh-TW" dirty="0" err="1">
                 <a:latin typeface="Times New Roman" pitchFamily="18" charset="0"/>
                 <a:cs typeface="Times New Roman" pitchFamily="18" charset="0"/>
               </a:rPr>
               <a:t>VSCode</a:t>
             </a:r>
             <a:r>
-              <a:rPr lang="en-US" altLang="zh-TW" dirty="0" smtClean="0">
+              <a:rPr lang="en-US" altLang="zh-TW" dirty="0">
                 <a:latin typeface="Times New Roman" pitchFamily="18" charset="0"/>
                 <a:cs typeface="Times New Roman" pitchFamily="18" charset="0"/>
               </a:rPr>
               <a:t> </a:t>
             </a:r>
             <a:r>
-              <a:rPr lang="zh-TW" altLang="en-US" dirty="0" smtClean="0">
+              <a:rPr lang="zh-TW" altLang="en-US" dirty="0">
                 <a:latin typeface="Times New Roman" pitchFamily="18" charset="0"/>
                 <a:cs typeface="Times New Roman" pitchFamily="18" charset="0"/>
               </a:rPr>
               <a:t>開啟專案資料夾</a:t>
             </a:r>
-            <a:endParaRPr lang="en-US" altLang="zh-TW" dirty="0" smtClean="0">
+            <a:endParaRPr lang="en-US" altLang="zh-TW" dirty="0">
               <a:latin typeface="Times New Roman" pitchFamily="18" charset="0"/>
               <a:cs typeface="Times New Roman" pitchFamily="18" charset="0"/>
             </a:endParaRPr>
@@ -12846,14 +12426,14 @@
               <a:buAutoNum type="arabicPeriod"/>
             </a:pPr>
             <a:r>
-              <a:rPr lang="zh-TW" altLang="en-US" dirty="0" smtClean="0">
+              <a:rPr lang="zh-TW" altLang="en-US" dirty="0">
                 <a:latin typeface="Times New Roman" pitchFamily="18" charset="0"/>
                 <a:cs typeface="Times New Roman" pitchFamily="18" charset="0"/>
               </a:rPr>
               <a:t>打開 </a:t>
             </a:r>
             <a:r>
-              <a:rPr lang="en-US" altLang="zh-TW" dirty="0" smtClean="0">
+              <a:rPr lang="en-US" altLang="zh-TW" dirty="0">
                 <a:latin typeface="Times New Roman" pitchFamily="18" charset="0"/>
                 <a:cs typeface="Times New Roman" pitchFamily="18" charset="0"/>
               </a:rPr>
@@ -12870,17 +12450,10 @@
                 <a:latin typeface="Times New Roman" pitchFamily="18" charset="0"/>
                 <a:cs typeface="Times New Roman" pitchFamily="18" charset="0"/>
               </a:rPr>
-              <a:t>按右下</a:t>
-            </a:r>
-            <a:r>
-              <a:rPr lang="zh-TW" altLang="en-US" dirty="0" smtClean="0">
-                <a:latin typeface="Times New Roman" pitchFamily="18" charset="0"/>
-                <a:cs typeface="Times New Roman" pitchFamily="18" charset="0"/>
-              </a:rPr>
-              <a:t>角的 </a:t>
-            </a:r>
-            <a:r>
-              <a:rPr lang="en-US" altLang="zh-TW" dirty="0" smtClean="0">
+              <a:t>按右下角的 </a:t>
+            </a:r>
+            <a:r>
+              <a:rPr lang="en-US" altLang="zh-TW" dirty="0">
                 <a:latin typeface="Times New Roman" pitchFamily="18" charset="0"/>
                 <a:cs typeface="Times New Roman" pitchFamily="18" charset="0"/>
               </a:rPr>
@@ -12902,7 +12475,7 @@
               <a:buFont typeface="+mj-lt"/>
               <a:buAutoNum type="arabicPeriod"/>
             </a:pPr>
-            <a:endParaRPr lang="en-US" altLang="zh-TW" dirty="0" smtClean="0">
+            <a:endParaRPr lang="en-US" altLang="zh-TW" dirty="0">
               <a:latin typeface="Times New Roman" pitchFamily="18" charset="0"/>
               <a:cs typeface="Times New Roman" pitchFamily="18" charset="0"/>
             </a:endParaRPr>
@@ -12922,7 +12495,7 @@
               <a:buFont typeface="+mj-lt"/>
               <a:buAutoNum type="arabicPeriod"/>
             </a:pPr>
-            <a:endParaRPr lang="en-US" altLang="zh-TW" dirty="0" smtClean="0">
+            <a:endParaRPr lang="en-US" altLang="zh-TW" dirty="0">
               <a:latin typeface="Times New Roman" pitchFamily="18" charset="0"/>
               <a:cs typeface="Times New Roman" pitchFamily="18" charset="0"/>
             </a:endParaRPr>
@@ -12942,7 +12515,7 @@
               <a:buFont typeface="+mj-lt"/>
               <a:buAutoNum type="arabicPeriod"/>
             </a:pPr>
-            <a:endParaRPr lang="en-US" altLang="zh-TW" dirty="0" smtClean="0">
+            <a:endParaRPr lang="en-US" altLang="zh-TW" dirty="0">
               <a:latin typeface="Times New Roman" pitchFamily="18" charset="0"/>
               <a:cs typeface="Times New Roman" pitchFamily="18" charset="0"/>
             </a:endParaRPr>
@@ -12962,7 +12535,7 @@
               <a:buFont typeface="+mj-lt"/>
               <a:buAutoNum type="arabicPeriod"/>
             </a:pPr>
-            <a:endParaRPr lang="en-US" altLang="zh-TW" dirty="0" smtClean="0">
+            <a:endParaRPr lang="en-US" altLang="zh-TW" dirty="0">
               <a:latin typeface="Times New Roman" pitchFamily="18" charset="0"/>
               <a:cs typeface="Times New Roman" pitchFamily="18" charset="0"/>
             </a:endParaRPr>
@@ -12987,17 +12560,10 @@
                 <a:latin typeface="Times New Roman" pitchFamily="18" charset="0"/>
                 <a:cs typeface="Times New Roman" pitchFamily="18" charset="0"/>
               </a:rPr>
-              <a:t>在</a:t>
-            </a:r>
-            <a:r>
-              <a:rPr lang="zh-TW" altLang="en-US" dirty="0" smtClean="0">
-                <a:latin typeface="Times New Roman" pitchFamily="18" charset="0"/>
-                <a:cs typeface="Times New Roman" pitchFamily="18" charset="0"/>
-              </a:rPr>
-              <a:t>瀏覽器的網址輸入 </a:t>
-            </a:r>
-            <a:r>
-              <a:rPr lang="en-US" altLang="zh-TW" dirty="0" smtClean="0">
+              <a:t>在瀏覽器的網址輸入 </a:t>
+            </a:r>
+            <a:r>
+              <a:rPr lang="en-US" altLang="zh-TW" dirty="0">
                 <a:latin typeface="Times New Roman" pitchFamily="18" charset="0"/>
                 <a:cs typeface="Times New Roman" pitchFamily="18" charset="0"/>
               </a:rPr>
@@ -13121,13 +12687,6 @@
   <p:clrMapOvr>
     <a:masterClrMapping/>
   </p:clrMapOvr>
-  <p:timing>
-    <p:tnLst>
-      <p:par>
-        <p:cTn id="1" dur="indefinite" restart="never" nodeType="tmRoot"/>
-      </p:par>
-    </p:tnLst>
-  </p:timing>
 </p:sld>
 </file>
 
@@ -13172,23 +12731,19 @@
           <a:p>
             <a:pPr algn="ctr"/>
             <a:r>
-              <a:rPr lang="en-US" altLang="zh-TW" sz="2400" dirty="0" smtClean="0">
+              <a:rPr lang="en-US" altLang="zh-TW" sz="2400" dirty="0">
                 <a:latin typeface="Times New Roman" pitchFamily="18" charset="0"/>
                 <a:cs typeface="Times New Roman" pitchFamily="18" charset="0"/>
               </a:rPr>
               <a:t>index.html </a:t>
             </a:r>
             <a:r>
-              <a:rPr lang="zh-TW" altLang="en-US" sz="2400" dirty="0" smtClean="0">
+              <a:rPr lang="zh-TW" altLang="en-US" sz="2400" dirty="0">
                 <a:latin typeface="Times New Roman" pitchFamily="18" charset="0"/>
                 <a:cs typeface="Times New Roman" pitchFamily="18" charset="0"/>
               </a:rPr>
               <a:t>介紹</a:t>
             </a:r>
-            <a:endParaRPr lang="zh-TW" altLang="en-US" sz="2400" dirty="0">
-              <a:latin typeface="Times New Roman" pitchFamily="18" charset="0"/>
-              <a:cs typeface="Times New Roman" pitchFamily="18" charset="0"/>
-            </a:endParaRPr>
           </a:p>
         </p:txBody>
       </p:sp>
@@ -13216,7 +12771,7 @@
           <a:p>
             <a:pPr algn="ctr"/>
             <a:r>
-              <a:rPr lang="en-US" altLang="zh-TW" sz="1200" dirty="0" smtClean="0">
+              <a:rPr lang="en-US" altLang="zh-TW" sz="1200" dirty="0">
                 <a:latin typeface="Times New Roman" pitchFamily="18" charset="0"/>
                 <a:cs typeface="Times New Roman" pitchFamily="18" charset="0"/>
               </a:rPr>
@@ -13256,25 +12811,11 @@
               <a:buAutoNum type="arabicPeriod"/>
             </a:pPr>
             <a:r>
-              <a:rPr lang="en-US" altLang="zh-TW" dirty="0" smtClean="0">
-                <a:latin typeface="Times New Roman" pitchFamily="18" charset="0"/>
-                <a:cs typeface="Times New Roman" pitchFamily="18" charset="0"/>
-              </a:rPr>
-              <a:t>&lt;!</a:t>
-            </a:r>
-            <a:r>
-              <a:rPr lang="en-US" altLang="zh-TW" dirty="0">
-                <a:latin typeface="Times New Roman" pitchFamily="18" charset="0"/>
-                <a:cs typeface="Times New Roman" pitchFamily="18" charset="0"/>
-              </a:rPr>
-              <a:t>DOCTYPE html</a:t>
-            </a:r>
-            <a:r>
-              <a:rPr lang="en-US" altLang="zh-TW" dirty="0" smtClean="0">
-                <a:latin typeface="Times New Roman" pitchFamily="18" charset="0"/>
-                <a:cs typeface="Times New Roman" pitchFamily="18" charset="0"/>
-              </a:rPr>
-              <a:t>&gt;</a:t>
+              <a:rPr lang="en-US" altLang="zh-TW" dirty="0">
+                <a:latin typeface="Times New Roman" pitchFamily="18" charset="0"/>
+                <a:cs typeface="Times New Roman" pitchFamily="18" charset="0"/>
+              </a:rPr>
+              <a:t>&lt;!DOCTYPE html&gt;</a:t>
             </a:r>
             <a:endParaRPr lang="en-US" altLang="zh-TW" dirty="0">
               <a:solidFill>
@@ -13446,7 +12987,7 @@
               <a:t>    </a:t>
             </a:r>
             <a:r>
-              <a:rPr lang="zh-TW" altLang="en-US" dirty="0" smtClean="0">
+              <a:rPr lang="zh-TW" altLang="en-US" dirty="0">
                 <a:solidFill>
                   <a:srgbClr val="7030A0"/>
                 </a:solidFill>
@@ -13488,10 +13029,6 @@
               </a:rPr>
               <a:t>&lt;/html&gt;</a:t>
             </a:r>
-            <a:endParaRPr lang="en-US" altLang="zh-TW" dirty="0" smtClean="0">
-              <a:latin typeface="Times New Roman" pitchFamily="18" charset="0"/>
-              <a:cs typeface="Times New Roman" pitchFamily="18" charset="0"/>
-            </a:endParaRPr>
           </a:p>
         </p:txBody>
       </p:sp>
@@ -13631,7 +13168,7 @@
           <a:p>
             <a:pPr algn="ctr"/>
             <a:r>
-              <a:rPr lang="en-US" altLang="zh-TW" dirty="0" smtClean="0">
+              <a:rPr lang="en-US" altLang="zh-TW" dirty="0">
                 <a:solidFill>
                   <a:srgbClr val="FF0000"/>
                 </a:solidFill>
@@ -13641,7 +13178,7 @@
               <a:t>html </a:t>
             </a:r>
             <a:r>
-              <a:rPr lang="zh-TW" altLang="en-US" dirty="0" smtClean="0">
+              <a:rPr lang="zh-TW" altLang="en-US" dirty="0">
                 <a:solidFill>
                   <a:srgbClr val="FF0000"/>
                 </a:solidFill>
@@ -13650,13 +13187,6 @@
               </a:rPr>
               <a:t>文件宣告</a:t>
             </a:r>
-            <a:endParaRPr lang="zh-TW" altLang="en-US" dirty="0">
-              <a:solidFill>
-                <a:srgbClr val="FF0000"/>
-              </a:solidFill>
-              <a:latin typeface="Times New Roman" pitchFamily="18" charset="0"/>
-              <a:cs typeface="Times New Roman" pitchFamily="18" charset="0"/>
-            </a:endParaRPr>
           </a:p>
         </p:txBody>
       </p:sp>
@@ -13762,13 +13292,6 @@
   <p:clrMapOvr>
     <a:masterClrMapping/>
   </p:clrMapOvr>
-  <p:timing>
-    <p:tnLst>
-      <p:par>
-        <p:cTn id="1" dur="indefinite" restart="never" nodeType="tmRoot"/>
-      </p:par>
-    </p:tnLst>
-  </p:timing>
 </p:sld>
 </file>
 
@@ -13813,21 +13336,21 @@
           <a:p>
             <a:pPr algn="ctr"/>
             <a:r>
-              <a:rPr lang="en-US" altLang="zh-TW" sz="2400" dirty="0" smtClean="0">
+              <a:rPr lang="en-US" altLang="zh-TW" sz="2400" dirty="0">
                 <a:latin typeface="Times New Roman" pitchFamily="18" charset="0"/>
                 <a:cs typeface="Times New Roman" pitchFamily="18" charset="0"/>
               </a:rPr>
               <a:t>The HTML DOM(</a:t>
             </a:r>
             <a:r>
-              <a:rPr lang="en-US" altLang="zh-TW" sz="2400" dirty="0" err="1" smtClean="0">
+              <a:rPr lang="en-US" altLang="zh-TW" sz="2400" dirty="0" err="1">
                 <a:latin typeface="Times New Roman" pitchFamily="18" charset="0"/>
                 <a:cs typeface="Times New Roman" pitchFamily="18" charset="0"/>
               </a:rPr>
               <a:t>Documemt</a:t>
             </a:r>
             <a:r>
-              <a:rPr lang="en-US" altLang="zh-TW" sz="2400" dirty="0" smtClean="0">
+              <a:rPr lang="en-US" altLang="zh-TW" sz="2400" dirty="0">
                 <a:latin typeface="Times New Roman" pitchFamily="18" charset="0"/>
                 <a:cs typeface="Times New Roman" pitchFamily="18" charset="0"/>
               </a:rPr>
@@ -13915,17 +13438,7 @@
                 <a:latin typeface="Times New Roman" pitchFamily="18" charset="0"/>
                 <a:cs typeface="Times New Roman" pitchFamily="18" charset="0"/>
               </a:rPr>
-              <a:t>a tree of </a:t>
-            </a:r>
-            <a:r>
-              <a:rPr lang="en-US" altLang="zh-TW" dirty="0" smtClean="0">
-                <a:solidFill>
-                  <a:srgbClr val="FF0000"/>
-                </a:solidFill>
-                <a:latin typeface="Times New Roman" pitchFamily="18" charset="0"/>
-                <a:cs typeface="Times New Roman" pitchFamily="18" charset="0"/>
-              </a:rPr>
-              <a:t>Objects</a:t>
+              <a:t>a tree of Objects</a:t>
             </a:r>
           </a:p>
           <a:p>
@@ -13941,25 +13454,11 @@
               <a:buAutoNum type="arabicPeriod"/>
             </a:pPr>
             <a:r>
-              <a:rPr lang="en-US" altLang="zh-TW" dirty="0" smtClean="0">
-                <a:latin typeface="Times New Roman" pitchFamily="18" charset="0"/>
-                <a:cs typeface="Times New Roman" pitchFamily="18" charset="0"/>
-              </a:rPr>
-              <a:t>&lt;!</a:t>
-            </a:r>
-            <a:r>
-              <a:rPr lang="en-US" altLang="zh-TW" dirty="0">
-                <a:latin typeface="Times New Roman" pitchFamily="18" charset="0"/>
-                <a:cs typeface="Times New Roman" pitchFamily="18" charset="0"/>
-              </a:rPr>
-              <a:t>DOCTYPE html</a:t>
-            </a:r>
-            <a:r>
-              <a:rPr lang="en-US" altLang="zh-TW" dirty="0" smtClean="0">
-                <a:latin typeface="Times New Roman" pitchFamily="18" charset="0"/>
-                <a:cs typeface="Times New Roman" pitchFamily="18" charset="0"/>
-              </a:rPr>
-              <a:t>&gt;</a:t>
+              <a:rPr lang="en-US" altLang="zh-TW" dirty="0">
+                <a:latin typeface="Times New Roman" pitchFamily="18" charset="0"/>
+                <a:cs typeface="Times New Roman" pitchFamily="18" charset="0"/>
+              </a:rPr>
+              <a:t>&lt;!DOCTYPE html&gt;</a:t>
             </a:r>
             <a:endParaRPr lang="en-US" altLang="zh-TW" dirty="0">
               <a:solidFill>
@@ -14133,13 +13632,13 @@
               <a:buAutoNum type="arabicPeriod"/>
             </a:pPr>
             <a:r>
-              <a:rPr lang="en-US" altLang="zh-TW" dirty="0" smtClean="0">
+              <a:rPr lang="en-US" altLang="zh-TW" dirty="0">
                 <a:latin typeface="Times New Roman" pitchFamily="18" charset="0"/>
                 <a:cs typeface="Times New Roman" pitchFamily="18" charset="0"/>
               </a:rPr>
               <a:t>    </a:t>
             </a:r>
-            <a:endParaRPr lang="en-US" altLang="zh-TW" dirty="0" smtClean="0">
+            <a:endParaRPr lang="en-US" altLang="zh-TW" dirty="0">
               <a:solidFill>
                 <a:srgbClr val="7030A0"/>
               </a:solidFill>
@@ -14153,18 +13652,11 @@
               <a:buAutoNum type="arabicPeriod"/>
             </a:pPr>
             <a:r>
-              <a:rPr lang="en-US" altLang="zh-TW" dirty="0" smtClean="0">
-                <a:latin typeface="Times New Roman" pitchFamily="18" charset="0"/>
-                <a:cs typeface="Times New Roman" pitchFamily="18" charset="0"/>
-              </a:rPr>
-              <a:t>&lt;/</a:t>
-            </a:r>
-            <a:r>
-              <a:rPr lang="en-US" altLang="zh-TW" dirty="0">
-                <a:latin typeface="Times New Roman" pitchFamily="18" charset="0"/>
-                <a:cs typeface="Times New Roman" pitchFamily="18" charset="0"/>
-              </a:rPr>
-              <a:t>body&gt;</a:t>
+              <a:rPr lang="en-US" altLang="zh-TW" dirty="0">
+                <a:latin typeface="Times New Roman" pitchFamily="18" charset="0"/>
+                <a:cs typeface="Times New Roman" pitchFamily="18" charset="0"/>
+              </a:rPr>
+              <a:t>&lt;/body&gt;</a:t>
             </a:r>
           </a:p>
           <a:p>
@@ -14180,17 +13672,7 @@
                 <a:latin typeface="Times New Roman" pitchFamily="18" charset="0"/>
                 <a:cs typeface="Times New Roman" pitchFamily="18" charset="0"/>
               </a:rPr>
-              <a:t>&lt;/html</a:t>
-            </a:r>
-            <a:r>
-              <a:rPr lang="en-US" altLang="zh-TW" dirty="0" smtClean="0">
-                <a:solidFill>
-                  <a:srgbClr val="FF0000"/>
-                </a:solidFill>
-                <a:latin typeface="Times New Roman" pitchFamily="18" charset="0"/>
-                <a:cs typeface="Times New Roman" pitchFamily="18" charset="0"/>
-              </a:rPr>
-              <a:t>&gt;</a:t>
+              <a:t>&lt;/html&gt;</a:t>
             </a:r>
           </a:p>
           <a:p>
@@ -14205,7 +13687,7 @@
           </a:p>
           <a:p>
             <a:pPr defTabSz="0"/>
-            <a:endParaRPr lang="en-US" altLang="zh-TW" dirty="0" smtClean="0">
+            <a:endParaRPr lang="en-US" altLang="zh-TW" dirty="0">
               <a:solidFill>
                 <a:srgbClr val="FF0000"/>
               </a:solidFill>
@@ -14285,7 +13767,7 @@
           <a:p>
             <a:pPr algn="ctr"/>
             <a:r>
-              <a:rPr lang="en-US" altLang="zh-TW" dirty="0" smtClean="0">
+              <a:rPr lang="en-US" altLang="zh-TW" dirty="0">
                 <a:solidFill>
                   <a:srgbClr val="FF0000"/>
                 </a:solidFill>
@@ -14397,7 +13879,7 @@
             <a:p>
               <a:pPr algn="ctr"/>
               <a:r>
-                <a:rPr lang="en-US" altLang="zh-TW" dirty="0" smtClean="0">
+                <a:rPr lang="en-US" altLang="zh-TW" dirty="0">
                   <a:solidFill>
                     <a:srgbClr val="FF0000"/>
                   </a:solidFill>
@@ -14507,7 +13989,7 @@
             <a:p>
               <a:pPr algn="ctr"/>
               <a:r>
-                <a:rPr lang="en-US" altLang="zh-TW" dirty="0" smtClean="0">
+                <a:rPr lang="en-US" altLang="zh-TW" dirty="0">
                   <a:latin typeface="Times New Roman" pitchFamily="18" charset="0"/>
                   <a:cs typeface="Times New Roman" pitchFamily="18" charset="0"/>
                 </a:rPr>
@@ -14611,7 +14093,7 @@
             <a:p>
               <a:pPr algn="ctr"/>
               <a:r>
-                <a:rPr lang="en-US" altLang="zh-TW" dirty="0" smtClean="0">
+                <a:rPr lang="en-US" altLang="zh-TW" dirty="0">
                   <a:latin typeface="Times New Roman" pitchFamily="18" charset="0"/>
                   <a:cs typeface="Times New Roman" pitchFamily="18" charset="0"/>
                 </a:rPr>
@@ -14791,7 +14273,7 @@
             <a:p>
               <a:pPr algn="ctr"/>
               <a:r>
-                <a:rPr lang="en-US" altLang="zh-TW" dirty="0" smtClean="0">
+                <a:rPr lang="en-US" altLang="zh-TW" dirty="0">
                   <a:latin typeface="Times New Roman" pitchFamily="18" charset="0"/>
                   <a:cs typeface="Times New Roman" pitchFamily="18" charset="0"/>
                 </a:rPr>
@@ -14933,7 +14415,7 @@
             <a:p>
               <a:pPr algn="ctr"/>
               <a:r>
-                <a:rPr lang="en-US" altLang="zh-TW" dirty="0" smtClean="0">
+                <a:rPr lang="en-US" altLang="zh-TW" dirty="0">
                   <a:latin typeface="Times New Roman" pitchFamily="18" charset="0"/>
                   <a:cs typeface="Times New Roman" pitchFamily="18" charset="0"/>
                 </a:rPr>
@@ -15310,13 +14792,6 @@
   <p:clrMapOvr>
     <a:masterClrMapping/>
   </p:clrMapOvr>
-  <p:timing>
-    <p:tnLst>
-      <p:par>
-        <p:cTn id="1" dur="indefinite" restart="never" nodeType="tmRoot"/>
-      </p:par>
-    </p:tnLst>
-  </p:timing>
 </p:sld>
 </file>
 

--- a/靜態網頁.pptx
+++ b/靜態網頁.pptx
@@ -26,6 +26,7 @@
     <p:sldId id="274" r:id="rId20"/>
     <p:sldId id="275" r:id="rId21"/>
     <p:sldId id="276" r:id="rId22"/>
+    <p:sldId id="277" r:id="rId23"/>
   </p:sldIdLst>
   <p:sldSz cx="9144000" cy="6858000" type="screen4x3"/>
   <p:notesSz cx="6858000" cy="9144000"/>
@@ -10545,14 +10546,14 @@
                 <a:latin typeface="Times New Roman" pitchFamily="18" charset="0"/>
                 <a:cs typeface="Times New Roman" pitchFamily="18" charset="0"/>
               </a:rPr>
-              <a:t>id, class </a:t>
-            </a:r>
-            <a:r>
-              <a:rPr lang="zh-TW" altLang="en-US" dirty="0">
-                <a:latin typeface="Times New Roman" pitchFamily="18" charset="0"/>
-                <a:cs typeface="Times New Roman" pitchFamily="18" charset="0"/>
-              </a:rPr>
-              <a:t>的寫法</a:t>
+              <a:t>id, </a:t>
+            </a:r>
+            <a:r>
+              <a:rPr lang="en-US" altLang="zh-TW" dirty="0" err="1">
+                <a:latin typeface="Times New Roman" pitchFamily="18" charset="0"/>
+                <a:cs typeface="Times New Roman" pitchFamily="18" charset="0"/>
+              </a:rPr>
+              <a:t>clas</a:t>
             </a:r>
             <a:endParaRPr lang="en-US" altLang="zh-TW" dirty="0">
               <a:latin typeface="Times New Roman" pitchFamily="18" charset="0"/>
@@ -10672,6 +10673,630 @@
     <p:extLst>
       <p:ext uri="{BB962C8B-B14F-4D97-AF65-F5344CB8AC3E}">
         <p14:creationId xmlns:p14="http://schemas.microsoft.com/office/powerpoint/2010/main" val="3173590394"/>
+      </p:ext>
+    </p:extLst>
+  </p:cSld>
+  <p:clrMapOvr>
+    <a:masterClrMapping/>
+  </p:clrMapOvr>
+</p:sld>
+</file>
+
+<file path=ppt/slides/slide22.xml><?xml version="1.0" encoding="utf-8"?>
+<p:sld xmlns:a="http://schemas.openxmlformats.org/drawingml/2006/main" xmlns:r="http://schemas.openxmlformats.org/officeDocument/2006/relationships" xmlns:p="http://schemas.openxmlformats.org/presentationml/2006/main">
+  <p:cSld>
+    <p:spTree>
+      <p:nvGrpSpPr>
+        <p:cNvPr id="1" name=""/>
+        <p:cNvGrpSpPr/>
+        <p:nvPr/>
+      </p:nvGrpSpPr>
+      <p:grpSpPr>
+        <a:xfrm>
+          <a:off x="0" y="0"/>
+          <a:ext cx="0" cy="0"/>
+          <a:chOff x="0" y="0"/>
+          <a:chExt cx="0" cy="0"/>
+        </a:xfrm>
+      </p:grpSpPr>
+      <p:sp>
+        <p:nvSpPr>
+          <p:cNvPr id="4" name="文字方塊 3"/>
+          <p:cNvSpPr txBox="1"/>
+          <p:nvPr/>
+        </p:nvSpPr>
+        <p:spPr>
+          <a:xfrm>
+            <a:off x="0" y="0"/>
+            <a:ext cx="9144000" cy="836712"/>
+          </a:xfrm>
+          <a:prstGeom prst="rect">
+            <a:avLst/>
+          </a:prstGeom>
+          <a:noFill/>
+        </p:spPr>
+        <p:txBody>
+          <a:bodyPr wrap="square" rtlCol="0" anchor="ctr">
+            <a:noAutofit/>
+          </a:bodyPr>
+          <a:lstStyle/>
+          <a:p>
+            <a:pPr algn="ctr"/>
+            <a:r>
+              <a:rPr lang="en-US" altLang="zh-TW" sz="2400" dirty="0">
+                <a:latin typeface="Times New Roman" pitchFamily="18" charset="0"/>
+                <a:cs typeface="Times New Roman" pitchFamily="18" charset="0"/>
+              </a:rPr>
+              <a:t>Box-Model</a:t>
+            </a:r>
+            <a:endParaRPr lang="zh-TW" altLang="en-US" sz="2400" dirty="0">
+              <a:latin typeface="Times New Roman" pitchFamily="18" charset="0"/>
+              <a:cs typeface="Times New Roman" pitchFamily="18" charset="0"/>
+            </a:endParaRPr>
+          </a:p>
+        </p:txBody>
+      </p:sp>
+      <p:sp>
+        <p:nvSpPr>
+          <p:cNvPr id="5" name="文字方塊 4"/>
+          <p:cNvSpPr txBox="1"/>
+          <p:nvPr/>
+        </p:nvSpPr>
+        <p:spPr>
+          <a:xfrm>
+            <a:off x="8711952" y="6573902"/>
+            <a:ext cx="432048" cy="276999"/>
+          </a:xfrm>
+          <a:prstGeom prst="rect">
+            <a:avLst/>
+          </a:prstGeom>
+          <a:noFill/>
+        </p:spPr>
+        <p:txBody>
+          <a:bodyPr wrap="square" rtlCol="0" anchor="ctr">
+            <a:spAutoFit/>
+          </a:bodyPr>
+          <a:lstStyle/>
+          <a:p>
+            <a:pPr algn="ctr"/>
+            <a:r>
+              <a:rPr lang="en-US" altLang="zh-TW" sz="1200" dirty="0">
+                <a:latin typeface="Times New Roman" pitchFamily="18" charset="0"/>
+                <a:cs typeface="Times New Roman" pitchFamily="18" charset="0"/>
+              </a:rPr>
+              <a:t>19</a:t>
+            </a:r>
+            <a:endParaRPr lang="zh-TW" altLang="en-US" sz="1200" dirty="0">
+              <a:latin typeface="Times New Roman" pitchFamily="18" charset="0"/>
+              <a:cs typeface="Times New Roman" pitchFamily="18" charset="0"/>
+            </a:endParaRPr>
+          </a:p>
+        </p:txBody>
+      </p:sp>
+      <p:sp>
+        <p:nvSpPr>
+          <p:cNvPr id="38" name="文字方塊 37"/>
+          <p:cNvSpPr txBox="1"/>
+          <p:nvPr/>
+        </p:nvSpPr>
+        <p:spPr>
+          <a:xfrm>
+            <a:off x="503548" y="1124744"/>
+            <a:ext cx="8136904" cy="5328592"/>
+          </a:xfrm>
+          <a:prstGeom prst="rect">
+            <a:avLst/>
+          </a:prstGeom>
+          <a:noFill/>
+        </p:spPr>
+        <p:txBody>
+          <a:bodyPr wrap="square" rtlCol="0" anchor="t">
+            <a:noAutofit/>
+          </a:bodyPr>
+          <a:lstStyle/>
+          <a:p>
+            <a:pPr defTabSz="0"/>
+            <a:r>
+              <a:rPr lang="en-US" altLang="zh-TW" dirty="0">
+                <a:latin typeface="Times New Roman" pitchFamily="18" charset="0"/>
+                <a:cs typeface="Times New Roman" pitchFamily="18" charset="0"/>
+              </a:rPr>
+              <a:t>Margin</a:t>
+            </a:r>
+            <a:r>
+              <a:rPr lang="zh-TW" altLang="en-US" dirty="0">
+                <a:latin typeface="Times New Roman" pitchFamily="18" charset="0"/>
+                <a:cs typeface="Times New Roman" pitchFamily="18" charset="0"/>
+              </a:rPr>
+              <a:t>：</a:t>
+            </a:r>
+            <a:endParaRPr lang="en-US" altLang="zh-TW" dirty="0">
+              <a:latin typeface="Times New Roman" pitchFamily="18" charset="0"/>
+              <a:cs typeface="Times New Roman" pitchFamily="18" charset="0"/>
+            </a:endParaRPr>
+          </a:p>
+          <a:p>
+            <a:pPr defTabSz="0"/>
+            <a:r>
+              <a:rPr lang="en-US" altLang="zh-TW" dirty="0">
+                <a:latin typeface="Times New Roman" pitchFamily="18" charset="0"/>
+                <a:cs typeface="Times New Roman" pitchFamily="18" charset="0"/>
+              </a:rPr>
+              <a:t>Element </a:t>
+            </a:r>
+            <a:r>
+              <a:rPr lang="zh-TW" altLang="en-US" dirty="0">
+                <a:latin typeface="Times New Roman" pitchFamily="18" charset="0"/>
+                <a:cs typeface="Times New Roman" pitchFamily="18" charset="0"/>
+              </a:rPr>
+              <a:t>與其他 </a:t>
+            </a:r>
+            <a:r>
+              <a:rPr lang="en-US" altLang="zh-TW" dirty="0">
+                <a:latin typeface="Times New Roman" pitchFamily="18" charset="0"/>
+                <a:cs typeface="Times New Roman" pitchFamily="18" charset="0"/>
+              </a:rPr>
+              <a:t>Element </a:t>
+            </a:r>
+            <a:r>
+              <a:rPr lang="zh-TW" altLang="en-US" dirty="0">
+                <a:latin typeface="Times New Roman" pitchFamily="18" charset="0"/>
+                <a:cs typeface="Times New Roman" pitchFamily="18" charset="0"/>
+              </a:rPr>
+              <a:t>之間的區域</a:t>
+            </a:r>
+            <a:endParaRPr lang="en-US" altLang="zh-TW" dirty="0">
+              <a:latin typeface="Times New Roman" pitchFamily="18" charset="0"/>
+              <a:cs typeface="Times New Roman" pitchFamily="18" charset="0"/>
+            </a:endParaRPr>
+          </a:p>
+          <a:p>
+            <a:pPr defTabSz="0"/>
+            <a:endParaRPr lang="en-US" altLang="zh-TW" dirty="0">
+              <a:latin typeface="Times New Roman" pitchFamily="18" charset="0"/>
+              <a:cs typeface="Times New Roman" pitchFamily="18" charset="0"/>
+            </a:endParaRPr>
+          </a:p>
+          <a:p>
+            <a:pPr defTabSz="0"/>
+            <a:r>
+              <a:rPr lang="en-US" altLang="zh-TW" dirty="0">
+                <a:latin typeface="Times New Roman" pitchFamily="18" charset="0"/>
+                <a:cs typeface="Times New Roman" pitchFamily="18" charset="0"/>
+              </a:rPr>
+              <a:t>Border</a:t>
+            </a:r>
+            <a:r>
+              <a:rPr lang="zh-TW" altLang="en-US" dirty="0">
+                <a:latin typeface="Times New Roman" pitchFamily="18" charset="0"/>
+                <a:cs typeface="Times New Roman" pitchFamily="18" charset="0"/>
+              </a:rPr>
+              <a:t>：</a:t>
+            </a:r>
+            <a:endParaRPr lang="en-US" altLang="zh-TW" dirty="0">
+              <a:latin typeface="Times New Roman" pitchFamily="18" charset="0"/>
+              <a:cs typeface="Times New Roman" pitchFamily="18" charset="0"/>
+            </a:endParaRPr>
+          </a:p>
+          <a:p>
+            <a:pPr defTabSz="0"/>
+            <a:r>
+              <a:rPr lang="en-US" altLang="zh-TW" dirty="0">
+                <a:latin typeface="Times New Roman" pitchFamily="18" charset="0"/>
+                <a:cs typeface="Times New Roman" pitchFamily="18" charset="0"/>
+              </a:rPr>
+              <a:t>Element </a:t>
+            </a:r>
+            <a:r>
+              <a:rPr lang="zh-TW" altLang="en-US" dirty="0">
+                <a:latin typeface="Times New Roman" pitchFamily="18" charset="0"/>
+                <a:cs typeface="Times New Roman" pitchFamily="18" charset="0"/>
+              </a:rPr>
+              <a:t>的框線區域</a:t>
+            </a:r>
+            <a:endParaRPr lang="en-US" altLang="zh-TW" dirty="0">
+              <a:latin typeface="Times New Roman" pitchFamily="18" charset="0"/>
+              <a:cs typeface="Times New Roman" pitchFamily="18" charset="0"/>
+            </a:endParaRPr>
+          </a:p>
+          <a:p>
+            <a:pPr defTabSz="0"/>
+            <a:endParaRPr lang="en-US" altLang="zh-TW" dirty="0">
+              <a:latin typeface="Times New Roman" pitchFamily="18" charset="0"/>
+              <a:cs typeface="Times New Roman" pitchFamily="18" charset="0"/>
+            </a:endParaRPr>
+          </a:p>
+          <a:p>
+            <a:pPr defTabSz="0"/>
+            <a:r>
+              <a:rPr lang="en-US" altLang="zh-TW" dirty="0">
+                <a:latin typeface="Times New Roman" pitchFamily="18" charset="0"/>
+                <a:cs typeface="Times New Roman" pitchFamily="18" charset="0"/>
+              </a:rPr>
+              <a:t>Padding</a:t>
+            </a:r>
+            <a:r>
+              <a:rPr lang="zh-TW" altLang="en-US" dirty="0">
+                <a:latin typeface="Times New Roman" pitchFamily="18" charset="0"/>
+                <a:cs typeface="Times New Roman" pitchFamily="18" charset="0"/>
+              </a:rPr>
+              <a:t>：</a:t>
+            </a:r>
+            <a:endParaRPr lang="en-US" altLang="zh-TW" dirty="0">
+              <a:latin typeface="Times New Roman" pitchFamily="18" charset="0"/>
+              <a:cs typeface="Times New Roman" pitchFamily="18" charset="0"/>
+            </a:endParaRPr>
+          </a:p>
+          <a:p>
+            <a:pPr defTabSz="0"/>
+            <a:r>
+              <a:rPr lang="en-US" altLang="zh-TW" dirty="0">
+                <a:latin typeface="Times New Roman" pitchFamily="18" charset="0"/>
+                <a:cs typeface="Times New Roman" pitchFamily="18" charset="0"/>
+              </a:rPr>
+              <a:t>Border</a:t>
+            </a:r>
+            <a:r>
+              <a:rPr lang="zh-TW" altLang="en-US" dirty="0">
+                <a:latin typeface="Times New Roman" pitchFamily="18" charset="0"/>
+                <a:cs typeface="Times New Roman" pitchFamily="18" charset="0"/>
+              </a:rPr>
+              <a:t> 與 </a:t>
+            </a:r>
+            <a:r>
+              <a:rPr lang="en-US" altLang="zh-TW" dirty="0">
+                <a:latin typeface="Times New Roman" pitchFamily="18" charset="0"/>
+                <a:cs typeface="Times New Roman" pitchFamily="18" charset="0"/>
+              </a:rPr>
+              <a:t>Content </a:t>
+            </a:r>
+            <a:r>
+              <a:rPr lang="zh-TW" altLang="en-US" dirty="0">
+                <a:latin typeface="Times New Roman" pitchFamily="18" charset="0"/>
+                <a:cs typeface="Times New Roman" pitchFamily="18" charset="0"/>
+              </a:rPr>
+              <a:t>之間的空間</a:t>
+            </a:r>
+            <a:endParaRPr lang="en-US" altLang="zh-TW" dirty="0">
+              <a:latin typeface="Times New Roman" pitchFamily="18" charset="0"/>
+              <a:cs typeface="Times New Roman" pitchFamily="18" charset="0"/>
+            </a:endParaRPr>
+          </a:p>
+          <a:p>
+            <a:pPr defTabSz="0"/>
+            <a:endParaRPr lang="en-US" altLang="zh-TW" dirty="0">
+              <a:latin typeface="Times New Roman" pitchFamily="18" charset="0"/>
+              <a:cs typeface="Times New Roman" pitchFamily="18" charset="0"/>
+            </a:endParaRPr>
+          </a:p>
+          <a:p>
+            <a:pPr defTabSz="0"/>
+            <a:r>
+              <a:rPr lang="en-US" altLang="zh-TW" dirty="0">
+                <a:latin typeface="Times New Roman" pitchFamily="18" charset="0"/>
+                <a:cs typeface="Times New Roman" pitchFamily="18" charset="0"/>
+              </a:rPr>
+              <a:t>Content</a:t>
+            </a:r>
+            <a:r>
+              <a:rPr lang="zh-TW" altLang="en-US" dirty="0">
+                <a:latin typeface="Times New Roman" pitchFamily="18" charset="0"/>
+                <a:cs typeface="Times New Roman" pitchFamily="18" charset="0"/>
+              </a:rPr>
+              <a:t>：</a:t>
+            </a:r>
+            <a:endParaRPr lang="en-US" altLang="zh-TW" dirty="0">
+              <a:latin typeface="Times New Roman" pitchFamily="18" charset="0"/>
+              <a:cs typeface="Times New Roman" pitchFamily="18" charset="0"/>
+            </a:endParaRPr>
+          </a:p>
+          <a:p>
+            <a:pPr defTabSz="0"/>
+            <a:r>
+              <a:rPr lang="en-US" altLang="zh-TW" dirty="0">
+                <a:latin typeface="Times New Roman" pitchFamily="18" charset="0"/>
+                <a:cs typeface="Times New Roman" pitchFamily="18" charset="0"/>
+              </a:rPr>
+              <a:t>Element </a:t>
+            </a:r>
+            <a:r>
+              <a:rPr lang="zh-TW" altLang="en-US" dirty="0">
+                <a:latin typeface="Times New Roman" pitchFamily="18" charset="0"/>
+                <a:cs typeface="Times New Roman" pitchFamily="18" charset="0"/>
+              </a:rPr>
+              <a:t>內容的真正區域</a:t>
+            </a:r>
+            <a:endParaRPr lang="en-US" altLang="zh-TW" dirty="0">
+              <a:latin typeface="Times New Roman" pitchFamily="18" charset="0"/>
+              <a:cs typeface="Times New Roman" pitchFamily="18" charset="0"/>
+            </a:endParaRPr>
+          </a:p>
+        </p:txBody>
+      </p:sp>
+      <p:sp>
+        <p:nvSpPr>
+          <p:cNvPr id="3" name="矩形 2">
+            <a:extLst>
+              <a:ext uri="{FF2B5EF4-FFF2-40B4-BE49-F238E27FC236}">
+                <a16:creationId xmlns:a16="http://schemas.microsoft.com/office/drawing/2014/main" id="{80C8FFE9-16BB-4576-9987-3923EE2858CC}"/>
+              </a:ext>
+            </a:extLst>
+          </p:cNvPr>
+          <p:cNvSpPr/>
+          <p:nvPr/>
+        </p:nvSpPr>
+        <p:spPr>
+          <a:xfrm>
+            <a:off x="3787603" y="2492895"/>
+            <a:ext cx="4528813" cy="3742987"/>
+          </a:xfrm>
+          <a:prstGeom prst="rect">
+            <a:avLst/>
+          </a:prstGeom>
+          <a:solidFill>
+            <a:schemeClr val="accent6">
+              <a:lumMod val="40000"/>
+              <a:lumOff val="60000"/>
+            </a:schemeClr>
+          </a:solidFill>
+          <a:ln>
+            <a:noFill/>
+          </a:ln>
+        </p:spPr>
+        <p:style>
+          <a:lnRef idx="2">
+            <a:schemeClr val="accent1">
+              <a:shade val="50000"/>
+            </a:schemeClr>
+          </a:lnRef>
+          <a:fillRef idx="1">
+            <a:schemeClr val="accent1"/>
+          </a:fillRef>
+          <a:effectRef idx="0">
+            <a:schemeClr val="accent1"/>
+          </a:effectRef>
+          <a:fontRef idx="minor">
+            <a:schemeClr val="lt1"/>
+          </a:fontRef>
+        </p:style>
+        <p:txBody>
+          <a:bodyPr rtlCol="0" anchor="t"/>
+          <a:lstStyle/>
+          <a:p>
+            <a:r>
+              <a:rPr lang="en-US" altLang="zh-TW" dirty="0">
+                <a:solidFill>
+                  <a:schemeClr val="tx1"/>
+                </a:solidFill>
+                <a:latin typeface="Times New Roman" panose="02020603050405020304" pitchFamily="18" charset="0"/>
+                <a:cs typeface="Times New Roman" panose="02020603050405020304" pitchFamily="18" charset="0"/>
+              </a:rPr>
+              <a:t>margin</a:t>
+            </a:r>
+            <a:endParaRPr lang="zh-TW" altLang="en-US" dirty="0">
+              <a:solidFill>
+                <a:schemeClr val="tx1"/>
+              </a:solidFill>
+              <a:latin typeface="Times New Roman" panose="02020603050405020304" pitchFamily="18" charset="0"/>
+              <a:cs typeface="Times New Roman" panose="02020603050405020304" pitchFamily="18" charset="0"/>
+            </a:endParaRPr>
+          </a:p>
+        </p:txBody>
+      </p:sp>
+      <p:sp>
+        <p:nvSpPr>
+          <p:cNvPr id="7" name="矩形 6">
+            <a:extLst>
+              <a:ext uri="{FF2B5EF4-FFF2-40B4-BE49-F238E27FC236}">
+                <a16:creationId xmlns:a16="http://schemas.microsoft.com/office/drawing/2014/main" id="{B1BB70A7-FE06-4B9F-AE96-64395DA1E820}"/>
+              </a:ext>
+            </a:extLst>
+          </p:cNvPr>
+          <p:cNvSpPr/>
+          <p:nvPr/>
+        </p:nvSpPr>
+        <p:spPr>
+          <a:xfrm>
+            <a:off x="4219652" y="2996952"/>
+            <a:ext cx="3592708" cy="2853561"/>
+          </a:xfrm>
+          <a:prstGeom prst="rect">
+            <a:avLst/>
+          </a:prstGeom>
+          <a:solidFill>
+            <a:schemeClr val="accent6">
+              <a:lumMod val="60000"/>
+              <a:lumOff val="40000"/>
+            </a:schemeClr>
+          </a:solidFill>
+          <a:ln>
+            <a:noFill/>
+          </a:ln>
+        </p:spPr>
+        <p:style>
+          <a:lnRef idx="2">
+            <a:schemeClr val="accent1">
+              <a:shade val="50000"/>
+            </a:schemeClr>
+          </a:lnRef>
+          <a:fillRef idx="1">
+            <a:schemeClr val="accent1"/>
+          </a:fillRef>
+          <a:effectRef idx="0">
+            <a:schemeClr val="accent1"/>
+          </a:effectRef>
+          <a:fontRef idx="minor">
+            <a:schemeClr val="lt1"/>
+          </a:fontRef>
+        </p:style>
+        <p:txBody>
+          <a:bodyPr rtlCol="0" anchor="t"/>
+          <a:lstStyle/>
+          <a:p>
+            <a:r>
+              <a:rPr lang="en-US" altLang="zh-TW" dirty="0">
+                <a:solidFill>
+                  <a:schemeClr val="tx1"/>
+                </a:solidFill>
+                <a:latin typeface="Times New Roman" panose="02020603050405020304" pitchFamily="18" charset="0"/>
+                <a:cs typeface="Times New Roman" panose="02020603050405020304" pitchFamily="18" charset="0"/>
+              </a:rPr>
+              <a:t>border</a:t>
+            </a:r>
+            <a:endParaRPr lang="zh-TW" altLang="en-US" dirty="0">
+              <a:solidFill>
+                <a:schemeClr val="tx1"/>
+              </a:solidFill>
+              <a:latin typeface="Times New Roman" panose="02020603050405020304" pitchFamily="18" charset="0"/>
+              <a:cs typeface="Times New Roman" panose="02020603050405020304" pitchFamily="18" charset="0"/>
+            </a:endParaRPr>
+          </a:p>
+        </p:txBody>
+      </p:sp>
+      <p:sp>
+        <p:nvSpPr>
+          <p:cNvPr id="8" name="矩形 7">
+            <a:extLst>
+              <a:ext uri="{FF2B5EF4-FFF2-40B4-BE49-F238E27FC236}">
+                <a16:creationId xmlns:a16="http://schemas.microsoft.com/office/drawing/2014/main" id="{FFB26855-8B99-42B8-BD53-511EEEF5488D}"/>
+              </a:ext>
+            </a:extLst>
+          </p:cNvPr>
+          <p:cNvSpPr/>
+          <p:nvPr/>
+        </p:nvSpPr>
+        <p:spPr>
+          <a:xfrm>
+            <a:off x="4607163" y="3429000"/>
+            <a:ext cx="2780842" cy="2009676"/>
+          </a:xfrm>
+          <a:prstGeom prst="rect">
+            <a:avLst/>
+          </a:prstGeom>
+          <a:solidFill>
+            <a:schemeClr val="accent3">
+              <a:lumMod val="60000"/>
+              <a:lumOff val="40000"/>
+            </a:schemeClr>
+          </a:solidFill>
+          <a:ln>
+            <a:noFill/>
+          </a:ln>
+        </p:spPr>
+        <p:style>
+          <a:lnRef idx="2">
+            <a:schemeClr val="accent1">
+              <a:shade val="50000"/>
+            </a:schemeClr>
+          </a:lnRef>
+          <a:fillRef idx="1">
+            <a:schemeClr val="accent1"/>
+          </a:fillRef>
+          <a:effectRef idx="0">
+            <a:schemeClr val="accent1"/>
+          </a:effectRef>
+          <a:fontRef idx="minor">
+            <a:schemeClr val="lt1"/>
+          </a:fontRef>
+        </p:style>
+        <p:txBody>
+          <a:bodyPr rtlCol="0" anchor="t"/>
+          <a:lstStyle/>
+          <a:p>
+            <a:r>
+              <a:rPr lang="en-US" altLang="zh-TW" dirty="0">
+                <a:solidFill>
+                  <a:schemeClr val="tx1"/>
+                </a:solidFill>
+                <a:latin typeface="Times New Roman" panose="02020603050405020304" pitchFamily="18" charset="0"/>
+                <a:cs typeface="Times New Roman" panose="02020603050405020304" pitchFamily="18" charset="0"/>
+              </a:rPr>
+              <a:t>padding</a:t>
+            </a:r>
+            <a:endParaRPr lang="zh-TW" altLang="en-US" dirty="0">
+              <a:solidFill>
+                <a:schemeClr val="tx1"/>
+              </a:solidFill>
+              <a:latin typeface="Times New Roman" panose="02020603050405020304" pitchFamily="18" charset="0"/>
+              <a:cs typeface="Times New Roman" panose="02020603050405020304" pitchFamily="18" charset="0"/>
+            </a:endParaRPr>
+          </a:p>
+        </p:txBody>
+      </p:sp>
+      <p:sp>
+        <p:nvSpPr>
+          <p:cNvPr id="10" name="矩形 9">
+            <a:extLst>
+              <a:ext uri="{FF2B5EF4-FFF2-40B4-BE49-F238E27FC236}">
+                <a16:creationId xmlns:a16="http://schemas.microsoft.com/office/drawing/2014/main" id="{995DD50E-BC18-474F-AE79-9FA3CA8FCE4C}"/>
+              </a:ext>
+            </a:extLst>
+          </p:cNvPr>
+          <p:cNvSpPr/>
+          <p:nvPr/>
+        </p:nvSpPr>
+        <p:spPr>
+          <a:xfrm>
+            <a:off x="4985626" y="3892594"/>
+            <a:ext cx="2023916" cy="1182635"/>
+          </a:xfrm>
+          <a:prstGeom prst="rect">
+            <a:avLst/>
+          </a:prstGeom>
+          <a:solidFill>
+            <a:schemeClr val="accent5">
+              <a:lumMod val="60000"/>
+              <a:lumOff val="40000"/>
+            </a:schemeClr>
+          </a:solidFill>
+          <a:ln>
+            <a:noFill/>
+          </a:ln>
+        </p:spPr>
+        <p:style>
+          <a:lnRef idx="2">
+            <a:schemeClr val="accent1">
+              <a:shade val="50000"/>
+            </a:schemeClr>
+          </a:lnRef>
+          <a:fillRef idx="1">
+            <a:schemeClr val="accent1"/>
+          </a:fillRef>
+          <a:effectRef idx="0">
+            <a:schemeClr val="accent1"/>
+          </a:effectRef>
+          <a:fontRef idx="minor">
+            <a:schemeClr val="lt1"/>
+          </a:fontRef>
+        </p:style>
+        <p:txBody>
+          <a:bodyPr rtlCol="0" anchor="t"/>
+          <a:lstStyle/>
+          <a:p>
+            <a:r>
+              <a:rPr lang="en-US" altLang="zh-TW" dirty="0">
+                <a:solidFill>
+                  <a:schemeClr val="tx1"/>
+                </a:solidFill>
+                <a:latin typeface="Times New Roman" panose="02020603050405020304" pitchFamily="18" charset="0"/>
+                <a:cs typeface="Times New Roman" panose="02020603050405020304" pitchFamily="18" charset="0"/>
+              </a:rPr>
+              <a:t>content</a:t>
+            </a:r>
+            <a:endParaRPr lang="zh-TW" altLang="en-US" dirty="0">
+              <a:solidFill>
+                <a:schemeClr val="tx1"/>
+              </a:solidFill>
+              <a:latin typeface="Times New Roman" panose="02020603050405020304" pitchFamily="18" charset="0"/>
+              <a:cs typeface="Times New Roman" panose="02020603050405020304" pitchFamily="18" charset="0"/>
+            </a:endParaRPr>
+          </a:p>
+        </p:txBody>
+      </p:sp>
+    </p:spTree>
+    <p:extLst>
+      <p:ext uri="{BB962C8B-B14F-4D97-AF65-F5344CB8AC3E}">
+        <p14:creationId xmlns:p14="http://schemas.microsoft.com/office/powerpoint/2010/main" val="2825401703"/>
       </p:ext>
     </p:extLst>
   </p:cSld>
@@ -11396,27 +12021,10 @@
               </a:rPr>
               <a:t>)</a:t>
             </a:r>
-            <a:r>
-              <a:rPr lang="zh-TW" altLang="en-US" sz="2000" dirty="0">
-                <a:latin typeface="Times New Roman" pitchFamily="18" charset="0"/>
-                <a:cs typeface="Times New Roman" pitchFamily="18" charset="0"/>
-              </a:rPr>
-              <a:t>，有 </a:t>
-            </a:r>
-            <a:r>
-              <a:rPr lang="en-US" altLang="zh-TW" sz="2000" dirty="0">
-                <a:latin typeface="Times New Roman" pitchFamily="18" charset="0"/>
-                <a:cs typeface="Times New Roman" pitchFamily="18" charset="0"/>
-              </a:rPr>
-              <a:t>error </a:t>
-            </a:r>
-            <a:r>
-              <a:rPr lang="zh-TW" altLang="en-US" sz="2000" dirty="0">
-                <a:latin typeface="Times New Roman" pitchFamily="18" charset="0"/>
-                <a:cs typeface="Times New Roman" pitchFamily="18" charset="0"/>
-              </a:rPr>
-              <a:t>通常不會通知，需要額外處理</a:t>
-            </a:r>
+            <a:endParaRPr lang="zh-TW" altLang="en-US" sz="2000" dirty="0">
+              <a:latin typeface="Times New Roman" pitchFamily="18" charset="0"/>
+              <a:cs typeface="Times New Roman" pitchFamily="18" charset="0"/>
+            </a:endParaRPr>
           </a:p>
         </p:txBody>
       </p:sp>
@@ -12454,6 +13062,9 @@
             </a:r>
             <a:r>
               <a:rPr lang="en-US" altLang="zh-TW" dirty="0">
+                <a:solidFill>
+                  <a:srgbClr val="FF0000"/>
+                </a:solidFill>
                 <a:latin typeface="Times New Roman" pitchFamily="18" charset="0"/>
                 <a:cs typeface="Times New Roman" pitchFamily="18" charset="0"/>
               </a:rPr>
@@ -12564,6 +13175,9 @@
             </a:r>
             <a:r>
               <a:rPr lang="en-US" altLang="zh-TW" dirty="0">
+                <a:solidFill>
+                  <a:srgbClr val="FF0000"/>
+                </a:solidFill>
                 <a:latin typeface="Times New Roman" pitchFamily="18" charset="0"/>
                 <a:cs typeface="Times New Roman" pitchFamily="18" charset="0"/>
               </a:rPr>

--- a/靜態網頁.pptx
+++ b/靜態網頁.pptx
@@ -27,6 +27,10 @@
     <p:sldId id="275" r:id="rId21"/>
     <p:sldId id="276" r:id="rId22"/>
     <p:sldId id="277" r:id="rId23"/>
+    <p:sldId id="278" r:id="rId24"/>
+    <p:sldId id="279" r:id="rId25"/>
+    <p:sldId id="280" r:id="rId26"/>
+    <p:sldId id="281" r:id="rId27"/>
   </p:sldIdLst>
   <p:sldSz cx="9144000" cy="6858000" type="screen4x3"/>
   <p:notesSz cx="6858000" cy="9144000"/>
@@ -127,7 +131,7 @@
   </p:defaultTextStyle>
   <p:extLst>
     <p:ext uri="{EFAFB233-063F-42B5-8137-9DF3F51BA10A}">
-      <p15:sldGuideLst xmlns:p15="http://schemas.microsoft.com/office/powerpoint/2012/main">
+      <p15:sldGuideLst xmlns="" xmlns:p15="http://schemas.microsoft.com/office/powerpoint/2012/main">
         <p15:guide id="1" orient="horz" pos="2160">
           <p15:clr>
             <a:srgbClr val="A4A3A4"/>
@@ -323,7 +327,7 @@
           <a:p>
             <a:fld id="{5BBEAD13-0566-4C6C-97E7-55F17F24B09F}" type="datetimeFigureOut">
               <a:rPr lang="zh-TW" altLang="en-US" smtClean="0"/>
-              <a:t>2021/7/15</a:t>
+              <a:t>2021/7/16</a:t>
             </a:fld>
             <a:endParaRPr lang="zh-TW" altLang="en-US"/>
           </a:p>
@@ -486,7 +490,7 @@
           <a:p>
             <a:fld id="{5BBEAD13-0566-4C6C-97E7-55F17F24B09F}" type="datetimeFigureOut">
               <a:rPr lang="zh-TW" altLang="en-US" smtClean="0"/>
-              <a:t>2021/7/15</a:t>
+              <a:t>2021/7/16</a:t>
             </a:fld>
             <a:endParaRPr lang="zh-TW" altLang="en-US"/>
           </a:p>
@@ -659,7 +663,7 @@
           <a:p>
             <a:fld id="{5BBEAD13-0566-4C6C-97E7-55F17F24B09F}" type="datetimeFigureOut">
               <a:rPr lang="zh-TW" altLang="en-US" smtClean="0"/>
-              <a:t>2021/7/15</a:t>
+              <a:t>2021/7/16</a:t>
             </a:fld>
             <a:endParaRPr lang="zh-TW" altLang="en-US"/>
           </a:p>
@@ -822,7 +826,7 @@
           <a:p>
             <a:fld id="{5BBEAD13-0566-4C6C-97E7-55F17F24B09F}" type="datetimeFigureOut">
               <a:rPr lang="zh-TW" altLang="en-US" smtClean="0"/>
-              <a:t>2021/7/15</a:t>
+              <a:t>2021/7/16</a:t>
             </a:fld>
             <a:endParaRPr lang="zh-TW" altLang="en-US"/>
           </a:p>
@@ -1062,7 +1066,7 @@
           <a:p>
             <a:fld id="{5BBEAD13-0566-4C6C-97E7-55F17F24B09F}" type="datetimeFigureOut">
               <a:rPr lang="zh-TW" altLang="en-US" smtClean="0"/>
-              <a:t>2021/7/15</a:t>
+              <a:t>2021/7/16</a:t>
             </a:fld>
             <a:endParaRPr lang="zh-TW" altLang="en-US"/>
           </a:p>
@@ -1342,7 +1346,7 @@
           <a:p>
             <a:fld id="{5BBEAD13-0566-4C6C-97E7-55F17F24B09F}" type="datetimeFigureOut">
               <a:rPr lang="zh-TW" altLang="en-US" smtClean="0"/>
-              <a:t>2021/7/15</a:t>
+              <a:t>2021/7/16</a:t>
             </a:fld>
             <a:endParaRPr lang="zh-TW" altLang="en-US"/>
           </a:p>
@@ -1756,7 +1760,7 @@
           <a:p>
             <a:fld id="{5BBEAD13-0566-4C6C-97E7-55F17F24B09F}" type="datetimeFigureOut">
               <a:rPr lang="zh-TW" altLang="en-US" smtClean="0"/>
-              <a:t>2021/7/15</a:t>
+              <a:t>2021/7/16</a:t>
             </a:fld>
             <a:endParaRPr lang="zh-TW" altLang="en-US"/>
           </a:p>
@@ -1868,7 +1872,7 @@
           <a:p>
             <a:fld id="{5BBEAD13-0566-4C6C-97E7-55F17F24B09F}" type="datetimeFigureOut">
               <a:rPr lang="zh-TW" altLang="en-US" smtClean="0"/>
-              <a:t>2021/7/15</a:t>
+              <a:t>2021/7/16</a:t>
             </a:fld>
             <a:endParaRPr lang="zh-TW" altLang="en-US"/>
           </a:p>
@@ -1958,7 +1962,7 @@
           <a:p>
             <a:fld id="{5BBEAD13-0566-4C6C-97E7-55F17F24B09F}" type="datetimeFigureOut">
               <a:rPr lang="zh-TW" altLang="en-US" smtClean="0"/>
-              <a:t>2021/7/15</a:t>
+              <a:t>2021/7/16</a:t>
             </a:fld>
             <a:endParaRPr lang="zh-TW" altLang="en-US"/>
           </a:p>
@@ -2228,7 +2232,7 @@
           <a:p>
             <a:fld id="{5BBEAD13-0566-4C6C-97E7-55F17F24B09F}" type="datetimeFigureOut">
               <a:rPr lang="zh-TW" altLang="en-US" smtClean="0"/>
-              <a:t>2021/7/15</a:t>
+              <a:t>2021/7/16</a:t>
             </a:fld>
             <a:endParaRPr lang="zh-TW" altLang="en-US"/>
           </a:p>
@@ -2475,7 +2479,7 @@
           <a:p>
             <a:fld id="{5BBEAD13-0566-4C6C-97E7-55F17F24B09F}" type="datetimeFigureOut">
               <a:rPr lang="zh-TW" altLang="en-US" smtClean="0"/>
-              <a:t>2021/7/15</a:t>
+              <a:t>2021/7/16</a:t>
             </a:fld>
             <a:endParaRPr lang="zh-TW" altLang="en-US"/>
           </a:p>
@@ -2681,7 +2685,7 @@
           <a:p>
             <a:fld id="{5BBEAD13-0566-4C6C-97E7-55F17F24B09F}" type="datetimeFigureOut">
               <a:rPr lang="zh-TW" altLang="en-US" smtClean="0"/>
-              <a:t>2021/7/15</a:t>
+              <a:t>2021/7/16</a:t>
             </a:fld>
             <a:endParaRPr lang="zh-TW" altLang="en-US"/>
           </a:p>
@@ -9831,11 +9835,11 @@
           <a:p>
             <a:pPr algn="ctr"/>
             <a:r>
-              <a:rPr lang="en-US" altLang="zh-TW" sz="1200" dirty="0">
-                <a:latin typeface="Times New Roman" pitchFamily="18" charset="0"/>
-                <a:cs typeface="Times New Roman" pitchFamily="18" charset="0"/>
-              </a:rPr>
-              <a:t>19</a:t>
+              <a:rPr lang="en-US" altLang="zh-TW" sz="1200" dirty="0" smtClean="0">
+                <a:latin typeface="Times New Roman" pitchFamily="18" charset="0"/>
+                <a:cs typeface="Times New Roman" pitchFamily="18" charset="0"/>
+              </a:rPr>
+              <a:t>20</a:t>
             </a:r>
             <a:endParaRPr lang="zh-TW" altLang="en-US" sz="1200" dirty="0">
               <a:latin typeface="Times New Roman" pitchFamily="18" charset="0"/>
@@ -10141,8 +10145,19 @@
                 <a:latin typeface="Times New Roman" pitchFamily="18" charset="0"/>
                 <a:cs typeface="Times New Roman" pitchFamily="18" charset="0"/>
               </a:rPr>
-              <a:t>&lt;/head&gt;</a:t>
-            </a:r>
+              <a:t>&lt;/head</a:t>
+            </a:r>
+            <a:r>
+              <a:rPr lang="en-US" altLang="zh-TW" dirty="0" smtClean="0">
+                <a:latin typeface="Times New Roman" pitchFamily="18" charset="0"/>
+                <a:cs typeface="Times New Roman" pitchFamily="18" charset="0"/>
+              </a:rPr>
+              <a:t>&gt;</a:t>
+            </a:r>
+            <a:endParaRPr lang="en-US" altLang="zh-TW" dirty="0">
+              <a:latin typeface="Times New Roman" pitchFamily="18" charset="0"/>
+              <a:cs typeface="Times New Roman" pitchFamily="18" charset="0"/>
+            </a:endParaRPr>
           </a:p>
         </p:txBody>
       </p:sp>
@@ -10244,11 +10259,11 @@
           <a:p>
             <a:pPr algn="ctr"/>
             <a:r>
-              <a:rPr lang="en-US" altLang="zh-TW" sz="1200" dirty="0">
-                <a:latin typeface="Times New Roman" pitchFamily="18" charset="0"/>
-                <a:cs typeface="Times New Roman" pitchFamily="18" charset="0"/>
-              </a:rPr>
-              <a:t>19</a:t>
+              <a:rPr lang="en-US" altLang="zh-TW" sz="1200" dirty="0" smtClean="0">
+                <a:latin typeface="Times New Roman" pitchFamily="18" charset="0"/>
+                <a:cs typeface="Times New Roman" pitchFamily="18" charset="0"/>
+              </a:rPr>
+              <a:t>21</a:t>
             </a:r>
             <a:endParaRPr lang="zh-TW" altLang="en-US" sz="1200" dirty="0">
               <a:latin typeface="Times New Roman" pitchFamily="18" charset="0"/>
@@ -10288,14 +10303,14 @@
               <a:t>幫 </a:t>
             </a:r>
             <a:r>
-              <a:rPr lang="en-US" altLang="zh-TW" dirty="0">
-                <a:latin typeface="Times New Roman" pitchFamily="18" charset="0"/>
-                <a:cs typeface="Times New Roman" pitchFamily="18" charset="0"/>
-              </a:rPr>
-              <a:t>HTML</a:t>
-            </a:r>
-            <a:r>
-              <a:rPr lang="zh-TW" altLang="en-US" dirty="0">
+              <a:rPr lang="en-US" altLang="zh-TW" dirty="0" smtClean="0">
+                <a:latin typeface="Times New Roman" pitchFamily="18" charset="0"/>
+                <a:cs typeface="Times New Roman" pitchFamily="18" charset="0"/>
+              </a:rPr>
+              <a:t>HTML Element </a:t>
+            </a:r>
+            <a:r>
+              <a:rPr lang="zh-TW" altLang="en-US" dirty="0" smtClean="0">
                 <a:latin typeface="Times New Roman" pitchFamily="18" charset="0"/>
                 <a:cs typeface="Times New Roman" pitchFamily="18" charset="0"/>
               </a:rPr>
@@ -10389,6 +10404,172 @@
           </a:p>
           <a:p>
             <a:pPr defTabSz="0"/>
+            <a:r>
+              <a:rPr lang="en-US" altLang="zh-TW" dirty="0" smtClean="0">
+                <a:solidFill>
+                  <a:srgbClr val="FF0000"/>
+                </a:solidFill>
+                <a:latin typeface="Times New Roman" pitchFamily="18" charset="0"/>
+                <a:cs typeface="Times New Roman" pitchFamily="18" charset="0"/>
+              </a:rPr>
+              <a:t>id</a:t>
+            </a:r>
+            <a:r>
+              <a:rPr lang="en-US" altLang="zh-TW" dirty="0" smtClean="0">
+                <a:latin typeface="Times New Roman" pitchFamily="18" charset="0"/>
+                <a:cs typeface="Times New Roman" pitchFamily="18" charset="0"/>
+              </a:rPr>
+              <a:t> </a:t>
+            </a:r>
+            <a:r>
+              <a:rPr lang="zh-TW" altLang="en-US" dirty="0">
+                <a:latin typeface="Times New Roman" pitchFamily="18" charset="0"/>
+                <a:cs typeface="Times New Roman" pitchFamily="18" charset="0"/>
+              </a:rPr>
+              <a:t>唯一，不可以有兩</a:t>
+            </a:r>
+            <a:r>
+              <a:rPr lang="zh-TW" altLang="en-US" dirty="0" smtClean="0">
+                <a:latin typeface="Times New Roman" pitchFamily="18" charset="0"/>
+                <a:cs typeface="Times New Roman" pitchFamily="18" charset="0"/>
+              </a:rPr>
+              <a:t>個</a:t>
+            </a:r>
+            <a:r>
+              <a:rPr lang="en-US" altLang="zh-TW" dirty="0" smtClean="0">
+                <a:latin typeface="Times New Roman" pitchFamily="18" charset="0"/>
+                <a:cs typeface="Times New Roman" pitchFamily="18" charset="0"/>
+              </a:rPr>
+              <a:t>(</a:t>
+            </a:r>
+            <a:r>
+              <a:rPr lang="zh-TW" altLang="en-US" dirty="0" smtClean="0">
+                <a:latin typeface="Times New Roman" pitchFamily="18" charset="0"/>
+                <a:cs typeface="Times New Roman" pitchFamily="18" charset="0"/>
+              </a:rPr>
+              <a:t>含</a:t>
+            </a:r>
+            <a:r>
+              <a:rPr lang="en-US" altLang="zh-TW" dirty="0" smtClean="0">
+                <a:latin typeface="Times New Roman" pitchFamily="18" charset="0"/>
+                <a:cs typeface="Times New Roman" pitchFamily="18" charset="0"/>
+              </a:rPr>
+              <a:t>)</a:t>
+            </a:r>
+            <a:r>
+              <a:rPr lang="zh-TW" altLang="en-US" dirty="0" smtClean="0">
+                <a:latin typeface="Times New Roman" pitchFamily="18" charset="0"/>
+                <a:cs typeface="Times New Roman" pitchFamily="18" charset="0"/>
+              </a:rPr>
+              <a:t>以上 </a:t>
+            </a:r>
+            <a:r>
+              <a:rPr lang="en-US" altLang="zh-TW" dirty="0">
+                <a:latin typeface="Times New Roman" pitchFamily="18" charset="0"/>
+                <a:cs typeface="Times New Roman" pitchFamily="18" charset="0"/>
+              </a:rPr>
+              <a:t>Element </a:t>
+            </a:r>
+            <a:r>
+              <a:rPr lang="zh-TW" altLang="en-US" dirty="0">
+                <a:latin typeface="Times New Roman" pitchFamily="18" charset="0"/>
+                <a:cs typeface="Times New Roman" pitchFamily="18" charset="0"/>
+              </a:rPr>
+              <a:t>命名相同 </a:t>
+            </a:r>
+            <a:r>
+              <a:rPr lang="en-US" altLang="zh-TW" dirty="0">
+                <a:latin typeface="Times New Roman" pitchFamily="18" charset="0"/>
+                <a:cs typeface="Times New Roman" pitchFamily="18" charset="0"/>
+              </a:rPr>
+              <a:t>id </a:t>
+            </a:r>
+          </a:p>
+          <a:p>
+            <a:pPr defTabSz="0"/>
+            <a:r>
+              <a:rPr lang="en-US" altLang="zh-TW" dirty="0">
+                <a:solidFill>
+                  <a:srgbClr val="00B050"/>
+                </a:solidFill>
+                <a:latin typeface="Times New Roman" pitchFamily="18" charset="0"/>
+                <a:cs typeface="Times New Roman" pitchFamily="18" charset="0"/>
+              </a:rPr>
+              <a:t>class</a:t>
+            </a:r>
+            <a:r>
+              <a:rPr lang="en-US" altLang="zh-TW" dirty="0">
+                <a:latin typeface="Times New Roman" pitchFamily="18" charset="0"/>
+                <a:cs typeface="Times New Roman" pitchFamily="18" charset="0"/>
+              </a:rPr>
+              <a:t> </a:t>
+            </a:r>
+            <a:r>
+              <a:rPr lang="zh-TW" altLang="en-US" dirty="0">
+                <a:latin typeface="Times New Roman" pitchFamily="18" charset="0"/>
+                <a:cs typeface="Times New Roman" pitchFamily="18" charset="0"/>
+              </a:rPr>
+              <a:t>不唯一，可以有多個 </a:t>
+            </a:r>
+            <a:r>
+              <a:rPr lang="en-US" altLang="zh-TW" dirty="0">
+                <a:latin typeface="Times New Roman" pitchFamily="18" charset="0"/>
+                <a:cs typeface="Times New Roman" pitchFamily="18" charset="0"/>
+              </a:rPr>
+              <a:t>Element </a:t>
+            </a:r>
+            <a:r>
+              <a:rPr lang="zh-TW" altLang="en-US" dirty="0">
+                <a:latin typeface="Times New Roman" pitchFamily="18" charset="0"/>
+                <a:cs typeface="Times New Roman" pitchFamily="18" charset="0"/>
+              </a:rPr>
+              <a:t>命名相同 </a:t>
+            </a:r>
+            <a:r>
+              <a:rPr lang="en-US" altLang="zh-TW" dirty="0">
+                <a:latin typeface="Times New Roman" pitchFamily="18" charset="0"/>
+                <a:cs typeface="Times New Roman" pitchFamily="18" charset="0"/>
+              </a:rPr>
+              <a:t>class</a:t>
+            </a:r>
+          </a:p>
+          <a:p>
+            <a:pPr defTabSz="0"/>
+            <a:endParaRPr lang="en-US" altLang="zh-TW" dirty="0" smtClean="0">
+              <a:latin typeface="Times New Roman" pitchFamily="18" charset="0"/>
+              <a:cs typeface="Times New Roman" pitchFamily="18" charset="0"/>
+            </a:endParaRPr>
+          </a:p>
+          <a:p>
+            <a:pPr defTabSz="0"/>
+            <a:r>
+              <a:rPr lang="en-US" altLang="zh-TW" dirty="0" smtClean="0">
+                <a:latin typeface="Times New Roman" pitchFamily="18" charset="0"/>
+                <a:cs typeface="Times New Roman" pitchFamily="18" charset="0"/>
+              </a:rPr>
+              <a:t>CSS </a:t>
+            </a:r>
+            <a:r>
+              <a:rPr lang="zh-TW" altLang="en-US" dirty="0">
+                <a:latin typeface="Times New Roman" pitchFamily="18" charset="0"/>
+                <a:cs typeface="Times New Roman" pitchFamily="18" charset="0"/>
+              </a:rPr>
+              <a:t>選取 </a:t>
+            </a:r>
+            <a:r>
+              <a:rPr lang="en-US" altLang="zh-TW" dirty="0">
+                <a:latin typeface="Times New Roman" pitchFamily="18" charset="0"/>
+                <a:cs typeface="Times New Roman" pitchFamily="18" charset="0"/>
+              </a:rPr>
+              <a:t>id, </a:t>
+            </a:r>
+            <a:r>
+              <a:rPr lang="en-US" altLang="zh-TW" dirty="0" err="1">
+                <a:latin typeface="Times New Roman" pitchFamily="18" charset="0"/>
+                <a:cs typeface="Times New Roman" pitchFamily="18" charset="0"/>
+              </a:rPr>
+              <a:t>clas</a:t>
+            </a:r>
             <a:endParaRPr lang="en-US" altLang="zh-TW" dirty="0">
               <a:latin typeface="Times New Roman" pitchFamily="18" charset="0"/>
               <a:cs typeface="Times New Roman" pitchFamily="18" charset="0"/>
@@ -10397,27 +10578,106 @@
           <a:p>
             <a:pPr defTabSz="0"/>
             <a:r>
-              <a:rPr lang="zh-TW" altLang="en-US" dirty="0">
-                <a:latin typeface="Times New Roman" pitchFamily="18" charset="0"/>
-                <a:cs typeface="Times New Roman" pitchFamily="18" charset="0"/>
-              </a:rPr>
-              <a:t>一份 </a:t>
-            </a:r>
-            <a:r>
-              <a:rPr lang="en-US" altLang="zh-TW" dirty="0">
-                <a:latin typeface="Times New Roman" pitchFamily="18" charset="0"/>
-                <a:cs typeface="Times New Roman" pitchFamily="18" charset="0"/>
-              </a:rPr>
-              <a:t>HTML</a:t>
-            </a:r>
-            <a:r>
-              <a:rPr lang="zh-TW" altLang="en-US" dirty="0">
-                <a:latin typeface="Times New Roman" pitchFamily="18" charset="0"/>
-                <a:cs typeface="Times New Roman" pitchFamily="18" charset="0"/>
-              </a:rPr>
-              <a:t> 中</a:t>
-            </a:r>
-            <a:endParaRPr lang="en-US" altLang="zh-TW" dirty="0">
+              <a:rPr lang="en-US" altLang="zh-TW" dirty="0">
+                <a:solidFill>
+                  <a:srgbClr val="FF0000"/>
+                </a:solidFill>
+                <a:latin typeface="Times New Roman" pitchFamily="18" charset="0"/>
+                <a:cs typeface="Times New Roman" pitchFamily="18" charset="0"/>
+              </a:rPr>
+              <a:t>#first</a:t>
+            </a:r>
+            <a:r>
+              <a:rPr lang="en-US" altLang="zh-TW" dirty="0">
+                <a:latin typeface="Times New Roman" pitchFamily="18" charset="0"/>
+                <a:cs typeface="Times New Roman" pitchFamily="18" charset="0"/>
+              </a:rPr>
+              <a:t> {</a:t>
+            </a:r>
+          </a:p>
+          <a:p>
+            <a:pPr defTabSz="0"/>
+            <a:r>
+              <a:rPr lang="en-US" altLang="zh-TW" dirty="0">
+                <a:latin typeface="Times New Roman" pitchFamily="18" charset="0"/>
+                <a:cs typeface="Times New Roman" pitchFamily="18" charset="0"/>
+              </a:rPr>
+              <a:t>    background: #faa;</a:t>
+            </a:r>
+          </a:p>
+          <a:p>
+            <a:pPr defTabSz="0"/>
+            <a:r>
+              <a:rPr lang="en-US" altLang="zh-TW" dirty="0">
+                <a:latin typeface="Times New Roman" pitchFamily="18" charset="0"/>
+                <a:cs typeface="Times New Roman" pitchFamily="18" charset="0"/>
+              </a:rPr>
+              <a:t>    color: blue;</a:t>
+            </a:r>
+          </a:p>
+          <a:p>
+            <a:pPr defTabSz="0"/>
+            <a:r>
+              <a:rPr lang="en-US" altLang="zh-TW" dirty="0">
+                <a:latin typeface="Times New Roman" pitchFamily="18" charset="0"/>
+                <a:cs typeface="Times New Roman" pitchFamily="18" charset="0"/>
+              </a:rPr>
+              <a:t>}</a:t>
+            </a:r>
+          </a:p>
+          <a:p>
+            <a:pPr defTabSz="0"/>
+            <a:r>
+              <a:rPr lang="en-US" altLang="zh-TW" dirty="0">
+                <a:solidFill>
+                  <a:srgbClr val="00B050"/>
+                </a:solidFill>
+                <a:latin typeface="Times New Roman" pitchFamily="18" charset="0"/>
+                <a:cs typeface="Times New Roman" pitchFamily="18" charset="0"/>
+              </a:rPr>
+              <a:t>.second</a:t>
+            </a:r>
+            <a:r>
+              <a:rPr lang="en-US" altLang="zh-TW" dirty="0">
+                <a:latin typeface="Times New Roman" pitchFamily="18" charset="0"/>
+                <a:cs typeface="Times New Roman" pitchFamily="18" charset="0"/>
+              </a:rPr>
+              <a:t> {</a:t>
+            </a:r>
+          </a:p>
+          <a:p>
+            <a:pPr defTabSz="0"/>
+            <a:r>
+              <a:rPr lang="en-US" altLang="zh-TW" dirty="0">
+                <a:latin typeface="Times New Roman" pitchFamily="18" charset="0"/>
+                <a:cs typeface="Times New Roman" pitchFamily="18" charset="0"/>
+              </a:rPr>
+              <a:t>    background-color: #ffaaaa;</a:t>
+            </a:r>
+          </a:p>
+          <a:p>
+            <a:pPr defTabSz="0"/>
+            <a:r>
+              <a:rPr lang="en-US" altLang="zh-TW" dirty="0">
+                <a:latin typeface="Times New Roman" pitchFamily="18" charset="0"/>
+                <a:cs typeface="Times New Roman" pitchFamily="18" charset="0"/>
+              </a:rPr>
+              <a:t>    font-size: 30px;</a:t>
+            </a:r>
+          </a:p>
+          <a:p>
+            <a:pPr defTabSz="0"/>
+            <a:r>
+              <a:rPr lang="en-US" altLang="zh-TW" dirty="0" smtClean="0">
+                <a:latin typeface="Times New Roman" pitchFamily="18" charset="0"/>
+                <a:cs typeface="Times New Roman" pitchFamily="18" charset="0"/>
+              </a:rPr>
+              <a:t>}</a:t>
+            </a:r>
+          </a:p>
+          <a:p>
+            <a:pPr defTabSz="0"/>
+            <a:endParaRPr lang="zh-TW" altLang="en-US" dirty="0">
               <a:latin typeface="Times New Roman" pitchFamily="18" charset="0"/>
               <a:cs typeface="Times New Roman" pitchFamily="18" charset="0"/>
             </a:endParaRPr>
@@ -10425,143 +10685,32 @@
           <a:p>
             <a:pPr defTabSz="0"/>
             <a:r>
-              <a:rPr lang="en-US" altLang="zh-TW" dirty="0">
+              <a:rPr lang="zh-TW" altLang="en-US" dirty="0">
                 <a:solidFill>
                   <a:srgbClr val="FF0000"/>
                 </a:solidFill>
                 <a:latin typeface="Times New Roman" pitchFamily="18" charset="0"/>
                 <a:cs typeface="Times New Roman" pitchFamily="18" charset="0"/>
               </a:rPr>
-              <a:t>id</a:t>
-            </a:r>
-            <a:r>
-              <a:rPr lang="en-US" altLang="zh-TW" dirty="0">
-                <a:latin typeface="Times New Roman" pitchFamily="18" charset="0"/>
-                <a:cs typeface="Times New Roman" pitchFamily="18" charset="0"/>
-              </a:rPr>
-              <a:t> </a:t>
-            </a:r>
+              <a:t>嚴禁使用以下語法，很難維護，會有怨念</a:t>
+            </a:r>
+          </a:p>
+          <a:p>
+            <a:pPr defTabSz="0"/>
             <a:r>
               <a:rPr lang="zh-TW" altLang="en-US" dirty="0">
                 <a:latin typeface="Times New Roman" pitchFamily="18" charset="0"/>
                 <a:cs typeface="Times New Roman" pitchFamily="18" charset="0"/>
               </a:rPr>
-              <a:t>唯一，不可以有兩個以上 </a:t>
-            </a:r>
-            <a:r>
-              <a:rPr lang="en-US" altLang="zh-TW" dirty="0">
-                <a:latin typeface="Times New Roman" pitchFamily="18" charset="0"/>
-                <a:cs typeface="Times New Roman" pitchFamily="18" charset="0"/>
-              </a:rPr>
-              <a:t>Element </a:t>
-            </a:r>
-            <a:r>
-              <a:rPr lang="zh-TW" altLang="en-US" dirty="0">
-                <a:latin typeface="Times New Roman" pitchFamily="18" charset="0"/>
-                <a:cs typeface="Times New Roman" pitchFamily="18" charset="0"/>
-              </a:rPr>
-              <a:t>命名相同 </a:t>
-            </a:r>
-            <a:r>
-              <a:rPr lang="en-US" altLang="zh-TW" dirty="0">
-                <a:latin typeface="Times New Roman" pitchFamily="18" charset="0"/>
-                <a:cs typeface="Times New Roman" pitchFamily="18" charset="0"/>
-              </a:rPr>
-              <a:t>id </a:t>
-            </a:r>
-          </a:p>
-          <a:p>
-            <a:pPr defTabSz="0"/>
-            <a:r>
-              <a:rPr lang="en-US" altLang="zh-TW" dirty="0">
-                <a:solidFill>
-                  <a:srgbClr val="00B050"/>
-                </a:solidFill>
-                <a:latin typeface="Times New Roman" pitchFamily="18" charset="0"/>
-                <a:cs typeface="Times New Roman" pitchFamily="18" charset="0"/>
-              </a:rPr>
-              <a:t>class</a:t>
-            </a:r>
-            <a:r>
-              <a:rPr lang="en-US" altLang="zh-TW" dirty="0">
-                <a:latin typeface="Times New Roman" pitchFamily="18" charset="0"/>
-                <a:cs typeface="Times New Roman" pitchFamily="18" charset="0"/>
-              </a:rPr>
-              <a:t> </a:t>
-            </a:r>
-            <a:r>
-              <a:rPr lang="zh-TW" altLang="en-US" dirty="0">
-                <a:latin typeface="Times New Roman" pitchFamily="18" charset="0"/>
-                <a:cs typeface="Times New Roman" pitchFamily="18" charset="0"/>
-              </a:rPr>
-              <a:t>不唯一，可以有多個 </a:t>
-            </a:r>
-            <a:r>
-              <a:rPr lang="en-US" altLang="zh-TW" dirty="0">
-                <a:latin typeface="Times New Roman" pitchFamily="18" charset="0"/>
-                <a:cs typeface="Times New Roman" pitchFamily="18" charset="0"/>
-              </a:rPr>
-              <a:t>Element </a:t>
-            </a:r>
-            <a:r>
-              <a:rPr lang="zh-TW" altLang="en-US" dirty="0">
-                <a:latin typeface="Times New Roman" pitchFamily="18" charset="0"/>
-                <a:cs typeface="Times New Roman" pitchFamily="18" charset="0"/>
-              </a:rPr>
-              <a:t>命名相同 </a:t>
-            </a:r>
-            <a:r>
-              <a:rPr lang="en-US" altLang="zh-TW" dirty="0">
-                <a:latin typeface="Times New Roman" pitchFamily="18" charset="0"/>
-                <a:cs typeface="Times New Roman" pitchFamily="18" charset="0"/>
-              </a:rPr>
-              <a:t>class</a:t>
-            </a:r>
-          </a:p>
-          <a:p>
-            <a:pPr defTabSz="0"/>
-            <a:endParaRPr lang="en-US" altLang="zh-TW" dirty="0">
-              <a:latin typeface="Times New Roman" pitchFamily="18" charset="0"/>
-              <a:cs typeface="Times New Roman" pitchFamily="18" charset="0"/>
-            </a:endParaRPr>
-          </a:p>
-          <a:p>
-            <a:pPr defTabSz="0"/>
-            <a:r>
-              <a:rPr lang="en-US" altLang="zh-TW" dirty="0">
-                <a:latin typeface="Times New Roman" pitchFamily="18" charset="0"/>
-                <a:cs typeface="Times New Roman" pitchFamily="18" charset="0"/>
-              </a:rPr>
-              <a:t>CSS </a:t>
-            </a:r>
-            <a:r>
-              <a:rPr lang="zh-TW" altLang="en-US" dirty="0">
-                <a:latin typeface="Times New Roman" pitchFamily="18" charset="0"/>
-                <a:cs typeface="Times New Roman" pitchFamily="18" charset="0"/>
-              </a:rPr>
-              <a:t>選取 </a:t>
-            </a:r>
-            <a:r>
-              <a:rPr lang="en-US" altLang="zh-TW" dirty="0">
-                <a:latin typeface="Times New Roman" pitchFamily="18" charset="0"/>
-                <a:cs typeface="Times New Roman" pitchFamily="18" charset="0"/>
-              </a:rPr>
-              <a:t>id, </a:t>
-            </a:r>
-            <a:r>
-              <a:rPr lang="en-US" altLang="zh-TW" dirty="0" err="1">
-                <a:latin typeface="Times New Roman" pitchFamily="18" charset="0"/>
-                <a:cs typeface="Times New Roman" pitchFamily="18" charset="0"/>
-              </a:rPr>
-              <a:t>clas</a:t>
-            </a:r>
-            <a:endParaRPr lang="en-US" altLang="zh-TW" dirty="0">
-              <a:latin typeface="Times New Roman" pitchFamily="18" charset="0"/>
-              <a:cs typeface="Times New Roman" pitchFamily="18" charset="0"/>
-            </a:endParaRPr>
-          </a:p>
-          <a:p>
-            <a:pPr defTabSz="0"/>
+              <a:t>    </a:t>
+            </a:r>
+            <a:r>
+              <a:rPr lang="en-US" altLang="zh-TW" dirty="0">
+                <a:latin typeface="Times New Roman" pitchFamily="18" charset="0"/>
+                <a:cs typeface="Times New Roman" pitchFamily="18" charset="0"/>
+              </a:rPr>
+              <a:t>&lt;div </a:t>
+            </a:r>
             <a:r>
               <a:rPr lang="en-US" altLang="zh-TW" dirty="0">
                 <a:solidFill>
@@ -10570,102 +10719,15 @@
                 <a:latin typeface="Times New Roman" pitchFamily="18" charset="0"/>
                 <a:cs typeface="Times New Roman" pitchFamily="18" charset="0"/>
               </a:rPr>
-              <a:t>#first</a:t>
-            </a:r>
-            <a:r>
-              <a:rPr lang="en-US" altLang="zh-TW" dirty="0">
-                <a:latin typeface="Times New Roman" pitchFamily="18" charset="0"/>
-                <a:cs typeface="Times New Roman" pitchFamily="18" charset="0"/>
-              </a:rPr>
-              <a:t> {</a:t>
-            </a:r>
-          </a:p>
-          <a:p>
-            <a:pPr defTabSz="0"/>
-            <a:r>
-              <a:rPr lang="en-US" altLang="zh-TW" dirty="0">
-                <a:latin typeface="Times New Roman" pitchFamily="18" charset="0"/>
-                <a:cs typeface="Times New Roman" pitchFamily="18" charset="0"/>
-              </a:rPr>
-              <a:t>    background: #faa;</a:t>
-            </a:r>
-          </a:p>
-          <a:p>
-            <a:pPr defTabSz="0"/>
-            <a:r>
-              <a:rPr lang="en-US" altLang="zh-TW" dirty="0">
-                <a:latin typeface="Times New Roman" pitchFamily="18" charset="0"/>
-                <a:cs typeface="Times New Roman" pitchFamily="18" charset="0"/>
-              </a:rPr>
-              <a:t>    color: blue;</a:t>
-            </a:r>
-          </a:p>
-          <a:p>
-            <a:pPr defTabSz="0"/>
-            <a:r>
-              <a:rPr lang="en-US" altLang="zh-TW" dirty="0">
-                <a:latin typeface="Times New Roman" pitchFamily="18" charset="0"/>
-                <a:cs typeface="Times New Roman" pitchFamily="18" charset="0"/>
-              </a:rPr>
-              <a:t>}</a:t>
-            </a:r>
-          </a:p>
-          <a:p>
-            <a:pPr defTabSz="0"/>
-            <a:r>
-              <a:rPr lang="en-US" altLang="zh-TW" dirty="0">
-                <a:solidFill>
-                  <a:srgbClr val="00B050"/>
-                </a:solidFill>
-                <a:latin typeface="Times New Roman" pitchFamily="18" charset="0"/>
-                <a:cs typeface="Times New Roman" pitchFamily="18" charset="0"/>
-              </a:rPr>
-              <a:t>.second</a:t>
-            </a:r>
-            <a:r>
-              <a:rPr lang="en-US" altLang="zh-TW" dirty="0">
-                <a:latin typeface="Times New Roman" pitchFamily="18" charset="0"/>
-                <a:cs typeface="Times New Roman" pitchFamily="18" charset="0"/>
-              </a:rPr>
-              <a:t> {</a:t>
-            </a:r>
-          </a:p>
-          <a:p>
-            <a:pPr defTabSz="0"/>
-            <a:r>
-              <a:rPr lang="en-US" altLang="zh-TW" dirty="0">
-                <a:latin typeface="Times New Roman" pitchFamily="18" charset="0"/>
-                <a:cs typeface="Times New Roman" pitchFamily="18" charset="0"/>
-              </a:rPr>
-              <a:t>    background-color: #ffaaaa;</a:t>
-            </a:r>
-          </a:p>
-          <a:p>
-            <a:pPr defTabSz="0"/>
-            <a:r>
-              <a:rPr lang="en-US" altLang="zh-TW" dirty="0">
-                <a:latin typeface="Times New Roman" pitchFamily="18" charset="0"/>
-                <a:cs typeface="Times New Roman" pitchFamily="18" charset="0"/>
-              </a:rPr>
-              <a:t>    font-size: 30px;</a:t>
-            </a:r>
-          </a:p>
-          <a:p>
-            <a:pPr defTabSz="0"/>
-            <a:r>
-              <a:rPr lang="en-US" altLang="zh-TW" dirty="0">
-                <a:latin typeface="Times New Roman" pitchFamily="18" charset="0"/>
-                <a:cs typeface="Times New Roman" pitchFamily="18" charset="0"/>
-              </a:rPr>
-              <a:t>}</a:t>
-            </a:r>
-          </a:p>
-          <a:p>
-            <a:pPr defTabSz="0"/>
-            <a:endParaRPr lang="en-US" altLang="zh-TW" dirty="0">
-              <a:latin typeface="Times New Roman" pitchFamily="18" charset="0"/>
-              <a:cs typeface="Times New Roman" pitchFamily="18" charset="0"/>
-            </a:endParaRPr>
+              <a:t>style="width: 150px; height: 150px"</a:t>
+            </a:r>
+            <a:r>
+              <a:rPr lang="en-US" altLang="zh-TW" dirty="0">
+                <a:latin typeface="Times New Roman" pitchFamily="18" charset="0"/>
+                <a:cs typeface="Times New Roman" pitchFamily="18" charset="0"/>
+              </a:rPr>
+              <a:t>&gt;&lt;/div&gt;</a:t>
+            </a:r>
           </a:p>
         </p:txBody>
       </p:sp>
@@ -10760,11 +10822,11 @@
           <a:p>
             <a:pPr algn="ctr"/>
             <a:r>
-              <a:rPr lang="en-US" altLang="zh-TW" sz="1200" dirty="0">
-                <a:latin typeface="Times New Roman" pitchFamily="18" charset="0"/>
-                <a:cs typeface="Times New Roman" pitchFamily="18" charset="0"/>
-              </a:rPr>
-              <a:t>19</a:t>
+              <a:rPr lang="en-US" altLang="zh-TW" sz="1200" dirty="0" smtClean="0">
+                <a:latin typeface="Times New Roman" pitchFamily="18" charset="0"/>
+                <a:cs typeface="Times New Roman" pitchFamily="18" charset="0"/>
+              </a:rPr>
+              <a:t>22</a:t>
             </a:r>
             <a:endParaRPr lang="zh-TW" altLang="en-US" sz="1200" dirty="0">
               <a:latin typeface="Times New Roman" pitchFamily="18" charset="0"/>
@@ -11018,7 +11080,7 @@
           <p:cNvPr id="3" name="矩形 2">
             <a:extLst>
               <a:ext uri="{FF2B5EF4-FFF2-40B4-BE49-F238E27FC236}">
-                <a16:creationId xmlns:a16="http://schemas.microsoft.com/office/drawing/2014/main" id="{80C8FFE9-16BB-4576-9987-3923EE2858CC}"/>
+                <a16:creationId xmlns="" xmlns:a16="http://schemas.microsoft.com/office/drawing/2014/main" id="{80C8FFE9-16BB-4576-9987-3923EE2858CC}"/>
               </a:ext>
             </a:extLst>
           </p:cNvPr>
@@ -11088,7 +11150,7 @@
           <p:cNvPr id="7" name="矩形 6">
             <a:extLst>
               <a:ext uri="{FF2B5EF4-FFF2-40B4-BE49-F238E27FC236}">
-                <a16:creationId xmlns:a16="http://schemas.microsoft.com/office/drawing/2014/main" id="{B1BB70A7-FE06-4B9F-AE96-64395DA1E820}"/>
+                <a16:creationId xmlns="" xmlns:a16="http://schemas.microsoft.com/office/drawing/2014/main" id="{B1BB70A7-FE06-4B9F-AE96-64395DA1E820}"/>
               </a:ext>
             </a:extLst>
           </p:cNvPr>
@@ -11158,7 +11220,7 @@
           <p:cNvPr id="8" name="矩形 7">
             <a:extLst>
               <a:ext uri="{FF2B5EF4-FFF2-40B4-BE49-F238E27FC236}">
-                <a16:creationId xmlns:a16="http://schemas.microsoft.com/office/drawing/2014/main" id="{FFB26855-8B99-42B8-BD53-511EEEF5488D}"/>
+                <a16:creationId xmlns="" xmlns:a16="http://schemas.microsoft.com/office/drawing/2014/main" id="{FFB26855-8B99-42B8-BD53-511EEEF5488D}"/>
               </a:ext>
             </a:extLst>
           </p:cNvPr>
@@ -11228,7 +11290,7 @@
           <p:cNvPr id="10" name="矩形 9">
             <a:extLst>
               <a:ext uri="{FF2B5EF4-FFF2-40B4-BE49-F238E27FC236}">
-                <a16:creationId xmlns:a16="http://schemas.microsoft.com/office/drawing/2014/main" id="{995DD50E-BC18-474F-AE79-9FA3CA8FCE4C}"/>
+                <a16:creationId xmlns="" xmlns:a16="http://schemas.microsoft.com/office/drawing/2014/main" id="{995DD50E-BC18-474F-AE79-9FA3CA8FCE4C}"/>
               </a:ext>
             </a:extLst>
           </p:cNvPr>
@@ -11293,10 +11355,1805 @@
           </a:p>
         </p:txBody>
       </p:sp>
+      <p:cxnSp>
+        <p:nvCxnSpPr>
+          <p:cNvPr id="6" name="直線單箭頭接點 5"/>
+          <p:cNvCxnSpPr/>
+          <p:nvPr/>
+        </p:nvCxnSpPr>
+        <p:spPr>
+          <a:xfrm flipH="1" flipV="1">
+            <a:off x="2915817" y="1772816"/>
+            <a:ext cx="1080120" cy="792089"/>
+          </a:xfrm>
+          <a:prstGeom prst="straightConnector1">
+            <a:avLst/>
+          </a:prstGeom>
+          <a:ln w="19050">
+            <a:solidFill>
+              <a:srgbClr val="FFC000"/>
+            </a:solidFill>
+            <a:tailEnd type="arrow"/>
+          </a:ln>
+        </p:spPr>
+        <p:style>
+          <a:lnRef idx="1">
+            <a:schemeClr val="accent1"/>
+          </a:lnRef>
+          <a:fillRef idx="0">
+            <a:schemeClr val="accent1"/>
+          </a:fillRef>
+          <a:effectRef idx="0">
+            <a:schemeClr val="accent1"/>
+          </a:effectRef>
+          <a:fontRef idx="minor">
+            <a:schemeClr val="tx1"/>
+          </a:fontRef>
+        </p:style>
+      </p:cxnSp>
+      <p:cxnSp>
+        <p:nvCxnSpPr>
+          <p:cNvPr id="12" name="直線單箭頭接點 11"/>
+          <p:cNvCxnSpPr/>
+          <p:nvPr/>
+        </p:nvCxnSpPr>
+        <p:spPr>
+          <a:xfrm flipH="1" flipV="1">
+            <a:off x="2627784" y="2420888"/>
+            <a:ext cx="1944216" cy="648073"/>
+          </a:xfrm>
+          <a:prstGeom prst="straightConnector1">
+            <a:avLst/>
+          </a:prstGeom>
+          <a:ln w="19050">
+            <a:solidFill>
+              <a:srgbClr val="FF0000"/>
+            </a:solidFill>
+            <a:tailEnd type="arrow"/>
+          </a:ln>
+        </p:spPr>
+        <p:style>
+          <a:lnRef idx="1">
+            <a:schemeClr val="accent1"/>
+          </a:lnRef>
+          <a:fillRef idx="0">
+            <a:schemeClr val="accent1"/>
+          </a:fillRef>
+          <a:effectRef idx="0">
+            <a:schemeClr val="accent1"/>
+          </a:effectRef>
+          <a:fontRef idx="minor">
+            <a:schemeClr val="tx1"/>
+          </a:fontRef>
+        </p:style>
+      </p:cxnSp>
+      <p:cxnSp>
+        <p:nvCxnSpPr>
+          <p:cNvPr id="15" name="直線單箭頭接點 14"/>
+          <p:cNvCxnSpPr/>
+          <p:nvPr/>
+        </p:nvCxnSpPr>
+        <p:spPr>
+          <a:xfrm flipH="1" flipV="1">
+            <a:off x="3599892" y="3284984"/>
+            <a:ext cx="1116127" cy="288034"/>
+          </a:xfrm>
+          <a:prstGeom prst="straightConnector1">
+            <a:avLst/>
+          </a:prstGeom>
+          <a:ln w="19050">
+            <a:solidFill>
+              <a:srgbClr val="00B050"/>
+            </a:solidFill>
+            <a:tailEnd type="arrow"/>
+          </a:ln>
+        </p:spPr>
+        <p:style>
+          <a:lnRef idx="1">
+            <a:schemeClr val="accent1"/>
+          </a:lnRef>
+          <a:fillRef idx="0">
+            <a:schemeClr val="accent1"/>
+          </a:fillRef>
+          <a:effectRef idx="0">
+            <a:schemeClr val="accent1"/>
+          </a:effectRef>
+          <a:fontRef idx="minor">
+            <a:schemeClr val="tx1"/>
+          </a:fontRef>
+        </p:style>
+      </p:cxnSp>
+      <p:cxnSp>
+        <p:nvCxnSpPr>
+          <p:cNvPr id="17" name="直線單箭頭接點 16"/>
+          <p:cNvCxnSpPr/>
+          <p:nvPr/>
+        </p:nvCxnSpPr>
+        <p:spPr>
+          <a:xfrm flipH="1" flipV="1">
+            <a:off x="3059832" y="4005064"/>
+            <a:ext cx="2016225" cy="1"/>
+          </a:xfrm>
+          <a:prstGeom prst="straightConnector1">
+            <a:avLst/>
+          </a:prstGeom>
+          <a:ln w="19050">
+            <a:solidFill>
+              <a:srgbClr val="00B0F0"/>
+            </a:solidFill>
+            <a:tailEnd type="arrow"/>
+          </a:ln>
+        </p:spPr>
+        <p:style>
+          <a:lnRef idx="1">
+            <a:schemeClr val="accent1"/>
+          </a:lnRef>
+          <a:fillRef idx="0">
+            <a:schemeClr val="accent1"/>
+          </a:fillRef>
+          <a:effectRef idx="0">
+            <a:schemeClr val="accent1"/>
+          </a:effectRef>
+          <a:fontRef idx="minor">
+            <a:schemeClr val="tx1"/>
+          </a:fontRef>
+        </p:style>
+      </p:cxnSp>
     </p:spTree>
     <p:extLst>
       <p:ext uri="{BB962C8B-B14F-4D97-AF65-F5344CB8AC3E}">
         <p14:creationId xmlns:p14="http://schemas.microsoft.com/office/powerpoint/2010/main" val="2825401703"/>
+      </p:ext>
+    </p:extLst>
+  </p:cSld>
+  <p:clrMapOvr>
+    <a:masterClrMapping/>
+  </p:clrMapOvr>
+</p:sld>
+</file>
+
+<file path=ppt/slides/slide23.xml><?xml version="1.0" encoding="utf-8"?>
+<p:sld xmlns:a="http://schemas.openxmlformats.org/drawingml/2006/main" xmlns:r="http://schemas.openxmlformats.org/officeDocument/2006/relationships" xmlns:p="http://schemas.openxmlformats.org/presentationml/2006/main">
+  <p:cSld>
+    <p:spTree>
+      <p:nvGrpSpPr>
+        <p:cNvPr id="1" name=""/>
+        <p:cNvGrpSpPr/>
+        <p:nvPr/>
+      </p:nvGrpSpPr>
+      <p:grpSpPr>
+        <a:xfrm>
+          <a:off x="0" y="0"/>
+          <a:ext cx="0" cy="0"/>
+          <a:chOff x="0" y="0"/>
+          <a:chExt cx="0" cy="0"/>
+        </a:xfrm>
+      </p:grpSpPr>
+      <p:sp>
+        <p:nvSpPr>
+          <p:cNvPr id="4" name="文字方塊 3"/>
+          <p:cNvSpPr txBox="1"/>
+          <p:nvPr/>
+        </p:nvSpPr>
+        <p:spPr>
+          <a:xfrm>
+            <a:off x="0" y="0"/>
+            <a:ext cx="9144000" cy="836712"/>
+          </a:xfrm>
+          <a:prstGeom prst="rect">
+            <a:avLst/>
+          </a:prstGeom>
+          <a:noFill/>
+        </p:spPr>
+        <p:txBody>
+          <a:bodyPr wrap="square" rtlCol="0" anchor="ctr">
+            <a:noAutofit/>
+          </a:bodyPr>
+          <a:lstStyle/>
+          <a:p>
+            <a:pPr algn="ctr"/>
+            <a:r>
+              <a:rPr lang="en-US" altLang="zh-TW" sz="2400" dirty="0">
+                <a:latin typeface="Times New Roman" pitchFamily="18" charset="0"/>
+                <a:cs typeface="Times New Roman" pitchFamily="18" charset="0"/>
+              </a:rPr>
+              <a:t>Box-Model</a:t>
+            </a:r>
+            <a:endParaRPr lang="zh-TW" altLang="en-US" sz="2400" dirty="0">
+              <a:latin typeface="Times New Roman" pitchFamily="18" charset="0"/>
+              <a:cs typeface="Times New Roman" pitchFamily="18" charset="0"/>
+            </a:endParaRPr>
+          </a:p>
+        </p:txBody>
+      </p:sp>
+      <p:sp>
+        <p:nvSpPr>
+          <p:cNvPr id="5" name="文字方塊 4"/>
+          <p:cNvSpPr txBox="1"/>
+          <p:nvPr/>
+        </p:nvSpPr>
+        <p:spPr>
+          <a:xfrm>
+            <a:off x="8711952" y="6573902"/>
+            <a:ext cx="432048" cy="276999"/>
+          </a:xfrm>
+          <a:prstGeom prst="rect">
+            <a:avLst/>
+          </a:prstGeom>
+          <a:noFill/>
+        </p:spPr>
+        <p:txBody>
+          <a:bodyPr wrap="square" rtlCol="0" anchor="ctr">
+            <a:spAutoFit/>
+          </a:bodyPr>
+          <a:lstStyle/>
+          <a:p>
+            <a:pPr algn="ctr"/>
+            <a:r>
+              <a:rPr lang="en-US" altLang="zh-TW" sz="1200" dirty="0" smtClean="0">
+                <a:latin typeface="Times New Roman" pitchFamily="18" charset="0"/>
+                <a:cs typeface="Times New Roman" pitchFamily="18" charset="0"/>
+              </a:rPr>
+              <a:t>23</a:t>
+            </a:r>
+            <a:endParaRPr lang="zh-TW" altLang="en-US" sz="1200" dirty="0">
+              <a:latin typeface="Times New Roman" pitchFamily="18" charset="0"/>
+              <a:cs typeface="Times New Roman" pitchFamily="18" charset="0"/>
+            </a:endParaRPr>
+          </a:p>
+        </p:txBody>
+      </p:sp>
+      <p:sp>
+        <p:nvSpPr>
+          <p:cNvPr id="38" name="文字方塊 37"/>
+          <p:cNvSpPr txBox="1"/>
+          <p:nvPr/>
+        </p:nvSpPr>
+        <p:spPr>
+          <a:xfrm>
+            <a:off x="503548" y="1124744"/>
+            <a:ext cx="8136904" cy="5328592"/>
+          </a:xfrm>
+          <a:prstGeom prst="rect">
+            <a:avLst/>
+          </a:prstGeom>
+          <a:noFill/>
+        </p:spPr>
+        <p:txBody>
+          <a:bodyPr wrap="square" rtlCol="0" anchor="t">
+            <a:noAutofit/>
+          </a:bodyPr>
+          <a:lstStyle/>
+          <a:p>
+            <a:pPr defTabSz="0"/>
+            <a:r>
+              <a:rPr lang="en-US" altLang="zh-TW" dirty="0" smtClean="0">
+                <a:latin typeface="Times New Roman" pitchFamily="18" charset="0"/>
+                <a:cs typeface="Times New Roman" pitchFamily="18" charset="0"/>
+              </a:rPr>
+              <a:t>        </a:t>
+            </a:r>
+            <a:r>
+              <a:rPr lang="en-US" altLang="zh-TW" dirty="0">
+                <a:solidFill>
+                  <a:srgbClr val="00B050"/>
+                </a:solidFill>
+                <a:latin typeface="Times New Roman" pitchFamily="18" charset="0"/>
+                <a:cs typeface="Times New Roman" pitchFamily="18" charset="0"/>
+              </a:rPr>
+              <a:t>*</a:t>
+            </a:r>
+            <a:r>
+              <a:rPr lang="en-US" altLang="zh-TW" dirty="0">
+                <a:latin typeface="Times New Roman" pitchFamily="18" charset="0"/>
+                <a:cs typeface="Times New Roman" pitchFamily="18" charset="0"/>
+              </a:rPr>
+              <a:t> {</a:t>
+            </a:r>
+          </a:p>
+          <a:p>
+            <a:pPr defTabSz="0"/>
+            <a:r>
+              <a:rPr lang="en-US" altLang="zh-TW" dirty="0">
+                <a:latin typeface="Times New Roman" pitchFamily="18" charset="0"/>
+                <a:cs typeface="Times New Roman" pitchFamily="18" charset="0"/>
+              </a:rPr>
+              <a:t>            </a:t>
+            </a:r>
+            <a:r>
+              <a:rPr lang="en-US" altLang="zh-TW" dirty="0">
+                <a:solidFill>
+                  <a:srgbClr val="FF0000"/>
+                </a:solidFill>
+                <a:latin typeface="Times New Roman" pitchFamily="18" charset="0"/>
+                <a:cs typeface="Times New Roman" pitchFamily="18" charset="0"/>
+              </a:rPr>
+              <a:t>margin: 0;</a:t>
+            </a:r>
+          </a:p>
+          <a:p>
+            <a:pPr defTabSz="0"/>
+            <a:r>
+              <a:rPr lang="en-US" altLang="zh-TW" dirty="0">
+                <a:latin typeface="Times New Roman" pitchFamily="18" charset="0"/>
+                <a:cs typeface="Times New Roman" pitchFamily="18" charset="0"/>
+              </a:rPr>
+              <a:t>            </a:t>
+            </a:r>
+            <a:r>
+              <a:rPr lang="en-US" altLang="zh-TW" dirty="0">
+                <a:solidFill>
+                  <a:srgbClr val="FF0000"/>
+                </a:solidFill>
+                <a:latin typeface="Times New Roman" pitchFamily="18" charset="0"/>
+                <a:cs typeface="Times New Roman" pitchFamily="18" charset="0"/>
+              </a:rPr>
+              <a:t>padding: 0;</a:t>
+            </a:r>
+          </a:p>
+          <a:p>
+            <a:pPr defTabSz="0"/>
+            <a:r>
+              <a:rPr lang="en-US" altLang="zh-TW" dirty="0">
+                <a:latin typeface="Times New Roman" pitchFamily="18" charset="0"/>
+                <a:cs typeface="Times New Roman" pitchFamily="18" charset="0"/>
+              </a:rPr>
+              <a:t>        }</a:t>
+            </a:r>
+          </a:p>
+          <a:p>
+            <a:pPr defTabSz="0"/>
+            <a:r>
+              <a:rPr lang="en-US" altLang="zh-TW" dirty="0">
+                <a:latin typeface="Times New Roman" pitchFamily="18" charset="0"/>
+                <a:cs typeface="Times New Roman" pitchFamily="18" charset="0"/>
+              </a:rPr>
+              <a:t>        .box {</a:t>
+            </a:r>
+          </a:p>
+          <a:p>
+            <a:pPr defTabSz="0"/>
+            <a:r>
+              <a:rPr lang="en-US" altLang="zh-TW" dirty="0">
+                <a:latin typeface="Times New Roman" pitchFamily="18" charset="0"/>
+                <a:cs typeface="Times New Roman" pitchFamily="18" charset="0"/>
+              </a:rPr>
+              <a:t>            width: 100px;</a:t>
+            </a:r>
+          </a:p>
+          <a:p>
+            <a:pPr defTabSz="0"/>
+            <a:r>
+              <a:rPr lang="en-US" altLang="zh-TW" dirty="0">
+                <a:latin typeface="Times New Roman" pitchFamily="18" charset="0"/>
+                <a:cs typeface="Times New Roman" pitchFamily="18" charset="0"/>
+              </a:rPr>
+              <a:t>            height: 100px;</a:t>
+            </a:r>
+          </a:p>
+          <a:p>
+            <a:pPr defTabSz="0"/>
+            <a:r>
+              <a:rPr lang="en-US" altLang="zh-TW" dirty="0">
+                <a:latin typeface="Times New Roman" pitchFamily="18" charset="0"/>
+                <a:cs typeface="Times New Roman" pitchFamily="18" charset="0"/>
+              </a:rPr>
+              <a:t>            background-color: #</a:t>
+            </a:r>
+            <a:r>
+              <a:rPr lang="en-US" altLang="zh-TW" dirty="0" err="1">
+                <a:latin typeface="Times New Roman" pitchFamily="18" charset="0"/>
+                <a:cs typeface="Times New Roman" pitchFamily="18" charset="0"/>
+              </a:rPr>
+              <a:t>fcc</a:t>
+            </a:r>
+            <a:r>
+              <a:rPr lang="en-US" altLang="zh-TW" dirty="0">
+                <a:latin typeface="Times New Roman" pitchFamily="18" charset="0"/>
+                <a:cs typeface="Times New Roman" pitchFamily="18" charset="0"/>
+              </a:rPr>
+              <a:t>;</a:t>
+            </a:r>
+          </a:p>
+          <a:p>
+            <a:pPr defTabSz="0"/>
+            <a:r>
+              <a:rPr lang="en-US" altLang="zh-TW" dirty="0">
+                <a:latin typeface="Times New Roman" pitchFamily="18" charset="0"/>
+                <a:cs typeface="Times New Roman" pitchFamily="18" charset="0"/>
+              </a:rPr>
+              <a:t>            </a:t>
+            </a:r>
+            <a:r>
+              <a:rPr lang="en-US" altLang="zh-TW" dirty="0">
+                <a:solidFill>
+                  <a:srgbClr val="FF0000"/>
+                </a:solidFill>
+                <a:latin typeface="Times New Roman" pitchFamily="18" charset="0"/>
+                <a:cs typeface="Times New Roman" pitchFamily="18" charset="0"/>
+              </a:rPr>
+              <a:t>border: 10px solid #</a:t>
+            </a:r>
+            <a:r>
+              <a:rPr lang="en-US" altLang="zh-TW" dirty="0" err="1">
+                <a:solidFill>
+                  <a:srgbClr val="FF0000"/>
+                </a:solidFill>
+                <a:latin typeface="Times New Roman" pitchFamily="18" charset="0"/>
+                <a:cs typeface="Times New Roman" pitchFamily="18" charset="0"/>
+              </a:rPr>
+              <a:t>faa</a:t>
+            </a:r>
+            <a:r>
+              <a:rPr lang="en-US" altLang="zh-TW" dirty="0">
+                <a:solidFill>
+                  <a:srgbClr val="FF0000"/>
+                </a:solidFill>
+                <a:latin typeface="Times New Roman" pitchFamily="18" charset="0"/>
+                <a:cs typeface="Times New Roman" pitchFamily="18" charset="0"/>
+              </a:rPr>
+              <a:t>;</a:t>
+            </a:r>
+          </a:p>
+          <a:p>
+            <a:pPr defTabSz="0"/>
+            <a:r>
+              <a:rPr lang="en-US" altLang="zh-TW" dirty="0">
+                <a:latin typeface="Times New Roman" pitchFamily="18" charset="0"/>
+                <a:cs typeface="Times New Roman" pitchFamily="18" charset="0"/>
+              </a:rPr>
+              <a:t>            overflow: hidden;</a:t>
+            </a:r>
+          </a:p>
+          <a:p>
+            <a:pPr defTabSz="0"/>
+            <a:r>
+              <a:rPr lang="en-US" altLang="zh-TW" dirty="0">
+                <a:latin typeface="Times New Roman" pitchFamily="18" charset="0"/>
+                <a:cs typeface="Times New Roman" pitchFamily="18" charset="0"/>
+              </a:rPr>
+              <a:t>        }</a:t>
+            </a:r>
+          </a:p>
+          <a:p>
+            <a:pPr defTabSz="0"/>
+            <a:r>
+              <a:rPr lang="en-US" altLang="zh-TW" dirty="0">
+                <a:latin typeface="Times New Roman" pitchFamily="18" charset="0"/>
+                <a:cs typeface="Times New Roman" pitchFamily="18" charset="0"/>
+              </a:rPr>
+              <a:t>        .box-margin {</a:t>
+            </a:r>
+          </a:p>
+          <a:p>
+            <a:pPr defTabSz="0"/>
+            <a:r>
+              <a:rPr lang="en-US" altLang="zh-TW" dirty="0">
+                <a:latin typeface="Times New Roman" pitchFamily="18" charset="0"/>
+                <a:cs typeface="Times New Roman" pitchFamily="18" charset="0"/>
+              </a:rPr>
+              <a:t>            </a:t>
+            </a:r>
+            <a:r>
+              <a:rPr lang="en-US" altLang="zh-TW" dirty="0">
+                <a:solidFill>
+                  <a:srgbClr val="FF0000"/>
+                </a:solidFill>
+                <a:latin typeface="Times New Roman" pitchFamily="18" charset="0"/>
+                <a:cs typeface="Times New Roman" pitchFamily="18" charset="0"/>
+              </a:rPr>
+              <a:t>margin: 10px 20px 30px 40px;</a:t>
+            </a:r>
+          </a:p>
+          <a:p>
+            <a:pPr defTabSz="0"/>
+            <a:r>
+              <a:rPr lang="en-US" altLang="zh-TW" dirty="0">
+                <a:latin typeface="Times New Roman" pitchFamily="18" charset="0"/>
+                <a:cs typeface="Times New Roman" pitchFamily="18" charset="0"/>
+              </a:rPr>
+              <a:t>        }</a:t>
+            </a:r>
+          </a:p>
+          <a:p>
+            <a:pPr defTabSz="0"/>
+            <a:r>
+              <a:rPr lang="en-US" altLang="zh-TW" dirty="0">
+                <a:latin typeface="Times New Roman" pitchFamily="18" charset="0"/>
+                <a:cs typeface="Times New Roman" pitchFamily="18" charset="0"/>
+              </a:rPr>
+              <a:t>        .box-padding {</a:t>
+            </a:r>
+          </a:p>
+          <a:p>
+            <a:pPr defTabSz="0"/>
+            <a:r>
+              <a:rPr lang="en-US" altLang="zh-TW" dirty="0">
+                <a:latin typeface="Times New Roman" pitchFamily="18" charset="0"/>
+                <a:cs typeface="Times New Roman" pitchFamily="18" charset="0"/>
+              </a:rPr>
+              <a:t>            </a:t>
+            </a:r>
+            <a:r>
+              <a:rPr lang="en-US" altLang="zh-TW" dirty="0">
+                <a:solidFill>
+                  <a:srgbClr val="FF0000"/>
+                </a:solidFill>
+                <a:latin typeface="Times New Roman" pitchFamily="18" charset="0"/>
+                <a:cs typeface="Times New Roman" pitchFamily="18" charset="0"/>
+              </a:rPr>
+              <a:t>padding: 40px 20px 30px 40px;</a:t>
+            </a:r>
+          </a:p>
+          <a:p>
+            <a:pPr defTabSz="0"/>
+            <a:r>
+              <a:rPr lang="en-US" altLang="zh-TW" dirty="0">
+                <a:latin typeface="Times New Roman" pitchFamily="18" charset="0"/>
+                <a:cs typeface="Times New Roman" pitchFamily="18" charset="0"/>
+              </a:rPr>
+              <a:t>        }</a:t>
+            </a:r>
+            <a:endParaRPr lang="en-US" altLang="zh-TW" dirty="0">
+              <a:latin typeface="Times New Roman" pitchFamily="18" charset="0"/>
+              <a:cs typeface="Times New Roman" pitchFamily="18" charset="0"/>
+            </a:endParaRPr>
+          </a:p>
+        </p:txBody>
+      </p:sp>
+      <p:cxnSp>
+        <p:nvCxnSpPr>
+          <p:cNvPr id="14" name="直線單箭頭接點 13"/>
+          <p:cNvCxnSpPr/>
+          <p:nvPr/>
+        </p:nvCxnSpPr>
+        <p:spPr>
+          <a:xfrm>
+            <a:off x="1259632" y="1268760"/>
+            <a:ext cx="1512168" cy="0"/>
+          </a:xfrm>
+          <a:prstGeom prst="straightConnector1">
+            <a:avLst/>
+          </a:prstGeom>
+          <a:ln w="19050">
+            <a:solidFill>
+              <a:srgbClr val="00B050"/>
+            </a:solidFill>
+            <a:tailEnd type="arrow"/>
+          </a:ln>
+        </p:spPr>
+        <p:style>
+          <a:lnRef idx="1">
+            <a:schemeClr val="accent1"/>
+          </a:lnRef>
+          <a:fillRef idx="0">
+            <a:schemeClr val="accent1"/>
+          </a:fillRef>
+          <a:effectRef idx="0">
+            <a:schemeClr val="accent1"/>
+          </a:effectRef>
+          <a:fontRef idx="minor">
+            <a:schemeClr val="tx1"/>
+          </a:fontRef>
+        </p:style>
+      </p:cxnSp>
+      <p:sp>
+        <p:nvSpPr>
+          <p:cNvPr id="18" name="文字方塊 17"/>
+          <p:cNvSpPr txBox="1"/>
+          <p:nvPr/>
+        </p:nvSpPr>
+        <p:spPr>
+          <a:xfrm>
+            <a:off x="2771800" y="1084094"/>
+            <a:ext cx="2808312" cy="369332"/>
+          </a:xfrm>
+          <a:prstGeom prst="rect">
+            <a:avLst/>
+          </a:prstGeom>
+          <a:noFill/>
+        </p:spPr>
+        <p:txBody>
+          <a:bodyPr wrap="square" rtlCol="0" anchor="ctr">
+            <a:spAutoFit/>
+          </a:bodyPr>
+          <a:lstStyle/>
+          <a:p>
+            <a:pPr algn="ctr"/>
+            <a:r>
+              <a:rPr lang="zh-TW" altLang="en-US" dirty="0" smtClean="0">
+                <a:latin typeface="Times New Roman" pitchFamily="18" charset="0"/>
+                <a:cs typeface="Times New Roman" pitchFamily="18" charset="0"/>
+              </a:rPr>
+              <a:t>萬用 </a:t>
+            </a:r>
+            <a:r>
+              <a:rPr lang="en-US" altLang="zh-TW" dirty="0" smtClean="0">
+                <a:latin typeface="Times New Roman" pitchFamily="18" charset="0"/>
+                <a:cs typeface="Times New Roman" pitchFamily="18" charset="0"/>
+              </a:rPr>
+              <a:t>Selector</a:t>
+            </a:r>
+            <a:r>
+              <a:rPr lang="zh-TW" altLang="en-US" dirty="0" smtClean="0">
+                <a:latin typeface="Times New Roman" pitchFamily="18" charset="0"/>
+                <a:cs typeface="Times New Roman" pitchFamily="18" charset="0"/>
+              </a:rPr>
+              <a:t>，用於 </a:t>
+            </a:r>
+            <a:r>
+              <a:rPr lang="en-US" altLang="zh-TW" dirty="0" smtClean="0">
+                <a:latin typeface="Times New Roman" pitchFamily="18" charset="0"/>
+                <a:cs typeface="Times New Roman" pitchFamily="18" charset="0"/>
+              </a:rPr>
+              <a:t>reset</a:t>
+            </a:r>
+            <a:endParaRPr lang="zh-TW" altLang="en-US" dirty="0">
+              <a:latin typeface="Times New Roman" pitchFamily="18" charset="0"/>
+              <a:cs typeface="Times New Roman" pitchFamily="18" charset="0"/>
+            </a:endParaRPr>
+          </a:p>
+        </p:txBody>
+      </p:sp>
+      <p:cxnSp>
+        <p:nvCxnSpPr>
+          <p:cNvPr id="19" name="直線單箭頭接點 18"/>
+          <p:cNvCxnSpPr/>
+          <p:nvPr/>
+        </p:nvCxnSpPr>
+        <p:spPr>
+          <a:xfrm flipV="1">
+            <a:off x="3599892" y="3573016"/>
+            <a:ext cx="1332148" cy="1"/>
+          </a:xfrm>
+          <a:prstGeom prst="straightConnector1">
+            <a:avLst/>
+          </a:prstGeom>
+          <a:ln w="19050">
+            <a:solidFill>
+              <a:srgbClr val="FF0000"/>
+            </a:solidFill>
+            <a:tailEnd type="arrow"/>
+          </a:ln>
+        </p:spPr>
+        <p:style>
+          <a:lnRef idx="1">
+            <a:schemeClr val="accent1"/>
+          </a:lnRef>
+          <a:fillRef idx="0">
+            <a:schemeClr val="accent1"/>
+          </a:fillRef>
+          <a:effectRef idx="0">
+            <a:schemeClr val="accent1"/>
+          </a:effectRef>
+          <a:fontRef idx="minor">
+            <a:schemeClr val="tx1"/>
+          </a:fontRef>
+        </p:style>
+      </p:cxnSp>
+      <p:sp>
+        <p:nvSpPr>
+          <p:cNvPr id="21" name="文字方塊 20"/>
+          <p:cNvSpPr txBox="1"/>
+          <p:nvPr/>
+        </p:nvSpPr>
+        <p:spPr>
+          <a:xfrm>
+            <a:off x="4938488" y="3373225"/>
+            <a:ext cx="3989487" cy="369332"/>
+          </a:xfrm>
+          <a:prstGeom prst="rect">
+            <a:avLst/>
+          </a:prstGeom>
+          <a:noFill/>
+        </p:spPr>
+        <p:txBody>
+          <a:bodyPr wrap="square" rtlCol="0" anchor="ctr">
+            <a:spAutoFit/>
+          </a:bodyPr>
+          <a:lstStyle/>
+          <a:p>
+            <a:pPr algn="ctr"/>
+            <a:r>
+              <a:rPr lang="en-US" altLang="zh-TW" dirty="0" smtClean="0">
+                <a:latin typeface="Times New Roman" pitchFamily="18" charset="0"/>
+                <a:cs typeface="Times New Roman" pitchFamily="18" charset="0"/>
+              </a:rPr>
+              <a:t>border </a:t>
+            </a:r>
+            <a:r>
+              <a:rPr lang="zh-TW" altLang="en-US" dirty="0" smtClean="0">
+                <a:latin typeface="Times New Roman" pitchFamily="18" charset="0"/>
+                <a:cs typeface="Times New Roman" pitchFamily="18" charset="0"/>
+              </a:rPr>
+              <a:t>寫法，</a:t>
+            </a:r>
+            <a:r>
+              <a:rPr lang="en-US" altLang="zh-TW" dirty="0" smtClean="0">
+                <a:latin typeface="Times New Roman" pitchFamily="18" charset="0"/>
+                <a:cs typeface="Times New Roman" pitchFamily="18" charset="0"/>
+              </a:rPr>
+              <a:t>Value </a:t>
+            </a:r>
+            <a:r>
+              <a:rPr lang="zh-TW" altLang="en-US" dirty="0" smtClean="0">
+                <a:latin typeface="Times New Roman" pitchFamily="18" charset="0"/>
+                <a:cs typeface="Times New Roman" pitchFamily="18" charset="0"/>
+              </a:rPr>
+              <a:t>順序不影響結果</a:t>
+            </a:r>
+            <a:endParaRPr lang="zh-TW" altLang="en-US" dirty="0">
+              <a:latin typeface="Times New Roman" pitchFamily="18" charset="0"/>
+              <a:cs typeface="Times New Roman" pitchFamily="18" charset="0"/>
+            </a:endParaRPr>
+          </a:p>
+        </p:txBody>
+      </p:sp>
+      <p:cxnSp>
+        <p:nvCxnSpPr>
+          <p:cNvPr id="22" name="直線單箭頭接點 21"/>
+          <p:cNvCxnSpPr/>
+          <p:nvPr/>
+        </p:nvCxnSpPr>
+        <p:spPr>
+          <a:xfrm>
+            <a:off x="4355976" y="4653136"/>
+            <a:ext cx="360040" cy="288032"/>
+          </a:xfrm>
+          <a:prstGeom prst="straightConnector1">
+            <a:avLst/>
+          </a:prstGeom>
+          <a:ln w="19050">
+            <a:solidFill>
+              <a:srgbClr val="FFC000"/>
+            </a:solidFill>
+            <a:tailEnd type="arrow"/>
+          </a:ln>
+        </p:spPr>
+        <p:style>
+          <a:lnRef idx="1">
+            <a:schemeClr val="accent1"/>
+          </a:lnRef>
+          <a:fillRef idx="0">
+            <a:schemeClr val="accent1"/>
+          </a:fillRef>
+          <a:effectRef idx="0">
+            <a:schemeClr val="accent1"/>
+          </a:effectRef>
+          <a:fontRef idx="minor">
+            <a:schemeClr val="tx1"/>
+          </a:fontRef>
+        </p:style>
+      </p:cxnSp>
+      <p:cxnSp>
+        <p:nvCxnSpPr>
+          <p:cNvPr id="28" name="直線單箭頭接點 27"/>
+          <p:cNvCxnSpPr/>
+          <p:nvPr/>
+        </p:nvCxnSpPr>
+        <p:spPr>
+          <a:xfrm flipV="1">
+            <a:off x="4355976" y="5238492"/>
+            <a:ext cx="360040" cy="206732"/>
+          </a:xfrm>
+          <a:prstGeom prst="straightConnector1">
+            <a:avLst/>
+          </a:prstGeom>
+          <a:ln w="19050">
+            <a:solidFill>
+              <a:srgbClr val="FFC000"/>
+            </a:solidFill>
+            <a:tailEnd type="arrow"/>
+          </a:ln>
+        </p:spPr>
+        <p:style>
+          <a:lnRef idx="1">
+            <a:schemeClr val="accent1"/>
+          </a:lnRef>
+          <a:fillRef idx="0">
+            <a:schemeClr val="accent1"/>
+          </a:fillRef>
+          <a:effectRef idx="0">
+            <a:schemeClr val="accent1"/>
+          </a:effectRef>
+          <a:fontRef idx="minor">
+            <a:schemeClr val="tx1"/>
+          </a:fontRef>
+        </p:style>
+      </p:cxnSp>
+      <p:sp>
+        <p:nvSpPr>
+          <p:cNvPr id="30" name="文字方塊 29"/>
+          <p:cNvSpPr txBox="1"/>
+          <p:nvPr/>
+        </p:nvSpPr>
+        <p:spPr>
+          <a:xfrm>
+            <a:off x="4686969" y="4931876"/>
+            <a:ext cx="3989487" cy="369332"/>
+          </a:xfrm>
+          <a:prstGeom prst="rect">
+            <a:avLst/>
+          </a:prstGeom>
+          <a:noFill/>
+        </p:spPr>
+        <p:txBody>
+          <a:bodyPr wrap="square" rtlCol="0" anchor="ctr">
+            <a:spAutoFit/>
+          </a:bodyPr>
+          <a:lstStyle/>
+          <a:p>
+            <a:pPr algn="ctr"/>
+            <a:r>
+              <a:rPr lang="en-US" altLang="zh-TW" dirty="0" smtClean="0">
+                <a:latin typeface="Times New Roman" pitchFamily="18" charset="0"/>
+                <a:cs typeface="Times New Roman" pitchFamily="18" charset="0"/>
+              </a:rPr>
+              <a:t>Value </a:t>
+            </a:r>
+            <a:r>
+              <a:rPr lang="zh-TW" altLang="en-US" dirty="0" smtClean="0">
+                <a:latin typeface="Times New Roman" pitchFamily="18" charset="0"/>
+                <a:cs typeface="Times New Roman" pitchFamily="18" charset="0"/>
+              </a:rPr>
+              <a:t>順序</a:t>
+            </a:r>
+            <a:r>
+              <a:rPr lang="zh-TW" altLang="en-US" dirty="0" smtClean="0">
+                <a:latin typeface="Times New Roman" pitchFamily="18" charset="0"/>
+                <a:cs typeface="Times New Roman" pitchFamily="18" charset="0"/>
+              </a:rPr>
+              <a:t>分別為 </a:t>
+            </a:r>
+            <a:r>
+              <a:rPr lang="en-US" altLang="zh-TW" dirty="0" smtClean="0">
+                <a:latin typeface="Times New Roman" pitchFamily="18" charset="0"/>
+                <a:cs typeface="Times New Roman" pitchFamily="18" charset="0"/>
+              </a:rPr>
+              <a:t>top right bottom left</a:t>
+            </a:r>
+            <a:endParaRPr lang="zh-TW" altLang="en-US" dirty="0">
+              <a:latin typeface="Times New Roman" pitchFamily="18" charset="0"/>
+              <a:cs typeface="Times New Roman" pitchFamily="18" charset="0"/>
+            </a:endParaRPr>
+          </a:p>
+        </p:txBody>
+      </p:sp>
+    </p:spTree>
+    <p:extLst>
+      <p:ext uri="{BB962C8B-B14F-4D97-AF65-F5344CB8AC3E}">
+        <p14:creationId xmlns:p14="http://schemas.microsoft.com/office/powerpoint/2010/main" val="3448611825"/>
+      </p:ext>
+    </p:extLst>
+  </p:cSld>
+  <p:clrMapOvr>
+    <a:masterClrMapping/>
+  </p:clrMapOvr>
+</p:sld>
+</file>
+
+<file path=ppt/slides/slide24.xml><?xml version="1.0" encoding="utf-8"?>
+<p:sld xmlns:a="http://schemas.openxmlformats.org/drawingml/2006/main" xmlns:r="http://schemas.openxmlformats.org/officeDocument/2006/relationships" xmlns:p="http://schemas.openxmlformats.org/presentationml/2006/main">
+  <p:cSld>
+    <p:spTree>
+      <p:nvGrpSpPr>
+        <p:cNvPr id="1" name=""/>
+        <p:cNvGrpSpPr/>
+        <p:nvPr/>
+      </p:nvGrpSpPr>
+      <p:grpSpPr>
+        <a:xfrm>
+          <a:off x="0" y="0"/>
+          <a:ext cx="0" cy="0"/>
+          <a:chOff x="0" y="0"/>
+          <a:chExt cx="0" cy="0"/>
+        </a:xfrm>
+      </p:grpSpPr>
+      <p:sp>
+        <p:nvSpPr>
+          <p:cNvPr id="4" name="文字方塊 3"/>
+          <p:cNvSpPr txBox="1"/>
+          <p:nvPr/>
+        </p:nvSpPr>
+        <p:spPr>
+          <a:xfrm>
+            <a:off x="0" y="0"/>
+            <a:ext cx="9144000" cy="836712"/>
+          </a:xfrm>
+          <a:prstGeom prst="rect">
+            <a:avLst/>
+          </a:prstGeom>
+          <a:noFill/>
+        </p:spPr>
+        <p:txBody>
+          <a:bodyPr wrap="square" rtlCol="0" anchor="ctr">
+            <a:noAutofit/>
+          </a:bodyPr>
+          <a:lstStyle/>
+          <a:p>
+            <a:pPr algn="ctr"/>
+            <a:r>
+              <a:rPr lang="en-US" altLang="zh-TW" sz="2400" dirty="0" smtClean="0">
+                <a:latin typeface="Times New Roman" pitchFamily="18" charset="0"/>
+                <a:cs typeface="Times New Roman" pitchFamily="18" charset="0"/>
+              </a:rPr>
+              <a:t>Display</a:t>
+            </a:r>
+            <a:endParaRPr lang="zh-TW" altLang="en-US" sz="2400" dirty="0">
+              <a:latin typeface="Times New Roman" pitchFamily="18" charset="0"/>
+              <a:cs typeface="Times New Roman" pitchFamily="18" charset="0"/>
+            </a:endParaRPr>
+          </a:p>
+        </p:txBody>
+      </p:sp>
+      <p:sp>
+        <p:nvSpPr>
+          <p:cNvPr id="5" name="文字方塊 4"/>
+          <p:cNvSpPr txBox="1"/>
+          <p:nvPr/>
+        </p:nvSpPr>
+        <p:spPr>
+          <a:xfrm>
+            <a:off x="8711952" y="6573902"/>
+            <a:ext cx="432048" cy="276999"/>
+          </a:xfrm>
+          <a:prstGeom prst="rect">
+            <a:avLst/>
+          </a:prstGeom>
+          <a:noFill/>
+        </p:spPr>
+        <p:txBody>
+          <a:bodyPr wrap="square" rtlCol="0" anchor="ctr">
+            <a:spAutoFit/>
+          </a:bodyPr>
+          <a:lstStyle/>
+          <a:p>
+            <a:pPr algn="ctr"/>
+            <a:r>
+              <a:rPr lang="en-US" altLang="zh-TW" sz="1200" dirty="0" smtClean="0">
+                <a:latin typeface="Times New Roman" pitchFamily="18" charset="0"/>
+                <a:cs typeface="Times New Roman" pitchFamily="18" charset="0"/>
+              </a:rPr>
+              <a:t>24</a:t>
+            </a:r>
+            <a:endParaRPr lang="zh-TW" altLang="en-US" sz="1200" dirty="0">
+              <a:latin typeface="Times New Roman" pitchFamily="18" charset="0"/>
+              <a:cs typeface="Times New Roman" pitchFamily="18" charset="0"/>
+            </a:endParaRPr>
+          </a:p>
+        </p:txBody>
+      </p:sp>
+      <p:sp>
+        <p:nvSpPr>
+          <p:cNvPr id="38" name="文字方塊 37"/>
+          <p:cNvSpPr txBox="1"/>
+          <p:nvPr/>
+        </p:nvSpPr>
+        <p:spPr>
+          <a:xfrm>
+            <a:off x="503548" y="1124744"/>
+            <a:ext cx="8136904" cy="5328592"/>
+          </a:xfrm>
+          <a:prstGeom prst="rect">
+            <a:avLst/>
+          </a:prstGeom>
+          <a:noFill/>
+        </p:spPr>
+        <p:txBody>
+          <a:bodyPr wrap="square" rtlCol="0" anchor="t">
+            <a:noAutofit/>
+          </a:bodyPr>
+          <a:lstStyle/>
+          <a:p>
+            <a:pPr defTabSz="0"/>
+            <a:r>
+              <a:rPr lang="en-US" altLang="zh-TW" dirty="0" smtClean="0">
+                <a:latin typeface="Times New Roman" pitchFamily="18" charset="0"/>
+                <a:cs typeface="Times New Roman" pitchFamily="18" charset="0"/>
+              </a:rPr>
+              <a:t>Display</a:t>
+            </a:r>
+            <a:r>
+              <a:rPr lang="zh-TW" altLang="en-US" dirty="0" smtClean="0">
+                <a:latin typeface="Times New Roman" pitchFamily="18" charset="0"/>
+                <a:cs typeface="Times New Roman" pitchFamily="18" charset="0"/>
+              </a:rPr>
+              <a:t>：</a:t>
+            </a:r>
+            <a:endParaRPr lang="en-US" altLang="zh-TW" dirty="0" smtClean="0">
+              <a:latin typeface="Times New Roman" pitchFamily="18" charset="0"/>
+              <a:cs typeface="Times New Roman" pitchFamily="18" charset="0"/>
+            </a:endParaRPr>
+          </a:p>
+          <a:p>
+            <a:pPr defTabSz="0"/>
+            <a:r>
+              <a:rPr lang="zh-TW" altLang="en-US" dirty="0" smtClean="0">
+                <a:latin typeface="Times New Roman" pitchFamily="18" charset="0"/>
+                <a:cs typeface="Times New Roman" pitchFamily="18" charset="0"/>
+              </a:rPr>
+              <a:t>網頁</a:t>
+            </a:r>
+            <a:r>
+              <a:rPr lang="zh-TW" altLang="en-US" dirty="0">
+                <a:latin typeface="Times New Roman" pitchFamily="18" charset="0"/>
+                <a:cs typeface="Times New Roman" pitchFamily="18" charset="0"/>
+              </a:rPr>
+              <a:t>布</a:t>
+            </a:r>
+            <a:r>
+              <a:rPr lang="zh-TW" altLang="en-US" dirty="0" smtClean="0">
+                <a:latin typeface="Times New Roman" pitchFamily="18" charset="0"/>
+                <a:cs typeface="Times New Roman" pitchFamily="18" charset="0"/>
+              </a:rPr>
+              <a:t>局的最重要的 </a:t>
+            </a:r>
+            <a:r>
+              <a:rPr lang="en-US" altLang="zh-TW" dirty="0" smtClean="0">
+                <a:latin typeface="Times New Roman" pitchFamily="18" charset="0"/>
+                <a:cs typeface="Times New Roman" pitchFamily="18" charset="0"/>
+              </a:rPr>
+              <a:t>CSS</a:t>
+            </a:r>
+            <a:r>
+              <a:rPr lang="zh-TW" altLang="en-US" dirty="0" smtClean="0">
+                <a:latin typeface="Times New Roman" pitchFamily="18" charset="0"/>
+                <a:cs typeface="Times New Roman" pitchFamily="18" charset="0"/>
+              </a:rPr>
+              <a:t> </a:t>
+            </a:r>
+            <a:r>
+              <a:rPr lang="en-US" altLang="zh-TW" dirty="0" smtClean="0">
+                <a:latin typeface="Times New Roman" pitchFamily="18" charset="0"/>
+                <a:cs typeface="Times New Roman" pitchFamily="18" charset="0"/>
+              </a:rPr>
+              <a:t>Property</a:t>
+            </a:r>
+            <a:endParaRPr lang="en-US" altLang="zh-TW" dirty="0">
+              <a:latin typeface="Times New Roman" pitchFamily="18" charset="0"/>
+              <a:cs typeface="Times New Roman" pitchFamily="18" charset="0"/>
+            </a:endParaRPr>
+          </a:p>
+          <a:p>
+            <a:pPr defTabSz="0"/>
+            <a:endParaRPr lang="en-US" altLang="zh-TW" dirty="0" smtClean="0">
+              <a:latin typeface="Times New Roman" pitchFamily="18" charset="0"/>
+              <a:cs typeface="Times New Roman" pitchFamily="18" charset="0"/>
+            </a:endParaRPr>
+          </a:p>
+          <a:p>
+            <a:pPr defTabSz="0"/>
+            <a:r>
+              <a:rPr lang="zh-TW" altLang="en-US" dirty="0" smtClean="0">
+                <a:latin typeface="Times New Roman" pitchFamily="18" charset="0"/>
+                <a:cs typeface="Times New Roman" pitchFamily="18" charset="0"/>
+              </a:rPr>
+              <a:t>基礎的 </a:t>
+            </a:r>
+            <a:r>
+              <a:rPr lang="en-US" altLang="zh-TW" dirty="0" smtClean="0">
+                <a:latin typeface="Times New Roman" pitchFamily="18" charset="0"/>
+                <a:cs typeface="Times New Roman" pitchFamily="18" charset="0"/>
+              </a:rPr>
+              <a:t>Value</a:t>
+            </a:r>
+            <a:r>
+              <a:rPr lang="zh-TW" altLang="en-US" dirty="0" smtClean="0">
+                <a:latin typeface="Times New Roman" pitchFamily="18" charset="0"/>
+                <a:cs typeface="Times New Roman" pitchFamily="18" charset="0"/>
+              </a:rPr>
+              <a:t>：</a:t>
+            </a:r>
+            <a:endParaRPr lang="en-US" altLang="zh-TW" dirty="0">
+              <a:latin typeface="Times New Roman" pitchFamily="18" charset="0"/>
+              <a:cs typeface="Times New Roman" pitchFamily="18" charset="0"/>
+            </a:endParaRPr>
+          </a:p>
+          <a:p>
+            <a:pPr defTabSz="0"/>
+            <a:r>
+              <a:rPr lang="en-US" altLang="zh-TW" dirty="0">
+                <a:latin typeface="Times New Roman" pitchFamily="18" charset="0"/>
+                <a:cs typeface="Times New Roman" pitchFamily="18" charset="0"/>
+              </a:rPr>
+              <a:t>        .inline {</a:t>
+            </a:r>
+          </a:p>
+          <a:p>
+            <a:pPr defTabSz="0"/>
+            <a:r>
+              <a:rPr lang="en-US" altLang="zh-TW" dirty="0">
+                <a:latin typeface="Times New Roman" pitchFamily="18" charset="0"/>
+                <a:cs typeface="Times New Roman" pitchFamily="18" charset="0"/>
+              </a:rPr>
+              <a:t>            display: </a:t>
+            </a:r>
+            <a:r>
+              <a:rPr lang="en-US" altLang="zh-TW" dirty="0">
+                <a:solidFill>
+                  <a:srgbClr val="FF0000"/>
+                </a:solidFill>
+                <a:latin typeface="Times New Roman" pitchFamily="18" charset="0"/>
+                <a:cs typeface="Times New Roman" pitchFamily="18" charset="0"/>
+              </a:rPr>
+              <a:t>inline</a:t>
+            </a:r>
+            <a:r>
+              <a:rPr lang="en-US" altLang="zh-TW" dirty="0">
+                <a:latin typeface="Times New Roman" pitchFamily="18" charset="0"/>
+                <a:cs typeface="Times New Roman" pitchFamily="18" charset="0"/>
+              </a:rPr>
+              <a:t>;</a:t>
+            </a:r>
+          </a:p>
+          <a:p>
+            <a:pPr defTabSz="0"/>
+            <a:r>
+              <a:rPr lang="en-US" altLang="zh-TW" dirty="0">
+                <a:latin typeface="Times New Roman" pitchFamily="18" charset="0"/>
+                <a:cs typeface="Times New Roman" pitchFamily="18" charset="0"/>
+              </a:rPr>
+              <a:t>        }</a:t>
+            </a:r>
+          </a:p>
+          <a:p>
+            <a:pPr defTabSz="0"/>
+            <a:r>
+              <a:rPr lang="en-US" altLang="zh-TW" dirty="0">
+                <a:latin typeface="Times New Roman" pitchFamily="18" charset="0"/>
+                <a:cs typeface="Times New Roman" pitchFamily="18" charset="0"/>
+              </a:rPr>
+              <a:t>        .block {</a:t>
+            </a:r>
+          </a:p>
+          <a:p>
+            <a:pPr defTabSz="0"/>
+            <a:r>
+              <a:rPr lang="en-US" altLang="zh-TW" dirty="0">
+                <a:latin typeface="Times New Roman" pitchFamily="18" charset="0"/>
+                <a:cs typeface="Times New Roman" pitchFamily="18" charset="0"/>
+              </a:rPr>
+              <a:t>            display: </a:t>
+            </a:r>
+            <a:r>
+              <a:rPr lang="en-US" altLang="zh-TW" dirty="0">
+                <a:solidFill>
+                  <a:srgbClr val="FF0000"/>
+                </a:solidFill>
+                <a:latin typeface="Times New Roman" pitchFamily="18" charset="0"/>
+                <a:cs typeface="Times New Roman" pitchFamily="18" charset="0"/>
+              </a:rPr>
+              <a:t>block</a:t>
+            </a:r>
+            <a:r>
+              <a:rPr lang="en-US" altLang="zh-TW" dirty="0">
+                <a:latin typeface="Times New Roman" pitchFamily="18" charset="0"/>
+                <a:cs typeface="Times New Roman" pitchFamily="18" charset="0"/>
+              </a:rPr>
+              <a:t>;</a:t>
+            </a:r>
+          </a:p>
+          <a:p>
+            <a:pPr defTabSz="0"/>
+            <a:r>
+              <a:rPr lang="en-US" altLang="zh-TW" dirty="0">
+                <a:latin typeface="Times New Roman" pitchFamily="18" charset="0"/>
+                <a:cs typeface="Times New Roman" pitchFamily="18" charset="0"/>
+              </a:rPr>
+              <a:t>        }</a:t>
+            </a:r>
+          </a:p>
+          <a:p>
+            <a:pPr defTabSz="0"/>
+            <a:r>
+              <a:rPr lang="en-US" altLang="zh-TW" dirty="0">
+                <a:latin typeface="Times New Roman" pitchFamily="18" charset="0"/>
+                <a:cs typeface="Times New Roman" pitchFamily="18" charset="0"/>
+              </a:rPr>
+              <a:t>        .inline-block {</a:t>
+            </a:r>
+          </a:p>
+          <a:p>
+            <a:pPr defTabSz="0"/>
+            <a:r>
+              <a:rPr lang="en-US" altLang="zh-TW" dirty="0">
+                <a:latin typeface="Times New Roman" pitchFamily="18" charset="0"/>
+                <a:cs typeface="Times New Roman" pitchFamily="18" charset="0"/>
+              </a:rPr>
+              <a:t>            display: inline-block</a:t>
+            </a:r>
+            <a:r>
+              <a:rPr lang="en-US" altLang="zh-TW" dirty="0" smtClean="0">
+                <a:latin typeface="Times New Roman" pitchFamily="18" charset="0"/>
+                <a:cs typeface="Times New Roman" pitchFamily="18" charset="0"/>
+              </a:rPr>
+              <a:t>;(</a:t>
+            </a:r>
+            <a:r>
+              <a:rPr lang="zh-TW" altLang="en-US" dirty="0" smtClean="0">
+                <a:latin typeface="Times New Roman" pitchFamily="18" charset="0"/>
+                <a:cs typeface="Times New Roman" pitchFamily="18" charset="0"/>
+              </a:rPr>
+              <a:t>有點過時，不建議使用</a:t>
+            </a:r>
+            <a:r>
+              <a:rPr lang="en-US" altLang="zh-TW" dirty="0" smtClean="0">
+                <a:latin typeface="Times New Roman" pitchFamily="18" charset="0"/>
+                <a:cs typeface="Times New Roman" pitchFamily="18" charset="0"/>
+              </a:rPr>
+              <a:t>)</a:t>
+            </a:r>
+            <a:endParaRPr lang="en-US" altLang="zh-TW" dirty="0">
+              <a:latin typeface="Times New Roman" pitchFamily="18" charset="0"/>
+              <a:cs typeface="Times New Roman" pitchFamily="18" charset="0"/>
+            </a:endParaRPr>
+          </a:p>
+          <a:p>
+            <a:pPr defTabSz="0"/>
+            <a:r>
+              <a:rPr lang="en-US" altLang="zh-TW" dirty="0">
+                <a:latin typeface="Times New Roman" pitchFamily="18" charset="0"/>
+                <a:cs typeface="Times New Roman" pitchFamily="18" charset="0"/>
+              </a:rPr>
+              <a:t>        }</a:t>
+            </a:r>
+          </a:p>
+          <a:p>
+            <a:pPr defTabSz="0"/>
+            <a:r>
+              <a:rPr lang="en-US" altLang="zh-TW" dirty="0">
+                <a:latin typeface="Times New Roman" pitchFamily="18" charset="0"/>
+                <a:cs typeface="Times New Roman" pitchFamily="18" charset="0"/>
+              </a:rPr>
+              <a:t>        .none {</a:t>
+            </a:r>
+          </a:p>
+          <a:p>
+            <a:pPr defTabSz="0"/>
+            <a:r>
+              <a:rPr lang="en-US" altLang="zh-TW" dirty="0">
+                <a:latin typeface="Times New Roman" pitchFamily="18" charset="0"/>
+                <a:cs typeface="Times New Roman" pitchFamily="18" charset="0"/>
+              </a:rPr>
+              <a:t>            display: </a:t>
+            </a:r>
+            <a:r>
+              <a:rPr lang="en-US" altLang="zh-TW" dirty="0">
+                <a:solidFill>
+                  <a:srgbClr val="FF0000"/>
+                </a:solidFill>
+                <a:latin typeface="Times New Roman" pitchFamily="18" charset="0"/>
+                <a:cs typeface="Times New Roman" pitchFamily="18" charset="0"/>
+              </a:rPr>
+              <a:t>none</a:t>
+            </a:r>
+            <a:r>
+              <a:rPr lang="en-US" altLang="zh-TW" dirty="0">
+                <a:latin typeface="Times New Roman" pitchFamily="18" charset="0"/>
+                <a:cs typeface="Times New Roman" pitchFamily="18" charset="0"/>
+              </a:rPr>
+              <a:t>;</a:t>
+            </a:r>
+          </a:p>
+          <a:p>
+            <a:pPr defTabSz="0"/>
+            <a:r>
+              <a:rPr lang="en-US" altLang="zh-TW" dirty="0">
+                <a:latin typeface="Times New Roman" pitchFamily="18" charset="0"/>
+                <a:cs typeface="Times New Roman" pitchFamily="18" charset="0"/>
+              </a:rPr>
+              <a:t>        }</a:t>
+            </a:r>
+            <a:endParaRPr lang="en-US" altLang="zh-TW" dirty="0">
+              <a:latin typeface="Times New Roman" pitchFamily="18" charset="0"/>
+              <a:cs typeface="Times New Roman" pitchFamily="18" charset="0"/>
+            </a:endParaRPr>
+          </a:p>
+        </p:txBody>
+      </p:sp>
+    </p:spTree>
+    <p:extLst>
+      <p:ext uri="{BB962C8B-B14F-4D97-AF65-F5344CB8AC3E}">
+        <p14:creationId xmlns:p14="http://schemas.microsoft.com/office/powerpoint/2010/main" val="3742800273"/>
+      </p:ext>
+    </p:extLst>
+  </p:cSld>
+  <p:clrMapOvr>
+    <a:masterClrMapping/>
+  </p:clrMapOvr>
+</p:sld>
+</file>
+
+<file path=ppt/slides/slide25.xml><?xml version="1.0" encoding="utf-8"?>
+<p:sld xmlns:a="http://schemas.openxmlformats.org/drawingml/2006/main" xmlns:r="http://schemas.openxmlformats.org/officeDocument/2006/relationships" xmlns:p="http://schemas.openxmlformats.org/presentationml/2006/main">
+  <p:cSld>
+    <p:spTree>
+      <p:nvGrpSpPr>
+        <p:cNvPr id="1" name=""/>
+        <p:cNvGrpSpPr/>
+        <p:nvPr/>
+      </p:nvGrpSpPr>
+      <p:grpSpPr>
+        <a:xfrm>
+          <a:off x="0" y="0"/>
+          <a:ext cx="0" cy="0"/>
+          <a:chOff x="0" y="0"/>
+          <a:chExt cx="0" cy="0"/>
+        </a:xfrm>
+      </p:grpSpPr>
+      <p:sp>
+        <p:nvSpPr>
+          <p:cNvPr id="4" name="文字方塊 3"/>
+          <p:cNvSpPr txBox="1"/>
+          <p:nvPr/>
+        </p:nvSpPr>
+        <p:spPr>
+          <a:xfrm>
+            <a:off x="0" y="0"/>
+            <a:ext cx="9144000" cy="836712"/>
+          </a:xfrm>
+          <a:prstGeom prst="rect">
+            <a:avLst/>
+          </a:prstGeom>
+          <a:noFill/>
+        </p:spPr>
+        <p:txBody>
+          <a:bodyPr wrap="square" rtlCol="0" anchor="ctr">
+            <a:noAutofit/>
+          </a:bodyPr>
+          <a:lstStyle/>
+          <a:p>
+            <a:pPr algn="ctr"/>
+            <a:r>
+              <a:rPr lang="en-US" altLang="zh-TW" sz="2400" dirty="0" smtClean="0">
+                <a:latin typeface="Times New Roman" pitchFamily="18" charset="0"/>
+                <a:cs typeface="Times New Roman" pitchFamily="18" charset="0"/>
+              </a:rPr>
+              <a:t>Display</a:t>
+            </a:r>
+            <a:endParaRPr lang="zh-TW" altLang="en-US" sz="2400" dirty="0">
+              <a:latin typeface="Times New Roman" pitchFamily="18" charset="0"/>
+              <a:cs typeface="Times New Roman" pitchFamily="18" charset="0"/>
+            </a:endParaRPr>
+          </a:p>
+        </p:txBody>
+      </p:sp>
+      <p:sp>
+        <p:nvSpPr>
+          <p:cNvPr id="5" name="文字方塊 4"/>
+          <p:cNvSpPr txBox="1"/>
+          <p:nvPr/>
+        </p:nvSpPr>
+        <p:spPr>
+          <a:xfrm>
+            <a:off x="8711952" y="6573902"/>
+            <a:ext cx="432048" cy="276999"/>
+          </a:xfrm>
+          <a:prstGeom prst="rect">
+            <a:avLst/>
+          </a:prstGeom>
+          <a:noFill/>
+        </p:spPr>
+        <p:txBody>
+          <a:bodyPr wrap="square" rtlCol="0" anchor="ctr">
+            <a:spAutoFit/>
+          </a:bodyPr>
+          <a:lstStyle/>
+          <a:p>
+            <a:pPr algn="ctr"/>
+            <a:r>
+              <a:rPr lang="en-US" altLang="zh-TW" sz="1200" dirty="0" smtClean="0">
+                <a:latin typeface="Times New Roman" pitchFamily="18" charset="0"/>
+                <a:cs typeface="Times New Roman" pitchFamily="18" charset="0"/>
+              </a:rPr>
+              <a:t>25</a:t>
+            </a:r>
+            <a:endParaRPr lang="zh-TW" altLang="en-US" sz="1200" dirty="0">
+              <a:latin typeface="Times New Roman" pitchFamily="18" charset="0"/>
+              <a:cs typeface="Times New Roman" pitchFamily="18" charset="0"/>
+            </a:endParaRPr>
+          </a:p>
+        </p:txBody>
+      </p:sp>
+      <p:sp>
+        <p:nvSpPr>
+          <p:cNvPr id="38" name="文字方塊 37"/>
+          <p:cNvSpPr txBox="1"/>
+          <p:nvPr/>
+        </p:nvSpPr>
+        <p:spPr>
+          <a:xfrm>
+            <a:off x="503548" y="1124744"/>
+            <a:ext cx="8136904" cy="5328592"/>
+          </a:xfrm>
+          <a:prstGeom prst="rect">
+            <a:avLst/>
+          </a:prstGeom>
+          <a:noFill/>
+        </p:spPr>
+        <p:txBody>
+          <a:bodyPr wrap="square" rtlCol="0" anchor="t">
+            <a:noAutofit/>
+          </a:bodyPr>
+          <a:lstStyle/>
+          <a:p>
+            <a:pPr defTabSz="0"/>
+            <a:r>
+              <a:rPr lang="en-US" altLang="zh-TW" dirty="0" smtClean="0">
+                <a:latin typeface="Times New Roman" pitchFamily="18" charset="0"/>
+                <a:cs typeface="Times New Roman" pitchFamily="18" charset="0"/>
+              </a:rPr>
+              <a:t>Display</a:t>
+            </a:r>
+            <a:r>
+              <a:rPr lang="zh-TW" altLang="en-US" dirty="0" smtClean="0">
+                <a:latin typeface="Times New Roman" pitchFamily="18" charset="0"/>
+                <a:cs typeface="Times New Roman" pitchFamily="18" charset="0"/>
+              </a:rPr>
+              <a:t> </a:t>
+            </a:r>
+            <a:r>
+              <a:rPr lang="en-US" altLang="zh-TW" dirty="0" smtClean="0">
+                <a:latin typeface="Times New Roman" pitchFamily="18" charset="0"/>
+                <a:cs typeface="Times New Roman" pitchFamily="18" charset="0"/>
+              </a:rPr>
+              <a:t>Flex</a:t>
+            </a:r>
+            <a:r>
+              <a:rPr lang="zh-TW" altLang="en-US" dirty="0" smtClean="0">
+                <a:latin typeface="Times New Roman" pitchFamily="18" charset="0"/>
+                <a:cs typeface="Times New Roman" pitchFamily="18" charset="0"/>
+              </a:rPr>
+              <a:t>：</a:t>
+            </a:r>
+            <a:endParaRPr lang="en-US" altLang="zh-TW" dirty="0" smtClean="0">
+              <a:latin typeface="Times New Roman" pitchFamily="18" charset="0"/>
+              <a:cs typeface="Times New Roman" pitchFamily="18" charset="0"/>
+            </a:endParaRPr>
+          </a:p>
+          <a:p>
+            <a:pPr defTabSz="0"/>
+            <a:r>
+              <a:rPr lang="en-US" altLang="zh-TW" dirty="0" smtClean="0">
+                <a:latin typeface="Times New Roman" pitchFamily="18" charset="0"/>
+                <a:cs typeface="Times New Roman" pitchFamily="18" charset="0"/>
+              </a:rPr>
+              <a:t>        .flex-box {</a:t>
+            </a:r>
+          </a:p>
+          <a:p>
+            <a:pPr defTabSz="0"/>
+            <a:r>
+              <a:rPr lang="en-US" altLang="zh-TW" dirty="0" smtClean="0">
+                <a:latin typeface="Times New Roman" pitchFamily="18" charset="0"/>
+                <a:cs typeface="Times New Roman" pitchFamily="18" charset="0"/>
+              </a:rPr>
+              <a:t>            display: </a:t>
+            </a:r>
+            <a:r>
+              <a:rPr lang="en-US" altLang="zh-TW" dirty="0" smtClean="0">
+                <a:solidFill>
+                  <a:srgbClr val="FF0000"/>
+                </a:solidFill>
+                <a:latin typeface="Times New Roman" pitchFamily="18" charset="0"/>
+                <a:cs typeface="Times New Roman" pitchFamily="18" charset="0"/>
+              </a:rPr>
+              <a:t>flex</a:t>
+            </a:r>
+            <a:r>
+              <a:rPr lang="en-US" altLang="zh-TW" dirty="0" smtClean="0">
+                <a:latin typeface="Times New Roman" pitchFamily="18" charset="0"/>
+                <a:cs typeface="Times New Roman" pitchFamily="18" charset="0"/>
+              </a:rPr>
+              <a:t>;</a:t>
+            </a:r>
+          </a:p>
+          <a:p>
+            <a:pPr defTabSz="0"/>
+            <a:r>
+              <a:rPr lang="en-US" altLang="zh-TW" dirty="0" smtClean="0">
+                <a:latin typeface="Times New Roman" pitchFamily="18" charset="0"/>
+                <a:cs typeface="Times New Roman" pitchFamily="18" charset="0"/>
+              </a:rPr>
+              <a:t>        }</a:t>
+            </a:r>
+          </a:p>
+          <a:p>
+            <a:pPr defTabSz="0"/>
+            <a:endParaRPr lang="en-US" altLang="zh-TW" dirty="0" smtClean="0">
+              <a:latin typeface="Times New Roman" pitchFamily="18" charset="0"/>
+              <a:cs typeface="Times New Roman" pitchFamily="18" charset="0"/>
+            </a:endParaRPr>
+          </a:p>
+          <a:p>
+            <a:pPr defTabSz="0"/>
+            <a:r>
+              <a:rPr lang="zh-TW" altLang="en-US" dirty="0" smtClean="0">
+                <a:latin typeface="Times New Roman" pitchFamily="18" charset="0"/>
+                <a:cs typeface="Times New Roman" pitchFamily="18" charset="0"/>
+              </a:rPr>
+              <a:t>算是 </a:t>
+            </a:r>
+            <a:r>
+              <a:rPr lang="en-US" altLang="zh-TW" dirty="0" smtClean="0">
+                <a:latin typeface="Times New Roman" pitchFamily="18" charset="0"/>
+                <a:cs typeface="Times New Roman" pitchFamily="18" charset="0"/>
+              </a:rPr>
+              <a:t>block </a:t>
+            </a:r>
+            <a:r>
+              <a:rPr lang="zh-TW" altLang="en-US" dirty="0" smtClean="0">
+                <a:latin typeface="Times New Roman" pitchFamily="18" charset="0"/>
+                <a:cs typeface="Times New Roman" pitchFamily="18" charset="0"/>
+              </a:rPr>
+              <a:t>的延伸</a:t>
+            </a:r>
+            <a:endParaRPr lang="en-US" altLang="zh-TW" dirty="0">
+              <a:latin typeface="Times New Roman" pitchFamily="18" charset="0"/>
+              <a:cs typeface="Times New Roman" pitchFamily="18" charset="0"/>
+            </a:endParaRPr>
+          </a:p>
+          <a:p>
+            <a:pPr defTabSz="0"/>
+            <a:r>
+              <a:rPr lang="en-US" altLang="zh-TW" dirty="0">
+                <a:latin typeface="Times New Roman" pitchFamily="18" charset="0"/>
+                <a:cs typeface="Times New Roman" pitchFamily="18" charset="0"/>
+              </a:rPr>
+              <a:t>        .flex-align {</a:t>
+            </a:r>
+          </a:p>
+          <a:p>
+            <a:pPr defTabSz="0"/>
+            <a:r>
+              <a:rPr lang="en-US" altLang="zh-TW" dirty="0">
+                <a:latin typeface="Times New Roman" pitchFamily="18" charset="0"/>
+                <a:cs typeface="Times New Roman" pitchFamily="18" charset="0"/>
+              </a:rPr>
+              <a:t>            </a:t>
+            </a:r>
+            <a:r>
+              <a:rPr lang="en-US" altLang="zh-TW" dirty="0">
+                <a:solidFill>
+                  <a:srgbClr val="00B050"/>
+                </a:solidFill>
+                <a:latin typeface="Times New Roman" pitchFamily="18" charset="0"/>
+                <a:cs typeface="Times New Roman" pitchFamily="18" charset="0"/>
+              </a:rPr>
+              <a:t>justify-content: center;</a:t>
+            </a:r>
+          </a:p>
+          <a:p>
+            <a:pPr defTabSz="0"/>
+            <a:r>
+              <a:rPr lang="en-US" altLang="zh-TW" dirty="0">
+                <a:latin typeface="Times New Roman" pitchFamily="18" charset="0"/>
+                <a:cs typeface="Times New Roman" pitchFamily="18" charset="0"/>
+              </a:rPr>
+              <a:t>            </a:t>
+            </a:r>
+            <a:r>
+              <a:rPr lang="en-US" altLang="zh-TW" dirty="0">
+                <a:solidFill>
+                  <a:srgbClr val="00B050"/>
+                </a:solidFill>
+                <a:latin typeface="Times New Roman" pitchFamily="18" charset="0"/>
+                <a:cs typeface="Times New Roman" pitchFamily="18" charset="0"/>
+              </a:rPr>
+              <a:t>align-items: center;</a:t>
+            </a:r>
+          </a:p>
+          <a:p>
+            <a:pPr defTabSz="0"/>
+            <a:r>
+              <a:rPr lang="en-US" altLang="zh-TW" dirty="0">
+                <a:latin typeface="Times New Roman" pitchFamily="18" charset="0"/>
+                <a:cs typeface="Times New Roman" pitchFamily="18" charset="0"/>
+              </a:rPr>
+              <a:t>        </a:t>
+            </a:r>
+            <a:r>
+              <a:rPr lang="en-US" altLang="zh-TW" dirty="0" smtClean="0">
+                <a:latin typeface="Times New Roman" pitchFamily="18" charset="0"/>
+                <a:cs typeface="Times New Roman" pitchFamily="18" charset="0"/>
+              </a:rPr>
+              <a:t>}</a:t>
+            </a:r>
+          </a:p>
+          <a:p>
+            <a:pPr defTabSz="0"/>
+            <a:endParaRPr lang="en-US" altLang="zh-TW" dirty="0">
+              <a:latin typeface="Times New Roman" pitchFamily="18" charset="0"/>
+              <a:cs typeface="Times New Roman" pitchFamily="18" charset="0"/>
+            </a:endParaRPr>
+          </a:p>
+          <a:p>
+            <a:pPr defTabSz="0"/>
+            <a:r>
+              <a:rPr lang="zh-TW" altLang="en-US" dirty="0" smtClean="0">
+                <a:latin typeface="Times New Roman" pitchFamily="18" charset="0"/>
+                <a:cs typeface="Times New Roman" pitchFamily="18" charset="0"/>
+              </a:rPr>
+              <a:t>可以去這個網站了解 </a:t>
+            </a:r>
+            <a:r>
+              <a:rPr lang="en-US" altLang="zh-TW" dirty="0" smtClean="0">
+                <a:latin typeface="Times New Roman" pitchFamily="18" charset="0"/>
+                <a:cs typeface="Times New Roman" pitchFamily="18" charset="0"/>
+              </a:rPr>
+              <a:t>Flex</a:t>
+            </a:r>
+          </a:p>
+          <a:p>
+            <a:pPr defTabSz="0"/>
+            <a:r>
+              <a:rPr lang="en-US" altLang="zh-TW" dirty="0">
+                <a:latin typeface="Times New Roman" pitchFamily="18" charset="0"/>
+                <a:cs typeface="Times New Roman" pitchFamily="18" charset="0"/>
+                <a:hlinkClick r:id="rId2"/>
+              </a:rPr>
+              <a:t>http://flexboxfroggy.com</a:t>
+            </a:r>
+            <a:r>
+              <a:rPr lang="en-US" altLang="zh-TW" dirty="0" smtClean="0">
+                <a:latin typeface="Times New Roman" pitchFamily="18" charset="0"/>
+                <a:cs typeface="Times New Roman" pitchFamily="18" charset="0"/>
+                <a:hlinkClick r:id="rId2"/>
+              </a:rPr>
+              <a:t>/</a:t>
+            </a:r>
+            <a:endParaRPr lang="en-US" altLang="zh-TW" dirty="0" smtClean="0">
+              <a:latin typeface="Times New Roman" pitchFamily="18" charset="0"/>
+              <a:cs typeface="Times New Roman" pitchFamily="18" charset="0"/>
+            </a:endParaRPr>
+          </a:p>
+          <a:p>
+            <a:pPr defTabSz="0"/>
+            <a:endParaRPr lang="en-US" altLang="zh-TW" dirty="0" smtClean="0">
+              <a:latin typeface="Times New Roman" pitchFamily="18" charset="0"/>
+              <a:cs typeface="Times New Roman" pitchFamily="18" charset="0"/>
+            </a:endParaRPr>
+          </a:p>
+        </p:txBody>
+      </p:sp>
+    </p:spTree>
+    <p:extLst>
+      <p:ext uri="{BB962C8B-B14F-4D97-AF65-F5344CB8AC3E}">
+        <p14:creationId xmlns:p14="http://schemas.microsoft.com/office/powerpoint/2010/main" val="2113719893"/>
+      </p:ext>
+    </p:extLst>
+  </p:cSld>
+  <p:clrMapOvr>
+    <a:masterClrMapping/>
+  </p:clrMapOvr>
+</p:sld>
+</file>
+
+<file path=ppt/slides/slide26.xml><?xml version="1.0" encoding="utf-8"?>
+<p:sld xmlns:a="http://schemas.openxmlformats.org/drawingml/2006/main" xmlns:r="http://schemas.openxmlformats.org/officeDocument/2006/relationships" xmlns:p="http://schemas.openxmlformats.org/presentationml/2006/main">
+  <p:cSld>
+    <p:spTree>
+      <p:nvGrpSpPr>
+        <p:cNvPr id="1" name=""/>
+        <p:cNvGrpSpPr/>
+        <p:nvPr/>
+      </p:nvGrpSpPr>
+      <p:grpSpPr>
+        <a:xfrm>
+          <a:off x="0" y="0"/>
+          <a:ext cx="0" cy="0"/>
+          <a:chOff x="0" y="0"/>
+          <a:chExt cx="0" cy="0"/>
+        </a:xfrm>
+      </p:grpSpPr>
+      <p:sp>
+        <p:nvSpPr>
+          <p:cNvPr id="4" name="文字方塊 3"/>
+          <p:cNvSpPr txBox="1"/>
+          <p:nvPr/>
+        </p:nvSpPr>
+        <p:spPr>
+          <a:xfrm>
+            <a:off x="0" y="0"/>
+            <a:ext cx="9144000" cy="836712"/>
+          </a:xfrm>
+          <a:prstGeom prst="rect">
+            <a:avLst/>
+          </a:prstGeom>
+          <a:noFill/>
+        </p:spPr>
+        <p:txBody>
+          <a:bodyPr wrap="square" rtlCol="0" anchor="ctr">
+            <a:noAutofit/>
+          </a:bodyPr>
+          <a:lstStyle/>
+          <a:p>
+            <a:pPr algn="ctr"/>
+            <a:r>
+              <a:rPr lang="en-US" altLang="zh-TW" sz="2400" smtClean="0">
+                <a:latin typeface="Times New Roman" pitchFamily="18" charset="0"/>
+                <a:cs typeface="Times New Roman" pitchFamily="18" charset="0"/>
+              </a:rPr>
+              <a:t>Bootstrap 5</a:t>
+            </a:r>
+            <a:endParaRPr lang="zh-TW" altLang="en-US" sz="2400" dirty="0">
+              <a:latin typeface="Times New Roman" pitchFamily="18" charset="0"/>
+              <a:cs typeface="Times New Roman" pitchFamily="18" charset="0"/>
+            </a:endParaRPr>
+          </a:p>
+        </p:txBody>
+      </p:sp>
+      <p:sp>
+        <p:nvSpPr>
+          <p:cNvPr id="5" name="文字方塊 4"/>
+          <p:cNvSpPr txBox="1"/>
+          <p:nvPr/>
+        </p:nvSpPr>
+        <p:spPr>
+          <a:xfrm>
+            <a:off x="8711952" y="6573902"/>
+            <a:ext cx="432048" cy="276999"/>
+          </a:xfrm>
+          <a:prstGeom prst="rect">
+            <a:avLst/>
+          </a:prstGeom>
+          <a:noFill/>
+        </p:spPr>
+        <p:txBody>
+          <a:bodyPr wrap="square" rtlCol="0" anchor="ctr">
+            <a:spAutoFit/>
+          </a:bodyPr>
+          <a:lstStyle/>
+          <a:p>
+            <a:pPr algn="ctr"/>
+            <a:r>
+              <a:rPr lang="en-US" altLang="zh-TW" sz="1200" dirty="0" smtClean="0">
+                <a:latin typeface="Times New Roman" pitchFamily="18" charset="0"/>
+                <a:cs typeface="Times New Roman" pitchFamily="18" charset="0"/>
+              </a:rPr>
+              <a:t>26</a:t>
+            </a:r>
+            <a:endParaRPr lang="zh-TW" altLang="en-US" sz="1200" dirty="0">
+              <a:latin typeface="Times New Roman" pitchFamily="18" charset="0"/>
+              <a:cs typeface="Times New Roman" pitchFamily="18" charset="0"/>
+            </a:endParaRPr>
+          </a:p>
+        </p:txBody>
+      </p:sp>
+      <p:sp>
+        <p:nvSpPr>
+          <p:cNvPr id="38" name="文字方塊 37"/>
+          <p:cNvSpPr txBox="1"/>
+          <p:nvPr/>
+        </p:nvSpPr>
+        <p:spPr>
+          <a:xfrm>
+            <a:off x="503548" y="1124744"/>
+            <a:ext cx="8136904" cy="5328592"/>
+          </a:xfrm>
+          <a:prstGeom prst="rect">
+            <a:avLst/>
+          </a:prstGeom>
+          <a:noFill/>
+        </p:spPr>
+        <p:txBody>
+          <a:bodyPr wrap="square" rtlCol="0" anchor="t">
+            <a:noAutofit/>
+          </a:bodyPr>
+          <a:lstStyle/>
+          <a:p>
+            <a:pPr defTabSz="0"/>
+            <a:endParaRPr lang="en-US" altLang="zh-TW" dirty="0" smtClean="0">
+              <a:latin typeface="Times New Roman" pitchFamily="18" charset="0"/>
+              <a:cs typeface="Times New Roman" pitchFamily="18" charset="0"/>
+            </a:endParaRPr>
+          </a:p>
+        </p:txBody>
+      </p:sp>
+    </p:spTree>
+    <p:extLst>
+      <p:ext uri="{BB962C8B-B14F-4D97-AF65-F5344CB8AC3E}">
+        <p14:creationId xmlns:p14="http://schemas.microsoft.com/office/powerpoint/2010/main" val="546180741"/>
       </p:ext>
     </p:extLst>
   </p:cSld>

--- a/靜態網頁.pptx
+++ b/靜態網頁.pptx
@@ -30,7 +30,11 @@
     <p:sldId id="278" r:id="rId24"/>
     <p:sldId id="279" r:id="rId25"/>
     <p:sldId id="280" r:id="rId26"/>
-    <p:sldId id="281" r:id="rId27"/>
+    <p:sldId id="285" r:id="rId27"/>
+    <p:sldId id="281" r:id="rId28"/>
+    <p:sldId id="282" r:id="rId29"/>
+    <p:sldId id="283" r:id="rId30"/>
+    <p:sldId id="284" r:id="rId31"/>
   </p:sldIdLst>
   <p:sldSz cx="9144000" cy="6858000" type="screen4x3"/>
   <p:notesSz cx="6858000" cy="9144000"/>
@@ -131,7 +135,7 @@
   </p:defaultTextStyle>
   <p:extLst>
     <p:ext uri="{EFAFB233-063F-42B5-8137-9DF3F51BA10A}">
-      <p15:sldGuideLst xmlns="" xmlns:p15="http://schemas.microsoft.com/office/powerpoint/2012/main">
+      <p15:sldGuideLst xmlns:p15="http://schemas.microsoft.com/office/powerpoint/2012/main" xmlns="">
         <p15:guide id="1" orient="horz" pos="2160">
           <p15:clr>
             <a:srgbClr val="A4A3A4"/>
@@ -11080,7 +11084,7 @@
           <p:cNvPr id="3" name="矩形 2">
             <a:extLst>
               <a:ext uri="{FF2B5EF4-FFF2-40B4-BE49-F238E27FC236}">
-                <a16:creationId xmlns="" xmlns:a16="http://schemas.microsoft.com/office/drawing/2014/main" id="{80C8FFE9-16BB-4576-9987-3923EE2858CC}"/>
+                <a16:creationId xmlns:a16="http://schemas.microsoft.com/office/drawing/2014/main" xmlns="" id="{80C8FFE9-16BB-4576-9987-3923EE2858CC}"/>
               </a:ext>
             </a:extLst>
           </p:cNvPr>
@@ -11150,7 +11154,7 @@
           <p:cNvPr id="7" name="矩形 6">
             <a:extLst>
               <a:ext uri="{FF2B5EF4-FFF2-40B4-BE49-F238E27FC236}">
-                <a16:creationId xmlns="" xmlns:a16="http://schemas.microsoft.com/office/drawing/2014/main" id="{B1BB70A7-FE06-4B9F-AE96-64395DA1E820}"/>
+                <a16:creationId xmlns:a16="http://schemas.microsoft.com/office/drawing/2014/main" xmlns="" id="{B1BB70A7-FE06-4B9F-AE96-64395DA1E820}"/>
               </a:ext>
             </a:extLst>
           </p:cNvPr>
@@ -11220,7 +11224,7 @@
           <p:cNvPr id="8" name="矩形 7">
             <a:extLst>
               <a:ext uri="{FF2B5EF4-FFF2-40B4-BE49-F238E27FC236}">
-                <a16:creationId xmlns="" xmlns:a16="http://schemas.microsoft.com/office/drawing/2014/main" id="{FFB26855-8B99-42B8-BD53-511EEEF5488D}"/>
+                <a16:creationId xmlns:a16="http://schemas.microsoft.com/office/drawing/2014/main" xmlns="" id="{FFB26855-8B99-42B8-BD53-511EEEF5488D}"/>
               </a:ext>
             </a:extLst>
           </p:cNvPr>
@@ -11290,7 +11294,7 @@
           <p:cNvPr id="10" name="矩形 9">
             <a:extLst>
               <a:ext uri="{FF2B5EF4-FFF2-40B4-BE49-F238E27FC236}">
-                <a16:creationId xmlns="" xmlns:a16="http://schemas.microsoft.com/office/drawing/2014/main" id="{995DD50E-BC18-474F-AE79-9FA3CA8FCE4C}"/>
+                <a16:creationId xmlns:a16="http://schemas.microsoft.com/office/drawing/2014/main" xmlns="" id="{995DD50E-BC18-474F-AE79-9FA3CA8FCE4C}"/>
               </a:ext>
             </a:extLst>
           </p:cNvPr>
@@ -11894,10 +11898,6 @@
               </a:rPr>
               <a:t>        }</a:t>
             </a:r>
-            <a:endParaRPr lang="en-US" altLang="zh-TW" dirty="0">
-              <a:latin typeface="Times New Roman" pitchFamily="18" charset="0"/>
-              <a:cs typeface="Times New Roman" pitchFamily="18" charset="0"/>
-            </a:endParaRPr>
           </a:p>
         </p:txBody>
       </p:sp>
@@ -12196,14 +12196,7 @@
                 <a:latin typeface="Times New Roman" pitchFamily="18" charset="0"/>
                 <a:cs typeface="Times New Roman" pitchFamily="18" charset="0"/>
               </a:rPr>
-              <a:t>順序</a:t>
-            </a:r>
-            <a:r>
-              <a:rPr lang="zh-TW" altLang="en-US" dirty="0" smtClean="0">
-                <a:latin typeface="Times New Roman" pitchFamily="18" charset="0"/>
-                <a:cs typeface="Times New Roman" pitchFamily="18" charset="0"/>
-              </a:rPr>
-              <a:t>分別為 </a:t>
+              <a:t>順序分別為 </a:t>
             </a:r>
             <a:r>
               <a:rPr lang="en-US" altLang="zh-TW" dirty="0" smtClean="0">
@@ -12644,10 +12637,6 @@
               </a:rPr>
               <a:t>        }</a:t>
             </a:r>
-            <a:endParaRPr lang="en-US" altLang="zh-TW" dirty="0">
-              <a:latin typeface="Times New Roman" pitchFamily="18" charset="0"/>
-              <a:cs typeface="Times New Roman" pitchFamily="18" charset="0"/>
-            </a:endParaRPr>
           </a:p>
         </p:txBody>
       </p:sp>
@@ -13070,11 +13059,11 @@
           <a:p>
             <a:pPr algn="ctr"/>
             <a:r>
-              <a:rPr lang="en-US" altLang="zh-TW" sz="2400" smtClean="0">
-                <a:latin typeface="Times New Roman" pitchFamily="18" charset="0"/>
-                <a:cs typeface="Times New Roman" pitchFamily="18" charset="0"/>
-              </a:rPr>
-              <a:t>Bootstrap 5</a:t>
+              <a:rPr lang="zh-TW" altLang="en-US" sz="2400" dirty="0" smtClean="0">
+                <a:latin typeface="Times New Roman" pitchFamily="18" charset="0"/>
+                <a:cs typeface="Times New Roman" pitchFamily="18" charset="0"/>
+              </a:rPr>
+              <a:t>作業一、靜態網頁</a:t>
             </a:r>
             <a:endParaRPr lang="zh-TW" altLang="en-US" sz="2400" dirty="0">
               <a:latin typeface="Times New Roman" pitchFamily="18" charset="0"/>
@@ -13143,10 +13132,696 @@
           <a:lstStyle/>
           <a:p>
             <a:pPr defTabSz="0"/>
+            <a:r>
+              <a:rPr lang="zh-TW" altLang="en-US" dirty="0" smtClean="0">
+                <a:latin typeface="Times New Roman" pitchFamily="18" charset="0"/>
+                <a:cs typeface="Times New Roman" pitchFamily="18" charset="0"/>
+              </a:rPr>
+              <a:t>請寫出一個表單</a:t>
+            </a:r>
             <a:endParaRPr lang="en-US" altLang="zh-TW" dirty="0" smtClean="0">
               <a:latin typeface="Times New Roman" pitchFamily="18" charset="0"/>
               <a:cs typeface="Times New Roman" pitchFamily="18" charset="0"/>
             </a:endParaRPr>
+          </a:p>
+          <a:p>
+            <a:pPr defTabSz="0"/>
+            <a:r>
+              <a:rPr lang="zh-TW" altLang="en-US" dirty="0" smtClean="0">
+                <a:latin typeface="Times New Roman" pitchFamily="18" charset="0"/>
+                <a:cs typeface="Times New Roman" pitchFamily="18" charset="0"/>
+              </a:rPr>
+              <a:t>至少包含：</a:t>
+            </a:r>
+            <a:endParaRPr lang="en-US" altLang="zh-TW" dirty="0" smtClean="0">
+              <a:latin typeface="Times New Roman" pitchFamily="18" charset="0"/>
+              <a:cs typeface="Times New Roman" pitchFamily="18" charset="0"/>
+            </a:endParaRPr>
+          </a:p>
+          <a:p>
+            <a:pPr defTabSz="0"/>
+            <a:r>
+              <a:rPr lang="en-US" altLang="zh-TW" dirty="0" smtClean="0">
+                <a:solidFill>
+                  <a:srgbClr val="FF0000"/>
+                </a:solidFill>
+                <a:latin typeface="Times New Roman" pitchFamily="18" charset="0"/>
+                <a:cs typeface="Times New Roman" pitchFamily="18" charset="0"/>
+              </a:rPr>
+              <a:t>1</a:t>
+            </a:r>
+            <a:r>
+              <a:rPr lang="zh-TW" altLang="en-US" dirty="0" smtClean="0">
+                <a:solidFill>
+                  <a:srgbClr val="FF0000"/>
+                </a:solidFill>
+                <a:latin typeface="Times New Roman" pitchFamily="18" charset="0"/>
+                <a:cs typeface="Times New Roman" pitchFamily="18" charset="0"/>
+              </a:rPr>
+              <a:t>個文字輸入的地方</a:t>
+            </a:r>
+            <a:endParaRPr lang="en-US" altLang="zh-TW" dirty="0" smtClean="0">
+              <a:solidFill>
+                <a:srgbClr val="FF0000"/>
+              </a:solidFill>
+              <a:latin typeface="Times New Roman" pitchFamily="18" charset="0"/>
+              <a:cs typeface="Times New Roman" pitchFamily="18" charset="0"/>
+            </a:endParaRPr>
+          </a:p>
+          <a:p>
+            <a:pPr defTabSz="0"/>
+            <a:r>
+              <a:rPr lang="en-US" altLang="zh-TW" dirty="0" smtClean="0">
+                <a:solidFill>
+                  <a:srgbClr val="FF0000"/>
+                </a:solidFill>
+                <a:latin typeface="Times New Roman" pitchFamily="18" charset="0"/>
+                <a:cs typeface="Times New Roman" pitchFamily="18" charset="0"/>
+              </a:rPr>
+              <a:t>1</a:t>
+            </a:r>
+            <a:r>
+              <a:rPr lang="zh-TW" altLang="en-US" dirty="0" smtClean="0">
+                <a:solidFill>
+                  <a:srgbClr val="FF0000"/>
+                </a:solidFill>
+                <a:latin typeface="Times New Roman" pitchFamily="18" charset="0"/>
+                <a:cs typeface="Times New Roman" pitchFamily="18" charset="0"/>
+              </a:rPr>
+              <a:t>個 </a:t>
+            </a:r>
+            <a:r>
+              <a:rPr lang="en-US" altLang="zh-TW" dirty="0" smtClean="0">
+                <a:solidFill>
+                  <a:srgbClr val="FF0000"/>
+                </a:solidFill>
+                <a:latin typeface="Times New Roman" pitchFamily="18" charset="0"/>
+                <a:cs typeface="Times New Roman" pitchFamily="18" charset="0"/>
+              </a:rPr>
+              <a:t>reset </a:t>
+            </a:r>
+            <a:r>
+              <a:rPr lang="zh-TW" altLang="en-US" dirty="0" smtClean="0">
+                <a:solidFill>
+                  <a:srgbClr val="FF0000"/>
+                </a:solidFill>
+                <a:latin typeface="Times New Roman" pitchFamily="18" charset="0"/>
+                <a:cs typeface="Times New Roman" pitchFamily="18" charset="0"/>
+              </a:rPr>
+              <a:t>按鈕</a:t>
+            </a:r>
+            <a:endParaRPr lang="en-US" altLang="zh-TW" dirty="0" smtClean="0">
+              <a:solidFill>
+                <a:srgbClr val="FF0000"/>
+              </a:solidFill>
+              <a:latin typeface="Times New Roman" pitchFamily="18" charset="0"/>
+              <a:cs typeface="Times New Roman" pitchFamily="18" charset="0"/>
+            </a:endParaRPr>
+          </a:p>
+          <a:p>
+            <a:pPr defTabSz="0"/>
+            <a:r>
+              <a:rPr lang="en-US" altLang="zh-TW" dirty="0" smtClean="0">
+                <a:solidFill>
+                  <a:srgbClr val="FF0000"/>
+                </a:solidFill>
+                <a:latin typeface="Times New Roman" pitchFamily="18" charset="0"/>
+                <a:cs typeface="Times New Roman" pitchFamily="18" charset="0"/>
+              </a:rPr>
+              <a:t>1</a:t>
+            </a:r>
+            <a:r>
+              <a:rPr lang="zh-TW" altLang="en-US" dirty="0" smtClean="0">
+                <a:solidFill>
+                  <a:srgbClr val="FF0000"/>
+                </a:solidFill>
+                <a:latin typeface="Times New Roman" pitchFamily="18" charset="0"/>
+                <a:cs typeface="Times New Roman" pitchFamily="18" charset="0"/>
+              </a:rPr>
+              <a:t>個 </a:t>
+            </a:r>
+            <a:r>
+              <a:rPr lang="en-US" altLang="zh-TW" dirty="0" smtClean="0">
+                <a:solidFill>
+                  <a:srgbClr val="FF0000"/>
+                </a:solidFill>
+                <a:latin typeface="Times New Roman" pitchFamily="18" charset="0"/>
+                <a:cs typeface="Times New Roman" pitchFamily="18" charset="0"/>
+              </a:rPr>
+              <a:t>sent </a:t>
+            </a:r>
+            <a:r>
+              <a:rPr lang="zh-TW" altLang="en-US" dirty="0" smtClean="0">
+                <a:solidFill>
+                  <a:srgbClr val="FF0000"/>
+                </a:solidFill>
+                <a:latin typeface="Times New Roman" pitchFamily="18" charset="0"/>
+                <a:cs typeface="Times New Roman" pitchFamily="18" charset="0"/>
+              </a:rPr>
+              <a:t>按鈕</a:t>
+            </a:r>
+            <a:endParaRPr lang="en-US" altLang="zh-TW" dirty="0" smtClean="0">
+              <a:solidFill>
+                <a:srgbClr val="FF0000"/>
+              </a:solidFill>
+              <a:latin typeface="Times New Roman" pitchFamily="18" charset="0"/>
+              <a:cs typeface="Times New Roman" pitchFamily="18" charset="0"/>
+            </a:endParaRPr>
+          </a:p>
+          <a:p>
+            <a:pPr defTabSz="0"/>
+            <a:r>
+              <a:rPr lang="zh-TW" altLang="en-US" dirty="0" smtClean="0">
+                <a:solidFill>
+                  <a:srgbClr val="FF0000"/>
+                </a:solidFill>
+                <a:latin typeface="Times New Roman" pitchFamily="18" charset="0"/>
+                <a:cs typeface="Times New Roman" pitchFamily="18" charset="0"/>
+              </a:rPr>
+              <a:t>表單外圍要</a:t>
+            </a:r>
+            <a:r>
+              <a:rPr lang="zh-TW" altLang="en-US" dirty="0">
+                <a:solidFill>
+                  <a:srgbClr val="FF0000"/>
+                </a:solidFill>
+                <a:latin typeface="Times New Roman" pitchFamily="18" charset="0"/>
+                <a:cs typeface="Times New Roman" pitchFamily="18" charset="0"/>
+              </a:rPr>
+              <a:t>設定</a:t>
+            </a:r>
+            <a:r>
+              <a:rPr lang="zh-TW" altLang="en-US" dirty="0" smtClean="0">
+                <a:solidFill>
+                  <a:srgbClr val="FF0000"/>
+                </a:solidFill>
+                <a:latin typeface="Times New Roman" pitchFamily="18" charset="0"/>
+                <a:cs typeface="Times New Roman" pitchFamily="18" charset="0"/>
+              </a:rPr>
+              <a:t> </a:t>
+            </a:r>
+            <a:r>
+              <a:rPr lang="en-US" altLang="zh-TW" dirty="0" smtClean="0">
+                <a:solidFill>
+                  <a:srgbClr val="FF0000"/>
+                </a:solidFill>
+                <a:latin typeface="Times New Roman" pitchFamily="18" charset="0"/>
+                <a:cs typeface="Times New Roman" pitchFamily="18" charset="0"/>
+              </a:rPr>
+              <a:t>border</a:t>
+            </a:r>
+            <a:endParaRPr lang="en-US" altLang="zh-TW" dirty="0">
+              <a:solidFill>
+                <a:srgbClr val="FF0000"/>
+              </a:solidFill>
+              <a:latin typeface="Times New Roman" pitchFamily="18" charset="0"/>
+              <a:cs typeface="Times New Roman" pitchFamily="18" charset="0"/>
+            </a:endParaRPr>
+          </a:p>
+          <a:p>
+            <a:pPr defTabSz="0"/>
+            <a:r>
+              <a:rPr lang="zh-TW" altLang="en-US" dirty="0">
+                <a:solidFill>
+                  <a:srgbClr val="FF0000"/>
+                </a:solidFill>
+                <a:latin typeface="Times New Roman" pitchFamily="18" charset="0"/>
+                <a:cs typeface="Times New Roman" pitchFamily="18" charset="0"/>
+              </a:rPr>
+              <a:t>表單</a:t>
+            </a:r>
+            <a:r>
+              <a:rPr lang="zh-TW" altLang="en-US" dirty="0" smtClean="0">
+                <a:solidFill>
+                  <a:srgbClr val="FF0000"/>
+                </a:solidFill>
+                <a:latin typeface="Times New Roman" pitchFamily="18" charset="0"/>
+                <a:cs typeface="Times New Roman" pitchFamily="18" charset="0"/>
+              </a:rPr>
+              <a:t>必須在畫面的中央</a:t>
+            </a:r>
+            <a:endParaRPr lang="en-US" altLang="zh-TW" dirty="0" smtClean="0">
+              <a:solidFill>
+                <a:srgbClr val="FF0000"/>
+              </a:solidFill>
+              <a:latin typeface="Times New Roman" pitchFamily="18" charset="0"/>
+              <a:cs typeface="Times New Roman" pitchFamily="18" charset="0"/>
+            </a:endParaRPr>
+          </a:p>
+          <a:p>
+            <a:pPr defTabSz="0"/>
+            <a:endParaRPr lang="en-US" altLang="zh-TW" dirty="0" smtClean="0">
+              <a:latin typeface="Times New Roman" pitchFamily="18" charset="0"/>
+              <a:cs typeface="Times New Roman" pitchFamily="18" charset="0"/>
+            </a:endParaRPr>
+          </a:p>
+          <a:p>
+            <a:pPr defTabSz="0"/>
+            <a:endParaRPr lang="en-US" altLang="zh-TW" dirty="0">
+              <a:latin typeface="Times New Roman" pitchFamily="18" charset="0"/>
+              <a:cs typeface="Times New Roman" pitchFamily="18" charset="0"/>
+            </a:endParaRPr>
+          </a:p>
+          <a:p>
+            <a:pPr defTabSz="0"/>
+            <a:r>
+              <a:rPr lang="zh-TW" altLang="en-US" dirty="0" smtClean="0">
+                <a:latin typeface="Times New Roman" pitchFamily="18" charset="0"/>
+                <a:cs typeface="Times New Roman" pitchFamily="18" charset="0"/>
+              </a:rPr>
+              <a:t>可以</a:t>
+            </a:r>
+            <a:r>
+              <a:rPr lang="zh-TW" altLang="en-US" dirty="0">
+                <a:latin typeface="Times New Roman" pitchFamily="18" charset="0"/>
+                <a:cs typeface="Times New Roman" pitchFamily="18" charset="0"/>
+              </a:rPr>
+              <a:t>去哪些</a:t>
+            </a:r>
+            <a:r>
+              <a:rPr lang="zh-TW" altLang="en-US" dirty="0" smtClean="0">
+                <a:latin typeface="Times New Roman" pitchFamily="18" charset="0"/>
+                <a:cs typeface="Times New Roman" pitchFamily="18" charset="0"/>
+              </a:rPr>
+              <a:t>網站查詢更多的語法跟說明：</a:t>
+            </a:r>
+            <a:endParaRPr lang="en-US" altLang="zh-TW" dirty="0" smtClean="0">
+              <a:latin typeface="Times New Roman" pitchFamily="18" charset="0"/>
+              <a:cs typeface="Times New Roman" pitchFamily="18" charset="0"/>
+            </a:endParaRPr>
+          </a:p>
+          <a:p>
+            <a:pPr defTabSz="0"/>
+            <a:endParaRPr lang="en-US" altLang="zh-TW" dirty="0">
+              <a:latin typeface="Times New Roman" pitchFamily="18" charset="0"/>
+              <a:cs typeface="Times New Roman" pitchFamily="18" charset="0"/>
+            </a:endParaRPr>
+          </a:p>
+          <a:p>
+            <a:pPr marL="342900" indent="-342900" defTabSz="0">
+              <a:buAutoNum type="arabicPeriod"/>
+            </a:pPr>
+            <a:r>
+              <a:rPr lang="en-US" altLang="zh-TW" dirty="0" smtClean="0">
+                <a:latin typeface="Times New Roman" pitchFamily="18" charset="0"/>
+                <a:cs typeface="Times New Roman" pitchFamily="18" charset="0"/>
+                <a:hlinkClick r:id="rId2"/>
+              </a:rPr>
+              <a:t>https</a:t>
+            </a:r>
+            <a:r>
+              <a:rPr lang="en-US" altLang="zh-TW" dirty="0">
+                <a:latin typeface="Times New Roman" pitchFamily="18" charset="0"/>
+                <a:cs typeface="Times New Roman" pitchFamily="18" charset="0"/>
+                <a:hlinkClick r:id="rId2"/>
+              </a:rPr>
+              <a:t>://www.w3schools.com</a:t>
+            </a:r>
+            <a:r>
+              <a:rPr lang="en-US" altLang="zh-TW" dirty="0" smtClean="0">
+                <a:latin typeface="Times New Roman" pitchFamily="18" charset="0"/>
+                <a:cs typeface="Times New Roman" pitchFamily="18" charset="0"/>
+                <a:hlinkClick r:id="rId2"/>
+              </a:rPr>
+              <a:t>/</a:t>
+            </a:r>
+            <a:r>
+              <a:rPr lang="en-US" altLang="zh-TW" dirty="0" smtClean="0">
+                <a:latin typeface="Times New Roman" pitchFamily="18" charset="0"/>
+                <a:cs typeface="Times New Roman" pitchFamily="18" charset="0"/>
+              </a:rPr>
+              <a:t> (</a:t>
+            </a:r>
+            <a:r>
+              <a:rPr lang="zh-TW" altLang="en-US" dirty="0" smtClean="0">
+                <a:latin typeface="Times New Roman" pitchFamily="18" charset="0"/>
+                <a:cs typeface="Times New Roman" pitchFamily="18" charset="0"/>
+              </a:rPr>
+              <a:t>請優先找這個網站</a:t>
+            </a:r>
+            <a:r>
+              <a:rPr lang="en-US" altLang="zh-TW" dirty="0" smtClean="0">
+                <a:latin typeface="Times New Roman" pitchFamily="18" charset="0"/>
+                <a:cs typeface="Times New Roman" pitchFamily="18" charset="0"/>
+              </a:rPr>
+              <a:t>)</a:t>
+            </a:r>
+          </a:p>
+          <a:p>
+            <a:pPr marL="342900" indent="-342900" defTabSz="0">
+              <a:buAutoNum type="arabicPeriod"/>
+            </a:pPr>
+            <a:endParaRPr lang="en-US" altLang="zh-TW" dirty="0" smtClean="0">
+              <a:latin typeface="Times New Roman" pitchFamily="18" charset="0"/>
+              <a:cs typeface="Times New Roman" pitchFamily="18" charset="0"/>
+            </a:endParaRPr>
+          </a:p>
+          <a:p>
+            <a:pPr marL="342900" indent="-342900" defTabSz="0">
+              <a:buAutoNum type="arabicPeriod"/>
+            </a:pPr>
+            <a:r>
+              <a:rPr lang="en-US" altLang="zh-TW" dirty="0">
+                <a:latin typeface="Times New Roman" pitchFamily="18" charset="0"/>
+                <a:cs typeface="Times New Roman" pitchFamily="18" charset="0"/>
+                <a:hlinkClick r:id="rId3"/>
+              </a:rPr>
+              <a:t>https://developer.mozilla.org</a:t>
+            </a:r>
+            <a:r>
+              <a:rPr lang="en-US" altLang="zh-TW" dirty="0" smtClean="0">
+                <a:latin typeface="Times New Roman" pitchFamily="18" charset="0"/>
+                <a:cs typeface="Times New Roman" pitchFamily="18" charset="0"/>
+                <a:hlinkClick r:id="rId3"/>
+              </a:rPr>
+              <a:t>/</a:t>
+            </a:r>
+            <a:r>
+              <a:rPr lang="zh-TW" altLang="en-US" dirty="0" smtClean="0">
+                <a:latin typeface="Times New Roman" pitchFamily="18" charset="0"/>
+                <a:cs typeface="Times New Roman" pitchFamily="18" charset="0"/>
+              </a:rPr>
+              <a:t> </a:t>
+            </a:r>
+            <a:r>
+              <a:rPr lang="en-US" altLang="zh-TW" dirty="0" smtClean="0">
+                <a:latin typeface="Times New Roman" pitchFamily="18" charset="0"/>
+                <a:cs typeface="Times New Roman" pitchFamily="18" charset="0"/>
+              </a:rPr>
+              <a:t>(</a:t>
+            </a:r>
+            <a:r>
+              <a:rPr lang="zh-TW" altLang="en-US" dirty="0" smtClean="0">
+                <a:latin typeface="Times New Roman" pitchFamily="18" charset="0"/>
+                <a:cs typeface="Times New Roman" pitchFamily="18" charset="0"/>
+              </a:rPr>
+              <a:t>可以參考 </a:t>
+            </a:r>
+            <a:r>
+              <a:rPr lang="en-US" altLang="zh-TW" dirty="0" err="1" smtClean="0">
+                <a:latin typeface="Times New Roman" pitchFamily="18" charset="0"/>
+                <a:cs typeface="Times New Roman" pitchFamily="18" charset="0"/>
+              </a:rPr>
+              <a:t>mozilla</a:t>
+            </a:r>
+            <a:r>
+              <a:rPr lang="en-US" altLang="zh-TW" dirty="0" smtClean="0">
+                <a:latin typeface="Times New Roman" pitchFamily="18" charset="0"/>
+                <a:cs typeface="Times New Roman" pitchFamily="18" charset="0"/>
+              </a:rPr>
+              <a:t>)</a:t>
+            </a:r>
+          </a:p>
+          <a:p>
+            <a:pPr marL="342900" indent="-342900" defTabSz="0">
+              <a:buAutoNum type="arabicPeriod"/>
+            </a:pPr>
+            <a:endParaRPr lang="en-US" altLang="zh-TW" dirty="0" smtClean="0">
+              <a:latin typeface="Times New Roman" pitchFamily="18" charset="0"/>
+              <a:cs typeface="Times New Roman" pitchFamily="18" charset="0"/>
+            </a:endParaRPr>
+          </a:p>
+          <a:p>
+            <a:pPr defTabSz="0"/>
+            <a:endParaRPr lang="en-US" altLang="zh-TW" dirty="0" smtClean="0">
+              <a:latin typeface="Times New Roman" pitchFamily="18" charset="0"/>
+              <a:cs typeface="Times New Roman" pitchFamily="18" charset="0"/>
+            </a:endParaRPr>
+          </a:p>
+          <a:p>
+            <a:pPr defTabSz="0"/>
+            <a:r>
+              <a:rPr lang="zh-TW" altLang="en-US" dirty="0" smtClean="0">
+                <a:latin typeface="Times New Roman" pitchFamily="18" charset="0"/>
+                <a:cs typeface="Times New Roman" pitchFamily="18" charset="0"/>
+              </a:rPr>
+              <a:t>這裡可以查詢哪些 </a:t>
+            </a:r>
+            <a:r>
+              <a:rPr lang="en-US" altLang="zh-TW" dirty="0" smtClean="0">
+                <a:latin typeface="Times New Roman" pitchFamily="18" charset="0"/>
+                <a:cs typeface="Times New Roman" pitchFamily="18" charset="0"/>
+              </a:rPr>
+              <a:t>HTML </a:t>
+            </a:r>
+            <a:r>
+              <a:rPr lang="zh-TW" altLang="en-US" dirty="0" smtClean="0">
+                <a:latin typeface="Times New Roman" pitchFamily="18" charset="0"/>
+                <a:cs typeface="Times New Roman" pitchFamily="18" charset="0"/>
+              </a:rPr>
+              <a:t>語法已經被廢棄：</a:t>
+            </a:r>
+            <a:endParaRPr lang="en-US" altLang="zh-TW" dirty="0" smtClean="0">
+              <a:latin typeface="Times New Roman" pitchFamily="18" charset="0"/>
+              <a:cs typeface="Times New Roman" pitchFamily="18" charset="0"/>
+            </a:endParaRPr>
+          </a:p>
+          <a:p>
+            <a:pPr defTabSz="0"/>
+            <a:r>
+              <a:rPr lang="en-US" altLang="zh-TW" dirty="0">
+                <a:latin typeface="Times New Roman" pitchFamily="18" charset="0"/>
+                <a:cs typeface="Times New Roman" pitchFamily="18" charset="0"/>
+                <a:hlinkClick r:id="rId4"/>
+              </a:rPr>
+              <a:t>https://</a:t>
+            </a:r>
+            <a:r>
+              <a:rPr lang="en-US" altLang="zh-TW" dirty="0" smtClean="0">
+                <a:latin typeface="Times New Roman" pitchFamily="18" charset="0"/>
+                <a:cs typeface="Times New Roman" pitchFamily="18" charset="0"/>
+                <a:hlinkClick r:id="rId4"/>
+              </a:rPr>
+              <a:t>dev.w3.org/html5/pf-summary/obsolete.html</a:t>
+            </a:r>
+            <a:r>
+              <a:rPr lang="zh-TW" altLang="en-US" dirty="0">
+                <a:latin typeface="Times New Roman" pitchFamily="18" charset="0"/>
+                <a:cs typeface="Times New Roman" pitchFamily="18" charset="0"/>
+              </a:rPr>
+              <a:t> </a:t>
+            </a:r>
+            <a:endParaRPr lang="en-US" altLang="zh-TW" dirty="0" smtClean="0">
+              <a:latin typeface="Times New Roman" pitchFamily="18" charset="0"/>
+              <a:cs typeface="Times New Roman" pitchFamily="18" charset="0"/>
+            </a:endParaRPr>
+          </a:p>
+        </p:txBody>
+      </p:sp>
+    </p:spTree>
+    <p:extLst>
+      <p:ext uri="{BB962C8B-B14F-4D97-AF65-F5344CB8AC3E}">
+        <p14:creationId xmlns:p14="http://schemas.microsoft.com/office/powerpoint/2010/main" val="2180015632"/>
+      </p:ext>
+    </p:extLst>
+  </p:cSld>
+  <p:clrMapOvr>
+    <a:masterClrMapping/>
+  </p:clrMapOvr>
+</p:sld>
+</file>
+
+<file path=ppt/slides/slide27.xml><?xml version="1.0" encoding="utf-8"?>
+<p:sld xmlns:a="http://schemas.openxmlformats.org/drawingml/2006/main" xmlns:r="http://schemas.openxmlformats.org/officeDocument/2006/relationships" xmlns:p="http://schemas.openxmlformats.org/presentationml/2006/main">
+  <p:cSld>
+    <p:spTree>
+      <p:nvGrpSpPr>
+        <p:cNvPr id="1" name=""/>
+        <p:cNvGrpSpPr/>
+        <p:nvPr/>
+      </p:nvGrpSpPr>
+      <p:grpSpPr>
+        <a:xfrm>
+          <a:off x="0" y="0"/>
+          <a:ext cx="0" cy="0"/>
+          <a:chOff x="0" y="0"/>
+          <a:chExt cx="0" cy="0"/>
+        </a:xfrm>
+      </p:grpSpPr>
+      <p:sp>
+        <p:nvSpPr>
+          <p:cNvPr id="4" name="文字方塊 3"/>
+          <p:cNvSpPr txBox="1"/>
+          <p:nvPr/>
+        </p:nvSpPr>
+        <p:spPr>
+          <a:xfrm>
+            <a:off x="0" y="0"/>
+            <a:ext cx="9144000" cy="836712"/>
+          </a:xfrm>
+          <a:prstGeom prst="rect">
+            <a:avLst/>
+          </a:prstGeom>
+          <a:noFill/>
+        </p:spPr>
+        <p:txBody>
+          <a:bodyPr wrap="square" rtlCol="0" anchor="ctr">
+            <a:noAutofit/>
+          </a:bodyPr>
+          <a:lstStyle/>
+          <a:p>
+            <a:pPr algn="ctr"/>
+            <a:r>
+              <a:rPr lang="en-US" altLang="zh-TW" sz="2400" smtClean="0">
+                <a:latin typeface="Times New Roman" pitchFamily="18" charset="0"/>
+                <a:cs typeface="Times New Roman" pitchFamily="18" charset="0"/>
+              </a:rPr>
+              <a:t>Bootstrap 5</a:t>
+            </a:r>
+            <a:endParaRPr lang="zh-TW" altLang="en-US" sz="2400" dirty="0">
+              <a:latin typeface="Times New Roman" pitchFamily="18" charset="0"/>
+              <a:cs typeface="Times New Roman" pitchFamily="18" charset="0"/>
+            </a:endParaRPr>
+          </a:p>
+        </p:txBody>
+      </p:sp>
+      <p:sp>
+        <p:nvSpPr>
+          <p:cNvPr id="5" name="文字方塊 4"/>
+          <p:cNvSpPr txBox="1"/>
+          <p:nvPr/>
+        </p:nvSpPr>
+        <p:spPr>
+          <a:xfrm>
+            <a:off x="8711952" y="6573902"/>
+            <a:ext cx="432048" cy="276999"/>
+          </a:xfrm>
+          <a:prstGeom prst="rect">
+            <a:avLst/>
+          </a:prstGeom>
+          <a:noFill/>
+        </p:spPr>
+        <p:txBody>
+          <a:bodyPr wrap="square" rtlCol="0" anchor="ctr">
+            <a:spAutoFit/>
+          </a:bodyPr>
+          <a:lstStyle/>
+          <a:p>
+            <a:pPr algn="ctr"/>
+            <a:r>
+              <a:rPr lang="en-US" altLang="zh-TW" sz="1200" dirty="0" smtClean="0">
+                <a:latin typeface="Times New Roman" pitchFamily="18" charset="0"/>
+                <a:cs typeface="Times New Roman" pitchFamily="18" charset="0"/>
+              </a:rPr>
+              <a:t>27</a:t>
+            </a:r>
+            <a:endParaRPr lang="zh-TW" altLang="en-US" sz="1200" dirty="0">
+              <a:latin typeface="Times New Roman" pitchFamily="18" charset="0"/>
+              <a:cs typeface="Times New Roman" pitchFamily="18" charset="0"/>
+            </a:endParaRPr>
+          </a:p>
+        </p:txBody>
+      </p:sp>
+      <p:sp>
+        <p:nvSpPr>
+          <p:cNvPr id="38" name="文字方塊 37"/>
+          <p:cNvSpPr txBox="1"/>
+          <p:nvPr/>
+        </p:nvSpPr>
+        <p:spPr>
+          <a:xfrm>
+            <a:off x="503548" y="1124744"/>
+            <a:ext cx="8136904" cy="5328592"/>
+          </a:xfrm>
+          <a:prstGeom prst="rect">
+            <a:avLst/>
+          </a:prstGeom>
+          <a:noFill/>
+        </p:spPr>
+        <p:txBody>
+          <a:bodyPr wrap="square" rtlCol="0" anchor="t">
+            <a:noAutofit/>
+          </a:bodyPr>
+          <a:lstStyle/>
+          <a:p>
+            <a:pPr defTabSz="0"/>
+            <a:r>
+              <a:rPr lang="en-US" altLang="zh-TW" dirty="0" smtClean="0">
+                <a:latin typeface="Times New Roman" pitchFamily="18" charset="0"/>
+                <a:cs typeface="Times New Roman" pitchFamily="18" charset="0"/>
+              </a:rPr>
+              <a:t>How to use ?</a:t>
+            </a:r>
+            <a:endParaRPr lang="en-US" altLang="zh-TW" dirty="0" smtClean="0">
+              <a:latin typeface="Times New Roman" pitchFamily="18" charset="0"/>
+              <a:cs typeface="Times New Roman" pitchFamily="18" charset="0"/>
+            </a:endParaRPr>
+          </a:p>
+        </p:txBody>
+      </p:sp>
+      <p:pic>
+        <p:nvPicPr>
+          <p:cNvPr id="2" name="圖片 1"/>
+          <p:cNvPicPr>
+            <a:picLocks noChangeAspect="1"/>
+          </p:cNvPicPr>
+          <p:nvPr/>
+        </p:nvPicPr>
+        <p:blipFill>
+          <a:blip r:embed="rId2">
+            <a:extLst>
+              <a:ext uri="{28A0092B-C50C-407E-A947-70E740481C1C}">
+                <a14:useLocalDpi xmlns:a14="http://schemas.microsoft.com/office/drawing/2010/main" val="0"/>
+              </a:ext>
+            </a:extLst>
+          </a:blip>
+          <a:stretch>
+            <a:fillRect/>
+          </a:stretch>
+        </p:blipFill>
+        <p:spPr>
+          <a:xfrm>
+            <a:off x="1445418" y="2400771"/>
+            <a:ext cx="6253163" cy="2776538"/>
+          </a:xfrm>
+          <a:prstGeom prst="rect">
+            <a:avLst/>
+          </a:prstGeom>
+        </p:spPr>
+      </p:pic>
+      <p:sp>
+        <p:nvSpPr>
+          <p:cNvPr id="6" name="矩形 5"/>
+          <p:cNvSpPr/>
+          <p:nvPr/>
+        </p:nvSpPr>
+        <p:spPr>
+          <a:xfrm>
+            <a:off x="1445418" y="4581128"/>
+            <a:ext cx="966342" cy="360040"/>
+          </a:xfrm>
+          <a:prstGeom prst="rect">
+            <a:avLst/>
+          </a:prstGeom>
+          <a:noFill/>
+          <a:ln w="19050">
+            <a:solidFill>
+              <a:srgbClr val="FF0000"/>
+            </a:solidFill>
+          </a:ln>
+        </p:spPr>
+        <p:style>
+          <a:lnRef idx="2">
+            <a:schemeClr val="accent1">
+              <a:shade val="50000"/>
+            </a:schemeClr>
+          </a:lnRef>
+          <a:fillRef idx="1">
+            <a:schemeClr val="accent1"/>
+          </a:fillRef>
+          <a:effectRef idx="0">
+            <a:schemeClr val="accent1"/>
+          </a:effectRef>
+          <a:fontRef idx="minor">
+            <a:schemeClr val="lt1"/>
+          </a:fontRef>
+        </p:style>
+        <p:txBody>
+          <a:bodyPr rtlCol="0" anchor="ctr"/>
+          <a:lstStyle/>
+          <a:p>
+            <a:pPr algn="ctr"/>
+            <a:endParaRPr lang="zh-TW" altLang="en-US"/>
           </a:p>
         </p:txBody>
       </p:sp>
@@ -13154,6 +13829,433 @@
     <p:extLst>
       <p:ext uri="{BB962C8B-B14F-4D97-AF65-F5344CB8AC3E}">
         <p14:creationId xmlns:p14="http://schemas.microsoft.com/office/powerpoint/2010/main" val="546180741"/>
+      </p:ext>
+    </p:extLst>
+  </p:cSld>
+  <p:clrMapOvr>
+    <a:masterClrMapping/>
+  </p:clrMapOvr>
+</p:sld>
+</file>
+
+<file path=ppt/slides/slide28.xml><?xml version="1.0" encoding="utf-8"?>
+<p:sld xmlns:a="http://schemas.openxmlformats.org/drawingml/2006/main" xmlns:r="http://schemas.openxmlformats.org/officeDocument/2006/relationships" xmlns:p="http://schemas.openxmlformats.org/presentationml/2006/main">
+  <p:cSld>
+    <p:spTree>
+      <p:nvGrpSpPr>
+        <p:cNvPr id="1" name=""/>
+        <p:cNvGrpSpPr/>
+        <p:nvPr/>
+      </p:nvGrpSpPr>
+      <p:grpSpPr>
+        <a:xfrm>
+          <a:off x="0" y="0"/>
+          <a:ext cx="0" cy="0"/>
+          <a:chOff x="0" y="0"/>
+          <a:chExt cx="0" cy="0"/>
+        </a:xfrm>
+      </p:grpSpPr>
+      <p:sp>
+        <p:nvSpPr>
+          <p:cNvPr id="4" name="文字方塊 3"/>
+          <p:cNvSpPr txBox="1"/>
+          <p:nvPr/>
+        </p:nvSpPr>
+        <p:spPr>
+          <a:xfrm>
+            <a:off x="0" y="0"/>
+            <a:ext cx="9144000" cy="836712"/>
+          </a:xfrm>
+          <a:prstGeom prst="rect">
+            <a:avLst/>
+          </a:prstGeom>
+          <a:noFill/>
+        </p:spPr>
+        <p:txBody>
+          <a:bodyPr wrap="square" rtlCol="0" anchor="ctr">
+            <a:noAutofit/>
+          </a:bodyPr>
+          <a:lstStyle/>
+          <a:p>
+            <a:pPr algn="ctr"/>
+            <a:r>
+              <a:rPr lang="en-US" altLang="zh-TW" sz="2400" smtClean="0">
+                <a:latin typeface="Times New Roman" pitchFamily="18" charset="0"/>
+                <a:cs typeface="Times New Roman" pitchFamily="18" charset="0"/>
+              </a:rPr>
+              <a:t>Bootstrap 5</a:t>
+            </a:r>
+            <a:endParaRPr lang="zh-TW" altLang="en-US" sz="2400" dirty="0">
+              <a:latin typeface="Times New Roman" pitchFamily="18" charset="0"/>
+              <a:cs typeface="Times New Roman" pitchFamily="18" charset="0"/>
+            </a:endParaRPr>
+          </a:p>
+        </p:txBody>
+      </p:sp>
+      <p:sp>
+        <p:nvSpPr>
+          <p:cNvPr id="5" name="文字方塊 4"/>
+          <p:cNvSpPr txBox="1"/>
+          <p:nvPr/>
+        </p:nvSpPr>
+        <p:spPr>
+          <a:xfrm>
+            <a:off x="8711952" y="6573902"/>
+            <a:ext cx="432048" cy="276999"/>
+          </a:xfrm>
+          <a:prstGeom prst="rect">
+            <a:avLst/>
+          </a:prstGeom>
+          <a:noFill/>
+        </p:spPr>
+        <p:txBody>
+          <a:bodyPr wrap="square" rtlCol="0" anchor="ctr">
+            <a:spAutoFit/>
+          </a:bodyPr>
+          <a:lstStyle/>
+          <a:p>
+            <a:pPr algn="ctr"/>
+            <a:r>
+              <a:rPr lang="en-US" altLang="zh-TW" sz="1200" dirty="0" smtClean="0">
+                <a:latin typeface="Times New Roman" pitchFamily="18" charset="0"/>
+                <a:cs typeface="Times New Roman" pitchFamily="18" charset="0"/>
+              </a:rPr>
+              <a:t>28</a:t>
+            </a:r>
+            <a:endParaRPr lang="zh-TW" altLang="en-US" sz="1200" dirty="0">
+              <a:latin typeface="Times New Roman" pitchFamily="18" charset="0"/>
+              <a:cs typeface="Times New Roman" pitchFamily="18" charset="0"/>
+            </a:endParaRPr>
+          </a:p>
+        </p:txBody>
+      </p:sp>
+      <p:sp>
+        <p:nvSpPr>
+          <p:cNvPr id="38" name="文字方塊 37"/>
+          <p:cNvSpPr txBox="1"/>
+          <p:nvPr/>
+        </p:nvSpPr>
+        <p:spPr>
+          <a:xfrm>
+            <a:off x="503548" y="1124744"/>
+            <a:ext cx="8136904" cy="5328592"/>
+          </a:xfrm>
+          <a:prstGeom prst="rect">
+            <a:avLst/>
+          </a:prstGeom>
+          <a:noFill/>
+        </p:spPr>
+        <p:txBody>
+          <a:bodyPr wrap="square" rtlCol="0" anchor="t">
+            <a:noAutofit/>
+          </a:bodyPr>
+          <a:lstStyle/>
+          <a:p>
+            <a:pPr defTabSz="0"/>
+            <a:r>
+              <a:rPr lang="en-US" altLang="zh-TW" dirty="0" smtClean="0">
+                <a:latin typeface="Times New Roman" pitchFamily="18" charset="0"/>
+                <a:cs typeface="Times New Roman" pitchFamily="18" charset="0"/>
+              </a:rPr>
+              <a:t>How to use ?</a:t>
+            </a:r>
+            <a:endParaRPr lang="en-US" altLang="zh-TW" dirty="0" smtClean="0">
+              <a:latin typeface="Times New Roman" pitchFamily="18" charset="0"/>
+              <a:cs typeface="Times New Roman" pitchFamily="18" charset="0"/>
+            </a:endParaRPr>
+          </a:p>
+        </p:txBody>
+      </p:sp>
+      <p:pic>
+        <p:nvPicPr>
+          <p:cNvPr id="3" name="圖片 2"/>
+          <p:cNvPicPr>
+            <a:picLocks noChangeAspect="1"/>
+          </p:cNvPicPr>
+          <p:nvPr/>
+        </p:nvPicPr>
+        <p:blipFill>
+          <a:blip r:embed="rId2">
+            <a:extLst>
+              <a:ext uri="{28A0092B-C50C-407E-A947-70E740481C1C}">
+                <a14:useLocalDpi xmlns:a14="http://schemas.microsoft.com/office/drawing/2010/main" val="0"/>
+              </a:ext>
+            </a:extLst>
+          </a:blip>
+          <a:stretch>
+            <a:fillRect/>
+          </a:stretch>
+        </p:blipFill>
+        <p:spPr>
+          <a:xfrm>
+            <a:off x="2526506" y="2093590"/>
+            <a:ext cx="4090988" cy="3390900"/>
+          </a:xfrm>
+          <a:prstGeom prst="rect">
+            <a:avLst/>
+          </a:prstGeom>
+        </p:spPr>
+      </p:pic>
+      <p:sp>
+        <p:nvSpPr>
+          <p:cNvPr id="7" name="矩形 6"/>
+          <p:cNvSpPr/>
+          <p:nvPr/>
+        </p:nvSpPr>
+        <p:spPr>
+          <a:xfrm>
+            <a:off x="6156176" y="3140968"/>
+            <a:ext cx="360040" cy="288032"/>
+          </a:xfrm>
+          <a:prstGeom prst="rect">
+            <a:avLst/>
+          </a:prstGeom>
+          <a:noFill/>
+          <a:ln w="19050">
+            <a:solidFill>
+              <a:srgbClr val="FF0000"/>
+            </a:solidFill>
+          </a:ln>
+        </p:spPr>
+        <p:style>
+          <a:lnRef idx="2">
+            <a:schemeClr val="accent1">
+              <a:shade val="50000"/>
+            </a:schemeClr>
+          </a:lnRef>
+          <a:fillRef idx="1">
+            <a:schemeClr val="accent1"/>
+          </a:fillRef>
+          <a:effectRef idx="0">
+            <a:schemeClr val="accent1"/>
+          </a:effectRef>
+          <a:fontRef idx="minor">
+            <a:schemeClr val="lt1"/>
+          </a:fontRef>
+        </p:style>
+        <p:txBody>
+          <a:bodyPr rtlCol="0" anchor="ctr"/>
+          <a:lstStyle/>
+          <a:p>
+            <a:pPr algn="ctr"/>
+            <a:endParaRPr lang="zh-TW" altLang="en-US"/>
+          </a:p>
+        </p:txBody>
+      </p:sp>
+      <p:sp>
+        <p:nvSpPr>
+          <p:cNvPr id="8" name="矩形 7"/>
+          <p:cNvSpPr/>
+          <p:nvPr/>
+        </p:nvSpPr>
+        <p:spPr>
+          <a:xfrm>
+            <a:off x="6156176" y="4941168"/>
+            <a:ext cx="360040" cy="288032"/>
+          </a:xfrm>
+          <a:prstGeom prst="rect">
+            <a:avLst/>
+          </a:prstGeom>
+          <a:noFill/>
+          <a:ln w="19050">
+            <a:solidFill>
+              <a:srgbClr val="FF0000"/>
+            </a:solidFill>
+          </a:ln>
+        </p:spPr>
+        <p:style>
+          <a:lnRef idx="2">
+            <a:schemeClr val="accent1">
+              <a:shade val="50000"/>
+            </a:schemeClr>
+          </a:lnRef>
+          <a:fillRef idx="1">
+            <a:schemeClr val="accent1"/>
+          </a:fillRef>
+          <a:effectRef idx="0">
+            <a:schemeClr val="accent1"/>
+          </a:effectRef>
+          <a:fontRef idx="minor">
+            <a:schemeClr val="lt1"/>
+          </a:fontRef>
+        </p:style>
+        <p:txBody>
+          <a:bodyPr rtlCol="0" anchor="ctr"/>
+          <a:lstStyle/>
+          <a:p>
+            <a:pPr algn="ctr"/>
+            <a:endParaRPr lang="zh-TW" altLang="en-US"/>
+          </a:p>
+        </p:txBody>
+      </p:sp>
+    </p:spTree>
+    <p:extLst>
+      <p:ext uri="{BB962C8B-B14F-4D97-AF65-F5344CB8AC3E}">
+        <p14:creationId xmlns:p14="http://schemas.microsoft.com/office/powerpoint/2010/main" val="3454132908"/>
+      </p:ext>
+    </p:extLst>
+  </p:cSld>
+  <p:clrMapOvr>
+    <a:masterClrMapping/>
+  </p:clrMapOvr>
+</p:sld>
+</file>
+
+<file path=ppt/slides/slide29.xml><?xml version="1.0" encoding="utf-8"?>
+<p:sld xmlns:a="http://schemas.openxmlformats.org/drawingml/2006/main" xmlns:r="http://schemas.openxmlformats.org/officeDocument/2006/relationships" xmlns:p="http://schemas.openxmlformats.org/presentationml/2006/main">
+  <p:cSld>
+    <p:spTree>
+      <p:nvGrpSpPr>
+        <p:cNvPr id="1" name=""/>
+        <p:cNvGrpSpPr/>
+        <p:nvPr/>
+      </p:nvGrpSpPr>
+      <p:grpSpPr>
+        <a:xfrm>
+          <a:off x="0" y="0"/>
+          <a:ext cx="0" cy="0"/>
+          <a:chOff x="0" y="0"/>
+          <a:chExt cx="0" cy="0"/>
+        </a:xfrm>
+      </p:grpSpPr>
+      <p:sp>
+        <p:nvSpPr>
+          <p:cNvPr id="4" name="文字方塊 3"/>
+          <p:cNvSpPr txBox="1"/>
+          <p:nvPr/>
+        </p:nvSpPr>
+        <p:spPr>
+          <a:xfrm>
+            <a:off x="0" y="0"/>
+            <a:ext cx="9144000" cy="836712"/>
+          </a:xfrm>
+          <a:prstGeom prst="rect">
+            <a:avLst/>
+          </a:prstGeom>
+          <a:noFill/>
+        </p:spPr>
+        <p:txBody>
+          <a:bodyPr wrap="square" rtlCol="0" anchor="ctr">
+            <a:noAutofit/>
+          </a:bodyPr>
+          <a:lstStyle/>
+          <a:p>
+            <a:pPr algn="ctr"/>
+            <a:r>
+              <a:rPr lang="en-US" altLang="zh-TW" sz="2400" smtClean="0">
+                <a:latin typeface="Times New Roman" pitchFamily="18" charset="0"/>
+                <a:cs typeface="Times New Roman" pitchFamily="18" charset="0"/>
+              </a:rPr>
+              <a:t>Bootstrap 5</a:t>
+            </a:r>
+            <a:endParaRPr lang="zh-TW" altLang="en-US" sz="2400" dirty="0">
+              <a:latin typeface="Times New Roman" pitchFamily="18" charset="0"/>
+              <a:cs typeface="Times New Roman" pitchFamily="18" charset="0"/>
+            </a:endParaRPr>
+          </a:p>
+        </p:txBody>
+      </p:sp>
+      <p:sp>
+        <p:nvSpPr>
+          <p:cNvPr id="5" name="文字方塊 4"/>
+          <p:cNvSpPr txBox="1"/>
+          <p:nvPr/>
+        </p:nvSpPr>
+        <p:spPr>
+          <a:xfrm>
+            <a:off x="8711952" y="6573902"/>
+            <a:ext cx="432048" cy="276999"/>
+          </a:xfrm>
+          <a:prstGeom prst="rect">
+            <a:avLst/>
+          </a:prstGeom>
+          <a:noFill/>
+        </p:spPr>
+        <p:txBody>
+          <a:bodyPr wrap="square" rtlCol="0" anchor="ctr">
+            <a:spAutoFit/>
+          </a:bodyPr>
+          <a:lstStyle/>
+          <a:p>
+            <a:pPr algn="ctr"/>
+            <a:r>
+              <a:rPr lang="en-US" altLang="zh-TW" sz="1200" dirty="0" smtClean="0">
+                <a:latin typeface="Times New Roman" pitchFamily="18" charset="0"/>
+                <a:cs typeface="Times New Roman" pitchFamily="18" charset="0"/>
+              </a:rPr>
+              <a:t>29</a:t>
+            </a:r>
+            <a:endParaRPr lang="zh-TW" altLang="en-US" sz="1200" dirty="0">
+              <a:latin typeface="Times New Roman" pitchFamily="18" charset="0"/>
+              <a:cs typeface="Times New Roman" pitchFamily="18" charset="0"/>
+            </a:endParaRPr>
+          </a:p>
+        </p:txBody>
+      </p:sp>
+      <p:sp>
+        <p:nvSpPr>
+          <p:cNvPr id="38" name="文字方塊 37"/>
+          <p:cNvSpPr txBox="1"/>
+          <p:nvPr/>
+        </p:nvSpPr>
+        <p:spPr>
+          <a:xfrm>
+            <a:off x="503548" y="1124744"/>
+            <a:ext cx="8136904" cy="5328592"/>
+          </a:xfrm>
+          <a:prstGeom prst="rect">
+            <a:avLst/>
+          </a:prstGeom>
+          <a:noFill/>
+        </p:spPr>
+        <p:txBody>
+          <a:bodyPr wrap="square" rtlCol="0" anchor="t">
+            <a:noAutofit/>
+          </a:bodyPr>
+          <a:lstStyle/>
+          <a:p>
+            <a:pPr defTabSz="0"/>
+            <a:endParaRPr lang="en-US" altLang="zh-TW" dirty="0" smtClean="0">
+              <a:latin typeface="Times New Roman" pitchFamily="18" charset="0"/>
+              <a:cs typeface="Times New Roman" pitchFamily="18" charset="0"/>
+            </a:endParaRPr>
+          </a:p>
+        </p:txBody>
+      </p:sp>
+      <p:pic>
+        <p:nvPicPr>
+          <p:cNvPr id="2" name="圖片 1"/>
+          <p:cNvPicPr>
+            <a:picLocks noChangeAspect="1"/>
+          </p:cNvPicPr>
+          <p:nvPr/>
+        </p:nvPicPr>
+        <p:blipFill>
+          <a:blip r:embed="rId2">
+            <a:extLst>
+              <a:ext uri="{28A0092B-C50C-407E-A947-70E740481C1C}">
+                <a14:useLocalDpi xmlns:a14="http://schemas.microsoft.com/office/drawing/2010/main" val="0"/>
+              </a:ext>
+            </a:extLst>
+          </a:blip>
+          <a:stretch>
+            <a:fillRect/>
+          </a:stretch>
+        </p:blipFill>
+        <p:spPr>
+          <a:xfrm>
+            <a:off x="990600" y="1093093"/>
+            <a:ext cx="7162800" cy="5324475"/>
+          </a:xfrm>
+          <a:prstGeom prst="rect">
+            <a:avLst/>
+          </a:prstGeom>
+        </p:spPr>
+      </p:pic>
+    </p:spTree>
+    <p:extLst>
+      <p:ext uri="{BB962C8B-B14F-4D97-AF65-F5344CB8AC3E}">
+        <p14:creationId xmlns:p14="http://schemas.microsoft.com/office/powerpoint/2010/main" val="179234169"/>
       </p:ext>
     </p:extLst>
   </p:cSld>
@@ -13452,6 +14554,1624 @@
     <p:extLst>
       <p:ext uri="{BB962C8B-B14F-4D97-AF65-F5344CB8AC3E}">
         <p14:creationId xmlns:p14="http://schemas.microsoft.com/office/powerpoint/2010/main" val="399330289"/>
+      </p:ext>
+    </p:extLst>
+  </p:cSld>
+  <p:clrMapOvr>
+    <a:masterClrMapping/>
+  </p:clrMapOvr>
+</p:sld>
+</file>
+
+<file path=ppt/slides/slide30.xml><?xml version="1.0" encoding="utf-8"?>
+<p:sld xmlns:a="http://schemas.openxmlformats.org/drawingml/2006/main" xmlns:r="http://schemas.openxmlformats.org/officeDocument/2006/relationships" xmlns:p="http://schemas.openxmlformats.org/presentationml/2006/main">
+  <p:cSld>
+    <p:spTree>
+      <p:nvGrpSpPr>
+        <p:cNvPr id="1" name=""/>
+        <p:cNvGrpSpPr/>
+        <p:nvPr/>
+      </p:nvGrpSpPr>
+      <p:grpSpPr>
+        <a:xfrm>
+          <a:off x="0" y="0"/>
+          <a:ext cx="0" cy="0"/>
+          <a:chOff x="0" y="0"/>
+          <a:chExt cx="0" cy="0"/>
+        </a:xfrm>
+      </p:grpSpPr>
+      <p:sp>
+        <p:nvSpPr>
+          <p:cNvPr id="4" name="文字方塊 3"/>
+          <p:cNvSpPr txBox="1"/>
+          <p:nvPr/>
+        </p:nvSpPr>
+        <p:spPr>
+          <a:xfrm>
+            <a:off x="0" y="0"/>
+            <a:ext cx="9144000" cy="836712"/>
+          </a:xfrm>
+          <a:prstGeom prst="rect">
+            <a:avLst/>
+          </a:prstGeom>
+          <a:noFill/>
+        </p:spPr>
+        <p:txBody>
+          <a:bodyPr wrap="square" rtlCol="0" anchor="ctr">
+            <a:noAutofit/>
+          </a:bodyPr>
+          <a:lstStyle/>
+          <a:p>
+            <a:pPr algn="ctr"/>
+            <a:r>
+              <a:rPr lang="en-US" altLang="zh-TW" sz="2400" smtClean="0">
+                <a:latin typeface="Times New Roman" pitchFamily="18" charset="0"/>
+                <a:cs typeface="Times New Roman" pitchFamily="18" charset="0"/>
+              </a:rPr>
+              <a:t>Bootstrap 5</a:t>
+            </a:r>
+            <a:endParaRPr lang="zh-TW" altLang="en-US" sz="2400" dirty="0">
+              <a:latin typeface="Times New Roman" pitchFamily="18" charset="0"/>
+              <a:cs typeface="Times New Roman" pitchFamily="18" charset="0"/>
+            </a:endParaRPr>
+          </a:p>
+        </p:txBody>
+      </p:sp>
+      <p:sp>
+        <p:nvSpPr>
+          <p:cNvPr id="5" name="文字方塊 4"/>
+          <p:cNvSpPr txBox="1"/>
+          <p:nvPr/>
+        </p:nvSpPr>
+        <p:spPr>
+          <a:xfrm>
+            <a:off x="8711952" y="6573902"/>
+            <a:ext cx="432048" cy="276999"/>
+          </a:xfrm>
+          <a:prstGeom prst="rect">
+            <a:avLst/>
+          </a:prstGeom>
+          <a:noFill/>
+        </p:spPr>
+        <p:txBody>
+          <a:bodyPr wrap="square" rtlCol="0" anchor="ctr">
+            <a:spAutoFit/>
+          </a:bodyPr>
+          <a:lstStyle/>
+          <a:p>
+            <a:pPr algn="ctr"/>
+            <a:r>
+              <a:rPr lang="en-US" altLang="zh-TW" sz="1200" dirty="0" smtClean="0">
+                <a:latin typeface="Times New Roman" pitchFamily="18" charset="0"/>
+                <a:cs typeface="Times New Roman" pitchFamily="18" charset="0"/>
+              </a:rPr>
+              <a:t>30</a:t>
+            </a:r>
+            <a:endParaRPr lang="zh-TW" altLang="en-US" sz="1200" dirty="0">
+              <a:latin typeface="Times New Roman" pitchFamily="18" charset="0"/>
+              <a:cs typeface="Times New Roman" pitchFamily="18" charset="0"/>
+            </a:endParaRPr>
+          </a:p>
+        </p:txBody>
+      </p:sp>
+      <p:sp>
+        <p:nvSpPr>
+          <p:cNvPr id="38" name="文字方塊 37"/>
+          <p:cNvSpPr txBox="1"/>
+          <p:nvPr/>
+        </p:nvSpPr>
+        <p:spPr>
+          <a:xfrm>
+            <a:off x="503548" y="1124744"/>
+            <a:ext cx="8136904" cy="5328592"/>
+          </a:xfrm>
+          <a:prstGeom prst="rect">
+            <a:avLst/>
+          </a:prstGeom>
+          <a:noFill/>
+        </p:spPr>
+        <p:txBody>
+          <a:bodyPr wrap="square" rtlCol="0" anchor="t">
+            <a:noAutofit/>
+          </a:bodyPr>
+          <a:lstStyle/>
+          <a:p>
+            <a:pPr defTabSz="0"/>
+            <a:r>
+              <a:rPr lang="en-US" altLang="zh-TW" dirty="0" smtClean="0">
+                <a:latin typeface="Times New Roman" pitchFamily="18" charset="0"/>
+                <a:cs typeface="Times New Roman" pitchFamily="18" charset="0"/>
+              </a:rPr>
+              <a:t>Breakpoints</a:t>
+            </a:r>
+          </a:p>
+          <a:p>
+            <a:pPr defTabSz="0"/>
+            <a:endParaRPr lang="en-US" altLang="zh-TW" dirty="0" smtClean="0">
+              <a:latin typeface="Times New Roman" pitchFamily="18" charset="0"/>
+              <a:cs typeface="Times New Roman" pitchFamily="18" charset="0"/>
+            </a:endParaRPr>
+          </a:p>
+          <a:p>
+            <a:pPr defTabSz="0"/>
+            <a:endParaRPr lang="en-US" altLang="zh-TW" dirty="0">
+              <a:latin typeface="Times New Roman" pitchFamily="18" charset="0"/>
+              <a:cs typeface="Times New Roman" pitchFamily="18" charset="0"/>
+            </a:endParaRPr>
+          </a:p>
+          <a:p>
+            <a:pPr defTabSz="0"/>
+            <a:endParaRPr lang="en-US" altLang="zh-TW" dirty="0" smtClean="0">
+              <a:latin typeface="Times New Roman" pitchFamily="18" charset="0"/>
+              <a:cs typeface="Times New Roman" pitchFamily="18" charset="0"/>
+            </a:endParaRPr>
+          </a:p>
+          <a:p>
+            <a:pPr defTabSz="0"/>
+            <a:endParaRPr lang="en-US" altLang="zh-TW" dirty="0">
+              <a:latin typeface="Times New Roman" pitchFamily="18" charset="0"/>
+              <a:cs typeface="Times New Roman" pitchFamily="18" charset="0"/>
+            </a:endParaRPr>
+          </a:p>
+          <a:p>
+            <a:pPr defTabSz="0"/>
+            <a:endParaRPr lang="en-US" altLang="zh-TW" dirty="0" smtClean="0">
+              <a:latin typeface="Times New Roman" pitchFamily="18" charset="0"/>
+              <a:cs typeface="Times New Roman" pitchFamily="18" charset="0"/>
+            </a:endParaRPr>
+          </a:p>
+          <a:p>
+            <a:pPr defTabSz="0"/>
+            <a:endParaRPr lang="en-US" altLang="zh-TW" dirty="0" smtClean="0">
+              <a:latin typeface="Times New Roman" pitchFamily="18" charset="0"/>
+              <a:cs typeface="Times New Roman" pitchFamily="18" charset="0"/>
+            </a:endParaRPr>
+          </a:p>
+          <a:p>
+            <a:pPr defTabSz="0"/>
+            <a:endParaRPr lang="en-US" altLang="zh-TW" dirty="0" smtClean="0">
+              <a:latin typeface="Times New Roman" pitchFamily="18" charset="0"/>
+              <a:cs typeface="Times New Roman" pitchFamily="18" charset="0"/>
+            </a:endParaRPr>
+          </a:p>
+          <a:p>
+            <a:pPr defTabSz="0"/>
+            <a:endParaRPr lang="en-US" altLang="zh-TW" dirty="0">
+              <a:latin typeface="Times New Roman" pitchFamily="18" charset="0"/>
+              <a:cs typeface="Times New Roman" pitchFamily="18" charset="0"/>
+            </a:endParaRPr>
+          </a:p>
+          <a:p>
+            <a:pPr defTabSz="0"/>
+            <a:endParaRPr lang="en-US" altLang="zh-TW" dirty="0" smtClean="0">
+              <a:latin typeface="Times New Roman" pitchFamily="18" charset="0"/>
+              <a:cs typeface="Times New Roman" pitchFamily="18" charset="0"/>
+            </a:endParaRPr>
+          </a:p>
+          <a:p>
+            <a:pPr defTabSz="0"/>
+            <a:endParaRPr lang="en-US" altLang="zh-TW" dirty="0">
+              <a:latin typeface="Times New Roman" pitchFamily="18" charset="0"/>
+              <a:cs typeface="Times New Roman" pitchFamily="18" charset="0"/>
+            </a:endParaRPr>
+          </a:p>
+          <a:p>
+            <a:pPr defTabSz="0"/>
+            <a:endParaRPr lang="en-US" altLang="zh-TW" dirty="0" smtClean="0">
+              <a:latin typeface="Times New Roman" pitchFamily="18" charset="0"/>
+              <a:cs typeface="Times New Roman" pitchFamily="18" charset="0"/>
+            </a:endParaRPr>
+          </a:p>
+          <a:p>
+            <a:pPr defTabSz="0"/>
+            <a:r>
+              <a:rPr lang="en-US" altLang="zh-TW" dirty="0" smtClean="0">
+                <a:latin typeface="Times New Roman" pitchFamily="18" charset="0"/>
+                <a:cs typeface="Times New Roman" pitchFamily="18" charset="0"/>
+              </a:rPr>
+              <a:t>container</a:t>
+            </a:r>
+            <a:r>
+              <a:rPr lang="zh-TW" altLang="en-US" dirty="0" smtClean="0">
+                <a:latin typeface="Times New Roman" pitchFamily="18" charset="0"/>
+                <a:cs typeface="Times New Roman" pitchFamily="18" charset="0"/>
+              </a:rPr>
+              <a:t>：作為最外層，會隨 </a:t>
+            </a:r>
+            <a:r>
+              <a:rPr lang="en-US" altLang="zh-TW" dirty="0" smtClean="0">
+                <a:latin typeface="Times New Roman" pitchFamily="18" charset="0"/>
+                <a:cs typeface="Times New Roman" pitchFamily="18" charset="0"/>
+              </a:rPr>
+              <a:t>Breakpoints</a:t>
+            </a:r>
+            <a:r>
+              <a:rPr lang="zh-TW" altLang="en-US" dirty="0" smtClean="0">
+                <a:latin typeface="Times New Roman" pitchFamily="18" charset="0"/>
+                <a:cs typeface="Times New Roman" pitchFamily="18" charset="0"/>
+              </a:rPr>
+              <a:t> 改變寬度</a:t>
+            </a:r>
+            <a:endParaRPr lang="en-US" altLang="zh-TW" dirty="0" smtClean="0">
+              <a:latin typeface="Times New Roman" pitchFamily="18" charset="0"/>
+              <a:cs typeface="Times New Roman" pitchFamily="18" charset="0"/>
+            </a:endParaRPr>
+          </a:p>
+          <a:p>
+            <a:pPr defTabSz="0"/>
+            <a:endParaRPr lang="en-US" altLang="zh-TW" dirty="0">
+              <a:latin typeface="Times New Roman" pitchFamily="18" charset="0"/>
+              <a:cs typeface="Times New Roman" pitchFamily="18" charset="0"/>
+            </a:endParaRPr>
+          </a:p>
+          <a:p>
+            <a:pPr defTabSz="0"/>
+            <a:r>
+              <a:rPr lang="en-US" altLang="zh-TW" dirty="0" smtClean="0">
+                <a:latin typeface="Times New Roman" pitchFamily="18" charset="0"/>
+                <a:cs typeface="Times New Roman" pitchFamily="18" charset="0"/>
+              </a:rPr>
+              <a:t>row</a:t>
+            </a:r>
+            <a:r>
+              <a:rPr lang="zh-TW" altLang="en-US" dirty="0" smtClean="0">
+                <a:latin typeface="Times New Roman" pitchFamily="18" charset="0"/>
+                <a:cs typeface="Times New Roman" pitchFamily="18" charset="0"/>
+              </a:rPr>
+              <a:t>：作為 </a:t>
+            </a:r>
+            <a:r>
+              <a:rPr lang="en-US" altLang="zh-TW" dirty="0" smtClean="0">
+                <a:latin typeface="Times New Roman" pitchFamily="18" charset="0"/>
+                <a:cs typeface="Times New Roman" pitchFamily="18" charset="0"/>
+              </a:rPr>
+              <a:t>container </a:t>
+            </a:r>
+            <a:r>
+              <a:rPr lang="zh-TW" altLang="en-US" dirty="0" smtClean="0">
+                <a:latin typeface="Times New Roman" pitchFamily="18" charset="0"/>
+                <a:cs typeface="Times New Roman" pitchFamily="18" charset="0"/>
+              </a:rPr>
+              <a:t>下的區域劃分</a:t>
+            </a:r>
+            <a:endParaRPr lang="en-US" altLang="zh-TW" dirty="0" smtClean="0">
+              <a:latin typeface="Times New Roman" pitchFamily="18" charset="0"/>
+              <a:cs typeface="Times New Roman" pitchFamily="18" charset="0"/>
+            </a:endParaRPr>
+          </a:p>
+          <a:p>
+            <a:pPr defTabSz="0"/>
+            <a:endParaRPr lang="en-US" altLang="zh-TW" dirty="0">
+              <a:latin typeface="Times New Roman" pitchFamily="18" charset="0"/>
+              <a:cs typeface="Times New Roman" pitchFamily="18" charset="0"/>
+            </a:endParaRPr>
+          </a:p>
+          <a:p>
+            <a:pPr defTabSz="0"/>
+            <a:r>
+              <a:rPr lang="en-US" altLang="zh-TW" dirty="0" smtClean="0">
+                <a:latin typeface="Times New Roman" pitchFamily="18" charset="0"/>
+                <a:cs typeface="Times New Roman" pitchFamily="18" charset="0"/>
+              </a:rPr>
+              <a:t>col</a:t>
+            </a:r>
+            <a:r>
+              <a:rPr lang="zh-TW" altLang="en-US" dirty="0" smtClean="0">
+                <a:latin typeface="Times New Roman" pitchFamily="18" charset="0"/>
+                <a:cs typeface="Times New Roman" pitchFamily="18" charset="0"/>
+              </a:rPr>
+              <a:t>：依照</a:t>
+            </a:r>
+            <a:r>
+              <a:rPr lang="zh-TW" altLang="en-US" dirty="0" smtClean="0">
+                <a:latin typeface="Times New Roman" pitchFamily="18" charset="0"/>
+                <a:cs typeface="Times New Roman" pitchFamily="18" charset="0"/>
+              </a:rPr>
+              <a:t> </a:t>
+            </a:r>
+            <a:r>
+              <a:rPr lang="en-US" altLang="zh-TW" dirty="0" smtClean="0">
+                <a:latin typeface="Times New Roman" pitchFamily="18" charset="0"/>
+                <a:cs typeface="Times New Roman" pitchFamily="18" charset="0"/>
+              </a:rPr>
+              <a:t>12 </a:t>
+            </a:r>
+            <a:r>
+              <a:rPr lang="en-US" altLang="zh-TW" dirty="0">
+                <a:latin typeface="Times New Roman" pitchFamily="18" charset="0"/>
+                <a:cs typeface="Times New Roman" pitchFamily="18" charset="0"/>
+              </a:rPr>
+              <a:t>Grid </a:t>
+            </a:r>
+            <a:r>
+              <a:rPr lang="en-US" altLang="zh-TW" dirty="0" smtClean="0">
+                <a:latin typeface="Times New Roman" pitchFamily="18" charset="0"/>
+                <a:cs typeface="Times New Roman" pitchFamily="18" charset="0"/>
+              </a:rPr>
+              <a:t>System</a:t>
+            </a:r>
+            <a:r>
+              <a:rPr lang="zh-TW" altLang="en-US" dirty="0" smtClean="0">
+                <a:latin typeface="Times New Roman" pitchFamily="18" charset="0"/>
+                <a:cs typeface="Times New Roman" pitchFamily="18" charset="0"/>
+              </a:rPr>
+              <a:t>，能夠在不同 </a:t>
+            </a:r>
+            <a:r>
+              <a:rPr lang="en-US" altLang="zh-TW" dirty="0" smtClean="0">
+                <a:latin typeface="Times New Roman" pitchFamily="18" charset="0"/>
+                <a:cs typeface="Times New Roman" pitchFamily="18" charset="0"/>
+              </a:rPr>
+              <a:t>Breakpoints</a:t>
+            </a:r>
+            <a:r>
+              <a:rPr lang="zh-TW" altLang="en-US" dirty="0" smtClean="0">
+                <a:latin typeface="Times New Roman" pitchFamily="18" charset="0"/>
+                <a:cs typeface="Times New Roman" pitchFamily="18" charset="0"/>
+              </a:rPr>
+              <a:t> 改變寬度</a:t>
+            </a:r>
+            <a:endParaRPr lang="en-US" altLang="zh-TW" dirty="0" smtClean="0">
+              <a:latin typeface="Times New Roman" pitchFamily="18" charset="0"/>
+              <a:cs typeface="Times New Roman" pitchFamily="18" charset="0"/>
+            </a:endParaRPr>
+          </a:p>
+        </p:txBody>
+      </p:sp>
+      <p:graphicFrame>
+        <p:nvGraphicFramePr>
+          <p:cNvPr id="3" name="表格 2"/>
+          <p:cNvGraphicFramePr>
+            <a:graphicFrameLocks noGrp="1"/>
+          </p:cNvGraphicFramePr>
+          <p:nvPr>
+            <p:extLst>
+              <p:ext uri="{D42A27DB-BD31-4B8C-83A1-F6EECF244321}">
+                <p14:modId xmlns:p14="http://schemas.microsoft.com/office/powerpoint/2010/main" val="1166680665"/>
+              </p:ext>
+            </p:extLst>
+          </p:nvPr>
+        </p:nvGraphicFramePr>
+        <p:xfrm>
+          <a:off x="1475656" y="1556792"/>
+          <a:ext cx="6350793" cy="2560320"/>
+        </p:xfrm>
+        <a:graphic>
+          <a:graphicData uri="http://schemas.openxmlformats.org/drawingml/2006/table">
+            <a:tbl>
+              <a:tblPr/>
+              <a:tblGrid>
+                <a:gridCol w="2116931"/>
+                <a:gridCol w="2116931"/>
+                <a:gridCol w="2116931"/>
+              </a:tblGrid>
+              <a:tr h="0">
+                <a:tc>
+                  <a:txBody>
+                    <a:bodyPr/>
+                    <a:lstStyle/>
+                    <a:p>
+                      <a:pPr algn="l"/>
+                      <a:r>
+                        <a:rPr lang="en-US" dirty="0">
+                          <a:effectLst/>
+                          <a:latin typeface="Times New Roman" pitchFamily="18" charset="0"/>
+                          <a:cs typeface="Times New Roman" pitchFamily="18" charset="0"/>
+                        </a:rPr>
+                        <a:t>Breakpoint</a:t>
+                      </a:r>
+                    </a:p>
+                  </a:txBody>
+                  <a:tcPr>
+                    <a:lnL w="12700" cap="flat" cmpd="sng" algn="ctr">
+                      <a:solidFill>
+                        <a:srgbClr val="A0FE32"/>
+                      </a:solidFill>
+                      <a:prstDash val="solid"/>
+                      <a:round/>
+                      <a:headEnd type="none" w="med" len="med"/>
+                      <a:tailEnd type="none" w="med" len="med"/>
+                    </a:lnL>
+                    <a:lnR w="12700" cap="flat" cmpd="sng" algn="ctr">
+                      <a:solidFill>
+                        <a:srgbClr val="F0FC32"/>
+                      </a:solidFill>
+                      <a:prstDash val="solid"/>
+                      <a:round/>
+                      <a:headEnd type="none" w="med" len="med"/>
+                      <a:tailEnd type="none" w="med" len="med"/>
+                    </a:lnR>
+                    <a:lnT w="12700" cap="flat" cmpd="sng" algn="ctr">
+                      <a:solidFill>
+                        <a:srgbClr val="80E7E3"/>
+                      </a:solidFill>
+                      <a:prstDash val="solid"/>
+                      <a:round/>
+                      <a:headEnd type="none" w="med" len="med"/>
+                      <a:tailEnd type="none" w="med" len="med"/>
+                    </a:lnT>
+                    <a:lnB w="12700" cap="flat" cmpd="sng" algn="ctr">
+                      <a:solidFill>
+                        <a:srgbClr val="40FF32"/>
+                      </a:solidFill>
+                      <a:prstDash val="solid"/>
+                      <a:round/>
+                      <a:headEnd type="none" w="med" len="med"/>
+                      <a:tailEnd type="none" w="med" len="med"/>
+                    </a:lnB>
+                    <a:solidFill>
+                      <a:srgbClr val="FFFFFF"/>
+                    </a:solidFill>
+                  </a:tcPr>
+                </a:tc>
+                <a:tc>
+                  <a:txBody>
+                    <a:bodyPr/>
+                    <a:lstStyle/>
+                    <a:p>
+                      <a:pPr algn="l"/>
+                      <a:r>
+                        <a:rPr lang="en-US">
+                          <a:effectLst/>
+                          <a:latin typeface="Times New Roman" pitchFamily="18" charset="0"/>
+                          <a:cs typeface="Times New Roman" pitchFamily="18" charset="0"/>
+                        </a:rPr>
+                        <a:t>Class infix</a:t>
+                      </a:r>
+                    </a:p>
+                  </a:txBody>
+                  <a:tcPr>
+                    <a:lnL w="12700" cap="flat" cmpd="sng" algn="ctr">
+                      <a:solidFill>
+                        <a:srgbClr val="F0FC32"/>
+                      </a:solidFill>
+                      <a:prstDash val="solid"/>
+                      <a:round/>
+                      <a:headEnd type="none" w="med" len="med"/>
+                      <a:tailEnd type="none" w="med" len="med"/>
+                    </a:lnL>
+                    <a:lnR w="12700" cap="flat" cmpd="sng" algn="ctr">
+                      <a:solidFill>
+                        <a:srgbClr val="60FF32"/>
+                      </a:solidFill>
+                      <a:prstDash val="solid"/>
+                      <a:round/>
+                      <a:headEnd type="none" w="med" len="med"/>
+                      <a:tailEnd type="none" w="med" len="med"/>
+                    </a:lnR>
+                    <a:lnT w="12700" cap="flat" cmpd="sng" algn="ctr">
+                      <a:solidFill>
+                        <a:srgbClr val="B0E7E3"/>
+                      </a:solidFill>
+                      <a:prstDash val="solid"/>
+                      <a:round/>
+                      <a:headEnd type="none" w="med" len="med"/>
+                      <a:tailEnd type="none" w="med" len="med"/>
+                    </a:lnT>
+                    <a:lnB w="12700" cap="flat" cmpd="sng" algn="ctr">
+                      <a:solidFill>
+                        <a:srgbClr val="C0FE32"/>
+                      </a:solidFill>
+                      <a:prstDash val="solid"/>
+                      <a:round/>
+                      <a:headEnd type="none" w="med" len="med"/>
+                      <a:tailEnd type="none" w="med" len="med"/>
+                    </a:lnB>
+                    <a:solidFill>
+                      <a:srgbClr val="FFFFFF"/>
+                    </a:solidFill>
+                  </a:tcPr>
+                </a:tc>
+                <a:tc>
+                  <a:txBody>
+                    <a:bodyPr/>
+                    <a:lstStyle/>
+                    <a:p>
+                      <a:pPr algn="l"/>
+                      <a:r>
+                        <a:rPr lang="en-US">
+                          <a:effectLst/>
+                          <a:latin typeface="Times New Roman" pitchFamily="18" charset="0"/>
+                          <a:cs typeface="Times New Roman" pitchFamily="18" charset="0"/>
+                        </a:rPr>
+                        <a:t>Dimensions</a:t>
+                      </a:r>
+                    </a:p>
+                  </a:txBody>
+                  <a:tcPr>
+                    <a:lnL w="12700" cap="flat" cmpd="sng" algn="ctr">
+                      <a:solidFill>
+                        <a:srgbClr val="60FF32"/>
+                      </a:solidFill>
+                      <a:prstDash val="solid"/>
+                      <a:round/>
+                      <a:headEnd type="none" w="med" len="med"/>
+                      <a:tailEnd type="none" w="med" len="med"/>
+                    </a:lnL>
+                    <a:lnR w="12700" cap="flat" cmpd="sng" algn="ctr">
+                      <a:solidFill>
+                        <a:srgbClr val="E0E7E3"/>
+                      </a:solidFill>
+                      <a:prstDash val="solid"/>
+                      <a:round/>
+                      <a:headEnd type="none" w="med" len="med"/>
+                      <a:tailEnd type="none" w="med" len="med"/>
+                    </a:lnR>
+                    <a:lnT w="12700" cap="flat" cmpd="sng" algn="ctr">
+                      <a:solidFill>
+                        <a:srgbClr val="E0E7E3"/>
+                      </a:solidFill>
+                      <a:prstDash val="solid"/>
+                      <a:round/>
+                      <a:headEnd type="none" w="med" len="med"/>
+                      <a:tailEnd type="none" w="med" len="med"/>
+                    </a:lnT>
+                    <a:lnB w="12700" cap="flat" cmpd="sng" algn="ctr">
+                      <a:solidFill>
+                        <a:srgbClr val="40FF32"/>
+                      </a:solidFill>
+                      <a:prstDash val="solid"/>
+                      <a:round/>
+                      <a:headEnd type="none" w="med" len="med"/>
+                      <a:tailEnd type="none" w="med" len="med"/>
+                    </a:lnB>
+                    <a:solidFill>
+                      <a:srgbClr val="FFFFFF"/>
+                    </a:solidFill>
+                  </a:tcPr>
+                </a:tc>
+              </a:tr>
+              <a:tr h="0">
+                <a:tc>
+                  <a:txBody>
+                    <a:bodyPr/>
+                    <a:lstStyle/>
+                    <a:p>
+                      <a:r>
+                        <a:rPr lang="en-US">
+                          <a:effectLst/>
+                          <a:latin typeface="Times New Roman" pitchFamily="18" charset="0"/>
+                          <a:cs typeface="Times New Roman" pitchFamily="18" charset="0"/>
+                        </a:rPr>
+                        <a:t>X-Small</a:t>
+                      </a:r>
+                    </a:p>
+                  </a:txBody>
+                  <a:tcPr>
+                    <a:lnL w="12700" cap="flat" cmpd="sng" algn="ctr">
+                      <a:solidFill>
+                        <a:srgbClr val="40FF32"/>
+                      </a:solidFill>
+                      <a:prstDash val="solid"/>
+                      <a:round/>
+                      <a:headEnd type="none" w="med" len="med"/>
+                      <a:tailEnd type="none" w="med" len="med"/>
+                    </a:lnL>
+                    <a:lnR w="12700" cap="flat" cmpd="sng" algn="ctr">
+                      <a:solidFill>
+                        <a:srgbClr val="C0FE32"/>
+                      </a:solidFill>
+                      <a:prstDash val="solid"/>
+                      <a:round/>
+                      <a:headEnd type="none" w="med" len="med"/>
+                      <a:tailEnd type="none" w="med" len="med"/>
+                    </a:lnR>
+                    <a:lnT w="12700" cap="flat" cmpd="sng" algn="ctr">
+                      <a:solidFill>
+                        <a:srgbClr val="40FF32"/>
+                      </a:solidFill>
+                      <a:prstDash val="solid"/>
+                      <a:round/>
+                      <a:headEnd type="none" w="med" len="med"/>
+                      <a:tailEnd type="none" w="med" len="med"/>
+                    </a:lnT>
+                    <a:lnB w="12700" cap="flat" cmpd="sng" algn="ctr">
+                      <a:solidFill>
+                        <a:srgbClr val="D0FE32"/>
+                      </a:solidFill>
+                      <a:prstDash val="solid"/>
+                      <a:round/>
+                      <a:headEnd type="none" w="med" len="med"/>
+                      <a:tailEnd type="none" w="med" len="med"/>
+                    </a:lnB>
+                    <a:solidFill>
+                      <a:srgbClr val="FFFFFF"/>
+                    </a:solidFill>
+                  </a:tcPr>
+                </a:tc>
+                <a:tc>
+                  <a:txBody>
+                    <a:bodyPr/>
+                    <a:lstStyle/>
+                    <a:p>
+                      <a:r>
+                        <a:rPr lang="en-US" i="1">
+                          <a:effectLst/>
+                          <a:latin typeface="Times New Roman" pitchFamily="18" charset="0"/>
+                          <a:cs typeface="Times New Roman" pitchFamily="18" charset="0"/>
+                        </a:rPr>
+                        <a:t>None</a:t>
+                      </a:r>
+                      <a:endParaRPr lang="en-US">
+                        <a:effectLst/>
+                        <a:latin typeface="Times New Roman" pitchFamily="18" charset="0"/>
+                        <a:cs typeface="Times New Roman" pitchFamily="18" charset="0"/>
+                      </a:endParaRPr>
+                    </a:p>
+                  </a:txBody>
+                  <a:tcPr>
+                    <a:lnL w="12700" cap="flat" cmpd="sng" algn="ctr">
+                      <a:solidFill>
+                        <a:srgbClr val="C0FE32"/>
+                      </a:solidFill>
+                      <a:prstDash val="solid"/>
+                      <a:round/>
+                      <a:headEnd type="none" w="med" len="med"/>
+                      <a:tailEnd type="none" w="med" len="med"/>
+                    </a:lnL>
+                    <a:lnR w="12700" cap="flat" cmpd="sng" algn="ctr">
+                      <a:solidFill>
+                        <a:srgbClr val="40FF32"/>
+                      </a:solidFill>
+                      <a:prstDash val="solid"/>
+                      <a:round/>
+                      <a:headEnd type="none" w="med" len="med"/>
+                      <a:tailEnd type="none" w="med" len="med"/>
+                    </a:lnR>
+                    <a:lnT w="12700" cap="flat" cmpd="sng" algn="ctr">
+                      <a:solidFill>
+                        <a:srgbClr val="C0FE32"/>
+                      </a:solidFill>
+                      <a:prstDash val="solid"/>
+                      <a:round/>
+                      <a:headEnd type="none" w="med" len="med"/>
+                      <a:tailEnd type="none" w="med" len="med"/>
+                    </a:lnT>
+                    <a:lnB w="12700" cap="flat" cmpd="sng" algn="ctr">
+                      <a:solidFill>
+                        <a:srgbClr val="50FF32"/>
+                      </a:solidFill>
+                      <a:prstDash val="solid"/>
+                      <a:round/>
+                      <a:headEnd type="none" w="med" len="med"/>
+                      <a:tailEnd type="none" w="med" len="med"/>
+                    </a:lnB>
+                    <a:solidFill>
+                      <a:srgbClr val="FFFFFF"/>
+                    </a:solidFill>
+                  </a:tcPr>
+                </a:tc>
+                <a:tc>
+                  <a:txBody>
+                    <a:bodyPr/>
+                    <a:lstStyle/>
+                    <a:p>
+                      <a:r>
+                        <a:rPr lang="en-US">
+                          <a:effectLst/>
+                          <a:latin typeface="Times New Roman" pitchFamily="18" charset="0"/>
+                          <a:cs typeface="Times New Roman" pitchFamily="18" charset="0"/>
+                        </a:rPr>
+                        <a:t>&lt;576px</a:t>
+                      </a:r>
+                    </a:p>
+                  </a:txBody>
+                  <a:tcPr>
+                    <a:lnL w="12700" cap="flat" cmpd="sng" algn="ctr">
+                      <a:solidFill>
+                        <a:srgbClr val="40FF32"/>
+                      </a:solidFill>
+                      <a:prstDash val="solid"/>
+                      <a:round/>
+                      <a:headEnd type="none" w="med" len="med"/>
+                      <a:tailEnd type="none" w="med" len="med"/>
+                    </a:lnL>
+                    <a:lnR w="12700" cap="flat" cmpd="sng" algn="ctr">
+                      <a:solidFill>
+                        <a:srgbClr val="40FF32"/>
+                      </a:solidFill>
+                      <a:prstDash val="solid"/>
+                      <a:round/>
+                      <a:headEnd type="none" w="med" len="med"/>
+                      <a:tailEnd type="none" w="med" len="med"/>
+                    </a:lnR>
+                    <a:lnT w="12700" cap="flat" cmpd="sng" algn="ctr">
+                      <a:solidFill>
+                        <a:srgbClr val="40FF32"/>
+                      </a:solidFill>
+                      <a:prstDash val="solid"/>
+                      <a:round/>
+                      <a:headEnd type="none" w="med" len="med"/>
+                      <a:tailEnd type="none" w="med" len="med"/>
+                    </a:lnT>
+                    <a:lnB w="12700" cap="flat" cmpd="sng" algn="ctr">
+                      <a:solidFill>
+                        <a:srgbClr val="D0FE32"/>
+                      </a:solidFill>
+                      <a:prstDash val="solid"/>
+                      <a:round/>
+                      <a:headEnd type="none" w="med" len="med"/>
+                      <a:tailEnd type="none" w="med" len="med"/>
+                    </a:lnB>
+                    <a:solidFill>
+                      <a:srgbClr val="FFFFFF"/>
+                    </a:solidFill>
+                  </a:tcPr>
+                </a:tc>
+              </a:tr>
+              <a:tr h="0">
+                <a:tc>
+                  <a:txBody>
+                    <a:bodyPr/>
+                    <a:lstStyle/>
+                    <a:p>
+                      <a:r>
+                        <a:rPr lang="en-US">
+                          <a:effectLst/>
+                          <a:latin typeface="Times New Roman" pitchFamily="18" charset="0"/>
+                          <a:cs typeface="Times New Roman" pitchFamily="18" charset="0"/>
+                        </a:rPr>
+                        <a:t>Small</a:t>
+                      </a:r>
+                    </a:p>
+                  </a:txBody>
+                  <a:tcPr>
+                    <a:lnL w="12700" cap="flat" cmpd="sng" algn="ctr">
+                      <a:solidFill>
+                        <a:srgbClr val="D0FE32"/>
+                      </a:solidFill>
+                      <a:prstDash val="solid"/>
+                      <a:round/>
+                      <a:headEnd type="none" w="med" len="med"/>
+                      <a:tailEnd type="none" w="med" len="med"/>
+                    </a:lnL>
+                    <a:lnR w="12700" cap="flat" cmpd="sng" algn="ctr">
+                      <a:solidFill>
+                        <a:srgbClr val="50FF32"/>
+                      </a:solidFill>
+                      <a:prstDash val="solid"/>
+                      <a:round/>
+                      <a:headEnd type="none" w="med" len="med"/>
+                      <a:tailEnd type="none" w="med" len="med"/>
+                    </a:lnR>
+                    <a:lnT w="12700" cap="flat" cmpd="sng" algn="ctr">
+                      <a:solidFill>
+                        <a:srgbClr val="D0FE32"/>
+                      </a:solidFill>
+                      <a:prstDash val="solid"/>
+                      <a:round/>
+                      <a:headEnd type="none" w="med" len="med"/>
+                      <a:tailEnd type="none" w="med" len="med"/>
+                    </a:lnT>
+                    <a:lnB w="12700" cap="flat" cmpd="sng" algn="ctr">
+                      <a:solidFill>
+                        <a:srgbClr val="80FE32"/>
+                      </a:solidFill>
+                      <a:prstDash val="solid"/>
+                      <a:round/>
+                      <a:headEnd type="none" w="med" len="med"/>
+                      <a:tailEnd type="none" w="med" len="med"/>
+                    </a:lnB>
+                    <a:solidFill>
+                      <a:srgbClr val="FFFFFF"/>
+                    </a:solidFill>
+                  </a:tcPr>
+                </a:tc>
+                <a:tc>
+                  <a:txBody>
+                    <a:bodyPr/>
+                    <a:lstStyle/>
+                    <a:p>
+                      <a:r>
+                        <a:rPr lang="en-US">
+                          <a:effectLst/>
+                          <a:latin typeface="Times New Roman" pitchFamily="18" charset="0"/>
+                          <a:cs typeface="Times New Roman" pitchFamily="18" charset="0"/>
+                        </a:rPr>
+                        <a:t>sm</a:t>
+                      </a:r>
+                    </a:p>
+                  </a:txBody>
+                  <a:tcPr>
+                    <a:lnL w="12700" cap="flat" cmpd="sng" algn="ctr">
+                      <a:solidFill>
+                        <a:srgbClr val="50FF32"/>
+                      </a:solidFill>
+                      <a:prstDash val="solid"/>
+                      <a:round/>
+                      <a:headEnd type="none" w="med" len="med"/>
+                      <a:tailEnd type="none" w="med" len="med"/>
+                    </a:lnL>
+                    <a:lnR w="12700" cap="flat" cmpd="sng" algn="ctr">
+                      <a:solidFill>
+                        <a:srgbClr val="D0FE32"/>
+                      </a:solidFill>
+                      <a:prstDash val="solid"/>
+                      <a:round/>
+                      <a:headEnd type="none" w="med" len="med"/>
+                      <a:tailEnd type="none" w="med" len="med"/>
+                    </a:lnR>
+                    <a:lnT w="12700" cap="flat" cmpd="sng" algn="ctr">
+                      <a:solidFill>
+                        <a:srgbClr val="50FF32"/>
+                      </a:solidFill>
+                      <a:prstDash val="solid"/>
+                      <a:round/>
+                      <a:headEnd type="none" w="med" len="med"/>
+                      <a:tailEnd type="none" w="med" len="med"/>
+                    </a:lnT>
+                    <a:lnB w="12700" cap="flat" cmpd="sng" algn="ctr">
+                      <a:solidFill>
+                        <a:srgbClr val="A0FE32"/>
+                      </a:solidFill>
+                      <a:prstDash val="solid"/>
+                      <a:round/>
+                      <a:headEnd type="none" w="med" len="med"/>
+                      <a:tailEnd type="none" w="med" len="med"/>
+                    </a:lnB>
+                    <a:solidFill>
+                      <a:srgbClr val="FFFFFF"/>
+                    </a:solidFill>
+                  </a:tcPr>
+                </a:tc>
+                <a:tc>
+                  <a:txBody>
+                    <a:bodyPr/>
+                    <a:lstStyle/>
+                    <a:p>
+                      <a:r>
+                        <a:rPr lang="en-US">
+                          <a:effectLst/>
+                          <a:latin typeface="Times New Roman" pitchFamily="18" charset="0"/>
+                          <a:cs typeface="Times New Roman" pitchFamily="18" charset="0"/>
+                        </a:rPr>
+                        <a:t>≥576px</a:t>
+                      </a:r>
+                    </a:p>
+                  </a:txBody>
+                  <a:tcPr>
+                    <a:lnL w="12700" cap="flat" cmpd="sng" algn="ctr">
+                      <a:solidFill>
+                        <a:srgbClr val="D0FE32"/>
+                      </a:solidFill>
+                      <a:prstDash val="solid"/>
+                      <a:round/>
+                      <a:headEnd type="none" w="med" len="med"/>
+                      <a:tailEnd type="none" w="med" len="med"/>
+                    </a:lnL>
+                    <a:lnR w="12700" cap="flat" cmpd="sng" algn="ctr">
+                      <a:solidFill>
+                        <a:srgbClr val="D0FE32"/>
+                      </a:solidFill>
+                      <a:prstDash val="solid"/>
+                      <a:round/>
+                      <a:headEnd type="none" w="med" len="med"/>
+                      <a:tailEnd type="none" w="med" len="med"/>
+                    </a:lnR>
+                    <a:lnT w="12700" cap="flat" cmpd="sng" algn="ctr">
+                      <a:solidFill>
+                        <a:srgbClr val="D0FE32"/>
+                      </a:solidFill>
+                      <a:prstDash val="solid"/>
+                      <a:round/>
+                      <a:headEnd type="none" w="med" len="med"/>
+                      <a:tailEnd type="none" w="med" len="med"/>
+                    </a:lnT>
+                    <a:lnB w="12700" cap="flat" cmpd="sng" algn="ctr">
+                      <a:solidFill>
+                        <a:srgbClr val="80FE32"/>
+                      </a:solidFill>
+                      <a:prstDash val="solid"/>
+                      <a:round/>
+                      <a:headEnd type="none" w="med" len="med"/>
+                      <a:tailEnd type="none" w="med" len="med"/>
+                    </a:lnB>
+                    <a:solidFill>
+                      <a:srgbClr val="FFFFFF"/>
+                    </a:solidFill>
+                  </a:tcPr>
+                </a:tc>
+              </a:tr>
+              <a:tr h="0">
+                <a:tc>
+                  <a:txBody>
+                    <a:bodyPr/>
+                    <a:lstStyle/>
+                    <a:p>
+                      <a:r>
+                        <a:rPr lang="en-US">
+                          <a:effectLst/>
+                          <a:latin typeface="Times New Roman" pitchFamily="18" charset="0"/>
+                          <a:cs typeface="Times New Roman" pitchFamily="18" charset="0"/>
+                        </a:rPr>
+                        <a:t>Medium</a:t>
+                      </a:r>
+                    </a:p>
+                  </a:txBody>
+                  <a:tcPr>
+                    <a:lnL w="12700" cap="flat" cmpd="sng" algn="ctr">
+                      <a:solidFill>
+                        <a:srgbClr val="80FE32"/>
+                      </a:solidFill>
+                      <a:prstDash val="solid"/>
+                      <a:round/>
+                      <a:headEnd type="none" w="med" len="med"/>
+                      <a:tailEnd type="none" w="med" len="med"/>
+                    </a:lnL>
+                    <a:lnR w="12700" cap="flat" cmpd="sng" algn="ctr">
+                      <a:solidFill>
+                        <a:srgbClr val="A0FE32"/>
+                      </a:solidFill>
+                      <a:prstDash val="solid"/>
+                      <a:round/>
+                      <a:headEnd type="none" w="med" len="med"/>
+                      <a:tailEnd type="none" w="med" len="med"/>
+                    </a:lnR>
+                    <a:lnT w="12700" cap="flat" cmpd="sng" algn="ctr">
+                      <a:solidFill>
+                        <a:srgbClr val="80FE32"/>
+                      </a:solidFill>
+                      <a:prstDash val="solid"/>
+                      <a:round/>
+                      <a:headEnd type="none" w="med" len="med"/>
+                      <a:tailEnd type="none" w="med" len="med"/>
+                    </a:lnT>
+                    <a:lnB w="12700" cap="flat" cmpd="sng" algn="ctr">
+                      <a:solidFill>
+                        <a:srgbClr val="30FE32"/>
+                      </a:solidFill>
+                      <a:prstDash val="solid"/>
+                      <a:round/>
+                      <a:headEnd type="none" w="med" len="med"/>
+                      <a:tailEnd type="none" w="med" len="med"/>
+                    </a:lnB>
+                    <a:solidFill>
+                      <a:srgbClr val="FFFFFF"/>
+                    </a:solidFill>
+                  </a:tcPr>
+                </a:tc>
+                <a:tc>
+                  <a:txBody>
+                    <a:bodyPr/>
+                    <a:lstStyle/>
+                    <a:p>
+                      <a:r>
+                        <a:rPr lang="en-US" dirty="0">
+                          <a:effectLst/>
+                          <a:latin typeface="Times New Roman" pitchFamily="18" charset="0"/>
+                          <a:cs typeface="Times New Roman" pitchFamily="18" charset="0"/>
+                        </a:rPr>
+                        <a:t>md</a:t>
+                      </a:r>
+                    </a:p>
+                  </a:txBody>
+                  <a:tcPr>
+                    <a:lnL w="12700" cap="flat" cmpd="sng" algn="ctr">
+                      <a:solidFill>
+                        <a:srgbClr val="A0FE32"/>
+                      </a:solidFill>
+                      <a:prstDash val="solid"/>
+                      <a:round/>
+                      <a:headEnd type="none" w="med" len="med"/>
+                      <a:tailEnd type="none" w="med" len="med"/>
+                    </a:lnL>
+                    <a:lnR w="12700" cap="flat" cmpd="sng" algn="ctr">
+                      <a:solidFill>
+                        <a:srgbClr val="80FE32"/>
+                      </a:solidFill>
+                      <a:prstDash val="solid"/>
+                      <a:round/>
+                      <a:headEnd type="none" w="med" len="med"/>
+                      <a:tailEnd type="none" w="med" len="med"/>
+                    </a:lnR>
+                    <a:lnT w="12700" cap="flat" cmpd="sng" algn="ctr">
+                      <a:solidFill>
+                        <a:srgbClr val="A0FE32"/>
+                      </a:solidFill>
+                      <a:prstDash val="solid"/>
+                      <a:round/>
+                      <a:headEnd type="none" w="med" len="med"/>
+                      <a:tailEnd type="none" w="med" len="med"/>
+                    </a:lnT>
+                    <a:lnB w="12700" cap="flat" cmpd="sng" algn="ctr">
+                      <a:solidFill>
+                        <a:srgbClr val="30FF32"/>
+                      </a:solidFill>
+                      <a:prstDash val="solid"/>
+                      <a:round/>
+                      <a:headEnd type="none" w="med" len="med"/>
+                      <a:tailEnd type="none" w="med" len="med"/>
+                    </a:lnB>
+                    <a:solidFill>
+                      <a:srgbClr val="FFFFFF"/>
+                    </a:solidFill>
+                  </a:tcPr>
+                </a:tc>
+                <a:tc>
+                  <a:txBody>
+                    <a:bodyPr/>
+                    <a:lstStyle/>
+                    <a:p>
+                      <a:r>
+                        <a:rPr lang="en-US">
+                          <a:effectLst/>
+                          <a:latin typeface="Times New Roman" pitchFamily="18" charset="0"/>
+                          <a:cs typeface="Times New Roman" pitchFamily="18" charset="0"/>
+                        </a:rPr>
+                        <a:t>≥768px</a:t>
+                      </a:r>
+                    </a:p>
+                  </a:txBody>
+                  <a:tcPr>
+                    <a:lnL w="12700" cap="flat" cmpd="sng" algn="ctr">
+                      <a:solidFill>
+                        <a:srgbClr val="80FE32"/>
+                      </a:solidFill>
+                      <a:prstDash val="solid"/>
+                      <a:round/>
+                      <a:headEnd type="none" w="med" len="med"/>
+                      <a:tailEnd type="none" w="med" len="med"/>
+                    </a:lnL>
+                    <a:lnR w="12700" cap="flat" cmpd="sng" algn="ctr">
+                      <a:solidFill>
+                        <a:srgbClr val="80FE32"/>
+                      </a:solidFill>
+                      <a:prstDash val="solid"/>
+                      <a:round/>
+                      <a:headEnd type="none" w="med" len="med"/>
+                      <a:tailEnd type="none" w="med" len="med"/>
+                    </a:lnR>
+                    <a:lnT w="12700" cap="flat" cmpd="sng" algn="ctr">
+                      <a:solidFill>
+                        <a:srgbClr val="80FE32"/>
+                      </a:solidFill>
+                      <a:prstDash val="solid"/>
+                      <a:round/>
+                      <a:headEnd type="none" w="med" len="med"/>
+                      <a:tailEnd type="none" w="med" len="med"/>
+                    </a:lnT>
+                    <a:lnB w="12700" cap="flat" cmpd="sng" algn="ctr">
+                      <a:solidFill>
+                        <a:srgbClr val="30FE32"/>
+                      </a:solidFill>
+                      <a:prstDash val="solid"/>
+                      <a:round/>
+                      <a:headEnd type="none" w="med" len="med"/>
+                      <a:tailEnd type="none" w="med" len="med"/>
+                    </a:lnB>
+                    <a:solidFill>
+                      <a:srgbClr val="FFFFFF"/>
+                    </a:solidFill>
+                  </a:tcPr>
+                </a:tc>
+              </a:tr>
+              <a:tr h="0">
+                <a:tc>
+                  <a:txBody>
+                    <a:bodyPr/>
+                    <a:lstStyle/>
+                    <a:p>
+                      <a:r>
+                        <a:rPr lang="en-US">
+                          <a:effectLst/>
+                          <a:latin typeface="Times New Roman" pitchFamily="18" charset="0"/>
+                          <a:cs typeface="Times New Roman" pitchFamily="18" charset="0"/>
+                        </a:rPr>
+                        <a:t>Large</a:t>
+                      </a:r>
+                    </a:p>
+                  </a:txBody>
+                  <a:tcPr>
+                    <a:lnL w="12700" cap="flat" cmpd="sng" algn="ctr">
+                      <a:solidFill>
+                        <a:srgbClr val="30FE32"/>
+                      </a:solidFill>
+                      <a:prstDash val="solid"/>
+                      <a:round/>
+                      <a:headEnd type="none" w="med" len="med"/>
+                      <a:tailEnd type="none" w="med" len="med"/>
+                    </a:lnL>
+                    <a:lnR w="12700" cap="flat" cmpd="sng" algn="ctr">
+                      <a:solidFill>
+                        <a:srgbClr val="30FF32"/>
+                      </a:solidFill>
+                      <a:prstDash val="solid"/>
+                      <a:round/>
+                      <a:headEnd type="none" w="med" len="med"/>
+                      <a:tailEnd type="none" w="med" len="med"/>
+                    </a:lnR>
+                    <a:lnT w="12700" cap="flat" cmpd="sng" algn="ctr">
+                      <a:solidFill>
+                        <a:srgbClr val="30FE32"/>
+                      </a:solidFill>
+                      <a:prstDash val="solid"/>
+                      <a:round/>
+                      <a:headEnd type="none" w="med" len="med"/>
+                      <a:tailEnd type="none" w="med" len="med"/>
+                    </a:lnT>
+                    <a:lnB w="12700" cap="flat" cmpd="sng" algn="ctr">
+                      <a:solidFill>
+                        <a:srgbClr val="F0FD32"/>
+                      </a:solidFill>
+                      <a:prstDash val="solid"/>
+                      <a:round/>
+                      <a:headEnd type="none" w="med" len="med"/>
+                      <a:tailEnd type="none" w="med" len="med"/>
+                    </a:lnB>
+                    <a:solidFill>
+                      <a:srgbClr val="FFFFFF"/>
+                    </a:solidFill>
+                  </a:tcPr>
+                </a:tc>
+                <a:tc>
+                  <a:txBody>
+                    <a:bodyPr/>
+                    <a:lstStyle/>
+                    <a:p>
+                      <a:r>
+                        <a:rPr lang="en-US">
+                          <a:effectLst/>
+                          <a:latin typeface="Times New Roman" pitchFamily="18" charset="0"/>
+                          <a:cs typeface="Times New Roman" pitchFamily="18" charset="0"/>
+                        </a:rPr>
+                        <a:t>lg</a:t>
+                      </a:r>
+                    </a:p>
+                  </a:txBody>
+                  <a:tcPr>
+                    <a:lnL w="12700" cap="flat" cmpd="sng" algn="ctr">
+                      <a:solidFill>
+                        <a:srgbClr val="30FF32"/>
+                      </a:solidFill>
+                      <a:prstDash val="solid"/>
+                      <a:round/>
+                      <a:headEnd type="none" w="med" len="med"/>
+                      <a:tailEnd type="none" w="med" len="med"/>
+                    </a:lnL>
+                    <a:lnR w="12700" cap="flat" cmpd="sng" algn="ctr">
+                      <a:solidFill>
+                        <a:srgbClr val="30FE32"/>
+                      </a:solidFill>
+                      <a:prstDash val="solid"/>
+                      <a:round/>
+                      <a:headEnd type="none" w="med" len="med"/>
+                      <a:tailEnd type="none" w="med" len="med"/>
+                    </a:lnR>
+                    <a:lnT w="12700" cap="flat" cmpd="sng" algn="ctr">
+                      <a:solidFill>
+                        <a:srgbClr val="30FF32"/>
+                      </a:solidFill>
+                      <a:prstDash val="solid"/>
+                      <a:round/>
+                      <a:headEnd type="none" w="med" len="med"/>
+                      <a:tailEnd type="none" w="med" len="med"/>
+                    </a:lnT>
+                    <a:lnB w="12700" cap="flat" cmpd="sng" algn="ctr">
+                      <a:solidFill>
+                        <a:srgbClr val="50FE32"/>
+                      </a:solidFill>
+                      <a:prstDash val="solid"/>
+                      <a:round/>
+                      <a:headEnd type="none" w="med" len="med"/>
+                      <a:tailEnd type="none" w="med" len="med"/>
+                    </a:lnB>
+                    <a:solidFill>
+                      <a:srgbClr val="FFFFFF"/>
+                    </a:solidFill>
+                  </a:tcPr>
+                </a:tc>
+                <a:tc>
+                  <a:txBody>
+                    <a:bodyPr/>
+                    <a:lstStyle/>
+                    <a:p>
+                      <a:r>
+                        <a:rPr lang="en-US">
+                          <a:effectLst/>
+                          <a:latin typeface="Times New Roman" pitchFamily="18" charset="0"/>
+                          <a:cs typeface="Times New Roman" pitchFamily="18" charset="0"/>
+                        </a:rPr>
+                        <a:t>≥992px</a:t>
+                      </a:r>
+                    </a:p>
+                  </a:txBody>
+                  <a:tcPr>
+                    <a:lnL w="12700" cap="flat" cmpd="sng" algn="ctr">
+                      <a:solidFill>
+                        <a:srgbClr val="30FE32"/>
+                      </a:solidFill>
+                      <a:prstDash val="solid"/>
+                      <a:round/>
+                      <a:headEnd type="none" w="med" len="med"/>
+                      <a:tailEnd type="none" w="med" len="med"/>
+                    </a:lnL>
+                    <a:lnR w="12700" cap="flat" cmpd="sng" algn="ctr">
+                      <a:solidFill>
+                        <a:srgbClr val="30FE32"/>
+                      </a:solidFill>
+                      <a:prstDash val="solid"/>
+                      <a:round/>
+                      <a:headEnd type="none" w="med" len="med"/>
+                      <a:tailEnd type="none" w="med" len="med"/>
+                    </a:lnR>
+                    <a:lnT w="12700" cap="flat" cmpd="sng" algn="ctr">
+                      <a:solidFill>
+                        <a:srgbClr val="30FE32"/>
+                      </a:solidFill>
+                      <a:prstDash val="solid"/>
+                      <a:round/>
+                      <a:headEnd type="none" w="med" len="med"/>
+                      <a:tailEnd type="none" w="med" len="med"/>
+                    </a:lnT>
+                    <a:lnB w="12700" cap="flat" cmpd="sng" algn="ctr">
+                      <a:solidFill>
+                        <a:srgbClr val="10FE32"/>
+                      </a:solidFill>
+                      <a:prstDash val="solid"/>
+                      <a:round/>
+                      <a:headEnd type="none" w="med" len="med"/>
+                      <a:tailEnd type="none" w="med" len="med"/>
+                    </a:lnB>
+                    <a:solidFill>
+                      <a:srgbClr val="FFFFFF"/>
+                    </a:solidFill>
+                  </a:tcPr>
+                </a:tc>
+              </a:tr>
+              <a:tr h="0">
+                <a:tc>
+                  <a:txBody>
+                    <a:bodyPr/>
+                    <a:lstStyle/>
+                    <a:p>
+                      <a:r>
+                        <a:rPr lang="en-US">
+                          <a:effectLst/>
+                          <a:latin typeface="Times New Roman" pitchFamily="18" charset="0"/>
+                          <a:cs typeface="Times New Roman" pitchFamily="18" charset="0"/>
+                        </a:rPr>
+                        <a:t>Extra large</a:t>
+                      </a:r>
+                    </a:p>
+                  </a:txBody>
+                  <a:tcPr>
+                    <a:lnL w="12700" cap="flat" cmpd="sng" algn="ctr">
+                      <a:solidFill>
+                        <a:srgbClr val="F0FD32"/>
+                      </a:solidFill>
+                      <a:prstDash val="solid"/>
+                      <a:round/>
+                      <a:headEnd type="none" w="med" len="med"/>
+                      <a:tailEnd type="none" w="med" len="med"/>
+                    </a:lnL>
+                    <a:lnR w="12700" cap="flat" cmpd="sng" algn="ctr">
+                      <a:solidFill>
+                        <a:srgbClr val="50FE32"/>
+                      </a:solidFill>
+                      <a:prstDash val="solid"/>
+                      <a:round/>
+                      <a:headEnd type="none" w="med" len="med"/>
+                      <a:tailEnd type="none" w="med" len="med"/>
+                    </a:lnR>
+                    <a:lnT w="12700" cap="flat" cmpd="sng" algn="ctr">
+                      <a:solidFill>
+                        <a:srgbClr val="F0FD32"/>
+                      </a:solidFill>
+                      <a:prstDash val="solid"/>
+                      <a:round/>
+                      <a:headEnd type="none" w="med" len="med"/>
+                      <a:tailEnd type="none" w="med" len="med"/>
+                    </a:lnT>
+                    <a:lnB w="12700" cap="flat" cmpd="sng" algn="ctr">
+                      <a:solidFill>
+                        <a:srgbClr val="10FD32"/>
+                      </a:solidFill>
+                      <a:prstDash val="solid"/>
+                      <a:round/>
+                      <a:headEnd type="none" w="med" len="med"/>
+                      <a:tailEnd type="none" w="med" len="med"/>
+                    </a:lnB>
+                    <a:solidFill>
+                      <a:srgbClr val="FFFFFF"/>
+                    </a:solidFill>
+                  </a:tcPr>
+                </a:tc>
+                <a:tc>
+                  <a:txBody>
+                    <a:bodyPr/>
+                    <a:lstStyle/>
+                    <a:p>
+                      <a:r>
+                        <a:rPr lang="en-US">
+                          <a:effectLst/>
+                          <a:latin typeface="Times New Roman" pitchFamily="18" charset="0"/>
+                          <a:cs typeface="Times New Roman" pitchFamily="18" charset="0"/>
+                        </a:rPr>
+                        <a:t>xl</a:t>
+                      </a:r>
+                    </a:p>
+                  </a:txBody>
+                  <a:tcPr>
+                    <a:lnL w="12700" cap="flat" cmpd="sng" algn="ctr">
+                      <a:solidFill>
+                        <a:srgbClr val="50FE32"/>
+                      </a:solidFill>
+                      <a:prstDash val="solid"/>
+                      <a:round/>
+                      <a:headEnd type="none" w="med" len="med"/>
+                      <a:tailEnd type="none" w="med" len="med"/>
+                    </a:lnL>
+                    <a:lnR w="12700" cap="flat" cmpd="sng" algn="ctr">
+                      <a:solidFill>
+                        <a:srgbClr val="10FE32"/>
+                      </a:solidFill>
+                      <a:prstDash val="solid"/>
+                      <a:round/>
+                      <a:headEnd type="none" w="med" len="med"/>
+                      <a:tailEnd type="none" w="med" len="med"/>
+                    </a:lnR>
+                    <a:lnT w="12700" cap="flat" cmpd="sng" algn="ctr">
+                      <a:solidFill>
+                        <a:srgbClr val="50FE32"/>
+                      </a:solidFill>
+                      <a:prstDash val="solid"/>
+                      <a:round/>
+                      <a:headEnd type="none" w="med" len="med"/>
+                      <a:tailEnd type="none" w="med" len="med"/>
+                    </a:lnT>
+                    <a:lnB w="12700" cap="flat" cmpd="sng" algn="ctr">
+                      <a:solidFill>
+                        <a:srgbClr val="F0FD32"/>
+                      </a:solidFill>
+                      <a:prstDash val="solid"/>
+                      <a:round/>
+                      <a:headEnd type="none" w="med" len="med"/>
+                      <a:tailEnd type="none" w="med" len="med"/>
+                    </a:lnB>
+                    <a:solidFill>
+                      <a:srgbClr val="FFFFFF"/>
+                    </a:solidFill>
+                  </a:tcPr>
+                </a:tc>
+                <a:tc>
+                  <a:txBody>
+                    <a:bodyPr/>
+                    <a:lstStyle/>
+                    <a:p>
+                      <a:r>
+                        <a:rPr lang="en-US">
+                          <a:effectLst/>
+                          <a:latin typeface="Times New Roman" pitchFamily="18" charset="0"/>
+                          <a:cs typeface="Times New Roman" pitchFamily="18" charset="0"/>
+                        </a:rPr>
+                        <a:t>≥1200px</a:t>
+                      </a:r>
+                    </a:p>
+                  </a:txBody>
+                  <a:tcPr>
+                    <a:lnL w="12700" cap="flat" cmpd="sng" algn="ctr">
+                      <a:solidFill>
+                        <a:srgbClr val="10FE32"/>
+                      </a:solidFill>
+                      <a:prstDash val="solid"/>
+                      <a:round/>
+                      <a:headEnd type="none" w="med" len="med"/>
+                      <a:tailEnd type="none" w="med" len="med"/>
+                    </a:lnL>
+                    <a:lnR w="12700" cap="flat" cmpd="sng" algn="ctr">
+                      <a:solidFill>
+                        <a:srgbClr val="10FE32"/>
+                      </a:solidFill>
+                      <a:prstDash val="solid"/>
+                      <a:round/>
+                      <a:headEnd type="none" w="med" len="med"/>
+                      <a:tailEnd type="none" w="med" len="med"/>
+                    </a:lnR>
+                    <a:lnT w="12700" cap="flat" cmpd="sng" algn="ctr">
+                      <a:solidFill>
+                        <a:srgbClr val="10FE32"/>
+                      </a:solidFill>
+                      <a:prstDash val="solid"/>
+                      <a:round/>
+                      <a:headEnd type="none" w="med" len="med"/>
+                      <a:tailEnd type="none" w="med" len="med"/>
+                    </a:lnT>
+                    <a:lnB w="12700" cap="flat" cmpd="sng" algn="ctr">
+                      <a:solidFill>
+                        <a:srgbClr val="D0FD32"/>
+                      </a:solidFill>
+                      <a:prstDash val="solid"/>
+                      <a:round/>
+                      <a:headEnd type="none" w="med" len="med"/>
+                      <a:tailEnd type="none" w="med" len="med"/>
+                    </a:lnB>
+                    <a:solidFill>
+                      <a:srgbClr val="FFFFFF"/>
+                    </a:solidFill>
+                  </a:tcPr>
+                </a:tc>
+              </a:tr>
+              <a:tr h="0">
+                <a:tc>
+                  <a:txBody>
+                    <a:bodyPr/>
+                    <a:lstStyle/>
+                    <a:p>
+                      <a:r>
+                        <a:rPr lang="en-US">
+                          <a:effectLst/>
+                          <a:latin typeface="Times New Roman" pitchFamily="18" charset="0"/>
+                          <a:cs typeface="Times New Roman" pitchFamily="18" charset="0"/>
+                        </a:rPr>
+                        <a:t>Extra extra large</a:t>
+                      </a:r>
+                    </a:p>
+                  </a:txBody>
+                  <a:tcPr>
+                    <a:lnL w="12700" cap="flat" cmpd="sng" algn="ctr">
+                      <a:solidFill>
+                        <a:srgbClr val="10FD32"/>
+                      </a:solidFill>
+                      <a:prstDash val="solid"/>
+                      <a:round/>
+                      <a:headEnd type="none" w="med" len="med"/>
+                      <a:tailEnd type="none" w="med" len="med"/>
+                    </a:lnL>
+                    <a:lnR w="12700" cap="flat" cmpd="sng" algn="ctr">
+                      <a:solidFill>
+                        <a:srgbClr val="F0FD32"/>
+                      </a:solidFill>
+                      <a:prstDash val="solid"/>
+                      <a:round/>
+                      <a:headEnd type="none" w="med" len="med"/>
+                      <a:tailEnd type="none" w="med" len="med"/>
+                    </a:lnR>
+                    <a:lnT w="12700" cap="flat" cmpd="sng" algn="ctr">
+                      <a:solidFill>
+                        <a:srgbClr val="10FD32"/>
+                      </a:solidFill>
+                      <a:prstDash val="solid"/>
+                      <a:round/>
+                      <a:headEnd type="none" w="med" len="med"/>
+                      <a:tailEnd type="none" w="med" len="med"/>
+                    </a:lnT>
+                    <a:lnB w="9525" cap="flat" cmpd="sng" algn="ctr">
+                      <a:solidFill>
+                        <a:srgbClr val="10FD32"/>
+                      </a:solidFill>
+                      <a:prstDash val="solid"/>
+                      <a:round/>
+                      <a:headEnd type="none" w="med" len="med"/>
+                      <a:tailEnd type="none" w="med" len="med"/>
+                    </a:lnB>
+                    <a:solidFill>
+                      <a:srgbClr val="FFFFFF"/>
+                    </a:solidFill>
+                  </a:tcPr>
+                </a:tc>
+                <a:tc>
+                  <a:txBody>
+                    <a:bodyPr/>
+                    <a:lstStyle/>
+                    <a:p>
+                      <a:r>
+                        <a:rPr lang="en-US">
+                          <a:effectLst/>
+                          <a:latin typeface="Times New Roman" pitchFamily="18" charset="0"/>
+                          <a:cs typeface="Times New Roman" pitchFamily="18" charset="0"/>
+                        </a:rPr>
+                        <a:t>xxl</a:t>
+                      </a:r>
+                    </a:p>
+                  </a:txBody>
+                  <a:tcPr>
+                    <a:lnL w="12700" cap="flat" cmpd="sng" algn="ctr">
+                      <a:solidFill>
+                        <a:srgbClr val="F0FD32"/>
+                      </a:solidFill>
+                      <a:prstDash val="solid"/>
+                      <a:round/>
+                      <a:headEnd type="none" w="med" len="med"/>
+                      <a:tailEnd type="none" w="med" len="med"/>
+                    </a:lnL>
+                    <a:lnR w="12700" cap="flat" cmpd="sng" algn="ctr">
+                      <a:solidFill>
+                        <a:srgbClr val="D0FD32"/>
+                      </a:solidFill>
+                      <a:prstDash val="solid"/>
+                      <a:round/>
+                      <a:headEnd type="none" w="med" len="med"/>
+                      <a:tailEnd type="none" w="med" len="med"/>
+                    </a:lnR>
+                    <a:lnT w="12700" cap="flat" cmpd="sng" algn="ctr">
+                      <a:solidFill>
+                        <a:srgbClr val="F0FD32"/>
+                      </a:solidFill>
+                      <a:prstDash val="solid"/>
+                      <a:round/>
+                      <a:headEnd type="none" w="med" len="med"/>
+                      <a:tailEnd type="none" w="med" len="med"/>
+                    </a:lnT>
+                    <a:lnB w="9525" cap="flat" cmpd="sng" algn="ctr">
+                      <a:solidFill>
+                        <a:srgbClr val="F0FD32"/>
+                      </a:solidFill>
+                      <a:prstDash val="solid"/>
+                      <a:round/>
+                      <a:headEnd type="none" w="med" len="med"/>
+                      <a:tailEnd type="none" w="med" len="med"/>
+                    </a:lnB>
+                    <a:solidFill>
+                      <a:srgbClr val="FFFFFF"/>
+                    </a:solidFill>
+                  </a:tcPr>
+                </a:tc>
+                <a:tc>
+                  <a:txBody>
+                    <a:bodyPr/>
+                    <a:lstStyle/>
+                    <a:p>
+                      <a:r>
+                        <a:rPr lang="en-US" dirty="0">
+                          <a:effectLst/>
+                          <a:latin typeface="Times New Roman" pitchFamily="18" charset="0"/>
+                          <a:cs typeface="Times New Roman" pitchFamily="18" charset="0"/>
+                        </a:rPr>
+                        <a:t>≥1400px</a:t>
+                      </a:r>
+                    </a:p>
+                  </a:txBody>
+                  <a:tcPr>
+                    <a:lnL w="12700" cap="flat" cmpd="sng" algn="ctr">
+                      <a:solidFill>
+                        <a:srgbClr val="D0FD32"/>
+                      </a:solidFill>
+                      <a:prstDash val="solid"/>
+                      <a:round/>
+                      <a:headEnd type="none" w="med" len="med"/>
+                      <a:tailEnd type="none" w="med" len="med"/>
+                    </a:lnL>
+                    <a:lnR w="12700" cap="flat" cmpd="sng" algn="ctr">
+                      <a:solidFill>
+                        <a:srgbClr val="D0FD32"/>
+                      </a:solidFill>
+                      <a:prstDash val="solid"/>
+                      <a:round/>
+                      <a:headEnd type="none" w="med" len="med"/>
+                      <a:tailEnd type="none" w="med" len="med"/>
+                    </a:lnR>
+                    <a:lnT w="12700" cap="flat" cmpd="sng" algn="ctr">
+                      <a:solidFill>
+                        <a:srgbClr val="D0FD32"/>
+                      </a:solidFill>
+                      <a:prstDash val="solid"/>
+                      <a:round/>
+                      <a:headEnd type="none" w="med" len="med"/>
+                      <a:tailEnd type="none" w="med" len="med"/>
+                    </a:lnT>
+                    <a:lnB w="9525" cap="flat" cmpd="sng" algn="ctr">
+                      <a:solidFill>
+                        <a:srgbClr val="D0FD32"/>
+                      </a:solidFill>
+                      <a:prstDash val="solid"/>
+                      <a:round/>
+                      <a:headEnd type="none" w="med" len="med"/>
+                      <a:tailEnd type="none" w="med" len="med"/>
+                    </a:lnB>
+                    <a:solidFill>
+                      <a:srgbClr val="FFFFFF"/>
+                    </a:solidFill>
+                  </a:tcPr>
+                </a:tc>
+              </a:tr>
+            </a:tbl>
+          </a:graphicData>
+        </a:graphic>
+      </p:graphicFrame>
+    </p:spTree>
+    <p:extLst>
+      <p:ext uri="{BB962C8B-B14F-4D97-AF65-F5344CB8AC3E}">
+        <p14:creationId xmlns:p14="http://schemas.microsoft.com/office/powerpoint/2010/main" val="1416108738"/>
       </p:ext>
     </p:extLst>
   </p:cSld>

--- a/靜態網頁.pptx
+++ b/靜態網頁.pptx
@@ -30,11 +30,12 @@
     <p:sldId id="278" r:id="rId24"/>
     <p:sldId id="279" r:id="rId25"/>
     <p:sldId id="280" r:id="rId26"/>
-    <p:sldId id="285" r:id="rId27"/>
-    <p:sldId id="281" r:id="rId28"/>
-    <p:sldId id="282" r:id="rId29"/>
-    <p:sldId id="283" r:id="rId30"/>
-    <p:sldId id="284" r:id="rId31"/>
+    <p:sldId id="286" r:id="rId27"/>
+    <p:sldId id="285" r:id="rId28"/>
+    <p:sldId id="281" r:id="rId29"/>
+    <p:sldId id="282" r:id="rId30"/>
+    <p:sldId id="283" r:id="rId31"/>
+    <p:sldId id="284" r:id="rId32"/>
   </p:sldIdLst>
   <p:sldSz cx="9144000" cy="6858000" type="screen4x3"/>
   <p:notesSz cx="6858000" cy="9144000"/>
@@ -135,7 +136,7 @@
   </p:defaultTextStyle>
   <p:extLst>
     <p:ext uri="{EFAFB233-063F-42B5-8137-9DF3F51BA10A}">
-      <p15:sldGuideLst xmlns:p15="http://schemas.microsoft.com/office/powerpoint/2012/main" xmlns="">
+      <p15:sldGuideLst xmlns="" xmlns:p15="http://schemas.microsoft.com/office/powerpoint/2012/main">
         <p15:guide id="1" orient="horz" pos="2160">
           <p15:clr>
             <a:srgbClr val="A4A3A4"/>
@@ -331,7 +332,7 @@
           <a:p>
             <a:fld id="{5BBEAD13-0566-4C6C-97E7-55F17F24B09F}" type="datetimeFigureOut">
               <a:rPr lang="zh-TW" altLang="en-US" smtClean="0"/>
-              <a:t>2021/7/16</a:t>
+              <a:t>2021/7/19</a:t>
             </a:fld>
             <a:endParaRPr lang="zh-TW" altLang="en-US"/>
           </a:p>
@@ -494,7 +495,7 @@
           <a:p>
             <a:fld id="{5BBEAD13-0566-4C6C-97E7-55F17F24B09F}" type="datetimeFigureOut">
               <a:rPr lang="zh-TW" altLang="en-US" smtClean="0"/>
-              <a:t>2021/7/16</a:t>
+              <a:t>2021/7/19</a:t>
             </a:fld>
             <a:endParaRPr lang="zh-TW" altLang="en-US"/>
           </a:p>
@@ -667,7 +668,7 @@
           <a:p>
             <a:fld id="{5BBEAD13-0566-4C6C-97E7-55F17F24B09F}" type="datetimeFigureOut">
               <a:rPr lang="zh-TW" altLang="en-US" smtClean="0"/>
-              <a:t>2021/7/16</a:t>
+              <a:t>2021/7/19</a:t>
             </a:fld>
             <a:endParaRPr lang="zh-TW" altLang="en-US"/>
           </a:p>
@@ -830,7 +831,7 @@
           <a:p>
             <a:fld id="{5BBEAD13-0566-4C6C-97E7-55F17F24B09F}" type="datetimeFigureOut">
               <a:rPr lang="zh-TW" altLang="en-US" smtClean="0"/>
-              <a:t>2021/7/16</a:t>
+              <a:t>2021/7/19</a:t>
             </a:fld>
             <a:endParaRPr lang="zh-TW" altLang="en-US"/>
           </a:p>
@@ -1070,7 +1071,7 @@
           <a:p>
             <a:fld id="{5BBEAD13-0566-4C6C-97E7-55F17F24B09F}" type="datetimeFigureOut">
               <a:rPr lang="zh-TW" altLang="en-US" smtClean="0"/>
-              <a:t>2021/7/16</a:t>
+              <a:t>2021/7/19</a:t>
             </a:fld>
             <a:endParaRPr lang="zh-TW" altLang="en-US"/>
           </a:p>
@@ -1350,7 +1351,7 @@
           <a:p>
             <a:fld id="{5BBEAD13-0566-4C6C-97E7-55F17F24B09F}" type="datetimeFigureOut">
               <a:rPr lang="zh-TW" altLang="en-US" smtClean="0"/>
-              <a:t>2021/7/16</a:t>
+              <a:t>2021/7/19</a:t>
             </a:fld>
             <a:endParaRPr lang="zh-TW" altLang="en-US"/>
           </a:p>
@@ -1764,7 +1765,7 @@
           <a:p>
             <a:fld id="{5BBEAD13-0566-4C6C-97E7-55F17F24B09F}" type="datetimeFigureOut">
               <a:rPr lang="zh-TW" altLang="en-US" smtClean="0"/>
-              <a:t>2021/7/16</a:t>
+              <a:t>2021/7/19</a:t>
             </a:fld>
             <a:endParaRPr lang="zh-TW" altLang="en-US"/>
           </a:p>
@@ -1876,7 +1877,7 @@
           <a:p>
             <a:fld id="{5BBEAD13-0566-4C6C-97E7-55F17F24B09F}" type="datetimeFigureOut">
               <a:rPr lang="zh-TW" altLang="en-US" smtClean="0"/>
-              <a:t>2021/7/16</a:t>
+              <a:t>2021/7/19</a:t>
             </a:fld>
             <a:endParaRPr lang="zh-TW" altLang="en-US"/>
           </a:p>
@@ -1966,7 +1967,7 @@
           <a:p>
             <a:fld id="{5BBEAD13-0566-4C6C-97E7-55F17F24B09F}" type="datetimeFigureOut">
               <a:rPr lang="zh-TW" altLang="en-US" smtClean="0"/>
-              <a:t>2021/7/16</a:t>
+              <a:t>2021/7/19</a:t>
             </a:fld>
             <a:endParaRPr lang="zh-TW" altLang="en-US"/>
           </a:p>
@@ -2236,7 +2237,7 @@
           <a:p>
             <a:fld id="{5BBEAD13-0566-4C6C-97E7-55F17F24B09F}" type="datetimeFigureOut">
               <a:rPr lang="zh-TW" altLang="en-US" smtClean="0"/>
-              <a:t>2021/7/16</a:t>
+              <a:t>2021/7/19</a:t>
             </a:fld>
             <a:endParaRPr lang="zh-TW" altLang="en-US"/>
           </a:p>
@@ -2483,7 +2484,7 @@
           <a:p>
             <a:fld id="{5BBEAD13-0566-4C6C-97E7-55F17F24B09F}" type="datetimeFigureOut">
               <a:rPr lang="zh-TW" altLang="en-US" smtClean="0"/>
-              <a:t>2021/7/16</a:t>
+              <a:t>2021/7/19</a:t>
             </a:fld>
             <a:endParaRPr lang="zh-TW" altLang="en-US"/>
           </a:p>
@@ -2689,7 +2690,7 @@
           <a:p>
             <a:fld id="{5BBEAD13-0566-4C6C-97E7-55F17F24B09F}" type="datetimeFigureOut">
               <a:rPr lang="zh-TW" altLang="en-US" smtClean="0"/>
-              <a:t>2021/7/16</a:t>
+              <a:t>2021/7/19</a:t>
             </a:fld>
             <a:endParaRPr lang="zh-TW" altLang="en-US"/>
           </a:p>
@@ -10568,11 +10569,11 @@
               <a:t>id, </a:t>
             </a:r>
             <a:r>
-              <a:rPr lang="en-US" altLang="zh-TW" dirty="0" err="1">
-                <a:latin typeface="Times New Roman" pitchFamily="18" charset="0"/>
-                <a:cs typeface="Times New Roman" pitchFamily="18" charset="0"/>
-              </a:rPr>
-              <a:t>clas</a:t>
+              <a:rPr lang="en-US" altLang="zh-TW" dirty="0" smtClean="0">
+                <a:latin typeface="Times New Roman" pitchFamily="18" charset="0"/>
+                <a:cs typeface="Times New Roman" pitchFamily="18" charset="0"/>
+              </a:rPr>
+              <a:t>class</a:t>
             </a:r>
             <a:endParaRPr lang="en-US" altLang="zh-TW" dirty="0">
               <a:latin typeface="Times New Roman" pitchFamily="18" charset="0"/>
@@ -11084,7 +11085,7 @@
           <p:cNvPr id="3" name="矩形 2">
             <a:extLst>
               <a:ext uri="{FF2B5EF4-FFF2-40B4-BE49-F238E27FC236}">
-                <a16:creationId xmlns:a16="http://schemas.microsoft.com/office/drawing/2014/main" xmlns="" id="{80C8FFE9-16BB-4576-9987-3923EE2858CC}"/>
+                <a16:creationId xmlns="" xmlns:a16="http://schemas.microsoft.com/office/drawing/2014/main" id="{80C8FFE9-16BB-4576-9987-3923EE2858CC}"/>
               </a:ext>
             </a:extLst>
           </p:cNvPr>
@@ -11154,7 +11155,7 @@
           <p:cNvPr id="7" name="矩形 6">
             <a:extLst>
               <a:ext uri="{FF2B5EF4-FFF2-40B4-BE49-F238E27FC236}">
-                <a16:creationId xmlns:a16="http://schemas.microsoft.com/office/drawing/2014/main" xmlns="" id="{B1BB70A7-FE06-4B9F-AE96-64395DA1E820}"/>
+                <a16:creationId xmlns="" xmlns:a16="http://schemas.microsoft.com/office/drawing/2014/main" id="{B1BB70A7-FE06-4B9F-AE96-64395DA1E820}"/>
               </a:ext>
             </a:extLst>
           </p:cNvPr>
@@ -11224,7 +11225,7 @@
           <p:cNvPr id="8" name="矩形 7">
             <a:extLst>
               <a:ext uri="{FF2B5EF4-FFF2-40B4-BE49-F238E27FC236}">
-                <a16:creationId xmlns:a16="http://schemas.microsoft.com/office/drawing/2014/main" xmlns="" id="{FFB26855-8B99-42B8-BD53-511EEEF5488D}"/>
+                <a16:creationId xmlns="" xmlns:a16="http://schemas.microsoft.com/office/drawing/2014/main" id="{FFB26855-8B99-42B8-BD53-511EEEF5488D}"/>
               </a:ext>
             </a:extLst>
           </p:cNvPr>
@@ -11294,7 +11295,7 @@
           <p:cNvPr id="10" name="矩形 9">
             <a:extLst>
               <a:ext uri="{FF2B5EF4-FFF2-40B4-BE49-F238E27FC236}">
-                <a16:creationId xmlns:a16="http://schemas.microsoft.com/office/drawing/2014/main" xmlns="" id="{995DD50E-BC18-474F-AE79-9FA3CA8FCE4C}"/>
+                <a16:creationId xmlns="" xmlns:a16="http://schemas.microsoft.com/office/drawing/2014/main" id="{995DD50E-BC18-474F-AE79-9FA3CA8FCE4C}"/>
               </a:ext>
             </a:extLst>
           </p:cNvPr>
@@ -12386,20 +12387,6 @@
                 <a:latin typeface="Times New Roman" pitchFamily="18" charset="0"/>
                 <a:cs typeface="Times New Roman" pitchFamily="18" charset="0"/>
               </a:rPr>
-              <a:t>CSS</a:t>
-            </a:r>
-            <a:r>
-              <a:rPr lang="zh-TW" altLang="en-US" dirty="0" smtClean="0">
-                <a:latin typeface="Times New Roman" pitchFamily="18" charset="0"/>
-                <a:cs typeface="Times New Roman" pitchFamily="18" charset="0"/>
-              </a:rPr>
-              <a:t> </a:t>
-            </a:r>
-            <a:r>
-              <a:rPr lang="en-US" altLang="zh-TW" dirty="0" smtClean="0">
-                <a:latin typeface="Times New Roman" pitchFamily="18" charset="0"/>
-                <a:cs typeface="Times New Roman" pitchFamily="18" charset="0"/>
-              </a:rPr>
               <a:t>Property</a:t>
             </a:r>
             <a:endParaRPr lang="en-US" altLang="zh-TW" dirty="0">
@@ -13059,11 +13046,11 @@
           <a:p>
             <a:pPr algn="ctr"/>
             <a:r>
-              <a:rPr lang="zh-TW" altLang="en-US" sz="2400" dirty="0" smtClean="0">
-                <a:latin typeface="Times New Roman" pitchFamily="18" charset="0"/>
-                <a:cs typeface="Times New Roman" pitchFamily="18" charset="0"/>
-              </a:rPr>
-              <a:t>作業一、靜態網頁</a:t>
+              <a:rPr lang="en-US" altLang="zh-TW" sz="2400" dirty="0" smtClean="0">
+                <a:latin typeface="Times New Roman" pitchFamily="18" charset="0"/>
+                <a:cs typeface="Times New Roman" pitchFamily="18" charset="0"/>
+              </a:rPr>
+              <a:t>Position</a:t>
             </a:r>
             <a:endParaRPr lang="zh-TW" altLang="en-US" sz="2400" dirty="0">
               <a:latin typeface="Times New Roman" pitchFamily="18" charset="0"/>
@@ -13133,11 +13120,18 @@
           <a:p>
             <a:pPr defTabSz="0"/>
             <a:r>
+              <a:rPr lang="en-US" altLang="zh-TW" dirty="0" smtClean="0">
+                <a:latin typeface="Times New Roman" pitchFamily="18" charset="0"/>
+                <a:cs typeface="Times New Roman" pitchFamily="18" charset="0"/>
+              </a:rPr>
+              <a:t>Position</a:t>
+            </a:r>
+            <a:r>
               <a:rPr lang="zh-TW" altLang="en-US" dirty="0" smtClean="0">
                 <a:latin typeface="Times New Roman" pitchFamily="18" charset="0"/>
                 <a:cs typeface="Times New Roman" pitchFamily="18" charset="0"/>
               </a:rPr>
-              <a:t>請寫出一個表單</a:t>
+              <a:t>：</a:t>
             </a:r>
             <a:endParaRPr lang="en-US" altLang="zh-TW" dirty="0" smtClean="0">
               <a:latin typeface="Times New Roman" pitchFamily="18" charset="0"/>
@@ -13151,7 +13145,383 @@
                 <a:latin typeface="Times New Roman" pitchFamily="18" charset="0"/>
                 <a:cs typeface="Times New Roman" pitchFamily="18" charset="0"/>
               </a:rPr>
-              <a:t>至少包含：</a:t>
+              <a:t>決定 </a:t>
+            </a:r>
+            <a:r>
+              <a:rPr lang="en-US" altLang="zh-TW" dirty="0" smtClean="0">
+                <a:latin typeface="Times New Roman" pitchFamily="18" charset="0"/>
+                <a:cs typeface="Times New Roman" pitchFamily="18" charset="0"/>
+              </a:rPr>
+              <a:t>Element </a:t>
+            </a:r>
+            <a:r>
+              <a:rPr lang="zh-TW" altLang="en-US" dirty="0" smtClean="0">
+                <a:latin typeface="Times New Roman" pitchFamily="18" charset="0"/>
+                <a:cs typeface="Times New Roman" pitchFamily="18" charset="0"/>
+              </a:rPr>
+              <a:t>位置的 </a:t>
+            </a:r>
+            <a:r>
+              <a:rPr lang="en-US" altLang="zh-TW" dirty="0" smtClean="0">
+                <a:latin typeface="Times New Roman" pitchFamily="18" charset="0"/>
+                <a:cs typeface="Times New Roman" pitchFamily="18" charset="0"/>
+              </a:rPr>
+              <a:t>Property</a:t>
+            </a:r>
+          </a:p>
+          <a:p>
+            <a:pPr defTabSz="0"/>
+            <a:r>
+              <a:rPr lang="en-US" altLang="zh-TW" dirty="0" smtClean="0">
+                <a:latin typeface="Times New Roman" pitchFamily="18" charset="0"/>
+                <a:cs typeface="Times New Roman" pitchFamily="18" charset="0"/>
+              </a:rPr>
+              <a:t>        .box {</a:t>
+            </a:r>
+          </a:p>
+          <a:p>
+            <a:pPr defTabSz="0"/>
+            <a:r>
+              <a:rPr lang="en-US" altLang="zh-TW" dirty="0" smtClean="0">
+                <a:latin typeface="Times New Roman" pitchFamily="18" charset="0"/>
+                <a:cs typeface="Times New Roman" pitchFamily="18" charset="0"/>
+              </a:rPr>
+              <a:t>            </a:t>
+            </a:r>
+            <a:r>
+              <a:rPr lang="en-US" altLang="zh-TW" dirty="0">
+                <a:latin typeface="Times New Roman" pitchFamily="18" charset="0"/>
+                <a:cs typeface="Times New Roman" pitchFamily="18" charset="0"/>
+              </a:rPr>
+              <a:t>position: </a:t>
+            </a:r>
+            <a:r>
+              <a:rPr lang="en-US" altLang="zh-TW" dirty="0" smtClean="0">
+                <a:latin typeface="Times New Roman" pitchFamily="18" charset="0"/>
+                <a:cs typeface="Times New Roman" pitchFamily="18" charset="0"/>
+              </a:rPr>
+              <a:t>static;</a:t>
+            </a:r>
+          </a:p>
+          <a:p>
+            <a:pPr defTabSz="0"/>
+            <a:r>
+              <a:rPr lang="en-US" altLang="zh-TW" dirty="0" smtClean="0">
+                <a:latin typeface="Times New Roman" pitchFamily="18" charset="0"/>
+                <a:cs typeface="Times New Roman" pitchFamily="18" charset="0"/>
+              </a:rPr>
+              <a:t>        }</a:t>
+            </a:r>
+            <a:endParaRPr lang="en-US" altLang="zh-TW" dirty="0">
+              <a:latin typeface="Times New Roman" pitchFamily="18" charset="0"/>
+              <a:cs typeface="Times New Roman" pitchFamily="18" charset="0"/>
+            </a:endParaRPr>
+          </a:p>
+          <a:p>
+            <a:pPr defTabSz="0"/>
+            <a:r>
+              <a:rPr lang="en-US" altLang="zh-TW" dirty="0">
+                <a:latin typeface="Times New Roman" pitchFamily="18" charset="0"/>
+                <a:cs typeface="Times New Roman" pitchFamily="18" charset="0"/>
+              </a:rPr>
+              <a:t>        .box {</a:t>
+            </a:r>
+          </a:p>
+          <a:p>
+            <a:pPr defTabSz="0"/>
+            <a:r>
+              <a:rPr lang="en-US" altLang="zh-TW" dirty="0">
+                <a:latin typeface="Times New Roman" pitchFamily="18" charset="0"/>
+                <a:cs typeface="Times New Roman" pitchFamily="18" charset="0"/>
+              </a:rPr>
+              <a:t>            position: </a:t>
+            </a:r>
+            <a:r>
+              <a:rPr lang="en-US" altLang="zh-TW" dirty="0" smtClean="0">
+                <a:solidFill>
+                  <a:srgbClr val="FF0000"/>
+                </a:solidFill>
+                <a:latin typeface="Times New Roman" pitchFamily="18" charset="0"/>
+                <a:cs typeface="Times New Roman" pitchFamily="18" charset="0"/>
+              </a:rPr>
+              <a:t>relative</a:t>
+            </a:r>
+            <a:r>
+              <a:rPr lang="en-US" altLang="zh-TW" dirty="0" smtClean="0">
+                <a:latin typeface="Times New Roman" pitchFamily="18" charset="0"/>
+                <a:cs typeface="Times New Roman" pitchFamily="18" charset="0"/>
+              </a:rPr>
+              <a:t>;</a:t>
+            </a:r>
+            <a:endParaRPr lang="en-US" altLang="zh-TW" dirty="0">
+              <a:latin typeface="Times New Roman" pitchFamily="18" charset="0"/>
+              <a:cs typeface="Times New Roman" pitchFamily="18" charset="0"/>
+            </a:endParaRPr>
+          </a:p>
+          <a:p>
+            <a:pPr defTabSz="0"/>
+            <a:r>
+              <a:rPr lang="en-US" altLang="zh-TW" dirty="0">
+                <a:latin typeface="Times New Roman" pitchFamily="18" charset="0"/>
+                <a:cs typeface="Times New Roman" pitchFamily="18" charset="0"/>
+              </a:rPr>
+              <a:t>        </a:t>
+            </a:r>
+            <a:r>
+              <a:rPr lang="en-US" altLang="zh-TW" dirty="0" smtClean="0">
+                <a:latin typeface="Times New Roman" pitchFamily="18" charset="0"/>
+                <a:cs typeface="Times New Roman" pitchFamily="18" charset="0"/>
+              </a:rPr>
+              <a:t>}</a:t>
+            </a:r>
+            <a:endParaRPr lang="en-US" altLang="zh-TW" dirty="0">
+              <a:latin typeface="Times New Roman" pitchFamily="18" charset="0"/>
+              <a:cs typeface="Times New Roman" pitchFamily="18" charset="0"/>
+            </a:endParaRPr>
+          </a:p>
+          <a:p>
+            <a:pPr defTabSz="0"/>
+            <a:r>
+              <a:rPr lang="en-US" altLang="zh-TW" dirty="0">
+                <a:latin typeface="Times New Roman" pitchFamily="18" charset="0"/>
+                <a:cs typeface="Times New Roman" pitchFamily="18" charset="0"/>
+              </a:rPr>
+              <a:t>        .box {</a:t>
+            </a:r>
+          </a:p>
+          <a:p>
+            <a:pPr defTabSz="0"/>
+            <a:r>
+              <a:rPr lang="en-US" altLang="zh-TW" dirty="0">
+                <a:latin typeface="Times New Roman" pitchFamily="18" charset="0"/>
+                <a:cs typeface="Times New Roman" pitchFamily="18" charset="0"/>
+              </a:rPr>
+              <a:t>            position: </a:t>
+            </a:r>
+            <a:r>
+              <a:rPr lang="en-US" altLang="zh-TW" dirty="0" smtClean="0">
+                <a:solidFill>
+                  <a:srgbClr val="FF0000"/>
+                </a:solidFill>
+                <a:latin typeface="Times New Roman" pitchFamily="18" charset="0"/>
+                <a:cs typeface="Times New Roman" pitchFamily="18" charset="0"/>
+              </a:rPr>
+              <a:t>fixed</a:t>
+            </a:r>
+            <a:r>
+              <a:rPr lang="en-US" altLang="zh-TW" dirty="0" smtClean="0">
+                <a:latin typeface="Times New Roman" pitchFamily="18" charset="0"/>
+                <a:cs typeface="Times New Roman" pitchFamily="18" charset="0"/>
+              </a:rPr>
+              <a:t>;</a:t>
+            </a:r>
+            <a:endParaRPr lang="en-US" altLang="zh-TW" dirty="0">
+              <a:latin typeface="Times New Roman" pitchFamily="18" charset="0"/>
+              <a:cs typeface="Times New Roman" pitchFamily="18" charset="0"/>
+            </a:endParaRPr>
+          </a:p>
+          <a:p>
+            <a:pPr defTabSz="0"/>
+            <a:r>
+              <a:rPr lang="en-US" altLang="zh-TW" dirty="0">
+                <a:latin typeface="Times New Roman" pitchFamily="18" charset="0"/>
+                <a:cs typeface="Times New Roman" pitchFamily="18" charset="0"/>
+              </a:rPr>
+              <a:t>        </a:t>
+            </a:r>
+            <a:r>
+              <a:rPr lang="en-US" altLang="zh-TW" dirty="0" smtClean="0">
+                <a:latin typeface="Times New Roman" pitchFamily="18" charset="0"/>
+                <a:cs typeface="Times New Roman" pitchFamily="18" charset="0"/>
+              </a:rPr>
+              <a:t>}</a:t>
+            </a:r>
+            <a:endParaRPr lang="en-US" altLang="zh-TW" dirty="0">
+              <a:latin typeface="Times New Roman" pitchFamily="18" charset="0"/>
+              <a:cs typeface="Times New Roman" pitchFamily="18" charset="0"/>
+            </a:endParaRPr>
+          </a:p>
+          <a:p>
+            <a:pPr defTabSz="0"/>
+            <a:r>
+              <a:rPr lang="en-US" altLang="zh-TW" dirty="0">
+                <a:latin typeface="Times New Roman" pitchFamily="18" charset="0"/>
+                <a:cs typeface="Times New Roman" pitchFamily="18" charset="0"/>
+              </a:rPr>
+              <a:t>        .box {</a:t>
+            </a:r>
+          </a:p>
+          <a:p>
+            <a:pPr defTabSz="0"/>
+            <a:r>
+              <a:rPr lang="en-US" altLang="zh-TW" dirty="0">
+                <a:latin typeface="Times New Roman" pitchFamily="18" charset="0"/>
+                <a:cs typeface="Times New Roman" pitchFamily="18" charset="0"/>
+              </a:rPr>
+              <a:t>            position: </a:t>
+            </a:r>
+            <a:r>
+              <a:rPr lang="en-US" altLang="zh-TW" dirty="0" smtClean="0">
+                <a:solidFill>
+                  <a:srgbClr val="FF0000"/>
+                </a:solidFill>
+                <a:latin typeface="Times New Roman" pitchFamily="18" charset="0"/>
+                <a:cs typeface="Times New Roman" pitchFamily="18" charset="0"/>
+              </a:rPr>
+              <a:t>absolute</a:t>
+            </a:r>
+            <a:r>
+              <a:rPr lang="en-US" altLang="zh-TW" dirty="0" smtClean="0">
+                <a:latin typeface="Times New Roman" pitchFamily="18" charset="0"/>
+                <a:cs typeface="Times New Roman" pitchFamily="18" charset="0"/>
+              </a:rPr>
+              <a:t>;</a:t>
+            </a:r>
+            <a:endParaRPr lang="en-US" altLang="zh-TW" dirty="0">
+              <a:latin typeface="Times New Roman" pitchFamily="18" charset="0"/>
+              <a:cs typeface="Times New Roman" pitchFamily="18" charset="0"/>
+            </a:endParaRPr>
+          </a:p>
+          <a:p>
+            <a:pPr defTabSz="0"/>
+            <a:r>
+              <a:rPr lang="en-US" altLang="zh-TW" dirty="0">
+                <a:latin typeface="Times New Roman" pitchFamily="18" charset="0"/>
+                <a:cs typeface="Times New Roman" pitchFamily="18" charset="0"/>
+              </a:rPr>
+              <a:t>        </a:t>
+            </a:r>
+            <a:r>
+              <a:rPr lang="en-US" altLang="zh-TW" dirty="0" smtClean="0">
+                <a:latin typeface="Times New Roman" pitchFamily="18" charset="0"/>
+                <a:cs typeface="Times New Roman" pitchFamily="18" charset="0"/>
+              </a:rPr>
+              <a:t>}</a:t>
+            </a:r>
+            <a:endParaRPr lang="en-US" altLang="zh-TW" dirty="0">
+              <a:latin typeface="Times New Roman" pitchFamily="18" charset="0"/>
+              <a:cs typeface="Times New Roman" pitchFamily="18" charset="0"/>
+            </a:endParaRPr>
+          </a:p>
+          <a:p>
+            <a:pPr defTabSz="0"/>
+            <a:r>
+              <a:rPr lang="en-US" altLang="zh-TW" dirty="0">
+                <a:latin typeface="Times New Roman" pitchFamily="18" charset="0"/>
+                <a:cs typeface="Times New Roman" pitchFamily="18" charset="0"/>
+              </a:rPr>
+              <a:t>        .box {</a:t>
+            </a:r>
+          </a:p>
+          <a:p>
+            <a:pPr defTabSz="0"/>
+            <a:r>
+              <a:rPr lang="en-US" altLang="zh-TW" dirty="0">
+                <a:latin typeface="Times New Roman" pitchFamily="18" charset="0"/>
+                <a:cs typeface="Times New Roman" pitchFamily="18" charset="0"/>
+              </a:rPr>
+              <a:t>            position: </a:t>
+            </a:r>
+            <a:r>
+              <a:rPr lang="en-US" altLang="zh-TW" dirty="0" smtClean="0">
+                <a:solidFill>
+                  <a:srgbClr val="FF0000"/>
+                </a:solidFill>
+                <a:latin typeface="Times New Roman" pitchFamily="18" charset="0"/>
+                <a:cs typeface="Times New Roman" pitchFamily="18" charset="0"/>
+              </a:rPr>
+              <a:t>sticky</a:t>
+            </a:r>
+            <a:r>
+              <a:rPr lang="en-US" altLang="zh-TW" dirty="0" smtClean="0">
+                <a:latin typeface="Times New Roman" pitchFamily="18" charset="0"/>
+                <a:cs typeface="Times New Roman" pitchFamily="18" charset="0"/>
+              </a:rPr>
+              <a:t>;</a:t>
+            </a:r>
+            <a:endParaRPr lang="en-US" altLang="zh-TW" dirty="0">
+              <a:latin typeface="Times New Roman" pitchFamily="18" charset="0"/>
+              <a:cs typeface="Times New Roman" pitchFamily="18" charset="0"/>
+            </a:endParaRPr>
+          </a:p>
+          <a:p>
+            <a:pPr defTabSz="0"/>
+            <a:r>
+              <a:rPr lang="en-US" altLang="zh-TW" dirty="0">
+                <a:latin typeface="Times New Roman" pitchFamily="18" charset="0"/>
+                <a:cs typeface="Times New Roman" pitchFamily="18" charset="0"/>
+              </a:rPr>
+              <a:t>        </a:t>
+            </a:r>
+            <a:r>
+              <a:rPr lang="en-US" altLang="zh-TW" dirty="0" smtClean="0">
+                <a:latin typeface="Times New Roman" pitchFamily="18" charset="0"/>
+                <a:cs typeface="Times New Roman" pitchFamily="18" charset="0"/>
+              </a:rPr>
+              <a:t>}</a:t>
+            </a:r>
+            <a:endParaRPr lang="en-US" altLang="zh-TW" dirty="0">
+              <a:latin typeface="Times New Roman" pitchFamily="18" charset="0"/>
+              <a:cs typeface="Times New Roman" pitchFamily="18" charset="0"/>
+            </a:endParaRPr>
+          </a:p>
+          <a:p>
+            <a:pPr defTabSz="0"/>
+            <a:r>
+              <a:rPr lang="zh-TW" altLang="en-US" dirty="0" smtClean="0">
+                <a:latin typeface="Times New Roman" pitchFamily="18" charset="0"/>
+                <a:cs typeface="Times New Roman" pitchFamily="18" charset="0"/>
+              </a:rPr>
+              <a:t>與</a:t>
+            </a:r>
+            <a:r>
+              <a:rPr lang="zh-TW" altLang="en-US" dirty="0">
+                <a:latin typeface="Times New Roman" pitchFamily="18" charset="0"/>
+                <a:cs typeface="Times New Roman" pitchFamily="18" charset="0"/>
+              </a:rPr>
+              <a:t> </a:t>
+            </a:r>
+            <a:r>
+              <a:rPr lang="en-US" altLang="zh-TW" dirty="0" smtClean="0">
+                <a:latin typeface="Times New Roman" pitchFamily="18" charset="0"/>
+                <a:cs typeface="Times New Roman" pitchFamily="18" charset="0"/>
+              </a:rPr>
+              <a:t>position </a:t>
+            </a:r>
+            <a:r>
+              <a:rPr lang="zh-TW" altLang="en-US" dirty="0" smtClean="0">
+                <a:latin typeface="Times New Roman" pitchFamily="18" charset="0"/>
+                <a:cs typeface="Times New Roman" pitchFamily="18" charset="0"/>
+              </a:rPr>
+              <a:t>搭配使用的 </a:t>
+            </a:r>
+            <a:r>
+              <a:rPr lang="en-US" altLang="zh-TW" dirty="0" smtClean="0">
+                <a:latin typeface="Times New Roman" pitchFamily="18" charset="0"/>
+                <a:cs typeface="Times New Roman" pitchFamily="18" charset="0"/>
+              </a:rPr>
+              <a:t>5</a:t>
+            </a:r>
+            <a:r>
+              <a:rPr lang="zh-TW" altLang="en-US" dirty="0" smtClean="0">
+                <a:latin typeface="Times New Roman" pitchFamily="18" charset="0"/>
+                <a:cs typeface="Times New Roman" pitchFamily="18" charset="0"/>
+              </a:rPr>
+              <a:t> 個 </a:t>
+            </a:r>
+            <a:r>
+              <a:rPr lang="en-US" altLang="zh-TW" dirty="0" smtClean="0">
+                <a:latin typeface="Times New Roman" pitchFamily="18" charset="0"/>
+                <a:cs typeface="Times New Roman" pitchFamily="18" charset="0"/>
+              </a:rPr>
+              <a:t>Property</a:t>
+            </a:r>
+            <a:r>
+              <a:rPr lang="zh-TW" altLang="en-US" dirty="0" smtClean="0">
+                <a:latin typeface="Times New Roman" pitchFamily="18" charset="0"/>
+                <a:cs typeface="Times New Roman" pitchFamily="18" charset="0"/>
+              </a:rPr>
+              <a:t>：</a:t>
             </a:r>
             <a:endParaRPr lang="en-US" altLang="zh-TW" dirty="0" smtClean="0">
               <a:latin typeface="Times New Roman" pitchFamily="18" charset="0"/>
@@ -13161,447 +13531,121 @@
           <a:p>
             <a:pPr defTabSz="0"/>
             <a:r>
+              <a:rPr lang="zh-TW" altLang="en-US" dirty="0">
+                <a:latin typeface="Times New Roman" pitchFamily="18" charset="0"/>
+                <a:cs typeface="Times New Roman" pitchFamily="18" charset="0"/>
+              </a:rPr>
+              <a:t> </a:t>
+            </a:r>
+            <a:r>
+              <a:rPr lang="zh-TW" altLang="en-US" dirty="0" smtClean="0">
+                <a:latin typeface="Times New Roman" pitchFamily="18" charset="0"/>
+                <a:cs typeface="Times New Roman" pitchFamily="18" charset="0"/>
+              </a:rPr>
+              <a:t>   </a:t>
+            </a:r>
+            <a:r>
               <a:rPr lang="en-US" altLang="zh-TW" dirty="0" smtClean="0">
-                <a:solidFill>
-                  <a:srgbClr val="FF0000"/>
-                </a:solidFill>
-                <a:latin typeface="Times New Roman" pitchFamily="18" charset="0"/>
-                <a:cs typeface="Times New Roman" pitchFamily="18" charset="0"/>
-              </a:rPr>
-              <a:t>1</a:t>
+                <a:latin typeface="Times New Roman" pitchFamily="18" charset="0"/>
+                <a:cs typeface="Times New Roman" pitchFamily="18" charset="0"/>
+              </a:rPr>
+              <a:t>top, right, bottom, left, z-index</a:t>
+            </a:r>
+            <a:endParaRPr lang="en-US" altLang="zh-TW" dirty="0" smtClean="0">
+              <a:latin typeface="Times New Roman" pitchFamily="18" charset="0"/>
+              <a:cs typeface="Times New Roman" pitchFamily="18" charset="0"/>
+            </a:endParaRPr>
+          </a:p>
+        </p:txBody>
+      </p:sp>
+      <p:cxnSp>
+        <p:nvCxnSpPr>
+          <p:cNvPr id="6" name="直線單箭頭接點 5"/>
+          <p:cNvCxnSpPr/>
+          <p:nvPr/>
+        </p:nvCxnSpPr>
+        <p:spPr>
+          <a:xfrm>
+            <a:off x="3059832" y="4621778"/>
+            <a:ext cx="1512168" cy="0"/>
+          </a:xfrm>
+          <a:prstGeom prst="straightConnector1">
+            <a:avLst/>
+          </a:prstGeom>
+          <a:ln w="19050">
+            <a:solidFill>
+              <a:srgbClr val="00B050"/>
+            </a:solidFill>
+            <a:tailEnd type="arrow"/>
+          </a:ln>
+        </p:spPr>
+        <p:style>
+          <a:lnRef idx="1">
+            <a:schemeClr val="accent1"/>
+          </a:lnRef>
+          <a:fillRef idx="0">
+            <a:schemeClr val="accent1"/>
+          </a:fillRef>
+          <a:effectRef idx="0">
+            <a:schemeClr val="accent1"/>
+          </a:effectRef>
+          <a:fontRef idx="minor">
+            <a:schemeClr val="tx1"/>
+          </a:fontRef>
+        </p:style>
+      </p:cxnSp>
+      <p:sp>
+        <p:nvSpPr>
+          <p:cNvPr id="7" name="文字方塊 6"/>
+          <p:cNvSpPr txBox="1"/>
+          <p:nvPr/>
+        </p:nvSpPr>
+        <p:spPr>
+          <a:xfrm>
+            <a:off x="4572000" y="4298613"/>
+            <a:ext cx="2160240" cy="646331"/>
+          </a:xfrm>
+          <a:prstGeom prst="rect">
+            <a:avLst/>
+          </a:prstGeom>
+          <a:noFill/>
+        </p:spPr>
+        <p:txBody>
+          <a:bodyPr wrap="square" rtlCol="0" anchor="ctr">
+            <a:spAutoFit/>
+          </a:bodyPr>
+          <a:lstStyle/>
+          <a:p>
+            <a:pPr algn="ctr"/>
+            <a:r>
+              <a:rPr lang="zh-TW" altLang="en-US" dirty="0">
+                <a:latin typeface="Times New Roman" pitchFamily="18" charset="0"/>
+                <a:cs typeface="Times New Roman" pitchFamily="18" charset="0"/>
+              </a:rPr>
+              <a:t>需要與其</a:t>
             </a:r>
             <a:r>
               <a:rPr lang="zh-TW" altLang="en-US" dirty="0" smtClean="0">
-                <a:solidFill>
-                  <a:srgbClr val="FF0000"/>
-                </a:solidFill>
-                <a:latin typeface="Times New Roman" pitchFamily="18" charset="0"/>
-                <a:cs typeface="Times New Roman" pitchFamily="18" charset="0"/>
-              </a:rPr>
-              <a:t>個文字輸入的地方</a:t>
-            </a:r>
-            <a:endParaRPr lang="en-US" altLang="zh-TW" dirty="0" smtClean="0">
-              <a:solidFill>
-                <a:srgbClr val="FF0000"/>
-              </a:solidFill>
-              <a:latin typeface="Times New Roman" pitchFamily="18" charset="0"/>
-              <a:cs typeface="Times New Roman" pitchFamily="18" charset="0"/>
-            </a:endParaRPr>
-          </a:p>
-          <a:p>
-            <a:pPr defTabSz="0"/>
+                <a:latin typeface="Times New Roman" pitchFamily="18" charset="0"/>
+                <a:cs typeface="Times New Roman" pitchFamily="18" charset="0"/>
+              </a:rPr>
+              <a:t>他 </a:t>
+            </a:r>
             <a:r>
               <a:rPr lang="en-US" altLang="zh-TW" dirty="0" smtClean="0">
-                <a:solidFill>
-                  <a:srgbClr val="FF0000"/>
-                </a:solidFill>
-                <a:latin typeface="Times New Roman" pitchFamily="18" charset="0"/>
-                <a:cs typeface="Times New Roman" pitchFamily="18" charset="0"/>
-              </a:rPr>
-              <a:t>1</a:t>
-            </a:r>
-            <a:r>
-              <a:rPr lang="zh-TW" altLang="en-US" dirty="0" smtClean="0">
-                <a:solidFill>
-                  <a:srgbClr val="FF0000"/>
-                </a:solidFill>
-                <a:latin typeface="Times New Roman" pitchFamily="18" charset="0"/>
-                <a:cs typeface="Times New Roman" pitchFamily="18" charset="0"/>
-              </a:rPr>
-              <a:t>個 </a:t>
-            </a:r>
-            <a:r>
-              <a:rPr lang="en-US" altLang="zh-TW" dirty="0" smtClean="0">
-                <a:solidFill>
-                  <a:srgbClr val="FF0000"/>
-                </a:solidFill>
-                <a:latin typeface="Times New Roman" pitchFamily="18" charset="0"/>
-                <a:cs typeface="Times New Roman" pitchFamily="18" charset="0"/>
-              </a:rPr>
-              <a:t>reset </a:t>
-            </a:r>
-            <a:r>
-              <a:rPr lang="zh-TW" altLang="en-US" dirty="0" smtClean="0">
-                <a:solidFill>
-                  <a:srgbClr val="FF0000"/>
-                </a:solidFill>
-                <a:latin typeface="Times New Roman" pitchFamily="18" charset="0"/>
-                <a:cs typeface="Times New Roman" pitchFamily="18" charset="0"/>
-              </a:rPr>
-              <a:t>按鈕</a:t>
-            </a:r>
-            <a:endParaRPr lang="en-US" altLang="zh-TW" dirty="0" smtClean="0">
-              <a:solidFill>
-                <a:srgbClr val="FF0000"/>
-              </a:solidFill>
-              <a:latin typeface="Times New Roman" pitchFamily="18" charset="0"/>
-              <a:cs typeface="Times New Roman" pitchFamily="18" charset="0"/>
-            </a:endParaRPr>
-          </a:p>
-          <a:p>
-            <a:pPr defTabSz="0"/>
-            <a:r>
-              <a:rPr lang="en-US" altLang="zh-TW" dirty="0" smtClean="0">
-                <a:solidFill>
-                  <a:srgbClr val="FF0000"/>
-                </a:solidFill>
-                <a:latin typeface="Times New Roman" pitchFamily="18" charset="0"/>
-                <a:cs typeface="Times New Roman" pitchFamily="18" charset="0"/>
-              </a:rPr>
-              <a:t>1</a:t>
-            </a:r>
-            <a:r>
-              <a:rPr lang="zh-TW" altLang="en-US" dirty="0" smtClean="0">
-                <a:solidFill>
-                  <a:srgbClr val="FF0000"/>
-                </a:solidFill>
-                <a:latin typeface="Times New Roman" pitchFamily="18" charset="0"/>
-                <a:cs typeface="Times New Roman" pitchFamily="18" charset="0"/>
-              </a:rPr>
-              <a:t>個 </a:t>
-            </a:r>
-            <a:r>
-              <a:rPr lang="en-US" altLang="zh-TW" dirty="0" smtClean="0">
-                <a:solidFill>
-                  <a:srgbClr val="FF0000"/>
-                </a:solidFill>
-                <a:latin typeface="Times New Roman" pitchFamily="18" charset="0"/>
-                <a:cs typeface="Times New Roman" pitchFamily="18" charset="0"/>
-              </a:rPr>
-              <a:t>sent </a:t>
-            </a:r>
-            <a:r>
-              <a:rPr lang="zh-TW" altLang="en-US" dirty="0" smtClean="0">
-                <a:solidFill>
-                  <a:srgbClr val="FF0000"/>
-                </a:solidFill>
-                <a:latin typeface="Times New Roman" pitchFamily="18" charset="0"/>
-                <a:cs typeface="Times New Roman" pitchFamily="18" charset="0"/>
-              </a:rPr>
-              <a:t>按鈕</a:t>
-            </a:r>
-            <a:endParaRPr lang="en-US" altLang="zh-TW" dirty="0" smtClean="0">
-              <a:solidFill>
-                <a:srgbClr val="FF0000"/>
-              </a:solidFill>
-              <a:latin typeface="Times New Roman" pitchFamily="18" charset="0"/>
-              <a:cs typeface="Times New Roman" pitchFamily="18" charset="0"/>
-            </a:endParaRPr>
-          </a:p>
-          <a:p>
-            <a:pPr defTabSz="0"/>
-            <a:r>
-              <a:rPr lang="zh-TW" altLang="en-US" dirty="0" smtClean="0">
-                <a:solidFill>
-                  <a:srgbClr val="FF0000"/>
-                </a:solidFill>
-                <a:latin typeface="Times New Roman" pitchFamily="18" charset="0"/>
-                <a:cs typeface="Times New Roman" pitchFamily="18" charset="0"/>
-              </a:rPr>
-              <a:t>表單外圍要</a:t>
-            </a:r>
-            <a:r>
-              <a:rPr lang="zh-TW" altLang="en-US" dirty="0">
-                <a:solidFill>
-                  <a:srgbClr val="FF0000"/>
-                </a:solidFill>
-                <a:latin typeface="Times New Roman" pitchFamily="18" charset="0"/>
-                <a:cs typeface="Times New Roman" pitchFamily="18" charset="0"/>
-              </a:rPr>
-              <a:t>設定</a:t>
-            </a:r>
-            <a:r>
-              <a:rPr lang="zh-TW" altLang="en-US" dirty="0" smtClean="0">
-                <a:solidFill>
-                  <a:srgbClr val="FF0000"/>
-                </a:solidFill>
-                <a:latin typeface="Times New Roman" pitchFamily="18" charset="0"/>
-                <a:cs typeface="Times New Roman" pitchFamily="18" charset="0"/>
-              </a:rPr>
-              <a:t> </a:t>
-            </a:r>
-            <a:r>
-              <a:rPr lang="en-US" altLang="zh-TW" dirty="0" smtClean="0">
-                <a:solidFill>
-                  <a:srgbClr val="FF0000"/>
-                </a:solidFill>
-                <a:latin typeface="Times New Roman" pitchFamily="18" charset="0"/>
-                <a:cs typeface="Times New Roman" pitchFamily="18" charset="0"/>
-              </a:rPr>
-              <a:t>border</a:t>
-            </a:r>
-            <a:endParaRPr lang="en-US" altLang="zh-TW" dirty="0">
-              <a:solidFill>
-                <a:srgbClr val="FF0000"/>
-              </a:solidFill>
-              <a:latin typeface="Times New Roman" pitchFamily="18" charset="0"/>
-              <a:cs typeface="Times New Roman" pitchFamily="18" charset="0"/>
-            </a:endParaRPr>
-          </a:p>
-          <a:p>
-            <a:pPr defTabSz="0"/>
-            <a:r>
-              <a:rPr lang="zh-TW" altLang="en-US" dirty="0">
-                <a:solidFill>
-                  <a:srgbClr val="FF0000"/>
-                </a:solidFill>
-                <a:latin typeface="Times New Roman" pitchFamily="18" charset="0"/>
-                <a:cs typeface="Times New Roman" pitchFamily="18" charset="0"/>
-              </a:rPr>
-              <a:t>表單</a:t>
-            </a:r>
-            <a:r>
-              <a:rPr lang="zh-TW" altLang="en-US" dirty="0" smtClean="0">
-                <a:solidFill>
-                  <a:srgbClr val="FF0000"/>
-                </a:solidFill>
-                <a:latin typeface="Times New Roman" pitchFamily="18" charset="0"/>
-                <a:cs typeface="Times New Roman" pitchFamily="18" charset="0"/>
-              </a:rPr>
-              <a:t>必須在畫面的中央</a:t>
-            </a:r>
-            <a:endParaRPr lang="en-US" altLang="zh-TW" dirty="0" smtClean="0">
-              <a:solidFill>
-                <a:srgbClr val="FF0000"/>
-              </a:solidFill>
-              <a:latin typeface="Times New Roman" pitchFamily="18" charset="0"/>
-              <a:cs typeface="Times New Roman" pitchFamily="18" charset="0"/>
-            </a:endParaRPr>
-          </a:p>
-          <a:p>
-            <a:pPr defTabSz="0"/>
-            <a:endParaRPr lang="en-US" altLang="zh-TW" dirty="0" smtClean="0">
-              <a:latin typeface="Times New Roman" pitchFamily="18" charset="0"/>
-              <a:cs typeface="Times New Roman" pitchFamily="18" charset="0"/>
-            </a:endParaRPr>
-          </a:p>
-          <a:p>
-            <a:pPr defTabSz="0"/>
-            <a:endParaRPr lang="en-US" altLang="zh-TW" dirty="0">
-              <a:latin typeface="Times New Roman" pitchFamily="18" charset="0"/>
-              <a:cs typeface="Times New Roman" pitchFamily="18" charset="0"/>
-            </a:endParaRPr>
-          </a:p>
-          <a:p>
-            <a:pPr defTabSz="0"/>
-            <a:r>
-              <a:rPr lang="zh-TW" altLang="en-US" dirty="0" smtClean="0">
-                <a:latin typeface="Times New Roman" pitchFamily="18" charset="0"/>
-                <a:cs typeface="Times New Roman" pitchFamily="18" charset="0"/>
-              </a:rPr>
-              <a:t>可以</a:t>
-            </a:r>
-            <a:r>
-              <a:rPr lang="zh-TW" altLang="en-US" dirty="0">
-                <a:latin typeface="Times New Roman" pitchFamily="18" charset="0"/>
-                <a:cs typeface="Times New Roman" pitchFamily="18" charset="0"/>
-              </a:rPr>
-              <a:t>去哪些</a:t>
-            </a:r>
-            <a:r>
-              <a:rPr lang="zh-TW" altLang="en-US" dirty="0" smtClean="0">
-                <a:latin typeface="Times New Roman" pitchFamily="18" charset="0"/>
-                <a:cs typeface="Times New Roman" pitchFamily="18" charset="0"/>
-              </a:rPr>
-              <a:t>網站查詢更多的語法跟說明：</a:t>
-            </a:r>
-            <a:endParaRPr lang="en-US" altLang="zh-TW" dirty="0" smtClean="0">
-              <a:latin typeface="Times New Roman" pitchFamily="18" charset="0"/>
-              <a:cs typeface="Times New Roman" pitchFamily="18" charset="0"/>
-            </a:endParaRPr>
-          </a:p>
-          <a:p>
-            <a:pPr defTabSz="0"/>
-            <a:endParaRPr lang="en-US" altLang="zh-TW" dirty="0">
-              <a:latin typeface="Times New Roman" pitchFamily="18" charset="0"/>
-              <a:cs typeface="Times New Roman" pitchFamily="18" charset="0"/>
-            </a:endParaRPr>
-          </a:p>
-          <a:p>
-            <a:pPr marL="342900" indent="-342900" defTabSz="0">
-              <a:buAutoNum type="arabicPeriod"/>
-            </a:pPr>
-            <a:r>
-              <a:rPr lang="en-US" altLang="zh-TW" dirty="0" smtClean="0">
-                <a:latin typeface="Times New Roman" pitchFamily="18" charset="0"/>
-                <a:cs typeface="Times New Roman" pitchFamily="18" charset="0"/>
-                <a:hlinkClick r:id="rId2"/>
-              </a:rPr>
-              <a:t>https</a:t>
-            </a:r>
-            <a:r>
-              <a:rPr lang="en-US" altLang="zh-TW" dirty="0">
-                <a:latin typeface="Times New Roman" pitchFamily="18" charset="0"/>
-                <a:cs typeface="Times New Roman" pitchFamily="18" charset="0"/>
-                <a:hlinkClick r:id="rId2"/>
-              </a:rPr>
-              <a:t>://www.w3schools.com</a:t>
-            </a:r>
-            <a:r>
-              <a:rPr lang="en-US" altLang="zh-TW" dirty="0" smtClean="0">
-                <a:latin typeface="Times New Roman" pitchFamily="18" charset="0"/>
-                <a:cs typeface="Times New Roman" pitchFamily="18" charset="0"/>
-                <a:hlinkClick r:id="rId2"/>
-              </a:rPr>
-              <a:t>/</a:t>
-            </a:r>
-            <a:r>
-              <a:rPr lang="en-US" altLang="zh-TW" dirty="0" smtClean="0">
-                <a:latin typeface="Times New Roman" pitchFamily="18" charset="0"/>
-                <a:cs typeface="Times New Roman" pitchFamily="18" charset="0"/>
-              </a:rPr>
-              <a:t> (</a:t>
-            </a:r>
-            <a:r>
-              <a:rPr lang="zh-TW" altLang="en-US" dirty="0" smtClean="0">
-                <a:latin typeface="Times New Roman" pitchFamily="18" charset="0"/>
-                <a:cs typeface="Times New Roman" pitchFamily="18" charset="0"/>
-              </a:rPr>
-              <a:t>請優先找這個網站</a:t>
-            </a:r>
-            <a:r>
-              <a:rPr lang="en-US" altLang="zh-TW" dirty="0" smtClean="0">
-                <a:latin typeface="Times New Roman" pitchFamily="18" charset="0"/>
-                <a:cs typeface="Times New Roman" pitchFamily="18" charset="0"/>
-              </a:rPr>
-              <a:t>)</a:t>
-            </a:r>
-          </a:p>
-          <a:p>
-            <a:pPr marL="342900" indent="-342900" defTabSz="0">
-              <a:buAutoNum type="arabicPeriod"/>
-            </a:pPr>
-            <a:endParaRPr lang="en-US" altLang="zh-TW" dirty="0" smtClean="0">
-              <a:latin typeface="Times New Roman" pitchFamily="18" charset="0"/>
-              <a:cs typeface="Times New Roman" pitchFamily="18" charset="0"/>
-            </a:endParaRPr>
-          </a:p>
-          <a:p>
-            <a:pPr marL="342900" indent="-342900" defTabSz="0">
-              <a:buAutoNum type="arabicPeriod"/>
-            </a:pPr>
-            <a:r>
-              <a:rPr lang="en-US" altLang="zh-TW" dirty="0">
-                <a:latin typeface="Times New Roman" pitchFamily="18" charset="0"/>
-                <a:cs typeface="Times New Roman" pitchFamily="18" charset="0"/>
-                <a:hlinkClick r:id="rId3"/>
-              </a:rPr>
-              <a:t>https://developer.mozilla.org</a:t>
-            </a:r>
-            <a:r>
-              <a:rPr lang="en-US" altLang="zh-TW" dirty="0" smtClean="0">
-                <a:latin typeface="Times New Roman" pitchFamily="18" charset="0"/>
-                <a:cs typeface="Times New Roman" pitchFamily="18" charset="0"/>
-                <a:hlinkClick r:id="rId3"/>
-              </a:rPr>
-              <a:t>/</a:t>
-            </a:r>
-            <a:r>
-              <a:rPr lang="zh-TW" altLang="en-US" dirty="0" smtClean="0">
-                <a:latin typeface="Times New Roman" pitchFamily="18" charset="0"/>
-                <a:cs typeface="Times New Roman" pitchFamily="18" charset="0"/>
-              </a:rPr>
-              <a:t> </a:t>
-            </a:r>
-            <a:r>
-              <a:rPr lang="en-US" altLang="zh-TW" dirty="0" smtClean="0">
-                <a:latin typeface="Times New Roman" pitchFamily="18" charset="0"/>
-                <a:cs typeface="Times New Roman" pitchFamily="18" charset="0"/>
-              </a:rPr>
-              <a:t>(</a:t>
-            </a:r>
-            <a:r>
-              <a:rPr lang="zh-TW" altLang="en-US" dirty="0" smtClean="0">
-                <a:latin typeface="Times New Roman" pitchFamily="18" charset="0"/>
-                <a:cs typeface="Times New Roman" pitchFamily="18" charset="0"/>
-              </a:rPr>
-              <a:t>可以參考 </a:t>
-            </a:r>
-            <a:r>
-              <a:rPr lang="en-US" altLang="zh-TW" dirty="0" err="1" smtClean="0">
-                <a:latin typeface="Times New Roman" pitchFamily="18" charset="0"/>
-                <a:cs typeface="Times New Roman" pitchFamily="18" charset="0"/>
-              </a:rPr>
-              <a:t>mozilla</a:t>
-            </a:r>
-            <a:r>
-              <a:rPr lang="en-US" altLang="zh-TW" dirty="0" smtClean="0">
-                <a:latin typeface="Times New Roman" pitchFamily="18" charset="0"/>
-                <a:cs typeface="Times New Roman" pitchFamily="18" charset="0"/>
-              </a:rPr>
-              <a:t>)</a:t>
-            </a:r>
-          </a:p>
-          <a:p>
-            <a:pPr marL="342900" indent="-342900" defTabSz="0">
-              <a:buAutoNum type="arabicPeriod"/>
-            </a:pPr>
-            <a:endParaRPr lang="en-US" altLang="zh-TW" dirty="0" smtClean="0">
-              <a:latin typeface="Times New Roman" pitchFamily="18" charset="0"/>
-              <a:cs typeface="Times New Roman" pitchFamily="18" charset="0"/>
-            </a:endParaRPr>
-          </a:p>
-          <a:p>
-            <a:pPr defTabSz="0"/>
-            <a:endParaRPr lang="en-US" altLang="zh-TW" dirty="0" smtClean="0">
-              <a:latin typeface="Times New Roman" pitchFamily="18" charset="0"/>
-              <a:cs typeface="Times New Roman" pitchFamily="18" charset="0"/>
-            </a:endParaRPr>
-          </a:p>
-          <a:p>
-            <a:pPr defTabSz="0"/>
-            <a:r>
-              <a:rPr lang="zh-TW" altLang="en-US" dirty="0" smtClean="0">
-                <a:latin typeface="Times New Roman" pitchFamily="18" charset="0"/>
-                <a:cs typeface="Times New Roman" pitchFamily="18" charset="0"/>
-              </a:rPr>
-              <a:t>這裡可以查詢哪些 </a:t>
-            </a:r>
-            <a:r>
-              <a:rPr lang="en-US" altLang="zh-TW" dirty="0" smtClean="0">
-                <a:latin typeface="Times New Roman" pitchFamily="18" charset="0"/>
-                <a:cs typeface="Times New Roman" pitchFamily="18" charset="0"/>
-              </a:rPr>
-              <a:t>HTML </a:t>
-            </a:r>
-            <a:r>
-              <a:rPr lang="zh-TW" altLang="en-US" dirty="0" smtClean="0">
-                <a:latin typeface="Times New Roman" pitchFamily="18" charset="0"/>
-                <a:cs typeface="Times New Roman" pitchFamily="18" charset="0"/>
-              </a:rPr>
-              <a:t>語法已經被廢棄：</a:t>
-            </a:r>
-            <a:endParaRPr lang="en-US" altLang="zh-TW" dirty="0" smtClean="0">
-              <a:latin typeface="Times New Roman" pitchFamily="18" charset="0"/>
-              <a:cs typeface="Times New Roman" pitchFamily="18" charset="0"/>
-            </a:endParaRPr>
-          </a:p>
-          <a:p>
-            <a:pPr defTabSz="0"/>
-            <a:r>
-              <a:rPr lang="en-US" altLang="zh-TW" dirty="0">
-                <a:latin typeface="Times New Roman" pitchFamily="18" charset="0"/>
-                <a:cs typeface="Times New Roman" pitchFamily="18" charset="0"/>
-                <a:hlinkClick r:id="rId4"/>
-              </a:rPr>
-              <a:t>https://</a:t>
-            </a:r>
-            <a:r>
-              <a:rPr lang="en-US" altLang="zh-TW" dirty="0" smtClean="0">
-                <a:latin typeface="Times New Roman" pitchFamily="18" charset="0"/>
-                <a:cs typeface="Times New Roman" pitchFamily="18" charset="0"/>
-                <a:hlinkClick r:id="rId4"/>
-              </a:rPr>
-              <a:t>dev.w3.org/html5/pf-summary/obsolete.html</a:t>
-            </a:r>
-            <a:r>
-              <a:rPr lang="zh-TW" altLang="en-US" dirty="0">
-                <a:latin typeface="Times New Roman" pitchFamily="18" charset="0"/>
-                <a:cs typeface="Times New Roman" pitchFamily="18" charset="0"/>
-              </a:rPr>
-              <a:t> </a:t>
-            </a:r>
-            <a:endParaRPr lang="en-US" altLang="zh-TW" dirty="0" smtClean="0">
+                <a:latin typeface="Times New Roman" pitchFamily="18" charset="0"/>
+                <a:cs typeface="Times New Roman" pitchFamily="18" charset="0"/>
+              </a:rPr>
+              <a:t>position value </a:t>
+            </a:r>
+            <a:r>
+              <a:rPr lang="zh-TW" altLang="en-US" smtClean="0">
+                <a:latin typeface="Times New Roman" pitchFamily="18" charset="0"/>
+                <a:cs typeface="Times New Roman" pitchFamily="18" charset="0"/>
+              </a:rPr>
+              <a:t>搭配使用</a:t>
+            </a:r>
+            <a:endParaRPr lang="zh-TW" altLang="en-US" dirty="0">
               <a:latin typeface="Times New Roman" pitchFamily="18" charset="0"/>
               <a:cs typeface="Times New Roman" pitchFamily="18" charset="0"/>
             </a:endParaRPr>
@@ -13611,7 +13655,7 @@
     </p:spTree>
     <p:extLst>
       <p:ext uri="{BB962C8B-B14F-4D97-AF65-F5344CB8AC3E}">
-        <p14:creationId xmlns:p14="http://schemas.microsoft.com/office/powerpoint/2010/main" val="2180015632"/>
+        <p14:creationId xmlns:p14="http://schemas.microsoft.com/office/powerpoint/2010/main" val="766986241"/>
       </p:ext>
     </p:extLst>
   </p:cSld>
@@ -13662,11 +13706,11 @@
           <a:p>
             <a:pPr algn="ctr"/>
             <a:r>
-              <a:rPr lang="en-US" altLang="zh-TW" sz="2400" smtClean="0">
-                <a:latin typeface="Times New Roman" pitchFamily="18" charset="0"/>
-                <a:cs typeface="Times New Roman" pitchFamily="18" charset="0"/>
-              </a:rPr>
-              <a:t>Bootstrap 5</a:t>
+              <a:rPr lang="zh-TW" altLang="en-US" sz="2400" dirty="0" smtClean="0">
+                <a:latin typeface="Times New Roman" pitchFamily="18" charset="0"/>
+                <a:cs typeface="Times New Roman" pitchFamily="18" charset="0"/>
+              </a:rPr>
+              <a:t>作業一、靜態網頁</a:t>
             </a:r>
             <a:endParaRPr lang="zh-TW" altLang="en-US" sz="2400" dirty="0">
               <a:latin typeface="Times New Roman" pitchFamily="18" charset="0"/>
@@ -13736,16 +13780,615 @@
           <a:p>
             <a:pPr defTabSz="0"/>
             <a:r>
+              <a:rPr lang="zh-TW" altLang="en-US" dirty="0" smtClean="0">
+                <a:latin typeface="Times New Roman" pitchFamily="18" charset="0"/>
+                <a:cs typeface="Times New Roman" pitchFamily="18" charset="0"/>
+              </a:rPr>
+              <a:t>請寫出一個表單</a:t>
+            </a:r>
+            <a:endParaRPr lang="en-US" altLang="zh-TW" dirty="0" smtClean="0">
+              <a:latin typeface="Times New Roman" pitchFamily="18" charset="0"/>
+              <a:cs typeface="Times New Roman" pitchFamily="18" charset="0"/>
+            </a:endParaRPr>
+          </a:p>
+          <a:p>
+            <a:pPr defTabSz="0"/>
+            <a:r>
+              <a:rPr lang="zh-TW" altLang="en-US" dirty="0" smtClean="0">
+                <a:latin typeface="Times New Roman" pitchFamily="18" charset="0"/>
+                <a:cs typeface="Times New Roman" pitchFamily="18" charset="0"/>
+              </a:rPr>
+              <a:t>至少包含：</a:t>
+            </a:r>
+            <a:endParaRPr lang="en-US" altLang="zh-TW" dirty="0" smtClean="0">
+              <a:latin typeface="Times New Roman" pitchFamily="18" charset="0"/>
+              <a:cs typeface="Times New Roman" pitchFamily="18" charset="0"/>
+            </a:endParaRPr>
+          </a:p>
+          <a:p>
+            <a:pPr defTabSz="0"/>
+            <a:r>
               <a:rPr lang="en-US" altLang="zh-TW" dirty="0" smtClean="0">
+                <a:solidFill>
+                  <a:srgbClr val="FF0000"/>
+                </a:solidFill>
+                <a:latin typeface="Times New Roman" pitchFamily="18" charset="0"/>
+                <a:cs typeface="Times New Roman" pitchFamily="18" charset="0"/>
+              </a:rPr>
+              <a:t>1</a:t>
+            </a:r>
+            <a:r>
+              <a:rPr lang="zh-TW" altLang="en-US" dirty="0" smtClean="0">
+                <a:solidFill>
+                  <a:srgbClr val="FF0000"/>
+                </a:solidFill>
+                <a:latin typeface="Times New Roman" pitchFamily="18" charset="0"/>
+                <a:cs typeface="Times New Roman" pitchFamily="18" charset="0"/>
+              </a:rPr>
+              <a:t>個文字輸入的地方</a:t>
+            </a:r>
+            <a:endParaRPr lang="en-US" altLang="zh-TW" dirty="0" smtClean="0">
+              <a:solidFill>
+                <a:srgbClr val="FF0000"/>
+              </a:solidFill>
+              <a:latin typeface="Times New Roman" pitchFamily="18" charset="0"/>
+              <a:cs typeface="Times New Roman" pitchFamily="18" charset="0"/>
+            </a:endParaRPr>
+          </a:p>
+          <a:p>
+            <a:pPr defTabSz="0"/>
+            <a:r>
+              <a:rPr lang="en-US" altLang="zh-TW" dirty="0" smtClean="0">
+                <a:solidFill>
+                  <a:srgbClr val="FF0000"/>
+                </a:solidFill>
+                <a:latin typeface="Times New Roman" pitchFamily="18" charset="0"/>
+                <a:cs typeface="Times New Roman" pitchFamily="18" charset="0"/>
+              </a:rPr>
+              <a:t>1</a:t>
+            </a:r>
+            <a:r>
+              <a:rPr lang="zh-TW" altLang="en-US" dirty="0" smtClean="0">
+                <a:solidFill>
+                  <a:srgbClr val="FF0000"/>
+                </a:solidFill>
+                <a:latin typeface="Times New Roman" pitchFamily="18" charset="0"/>
+                <a:cs typeface="Times New Roman" pitchFamily="18" charset="0"/>
+              </a:rPr>
+              <a:t>個 </a:t>
+            </a:r>
+            <a:r>
+              <a:rPr lang="en-US" altLang="zh-TW" dirty="0" smtClean="0">
+                <a:solidFill>
+                  <a:srgbClr val="FF0000"/>
+                </a:solidFill>
+                <a:latin typeface="Times New Roman" pitchFamily="18" charset="0"/>
+                <a:cs typeface="Times New Roman" pitchFamily="18" charset="0"/>
+              </a:rPr>
+              <a:t>reset </a:t>
+            </a:r>
+            <a:r>
+              <a:rPr lang="zh-TW" altLang="en-US" dirty="0" smtClean="0">
+                <a:solidFill>
+                  <a:srgbClr val="FF0000"/>
+                </a:solidFill>
+                <a:latin typeface="Times New Roman" pitchFamily="18" charset="0"/>
+                <a:cs typeface="Times New Roman" pitchFamily="18" charset="0"/>
+              </a:rPr>
+              <a:t>按鈕</a:t>
+            </a:r>
+            <a:endParaRPr lang="en-US" altLang="zh-TW" dirty="0" smtClean="0">
+              <a:solidFill>
+                <a:srgbClr val="FF0000"/>
+              </a:solidFill>
+              <a:latin typeface="Times New Roman" pitchFamily="18" charset="0"/>
+              <a:cs typeface="Times New Roman" pitchFamily="18" charset="0"/>
+            </a:endParaRPr>
+          </a:p>
+          <a:p>
+            <a:pPr defTabSz="0"/>
+            <a:r>
+              <a:rPr lang="en-US" altLang="zh-TW" dirty="0" smtClean="0">
+                <a:solidFill>
+                  <a:srgbClr val="FF0000"/>
+                </a:solidFill>
+                <a:latin typeface="Times New Roman" pitchFamily="18" charset="0"/>
+                <a:cs typeface="Times New Roman" pitchFamily="18" charset="0"/>
+              </a:rPr>
+              <a:t>1</a:t>
+            </a:r>
+            <a:r>
+              <a:rPr lang="zh-TW" altLang="en-US" dirty="0" smtClean="0">
+                <a:solidFill>
+                  <a:srgbClr val="FF0000"/>
+                </a:solidFill>
+                <a:latin typeface="Times New Roman" pitchFamily="18" charset="0"/>
+                <a:cs typeface="Times New Roman" pitchFamily="18" charset="0"/>
+              </a:rPr>
+              <a:t>個 </a:t>
+            </a:r>
+            <a:r>
+              <a:rPr lang="en-US" altLang="zh-TW" dirty="0" smtClean="0">
+                <a:solidFill>
+                  <a:srgbClr val="FF0000"/>
+                </a:solidFill>
+                <a:latin typeface="Times New Roman" pitchFamily="18" charset="0"/>
+                <a:cs typeface="Times New Roman" pitchFamily="18" charset="0"/>
+              </a:rPr>
+              <a:t>sent </a:t>
+            </a:r>
+            <a:r>
+              <a:rPr lang="zh-TW" altLang="en-US" dirty="0" smtClean="0">
+                <a:solidFill>
+                  <a:srgbClr val="FF0000"/>
+                </a:solidFill>
+                <a:latin typeface="Times New Roman" pitchFamily="18" charset="0"/>
+                <a:cs typeface="Times New Roman" pitchFamily="18" charset="0"/>
+              </a:rPr>
+              <a:t>按鈕</a:t>
+            </a:r>
+            <a:endParaRPr lang="en-US" altLang="zh-TW" dirty="0" smtClean="0">
+              <a:solidFill>
+                <a:srgbClr val="FF0000"/>
+              </a:solidFill>
+              <a:latin typeface="Times New Roman" pitchFamily="18" charset="0"/>
+              <a:cs typeface="Times New Roman" pitchFamily="18" charset="0"/>
+            </a:endParaRPr>
+          </a:p>
+          <a:p>
+            <a:pPr defTabSz="0"/>
+            <a:r>
+              <a:rPr lang="zh-TW" altLang="en-US" dirty="0" smtClean="0">
+                <a:solidFill>
+                  <a:srgbClr val="FF0000"/>
+                </a:solidFill>
+                <a:latin typeface="Times New Roman" pitchFamily="18" charset="0"/>
+                <a:cs typeface="Times New Roman" pitchFamily="18" charset="0"/>
+              </a:rPr>
+              <a:t>表單外圍要</a:t>
+            </a:r>
+            <a:r>
+              <a:rPr lang="zh-TW" altLang="en-US" dirty="0">
+                <a:solidFill>
+                  <a:srgbClr val="FF0000"/>
+                </a:solidFill>
+                <a:latin typeface="Times New Roman" pitchFamily="18" charset="0"/>
+                <a:cs typeface="Times New Roman" pitchFamily="18" charset="0"/>
+              </a:rPr>
+              <a:t>設定</a:t>
+            </a:r>
+            <a:r>
+              <a:rPr lang="zh-TW" altLang="en-US" dirty="0" smtClean="0">
+                <a:solidFill>
+                  <a:srgbClr val="FF0000"/>
+                </a:solidFill>
+                <a:latin typeface="Times New Roman" pitchFamily="18" charset="0"/>
+                <a:cs typeface="Times New Roman" pitchFamily="18" charset="0"/>
+              </a:rPr>
+              <a:t> </a:t>
+            </a:r>
+            <a:r>
+              <a:rPr lang="en-US" altLang="zh-TW" dirty="0" smtClean="0">
+                <a:solidFill>
+                  <a:srgbClr val="FF0000"/>
+                </a:solidFill>
+                <a:latin typeface="Times New Roman" pitchFamily="18" charset="0"/>
+                <a:cs typeface="Times New Roman" pitchFamily="18" charset="0"/>
+              </a:rPr>
+              <a:t>border</a:t>
+            </a:r>
+            <a:endParaRPr lang="en-US" altLang="zh-TW" dirty="0">
+              <a:solidFill>
+                <a:srgbClr val="FF0000"/>
+              </a:solidFill>
+              <a:latin typeface="Times New Roman" pitchFamily="18" charset="0"/>
+              <a:cs typeface="Times New Roman" pitchFamily="18" charset="0"/>
+            </a:endParaRPr>
+          </a:p>
+          <a:p>
+            <a:pPr defTabSz="0"/>
+            <a:r>
+              <a:rPr lang="zh-TW" altLang="en-US" dirty="0">
+                <a:solidFill>
+                  <a:srgbClr val="FF0000"/>
+                </a:solidFill>
+                <a:latin typeface="Times New Roman" pitchFamily="18" charset="0"/>
+                <a:cs typeface="Times New Roman" pitchFamily="18" charset="0"/>
+              </a:rPr>
+              <a:t>表單</a:t>
+            </a:r>
+            <a:r>
+              <a:rPr lang="zh-TW" altLang="en-US" dirty="0" smtClean="0">
+                <a:solidFill>
+                  <a:srgbClr val="FF0000"/>
+                </a:solidFill>
+                <a:latin typeface="Times New Roman" pitchFamily="18" charset="0"/>
+                <a:cs typeface="Times New Roman" pitchFamily="18" charset="0"/>
+              </a:rPr>
+              <a:t>必須在畫面的中央</a:t>
+            </a:r>
+            <a:endParaRPr lang="en-US" altLang="zh-TW" dirty="0" smtClean="0">
+              <a:solidFill>
+                <a:srgbClr val="FF0000"/>
+              </a:solidFill>
+              <a:latin typeface="Times New Roman" pitchFamily="18" charset="0"/>
+              <a:cs typeface="Times New Roman" pitchFamily="18" charset="0"/>
+            </a:endParaRPr>
+          </a:p>
+          <a:p>
+            <a:pPr defTabSz="0"/>
+            <a:endParaRPr lang="en-US" altLang="zh-TW" dirty="0" smtClean="0">
+              <a:latin typeface="Times New Roman" pitchFamily="18" charset="0"/>
+              <a:cs typeface="Times New Roman" pitchFamily="18" charset="0"/>
+            </a:endParaRPr>
+          </a:p>
+          <a:p>
+            <a:pPr defTabSz="0"/>
+            <a:endParaRPr lang="en-US" altLang="zh-TW" dirty="0">
+              <a:latin typeface="Times New Roman" pitchFamily="18" charset="0"/>
+              <a:cs typeface="Times New Roman" pitchFamily="18" charset="0"/>
+            </a:endParaRPr>
+          </a:p>
+          <a:p>
+            <a:pPr defTabSz="0"/>
+            <a:r>
+              <a:rPr lang="zh-TW" altLang="en-US" dirty="0" smtClean="0">
+                <a:latin typeface="Times New Roman" pitchFamily="18" charset="0"/>
+                <a:cs typeface="Times New Roman" pitchFamily="18" charset="0"/>
+              </a:rPr>
+              <a:t>可以</a:t>
+            </a:r>
+            <a:r>
+              <a:rPr lang="zh-TW" altLang="en-US" dirty="0">
+                <a:latin typeface="Times New Roman" pitchFamily="18" charset="0"/>
+                <a:cs typeface="Times New Roman" pitchFamily="18" charset="0"/>
+              </a:rPr>
+              <a:t>去哪些</a:t>
+            </a:r>
+            <a:r>
+              <a:rPr lang="zh-TW" altLang="en-US" dirty="0" smtClean="0">
+                <a:latin typeface="Times New Roman" pitchFamily="18" charset="0"/>
+                <a:cs typeface="Times New Roman" pitchFamily="18" charset="0"/>
+              </a:rPr>
+              <a:t>網站查詢更多的語法跟說明：</a:t>
+            </a:r>
+            <a:endParaRPr lang="en-US" altLang="zh-TW" dirty="0" smtClean="0">
+              <a:latin typeface="Times New Roman" pitchFamily="18" charset="0"/>
+              <a:cs typeface="Times New Roman" pitchFamily="18" charset="0"/>
+            </a:endParaRPr>
+          </a:p>
+          <a:p>
+            <a:pPr defTabSz="0"/>
+            <a:endParaRPr lang="en-US" altLang="zh-TW" dirty="0">
+              <a:latin typeface="Times New Roman" pitchFamily="18" charset="0"/>
+              <a:cs typeface="Times New Roman" pitchFamily="18" charset="0"/>
+            </a:endParaRPr>
+          </a:p>
+          <a:p>
+            <a:pPr marL="342900" indent="-342900" defTabSz="0">
+              <a:buAutoNum type="arabicPeriod"/>
+            </a:pPr>
+            <a:r>
+              <a:rPr lang="en-US" altLang="zh-TW" dirty="0" smtClean="0">
+                <a:latin typeface="Times New Roman" pitchFamily="18" charset="0"/>
+                <a:cs typeface="Times New Roman" pitchFamily="18" charset="0"/>
+                <a:hlinkClick r:id="rId2"/>
+              </a:rPr>
+              <a:t>https</a:t>
+            </a:r>
+            <a:r>
+              <a:rPr lang="en-US" altLang="zh-TW" dirty="0">
+                <a:latin typeface="Times New Roman" pitchFamily="18" charset="0"/>
+                <a:cs typeface="Times New Roman" pitchFamily="18" charset="0"/>
+                <a:hlinkClick r:id="rId2"/>
+              </a:rPr>
+              <a:t>://www.w3schools.com</a:t>
+            </a:r>
+            <a:r>
+              <a:rPr lang="en-US" altLang="zh-TW" dirty="0" smtClean="0">
+                <a:latin typeface="Times New Roman" pitchFamily="18" charset="0"/>
+                <a:cs typeface="Times New Roman" pitchFamily="18" charset="0"/>
+                <a:hlinkClick r:id="rId2"/>
+              </a:rPr>
+              <a:t>/</a:t>
+            </a:r>
+            <a:r>
+              <a:rPr lang="en-US" altLang="zh-TW" dirty="0" smtClean="0">
+                <a:latin typeface="Times New Roman" pitchFamily="18" charset="0"/>
+                <a:cs typeface="Times New Roman" pitchFamily="18" charset="0"/>
+              </a:rPr>
+              <a:t> (</a:t>
+            </a:r>
+            <a:r>
+              <a:rPr lang="zh-TW" altLang="en-US" dirty="0" smtClean="0">
+                <a:latin typeface="Times New Roman" pitchFamily="18" charset="0"/>
+                <a:cs typeface="Times New Roman" pitchFamily="18" charset="0"/>
+              </a:rPr>
+              <a:t>請優先找這個網站</a:t>
+            </a:r>
+            <a:r>
+              <a:rPr lang="en-US" altLang="zh-TW" dirty="0" smtClean="0">
+                <a:latin typeface="Times New Roman" pitchFamily="18" charset="0"/>
+                <a:cs typeface="Times New Roman" pitchFamily="18" charset="0"/>
+              </a:rPr>
+              <a:t>)</a:t>
+            </a:r>
+          </a:p>
+          <a:p>
+            <a:pPr marL="342900" indent="-342900" defTabSz="0">
+              <a:buAutoNum type="arabicPeriod"/>
+            </a:pPr>
+            <a:endParaRPr lang="en-US" altLang="zh-TW" dirty="0" smtClean="0">
+              <a:latin typeface="Times New Roman" pitchFamily="18" charset="0"/>
+              <a:cs typeface="Times New Roman" pitchFamily="18" charset="0"/>
+            </a:endParaRPr>
+          </a:p>
+          <a:p>
+            <a:pPr marL="342900" indent="-342900" defTabSz="0">
+              <a:buAutoNum type="arabicPeriod"/>
+            </a:pPr>
+            <a:r>
+              <a:rPr lang="en-US" altLang="zh-TW" dirty="0">
+                <a:latin typeface="Times New Roman" pitchFamily="18" charset="0"/>
+                <a:cs typeface="Times New Roman" pitchFamily="18" charset="0"/>
+                <a:hlinkClick r:id="rId3"/>
+              </a:rPr>
+              <a:t>https://developer.mozilla.org</a:t>
+            </a:r>
+            <a:r>
+              <a:rPr lang="en-US" altLang="zh-TW" dirty="0" smtClean="0">
+                <a:latin typeface="Times New Roman" pitchFamily="18" charset="0"/>
+                <a:cs typeface="Times New Roman" pitchFamily="18" charset="0"/>
+                <a:hlinkClick r:id="rId3"/>
+              </a:rPr>
+              <a:t>/</a:t>
+            </a:r>
+            <a:r>
+              <a:rPr lang="zh-TW" altLang="en-US" dirty="0" smtClean="0">
+                <a:latin typeface="Times New Roman" pitchFamily="18" charset="0"/>
+                <a:cs typeface="Times New Roman" pitchFamily="18" charset="0"/>
+              </a:rPr>
+              <a:t> </a:t>
+            </a:r>
+            <a:r>
+              <a:rPr lang="en-US" altLang="zh-TW" dirty="0" smtClean="0">
+                <a:latin typeface="Times New Roman" pitchFamily="18" charset="0"/>
+                <a:cs typeface="Times New Roman" pitchFamily="18" charset="0"/>
+              </a:rPr>
+              <a:t>(</a:t>
+            </a:r>
+            <a:r>
+              <a:rPr lang="zh-TW" altLang="en-US" dirty="0" smtClean="0">
+                <a:latin typeface="Times New Roman" pitchFamily="18" charset="0"/>
+                <a:cs typeface="Times New Roman" pitchFamily="18" charset="0"/>
+              </a:rPr>
+              <a:t>可以參考 </a:t>
+            </a:r>
+            <a:r>
+              <a:rPr lang="en-US" altLang="zh-TW" dirty="0" err="1" smtClean="0">
+                <a:latin typeface="Times New Roman" pitchFamily="18" charset="0"/>
+                <a:cs typeface="Times New Roman" pitchFamily="18" charset="0"/>
+              </a:rPr>
+              <a:t>mozilla</a:t>
+            </a:r>
+            <a:r>
+              <a:rPr lang="en-US" altLang="zh-TW" dirty="0" smtClean="0">
+                <a:latin typeface="Times New Roman" pitchFamily="18" charset="0"/>
+                <a:cs typeface="Times New Roman" pitchFamily="18" charset="0"/>
+              </a:rPr>
+              <a:t>)</a:t>
+            </a:r>
+          </a:p>
+          <a:p>
+            <a:pPr marL="342900" indent="-342900" defTabSz="0">
+              <a:buAutoNum type="arabicPeriod"/>
+            </a:pPr>
+            <a:endParaRPr lang="en-US" altLang="zh-TW" dirty="0" smtClean="0">
+              <a:latin typeface="Times New Roman" pitchFamily="18" charset="0"/>
+              <a:cs typeface="Times New Roman" pitchFamily="18" charset="0"/>
+            </a:endParaRPr>
+          </a:p>
+          <a:p>
+            <a:pPr defTabSz="0"/>
+            <a:endParaRPr lang="en-US" altLang="zh-TW" dirty="0" smtClean="0">
+              <a:latin typeface="Times New Roman" pitchFamily="18" charset="0"/>
+              <a:cs typeface="Times New Roman" pitchFamily="18" charset="0"/>
+            </a:endParaRPr>
+          </a:p>
+          <a:p>
+            <a:pPr defTabSz="0"/>
+            <a:r>
+              <a:rPr lang="zh-TW" altLang="en-US" dirty="0" smtClean="0">
+                <a:latin typeface="Times New Roman" pitchFamily="18" charset="0"/>
+                <a:cs typeface="Times New Roman" pitchFamily="18" charset="0"/>
+              </a:rPr>
+              <a:t>這裡可以查詢哪些 </a:t>
+            </a:r>
+            <a:r>
+              <a:rPr lang="en-US" altLang="zh-TW" dirty="0" smtClean="0">
+                <a:latin typeface="Times New Roman" pitchFamily="18" charset="0"/>
+                <a:cs typeface="Times New Roman" pitchFamily="18" charset="0"/>
+              </a:rPr>
+              <a:t>HTML </a:t>
+            </a:r>
+            <a:r>
+              <a:rPr lang="zh-TW" altLang="en-US" dirty="0" smtClean="0">
+                <a:latin typeface="Times New Roman" pitchFamily="18" charset="0"/>
+                <a:cs typeface="Times New Roman" pitchFamily="18" charset="0"/>
+              </a:rPr>
+              <a:t>語法已經被廢棄：</a:t>
+            </a:r>
+            <a:endParaRPr lang="en-US" altLang="zh-TW" dirty="0" smtClean="0">
+              <a:latin typeface="Times New Roman" pitchFamily="18" charset="0"/>
+              <a:cs typeface="Times New Roman" pitchFamily="18" charset="0"/>
+            </a:endParaRPr>
+          </a:p>
+          <a:p>
+            <a:pPr defTabSz="0"/>
+            <a:r>
+              <a:rPr lang="en-US" altLang="zh-TW" dirty="0">
+                <a:latin typeface="Times New Roman" pitchFamily="18" charset="0"/>
+                <a:cs typeface="Times New Roman" pitchFamily="18" charset="0"/>
+                <a:hlinkClick r:id="rId4"/>
+              </a:rPr>
+              <a:t>https://</a:t>
+            </a:r>
+            <a:r>
+              <a:rPr lang="en-US" altLang="zh-TW" dirty="0" smtClean="0">
+                <a:latin typeface="Times New Roman" pitchFamily="18" charset="0"/>
+                <a:cs typeface="Times New Roman" pitchFamily="18" charset="0"/>
+                <a:hlinkClick r:id="rId4"/>
+              </a:rPr>
+              <a:t>dev.w3.org/html5/pf-summary/obsolete.html</a:t>
+            </a:r>
+            <a:r>
+              <a:rPr lang="zh-TW" altLang="en-US" dirty="0">
+                <a:latin typeface="Times New Roman" pitchFamily="18" charset="0"/>
+                <a:cs typeface="Times New Roman" pitchFamily="18" charset="0"/>
+              </a:rPr>
+              <a:t> </a:t>
+            </a:r>
+            <a:endParaRPr lang="en-US" altLang="zh-TW" dirty="0" smtClean="0">
+              <a:latin typeface="Times New Roman" pitchFamily="18" charset="0"/>
+              <a:cs typeface="Times New Roman" pitchFamily="18" charset="0"/>
+            </a:endParaRPr>
+          </a:p>
+        </p:txBody>
+      </p:sp>
+    </p:spTree>
+    <p:extLst>
+      <p:ext uri="{BB962C8B-B14F-4D97-AF65-F5344CB8AC3E}">
+        <p14:creationId xmlns:p14="http://schemas.microsoft.com/office/powerpoint/2010/main" val="2180015632"/>
+      </p:ext>
+    </p:extLst>
+  </p:cSld>
+  <p:clrMapOvr>
+    <a:masterClrMapping/>
+  </p:clrMapOvr>
+</p:sld>
+</file>
+
+<file path=ppt/slides/slide28.xml><?xml version="1.0" encoding="utf-8"?>
+<p:sld xmlns:a="http://schemas.openxmlformats.org/drawingml/2006/main" xmlns:r="http://schemas.openxmlformats.org/officeDocument/2006/relationships" xmlns:p="http://schemas.openxmlformats.org/presentationml/2006/main">
+  <p:cSld>
+    <p:spTree>
+      <p:nvGrpSpPr>
+        <p:cNvPr id="1" name=""/>
+        <p:cNvGrpSpPr/>
+        <p:nvPr/>
+      </p:nvGrpSpPr>
+      <p:grpSpPr>
+        <a:xfrm>
+          <a:off x="0" y="0"/>
+          <a:ext cx="0" cy="0"/>
+          <a:chOff x="0" y="0"/>
+          <a:chExt cx="0" cy="0"/>
+        </a:xfrm>
+      </p:grpSpPr>
+      <p:sp>
+        <p:nvSpPr>
+          <p:cNvPr id="4" name="文字方塊 3"/>
+          <p:cNvSpPr txBox="1"/>
+          <p:nvPr/>
+        </p:nvSpPr>
+        <p:spPr>
+          <a:xfrm>
+            <a:off x="0" y="0"/>
+            <a:ext cx="9144000" cy="836712"/>
+          </a:xfrm>
+          <a:prstGeom prst="rect">
+            <a:avLst/>
+          </a:prstGeom>
+          <a:noFill/>
+        </p:spPr>
+        <p:txBody>
+          <a:bodyPr wrap="square" rtlCol="0" anchor="ctr">
+            <a:noAutofit/>
+          </a:bodyPr>
+          <a:lstStyle/>
+          <a:p>
+            <a:pPr algn="ctr"/>
+            <a:r>
+              <a:rPr lang="en-US" altLang="zh-TW" sz="2400" smtClean="0">
+                <a:latin typeface="Times New Roman" pitchFamily="18" charset="0"/>
+                <a:cs typeface="Times New Roman" pitchFamily="18" charset="0"/>
+              </a:rPr>
+              <a:t>Bootstrap 5</a:t>
+            </a:r>
+            <a:endParaRPr lang="zh-TW" altLang="en-US" sz="2400" dirty="0">
+              <a:latin typeface="Times New Roman" pitchFamily="18" charset="0"/>
+              <a:cs typeface="Times New Roman" pitchFamily="18" charset="0"/>
+            </a:endParaRPr>
+          </a:p>
+        </p:txBody>
+      </p:sp>
+      <p:sp>
+        <p:nvSpPr>
+          <p:cNvPr id="5" name="文字方塊 4"/>
+          <p:cNvSpPr txBox="1"/>
+          <p:nvPr/>
+        </p:nvSpPr>
+        <p:spPr>
+          <a:xfrm>
+            <a:off x="8711952" y="6573902"/>
+            <a:ext cx="432048" cy="276999"/>
+          </a:xfrm>
+          <a:prstGeom prst="rect">
+            <a:avLst/>
+          </a:prstGeom>
+          <a:noFill/>
+        </p:spPr>
+        <p:txBody>
+          <a:bodyPr wrap="square" rtlCol="0" anchor="ctr">
+            <a:spAutoFit/>
+          </a:bodyPr>
+          <a:lstStyle/>
+          <a:p>
+            <a:pPr algn="ctr"/>
+            <a:r>
+              <a:rPr lang="en-US" altLang="zh-TW" sz="1200" dirty="0" smtClean="0">
+                <a:latin typeface="Times New Roman" pitchFamily="18" charset="0"/>
+                <a:cs typeface="Times New Roman" pitchFamily="18" charset="0"/>
+              </a:rPr>
+              <a:t>28</a:t>
+            </a:r>
+            <a:endParaRPr lang="zh-TW" altLang="en-US" sz="1200" dirty="0">
+              <a:latin typeface="Times New Roman" pitchFamily="18" charset="0"/>
+              <a:cs typeface="Times New Roman" pitchFamily="18" charset="0"/>
+            </a:endParaRPr>
+          </a:p>
+        </p:txBody>
+      </p:sp>
+      <p:sp>
+        <p:nvSpPr>
+          <p:cNvPr id="38" name="文字方塊 37"/>
+          <p:cNvSpPr txBox="1"/>
+          <p:nvPr/>
+        </p:nvSpPr>
+        <p:spPr>
+          <a:xfrm>
+            <a:off x="503548" y="1124744"/>
+            <a:ext cx="8136904" cy="5328592"/>
+          </a:xfrm>
+          <a:prstGeom prst="rect">
+            <a:avLst/>
+          </a:prstGeom>
+          <a:noFill/>
+        </p:spPr>
+        <p:txBody>
+          <a:bodyPr wrap="square" rtlCol="0" anchor="t">
+            <a:noAutofit/>
+          </a:bodyPr>
+          <a:lstStyle/>
+          <a:p>
+            <a:pPr defTabSz="0"/>
+            <a:r>
+              <a:rPr lang="en-US" altLang="zh-TW" dirty="0" smtClean="0">
                 <a:latin typeface="Times New Roman" pitchFamily="18" charset="0"/>
                 <a:cs typeface="Times New Roman" pitchFamily="18" charset="0"/>
               </a:rPr>
               <a:t>How to use ?</a:t>
             </a:r>
-            <a:endParaRPr lang="en-US" altLang="zh-TW" dirty="0" smtClean="0">
-              <a:latin typeface="Times New Roman" pitchFamily="18" charset="0"/>
-              <a:cs typeface="Times New Roman" pitchFamily="18" charset="0"/>
-            </a:endParaRPr>
           </a:p>
         </p:txBody>
       </p:sp>
@@ -13838,7 +14481,7 @@
 </p:sld>
 </file>
 
-<file path=ppt/slides/slide28.xml><?xml version="1.0" encoding="utf-8"?>
+<file path=ppt/slides/slide29.xml><?xml version="1.0" encoding="utf-8"?>
 <p:sld xmlns:a="http://schemas.openxmlformats.org/drawingml/2006/main" xmlns:r="http://schemas.openxmlformats.org/officeDocument/2006/relationships" xmlns:p="http://schemas.openxmlformats.org/presentationml/2006/main">
   <p:cSld>
     <p:spTree>
@@ -13920,7 +14563,7 @@
                 <a:latin typeface="Times New Roman" pitchFamily="18" charset="0"/>
                 <a:cs typeface="Times New Roman" pitchFamily="18" charset="0"/>
               </a:rPr>
-              <a:t>28</a:t>
+              <a:t>29</a:t>
             </a:r>
             <a:endParaRPr lang="zh-TW" altLang="en-US" sz="1200" dirty="0">
               <a:latin typeface="Times New Roman" pitchFamily="18" charset="0"/>
@@ -13959,10 +14602,6 @@
               </a:rPr>
               <a:t>How to use ?</a:t>
             </a:r>
-            <a:endParaRPr lang="en-US" altLang="zh-TW" dirty="0" smtClean="0">
-              <a:latin typeface="Times New Roman" pitchFamily="18" charset="0"/>
-              <a:cs typeface="Times New Roman" pitchFamily="18" charset="0"/>
-            </a:endParaRPr>
           </a:p>
         </p:txBody>
       </p:sp>
@@ -14101,170 +14740,6 @@
 </p:sld>
 </file>
 
-<file path=ppt/slides/slide29.xml><?xml version="1.0" encoding="utf-8"?>
-<p:sld xmlns:a="http://schemas.openxmlformats.org/drawingml/2006/main" xmlns:r="http://schemas.openxmlformats.org/officeDocument/2006/relationships" xmlns:p="http://schemas.openxmlformats.org/presentationml/2006/main">
-  <p:cSld>
-    <p:spTree>
-      <p:nvGrpSpPr>
-        <p:cNvPr id="1" name=""/>
-        <p:cNvGrpSpPr/>
-        <p:nvPr/>
-      </p:nvGrpSpPr>
-      <p:grpSpPr>
-        <a:xfrm>
-          <a:off x="0" y="0"/>
-          <a:ext cx="0" cy="0"/>
-          <a:chOff x="0" y="0"/>
-          <a:chExt cx="0" cy="0"/>
-        </a:xfrm>
-      </p:grpSpPr>
-      <p:sp>
-        <p:nvSpPr>
-          <p:cNvPr id="4" name="文字方塊 3"/>
-          <p:cNvSpPr txBox="1"/>
-          <p:nvPr/>
-        </p:nvSpPr>
-        <p:spPr>
-          <a:xfrm>
-            <a:off x="0" y="0"/>
-            <a:ext cx="9144000" cy="836712"/>
-          </a:xfrm>
-          <a:prstGeom prst="rect">
-            <a:avLst/>
-          </a:prstGeom>
-          <a:noFill/>
-        </p:spPr>
-        <p:txBody>
-          <a:bodyPr wrap="square" rtlCol="0" anchor="ctr">
-            <a:noAutofit/>
-          </a:bodyPr>
-          <a:lstStyle/>
-          <a:p>
-            <a:pPr algn="ctr"/>
-            <a:r>
-              <a:rPr lang="en-US" altLang="zh-TW" sz="2400" smtClean="0">
-                <a:latin typeface="Times New Roman" pitchFamily="18" charset="0"/>
-                <a:cs typeface="Times New Roman" pitchFamily="18" charset="0"/>
-              </a:rPr>
-              <a:t>Bootstrap 5</a:t>
-            </a:r>
-            <a:endParaRPr lang="zh-TW" altLang="en-US" sz="2400" dirty="0">
-              <a:latin typeface="Times New Roman" pitchFamily="18" charset="0"/>
-              <a:cs typeface="Times New Roman" pitchFamily="18" charset="0"/>
-            </a:endParaRPr>
-          </a:p>
-        </p:txBody>
-      </p:sp>
-      <p:sp>
-        <p:nvSpPr>
-          <p:cNvPr id="5" name="文字方塊 4"/>
-          <p:cNvSpPr txBox="1"/>
-          <p:nvPr/>
-        </p:nvSpPr>
-        <p:spPr>
-          <a:xfrm>
-            <a:off x="8711952" y="6573902"/>
-            <a:ext cx="432048" cy="276999"/>
-          </a:xfrm>
-          <a:prstGeom prst="rect">
-            <a:avLst/>
-          </a:prstGeom>
-          <a:noFill/>
-        </p:spPr>
-        <p:txBody>
-          <a:bodyPr wrap="square" rtlCol="0" anchor="ctr">
-            <a:spAutoFit/>
-          </a:bodyPr>
-          <a:lstStyle/>
-          <a:p>
-            <a:pPr algn="ctr"/>
-            <a:r>
-              <a:rPr lang="en-US" altLang="zh-TW" sz="1200" dirty="0" smtClean="0">
-                <a:latin typeface="Times New Roman" pitchFamily="18" charset="0"/>
-                <a:cs typeface="Times New Roman" pitchFamily="18" charset="0"/>
-              </a:rPr>
-              <a:t>29</a:t>
-            </a:r>
-            <a:endParaRPr lang="zh-TW" altLang="en-US" sz="1200" dirty="0">
-              <a:latin typeface="Times New Roman" pitchFamily="18" charset="0"/>
-              <a:cs typeface="Times New Roman" pitchFamily="18" charset="0"/>
-            </a:endParaRPr>
-          </a:p>
-        </p:txBody>
-      </p:sp>
-      <p:sp>
-        <p:nvSpPr>
-          <p:cNvPr id="38" name="文字方塊 37"/>
-          <p:cNvSpPr txBox="1"/>
-          <p:nvPr/>
-        </p:nvSpPr>
-        <p:spPr>
-          <a:xfrm>
-            <a:off x="503548" y="1124744"/>
-            <a:ext cx="8136904" cy="5328592"/>
-          </a:xfrm>
-          <a:prstGeom prst="rect">
-            <a:avLst/>
-          </a:prstGeom>
-          <a:noFill/>
-        </p:spPr>
-        <p:txBody>
-          <a:bodyPr wrap="square" rtlCol="0" anchor="t">
-            <a:noAutofit/>
-          </a:bodyPr>
-          <a:lstStyle/>
-          <a:p>
-            <a:pPr defTabSz="0"/>
-            <a:endParaRPr lang="en-US" altLang="zh-TW" dirty="0" smtClean="0">
-              <a:latin typeface="Times New Roman" pitchFamily="18" charset="0"/>
-              <a:cs typeface="Times New Roman" pitchFamily="18" charset="0"/>
-            </a:endParaRPr>
-          </a:p>
-        </p:txBody>
-      </p:sp>
-      <p:pic>
-        <p:nvPicPr>
-          <p:cNvPr id="2" name="圖片 1"/>
-          <p:cNvPicPr>
-            <a:picLocks noChangeAspect="1"/>
-          </p:cNvPicPr>
-          <p:nvPr/>
-        </p:nvPicPr>
-        <p:blipFill>
-          <a:blip r:embed="rId2">
-            <a:extLst>
-              <a:ext uri="{28A0092B-C50C-407E-A947-70E740481C1C}">
-                <a14:useLocalDpi xmlns:a14="http://schemas.microsoft.com/office/drawing/2010/main" val="0"/>
-              </a:ext>
-            </a:extLst>
-          </a:blip>
-          <a:stretch>
-            <a:fillRect/>
-          </a:stretch>
-        </p:blipFill>
-        <p:spPr>
-          <a:xfrm>
-            <a:off x="990600" y="1093093"/>
-            <a:ext cx="7162800" cy="5324475"/>
-          </a:xfrm>
-          <a:prstGeom prst="rect">
-            <a:avLst/>
-          </a:prstGeom>
-        </p:spPr>
-      </p:pic>
-    </p:spTree>
-    <p:extLst>
-      <p:ext uri="{BB962C8B-B14F-4D97-AF65-F5344CB8AC3E}">
-        <p14:creationId xmlns:p14="http://schemas.microsoft.com/office/powerpoint/2010/main" val="179234169"/>
-      </p:ext>
-    </p:extLst>
-  </p:cSld>
-  <p:clrMapOvr>
-    <a:masterClrMapping/>
-  </p:clrMapOvr>
-</p:sld>
-</file>
-
 <file path=ppt/slides/slide3.xml><?xml version="1.0" encoding="utf-8"?>
 <p:sld xmlns:a="http://schemas.openxmlformats.org/drawingml/2006/main" xmlns:r="http://schemas.openxmlformats.org/officeDocument/2006/relationships" xmlns:p="http://schemas.openxmlformats.org/presentationml/2006/main">
   <p:cSld>
@@ -14677,6 +15152,170 @@
           <a:lstStyle/>
           <a:p>
             <a:pPr defTabSz="0"/>
+            <a:endParaRPr lang="en-US" altLang="zh-TW" dirty="0" smtClean="0">
+              <a:latin typeface="Times New Roman" pitchFamily="18" charset="0"/>
+              <a:cs typeface="Times New Roman" pitchFamily="18" charset="0"/>
+            </a:endParaRPr>
+          </a:p>
+        </p:txBody>
+      </p:sp>
+      <p:pic>
+        <p:nvPicPr>
+          <p:cNvPr id="2" name="圖片 1"/>
+          <p:cNvPicPr>
+            <a:picLocks noChangeAspect="1"/>
+          </p:cNvPicPr>
+          <p:nvPr/>
+        </p:nvPicPr>
+        <p:blipFill>
+          <a:blip r:embed="rId2">
+            <a:extLst>
+              <a:ext uri="{28A0092B-C50C-407E-A947-70E740481C1C}">
+                <a14:useLocalDpi xmlns:a14="http://schemas.microsoft.com/office/drawing/2010/main" val="0"/>
+              </a:ext>
+            </a:extLst>
+          </a:blip>
+          <a:stretch>
+            <a:fillRect/>
+          </a:stretch>
+        </p:blipFill>
+        <p:spPr>
+          <a:xfrm>
+            <a:off x="990600" y="1093093"/>
+            <a:ext cx="7162800" cy="5324475"/>
+          </a:xfrm>
+          <a:prstGeom prst="rect">
+            <a:avLst/>
+          </a:prstGeom>
+        </p:spPr>
+      </p:pic>
+    </p:spTree>
+    <p:extLst>
+      <p:ext uri="{BB962C8B-B14F-4D97-AF65-F5344CB8AC3E}">
+        <p14:creationId xmlns:p14="http://schemas.microsoft.com/office/powerpoint/2010/main" val="179234169"/>
+      </p:ext>
+    </p:extLst>
+  </p:cSld>
+  <p:clrMapOvr>
+    <a:masterClrMapping/>
+  </p:clrMapOvr>
+</p:sld>
+</file>
+
+<file path=ppt/slides/slide31.xml><?xml version="1.0" encoding="utf-8"?>
+<p:sld xmlns:a="http://schemas.openxmlformats.org/drawingml/2006/main" xmlns:r="http://schemas.openxmlformats.org/officeDocument/2006/relationships" xmlns:p="http://schemas.openxmlformats.org/presentationml/2006/main">
+  <p:cSld>
+    <p:spTree>
+      <p:nvGrpSpPr>
+        <p:cNvPr id="1" name=""/>
+        <p:cNvGrpSpPr/>
+        <p:nvPr/>
+      </p:nvGrpSpPr>
+      <p:grpSpPr>
+        <a:xfrm>
+          <a:off x="0" y="0"/>
+          <a:ext cx="0" cy="0"/>
+          <a:chOff x="0" y="0"/>
+          <a:chExt cx="0" cy="0"/>
+        </a:xfrm>
+      </p:grpSpPr>
+      <p:sp>
+        <p:nvSpPr>
+          <p:cNvPr id="4" name="文字方塊 3"/>
+          <p:cNvSpPr txBox="1"/>
+          <p:nvPr/>
+        </p:nvSpPr>
+        <p:spPr>
+          <a:xfrm>
+            <a:off x="0" y="0"/>
+            <a:ext cx="9144000" cy="836712"/>
+          </a:xfrm>
+          <a:prstGeom prst="rect">
+            <a:avLst/>
+          </a:prstGeom>
+          <a:noFill/>
+        </p:spPr>
+        <p:txBody>
+          <a:bodyPr wrap="square" rtlCol="0" anchor="ctr">
+            <a:noAutofit/>
+          </a:bodyPr>
+          <a:lstStyle/>
+          <a:p>
+            <a:pPr algn="ctr"/>
+            <a:r>
+              <a:rPr lang="en-US" altLang="zh-TW" sz="2400" smtClean="0">
+                <a:latin typeface="Times New Roman" pitchFamily="18" charset="0"/>
+                <a:cs typeface="Times New Roman" pitchFamily="18" charset="0"/>
+              </a:rPr>
+              <a:t>Bootstrap 5</a:t>
+            </a:r>
+            <a:endParaRPr lang="zh-TW" altLang="en-US" sz="2400" dirty="0">
+              <a:latin typeface="Times New Roman" pitchFamily="18" charset="0"/>
+              <a:cs typeface="Times New Roman" pitchFamily="18" charset="0"/>
+            </a:endParaRPr>
+          </a:p>
+        </p:txBody>
+      </p:sp>
+      <p:sp>
+        <p:nvSpPr>
+          <p:cNvPr id="5" name="文字方塊 4"/>
+          <p:cNvSpPr txBox="1"/>
+          <p:nvPr/>
+        </p:nvSpPr>
+        <p:spPr>
+          <a:xfrm>
+            <a:off x="8711952" y="6573902"/>
+            <a:ext cx="432048" cy="276999"/>
+          </a:xfrm>
+          <a:prstGeom prst="rect">
+            <a:avLst/>
+          </a:prstGeom>
+          <a:noFill/>
+        </p:spPr>
+        <p:txBody>
+          <a:bodyPr wrap="square" rtlCol="0" anchor="ctr">
+            <a:spAutoFit/>
+          </a:bodyPr>
+          <a:lstStyle/>
+          <a:p>
+            <a:pPr algn="ctr"/>
+            <a:r>
+              <a:rPr lang="en-US" altLang="zh-TW" sz="1200" dirty="0" smtClean="0">
+                <a:latin typeface="Times New Roman" pitchFamily="18" charset="0"/>
+                <a:cs typeface="Times New Roman" pitchFamily="18" charset="0"/>
+              </a:rPr>
+              <a:t>31</a:t>
+            </a:r>
+            <a:endParaRPr lang="zh-TW" altLang="en-US" sz="1200" dirty="0">
+              <a:latin typeface="Times New Roman" pitchFamily="18" charset="0"/>
+              <a:cs typeface="Times New Roman" pitchFamily="18" charset="0"/>
+            </a:endParaRPr>
+          </a:p>
+        </p:txBody>
+      </p:sp>
+      <p:sp>
+        <p:nvSpPr>
+          <p:cNvPr id="38" name="文字方塊 37"/>
+          <p:cNvSpPr txBox="1"/>
+          <p:nvPr/>
+        </p:nvSpPr>
+        <p:spPr>
+          <a:xfrm>
+            <a:off x="503548" y="1124744"/>
+            <a:ext cx="8136904" cy="5328592"/>
+          </a:xfrm>
+          <a:prstGeom prst="rect">
+            <a:avLst/>
+          </a:prstGeom>
+          <a:noFill/>
+        </p:spPr>
+        <p:txBody>
+          <a:bodyPr wrap="square" rtlCol="0" anchor="t">
+            <a:noAutofit/>
+          </a:bodyPr>
+          <a:lstStyle/>
+          <a:p>
+            <a:pPr defTabSz="0"/>
             <a:r>
               <a:rPr lang="en-US" altLang="zh-TW" dirty="0" smtClean="0">
                 <a:latin typeface="Times New Roman" pitchFamily="18" charset="0"/>
@@ -14860,14 +15499,7 @@
                 <a:latin typeface="Times New Roman" pitchFamily="18" charset="0"/>
                 <a:cs typeface="Times New Roman" pitchFamily="18" charset="0"/>
               </a:rPr>
-              <a:t>：依照</a:t>
-            </a:r>
-            <a:r>
-              <a:rPr lang="zh-TW" altLang="en-US" dirty="0" smtClean="0">
-                <a:latin typeface="Times New Roman" pitchFamily="18" charset="0"/>
-                <a:cs typeface="Times New Roman" pitchFamily="18" charset="0"/>
-              </a:rPr>
-              <a:t> </a:t>
+              <a:t>：依照 </a:t>
             </a:r>
             <a:r>
               <a:rPr lang="en-US" altLang="zh-TW" dirty="0" smtClean="0">

--- a/靜態網頁.pptx
+++ b/靜態網頁.pptx
@@ -35,7 +35,9 @@
     <p:sldId id="281" r:id="rId29"/>
     <p:sldId id="282" r:id="rId30"/>
     <p:sldId id="283" r:id="rId31"/>
-    <p:sldId id="284" r:id="rId32"/>
+    <p:sldId id="287" r:id="rId32"/>
+    <p:sldId id="284" r:id="rId33"/>
+    <p:sldId id="288" r:id="rId34"/>
   </p:sldIdLst>
   <p:sldSz cx="9144000" cy="6858000" type="screen4x3"/>
   <p:notesSz cx="6858000" cy="9144000"/>
@@ -332,7 +334,7 @@
           <a:p>
             <a:fld id="{5BBEAD13-0566-4C6C-97E7-55F17F24B09F}" type="datetimeFigureOut">
               <a:rPr lang="zh-TW" altLang="en-US" smtClean="0"/>
-              <a:t>2021/7/19</a:t>
+              <a:t>2021/7/20</a:t>
             </a:fld>
             <a:endParaRPr lang="zh-TW" altLang="en-US"/>
           </a:p>
@@ -495,7 +497,7 @@
           <a:p>
             <a:fld id="{5BBEAD13-0566-4C6C-97E7-55F17F24B09F}" type="datetimeFigureOut">
               <a:rPr lang="zh-TW" altLang="en-US" smtClean="0"/>
-              <a:t>2021/7/19</a:t>
+              <a:t>2021/7/20</a:t>
             </a:fld>
             <a:endParaRPr lang="zh-TW" altLang="en-US"/>
           </a:p>
@@ -668,7 +670,7 @@
           <a:p>
             <a:fld id="{5BBEAD13-0566-4C6C-97E7-55F17F24B09F}" type="datetimeFigureOut">
               <a:rPr lang="zh-TW" altLang="en-US" smtClean="0"/>
-              <a:t>2021/7/19</a:t>
+              <a:t>2021/7/20</a:t>
             </a:fld>
             <a:endParaRPr lang="zh-TW" altLang="en-US"/>
           </a:p>
@@ -831,7 +833,7 @@
           <a:p>
             <a:fld id="{5BBEAD13-0566-4C6C-97E7-55F17F24B09F}" type="datetimeFigureOut">
               <a:rPr lang="zh-TW" altLang="en-US" smtClean="0"/>
-              <a:t>2021/7/19</a:t>
+              <a:t>2021/7/20</a:t>
             </a:fld>
             <a:endParaRPr lang="zh-TW" altLang="en-US"/>
           </a:p>
@@ -1071,7 +1073,7 @@
           <a:p>
             <a:fld id="{5BBEAD13-0566-4C6C-97E7-55F17F24B09F}" type="datetimeFigureOut">
               <a:rPr lang="zh-TW" altLang="en-US" smtClean="0"/>
-              <a:t>2021/7/19</a:t>
+              <a:t>2021/7/20</a:t>
             </a:fld>
             <a:endParaRPr lang="zh-TW" altLang="en-US"/>
           </a:p>
@@ -1351,7 +1353,7 @@
           <a:p>
             <a:fld id="{5BBEAD13-0566-4C6C-97E7-55F17F24B09F}" type="datetimeFigureOut">
               <a:rPr lang="zh-TW" altLang="en-US" smtClean="0"/>
-              <a:t>2021/7/19</a:t>
+              <a:t>2021/7/20</a:t>
             </a:fld>
             <a:endParaRPr lang="zh-TW" altLang="en-US"/>
           </a:p>
@@ -1765,7 +1767,7 @@
           <a:p>
             <a:fld id="{5BBEAD13-0566-4C6C-97E7-55F17F24B09F}" type="datetimeFigureOut">
               <a:rPr lang="zh-TW" altLang="en-US" smtClean="0"/>
-              <a:t>2021/7/19</a:t>
+              <a:t>2021/7/20</a:t>
             </a:fld>
             <a:endParaRPr lang="zh-TW" altLang="en-US"/>
           </a:p>
@@ -1877,7 +1879,7 @@
           <a:p>
             <a:fld id="{5BBEAD13-0566-4C6C-97E7-55F17F24B09F}" type="datetimeFigureOut">
               <a:rPr lang="zh-TW" altLang="en-US" smtClean="0"/>
-              <a:t>2021/7/19</a:t>
+              <a:t>2021/7/20</a:t>
             </a:fld>
             <a:endParaRPr lang="zh-TW" altLang="en-US"/>
           </a:p>
@@ -1967,7 +1969,7 @@
           <a:p>
             <a:fld id="{5BBEAD13-0566-4C6C-97E7-55F17F24B09F}" type="datetimeFigureOut">
               <a:rPr lang="zh-TW" altLang="en-US" smtClean="0"/>
-              <a:t>2021/7/19</a:t>
+              <a:t>2021/7/20</a:t>
             </a:fld>
             <a:endParaRPr lang="zh-TW" altLang="en-US"/>
           </a:p>
@@ -2237,7 +2239,7 @@
           <a:p>
             <a:fld id="{5BBEAD13-0566-4C6C-97E7-55F17F24B09F}" type="datetimeFigureOut">
               <a:rPr lang="zh-TW" altLang="en-US" smtClean="0"/>
-              <a:t>2021/7/19</a:t>
+              <a:t>2021/7/20</a:t>
             </a:fld>
             <a:endParaRPr lang="zh-TW" altLang="en-US"/>
           </a:p>
@@ -2484,7 +2486,7 @@
           <a:p>
             <a:fld id="{5BBEAD13-0566-4C6C-97E7-55F17F24B09F}" type="datetimeFigureOut">
               <a:rPr lang="zh-TW" altLang="en-US" smtClean="0"/>
-              <a:t>2021/7/19</a:t>
+              <a:t>2021/7/20</a:t>
             </a:fld>
             <a:endParaRPr lang="zh-TW" altLang="en-US"/>
           </a:p>
@@ -2690,7 +2692,7 @@
           <a:p>
             <a:fld id="{5BBEAD13-0566-4C6C-97E7-55F17F24B09F}" type="datetimeFigureOut">
               <a:rPr lang="zh-TW" altLang="en-US" smtClean="0"/>
-              <a:t>2021/7/19</a:t>
+              <a:t>2021/7/20</a:t>
             </a:fld>
             <a:endParaRPr lang="zh-TW" altLang="en-US"/>
           </a:p>
@@ -13551,10 +13553,6 @@
               </a:rPr>
               <a:t>top, right, bottom, left, z-index</a:t>
             </a:r>
-            <a:endParaRPr lang="en-US" altLang="zh-TW" dirty="0" smtClean="0">
-              <a:latin typeface="Times New Roman" pitchFamily="18" charset="0"/>
-              <a:cs typeface="Times New Roman" pitchFamily="18" charset="0"/>
-            </a:endParaRPr>
           </a:p>
         </p:txBody>
       </p:sp>
@@ -15203,6 +15201,378 @@
 </file>
 
 <file path=ppt/slides/slide31.xml><?xml version="1.0" encoding="utf-8"?>
+<p:sld xmlns:a="http://schemas.openxmlformats.org/drawingml/2006/main" xmlns:r="http://schemas.openxmlformats.org/officeDocument/2006/relationships" xmlns:p="http://schemas.openxmlformats.org/presentationml/2006/main">
+  <p:cSld>
+    <p:spTree>
+      <p:nvGrpSpPr>
+        <p:cNvPr id="1" name=""/>
+        <p:cNvGrpSpPr/>
+        <p:nvPr/>
+      </p:nvGrpSpPr>
+      <p:grpSpPr>
+        <a:xfrm>
+          <a:off x="0" y="0"/>
+          <a:ext cx="0" cy="0"/>
+          <a:chOff x="0" y="0"/>
+          <a:chExt cx="0" cy="0"/>
+        </a:xfrm>
+      </p:grpSpPr>
+      <p:sp>
+        <p:nvSpPr>
+          <p:cNvPr id="4" name="文字方塊 3"/>
+          <p:cNvSpPr txBox="1"/>
+          <p:nvPr/>
+        </p:nvSpPr>
+        <p:spPr>
+          <a:xfrm>
+            <a:off x="0" y="0"/>
+            <a:ext cx="9144000" cy="836712"/>
+          </a:xfrm>
+          <a:prstGeom prst="rect">
+            <a:avLst/>
+          </a:prstGeom>
+          <a:noFill/>
+        </p:spPr>
+        <p:txBody>
+          <a:bodyPr wrap="square" rtlCol="0" anchor="ctr">
+            <a:noAutofit/>
+          </a:bodyPr>
+          <a:lstStyle/>
+          <a:p>
+            <a:pPr algn="ctr"/>
+            <a:r>
+              <a:rPr lang="en-US" altLang="zh-TW" sz="2400" dirty="0">
+                <a:latin typeface="Times New Roman" pitchFamily="18" charset="0"/>
+                <a:cs typeface="Times New Roman" pitchFamily="18" charset="0"/>
+              </a:rPr>
+              <a:t>RWD(Responsive Web Design) </a:t>
+            </a:r>
+            <a:r>
+              <a:rPr lang="en-US" altLang="zh-TW" sz="2400" dirty="0" smtClean="0">
+                <a:latin typeface="Times New Roman" pitchFamily="18" charset="0"/>
+                <a:cs typeface="Times New Roman" pitchFamily="18" charset="0"/>
+              </a:rPr>
+              <a:t>and Media Query</a:t>
+            </a:r>
+            <a:endParaRPr lang="zh-TW" altLang="en-US" sz="2400" dirty="0">
+              <a:latin typeface="Times New Roman" pitchFamily="18" charset="0"/>
+              <a:cs typeface="Times New Roman" pitchFamily="18" charset="0"/>
+            </a:endParaRPr>
+          </a:p>
+        </p:txBody>
+      </p:sp>
+      <p:sp>
+        <p:nvSpPr>
+          <p:cNvPr id="5" name="文字方塊 4"/>
+          <p:cNvSpPr txBox="1"/>
+          <p:nvPr/>
+        </p:nvSpPr>
+        <p:spPr>
+          <a:xfrm>
+            <a:off x="8711952" y="6573902"/>
+            <a:ext cx="432048" cy="276999"/>
+          </a:xfrm>
+          <a:prstGeom prst="rect">
+            <a:avLst/>
+          </a:prstGeom>
+          <a:noFill/>
+        </p:spPr>
+        <p:txBody>
+          <a:bodyPr wrap="square" rtlCol="0" anchor="ctr">
+            <a:spAutoFit/>
+          </a:bodyPr>
+          <a:lstStyle/>
+          <a:p>
+            <a:pPr algn="ctr"/>
+            <a:r>
+              <a:rPr lang="en-US" altLang="zh-TW" sz="1200" dirty="0" smtClean="0">
+                <a:latin typeface="Times New Roman" pitchFamily="18" charset="0"/>
+                <a:cs typeface="Times New Roman" pitchFamily="18" charset="0"/>
+              </a:rPr>
+              <a:t>31</a:t>
+            </a:r>
+            <a:endParaRPr lang="zh-TW" altLang="en-US" sz="1200" dirty="0">
+              <a:latin typeface="Times New Roman" pitchFamily="18" charset="0"/>
+              <a:cs typeface="Times New Roman" pitchFamily="18" charset="0"/>
+            </a:endParaRPr>
+          </a:p>
+        </p:txBody>
+      </p:sp>
+      <p:sp>
+        <p:nvSpPr>
+          <p:cNvPr id="38" name="文字方塊 37"/>
+          <p:cNvSpPr txBox="1"/>
+          <p:nvPr/>
+        </p:nvSpPr>
+        <p:spPr>
+          <a:xfrm>
+            <a:off x="503548" y="1124744"/>
+            <a:ext cx="8136904" cy="5328592"/>
+          </a:xfrm>
+          <a:prstGeom prst="rect">
+            <a:avLst/>
+          </a:prstGeom>
+          <a:noFill/>
+        </p:spPr>
+        <p:txBody>
+          <a:bodyPr wrap="square" rtlCol="0" anchor="t">
+            <a:noAutofit/>
+          </a:bodyPr>
+          <a:lstStyle/>
+          <a:p>
+            <a:pPr defTabSz="0"/>
+            <a:r>
+              <a:rPr lang="en-US" altLang="zh-TW" dirty="0" smtClean="0">
+                <a:latin typeface="Times New Roman" pitchFamily="18" charset="0"/>
+                <a:cs typeface="Times New Roman" pitchFamily="18" charset="0"/>
+              </a:rPr>
+              <a:t>RWD</a:t>
+            </a:r>
+            <a:r>
+              <a:rPr lang="zh-TW" altLang="en-US" dirty="0" smtClean="0">
+                <a:latin typeface="Times New Roman" pitchFamily="18" charset="0"/>
+                <a:cs typeface="Times New Roman" pitchFamily="18" charset="0"/>
+              </a:rPr>
+              <a:t>：</a:t>
+            </a:r>
+            <a:endParaRPr lang="en-US" altLang="zh-TW" dirty="0" smtClean="0">
+              <a:latin typeface="Times New Roman" pitchFamily="18" charset="0"/>
+              <a:cs typeface="Times New Roman" pitchFamily="18" charset="0"/>
+            </a:endParaRPr>
+          </a:p>
+          <a:p>
+            <a:pPr defTabSz="0"/>
+            <a:r>
+              <a:rPr lang="zh-TW" altLang="en-US" dirty="0">
+                <a:latin typeface="Times New Roman" pitchFamily="18" charset="0"/>
+                <a:cs typeface="Times New Roman" pitchFamily="18" charset="0"/>
+              </a:rPr>
+              <a:t> </a:t>
+            </a:r>
+            <a:r>
+              <a:rPr lang="zh-TW" altLang="en-US" dirty="0" smtClean="0">
+                <a:latin typeface="Times New Roman" pitchFamily="18" charset="0"/>
+                <a:cs typeface="Times New Roman" pitchFamily="18" charset="0"/>
+              </a:rPr>
+              <a:t>   </a:t>
+            </a:r>
+            <a:r>
+              <a:rPr lang="en-US" altLang="zh-TW" dirty="0" smtClean="0">
+                <a:latin typeface="Times New Roman" pitchFamily="18" charset="0"/>
+                <a:cs typeface="Times New Roman" pitchFamily="18" charset="0"/>
+              </a:rPr>
+              <a:t>Web </a:t>
+            </a:r>
+            <a:r>
+              <a:rPr lang="zh-TW" altLang="en-US" dirty="0" smtClean="0">
+                <a:latin typeface="Times New Roman" pitchFamily="18" charset="0"/>
+                <a:cs typeface="Times New Roman" pitchFamily="18" charset="0"/>
+              </a:rPr>
+              <a:t>隨者不同的裝置而有不一樣的外觀</a:t>
+            </a:r>
+            <a:endParaRPr lang="en-US" altLang="zh-TW" dirty="0" smtClean="0">
+              <a:latin typeface="Times New Roman" pitchFamily="18" charset="0"/>
+              <a:cs typeface="Times New Roman" pitchFamily="18" charset="0"/>
+            </a:endParaRPr>
+          </a:p>
+          <a:p>
+            <a:pPr defTabSz="0"/>
+            <a:endParaRPr lang="en-US" altLang="zh-TW" dirty="0">
+              <a:latin typeface="Times New Roman" pitchFamily="18" charset="0"/>
+              <a:cs typeface="Times New Roman" pitchFamily="18" charset="0"/>
+            </a:endParaRPr>
+          </a:p>
+          <a:p>
+            <a:pPr defTabSz="0"/>
+            <a:r>
+              <a:rPr lang="en-US" altLang="zh-TW" dirty="0" smtClean="0">
+                <a:latin typeface="Times New Roman" pitchFamily="18" charset="0"/>
+                <a:cs typeface="Times New Roman" pitchFamily="18" charset="0"/>
+              </a:rPr>
+              <a:t>Media Query</a:t>
+            </a:r>
+            <a:r>
+              <a:rPr lang="zh-TW" altLang="en-US" dirty="0" smtClean="0">
+                <a:latin typeface="Times New Roman" pitchFamily="18" charset="0"/>
+                <a:cs typeface="Times New Roman" pitchFamily="18" charset="0"/>
+              </a:rPr>
+              <a:t>：</a:t>
+            </a:r>
+            <a:endParaRPr lang="en-US" altLang="zh-TW" dirty="0" smtClean="0">
+              <a:latin typeface="Times New Roman" pitchFamily="18" charset="0"/>
+              <a:cs typeface="Times New Roman" pitchFamily="18" charset="0"/>
+            </a:endParaRPr>
+          </a:p>
+          <a:p>
+            <a:pPr defTabSz="0"/>
+            <a:r>
+              <a:rPr lang="zh-TW" altLang="en-US" dirty="0">
+                <a:latin typeface="Times New Roman" pitchFamily="18" charset="0"/>
+                <a:cs typeface="Times New Roman" pitchFamily="18" charset="0"/>
+              </a:rPr>
+              <a:t> </a:t>
+            </a:r>
+            <a:r>
+              <a:rPr lang="zh-TW" altLang="en-US" dirty="0" smtClean="0">
+                <a:latin typeface="Times New Roman" pitchFamily="18" charset="0"/>
+                <a:cs typeface="Times New Roman" pitchFamily="18" charset="0"/>
+              </a:rPr>
+              <a:t>   用於偵測裝置寬度來改變 </a:t>
+            </a:r>
+            <a:r>
+              <a:rPr lang="en-US" altLang="zh-TW" dirty="0" smtClean="0">
+                <a:latin typeface="Times New Roman" pitchFamily="18" charset="0"/>
+                <a:cs typeface="Times New Roman" pitchFamily="18" charset="0"/>
+              </a:rPr>
+              <a:t>Element </a:t>
+            </a:r>
+            <a:r>
+              <a:rPr lang="zh-TW" altLang="en-US" dirty="0" smtClean="0">
+                <a:latin typeface="Times New Roman" pitchFamily="18" charset="0"/>
+                <a:cs typeface="Times New Roman" pitchFamily="18" charset="0"/>
+              </a:rPr>
+              <a:t>外觀</a:t>
+            </a:r>
+            <a:endParaRPr lang="en-US" altLang="zh-TW" dirty="0">
+              <a:latin typeface="Times New Roman" pitchFamily="18" charset="0"/>
+              <a:cs typeface="Times New Roman" pitchFamily="18" charset="0"/>
+            </a:endParaRPr>
+          </a:p>
+          <a:p>
+            <a:pPr defTabSz="0"/>
+            <a:endParaRPr lang="en-US" altLang="zh-TW" dirty="0" smtClean="0">
+              <a:latin typeface="Times New Roman" pitchFamily="18" charset="0"/>
+              <a:cs typeface="Times New Roman" pitchFamily="18" charset="0"/>
+            </a:endParaRPr>
+          </a:p>
+          <a:p>
+            <a:pPr defTabSz="0"/>
+            <a:r>
+              <a:rPr lang="zh-TW" altLang="en-US" dirty="0" smtClean="0">
+                <a:latin typeface="Times New Roman" pitchFamily="18" charset="0"/>
+                <a:cs typeface="Times New Roman" pitchFamily="18" charset="0"/>
+              </a:rPr>
+              <a:t>語法：</a:t>
+            </a:r>
+            <a:endParaRPr lang="en-US" altLang="zh-TW" dirty="0">
+              <a:latin typeface="Times New Roman" pitchFamily="18" charset="0"/>
+              <a:cs typeface="Times New Roman" pitchFamily="18" charset="0"/>
+            </a:endParaRPr>
+          </a:p>
+          <a:p>
+            <a:pPr defTabSz="0"/>
+            <a:r>
+              <a:rPr lang="en-US" altLang="zh-TW" dirty="0">
+                <a:latin typeface="Times New Roman" pitchFamily="18" charset="0"/>
+                <a:cs typeface="Times New Roman" pitchFamily="18" charset="0"/>
+              </a:rPr>
+              <a:t>        </a:t>
+            </a:r>
+            <a:r>
+              <a:rPr lang="en-US" altLang="zh-TW" dirty="0">
+                <a:solidFill>
+                  <a:srgbClr val="FF0000"/>
+                </a:solidFill>
+                <a:latin typeface="Times New Roman" pitchFamily="18" charset="0"/>
+                <a:cs typeface="Times New Roman" pitchFamily="18" charset="0"/>
+              </a:rPr>
+              <a:t>@media (min-width: 576px)</a:t>
+            </a:r>
+            <a:r>
+              <a:rPr lang="en-US" altLang="zh-TW" dirty="0">
+                <a:latin typeface="Times New Roman" pitchFamily="18" charset="0"/>
+                <a:cs typeface="Times New Roman" pitchFamily="18" charset="0"/>
+              </a:rPr>
+              <a:t> { </a:t>
+            </a:r>
+          </a:p>
+          <a:p>
+            <a:pPr defTabSz="0"/>
+            <a:r>
+              <a:rPr lang="en-US" altLang="zh-TW" dirty="0">
+                <a:latin typeface="Times New Roman" pitchFamily="18" charset="0"/>
+                <a:cs typeface="Times New Roman" pitchFamily="18" charset="0"/>
+              </a:rPr>
+              <a:t>            </a:t>
+            </a:r>
+            <a:r>
+              <a:rPr lang="en-US" altLang="zh-TW" dirty="0">
+                <a:solidFill>
+                  <a:srgbClr val="00B050"/>
+                </a:solidFill>
+                <a:latin typeface="Times New Roman" pitchFamily="18" charset="0"/>
+                <a:cs typeface="Times New Roman" pitchFamily="18" charset="0"/>
+              </a:rPr>
+              <a:t>.box</a:t>
+            </a:r>
+            <a:r>
+              <a:rPr lang="en-US" altLang="zh-TW" dirty="0">
+                <a:latin typeface="Times New Roman" pitchFamily="18" charset="0"/>
+                <a:cs typeface="Times New Roman" pitchFamily="18" charset="0"/>
+              </a:rPr>
+              <a:t> {</a:t>
+            </a:r>
+          </a:p>
+          <a:p>
+            <a:pPr defTabSz="0"/>
+            <a:r>
+              <a:rPr lang="en-US" altLang="zh-TW" dirty="0">
+                <a:latin typeface="Times New Roman" pitchFamily="18" charset="0"/>
+                <a:cs typeface="Times New Roman" pitchFamily="18" charset="0"/>
+              </a:rPr>
+              <a:t>                width: 50px;</a:t>
+            </a:r>
+          </a:p>
+          <a:p>
+            <a:pPr defTabSz="0"/>
+            <a:r>
+              <a:rPr lang="en-US" altLang="zh-TW" dirty="0">
+                <a:latin typeface="Times New Roman" pitchFamily="18" charset="0"/>
+                <a:cs typeface="Times New Roman" pitchFamily="18" charset="0"/>
+              </a:rPr>
+              <a:t>                height: 50px;</a:t>
+            </a:r>
+          </a:p>
+          <a:p>
+            <a:pPr defTabSz="0"/>
+            <a:r>
+              <a:rPr lang="en-US" altLang="zh-TW" dirty="0">
+                <a:latin typeface="Times New Roman" pitchFamily="18" charset="0"/>
+                <a:cs typeface="Times New Roman" pitchFamily="18" charset="0"/>
+              </a:rPr>
+              <a:t>            }</a:t>
+            </a:r>
+          </a:p>
+          <a:p>
+            <a:pPr defTabSz="0"/>
+            <a:r>
+              <a:rPr lang="en-US" altLang="zh-TW" dirty="0">
+                <a:latin typeface="Times New Roman" pitchFamily="18" charset="0"/>
+                <a:cs typeface="Times New Roman" pitchFamily="18" charset="0"/>
+              </a:rPr>
+              <a:t>         }</a:t>
+            </a:r>
+            <a:endParaRPr lang="en-US" altLang="zh-TW" dirty="0" smtClean="0">
+              <a:latin typeface="Times New Roman" pitchFamily="18" charset="0"/>
+              <a:cs typeface="Times New Roman" pitchFamily="18" charset="0"/>
+            </a:endParaRPr>
+          </a:p>
+        </p:txBody>
+      </p:sp>
+    </p:spTree>
+    <p:extLst>
+      <p:ext uri="{BB962C8B-B14F-4D97-AF65-F5344CB8AC3E}">
+        <p14:creationId xmlns:p14="http://schemas.microsoft.com/office/powerpoint/2010/main" val="1474114573"/>
+      </p:ext>
+    </p:extLst>
+  </p:cSld>
+  <p:clrMapOvr>
+    <a:masterClrMapping/>
+  </p:clrMapOvr>
+</p:sld>
+</file>
+
+<file path=ppt/slides/slide32.xml><?xml version="1.0" encoding="utf-8"?>
 <p:sld xmlns:a="http://schemas.openxmlformats.org/drawingml/2006/main" xmlns:r="http://schemas.openxmlformats.org/officeDocument/2006/relationships" xmlns:p="http://schemas.openxmlformats.org/presentationml/2006/main">
   <p:cSld>
     <p:spTree>
@@ -16813,6 +17183,328 @@
 </p:sld>
 </file>
 
+<file path=ppt/slides/slide33.xml><?xml version="1.0" encoding="utf-8"?>
+<p:sld xmlns:a="http://schemas.openxmlformats.org/drawingml/2006/main" xmlns:r="http://schemas.openxmlformats.org/officeDocument/2006/relationships" xmlns:p="http://schemas.openxmlformats.org/presentationml/2006/main">
+  <p:cSld>
+    <p:spTree>
+      <p:nvGrpSpPr>
+        <p:cNvPr id="1" name=""/>
+        <p:cNvGrpSpPr/>
+        <p:nvPr/>
+      </p:nvGrpSpPr>
+      <p:grpSpPr>
+        <a:xfrm>
+          <a:off x="0" y="0"/>
+          <a:ext cx="0" cy="0"/>
+          <a:chOff x="0" y="0"/>
+          <a:chExt cx="0" cy="0"/>
+        </a:xfrm>
+      </p:grpSpPr>
+      <p:sp>
+        <p:nvSpPr>
+          <p:cNvPr id="4" name="文字方塊 3"/>
+          <p:cNvSpPr txBox="1"/>
+          <p:nvPr/>
+        </p:nvSpPr>
+        <p:spPr>
+          <a:xfrm>
+            <a:off x="0" y="0"/>
+            <a:ext cx="9144000" cy="836712"/>
+          </a:xfrm>
+          <a:prstGeom prst="rect">
+            <a:avLst/>
+          </a:prstGeom>
+          <a:noFill/>
+        </p:spPr>
+        <p:txBody>
+          <a:bodyPr wrap="square" rtlCol="0" anchor="ctr">
+            <a:noAutofit/>
+          </a:bodyPr>
+          <a:lstStyle/>
+          <a:p>
+            <a:pPr algn="ctr"/>
+            <a:r>
+              <a:rPr lang="en-US" altLang="zh-TW" sz="2400" dirty="0" smtClean="0">
+                <a:latin typeface="Times New Roman" pitchFamily="18" charset="0"/>
+                <a:cs typeface="Times New Roman" pitchFamily="18" charset="0"/>
+              </a:rPr>
+              <a:t>Bootstrap 5</a:t>
+            </a:r>
+            <a:r>
+              <a:rPr lang="zh-TW" altLang="en-US" sz="2400" dirty="0" smtClean="0">
+                <a:latin typeface="Times New Roman" pitchFamily="18" charset="0"/>
+                <a:cs typeface="Times New Roman" pitchFamily="18" charset="0"/>
+              </a:rPr>
+              <a:t> 作業</a:t>
+            </a:r>
+            <a:endParaRPr lang="zh-TW" altLang="en-US" sz="2400" dirty="0">
+              <a:latin typeface="Times New Roman" pitchFamily="18" charset="0"/>
+              <a:cs typeface="Times New Roman" pitchFamily="18" charset="0"/>
+            </a:endParaRPr>
+          </a:p>
+        </p:txBody>
+      </p:sp>
+      <p:sp>
+        <p:nvSpPr>
+          <p:cNvPr id="5" name="文字方塊 4"/>
+          <p:cNvSpPr txBox="1"/>
+          <p:nvPr/>
+        </p:nvSpPr>
+        <p:spPr>
+          <a:xfrm>
+            <a:off x="8711952" y="6573902"/>
+            <a:ext cx="432048" cy="276999"/>
+          </a:xfrm>
+          <a:prstGeom prst="rect">
+            <a:avLst/>
+          </a:prstGeom>
+          <a:noFill/>
+        </p:spPr>
+        <p:txBody>
+          <a:bodyPr wrap="square" rtlCol="0" anchor="ctr">
+            <a:spAutoFit/>
+          </a:bodyPr>
+          <a:lstStyle/>
+          <a:p>
+            <a:pPr algn="ctr"/>
+            <a:r>
+              <a:rPr lang="en-US" altLang="zh-TW" sz="1200" dirty="0" smtClean="0">
+                <a:latin typeface="Times New Roman" pitchFamily="18" charset="0"/>
+                <a:cs typeface="Times New Roman" pitchFamily="18" charset="0"/>
+              </a:rPr>
+              <a:t>31</a:t>
+            </a:r>
+            <a:endParaRPr lang="zh-TW" altLang="en-US" sz="1200" dirty="0">
+              <a:latin typeface="Times New Roman" pitchFamily="18" charset="0"/>
+              <a:cs typeface="Times New Roman" pitchFamily="18" charset="0"/>
+            </a:endParaRPr>
+          </a:p>
+        </p:txBody>
+      </p:sp>
+      <p:sp>
+        <p:nvSpPr>
+          <p:cNvPr id="38" name="文字方塊 37"/>
+          <p:cNvSpPr txBox="1"/>
+          <p:nvPr/>
+        </p:nvSpPr>
+        <p:spPr>
+          <a:xfrm>
+            <a:off x="503548" y="1124744"/>
+            <a:ext cx="8136904" cy="5328592"/>
+          </a:xfrm>
+          <a:prstGeom prst="rect">
+            <a:avLst/>
+          </a:prstGeom>
+          <a:noFill/>
+        </p:spPr>
+        <p:txBody>
+          <a:bodyPr wrap="square" rtlCol="0" anchor="t">
+            <a:noAutofit/>
+          </a:bodyPr>
+          <a:lstStyle/>
+          <a:p>
+            <a:pPr defTabSz="0"/>
+            <a:r>
+              <a:rPr lang="zh-TW" altLang="en-US" dirty="0" smtClean="0">
+                <a:latin typeface="Times New Roman" pitchFamily="18" charset="0"/>
+                <a:cs typeface="Times New Roman" pitchFamily="18" charset="0"/>
+              </a:rPr>
+              <a:t>請製作一個 </a:t>
+            </a:r>
+            <a:r>
+              <a:rPr lang="en-US" altLang="zh-TW" dirty="0" smtClean="0">
+                <a:latin typeface="Times New Roman" pitchFamily="18" charset="0"/>
+                <a:cs typeface="Times New Roman" pitchFamily="18" charset="0"/>
+              </a:rPr>
+              <a:t>RWD</a:t>
+            </a:r>
+            <a:r>
+              <a:rPr lang="zh-TW" altLang="en-US" dirty="0" smtClean="0">
+                <a:latin typeface="Times New Roman" pitchFamily="18" charset="0"/>
+                <a:cs typeface="Times New Roman" pitchFamily="18" charset="0"/>
+              </a:rPr>
+              <a:t> </a:t>
+            </a:r>
+            <a:r>
+              <a:rPr lang="en-US" altLang="zh-TW" dirty="0" smtClean="0">
+                <a:latin typeface="Times New Roman" pitchFamily="18" charset="0"/>
+                <a:cs typeface="Times New Roman" pitchFamily="18" charset="0"/>
+              </a:rPr>
+              <a:t>GUI</a:t>
+            </a:r>
+            <a:r>
+              <a:rPr lang="zh-TW" altLang="en-US" dirty="0" smtClean="0">
+                <a:latin typeface="Times New Roman" pitchFamily="18" charset="0"/>
+                <a:cs typeface="Times New Roman" pitchFamily="18" charset="0"/>
+              </a:rPr>
+              <a:t>，包含：</a:t>
+            </a:r>
+            <a:endParaRPr lang="en-US" altLang="zh-TW" dirty="0" smtClean="0">
+              <a:latin typeface="Times New Roman" pitchFamily="18" charset="0"/>
+              <a:cs typeface="Times New Roman" pitchFamily="18" charset="0"/>
+            </a:endParaRPr>
+          </a:p>
+          <a:p>
+            <a:pPr marL="180975" indent="-180975" defTabSz="0">
+              <a:buAutoNum type="arabicPeriod"/>
+            </a:pPr>
+            <a:r>
+              <a:rPr lang="zh-TW" altLang="en-US" dirty="0" smtClean="0">
+                <a:solidFill>
+                  <a:srgbClr val="FF0000"/>
+                </a:solidFill>
+                <a:latin typeface="Times New Roman" pitchFamily="18" charset="0"/>
+                <a:cs typeface="Times New Roman" pitchFamily="18" charset="0"/>
+              </a:rPr>
+              <a:t>上方導覽列</a:t>
+            </a:r>
+            <a:r>
+              <a:rPr lang="en-US" altLang="zh-TW" dirty="0" smtClean="0">
+                <a:solidFill>
+                  <a:srgbClr val="FF0000"/>
+                </a:solidFill>
+                <a:latin typeface="Times New Roman" pitchFamily="18" charset="0"/>
+                <a:cs typeface="Times New Roman" pitchFamily="18" charset="0"/>
+              </a:rPr>
+              <a:t>(</a:t>
+            </a:r>
+            <a:r>
+              <a:rPr lang="en-US" altLang="zh-TW" dirty="0" err="1" smtClean="0">
+                <a:solidFill>
+                  <a:srgbClr val="FF0000"/>
+                </a:solidFill>
+                <a:latin typeface="Times New Roman" pitchFamily="18" charset="0"/>
+                <a:cs typeface="Times New Roman" pitchFamily="18" charset="0"/>
+              </a:rPr>
+              <a:t>nav</a:t>
+            </a:r>
+            <a:r>
+              <a:rPr lang="en-US" altLang="zh-TW" dirty="0" smtClean="0">
+                <a:solidFill>
+                  <a:srgbClr val="FF0000"/>
+                </a:solidFill>
+                <a:latin typeface="Times New Roman" pitchFamily="18" charset="0"/>
+                <a:cs typeface="Times New Roman" pitchFamily="18" charset="0"/>
+              </a:rPr>
+              <a:t>)</a:t>
+            </a:r>
+          </a:p>
+          <a:p>
+            <a:pPr marL="180975" indent="-180975" defTabSz="0">
+              <a:buAutoNum type="arabicPeriod"/>
+            </a:pPr>
+            <a:r>
+              <a:rPr lang="zh-TW" altLang="en-US" dirty="0" smtClean="0">
+                <a:solidFill>
+                  <a:srgbClr val="FF0000"/>
+                </a:solidFill>
+                <a:latin typeface="Times New Roman" pitchFamily="18" charset="0"/>
+                <a:cs typeface="Times New Roman" pitchFamily="18" charset="0"/>
+              </a:rPr>
+              <a:t>中間內容 </a:t>
+            </a:r>
+            <a:r>
+              <a:rPr lang="en-US" altLang="zh-TW" dirty="0" err="1" smtClean="0">
+                <a:solidFill>
+                  <a:srgbClr val="FF0000"/>
+                </a:solidFill>
+                <a:latin typeface="Times New Roman" pitchFamily="18" charset="0"/>
+                <a:cs typeface="Times New Roman" pitchFamily="18" charset="0"/>
+              </a:rPr>
+              <a:t>contianer</a:t>
+            </a:r>
+            <a:endParaRPr lang="en-US" altLang="zh-TW" dirty="0" smtClean="0">
+              <a:solidFill>
+                <a:srgbClr val="FF0000"/>
+              </a:solidFill>
+              <a:latin typeface="Times New Roman" pitchFamily="18" charset="0"/>
+              <a:cs typeface="Times New Roman" pitchFamily="18" charset="0"/>
+            </a:endParaRPr>
+          </a:p>
+          <a:p>
+            <a:pPr marL="180975" indent="-180975" defTabSz="0">
+              <a:buAutoNum type="arabicPeriod"/>
+            </a:pPr>
+            <a:r>
+              <a:rPr lang="zh-TW" altLang="en-US" dirty="0" smtClean="0">
+                <a:solidFill>
+                  <a:srgbClr val="FF0000"/>
+                </a:solidFill>
+                <a:latin typeface="Times New Roman" pitchFamily="18" charset="0"/>
+                <a:cs typeface="Times New Roman" pitchFamily="18" charset="0"/>
+              </a:rPr>
+              <a:t>下方 </a:t>
+            </a:r>
+            <a:r>
+              <a:rPr lang="en-US" altLang="zh-TW" dirty="0" smtClean="0">
+                <a:solidFill>
+                  <a:srgbClr val="FF0000"/>
+                </a:solidFill>
+                <a:latin typeface="Times New Roman" pitchFamily="18" charset="0"/>
+                <a:cs typeface="Times New Roman" pitchFamily="18" charset="0"/>
+              </a:rPr>
+              <a:t>footer</a:t>
+            </a:r>
+          </a:p>
+          <a:p>
+            <a:pPr marL="180975" indent="-180975" defTabSz="0">
+              <a:buAutoNum type="arabicPeriod"/>
+            </a:pPr>
+            <a:r>
+              <a:rPr lang="zh-TW" altLang="en-US" dirty="0" smtClean="0">
+                <a:solidFill>
+                  <a:srgbClr val="FF0000"/>
+                </a:solidFill>
+                <a:latin typeface="Times New Roman" pitchFamily="18" charset="0"/>
+                <a:cs typeface="Times New Roman" pitchFamily="18" charset="0"/>
+              </a:rPr>
+              <a:t>至少提供三種尺寸的樣式</a:t>
+            </a:r>
+            <a:endParaRPr lang="en-US" altLang="zh-TW" dirty="0" smtClean="0">
+              <a:solidFill>
+                <a:srgbClr val="FF0000"/>
+              </a:solidFill>
+              <a:latin typeface="Times New Roman" pitchFamily="18" charset="0"/>
+              <a:cs typeface="Times New Roman" pitchFamily="18" charset="0"/>
+            </a:endParaRPr>
+          </a:p>
+          <a:p>
+            <a:pPr marL="180975" indent="-180975" defTabSz="0">
+              <a:buAutoNum type="arabicPeriod"/>
+            </a:pPr>
+            <a:r>
+              <a:rPr lang="zh-TW" altLang="en-US" smtClean="0">
+                <a:solidFill>
+                  <a:srgbClr val="FF0000"/>
+                </a:solidFill>
+                <a:latin typeface="Times New Roman" pitchFamily="18" charset="0"/>
+                <a:cs typeface="Times New Roman" pitchFamily="18" charset="0"/>
+              </a:rPr>
+              <a:t>版面不可以跑掉</a:t>
+            </a:r>
+            <a:endParaRPr lang="en-US" altLang="zh-TW" dirty="0" smtClean="0">
+              <a:solidFill>
+                <a:srgbClr val="FF0000"/>
+              </a:solidFill>
+              <a:latin typeface="Times New Roman" pitchFamily="18" charset="0"/>
+              <a:cs typeface="Times New Roman" pitchFamily="18" charset="0"/>
+            </a:endParaRPr>
+          </a:p>
+        </p:txBody>
+      </p:sp>
+    </p:spTree>
+    <p:extLst>
+      <p:ext uri="{BB962C8B-B14F-4D97-AF65-F5344CB8AC3E}">
+        <p14:creationId xmlns:p14="http://schemas.microsoft.com/office/powerpoint/2010/main" val="2933161957"/>
+      </p:ext>
+    </p:extLst>
+  </p:cSld>
+  <p:clrMapOvr>
+    <a:masterClrMapping/>
+  </p:clrMapOvr>
+</p:sld>
+</file>
+
 <file path=ppt/slides/slide4.xml><?xml version="1.0" encoding="utf-8"?>
 <p:sld xmlns:a="http://schemas.openxmlformats.org/drawingml/2006/main" xmlns:r="http://schemas.openxmlformats.org/officeDocument/2006/relationships" xmlns:p="http://schemas.openxmlformats.org/presentationml/2006/main">
   <p:cSld>
